--- a/presentation/DSP_project_presentation.pptx
+++ b/presentation/DSP_project_presentation.pptx
@@ -5,7 +5,7 @@
     <p:sldMasterId id="2147483672" r:id="rId1"/>
   </p:sldMasterIdLst>
   <p:notesMasterIdLst>
-    <p:notesMasterId r:id="rId8"/>
+    <p:notesMasterId r:id="rId18"/>
   </p:notesMasterIdLst>
   <p:sldIdLst>
     <p:sldId id="256" r:id="rId2"/>
@@ -14,6 +14,16 @@
     <p:sldId id="259" r:id="rId5"/>
     <p:sldId id="260" r:id="rId6"/>
     <p:sldId id="261" r:id="rId7"/>
+    <p:sldId id="262" r:id="rId8"/>
+    <p:sldId id="263" r:id="rId9"/>
+    <p:sldId id="264" r:id="rId10"/>
+    <p:sldId id="266" r:id="rId11"/>
+    <p:sldId id="267" r:id="rId12"/>
+    <p:sldId id="269" r:id="rId13"/>
+    <p:sldId id="268" r:id="rId14"/>
+    <p:sldId id="270" r:id="rId15"/>
+    <p:sldId id="271" r:id="rId16"/>
+    <p:sldId id="265" r:id="rId17"/>
   </p:sldIdLst>
   <p:sldSz cx="12192000" cy="6858000"/>
   <p:notesSz cx="6858000" cy="9144000"/>
@@ -112,6 +122,11 @@
       </a:defRPr>
     </a:lvl9pPr>
   </p:defaultTextStyle>
+  <p:extLst>
+    <p:ext uri="{EFAFB233-063F-42B5-8137-9DF3F51BA10A}">
+      <p15:sldGuideLst xmlns:p15="http://schemas.microsoft.com/office/powerpoint/2012/main"/>
+    </p:ext>
+  </p:extLst>
 </p:presentation>
 </file>
 
@@ -197,7 +212,7 @@
           <a:p>
             <a:fld id="{2E45F2F5-60C8-4962-BCDB-4E5FE59EA305}" type="datetimeFigureOut">
               <a:rPr lang="en-US" smtClean="0"/>
-              <a:t>9/11/2021</a:t>
+              <a:t>9/26/2021</a:t>
             </a:fld>
             <a:endParaRPr lang="en-US"/>
           </a:p>
@@ -464,6 +479,640 @@
 </p:notesMaster>
 </file>
 
+<file path=ppt/notesSlides/notesSlide1.xml><?xml version="1.0" encoding="utf-8"?>
+<p:notes xmlns:a="http://schemas.openxmlformats.org/drawingml/2006/main" xmlns:r="http://schemas.openxmlformats.org/officeDocument/2006/relationships" xmlns:p="http://schemas.openxmlformats.org/presentationml/2006/main">
+  <p:cSld>
+    <p:spTree>
+      <p:nvGrpSpPr>
+        <p:cNvPr id="1" name=""/>
+        <p:cNvGrpSpPr/>
+        <p:nvPr/>
+      </p:nvGrpSpPr>
+      <p:grpSpPr>
+        <a:xfrm>
+          <a:off x="0" y="0"/>
+          <a:ext cx="0" cy="0"/>
+          <a:chOff x="0" y="0"/>
+          <a:chExt cx="0" cy="0"/>
+        </a:xfrm>
+      </p:grpSpPr>
+      <p:sp>
+        <p:nvSpPr>
+          <p:cNvPr id="2" name="מציין מיקום של תמונת שקופית 1"/>
+          <p:cNvSpPr>
+            <a:spLocks noGrp="1" noRot="1" noChangeAspect="1"/>
+          </p:cNvSpPr>
+          <p:nvPr>
+            <p:ph type="sldImg"/>
+          </p:nvPr>
+        </p:nvSpPr>
+        <p:spPr/>
+      </p:sp>
+      <p:sp>
+        <p:nvSpPr>
+          <p:cNvPr id="3" name="מציין מיקום של הערות 2"/>
+          <p:cNvSpPr>
+            <a:spLocks noGrp="1"/>
+          </p:cNvSpPr>
+          <p:nvPr>
+            <p:ph type="body" idx="1"/>
+          </p:nvPr>
+        </p:nvSpPr>
+        <p:spPr/>
+        <p:txBody>
+          <a:bodyPr/>
+          <a:lstStyle/>
+          <a:p>
+            <a:pPr marL="0" marR="0" lvl="0" indent="0" algn="l" defTabSz="914400" rtl="0" eaLnBrk="1" fontAlgn="auto" latinLnBrk="0" hangingPunct="1">
+              <a:lnSpc>
+                <a:spcPct val="100000"/>
+              </a:lnSpc>
+              <a:spcBef>
+                <a:spcPts val="0"/>
+              </a:spcBef>
+              <a:spcAft>
+                <a:spcPts val="0"/>
+              </a:spcAft>
+              <a:buClrTx/>
+              <a:buSzTx/>
+              <a:buFontTx/>
+              <a:buNone/>
+              <a:tabLst/>
+              <a:defRPr/>
+            </a:pPr>
+            <a:r>
+              <a:rPr lang="en-US" dirty="0"/>
+              <a:t>First, we need to define a correct rate of estimation - CRE</a:t>
+            </a:r>
+          </a:p>
+          <a:p>
+            <a:endParaRPr lang="en-US" dirty="0"/>
+          </a:p>
+        </p:txBody>
+      </p:sp>
+      <p:sp>
+        <p:nvSpPr>
+          <p:cNvPr id="4" name="מציין מיקום של מספר שקופית 3"/>
+          <p:cNvSpPr>
+            <a:spLocks noGrp="1"/>
+          </p:cNvSpPr>
+          <p:nvPr>
+            <p:ph type="sldNum" sz="quarter" idx="5"/>
+          </p:nvPr>
+        </p:nvSpPr>
+        <p:spPr/>
+        <p:txBody>
+          <a:bodyPr/>
+          <a:lstStyle/>
+          <a:p>
+            <a:fld id="{BB072CD4-8151-4317-B517-71349F960F6F}" type="slidenum">
+              <a:rPr lang="en-US" smtClean="0"/>
+              <a:t>9</a:t>
+            </a:fld>
+            <a:endParaRPr lang="en-US"/>
+          </a:p>
+        </p:txBody>
+      </p:sp>
+    </p:spTree>
+    <p:extLst>
+      <p:ext uri="{BB962C8B-B14F-4D97-AF65-F5344CB8AC3E}">
+        <p14:creationId xmlns:p14="http://schemas.microsoft.com/office/powerpoint/2010/main" val="3338940328"/>
+      </p:ext>
+    </p:extLst>
+  </p:cSld>
+  <p:clrMapOvr>
+    <a:masterClrMapping/>
+  </p:clrMapOvr>
+</p:notes>
+</file>
+
+<file path=ppt/notesSlides/notesSlide2.xml><?xml version="1.0" encoding="utf-8"?>
+<p:notes xmlns:a="http://schemas.openxmlformats.org/drawingml/2006/main" xmlns:r="http://schemas.openxmlformats.org/officeDocument/2006/relationships" xmlns:p="http://schemas.openxmlformats.org/presentationml/2006/main">
+  <p:cSld>
+    <p:spTree>
+      <p:nvGrpSpPr>
+        <p:cNvPr id="1" name=""/>
+        <p:cNvGrpSpPr/>
+        <p:nvPr/>
+      </p:nvGrpSpPr>
+      <p:grpSpPr>
+        <a:xfrm>
+          <a:off x="0" y="0"/>
+          <a:ext cx="0" cy="0"/>
+          <a:chOff x="0" y="0"/>
+          <a:chExt cx="0" cy="0"/>
+        </a:xfrm>
+      </p:grpSpPr>
+      <p:sp>
+        <p:nvSpPr>
+          <p:cNvPr id="2" name="מציין מיקום של תמונת שקופית 1"/>
+          <p:cNvSpPr>
+            <a:spLocks noGrp="1" noRot="1" noChangeAspect="1"/>
+          </p:cNvSpPr>
+          <p:nvPr>
+            <p:ph type="sldImg"/>
+          </p:nvPr>
+        </p:nvSpPr>
+        <p:spPr/>
+      </p:sp>
+      <p:sp>
+        <p:nvSpPr>
+          <p:cNvPr id="3" name="מציין מיקום של הערות 2"/>
+          <p:cNvSpPr>
+            <a:spLocks noGrp="1"/>
+          </p:cNvSpPr>
+          <p:nvPr>
+            <p:ph type="body" idx="1"/>
+          </p:nvPr>
+        </p:nvSpPr>
+        <p:spPr/>
+        <p:txBody>
+          <a:bodyPr/>
+          <a:lstStyle/>
+          <a:p>
+            <a:pPr marL="0" marR="0" lvl="0" indent="0" algn="l" defTabSz="914400" rtl="0" eaLnBrk="1" fontAlgn="auto" latinLnBrk="0" hangingPunct="1">
+              <a:lnSpc>
+                <a:spcPct val="100000"/>
+              </a:lnSpc>
+              <a:spcBef>
+                <a:spcPts val="0"/>
+              </a:spcBef>
+              <a:spcAft>
+                <a:spcPts val="0"/>
+              </a:spcAft>
+              <a:buClrTx/>
+              <a:buSzTx/>
+              <a:buFontTx/>
+              <a:buNone/>
+              <a:tabLst/>
+              <a:defRPr/>
+            </a:pPr>
+            <a:r>
+              <a:rPr lang="en-US" dirty="0"/>
+              <a:t>First, we need to define a correct rate of estimation - CRE</a:t>
+            </a:r>
+          </a:p>
+          <a:p>
+            <a:endParaRPr lang="en-US" dirty="0"/>
+          </a:p>
+        </p:txBody>
+      </p:sp>
+      <p:sp>
+        <p:nvSpPr>
+          <p:cNvPr id="4" name="מציין מיקום של מספר שקופית 3"/>
+          <p:cNvSpPr>
+            <a:spLocks noGrp="1"/>
+          </p:cNvSpPr>
+          <p:nvPr>
+            <p:ph type="sldNum" sz="quarter" idx="5"/>
+          </p:nvPr>
+        </p:nvSpPr>
+        <p:spPr/>
+        <p:txBody>
+          <a:bodyPr/>
+          <a:lstStyle/>
+          <a:p>
+            <a:fld id="{BB072CD4-8151-4317-B517-71349F960F6F}" type="slidenum">
+              <a:rPr lang="en-US" smtClean="0"/>
+              <a:t>10</a:t>
+            </a:fld>
+            <a:endParaRPr lang="en-US"/>
+          </a:p>
+        </p:txBody>
+      </p:sp>
+    </p:spTree>
+    <p:extLst>
+      <p:ext uri="{BB962C8B-B14F-4D97-AF65-F5344CB8AC3E}">
+        <p14:creationId xmlns:p14="http://schemas.microsoft.com/office/powerpoint/2010/main" val="3189835808"/>
+      </p:ext>
+    </p:extLst>
+  </p:cSld>
+  <p:clrMapOvr>
+    <a:masterClrMapping/>
+  </p:clrMapOvr>
+</p:notes>
+</file>
+
+<file path=ppt/notesSlides/notesSlide3.xml><?xml version="1.0" encoding="utf-8"?>
+<p:notes xmlns:a="http://schemas.openxmlformats.org/drawingml/2006/main" xmlns:r="http://schemas.openxmlformats.org/officeDocument/2006/relationships" xmlns:p="http://schemas.openxmlformats.org/presentationml/2006/main">
+  <p:cSld>
+    <p:spTree>
+      <p:nvGrpSpPr>
+        <p:cNvPr id="1" name=""/>
+        <p:cNvGrpSpPr/>
+        <p:nvPr/>
+      </p:nvGrpSpPr>
+      <p:grpSpPr>
+        <a:xfrm>
+          <a:off x="0" y="0"/>
+          <a:ext cx="0" cy="0"/>
+          <a:chOff x="0" y="0"/>
+          <a:chExt cx="0" cy="0"/>
+        </a:xfrm>
+      </p:grpSpPr>
+      <p:sp>
+        <p:nvSpPr>
+          <p:cNvPr id="2" name="מציין מיקום של תמונת שקופית 1"/>
+          <p:cNvSpPr>
+            <a:spLocks noGrp="1" noRot="1" noChangeAspect="1"/>
+          </p:cNvSpPr>
+          <p:nvPr>
+            <p:ph type="sldImg"/>
+          </p:nvPr>
+        </p:nvSpPr>
+        <p:spPr/>
+      </p:sp>
+      <p:sp>
+        <p:nvSpPr>
+          <p:cNvPr id="3" name="מציין מיקום של הערות 2"/>
+          <p:cNvSpPr>
+            <a:spLocks noGrp="1"/>
+          </p:cNvSpPr>
+          <p:nvPr>
+            <p:ph type="body" idx="1"/>
+          </p:nvPr>
+        </p:nvSpPr>
+        <p:spPr/>
+        <p:txBody>
+          <a:bodyPr/>
+          <a:lstStyle/>
+          <a:p>
+            <a:endParaRPr lang="en-US" dirty="0"/>
+          </a:p>
+        </p:txBody>
+      </p:sp>
+      <p:sp>
+        <p:nvSpPr>
+          <p:cNvPr id="4" name="מציין מיקום של מספר שקופית 3"/>
+          <p:cNvSpPr>
+            <a:spLocks noGrp="1"/>
+          </p:cNvSpPr>
+          <p:nvPr>
+            <p:ph type="sldNum" sz="quarter" idx="5"/>
+          </p:nvPr>
+        </p:nvSpPr>
+        <p:spPr/>
+        <p:txBody>
+          <a:bodyPr/>
+          <a:lstStyle/>
+          <a:p>
+            <a:fld id="{BB072CD4-8151-4317-B517-71349F960F6F}" type="slidenum">
+              <a:rPr lang="en-US" smtClean="0"/>
+              <a:t>11</a:t>
+            </a:fld>
+            <a:endParaRPr lang="en-US"/>
+          </a:p>
+        </p:txBody>
+      </p:sp>
+    </p:spTree>
+    <p:extLst>
+      <p:ext uri="{BB962C8B-B14F-4D97-AF65-F5344CB8AC3E}">
+        <p14:creationId xmlns:p14="http://schemas.microsoft.com/office/powerpoint/2010/main" val="1961809578"/>
+      </p:ext>
+    </p:extLst>
+  </p:cSld>
+  <p:clrMapOvr>
+    <a:masterClrMapping/>
+  </p:clrMapOvr>
+</p:notes>
+</file>
+
+<file path=ppt/notesSlides/notesSlide4.xml><?xml version="1.0" encoding="utf-8"?>
+<p:notes xmlns:a="http://schemas.openxmlformats.org/drawingml/2006/main" xmlns:r="http://schemas.openxmlformats.org/officeDocument/2006/relationships" xmlns:p="http://schemas.openxmlformats.org/presentationml/2006/main">
+  <p:cSld>
+    <p:spTree>
+      <p:nvGrpSpPr>
+        <p:cNvPr id="1" name=""/>
+        <p:cNvGrpSpPr/>
+        <p:nvPr/>
+      </p:nvGrpSpPr>
+      <p:grpSpPr>
+        <a:xfrm>
+          <a:off x="0" y="0"/>
+          <a:ext cx="0" cy="0"/>
+          <a:chOff x="0" y="0"/>
+          <a:chExt cx="0" cy="0"/>
+        </a:xfrm>
+      </p:grpSpPr>
+      <p:sp>
+        <p:nvSpPr>
+          <p:cNvPr id="2" name="מציין מיקום של תמונת שקופית 1"/>
+          <p:cNvSpPr>
+            <a:spLocks noGrp="1" noRot="1" noChangeAspect="1"/>
+          </p:cNvSpPr>
+          <p:nvPr>
+            <p:ph type="sldImg"/>
+          </p:nvPr>
+        </p:nvSpPr>
+        <p:spPr/>
+      </p:sp>
+      <p:sp>
+        <p:nvSpPr>
+          <p:cNvPr id="3" name="מציין מיקום של הערות 2"/>
+          <p:cNvSpPr>
+            <a:spLocks noGrp="1"/>
+          </p:cNvSpPr>
+          <p:nvPr>
+            <p:ph type="body" idx="1"/>
+          </p:nvPr>
+        </p:nvSpPr>
+        <p:spPr/>
+        <p:txBody>
+          <a:bodyPr/>
+          <a:lstStyle/>
+          <a:p>
+            <a:endParaRPr lang="en-US" dirty="0"/>
+          </a:p>
+        </p:txBody>
+      </p:sp>
+      <p:sp>
+        <p:nvSpPr>
+          <p:cNvPr id="4" name="מציין מיקום של מספר שקופית 3"/>
+          <p:cNvSpPr>
+            <a:spLocks noGrp="1"/>
+          </p:cNvSpPr>
+          <p:nvPr>
+            <p:ph type="sldNum" sz="quarter" idx="5"/>
+          </p:nvPr>
+        </p:nvSpPr>
+        <p:spPr/>
+        <p:txBody>
+          <a:bodyPr/>
+          <a:lstStyle/>
+          <a:p>
+            <a:fld id="{BB072CD4-8151-4317-B517-71349F960F6F}" type="slidenum">
+              <a:rPr lang="en-US" smtClean="0"/>
+              <a:t>12</a:t>
+            </a:fld>
+            <a:endParaRPr lang="en-US"/>
+          </a:p>
+        </p:txBody>
+      </p:sp>
+    </p:spTree>
+    <p:extLst>
+      <p:ext uri="{BB962C8B-B14F-4D97-AF65-F5344CB8AC3E}">
+        <p14:creationId xmlns:p14="http://schemas.microsoft.com/office/powerpoint/2010/main" val="4104918166"/>
+      </p:ext>
+    </p:extLst>
+  </p:cSld>
+  <p:clrMapOvr>
+    <a:masterClrMapping/>
+  </p:clrMapOvr>
+</p:notes>
+</file>
+
+<file path=ppt/notesSlides/notesSlide5.xml><?xml version="1.0" encoding="utf-8"?>
+<p:notes xmlns:a="http://schemas.openxmlformats.org/drawingml/2006/main" xmlns:r="http://schemas.openxmlformats.org/officeDocument/2006/relationships" xmlns:p="http://schemas.openxmlformats.org/presentationml/2006/main">
+  <p:cSld>
+    <p:spTree>
+      <p:nvGrpSpPr>
+        <p:cNvPr id="1" name=""/>
+        <p:cNvGrpSpPr/>
+        <p:nvPr/>
+      </p:nvGrpSpPr>
+      <p:grpSpPr>
+        <a:xfrm>
+          <a:off x="0" y="0"/>
+          <a:ext cx="0" cy="0"/>
+          <a:chOff x="0" y="0"/>
+          <a:chExt cx="0" cy="0"/>
+        </a:xfrm>
+      </p:grpSpPr>
+      <p:sp>
+        <p:nvSpPr>
+          <p:cNvPr id="2" name="מציין מיקום של תמונת שקופית 1"/>
+          <p:cNvSpPr>
+            <a:spLocks noGrp="1" noRot="1" noChangeAspect="1"/>
+          </p:cNvSpPr>
+          <p:nvPr>
+            <p:ph type="sldImg"/>
+          </p:nvPr>
+        </p:nvSpPr>
+        <p:spPr/>
+      </p:sp>
+      <p:sp>
+        <p:nvSpPr>
+          <p:cNvPr id="3" name="מציין מיקום של הערות 2"/>
+          <p:cNvSpPr>
+            <a:spLocks noGrp="1"/>
+          </p:cNvSpPr>
+          <p:nvPr>
+            <p:ph type="body" idx="1"/>
+          </p:nvPr>
+        </p:nvSpPr>
+        <p:spPr/>
+        <p:txBody>
+          <a:bodyPr/>
+          <a:lstStyle/>
+          <a:p>
+            <a:endParaRPr lang="en-US" dirty="0"/>
+          </a:p>
+        </p:txBody>
+      </p:sp>
+      <p:sp>
+        <p:nvSpPr>
+          <p:cNvPr id="4" name="מציין מיקום של מספר שקופית 3"/>
+          <p:cNvSpPr>
+            <a:spLocks noGrp="1"/>
+          </p:cNvSpPr>
+          <p:nvPr>
+            <p:ph type="sldNum" sz="quarter" idx="5"/>
+          </p:nvPr>
+        </p:nvSpPr>
+        <p:spPr/>
+        <p:txBody>
+          <a:bodyPr/>
+          <a:lstStyle/>
+          <a:p>
+            <a:fld id="{BB072CD4-8151-4317-B517-71349F960F6F}" type="slidenum">
+              <a:rPr lang="en-US" smtClean="0"/>
+              <a:t>13</a:t>
+            </a:fld>
+            <a:endParaRPr lang="en-US"/>
+          </a:p>
+        </p:txBody>
+      </p:sp>
+    </p:spTree>
+    <p:extLst>
+      <p:ext uri="{BB962C8B-B14F-4D97-AF65-F5344CB8AC3E}">
+        <p14:creationId xmlns:p14="http://schemas.microsoft.com/office/powerpoint/2010/main" val="3198309991"/>
+      </p:ext>
+    </p:extLst>
+  </p:cSld>
+  <p:clrMapOvr>
+    <a:masterClrMapping/>
+  </p:clrMapOvr>
+</p:notes>
+</file>
+
+<file path=ppt/notesSlides/notesSlide6.xml><?xml version="1.0" encoding="utf-8"?>
+<p:notes xmlns:a="http://schemas.openxmlformats.org/drawingml/2006/main" xmlns:r="http://schemas.openxmlformats.org/officeDocument/2006/relationships" xmlns:p="http://schemas.openxmlformats.org/presentationml/2006/main">
+  <p:cSld>
+    <p:spTree>
+      <p:nvGrpSpPr>
+        <p:cNvPr id="1" name=""/>
+        <p:cNvGrpSpPr/>
+        <p:nvPr/>
+      </p:nvGrpSpPr>
+      <p:grpSpPr>
+        <a:xfrm>
+          <a:off x="0" y="0"/>
+          <a:ext cx="0" cy="0"/>
+          <a:chOff x="0" y="0"/>
+          <a:chExt cx="0" cy="0"/>
+        </a:xfrm>
+      </p:grpSpPr>
+      <p:sp>
+        <p:nvSpPr>
+          <p:cNvPr id="2" name="מציין מיקום של תמונת שקופית 1"/>
+          <p:cNvSpPr>
+            <a:spLocks noGrp="1" noRot="1" noChangeAspect="1"/>
+          </p:cNvSpPr>
+          <p:nvPr>
+            <p:ph type="sldImg"/>
+          </p:nvPr>
+        </p:nvSpPr>
+        <p:spPr/>
+      </p:sp>
+      <p:sp>
+        <p:nvSpPr>
+          <p:cNvPr id="3" name="מציין מיקום של הערות 2"/>
+          <p:cNvSpPr>
+            <a:spLocks noGrp="1"/>
+          </p:cNvSpPr>
+          <p:nvPr>
+            <p:ph type="body" idx="1"/>
+          </p:nvPr>
+        </p:nvSpPr>
+        <p:spPr/>
+        <p:txBody>
+          <a:bodyPr/>
+          <a:lstStyle/>
+          <a:p>
+            <a:endParaRPr lang="en-US" dirty="0"/>
+          </a:p>
+        </p:txBody>
+      </p:sp>
+      <p:sp>
+        <p:nvSpPr>
+          <p:cNvPr id="4" name="מציין מיקום של מספר שקופית 3"/>
+          <p:cNvSpPr>
+            <a:spLocks noGrp="1"/>
+          </p:cNvSpPr>
+          <p:nvPr>
+            <p:ph type="sldNum" sz="quarter" idx="5"/>
+          </p:nvPr>
+        </p:nvSpPr>
+        <p:spPr/>
+        <p:txBody>
+          <a:bodyPr/>
+          <a:lstStyle/>
+          <a:p>
+            <a:fld id="{BB072CD4-8151-4317-B517-71349F960F6F}" type="slidenum">
+              <a:rPr lang="en-US" smtClean="0"/>
+              <a:t>14</a:t>
+            </a:fld>
+            <a:endParaRPr lang="en-US"/>
+          </a:p>
+        </p:txBody>
+      </p:sp>
+    </p:spTree>
+    <p:extLst>
+      <p:ext uri="{BB962C8B-B14F-4D97-AF65-F5344CB8AC3E}">
+        <p14:creationId xmlns:p14="http://schemas.microsoft.com/office/powerpoint/2010/main" val="1214011246"/>
+      </p:ext>
+    </p:extLst>
+  </p:cSld>
+  <p:clrMapOvr>
+    <a:masterClrMapping/>
+  </p:clrMapOvr>
+</p:notes>
+</file>
+
+<file path=ppt/notesSlides/notesSlide7.xml><?xml version="1.0" encoding="utf-8"?>
+<p:notes xmlns:a="http://schemas.openxmlformats.org/drawingml/2006/main" xmlns:r="http://schemas.openxmlformats.org/officeDocument/2006/relationships" xmlns:p="http://schemas.openxmlformats.org/presentationml/2006/main">
+  <p:cSld>
+    <p:spTree>
+      <p:nvGrpSpPr>
+        <p:cNvPr id="1" name=""/>
+        <p:cNvGrpSpPr/>
+        <p:nvPr/>
+      </p:nvGrpSpPr>
+      <p:grpSpPr>
+        <a:xfrm>
+          <a:off x="0" y="0"/>
+          <a:ext cx="0" cy="0"/>
+          <a:chOff x="0" y="0"/>
+          <a:chExt cx="0" cy="0"/>
+        </a:xfrm>
+      </p:grpSpPr>
+      <p:sp>
+        <p:nvSpPr>
+          <p:cNvPr id="2" name="מציין מיקום של תמונת שקופית 1"/>
+          <p:cNvSpPr>
+            <a:spLocks noGrp="1" noRot="1" noChangeAspect="1"/>
+          </p:cNvSpPr>
+          <p:nvPr>
+            <p:ph type="sldImg"/>
+          </p:nvPr>
+        </p:nvSpPr>
+        <p:spPr/>
+      </p:sp>
+      <p:sp>
+        <p:nvSpPr>
+          <p:cNvPr id="3" name="מציין מיקום של הערות 2"/>
+          <p:cNvSpPr>
+            <a:spLocks noGrp="1"/>
+          </p:cNvSpPr>
+          <p:nvPr>
+            <p:ph type="body" idx="1"/>
+          </p:nvPr>
+        </p:nvSpPr>
+        <p:spPr/>
+        <p:txBody>
+          <a:bodyPr/>
+          <a:lstStyle/>
+          <a:p>
+            <a:endParaRPr lang="en-US" dirty="0"/>
+          </a:p>
+        </p:txBody>
+      </p:sp>
+      <p:sp>
+        <p:nvSpPr>
+          <p:cNvPr id="4" name="מציין מיקום של מספר שקופית 3"/>
+          <p:cNvSpPr>
+            <a:spLocks noGrp="1"/>
+          </p:cNvSpPr>
+          <p:nvPr>
+            <p:ph type="sldNum" sz="quarter" idx="5"/>
+          </p:nvPr>
+        </p:nvSpPr>
+        <p:spPr/>
+        <p:txBody>
+          <a:bodyPr/>
+          <a:lstStyle/>
+          <a:p>
+            <a:fld id="{BB072CD4-8151-4317-B517-71349F960F6F}" type="slidenum">
+              <a:rPr lang="en-US" smtClean="0"/>
+              <a:t>15</a:t>
+            </a:fld>
+            <a:endParaRPr lang="en-US"/>
+          </a:p>
+        </p:txBody>
+      </p:sp>
+    </p:spTree>
+    <p:extLst>
+      <p:ext uri="{BB962C8B-B14F-4D97-AF65-F5344CB8AC3E}">
+        <p14:creationId xmlns:p14="http://schemas.microsoft.com/office/powerpoint/2010/main" val="847469813"/>
+      </p:ext>
+    </p:extLst>
+  </p:cSld>
+  <p:clrMapOvr>
+    <a:masterClrMapping/>
+  </p:clrMapOvr>
+</p:notes>
+</file>
+
 <file path=ppt/slideLayouts/slideLayout1.xml><?xml version="1.0" encoding="utf-8"?>
 <p:sldLayout xmlns:a="http://schemas.openxmlformats.org/drawingml/2006/main" xmlns:r="http://schemas.openxmlformats.org/officeDocument/2006/relationships" xmlns:p="http://schemas.openxmlformats.org/presentationml/2006/main" type="title" preserve="1">
   <p:cSld name="Title Slide">
@@ -771,7 +1420,7 @@
           <a:p>
             <a:fld id="{545108C3-70A6-47BD-B82F-0EA2FAD6B009}" type="datetime1">
               <a:rPr lang="en-US" smtClean="0"/>
-              <a:t>9/11/2021</a:t>
+              <a:t>9/26/2021</a:t>
             </a:fld>
             <a:endParaRPr lang="en-US"/>
           </a:p>
@@ -793,7 +1442,7 @@
           <a:lstStyle/>
           <a:p>
             <a:r>
-              <a:rPr lang="en-US"/>
+              <a:rPr lang="en-US" dirty="0"/>
               <a:t>Yarden Akebi &amp; Etai Sella</a:t>
             </a:r>
           </a:p>
@@ -954,7 +1603,7 @@
           <a:p>
             <a:fld id="{5663B1E1-4FA2-4311-BC59-64E1519F35CC}" type="datetime1">
               <a:rPr lang="en-US" smtClean="0"/>
-              <a:t>9/11/2021</a:t>
+              <a:t>9/26/2021</a:t>
             </a:fld>
             <a:endParaRPr lang="en-US"/>
           </a:p>
@@ -976,7 +1625,7 @@
           <a:lstStyle/>
           <a:p>
             <a:r>
-              <a:rPr lang="en-US"/>
+              <a:rPr lang="en-US" dirty="0"/>
               <a:t>Yarden Akebi &amp; Etai Sella</a:t>
             </a:r>
           </a:p>
@@ -1131,7 +1780,7 @@
           <a:p>
             <a:fld id="{F736EC4A-E5B7-42C2-9943-4D2477F0E2BA}" type="datetime1">
               <a:rPr lang="en-US" smtClean="0"/>
-              <a:t>9/11/2021</a:t>
+              <a:t>9/26/2021</a:t>
             </a:fld>
             <a:endParaRPr lang="en-US" dirty="0"/>
           </a:p>
@@ -1158,7 +1807,7 @@
           <a:lstStyle/>
           <a:p>
             <a:r>
-              <a:rPr lang="en-US"/>
+              <a:rPr lang="en-US" dirty="0"/>
               <a:t>Yarden Akebi &amp; Etai Sella</a:t>
             </a:r>
           </a:p>
@@ -1455,7 +2104,7 @@
           <a:p>
             <a:fld id="{4B383BBD-22EB-4D32-858E-F56917F6792F}" type="datetime1">
               <a:rPr lang="en-US" smtClean="0"/>
-              <a:t>9/11/2021</a:t>
+              <a:t>9/26/2021</a:t>
             </a:fld>
             <a:endParaRPr lang="en-US"/>
           </a:p>
@@ -1477,7 +2126,7 @@
           <a:lstStyle/>
           <a:p>
             <a:r>
-              <a:rPr lang="en-US"/>
+              <a:rPr lang="en-US" dirty="0"/>
               <a:t>Yarden Akebi &amp; Etai Sella</a:t>
             </a:r>
           </a:p>
@@ -1690,7 +2339,7 @@
           <a:p>
             <a:fld id="{B3929B50-98C6-4865-903C-FF2C6D76A1DB}" type="datetime1">
               <a:rPr lang="en-US" smtClean="0"/>
-              <a:t>9/11/2021</a:t>
+              <a:t>9/26/2021</a:t>
             </a:fld>
             <a:endParaRPr lang="en-US"/>
           </a:p>
@@ -1712,7 +2361,7 @@
           <a:lstStyle/>
           <a:p>
             <a:r>
-              <a:rPr lang="en-US"/>
+              <a:rPr lang="en-US" dirty="0"/>
               <a:t>Yarden Akebi &amp; Etai Sella</a:t>
             </a:r>
           </a:p>
@@ -2060,7 +2709,7 @@
           <a:p>
             <a:fld id="{71E4DFB5-247F-4215-927B-206F1F043CA8}" type="datetime1">
               <a:rPr lang="en-US" smtClean="0"/>
-              <a:t>9/11/2021</a:t>
+              <a:t>9/26/2021</a:t>
             </a:fld>
             <a:endParaRPr lang="en-US"/>
           </a:p>
@@ -2082,7 +2731,7 @@
           <a:lstStyle/>
           <a:p>
             <a:r>
-              <a:rPr lang="en-US"/>
+              <a:rPr lang="en-US" dirty="0"/>
               <a:t>Yarden Akebi &amp; Etai Sella</a:t>
             </a:r>
           </a:p>
@@ -2181,7 +2830,7 @@
           <a:p>
             <a:fld id="{5ABF18F4-69E9-4A75-9A30-63D58841484D}" type="datetime1">
               <a:rPr lang="en-US" smtClean="0"/>
-              <a:t>9/11/2021</a:t>
+              <a:t>9/26/2021</a:t>
             </a:fld>
             <a:endParaRPr lang="en-US"/>
           </a:p>
@@ -2203,7 +2852,7 @@
           <a:lstStyle/>
           <a:p>
             <a:r>
-              <a:rPr lang="en-US"/>
+              <a:rPr lang="en-US" dirty="0"/>
               <a:t>Yarden Akebi &amp; Etai Sella</a:t>
             </a:r>
           </a:p>
@@ -2279,7 +2928,7 @@
           <a:p>
             <a:fld id="{8F9E73B5-85AC-4F64-8F1F-86C7C3DE3888}" type="datetime1">
               <a:rPr lang="en-US" smtClean="0"/>
-              <a:t>9/11/2021</a:t>
+              <a:t>9/26/2021</a:t>
             </a:fld>
             <a:endParaRPr lang="en-US"/>
           </a:p>
@@ -2301,7 +2950,7 @@
           <a:lstStyle/>
           <a:p>
             <a:r>
-              <a:rPr lang="en-US"/>
+              <a:rPr lang="en-US" dirty="0"/>
               <a:t>Yarden Akebi &amp; Etai Sella</a:t>
             </a:r>
           </a:p>
@@ -2559,7 +3208,7 @@
           <a:p>
             <a:fld id="{DBF8F826-0166-4DC8-9928-02F1397EF5F6}" type="datetime1">
               <a:rPr lang="en-US" smtClean="0"/>
-              <a:t>9/11/2021</a:t>
+              <a:t>9/26/2021</a:t>
             </a:fld>
             <a:endParaRPr lang="en-US"/>
           </a:p>
@@ -2581,7 +3230,7 @@
           <a:lstStyle/>
           <a:p>
             <a:r>
-              <a:rPr lang="en-US"/>
+              <a:rPr lang="en-US" dirty="0"/>
               <a:t>Yarden Akebi &amp; Etai Sella</a:t>
             </a:r>
           </a:p>
@@ -2819,7 +3468,7 @@
           <a:p>
             <a:fld id="{5387FCA0-6D15-493A-9DD4-DF68CECA6E0E}" type="datetime1">
               <a:rPr lang="en-US" smtClean="0"/>
-              <a:t>9/11/2021</a:t>
+              <a:t>9/26/2021</a:t>
             </a:fld>
             <a:endParaRPr lang="en-US"/>
           </a:p>
@@ -2841,7 +3490,7 @@
           <a:lstStyle/>
           <a:p>
             <a:r>
-              <a:rPr lang="en-US"/>
+              <a:rPr lang="en-US" dirty="0"/>
               <a:t>Yarden Akebi &amp; Etai Sella</a:t>
             </a:r>
           </a:p>
@@ -3292,7 +3941,7 @@
           <a:p>
             <a:fld id="{754E7515-5D39-4D5F-907F-93F61511D9D9}" type="datetime1">
               <a:rPr lang="en-US" smtClean="0"/>
-              <a:t>9/11/2021</a:t>
+              <a:t>9/26/2021</a:t>
             </a:fld>
             <a:endParaRPr lang="en-US" dirty="0"/>
           </a:p>
@@ -3332,10 +3981,9 @@
           </a:lstStyle>
           <a:p>
             <a:r>
-              <a:rPr lang="en-US"/>
+              <a:rPr lang="en-US" dirty="0"/>
               <a:t>Yarden Akebi &amp; Etai Sella</a:t>
             </a:r>
-            <a:endParaRPr lang="en-US" dirty="0"/>
           </a:p>
         </p:txBody>
       </p:sp>
@@ -3975,12 +4623,8 @@
           </a:lstStyle>
           <a:p>
             <a:r>
-              <a:rPr lang="en-US" dirty="0" err="1"/>
-              <a:t>Yarden</a:t>
-            </a:r>
-            <a:r>
-              <a:rPr lang="en-US" dirty="0"/>
-              <a:t> Akebi &amp; Etai Sella</a:t>
+              <a:rPr lang="en-US" dirty="0"/>
+              <a:t>Yarden Akaby &amp; Etai Sella</a:t>
             </a:r>
           </a:p>
         </p:txBody>
@@ -3989,6 +4633,1475 @@
     <p:extLst>
       <p:ext uri="{BB962C8B-B14F-4D97-AF65-F5344CB8AC3E}">
         <p14:creationId xmlns:p14="http://schemas.microsoft.com/office/powerpoint/2010/main" val="1585934800"/>
+      </p:ext>
+    </p:extLst>
+  </p:cSld>
+  <p:clrMapOvr>
+    <a:masterClrMapping/>
+  </p:clrMapOvr>
+</p:sld>
+</file>
+
+<file path=ppt/slides/slide10.xml><?xml version="1.0" encoding="utf-8"?>
+<p:sld xmlns:a="http://schemas.openxmlformats.org/drawingml/2006/main" xmlns:r="http://schemas.openxmlformats.org/officeDocument/2006/relationships" xmlns:p="http://schemas.openxmlformats.org/presentationml/2006/main">
+  <p:cSld>
+    <p:spTree>
+      <p:nvGrpSpPr>
+        <p:cNvPr id="1" name=""/>
+        <p:cNvGrpSpPr/>
+        <p:nvPr/>
+      </p:nvGrpSpPr>
+      <p:grpSpPr>
+        <a:xfrm>
+          <a:off x="0" y="0"/>
+          <a:ext cx="0" cy="0"/>
+          <a:chOff x="0" y="0"/>
+          <a:chExt cx="0" cy="0"/>
+        </a:xfrm>
+      </p:grpSpPr>
+      <p:sp>
+        <p:nvSpPr>
+          <p:cNvPr id="2" name="Title 1">
+            <a:extLst>
+              <a:ext uri="{FF2B5EF4-FFF2-40B4-BE49-F238E27FC236}">
+                <a16:creationId xmlns:a16="http://schemas.microsoft.com/office/drawing/2014/main" id="{143B5247-4B5C-44D2-AE13-25DD403557B4}"/>
+              </a:ext>
+            </a:extLst>
+          </p:cNvPr>
+          <p:cNvSpPr>
+            <a:spLocks noGrp="1"/>
+          </p:cNvSpPr>
+          <p:nvPr>
+            <p:ph type="title"/>
+          </p:nvPr>
+        </p:nvSpPr>
+        <p:spPr/>
+        <p:txBody>
+          <a:bodyPr>
+            <a:normAutofit/>
+          </a:bodyPr>
+          <a:lstStyle/>
+          <a:p>
+            <a:r>
+              <a:rPr lang="en-US" dirty="0"/>
+              <a:t>Tests and Simulations - Evaluation</a:t>
+            </a:r>
+          </a:p>
+        </p:txBody>
+      </p:sp>
+      <p:sp>
+        <p:nvSpPr>
+          <p:cNvPr id="3" name="Content Placeholder 2">
+            <a:extLst>
+              <a:ext uri="{FF2B5EF4-FFF2-40B4-BE49-F238E27FC236}">
+                <a16:creationId xmlns:a16="http://schemas.microsoft.com/office/drawing/2014/main" id="{8BB29A69-51F4-4CEE-B950-D3A7C19E951E}"/>
+              </a:ext>
+            </a:extLst>
+          </p:cNvPr>
+          <p:cNvSpPr>
+            <a:spLocks noGrp="1"/>
+          </p:cNvSpPr>
+          <p:nvPr>
+            <p:ph idx="1"/>
+          </p:nvPr>
+        </p:nvSpPr>
+        <p:spPr/>
+        <p:txBody>
+          <a:bodyPr>
+            <a:normAutofit/>
+          </a:bodyPr>
+          <a:lstStyle/>
+          <a:p>
+            <a:pPr marL="0" indent="0">
+              <a:buNone/>
+            </a:pPr>
+            <a:r>
+              <a:rPr lang="en-US" u="sng" dirty="0"/>
+              <a:t>Correct rate of estimation – CRE</a:t>
+            </a:r>
+          </a:p>
+          <a:p>
+            <a:pPr marL="0" indent="0">
+              <a:buNone/>
+            </a:pPr>
+            <a:r>
+              <a:rPr lang="en-US" dirty="0"/>
+              <a:t>The division between the times estimated correctly and the total trial number, and the correct estimation is that the error of estimation is in range of ±1% of the real parameter.</a:t>
+            </a:r>
+          </a:p>
+          <a:p>
+            <a:pPr marL="0" indent="0">
+              <a:buNone/>
+            </a:pPr>
+            <a:endParaRPr lang="en-US" dirty="0"/>
+          </a:p>
+        </p:txBody>
+      </p:sp>
+      <p:sp>
+        <p:nvSpPr>
+          <p:cNvPr id="4" name="Date Placeholder 3">
+            <a:extLst>
+              <a:ext uri="{FF2B5EF4-FFF2-40B4-BE49-F238E27FC236}">
+                <a16:creationId xmlns:a16="http://schemas.microsoft.com/office/drawing/2014/main" id="{59913B85-3B4F-43D3-A7E9-D06F5E37C6C1}"/>
+              </a:ext>
+            </a:extLst>
+          </p:cNvPr>
+          <p:cNvSpPr>
+            <a:spLocks noGrp="1"/>
+          </p:cNvSpPr>
+          <p:nvPr>
+            <p:ph type="dt" sz="half" idx="10"/>
+          </p:nvPr>
+        </p:nvSpPr>
+        <p:spPr/>
+        <p:txBody>
+          <a:bodyPr/>
+          <a:lstStyle/>
+          <a:p>
+            <a:fld id="{F736EC4A-E5B7-42C2-9943-4D2477F0E2BA}" type="datetime1">
+              <a:rPr lang="en-US" smtClean="0"/>
+              <a:t>9/26/2021</a:t>
+            </a:fld>
+            <a:endParaRPr lang="en-US" dirty="0"/>
+          </a:p>
+        </p:txBody>
+      </p:sp>
+      <p:sp>
+        <p:nvSpPr>
+          <p:cNvPr id="5" name="Footer Placeholder 4">
+            <a:extLst>
+              <a:ext uri="{FF2B5EF4-FFF2-40B4-BE49-F238E27FC236}">
+                <a16:creationId xmlns:a16="http://schemas.microsoft.com/office/drawing/2014/main" id="{C5649577-8229-4DC9-AE82-59C3A5BA0515}"/>
+              </a:ext>
+            </a:extLst>
+          </p:cNvPr>
+          <p:cNvSpPr>
+            <a:spLocks noGrp="1"/>
+          </p:cNvSpPr>
+          <p:nvPr>
+            <p:ph type="ftr" sz="quarter" idx="11"/>
+          </p:nvPr>
+        </p:nvSpPr>
+        <p:spPr/>
+        <p:txBody>
+          <a:bodyPr/>
+          <a:lstStyle/>
+          <a:p>
+            <a:r>
+              <a:rPr lang="en-US" dirty="0"/>
+              <a:t>Yarden Akaby &amp; Etai Sella</a:t>
+            </a:r>
+          </a:p>
+        </p:txBody>
+      </p:sp>
+      <p:sp>
+        <p:nvSpPr>
+          <p:cNvPr id="6" name="Slide Number Placeholder 5">
+            <a:extLst>
+              <a:ext uri="{FF2B5EF4-FFF2-40B4-BE49-F238E27FC236}">
+                <a16:creationId xmlns:a16="http://schemas.microsoft.com/office/drawing/2014/main" id="{1B57282B-C25D-48B2-A667-C1D467EB1137}"/>
+              </a:ext>
+            </a:extLst>
+          </p:cNvPr>
+          <p:cNvSpPr>
+            <a:spLocks noGrp="1"/>
+          </p:cNvSpPr>
+          <p:nvPr>
+            <p:ph type="sldNum" sz="quarter" idx="12"/>
+          </p:nvPr>
+        </p:nvSpPr>
+        <p:spPr/>
+        <p:txBody>
+          <a:bodyPr/>
+          <a:lstStyle/>
+          <a:p>
+            <a:fld id="{C629165E-D59B-453D-B763-34340D7036F6}" type="slidenum">
+              <a:rPr lang="en-US" smtClean="0"/>
+              <a:t>10</a:t>
+            </a:fld>
+            <a:endParaRPr lang="en-US" dirty="0"/>
+          </a:p>
+        </p:txBody>
+      </p:sp>
+    </p:spTree>
+    <p:extLst>
+      <p:ext uri="{BB962C8B-B14F-4D97-AF65-F5344CB8AC3E}">
+        <p14:creationId xmlns:p14="http://schemas.microsoft.com/office/powerpoint/2010/main" val="3289712767"/>
+      </p:ext>
+    </p:extLst>
+  </p:cSld>
+  <p:clrMapOvr>
+    <a:masterClrMapping/>
+  </p:clrMapOvr>
+</p:sld>
+</file>
+
+<file path=ppt/slides/slide11.xml><?xml version="1.0" encoding="utf-8"?>
+<p:sld xmlns:a="http://schemas.openxmlformats.org/drawingml/2006/main" xmlns:r="http://schemas.openxmlformats.org/officeDocument/2006/relationships" xmlns:p="http://schemas.openxmlformats.org/presentationml/2006/main">
+  <p:cSld>
+    <p:spTree>
+      <p:nvGrpSpPr>
+        <p:cNvPr id="1" name=""/>
+        <p:cNvGrpSpPr/>
+        <p:nvPr/>
+      </p:nvGrpSpPr>
+      <p:grpSpPr>
+        <a:xfrm>
+          <a:off x="0" y="0"/>
+          <a:ext cx="0" cy="0"/>
+          <a:chOff x="0" y="0"/>
+          <a:chExt cx="0" cy="0"/>
+        </a:xfrm>
+      </p:grpSpPr>
+      <p:sp>
+        <p:nvSpPr>
+          <p:cNvPr id="2" name="Title 1">
+            <a:extLst>
+              <a:ext uri="{FF2B5EF4-FFF2-40B4-BE49-F238E27FC236}">
+                <a16:creationId xmlns:a16="http://schemas.microsoft.com/office/drawing/2014/main" id="{143B5247-4B5C-44D2-AE13-25DD403557B4}"/>
+              </a:ext>
+            </a:extLst>
+          </p:cNvPr>
+          <p:cNvSpPr>
+            <a:spLocks noGrp="1"/>
+          </p:cNvSpPr>
+          <p:nvPr>
+            <p:ph type="title"/>
+          </p:nvPr>
+        </p:nvSpPr>
+        <p:spPr/>
+        <p:txBody>
+          <a:bodyPr>
+            <a:normAutofit/>
+          </a:bodyPr>
+          <a:lstStyle/>
+          <a:p>
+            <a:r>
+              <a:rPr lang="en-US" dirty="0"/>
+              <a:t>Tests and Simulations - RANSAC</a:t>
+            </a:r>
+          </a:p>
+        </p:txBody>
+      </p:sp>
+      <p:sp>
+        <p:nvSpPr>
+          <p:cNvPr id="3" name="Content Placeholder 2">
+            <a:extLst>
+              <a:ext uri="{FF2B5EF4-FFF2-40B4-BE49-F238E27FC236}">
+                <a16:creationId xmlns:a16="http://schemas.microsoft.com/office/drawing/2014/main" id="{8BB29A69-51F4-4CEE-B950-D3A7C19E951E}"/>
+              </a:ext>
+            </a:extLst>
+          </p:cNvPr>
+          <p:cNvSpPr>
+            <a:spLocks noGrp="1"/>
+          </p:cNvSpPr>
+          <p:nvPr>
+            <p:ph idx="1"/>
+          </p:nvPr>
+        </p:nvSpPr>
+        <p:spPr/>
+        <p:txBody>
+          <a:bodyPr>
+            <a:normAutofit/>
+          </a:bodyPr>
+          <a:lstStyle/>
+          <a:p>
+            <a:r>
+              <a:rPr lang="en-US" dirty="0"/>
+              <a:t>Create 500 chirp signals with random noise (500 Trials)</a:t>
+            </a:r>
+          </a:p>
+          <a:p>
+            <a:r>
+              <a:rPr lang="en-US" dirty="0"/>
+              <a:t>Use STFT</a:t>
+            </a:r>
+          </a:p>
+          <a:p>
+            <a:r>
+              <a:rPr lang="en-US" dirty="0"/>
+              <a:t>Extract time frequency curves</a:t>
+            </a:r>
+          </a:p>
+          <a:p>
+            <a:r>
+              <a:rPr lang="en-US" dirty="0"/>
+              <a:t>Use Median Filter</a:t>
+            </a:r>
+          </a:p>
+          <a:p>
+            <a:r>
+              <a:rPr lang="en-US" dirty="0"/>
+              <a:t>Compare 3 methods of estimation:</a:t>
+            </a:r>
+          </a:p>
+          <a:p>
+            <a:pPr lvl="1"/>
+            <a:r>
+              <a:rPr lang="en-US" dirty="0"/>
+              <a:t>RANSAC</a:t>
+            </a:r>
+          </a:p>
+          <a:p>
+            <a:pPr lvl="1"/>
+            <a:r>
+              <a:rPr lang="en-US" dirty="0"/>
+              <a:t>RANSAC with median filter</a:t>
+            </a:r>
+          </a:p>
+          <a:p>
+            <a:pPr lvl="1"/>
+            <a:r>
+              <a:rPr lang="en-US" dirty="0"/>
+              <a:t>LSM</a:t>
+            </a:r>
+          </a:p>
+          <a:p>
+            <a:pPr lvl="1"/>
+            <a:endParaRPr lang="en-US" dirty="0"/>
+          </a:p>
+          <a:p>
+            <a:endParaRPr lang="en-US" dirty="0"/>
+          </a:p>
+        </p:txBody>
+      </p:sp>
+      <p:sp>
+        <p:nvSpPr>
+          <p:cNvPr id="4" name="Date Placeholder 3">
+            <a:extLst>
+              <a:ext uri="{FF2B5EF4-FFF2-40B4-BE49-F238E27FC236}">
+                <a16:creationId xmlns:a16="http://schemas.microsoft.com/office/drawing/2014/main" id="{59913B85-3B4F-43D3-A7E9-D06F5E37C6C1}"/>
+              </a:ext>
+            </a:extLst>
+          </p:cNvPr>
+          <p:cNvSpPr>
+            <a:spLocks noGrp="1"/>
+          </p:cNvSpPr>
+          <p:nvPr>
+            <p:ph type="dt" sz="half" idx="10"/>
+          </p:nvPr>
+        </p:nvSpPr>
+        <p:spPr/>
+        <p:txBody>
+          <a:bodyPr/>
+          <a:lstStyle/>
+          <a:p>
+            <a:fld id="{F736EC4A-E5B7-42C2-9943-4D2477F0E2BA}" type="datetime1">
+              <a:rPr lang="en-US" smtClean="0"/>
+              <a:t>9/26/2021</a:t>
+            </a:fld>
+            <a:endParaRPr lang="en-US" dirty="0"/>
+          </a:p>
+        </p:txBody>
+      </p:sp>
+      <p:sp>
+        <p:nvSpPr>
+          <p:cNvPr id="5" name="Footer Placeholder 4">
+            <a:extLst>
+              <a:ext uri="{FF2B5EF4-FFF2-40B4-BE49-F238E27FC236}">
+                <a16:creationId xmlns:a16="http://schemas.microsoft.com/office/drawing/2014/main" id="{C5649577-8229-4DC9-AE82-59C3A5BA0515}"/>
+              </a:ext>
+            </a:extLst>
+          </p:cNvPr>
+          <p:cNvSpPr>
+            <a:spLocks noGrp="1"/>
+          </p:cNvSpPr>
+          <p:nvPr>
+            <p:ph type="ftr" sz="quarter" idx="11"/>
+          </p:nvPr>
+        </p:nvSpPr>
+        <p:spPr/>
+        <p:txBody>
+          <a:bodyPr/>
+          <a:lstStyle/>
+          <a:p>
+            <a:r>
+              <a:rPr lang="en-US" dirty="0"/>
+              <a:t>Yarden Akaby &amp; Etai Sella</a:t>
+            </a:r>
+          </a:p>
+        </p:txBody>
+      </p:sp>
+      <p:sp>
+        <p:nvSpPr>
+          <p:cNvPr id="6" name="Slide Number Placeholder 5">
+            <a:extLst>
+              <a:ext uri="{FF2B5EF4-FFF2-40B4-BE49-F238E27FC236}">
+                <a16:creationId xmlns:a16="http://schemas.microsoft.com/office/drawing/2014/main" id="{1B57282B-C25D-48B2-A667-C1D467EB1137}"/>
+              </a:ext>
+            </a:extLst>
+          </p:cNvPr>
+          <p:cNvSpPr>
+            <a:spLocks noGrp="1"/>
+          </p:cNvSpPr>
+          <p:nvPr>
+            <p:ph type="sldNum" sz="quarter" idx="12"/>
+          </p:nvPr>
+        </p:nvSpPr>
+        <p:spPr/>
+        <p:txBody>
+          <a:bodyPr/>
+          <a:lstStyle/>
+          <a:p>
+            <a:fld id="{C629165E-D59B-453D-B763-34340D7036F6}" type="slidenum">
+              <a:rPr lang="en-US" smtClean="0"/>
+              <a:t>11</a:t>
+            </a:fld>
+            <a:endParaRPr lang="en-US" dirty="0"/>
+          </a:p>
+        </p:txBody>
+      </p:sp>
+    </p:spTree>
+    <p:extLst>
+      <p:ext uri="{BB962C8B-B14F-4D97-AF65-F5344CB8AC3E}">
+        <p14:creationId xmlns:p14="http://schemas.microsoft.com/office/powerpoint/2010/main" val="3469239827"/>
+      </p:ext>
+    </p:extLst>
+  </p:cSld>
+  <p:clrMapOvr>
+    <a:masterClrMapping/>
+  </p:clrMapOvr>
+</p:sld>
+</file>
+
+<file path=ppt/slides/slide12.xml><?xml version="1.0" encoding="utf-8"?>
+<p:sld xmlns:a="http://schemas.openxmlformats.org/drawingml/2006/main" xmlns:r="http://schemas.openxmlformats.org/officeDocument/2006/relationships" xmlns:p="http://schemas.openxmlformats.org/presentationml/2006/main">
+  <p:cSld>
+    <p:spTree>
+      <p:nvGrpSpPr>
+        <p:cNvPr id="1" name=""/>
+        <p:cNvGrpSpPr/>
+        <p:nvPr/>
+      </p:nvGrpSpPr>
+      <p:grpSpPr>
+        <a:xfrm>
+          <a:off x="0" y="0"/>
+          <a:ext cx="0" cy="0"/>
+          <a:chOff x="0" y="0"/>
+          <a:chExt cx="0" cy="0"/>
+        </a:xfrm>
+      </p:grpSpPr>
+      <p:sp>
+        <p:nvSpPr>
+          <p:cNvPr id="2" name="Title 1">
+            <a:extLst>
+              <a:ext uri="{FF2B5EF4-FFF2-40B4-BE49-F238E27FC236}">
+                <a16:creationId xmlns:a16="http://schemas.microsoft.com/office/drawing/2014/main" id="{143B5247-4B5C-44D2-AE13-25DD403557B4}"/>
+              </a:ext>
+            </a:extLst>
+          </p:cNvPr>
+          <p:cNvSpPr>
+            <a:spLocks noGrp="1"/>
+          </p:cNvSpPr>
+          <p:nvPr>
+            <p:ph type="title"/>
+          </p:nvPr>
+        </p:nvSpPr>
+        <p:spPr/>
+        <p:txBody>
+          <a:bodyPr>
+            <a:normAutofit/>
+          </a:bodyPr>
+          <a:lstStyle/>
+          <a:p>
+            <a:r>
+              <a:rPr lang="en-US" dirty="0"/>
+              <a:t>Tests and Simulations - RANSAC</a:t>
+            </a:r>
+          </a:p>
+        </p:txBody>
+      </p:sp>
+      <p:sp>
+        <p:nvSpPr>
+          <p:cNvPr id="3" name="Content Placeholder 2">
+            <a:extLst>
+              <a:ext uri="{FF2B5EF4-FFF2-40B4-BE49-F238E27FC236}">
+                <a16:creationId xmlns:a16="http://schemas.microsoft.com/office/drawing/2014/main" id="{8BB29A69-51F4-4CEE-B950-D3A7C19E951E}"/>
+              </a:ext>
+            </a:extLst>
+          </p:cNvPr>
+          <p:cNvSpPr>
+            <a:spLocks noGrp="1"/>
+          </p:cNvSpPr>
+          <p:nvPr>
+            <p:ph idx="1"/>
+          </p:nvPr>
+        </p:nvSpPr>
+        <p:spPr/>
+        <p:txBody>
+          <a:bodyPr>
+            <a:normAutofit/>
+          </a:bodyPr>
+          <a:lstStyle/>
+          <a:p>
+            <a:pPr marL="0" indent="0">
+              <a:buNone/>
+            </a:pPr>
+            <a:r>
+              <a:rPr lang="en-US" dirty="0"/>
+              <a:t>Example of estimations</a:t>
+            </a:r>
+          </a:p>
+        </p:txBody>
+      </p:sp>
+      <p:sp>
+        <p:nvSpPr>
+          <p:cNvPr id="4" name="Date Placeholder 3">
+            <a:extLst>
+              <a:ext uri="{FF2B5EF4-FFF2-40B4-BE49-F238E27FC236}">
+                <a16:creationId xmlns:a16="http://schemas.microsoft.com/office/drawing/2014/main" id="{59913B85-3B4F-43D3-A7E9-D06F5E37C6C1}"/>
+              </a:ext>
+            </a:extLst>
+          </p:cNvPr>
+          <p:cNvSpPr>
+            <a:spLocks noGrp="1"/>
+          </p:cNvSpPr>
+          <p:nvPr>
+            <p:ph type="dt" sz="half" idx="10"/>
+          </p:nvPr>
+        </p:nvSpPr>
+        <p:spPr/>
+        <p:txBody>
+          <a:bodyPr/>
+          <a:lstStyle/>
+          <a:p>
+            <a:fld id="{F736EC4A-E5B7-42C2-9943-4D2477F0E2BA}" type="datetime1">
+              <a:rPr lang="en-US" smtClean="0"/>
+              <a:t>9/26/2021</a:t>
+            </a:fld>
+            <a:endParaRPr lang="en-US" dirty="0"/>
+          </a:p>
+        </p:txBody>
+      </p:sp>
+      <p:sp>
+        <p:nvSpPr>
+          <p:cNvPr id="5" name="Footer Placeholder 4">
+            <a:extLst>
+              <a:ext uri="{FF2B5EF4-FFF2-40B4-BE49-F238E27FC236}">
+                <a16:creationId xmlns:a16="http://schemas.microsoft.com/office/drawing/2014/main" id="{C5649577-8229-4DC9-AE82-59C3A5BA0515}"/>
+              </a:ext>
+            </a:extLst>
+          </p:cNvPr>
+          <p:cNvSpPr>
+            <a:spLocks noGrp="1"/>
+          </p:cNvSpPr>
+          <p:nvPr>
+            <p:ph type="ftr" sz="quarter" idx="11"/>
+          </p:nvPr>
+        </p:nvSpPr>
+        <p:spPr/>
+        <p:txBody>
+          <a:bodyPr/>
+          <a:lstStyle/>
+          <a:p>
+            <a:r>
+              <a:rPr lang="en-US" dirty="0"/>
+              <a:t>Yarden Akaby &amp; Etai Sella</a:t>
+            </a:r>
+          </a:p>
+        </p:txBody>
+      </p:sp>
+      <p:sp>
+        <p:nvSpPr>
+          <p:cNvPr id="6" name="Slide Number Placeholder 5">
+            <a:extLst>
+              <a:ext uri="{FF2B5EF4-FFF2-40B4-BE49-F238E27FC236}">
+                <a16:creationId xmlns:a16="http://schemas.microsoft.com/office/drawing/2014/main" id="{1B57282B-C25D-48B2-A667-C1D467EB1137}"/>
+              </a:ext>
+            </a:extLst>
+          </p:cNvPr>
+          <p:cNvSpPr>
+            <a:spLocks noGrp="1"/>
+          </p:cNvSpPr>
+          <p:nvPr>
+            <p:ph type="sldNum" sz="quarter" idx="12"/>
+          </p:nvPr>
+        </p:nvSpPr>
+        <p:spPr/>
+        <p:txBody>
+          <a:bodyPr/>
+          <a:lstStyle/>
+          <a:p>
+            <a:fld id="{C629165E-D59B-453D-B763-34340D7036F6}" type="slidenum">
+              <a:rPr lang="en-US" smtClean="0"/>
+              <a:t>12</a:t>
+            </a:fld>
+            <a:endParaRPr lang="en-US" dirty="0"/>
+          </a:p>
+        </p:txBody>
+      </p:sp>
+      <p:pic>
+        <p:nvPicPr>
+          <p:cNvPr id="12" name="תמונה 11">
+            <a:extLst>
+              <a:ext uri="{FF2B5EF4-FFF2-40B4-BE49-F238E27FC236}">
+                <a16:creationId xmlns:a16="http://schemas.microsoft.com/office/drawing/2014/main" id="{F908D9F5-5EEF-4F5F-84CA-61B1544ACFC7}"/>
+              </a:ext>
+            </a:extLst>
+          </p:cNvPr>
+          <p:cNvPicPr>
+            <a:picLocks noChangeAspect="1"/>
+          </p:cNvPicPr>
+          <p:nvPr/>
+        </p:nvPicPr>
+        <p:blipFill>
+          <a:blip r:embed="rId3"/>
+          <a:stretch>
+            <a:fillRect/>
+          </a:stretch>
+        </p:blipFill>
+        <p:spPr>
+          <a:xfrm>
+            <a:off x="1714500" y="2265705"/>
+            <a:ext cx="8177850" cy="3440413"/>
+          </a:xfrm>
+          <a:prstGeom prst="rect">
+            <a:avLst/>
+          </a:prstGeom>
+        </p:spPr>
+      </p:pic>
+    </p:spTree>
+    <p:extLst>
+      <p:ext uri="{BB962C8B-B14F-4D97-AF65-F5344CB8AC3E}">
+        <p14:creationId xmlns:p14="http://schemas.microsoft.com/office/powerpoint/2010/main" val="2597691373"/>
+      </p:ext>
+    </p:extLst>
+  </p:cSld>
+  <p:clrMapOvr>
+    <a:masterClrMapping/>
+  </p:clrMapOvr>
+</p:sld>
+</file>
+
+<file path=ppt/slides/slide13.xml><?xml version="1.0" encoding="utf-8"?>
+<p:sld xmlns:a="http://schemas.openxmlformats.org/drawingml/2006/main" xmlns:r="http://schemas.openxmlformats.org/officeDocument/2006/relationships" xmlns:p="http://schemas.openxmlformats.org/presentationml/2006/main">
+  <p:cSld>
+    <p:spTree>
+      <p:nvGrpSpPr>
+        <p:cNvPr id="1" name=""/>
+        <p:cNvGrpSpPr/>
+        <p:nvPr/>
+      </p:nvGrpSpPr>
+      <p:grpSpPr>
+        <a:xfrm>
+          <a:off x="0" y="0"/>
+          <a:ext cx="0" cy="0"/>
+          <a:chOff x="0" y="0"/>
+          <a:chExt cx="0" cy="0"/>
+        </a:xfrm>
+      </p:grpSpPr>
+      <p:sp>
+        <p:nvSpPr>
+          <p:cNvPr id="2" name="Title 1">
+            <a:extLst>
+              <a:ext uri="{FF2B5EF4-FFF2-40B4-BE49-F238E27FC236}">
+                <a16:creationId xmlns:a16="http://schemas.microsoft.com/office/drawing/2014/main" id="{143B5247-4B5C-44D2-AE13-25DD403557B4}"/>
+              </a:ext>
+            </a:extLst>
+          </p:cNvPr>
+          <p:cNvSpPr>
+            <a:spLocks noGrp="1"/>
+          </p:cNvSpPr>
+          <p:nvPr>
+            <p:ph type="title"/>
+          </p:nvPr>
+        </p:nvSpPr>
+        <p:spPr/>
+        <p:txBody>
+          <a:bodyPr>
+            <a:normAutofit/>
+          </a:bodyPr>
+          <a:lstStyle/>
+          <a:p>
+            <a:r>
+              <a:rPr lang="en-US" dirty="0"/>
+              <a:t>Tests and Simulations - RANSAC</a:t>
+            </a:r>
+          </a:p>
+        </p:txBody>
+      </p:sp>
+      <p:sp>
+        <p:nvSpPr>
+          <p:cNvPr id="3" name="Content Placeholder 2">
+            <a:extLst>
+              <a:ext uri="{FF2B5EF4-FFF2-40B4-BE49-F238E27FC236}">
+                <a16:creationId xmlns:a16="http://schemas.microsoft.com/office/drawing/2014/main" id="{8BB29A69-51F4-4CEE-B950-D3A7C19E951E}"/>
+              </a:ext>
+            </a:extLst>
+          </p:cNvPr>
+          <p:cNvSpPr>
+            <a:spLocks noGrp="1"/>
+          </p:cNvSpPr>
+          <p:nvPr>
+            <p:ph idx="1"/>
+          </p:nvPr>
+        </p:nvSpPr>
+        <p:spPr/>
+        <p:txBody>
+          <a:bodyPr>
+            <a:normAutofit/>
+          </a:bodyPr>
+          <a:lstStyle/>
+          <a:p>
+            <a:pPr marL="0" indent="0">
+              <a:buNone/>
+            </a:pPr>
+            <a:r>
+              <a:rPr lang="en-US" u="sng" dirty="0"/>
+              <a:t>Graph of CRE against SNR</a:t>
+            </a:r>
+          </a:p>
+          <a:p>
+            <a:endParaRPr lang="en-US" dirty="0"/>
+          </a:p>
+        </p:txBody>
+      </p:sp>
+      <p:sp>
+        <p:nvSpPr>
+          <p:cNvPr id="4" name="Date Placeholder 3">
+            <a:extLst>
+              <a:ext uri="{FF2B5EF4-FFF2-40B4-BE49-F238E27FC236}">
+                <a16:creationId xmlns:a16="http://schemas.microsoft.com/office/drawing/2014/main" id="{59913B85-3B4F-43D3-A7E9-D06F5E37C6C1}"/>
+              </a:ext>
+            </a:extLst>
+          </p:cNvPr>
+          <p:cNvSpPr>
+            <a:spLocks noGrp="1"/>
+          </p:cNvSpPr>
+          <p:nvPr>
+            <p:ph type="dt" sz="half" idx="10"/>
+          </p:nvPr>
+        </p:nvSpPr>
+        <p:spPr/>
+        <p:txBody>
+          <a:bodyPr/>
+          <a:lstStyle/>
+          <a:p>
+            <a:fld id="{F736EC4A-E5B7-42C2-9943-4D2477F0E2BA}" type="datetime1">
+              <a:rPr lang="en-US" smtClean="0"/>
+              <a:t>9/26/2021</a:t>
+            </a:fld>
+            <a:endParaRPr lang="en-US" dirty="0"/>
+          </a:p>
+        </p:txBody>
+      </p:sp>
+      <p:sp>
+        <p:nvSpPr>
+          <p:cNvPr id="5" name="Footer Placeholder 4">
+            <a:extLst>
+              <a:ext uri="{FF2B5EF4-FFF2-40B4-BE49-F238E27FC236}">
+                <a16:creationId xmlns:a16="http://schemas.microsoft.com/office/drawing/2014/main" id="{C5649577-8229-4DC9-AE82-59C3A5BA0515}"/>
+              </a:ext>
+            </a:extLst>
+          </p:cNvPr>
+          <p:cNvSpPr>
+            <a:spLocks noGrp="1"/>
+          </p:cNvSpPr>
+          <p:nvPr>
+            <p:ph type="ftr" sz="quarter" idx="11"/>
+          </p:nvPr>
+        </p:nvSpPr>
+        <p:spPr/>
+        <p:txBody>
+          <a:bodyPr/>
+          <a:lstStyle/>
+          <a:p>
+            <a:r>
+              <a:rPr lang="en-US" dirty="0"/>
+              <a:t>Yarden Akaby &amp; Etai Sella</a:t>
+            </a:r>
+          </a:p>
+        </p:txBody>
+      </p:sp>
+      <p:sp>
+        <p:nvSpPr>
+          <p:cNvPr id="6" name="Slide Number Placeholder 5">
+            <a:extLst>
+              <a:ext uri="{FF2B5EF4-FFF2-40B4-BE49-F238E27FC236}">
+                <a16:creationId xmlns:a16="http://schemas.microsoft.com/office/drawing/2014/main" id="{1B57282B-C25D-48B2-A667-C1D467EB1137}"/>
+              </a:ext>
+            </a:extLst>
+          </p:cNvPr>
+          <p:cNvSpPr>
+            <a:spLocks noGrp="1"/>
+          </p:cNvSpPr>
+          <p:nvPr>
+            <p:ph type="sldNum" sz="quarter" idx="12"/>
+          </p:nvPr>
+        </p:nvSpPr>
+        <p:spPr/>
+        <p:txBody>
+          <a:bodyPr/>
+          <a:lstStyle/>
+          <a:p>
+            <a:fld id="{C629165E-D59B-453D-B763-34340D7036F6}" type="slidenum">
+              <a:rPr lang="en-US" smtClean="0"/>
+              <a:t>13</a:t>
+            </a:fld>
+            <a:endParaRPr lang="en-US" dirty="0"/>
+          </a:p>
+        </p:txBody>
+      </p:sp>
+      <p:pic>
+        <p:nvPicPr>
+          <p:cNvPr id="8" name="תמונה 7">
+            <a:extLst>
+              <a:ext uri="{FF2B5EF4-FFF2-40B4-BE49-F238E27FC236}">
+                <a16:creationId xmlns:a16="http://schemas.microsoft.com/office/drawing/2014/main" id="{CBD05260-F342-4BC4-9A32-BF30546BBBB4}"/>
+              </a:ext>
+            </a:extLst>
+          </p:cNvPr>
+          <p:cNvPicPr>
+            <a:picLocks noChangeAspect="1"/>
+          </p:cNvPicPr>
+          <p:nvPr/>
+        </p:nvPicPr>
+        <p:blipFill>
+          <a:blip r:embed="rId3"/>
+          <a:stretch>
+            <a:fillRect/>
+          </a:stretch>
+        </p:blipFill>
+        <p:spPr>
+          <a:xfrm>
+            <a:off x="3041480" y="2459835"/>
+            <a:ext cx="5227223" cy="3404206"/>
+          </a:xfrm>
+          <a:prstGeom prst="rect">
+            <a:avLst/>
+          </a:prstGeom>
+        </p:spPr>
+      </p:pic>
+    </p:spTree>
+    <p:extLst>
+      <p:ext uri="{BB962C8B-B14F-4D97-AF65-F5344CB8AC3E}">
+        <p14:creationId xmlns:p14="http://schemas.microsoft.com/office/powerpoint/2010/main" val="210292874"/>
+      </p:ext>
+    </p:extLst>
+  </p:cSld>
+  <p:clrMapOvr>
+    <a:masterClrMapping/>
+  </p:clrMapOvr>
+</p:sld>
+</file>
+
+<file path=ppt/slides/slide14.xml><?xml version="1.0" encoding="utf-8"?>
+<p:sld xmlns:a="http://schemas.openxmlformats.org/drawingml/2006/main" xmlns:r="http://schemas.openxmlformats.org/officeDocument/2006/relationships" xmlns:p="http://schemas.openxmlformats.org/presentationml/2006/main">
+  <p:cSld>
+    <p:spTree>
+      <p:nvGrpSpPr>
+        <p:cNvPr id="1" name=""/>
+        <p:cNvGrpSpPr/>
+        <p:nvPr/>
+      </p:nvGrpSpPr>
+      <p:grpSpPr>
+        <a:xfrm>
+          <a:off x="0" y="0"/>
+          <a:ext cx="0" cy="0"/>
+          <a:chOff x="0" y="0"/>
+          <a:chExt cx="0" cy="0"/>
+        </a:xfrm>
+      </p:grpSpPr>
+      <p:sp>
+        <p:nvSpPr>
+          <p:cNvPr id="2" name="Title 1">
+            <a:extLst>
+              <a:ext uri="{FF2B5EF4-FFF2-40B4-BE49-F238E27FC236}">
+                <a16:creationId xmlns:a16="http://schemas.microsoft.com/office/drawing/2014/main" id="{143B5247-4B5C-44D2-AE13-25DD403557B4}"/>
+              </a:ext>
+            </a:extLst>
+          </p:cNvPr>
+          <p:cNvSpPr>
+            <a:spLocks noGrp="1"/>
+          </p:cNvSpPr>
+          <p:nvPr>
+            <p:ph type="title"/>
+          </p:nvPr>
+        </p:nvSpPr>
+        <p:spPr/>
+        <p:txBody>
+          <a:bodyPr>
+            <a:normAutofit/>
+          </a:bodyPr>
+          <a:lstStyle/>
+          <a:p>
+            <a:r>
+              <a:rPr lang="en-US" dirty="0"/>
+              <a:t>Tests and Simulations - HOUGH</a:t>
+            </a:r>
+          </a:p>
+        </p:txBody>
+      </p:sp>
+      <p:sp>
+        <p:nvSpPr>
+          <p:cNvPr id="3" name="Content Placeholder 2">
+            <a:extLst>
+              <a:ext uri="{FF2B5EF4-FFF2-40B4-BE49-F238E27FC236}">
+                <a16:creationId xmlns:a16="http://schemas.microsoft.com/office/drawing/2014/main" id="{8BB29A69-51F4-4CEE-B950-D3A7C19E951E}"/>
+              </a:ext>
+            </a:extLst>
+          </p:cNvPr>
+          <p:cNvSpPr>
+            <a:spLocks noGrp="1"/>
+          </p:cNvSpPr>
+          <p:nvPr>
+            <p:ph idx="1"/>
+          </p:nvPr>
+        </p:nvSpPr>
+        <p:spPr/>
+        <p:txBody>
+          <a:bodyPr>
+            <a:normAutofit/>
+          </a:bodyPr>
+          <a:lstStyle/>
+          <a:p>
+            <a:r>
+              <a:rPr lang="en-US" dirty="0"/>
+              <a:t>Create 100 Trials:</a:t>
+            </a:r>
+          </a:p>
+          <a:p>
+            <a:pPr lvl="1"/>
+            <a:r>
+              <a:rPr lang="en-US" dirty="0"/>
+              <a:t>2 different chirp signals</a:t>
+            </a:r>
+          </a:p>
+          <a:p>
+            <a:pPr lvl="1"/>
+            <a:r>
+              <a:rPr lang="en-US" dirty="0"/>
+              <a:t>15 different noise variation</a:t>
+            </a:r>
+          </a:p>
+          <a:p>
+            <a:r>
+              <a:rPr lang="en-US" dirty="0"/>
+              <a:t>Use STFT</a:t>
+            </a:r>
+          </a:p>
+          <a:p>
+            <a:r>
+              <a:rPr lang="en-US" dirty="0"/>
+              <a:t>Extract 2 time frequency curves using Hough transform</a:t>
+            </a:r>
+          </a:p>
+          <a:p>
+            <a:r>
+              <a:rPr lang="en-US" dirty="0"/>
+              <a:t>Evaluate CRE of each curve –Left &amp; Right</a:t>
+            </a:r>
+          </a:p>
+          <a:p>
+            <a:endParaRPr lang="en-US" dirty="0"/>
+          </a:p>
+          <a:p>
+            <a:pPr lvl="1"/>
+            <a:endParaRPr lang="en-US" dirty="0"/>
+          </a:p>
+        </p:txBody>
+      </p:sp>
+      <p:sp>
+        <p:nvSpPr>
+          <p:cNvPr id="4" name="Date Placeholder 3">
+            <a:extLst>
+              <a:ext uri="{FF2B5EF4-FFF2-40B4-BE49-F238E27FC236}">
+                <a16:creationId xmlns:a16="http://schemas.microsoft.com/office/drawing/2014/main" id="{59913B85-3B4F-43D3-A7E9-D06F5E37C6C1}"/>
+              </a:ext>
+            </a:extLst>
+          </p:cNvPr>
+          <p:cNvSpPr>
+            <a:spLocks noGrp="1"/>
+          </p:cNvSpPr>
+          <p:nvPr>
+            <p:ph type="dt" sz="half" idx="10"/>
+          </p:nvPr>
+        </p:nvSpPr>
+        <p:spPr/>
+        <p:txBody>
+          <a:bodyPr/>
+          <a:lstStyle/>
+          <a:p>
+            <a:fld id="{F736EC4A-E5B7-42C2-9943-4D2477F0E2BA}" type="datetime1">
+              <a:rPr lang="en-US" smtClean="0"/>
+              <a:t>9/26/2021</a:t>
+            </a:fld>
+            <a:endParaRPr lang="en-US" dirty="0"/>
+          </a:p>
+        </p:txBody>
+      </p:sp>
+      <p:sp>
+        <p:nvSpPr>
+          <p:cNvPr id="5" name="Footer Placeholder 4">
+            <a:extLst>
+              <a:ext uri="{FF2B5EF4-FFF2-40B4-BE49-F238E27FC236}">
+                <a16:creationId xmlns:a16="http://schemas.microsoft.com/office/drawing/2014/main" id="{C5649577-8229-4DC9-AE82-59C3A5BA0515}"/>
+              </a:ext>
+            </a:extLst>
+          </p:cNvPr>
+          <p:cNvSpPr>
+            <a:spLocks noGrp="1"/>
+          </p:cNvSpPr>
+          <p:nvPr>
+            <p:ph type="ftr" sz="quarter" idx="11"/>
+          </p:nvPr>
+        </p:nvSpPr>
+        <p:spPr/>
+        <p:txBody>
+          <a:bodyPr/>
+          <a:lstStyle/>
+          <a:p>
+            <a:r>
+              <a:rPr lang="en-US" dirty="0"/>
+              <a:t>Yarden Akaby &amp; Etai Sella</a:t>
+            </a:r>
+          </a:p>
+        </p:txBody>
+      </p:sp>
+      <p:sp>
+        <p:nvSpPr>
+          <p:cNvPr id="6" name="Slide Number Placeholder 5">
+            <a:extLst>
+              <a:ext uri="{FF2B5EF4-FFF2-40B4-BE49-F238E27FC236}">
+                <a16:creationId xmlns:a16="http://schemas.microsoft.com/office/drawing/2014/main" id="{1B57282B-C25D-48B2-A667-C1D467EB1137}"/>
+              </a:ext>
+            </a:extLst>
+          </p:cNvPr>
+          <p:cNvSpPr>
+            <a:spLocks noGrp="1"/>
+          </p:cNvSpPr>
+          <p:nvPr>
+            <p:ph type="sldNum" sz="quarter" idx="12"/>
+          </p:nvPr>
+        </p:nvSpPr>
+        <p:spPr/>
+        <p:txBody>
+          <a:bodyPr/>
+          <a:lstStyle/>
+          <a:p>
+            <a:fld id="{C629165E-D59B-453D-B763-34340D7036F6}" type="slidenum">
+              <a:rPr lang="en-US" smtClean="0"/>
+              <a:t>14</a:t>
+            </a:fld>
+            <a:endParaRPr lang="en-US" dirty="0"/>
+          </a:p>
+        </p:txBody>
+      </p:sp>
+    </p:spTree>
+    <p:extLst>
+      <p:ext uri="{BB962C8B-B14F-4D97-AF65-F5344CB8AC3E}">
+        <p14:creationId xmlns:p14="http://schemas.microsoft.com/office/powerpoint/2010/main" val="3328641539"/>
+      </p:ext>
+    </p:extLst>
+  </p:cSld>
+  <p:clrMapOvr>
+    <a:masterClrMapping/>
+  </p:clrMapOvr>
+</p:sld>
+</file>
+
+<file path=ppt/slides/slide15.xml><?xml version="1.0" encoding="utf-8"?>
+<p:sld xmlns:a="http://schemas.openxmlformats.org/drawingml/2006/main" xmlns:r="http://schemas.openxmlformats.org/officeDocument/2006/relationships" xmlns:p="http://schemas.openxmlformats.org/presentationml/2006/main">
+  <p:cSld>
+    <p:spTree>
+      <p:nvGrpSpPr>
+        <p:cNvPr id="1" name=""/>
+        <p:cNvGrpSpPr/>
+        <p:nvPr/>
+      </p:nvGrpSpPr>
+      <p:grpSpPr>
+        <a:xfrm>
+          <a:off x="0" y="0"/>
+          <a:ext cx="0" cy="0"/>
+          <a:chOff x="0" y="0"/>
+          <a:chExt cx="0" cy="0"/>
+        </a:xfrm>
+      </p:grpSpPr>
+      <p:sp>
+        <p:nvSpPr>
+          <p:cNvPr id="2" name="Title 1">
+            <a:extLst>
+              <a:ext uri="{FF2B5EF4-FFF2-40B4-BE49-F238E27FC236}">
+                <a16:creationId xmlns:a16="http://schemas.microsoft.com/office/drawing/2014/main" id="{143B5247-4B5C-44D2-AE13-25DD403557B4}"/>
+              </a:ext>
+            </a:extLst>
+          </p:cNvPr>
+          <p:cNvSpPr>
+            <a:spLocks noGrp="1"/>
+          </p:cNvSpPr>
+          <p:nvPr>
+            <p:ph type="title"/>
+          </p:nvPr>
+        </p:nvSpPr>
+        <p:spPr/>
+        <p:txBody>
+          <a:bodyPr>
+            <a:normAutofit/>
+          </a:bodyPr>
+          <a:lstStyle/>
+          <a:p>
+            <a:r>
+              <a:rPr lang="en-US" dirty="0"/>
+              <a:t>Tests and Simulations - HOUGH</a:t>
+            </a:r>
+          </a:p>
+        </p:txBody>
+      </p:sp>
+      <p:sp>
+        <p:nvSpPr>
+          <p:cNvPr id="3" name="Content Placeholder 2">
+            <a:extLst>
+              <a:ext uri="{FF2B5EF4-FFF2-40B4-BE49-F238E27FC236}">
+                <a16:creationId xmlns:a16="http://schemas.microsoft.com/office/drawing/2014/main" id="{8BB29A69-51F4-4CEE-B950-D3A7C19E951E}"/>
+              </a:ext>
+            </a:extLst>
+          </p:cNvPr>
+          <p:cNvSpPr>
+            <a:spLocks noGrp="1"/>
+          </p:cNvSpPr>
+          <p:nvPr>
+            <p:ph idx="1"/>
+          </p:nvPr>
+        </p:nvSpPr>
+        <p:spPr/>
+        <p:txBody>
+          <a:bodyPr>
+            <a:normAutofit/>
+          </a:bodyPr>
+          <a:lstStyle/>
+          <a:p>
+            <a:pPr marL="0" indent="0">
+              <a:buNone/>
+            </a:pPr>
+            <a:r>
+              <a:rPr lang="en-US" u="sng" dirty="0"/>
+              <a:t>Graph of CRE against SNR</a:t>
+            </a:r>
+          </a:p>
+        </p:txBody>
+      </p:sp>
+      <p:sp>
+        <p:nvSpPr>
+          <p:cNvPr id="4" name="Date Placeholder 3">
+            <a:extLst>
+              <a:ext uri="{FF2B5EF4-FFF2-40B4-BE49-F238E27FC236}">
+                <a16:creationId xmlns:a16="http://schemas.microsoft.com/office/drawing/2014/main" id="{59913B85-3B4F-43D3-A7E9-D06F5E37C6C1}"/>
+              </a:ext>
+            </a:extLst>
+          </p:cNvPr>
+          <p:cNvSpPr>
+            <a:spLocks noGrp="1"/>
+          </p:cNvSpPr>
+          <p:nvPr>
+            <p:ph type="dt" sz="half" idx="10"/>
+          </p:nvPr>
+        </p:nvSpPr>
+        <p:spPr/>
+        <p:txBody>
+          <a:bodyPr/>
+          <a:lstStyle/>
+          <a:p>
+            <a:fld id="{F736EC4A-E5B7-42C2-9943-4D2477F0E2BA}" type="datetime1">
+              <a:rPr lang="en-US" smtClean="0"/>
+              <a:t>9/26/2021</a:t>
+            </a:fld>
+            <a:endParaRPr lang="en-US" dirty="0"/>
+          </a:p>
+        </p:txBody>
+      </p:sp>
+      <p:sp>
+        <p:nvSpPr>
+          <p:cNvPr id="5" name="Footer Placeholder 4">
+            <a:extLst>
+              <a:ext uri="{FF2B5EF4-FFF2-40B4-BE49-F238E27FC236}">
+                <a16:creationId xmlns:a16="http://schemas.microsoft.com/office/drawing/2014/main" id="{C5649577-8229-4DC9-AE82-59C3A5BA0515}"/>
+              </a:ext>
+            </a:extLst>
+          </p:cNvPr>
+          <p:cNvSpPr>
+            <a:spLocks noGrp="1"/>
+          </p:cNvSpPr>
+          <p:nvPr>
+            <p:ph type="ftr" sz="quarter" idx="11"/>
+          </p:nvPr>
+        </p:nvSpPr>
+        <p:spPr/>
+        <p:txBody>
+          <a:bodyPr/>
+          <a:lstStyle/>
+          <a:p>
+            <a:r>
+              <a:rPr lang="en-US" dirty="0"/>
+              <a:t>Yarden Akaby &amp; Etai Sella</a:t>
+            </a:r>
+          </a:p>
+        </p:txBody>
+      </p:sp>
+      <p:sp>
+        <p:nvSpPr>
+          <p:cNvPr id="6" name="Slide Number Placeholder 5">
+            <a:extLst>
+              <a:ext uri="{FF2B5EF4-FFF2-40B4-BE49-F238E27FC236}">
+                <a16:creationId xmlns:a16="http://schemas.microsoft.com/office/drawing/2014/main" id="{1B57282B-C25D-48B2-A667-C1D467EB1137}"/>
+              </a:ext>
+            </a:extLst>
+          </p:cNvPr>
+          <p:cNvSpPr>
+            <a:spLocks noGrp="1"/>
+          </p:cNvSpPr>
+          <p:nvPr>
+            <p:ph type="sldNum" sz="quarter" idx="12"/>
+          </p:nvPr>
+        </p:nvSpPr>
+        <p:spPr/>
+        <p:txBody>
+          <a:bodyPr/>
+          <a:lstStyle/>
+          <a:p>
+            <a:fld id="{C629165E-D59B-453D-B763-34340D7036F6}" type="slidenum">
+              <a:rPr lang="en-US" smtClean="0"/>
+              <a:t>15</a:t>
+            </a:fld>
+            <a:endParaRPr lang="en-US" dirty="0"/>
+          </a:p>
+        </p:txBody>
+      </p:sp>
+      <p:pic>
+        <p:nvPicPr>
+          <p:cNvPr id="8" name="תמונה 7">
+            <a:extLst>
+              <a:ext uri="{FF2B5EF4-FFF2-40B4-BE49-F238E27FC236}">
+                <a16:creationId xmlns:a16="http://schemas.microsoft.com/office/drawing/2014/main" id="{49E86283-04B1-4AC8-B64C-10A81AF2DE7C}"/>
+              </a:ext>
+            </a:extLst>
+          </p:cNvPr>
+          <p:cNvPicPr>
+            <a:picLocks noChangeAspect="1"/>
+          </p:cNvPicPr>
+          <p:nvPr/>
+        </p:nvPicPr>
+        <p:blipFill>
+          <a:blip r:embed="rId3"/>
+          <a:stretch>
+            <a:fillRect/>
+          </a:stretch>
+        </p:blipFill>
+        <p:spPr>
+          <a:xfrm>
+            <a:off x="3274807" y="2253734"/>
+            <a:ext cx="4562212" cy="3482047"/>
+          </a:xfrm>
+          <a:prstGeom prst="rect">
+            <a:avLst/>
+          </a:prstGeom>
+        </p:spPr>
+      </p:pic>
+    </p:spTree>
+    <p:extLst>
+      <p:ext uri="{BB962C8B-B14F-4D97-AF65-F5344CB8AC3E}">
+        <p14:creationId xmlns:p14="http://schemas.microsoft.com/office/powerpoint/2010/main" val="1714346696"/>
+      </p:ext>
+    </p:extLst>
+  </p:cSld>
+  <p:clrMapOvr>
+    <a:masterClrMapping/>
+  </p:clrMapOvr>
+</p:sld>
+</file>
+
+<file path=ppt/slides/slide16.xml><?xml version="1.0" encoding="utf-8"?>
+<p:sld xmlns:a="http://schemas.openxmlformats.org/drawingml/2006/main" xmlns:r="http://schemas.openxmlformats.org/officeDocument/2006/relationships" xmlns:p="http://schemas.openxmlformats.org/presentationml/2006/main">
+  <p:cSld>
+    <p:spTree>
+      <p:nvGrpSpPr>
+        <p:cNvPr id="1" name=""/>
+        <p:cNvGrpSpPr/>
+        <p:nvPr/>
+      </p:nvGrpSpPr>
+      <p:grpSpPr>
+        <a:xfrm>
+          <a:off x="0" y="0"/>
+          <a:ext cx="0" cy="0"/>
+          <a:chOff x="0" y="0"/>
+          <a:chExt cx="0" cy="0"/>
+        </a:xfrm>
+      </p:grpSpPr>
+      <p:sp>
+        <p:nvSpPr>
+          <p:cNvPr id="2" name="Title 1">
+            <a:extLst>
+              <a:ext uri="{FF2B5EF4-FFF2-40B4-BE49-F238E27FC236}">
+                <a16:creationId xmlns:a16="http://schemas.microsoft.com/office/drawing/2014/main" id="{143B5247-4B5C-44D2-AE13-25DD403557B4}"/>
+              </a:ext>
+            </a:extLst>
+          </p:cNvPr>
+          <p:cNvSpPr>
+            <a:spLocks noGrp="1"/>
+          </p:cNvSpPr>
+          <p:nvPr>
+            <p:ph type="title"/>
+          </p:nvPr>
+        </p:nvSpPr>
+        <p:spPr/>
+        <p:txBody>
+          <a:bodyPr>
+            <a:normAutofit/>
+          </a:bodyPr>
+          <a:lstStyle/>
+          <a:p>
+            <a:r>
+              <a:rPr lang="en-US" dirty="0"/>
+              <a:t>Conclusions</a:t>
+            </a:r>
+          </a:p>
+        </p:txBody>
+      </p:sp>
+      <p:sp>
+        <p:nvSpPr>
+          <p:cNvPr id="3" name="Content Placeholder 2">
+            <a:extLst>
+              <a:ext uri="{FF2B5EF4-FFF2-40B4-BE49-F238E27FC236}">
+                <a16:creationId xmlns:a16="http://schemas.microsoft.com/office/drawing/2014/main" id="{8BB29A69-51F4-4CEE-B950-D3A7C19E951E}"/>
+              </a:ext>
+            </a:extLst>
+          </p:cNvPr>
+          <p:cNvSpPr>
+            <a:spLocks noGrp="1"/>
+          </p:cNvSpPr>
+          <p:nvPr>
+            <p:ph idx="1"/>
+          </p:nvPr>
+        </p:nvSpPr>
+        <p:spPr/>
+        <p:txBody>
+          <a:bodyPr>
+            <a:normAutofit/>
+          </a:bodyPr>
+          <a:lstStyle/>
+          <a:p>
+            <a:r>
+              <a:rPr lang="en-US" dirty="0"/>
+              <a:t>Chirp estimation using RANSAC is superior than LSM</a:t>
+            </a:r>
+          </a:p>
+          <a:p>
+            <a:r>
+              <a:rPr lang="en-US" dirty="0"/>
+              <a:t>Median Filter is a helpful tool in smoothing the noisy curves</a:t>
+            </a:r>
+          </a:p>
+          <a:p>
+            <a:r>
+              <a:rPr lang="en-US" dirty="0"/>
+              <a:t>Hough Transform is good as RANSAC in </a:t>
+            </a:r>
+            <a:r>
+              <a:rPr lang="en-US"/>
+              <a:t>estimating linear chirp </a:t>
+            </a:r>
+            <a:r>
+              <a:rPr lang="en-US" dirty="0"/>
+              <a:t>signals</a:t>
+            </a:r>
+          </a:p>
+          <a:p>
+            <a:r>
+              <a:rPr lang="en-US" dirty="0"/>
+              <a:t>Hough Transform can estimate changing linear chirps</a:t>
+            </a:r>
+          </a:p>
+        </p:txBody>
+      </p:sp>
+      <p:sp>
+        <p:nvSpPr>
+          <p:cNvPr id="4" name="Date Placeholder 3">
+            <a:extLst>
+              <a:ext uri="{FF2B5EF4-FFF2-40B4-BE49-F238E27FC236}">
+                <a16:creationId xmlns:a16="http://schemas.microsoft.com/office/drawing/2014/main" id="{59913B85-3B4F-43D3-A7E9-D06F5E37C6C1}"/>
+              </a:ext>
+            </a:extLst>
+          </p:cNvPr>
+          <p:cNvSpPr>
+            <a:spLocks noGrp="1"/>
+          </p:cNvSpPr>
+          <p:nvPr>
+            <p:ph type="dt" sz="half" idx="10"/>
+          </p:nvPr>
+        </p:nvSpPr>
+        <p:spPr/>
+        <p:txBody>
+          <a:bodyPr/>
+          <a:lstStyle/>
+          <a:p>
+            <a:fld id="{F736EC4A-E5B7-42C2-9943-4D2477F0E2BA}" type="datetime1">
+              <a:rPr lang="en-US" smtClean="0"/>
+              <a:t>9/26/2021</a:t>
+            </a:fld>
+            <a:endParaRPr lang="en-US" dirty="0"/>
+          </a:p>
+        </p:txBody>
+      </p:sp>
+      <p:sp>
+        <p:nvSpPr>
+          <p:cNvPr id="5" name="Footer Placeholder 4">
+            <a:extLst>
+              <a:ext uri="{FF2B5EF4-FFF2-40B4-BE49-F238E27FC236}">
+                <a16:creationId xmlns:a16="http://schemas.microsoft.com/office/drawing/2014/main" id="{C5649577-8229-4DC9-AE82-59C3A5BA0515}"/>
+              </a:ext>
+            </a:extLst>
+          </p:cNvPr>
+          <p:cNvSpPr>
+            <a:spLocks noGrp="1"/>
+          </p:cNvSpPr>
+          <p:nvPr>
+            <p:ph type="ftr" sz="quarter" idx="11"/>
+          </p:nvPr>
+        </p:nvSpPr>
+        <p:spPr/>
+        <p:txBody>
+          <a:bodyPr/>
+          <a:lstStyle/>
+          <a:p>
+            <a:r>
+              <a:rPr lang="en-US" dirty="0"/>
+              <a:t>Yarden Akaby &amp; Etai Sella</a:t>
+            </a:r>
+          </a:p>
+        </p:txBody>
+      </p:sp>
+      <p:sp>
+        <p:nvSpPr>
+          <p:cNvPr id="6" name="Slide Number Placeholder 5">
+            <a:extLst>
+              <a:ext uri="{FF2B5EF4-FFF2-40B4-BE49-F238E27FC236}">
+                <a16:creationId xmlns:a16="http://schemas.microsoft.com/office/drawing/2014/main" id="{1B57282B-C25D-48B2-A667-C1D467EB1137}"/>
+              </a:ext>
+            </a:extLst>
+          </p:cNvPr>
+          <p:cNvSpPr>
+            <a:spLocks noGrp="1"/>
+          </p:cNvSpPr>
+          <p:nvPr>
+            <p:ph type="sldNum" sz="quarter" idx="12"/>
+          </p:nvPr>
+        </p:nvSpPr>
+        <p:spPr/>
+        <p:txBody>
+          <a:bodyPr/>
+          <a:lstStyle/>
+          <a:p>
+            <a:fld id="{C629165E-D59B-453D-B763-34340D7036F6}" type="slidenum">
+              <a:rPr lang="en-US" smtClean="0"/>
+              <a:t>16</a:t>
+            </a:fld>
+            <a:endParaRPr lang="en-US" dirty="0"/>
+          </a:p>
+        </p:txBody>
+      </p:sp>
+    </p:spTree>
+    <p:extLst>
+      <p:ext uri="{BB962C8B-B14F-4D97-AF65-F5344CB8AC3E}">
+        <p14:creationId xmlns:p14="http://schemas.microsoft.com/office/powerpoint/2010/main" val="2703478556"/>
       </p:ext>
     </p:extLst>
   </p:cSld>
@@ -4105,7 +6218,7 @@
             </a:pPr>
             <a:r>
               <a:rPr lang="en-US" dirty="0"/>
-              <a:t>Conclusion</a:t>
+              <a:t>Conclusions</a:t>
             </a:r>
           </a:p>
           <a:p>
@@ -4139,7 +6252,7 @@
           <a:p>
             <a:fld id="{6590B5CF-03C4-4DB5-B1EC-5C9E3BE40147}" type="datetime1">
               <a:rPr lang="en-US" smtClean="0"/>
-              <a:t>9/11/2021</a:t>
+              <a:t>9/26/2021</a:t>
             </a:fld>
             <a:endParaRPr lang="en-US" dirty="0"/>
           </a:p>
@@ -4167,12 +6280,8 @@
           <a:lstStyle/>
           <a:p>
             <a:r>
-              <a:rPr lang="en-US" dirty="0" err="1"/>
-              <a:t>Yarden</a:t>
-            </a:r>
-            <a:r>
-              <a:rPr lang="en-US" dirty="0"/>
-              <a:t> Akebi &amp; Etai Sella</a:t>
+              <a:rPr lang="en-US" dirty="0"/>
+              <a:t>Yarden Akaby &amp; Etai Sella</a:t>
             </a:r>
           </a:p>
         </p:txBody>
@@ -4319,7 +6428,7 @@
           <a:p>
             <a:fld id="{F736EC4A-E5B7-42C2-9943-4D2477F0E2BA}" type="datetime1">
               <a:rPr lang="en-US" smtClean="0"/>
-              <a:t>9/11/2021</a:t>
+              <a:t>9/26/2021</a:t>
             </a:fld>
             <a:endParaRPr lang="en-US" dirty="0"/>
           </a:p>
@@ -4347,8 +6456,8 @@
           <a:lstStyle/>
           <a:p>
             <a:r>
-              <a:rPr lang="en-US"/>
-              <a:t>Yarden Akebi &amp; Etai Sella</a:t>
+              <a:rPr lang="en-US" dirty="0"/>
+              <a:t>Yarden Akaby &amp; Etai Sella</a:t>
             </a:r>
           </a:p>
         </p:txBody>
@@ -4584,7 +6693,7 @@
           <a:p>
             <a:fld id="{F736EC4A-E5B7-42C2-9943-4D2477F0E2BA}" type="datetime1">
               <a:rPr lang="en-US" smtClean="0"/>
-              <a:t>9/11/2021</a:t>
+              <a:t>9/26/2021</a:t>
             </a:fld>
             <a:endParaRPr lang="en-US" dirty="0"/>
           </a:p>
@@ -4612,8 +6721,8 @@
           <a:lstStyle/>
           <a:p>
             <a:r>
-              <a:rPr lang="en-US"/>
-              <a:t>Yarden Akebi &amp; Etai Sella</a:t>
+              <a:rPr lang="en-US" dirty="0"/>
+              <a:t>Yarden Akaby &amp; Etai Sella</a:t>
             </a:r>
           </a:p>
         </p:txBody>
@@ -4760,7 +6869,7 @@
           <a:p>
             <a:fld id="{F736EC4A-E5B7-42C2-9943-4D2477F0E2BA}" type="datetime1">
               <a:rPr lang="en-US" smtClean="0"/>
-              <a:t>9/11/2021</a:t>
+              <a:t>9/26/2021</a:t>
             </a:fld>
             <a:endParaRPr lang="en-US" dirty="0"/>
           </a:p>
@@ -4788,8 +6897,8 @@
           <a:lstStyle/>
           <a:p>
             <a:r>
-              <a:rPr lang="en-US"/>
-              <a:t>Yarden Akebi &amp; Etai Sella</a:t>
+              <a:rPr lang="en-US" dirty="0"/>
+              <a:t>Yarden Akaby &amp; Etai Sella</a:t>
             </a:r>
           </a:p>
         </p:txBody>
@@ -4859,8 +6968,8 @@
           </a:prstGeom>
         </p:spPr>
       </p:pic>
-      <mc:AlternateContent xmlns:mc="http://schemas.openxmlformats.org/markup-compatibility/2006">
-        <mc:Choice xmlns:a14="http://schemas.microsoft.com/office/drawing/2010/main" Requires="a14">
+      <mc:AlternateContent xmlns:mc="http://schemas.openxmlformats.org/markup-compatibility/2006" xmlns:a14="http://schemas.microsoft.com/office/drawing/2010/main">
+        <mc:Choice Requires="a14">
           <p:sp>
             <p:nvSpPr>
               <p:cNvPr id="9" name="TextBox 8">
@@ -5023,7 +7132,7 @@
             </p:txBody>
           </p:sp>
         </mc:Choice>
-        <mc:Fallback>
+        <mc:Fallback xmlns="">
           <p:sp>
             <p:nvSpPr>
               <p:cNvPr id="9" name="TextBox 8">
@@ -5229,7 +7338,7 @@
           <a:p>
             <a:fld id="{F736EC4A-E5B7-42C2-9943-4D2477F0E2BA}" type="datetime1">
               <a:rPr lang="en-US" smtClean="0"/>
-              <a:t>9/11/2021</a:t>
+              <a:t>9/26/2021</a:t>
             </a:fld>
             <a:endParaRPr lang="en-US" dirty="0"/>
           </a:p>
@@ -5257,8 +7366,8 @@
           <a:lstStyle/>
           <a:p>
             <a:r>
-              <a:rPr lang="en-US"/>
-              <a:t>Yarden Akebi &amp; Etai Sella</a:t>
+              <a:rPr lang="en-US" dirty="0"/>
+              <a:t>Yarden Akaby &amp; Etai Sella</a:t>
             </a:r>
           </a:p>
         </p:txBody>
@@ -5296,6 +7405,547 @@
     <p:extLst>
       <p:ext uri="{BB962C8B-B14F-4D97-AF65-F5344CB8AC3E}">
         <p14:creationId xmlns:p14="http://schemas.microsoft.com/office/powerpoint/2010/main" val="1428503156"/>
+      </p:ext>
+    </p:extLst>
+  </p:cSld>
+  <p:clrMapOvr>
+    <a:masterClrMapping/>
+  </p:clrMapOvr>
+</p:sld>
+</file>
+
+<file path=ppt/slides/slide7.xml><?xml version="1.0" encoding="utf-8"?>
+<p:sld xmlns:a="http://schemas.openxmlformats.org/drawingml/2006/main" xmlns:r="http://schemas.openxmlformats.org/officeDocument/2006/relationships" xmlns:p="http://schemas.openxmlformats.org/presentationml/2006/main">
+  <p:cSld>
+    <p:spTree>
+      <p:nvGrpSpPr>
+        <p:cNvPr id="1" name=""/>
+        <p:cNvGrpSpPr/>
+        <p:nvPr/>
+      </p:nvGrpSpPr>
+      <p:grpSpPr>
+        <a:xfrm>
+          <a:off x="0" y="0"/>
+          <a:ext cx="0" cy="0"/>
+          <a:chOff x="0" y="0"/>
+          <a:chExt cx="0" cy="0"/>
+        </a:xfrm>
+      </p:grpSpPr>
+      <p:sp>
+        <p:nvSpPr>
+          <p:cNvPr id="2" name="Title 1">
+            <a:extLst>
+              <a:ext uri="{FF2B5EF4-FFF2-40B4-BE49-F238E27FC236}">
+                <a16:creationId xmlns:a16="http://schemas.microsoft.com/office/drawing/2014/main" id="{143B5247-4B5C-44D2-AE13-25DD403557B4}"/>
+              </a:ext>
+            </a:extLst>
+          </p:cNvPr>
+          <p:cNvSpPr>
+            <a:spLocks noGrp="1"/>
+          </p:cNvSpPr>
+          <p:nvPr>
+            <p:ph type="title"/>
+          </p:nvPr>
+        </p:nvSpPr>
+        <p:spPr/>
+        <p:txBody>
+          <a:bodyPr/>
+          <a:lstStyle/>
+          <a:p>
+            <a:r>
+              <a:rPr lang="en-US" dirty="0"/>
+              <a:t>Overview of Fan &amp; Li’s method</a:t>
+            </a:r>
+          </a:p>
+        </p:txBody>
+      </p:sp>
+      <p:sp>
+        <p:nvSpPr>
+          <p:cNvPr id="3" name="Content Placeholder 2">
+            <a:extLst>
+              <a:ext uri="{FF2B5EF4-FFF2-40B4-BE49-F238E27FC236}">
+                <a16:creationId xmlns:a16="http://schemas.microsoft.com/office/drawing/2014/main" id="{8BB29A69-51F4-4CEE-B950-D3A7C19E951E}"/>
+              </a:ext>
+            </a:extLst>
+          </p:cNvPr>
+          <p:cNvSpPr>
+            <a:spLocks noGrp="1"/>
+          </p:cNvSpPr>
+          <p:nvPr>
+            <p:ph idx="1"/>
+          </p:nvPr>
+        </p:nvSpPr>
+        <p:spPr/>
+        <p:txBody>
+          <a:bodyPr>
+            <a:normAutofit/>
+          </a:bodyPr>
+          <a:lstStyle/>
+          <a:p>
+            <a:r>
+              <a:rPr lang="en-US" dirty="0"/>
+              <a:t>…</a:t>
+            </a:r>
+          </a:p>
+        </p:txBody>
+      </p:sp>
+      <p:sp>
+        <p:nvSpPr>
+          <p:cNvPr id="4" name="Date Placeholder 3">
+            <a:extLst>
+              <a:ext uri="{FF2B5EF4-FFF2-40B4-BE49-F238E27FC236}">
+                <a16:creationId xmlns:a16="http://schemas.microsoft.com/office/drawing/2014/main" id="{59913B85-3B4F-43D3-A7E9-D06F5E37C6C1}"/>
+              </a:ext>
+            </a:extLst>
+          </p:cNvPr>
+          <p:cNvSpPr>
+            <a:spLocks noGrp="1"/>
+          </p:cNvSpPr>
+          <p:nvPr>
+            <p:ph type="dt" sz="half" idx="10"/>
+          </p:nvPr>
+        </p:nvSpPr>
+        <p:spPr/>
+        <p:txBody>
+          <a:bodyPr/>
+          <a:lstStyle/>
+          <a:p>
+            <a:fld id="{F736EC4A-E5B7-42C2-9943-4D2477F0E2BA}" type="datetime1">
+              <a:rPr lang="en-US" smtClean="0"/>
+              <a:t>9/26/2021</a:t>
+            </a:fld>
+            <a:endParaRPr lang="en-US" dirty="0"/>
+          </a:p>
+        </p:txBody>
+      </p:sp>
+      <p:sp>
+        <p:nvSpPr>
+          <p:cNvPr id="5" name="Footer Placeholder 4">
+            <a:extLst>
+              <a:ext uri="{FF2B5EF4-FFF2-40B4-BE49-F238E27FC236}">
+                <a16:creationId xmlns:a16="http://schemas.microsoft.com/office/drawing/2014/main" id="{C5649577-8229-4DC9-AE82-59C3A5BA0515}"/>
+              </a:ext>
+            </a:extLst>
+          </p:cNvPr>
+          <p:cNvSpPr>
+            <a:spLocks noGrp="1"/>
+          </p:cNvSpPr>
+          <p:nvPr>
+            <p:ph type="ftr" sz="quarter" idx="11"/>
+          </p:nvPr>
+        </p:nvSpPr>
+        <p:spPr/>
+        <p:txBody>
+          <a:bodyPr/>
+          <a:lstStyle/>
+          <a:p>
+            <a:r>
+              <a:rPr lang="en-US" dirty="0"/>
+              <a:t>Yarden Akaby &amp; Etai Sella</a:t>
+            </a:r>
+          </a:p>
+        </p:txBody>
+      </p:sp>
+      <p:sp>
+        <p:nvSpPr>
+          <p:cNvPr id="6" name="Slide Number Placeholder 5">
+            <a:extLst>
+              <a:ext uri="{FF2B5EF4-FFF2-40B4-BE49-F238E27FC236}">
+                <a16:creationId xmlns:a16="http://schemas.microsoft.com/office/drawing/2014/main" id="{1B57282B-C25D-48B2-A667-C1D467EB1137}"/>
+              </a:ext>
+            </a:extLst>
+          </p:cNvPr>
+          <p:cNvSpPr>
+            <a:spLocks noGrp="1"/>
+          </p:cNvSpPr>
+          <p:nvPr>
+            <p:ph type="sldNum" sz="quarter" idx="12"/>
+          </p:nvPr>
+        </p:nvSpPr>
+        <p:spPr/>
+        <p:txBody>
+          <a:bodyPr/>
+          <a:lstStyle/>
+          <a:p>
+            <a:fld id="{C629165E-D59B-453D-B763-34340D7036F6}" type="slidenum">
+              <a:rPr lang="en-US" smtClean="0"/>
+              <a:t>7</a:t>
+            </a:fld>
+            <a:endParaRPr lang="en-US" dirty="0"/>
+          </a:p>
+        </p:txBody>
+      </p:sp>
+    </p:spTree>
+    <p:extLst>
+      <p:ext uri="{BB962C8B-B14F-4D97-AF65-F5344CB8AC3E}">
+        <p14:creationId xmlns:p14="http://schemas.microsoft.com/office/powerpoint/2010/main" val="2493750724"/>
+      </p:ext>
+    </p:extLst>
+  </p:cSld>
+  <p:clrMapOvr>
+    <a:masterClrMapping/>
+  </p:clrMapOvr>
+</p:sld>
+</file>
+
+<file path=ppt/slides/slide8.xml><?xml version="1.0" encoding="utf-8"?>
+<p:sld xmlns:a="http://schemas.openxmlformats.org/drawingml/2006/main" xmlns:r="http://schemas.openxmlformats.org/officeDocument/2006/relationships" xmlns:p="http://schemas.openxmlformats.org/presentationml/2006/main">
+  <p:cSld>
+    <p:spTree>
+      <p:nvGrpSpPr>
+        <p:cNvPr id="1" name=""/>
+        <p:cNvGrpSpPr/>
+        <p:nvPr/>
+      </p:nvGrpSpPr>
+      <p:grpSpPr>
+        <a:xfrm>
+          <a:off x="0" y="0"/>
+          <a:ext cx="0" cy="0"/>
+          <a:chOff x="0" y="0"/>
+          <a:chExt cx="0" cy="0"/>
+        </a:xfrm>
+      </p:grpSpPr>
+      <p:sp>
+        <p:nvSpPr>
+          <p:cNvPr id="2" name="Title 1">
+            <a:extLst>
+              <a:ext uri="{FF2B5EF4-FFF2-40B4-BE49-F238E27FC236}">
+                <a16:creationId xmlns:a16="http://schemas.microsoft.com/office/drawing/2014/main" id="{143B5247-4B5C-44D2-AE13-25DD403557B4}"/>
+              </a:ext>
+            </a:extLst>
+          </p:cNvPr>
+          <p:cNvSpPr>
+            <a:spLocks noGrp="1"/>
+          </p:cNvSpPr>
+          <p:nvPr>
+            <p:ph type="title"/>
+          </p:nvPr>
+        </p:nvSpPr>
+        <p:spPr/>
+        <p:txBody>
+          <a:bodyPr>
+            <a:normAutofit/>
+          </a:bodyPr>
+          <a:lstStyle/>
+          <a:p>
+            <a:r>
+              <a:rPr lang="en-US" dirty="0"/>
+              <a:t>Our innovation – Using Hough transform</a:t>
+            </a:r>
+          </a:p>
+        </p:txBody>
+      </p:sp>
+      <p:sp>
+        <p:nvSpPr>
+          <p:cNvPr id="3" name="Content Placeholder 2">
+            <a:extLst>
+              <a:ext uri="{FF2B5EF4-FFF2-40B4-BE49-F238E27FC236}">
+                <a16:creationId xmlns:a16="http://schemas.microsoft.com/office/drawing/2014/main" id="{8BB29A69-51F4-4CEE-B950-D3A7C19E951E}"/>
+              </a:ext>
+            </a:extLst>
+          </p:cNvPr>
+          <p:cNvSpPr>
+            <a:spLocks noGrp="1"/>
+          </p:cNvSpPr>
+          <p:nvPr>
+            <p:ph idx="1"/>
+          </p:nvPr>
+        </p:nvSpPr>
+        <p:spPr/>
+        <p:txBody>
+          <a:bodyPr>
+            <a:normAutofit/>
+          </a:bodyPr>
+          <a:lstStyle/>
+          <a:p>
+            <a:r>
+              <a:rPr lang="en-US" dirty="0"/>
+              <a:t>…</a:t>
+            </a:r>
+          </a:p>
+        </p:txBody>
+      </p:sp>
+      <p:sp>
+        <p:nvSpPr>
+          <p:cNvPr id="4" name="Date Placeholder 3">
+            <a:extLst>
+              <a:ext uri="{FF2B5EF4-FFF2-40B4-BE49-F238E27FC236}">
+                <a16:creationId xmlns:a16="http://schemas.microsoft.com/office/drawing/2014/main" id="{59913B85-3B4F-43D3-A7E9-D06F5E37C6C1}"/>
+              </a:ext>
+            </a:extLst>
+          </p:cNvPr>
+          <p:cNvSpPr>
+            <a:spLocks noGrp="1"/>
+          </p:cNvSpPr>
+          <p:nvPr>
+            <p:ph type="dt" sz="half" idx="10"/>
+          </p:nvPr>
+        </p:nvSpPr>
+        <p:spPr/>
+        <p:txBody>
+          <a:bodyPr/>
+          <a:lstStyle/>
+          <a:p>
+            <a:fld id="{F736EC4A-E5B7-42C2-9943-4D2477F0E2BA}" type="datetime1">
+              <a:rPr lang="en-US" smtClean="0"/>
+              <a:t>9/26/2021</a:t>
+            </a:fld>
+            <a:endParaRPr lang="en-US" dirty="0"/>
+          </a:p>
+        </p:txBody>
+      </p:sp>
+      <p:sp>
+        <p:nvSpPr>
+          <p:cNvPr id="5" name="Footer Placeholder 4">
+            <a:extLst>
+              <a:ext uri="{FF2B5EF4-FFF2-40B4-BE49-F238E27FC236}">
+                <a16:creationId xmlns:a16="http://schemas.microsoft.com/office/drawing/2014/main" id="{C5649577-8229-4DC9-AE82-59C3A5BA0515}"/>
+              </a:ext>
+            </a:extLst>
+          </p:cNvPr>
+          <p:cNvSpPr>
+            <a:spLocks noGrp="1"/>
+          </p:cNvSpPr>
+          <p:nvPr>
+            <p:ph type="ftr" sz="quarter" idx="11"/>
+          </p:nvPr>
+        </p:nvSpPr>
+        <p:spPr/>
+        <p:txBody>
+          <a:bodyPr/>
+          <a:lstStyle/>
+          <a:p>
+            <a:r>
+              <a:rPr lang="en-US" dirty="0"/>
+              <a:t>Yarden Akaby &amp; Etai Sella</a:t>
+            </a:r>
+          </a:p>
+        </p:txBody>
+      </p:sp>
+      <p:sp>
+        <p:nvSpPr>
+          <p:cNvPr id="6" name="Slide Number Placeholder 5">
+            <a:extLst>
+              <a:ext uri="{FF2B5EF4-FFF2-40B4-BE49-F238E27FC236}">
+                <a16:creationId xmlns:a16="http://schemas.microsoft.com/office/drawing/2014/main" id="{1B57282B-C25D-48B2-A667-C1D467EB1137}"/>
+              </a:ext>
+            </a:extLst>
+          </p:cNvPr>
+          <p:cNvSpPr>
+            <a:spLocks noGrp="1"/>
+          </p:cNvSpPr>
+          <p:nvPr>
+            <p:ph type="sldNum" sz="quarter" idx="12"/>
+          </p:nvPr>
+        </p:nvSpPr>
+        <p:spPr/>
+        <p:txBody>
+          <a:bodyPr/>
+          <a:lstStyle/>
+          <a:p>
+            <a:fld id="{C629165E-D59B-453D-B763-34340D7036F6}" type="slidenum">
+              <a:rPr lang="en-US" smtClean="0"/>
+              <a:t>8</a:t>
+            </a:fld>
+            <a:endParaRPr lang="en-US" dirty="0"/>
+          </a:p>
+        </p:txBody>
+      </p:sp>
+    </p:spTree>
+    <p:extLst>
+      <p:ext uri="{BB962C8B-B14F-4D97-AF65-F5344CB8AC3E}">
+        <p14:creationId xmlns:p14="http://schemas.microsoft.com/office/powerpoint/2010/main" val="2007912869"/>
+      </p:ext>
+    </p:extLst>
+  </p:cSld>
+  <p:clrMapOvr>
+    <a:masterClrMapping/>
+  </p:clrMapOvr>
+</p:sld>
+</file>
+
+<file path=ppt/slides/slide9.xml><?xml version="1.0" encoding="utf-8"?>
+<p:sld xmlns:a="http://schemas.openxmlformats.org/drawingml/2006/main" xmlns:r="http://schemas.openxmlformats.org/officeDocument/2006/relationships" xmlns:p="http://schemas.openxmlformats.org/presentationml/2006/main">
+  <p:cSld>
+    <p:spTree>
+      <p:nvGrpSpPr>
+        <p:cNvPr id="1" name=""/>
+        <p:cNvGrpSpPr/>
+        <p:nvPr/>
+      </p:nvGrpSpPr>
+      <p:grpSpPr>
+        <a:xfrm>
+          <a:off x="0" y="0"/>
+          <a:ext cx="0" cy="0"/>
+          <a:chOff x="0" y="0"/>
+          <a:chExt cx="0" cy="0"/>
+        </a:xfrm>
+      </p:grpSpPr>
+      <p:sp>
+        <p:nvSpPr>
+          <p:cNvPr id="2" name="Title 1">
+            <a:extLst>
+              <a:ext uri="{FF2B5EF4-FFF2-40B4-BE49-F238E27FC236}">
+                <a16:creationId xmlns:a16="http://schemas.microsoft.com/office/drawing/2014/main" id="{143B5247-4B5C-44D2-AE13-25DD403557B4}"/>
+              </a:ext>
+            </a:extLst>
+          </p:cNvPr>
+          <p:cNvSpPr>
+            <a:spLocks noGrp="1"/>
+          </p:cNvSpPr>
+          <p:nvPr>
+            <p:ph type="title"/>
+          </p:nvPr>
+        </p:nvSpPr>
+        <p:spPr/>
+        <p:txBody>
+          <a:bodyPr>
+            <a:normAutofit/>
+          </a:bodyPr>
+          <a:lstStyle/>
+          <a:p>
+            <a:r>
+              <a:rPr lang="en-US" dirty="0"/>
+              <a:t>Tests and Simulations</a:t>
+            </a:r>
+          </a:p>
+        </p:txBody>
+      </p:sp>
+      <p:sp>
+        <p:nvSpPr>
+          <p:cNvPr id="3" name="Content Placeholder 2">
+            <a:extLst>
+              <a:ext uri="{FF2B5EF4-FFF2-40B4-BE49-F238E27FC236}">
+                <a16:creationId xmlns:a16="http://schemas.microsoft.com/office/drawing/2014/main" id="{8BB29A69-51F4-4CEE-B950-D3A7C19E951E}"/>
+              </a:ext>
+            </a:extLst>
+          </p:cNvPr>
+          <p:cNvSpPr>
+            <a:spLocks noGrp="1"/>
+          </p:cNvSpPr>
+          <p:nvPr>
+            <p:ph idx="1"/>
+          </p:nvPr>
+        </p:nvSpPr>
+        <p:spPr/>
+        <p:txBody>
+          <a:bodyPr>
+            <a:normAutofit/>
+          </a:bodyPr>
+          <a:lstStyle/>
+          <a:p>
+            <a:r>
+              <a:rPr lang="en-US" dirty="0"/>
+              <a:t>Define evaluation method</a:t>
+            </a:r>
+          </a:p>
+          <a:p>
+            <a:r>
+              <a:rPr lang="en-US" dirty="0"/>
+              <a:t>Test using RANSAC</a:t>
+            </a:r>
+          </a:p>
+          <a:p>
+            <a:r>
+              <a:rPr lang="en-US" dirty="0"/>
+              <a:t>Test using HOUGH Transform</a:t>
+            </a:r>
+          </a:p>
+          <a:p>
+            <a:endParaRPr lang="en-US" dirty="0"/>
+          </a:p>
+        </p:txBody>
+      </p:sp>
+      <p:sp>
+        <p:nvSpPr>
+          <p:cNvPr id="4" name="Date Placeholder 3">
+            <a:extLst>
+              <a:ext uri="{FF2B5EF4-FFF2-40B4-BE49-F238E27FC236}">
+                <a16:creationId xmlns:a16="http://schemas.microsoft.com/office/drawing/2014/main" id="{59913B85-3B4F-43D3-A7E9-D06F5E37C6C1}"/>
+              </a:ext>
+            </a:extLst>
+          </p:cNvPr>
+          <p:cNvSpPr>
+            <a:spLocks noGrp="1"/>
+          </p:cNvSpPr>
+          <p:nvPr>
+            <p:ph type="dt" sz="half" idx="10"/>
+          </p:nvPr>
+        </p:nvSpPr>
+        <p:spPr/>
+        <p:txBody>
+          <a:bodyPr/>
+          <a:lstStyle/>
+          <a:p>
+            <a:fld id="{F736EC4A-E5B7-42C2-9943-4D2477F0E2BA}" type="datetime1">
+              <a:rPr lang="en-US" smtClean="0"/>
+              <a:t>9/26/2021</a:t>
+            </a:fld>
+            <a:endParaRPr lang="en-US" dirty="0"/>
+          </a:p>
+        </p:txBody>
+      </p:sp>
+      <p:sp>
+        <p:nvSpPr>
+          <p:cNvPr id="5" name="Footer Placeholder 4">
+            <a:extLst>
+              <a:ext uri="{FF2B5EF4-FFF2-40B4-BE49-F238E27FC236}">
+                <a16:creationId xmlns:a16="http://schemas.microsoft.com/office/drawing/2014/main" id="{C5649577-8229-4DC9-AE82-59C3A5BA0515}"/>
+              </a:ext>
+            </a:extLst>
+          </p:cNvPr>
+          <p:cNvSpPr>
+            <a:spLocks noGrp="1"/>
+          </p:cNvSpPr>
+          <p:nvPr>
+            <p:ph type="ftr" sz="quarter" idx="11"/>
+          </p:nvPr>
+        </p:nvSpPr>
+        <p:spPr/>
+        <p:txBody>
+          <a:bodyPr/>
+          <a:lstStyle/>
+          <a:p>
+            <a:r>
+              <a:rPr lang="en-US" dirty="0"/>
+              <a:t>Yarden Akaby &amp; Etai Sella</a:t>
+            </a:r>
+          </a:p>
+        </p:txBody>
+      </p:sp>
+      <p:sp>
+        <p:nvSpPr>
+          <p:cNvPr id="6" name="Slide Number Placeholder 5">
+            <a:extLst>
+              <a:ext uri="{FF2B5EF4-FFF2-40B4-BE49-F238E27FC236}">
+                <a16:creationId xmlns:a16="http://schemas.microsoft.com/office/drawing/2014/main" id="{1B57282B-C25D-48B2-A667-C1D467EB1137}"/>
+              </a:ext>
+            </a:extLst>
+          </p:cNvPr>
+          <p:cNvSpPr>
+            <a:spLocks noGrp="1"/>
+          </p:cNvSpPr>
+          <p:nvPr>
+            <p:ph type="sldNum" sz="quarter" idx="12"/>
+          </p:nvPr>
+        </p:nvSpPr>
+        <p:spPr/>
+        <p:txBody>
+          <a:bodyPr/>
+          <a:lstStyle/>
+          <a:p>
+            <a:fld id="{C629165E-D59B-453D-B763-34340D7036F6}" type="slidenum">
+              <a:rPr lang="en-US" smtClean="0"/>
+              <a:t>9</a:t>
+            </a:fld>
+            <a:endParaRPr lang="en-US" dirty="0"/>
+          </a:p>
+        </p:txBody>
+      </p:sp>
+    </p:spTree>
+    <p:extLst>
+      <p:ext uri="{BB962C8B-B14F-4D97-AF65-F5344CB8AC3E}">
+        <p14:creationId xmlns:p14="http://schemas.microsoft.com/office/powerpoint/2010/main" val="2332550264"/>
       </p:ext>
     </p:extLst>
   </p:cSld>

--- a/presentation/DSP_project_presentation.pptx
+++ b/presentation/DSP_project_presentation.pptx
@@ -5,7 +5,7 @@
     <p:sldMasterId id="2147483672" r:id="rId1"/>
   </p:sldMasterIdLst>
   <p:notesMasterIdLst>
-    <p:notesMasterId r:id="rId8"/>
+    <p:notesMasterId r:id="rId30"/>
   </p:notesMasterIdLst>
   <p:sldIdLst>
     <p:sldId id="256" r:id="rId2"/>
@@ -14,6 +14,28 @@
     <p:sldId id="259" r:id="rId5"/>
     <p:sldId id="260" r:id="rId6"/>
     <p:sldId id="261" r:id="rId7"/>
+    <p:sldId id="262" r:id="rId8"/>
+    <p:sldId id="272" r:id="rId9"/>
+    <p:sldId id="273" r:id="rId10"/>
+    <p:sldId id="274" r:id="rId11"/>
+    <p:sldId id="275" r:id="rId12"/>
+    <p:sldId id="276" r:id="rId13"/>
+    <p:sldId id="277" r:id="rId14"/>
+    <p:sldId id="278" r:id="rId15"/>
+    <p:sldId id="263" r:id="rId16"/>
+    <p:sldId id="279" r:id="rId17"/>
+    <p:sldId id="281" r:id="rId18"/>
+    <p:sldId id="282" r:id="rId19"/>
+    <p:sldId id="283" r:id="rId20"/>
+    <p:sldId id="284" r:id="rId21"/>
+    <p:sldId id="264" r:id="rId22"/>
+    <p:sldId id="266" r:id="rId23"/>
+    <p:sldId id="267" r:id="rId24"/>
+    <p:sldId id="269" r:id="rId25"/>
+    <p:sldId id="268" r:id="rId26"/>
+    <p:sldId id="270" r:id="rId27"/>
+    <p:sldId id="271" r:id="rId28"/>
+    <p:sldId id="265" r:id="rId29"/>
   </p:sldIdLst>
   <p:sldSz cx="12192000" cy="6858000"/>
   <p:notesSz cx="6858000" cy="9144000"/>
@@ -112,6 +134,11 @@
       </a:defRPr>
     </a:lvl9pPr>
   </p:defaultTextStyle>
+  <p:extLst>
+    <p:ext uri="{EFAFB233-063F-42B5-8137-9DF3F51BA10A}">
+      <p15:sldGuideLst xmlns:p15="http://schemas.microsoft.com/office/powerpoint/2012/main"/>
+    </p:ext>
+  </p:extLst>
 </p:presentation>
 </file>
 
@@ -197,7 +224,7 @@
           <a:p>
             <a:fld id="{2E45F2F5-60C8-4962-BCDB-4E5FE59EA305}" type="datetimeFigureOut">
               <a:rPr lang="en-US" smtClean="0"/>
-              <a:t>9/11/2021</a:t>
+              <a:t>9/28/2021</a:t>
             </a:fld>
             <a:endParaRPr lang="en-US"/>
           </a:p>
@@ -464,6 +491,1431 @@
 </p:notesMaster>
 </file>
 
+<file path=ppt/notesSlides/notesSlide1.xml><?xml version="1.0" encoding="utf-8"?>
+<p:notes xmlns:a="http://schemas.openxmlformats.org/drawingml/2006/main" xmlns:r="http://schemas.openxmlformats.org/officeDocument/2006/relationships" xmlns:p="http://schemas.openxmlformats.org/presentationml/2006/main">
+  <p:cSld>
+    <p:spTree>
+      <p:nvGrpSpPr>
+        <p:cNvPr id="1" name=""/>
+        <p:cNvGrpSpPr/>
+        <p:nvPr/>
+      </p:nvGrpSpPr>
+      <p:grpSpPr>
+        <a:xfrm>
+          <a:off x="0" y="0"/>
+          <a:ext cx="0" cy="0"/>
+          <a:chOff x="0" y="0"/>
+          <a:chExt cx="0" cy="0"/>
+        </a:xfrm>
+      </p:grpSpPr>
+      <p:sp>
+        <p:nvSpPr>
+          <p:cNvPr id="2" name="Slide Image Placeholder 1"/>
+          <p:cNvSpPr>
+            <a:spLocks noGrp="1" noRot="1" noChangeAspect="1"/>
+          </p:cNvSpPr>
+          <p:nvPr>
+            <p:ph type="sldImg"/>
+          </p:nvPr>
+        </p:nvSpPr>
+        <p:spPr/>
+      </p:sp>
+      <p:sp>
+        <p:nvSpPr>
+          <p:cNvPr id="3" name="Notes Placeholder 2"/>
+          <p:cNvSpPr>
+            <a:spLocks noGrp="1"/>
+          </p:cNvSpPr>
+          <p:nvPr>
+            <p:ph type="body" idx="1"/>
+          </p:nvPr>
+        </p:nvSpPr>
+        <p:spPr/>
+        <p:txBody>
+          <a:bodyPr/>
+          <a:lstStyle/>
+          <a:p>
+            <a:pPr marL="0" marR="0" lvl="0" indent="0" algn="l" defTabSz="914400" rtl="0" eaLnBrk="1" fontAlgn="auto" latinLnBrk="0" hangingPunct="1">
+              <a:lnSpc>
+                <a:spcPct val="100000"/>
+              </a:lnSpc>
+              <a:spcBef>
+                <a:spcPts val="0"/>
+              </a:spcBef>
+              <a:spcAft>
+                <a:spcPts val="0"/>
+              </a:spcAft>
+              <a:buClrTx/>
+              <a:buSzTx/>
+              <a:buFontTx/>
+              <a:buNone/>
+              <a:tabLst/>
+              <a:defRPr/>
+            </a:pPr>
+            <a:r>
+              <a:rPr lang="en-US" dirty="0"/>
+              <a:t>Mention that Fan and Li offer a proof for this</a:t>
+            </a:r>
+          </a:p>
+          <a:p>
+            <a:endParaRPr lang="en-US" dirty="0"/>
+          </a:p>
+        </p:txBody>
+      </p:sp>
+      <p:sp>
+        <p:nvSpPr>
+          <p:cNvPr id="4" name="Slide Number Placeholder 3"/>
+          <p:cNvSpPr>
+            <a:spLocks noGrp="1"/>
+          </p:cNvSpPr>
+          <p:nvPr>
+            <p:ph type="sldNum" sz="quarter" idx="5"/>
+          </p:nvPr>
+        </p:nvSpPr>
+        <p:spPr/>
+        <p:txBody>
+          <a:bodyPr/>
+          <a:lstStyle/>
+          <a:p>
+            <a:fld id="{BB072CD4-8151-4317-B517-71349F960F6F}" type="slidenum">
+              <a:rPr lang="en-US" smtClean="0"/>
+              <a:t>8</a:t>
+            </a:fld>
+            <a:endParaRPr lang="en-US"/>
+          </a:p>
+        </p:txBody>
+      </p:sp>
+    </p:spTree>
+    <p:extLst>
+      <p:ext uri="{BB962C8B-B14F-4D97-AF65-F5344CB8AC3E}">
+        <p14:creationId xmlns:p14="http://schemas.microsoft.com/office/powerpoint/2010/main" val="1390816828"/>
+      </p:ext>
+    </p:extLst>
+  </p:cSld>
+  <p:clrMapOvr>
+    <a:masterClrMapping/>
+  </p:clrMapOvr>
+</p:notes>
+</file>
+
+<file path=ppt/notesSlides/notesSlide10.xml><?xml version="1.0" encoding="utf-8"?>
+<p:notes xmlns:a="http://schemas.openxmlformats.org/drawingml/2006/main" xmlns:r="http://schemas.openxmlformats.org/officeDocument/2006/relationships" xmlns:p="http://schemas.openxmlformats.org/presentationml/2006/main">
+  <p:cSld>
+    <p:spTree>
+      <p:nvGrpSpPr>
+        <p:cNvPr id="1" name=""/>
+        <p:cNvGrpSpPr/>
+        <p:nvPr/>
+      </p:nvGrpSpPr>
+      <p:grpSpPr>
+        <a:xfrm>
+          <a:off x="0" y="0"/>
+          <a:ext cx="0" cy="0"/>
+          <a:chOff x="0" y="0"/>
+          <a:chExt cx="0" cy="0"/>
+        </a:xfrm>
+      </p:grpSpPr>
+      <p:sp>
+        <p:nvSpPr>
+          <p:cNvPr id="2" name="מציין מיקום של תמונת שקופית 1"/>
+          <p:cNvSpPr>
+            <a:spLocks noGrp="1" noRot="1" noChangeAspect="1"/>
+          </p:cNvSpPr>
+          <p:nvPr>
+            <p:ph type="sldImg"/>
+          </p:nvPr>
+        </p:nvSpPr>
+        <p:spPr/>
+      </p:sp>
+      <p:sp>
+        <p:nvSpPr>
+          <p:cNvPr id="3" name="מציין מיקום של הערות 2"/>
+          <p:cNvSpPr>
+            <a:spLocks noGrp="1"/>
+          </p:cNvSpPr>
+          <p:nvPr>
+            <p:ph type="body" idx="1"/>
+          </p:nvPr>
+        </p:nvSpPr>
+        <p:spPr/>
+        <p:txBody>
+          <a:bodyPr/>
+          <a:lstStyle/>
+          <a:p>
+            <a:pPr marL="0" marR="0" lvl="0" indent="0" algn="l" defTabSz="914400" rtl="0" eaLnBrk="1" fontAlgn="auto" latinLnBrk="0" hangingPunct="1">
+              <a:lnSpc>
+                <a:spcPct val="100000"/>
+              </a:lnSpc>
+              <a:spcBef>
+                <a:spcPts val="0"/>
+              </a:spcBef>
+              <a:spcAft>
+                <a:spcPts val="0"/>
+              </a:spcAft>
+              <a:buClrTx/>
+              <a:buSzTx/>
+              <a:buFontTx/>
+              <a:buNone/>
+              <a:tabLst/>
+              <a:defRPr/>
+            </a:pPr>
+            <a:r>
+              <a:rPr lang="en-US" dirty="0"/>
+              <a:t>First, we need to define a correct rate of estimation - CRE</a:t>
+            </a:r>
+          </a:p>
+          <a:p>
+            <a:endParaRPr lang="en-US" dirty="0"/>
+          </a:p>
+        </p:txBody>
+      </p:sp>
+      <p:sp>
+        <p:nvSpPr>
+          <p:cNvPr id="4" name="מציין מיקום של מספר שקופית 3"/>
+          <p:cNvSpPr>
+            <a:spLocks noGrp="1"/>
+          </p:cNvSpPr>
+          <p:nvPr>
+            <p:ph type="sldNum" sz="quarter" idx="5"/>
+          </p:nvPr>
+        </p:nvSpPr>
+        <p:spPr/>
+        <p:txBody>
+          <a:bodyPr/>
+          <a:lstStyle/>
+          <a:p>
+            <a:fld id="{BB072CD4-8151-4317-B517-71349F960F6F}" type="slidenum">
+              <a:rPr lang="en-US" smtClean="0"/>
+              <a:t>21</a:t>
+            </a:fld>
+            <a:endParaRPr lang="en-US"/>
+          </a:p>
+        </p:txBody>
+      </p:sp>
+    </p:spTree>
+    <p:extLst>
+      <p:ext uri="{BB962C8B-B14F-4D97-AF65-F5344CB8AC3E}">
+        <p14:creationId xmlns:p14="http://schemas.microsoft.com/office/powerpoint/2010/main" val="3338940328"/>
+      </p:ext>
+    </p:extLst>
+  </p:cSld>
+  <p:clrMapOvr>
+    <a:masterClrMapping/>
+  </p:clrMapOvr>
+</p:notes>
+</file>
+
+<file path=ppt/notesSlides/notesSlide11.xml><?xml version="1.0" encoding="utf-8"?>
+<p:notes xmlns:a="http://schemas.openxmlformats.org/drawingml/2006/main" xmlns:r="http://schemas.openxmlformats.org/officeDocument/2006/relationships" xmlns:p="http://schemas.openxmlformats.org/presentationml/2006/main">
+  <p:cSld>
+    <p:spTree>
+      <p:nvGrpSpPr>
+        <p:cNvPr id="1" name=""/>
+        <p:cNvGrpSpPr/>
+        <p:nvPr/>
+      </p:nvGrpSpPr>
+      <p:grpSpPr>
+        <a:xfrm>
+          <a:off x="0" y="0"/>
+          <a:ext cx="0" cy="0"/>
+          <a:chOff x="0" y="0"/>
+          <a:chExt cx="0" cy="0"/>
+        </a:xfrm>
+      </p:grpSpPr>
+      <p:sp>
+        <p:nvSpPr>
+          <p:cNvPr id="2" name="מציין מיקום של תמונת שקופית 1"/>
+          <p:cNvSpPr>
+            <a:spLocks noGrp="1" noRot="1" noChangeAspect="1"/>
+          </p:cNvSpPr>
+          <p:nvPr>
+            <p:ph type="sldImg"/>
+          </p:nvPr>
+        </p:nvSpPr>
+        <p:spPr/>
+      </p:sp>
+      <p:sp>
+        <p:nvSpPr>
+          <p:cNvPr id="3" name="מציין מיקום של הערות 2"/>
+          <p:cNvSpPr>
+            <a:spLocks noGrp="1"/>
+          </p:cNvSpPr>
+          <p:nvPr>
+            <p:ph type="body" idx="1"/>
+          </p:nvPr>
+        </p:nvSpPr>
+        <p:spPr/>
+        <p:txBody>
+          <a:bodyPr/>
+          <a:lstStyle/>
+          <a:p>
+            <a:pPr marL="0" marR="0" lvl="0" indent="0" algn="l" defTabSz="914400" rtl="0" eaLnBrk="1" fontAlgn="auto" latinLnBrk="0" hangingPunct="1">
+              <a:lnSpc>
+                <a:spcPct val="100000"/>
+              </a:lnSpc>
+              <a:spcBef>
+                <a:spcPts val="0"/>
+              </a:spcBef>
+              <a:spcAft>
+                <a:spcPts val="0"/>
+              </a:spcAft>
+              <a:buClrTx/>
+              <a:buSzTx/>
+              <a:buFontTx/>
+              <a:buNone/>
+              <a:tabLst/>
+              <a:defRPr/>
+            </a:pPr>
+            <a:r>
+              <a:rPr lang="en-US" dirty="0"/>
+              <a:t>First, we need to define a correct rate of estimation - CRE</a:t>
+            </a:r>
+          </a:p>
+          <a:p>
+            <a:endParaRPr lang="en-US" dirty="0"/>
+          </a:p>
+        </p:txBody>
+      </p:sp>
+      <p:sp>
+        <p:nvSpPr>
+          <p:cNvPr id="4" name="מציין מיקום של מספר שקופית 3"/>
+          <p:cNvSpPr>
+            <a:spLocks noGrp="1"/>
+          </p:cNvSpPr>
+          <p:nvPr>
+            <p:ph type="sldNum" sz="quarter" idx="5"/>
+          </p:nvPr>
+        </p:nvSpPr>
+        <p:spPr/>
+        <p:txBody>
+          <a:bodyPr/>
+          <a:lstStyle/>
+          <a:p>
+            <a:fld id="{BB072CD4-8151-4317-B517-71349F960F6F}" type="slidenum">
+              <a:rPr lang="en-US" smtClean="0"/>
+              <a:t>22</a:t>
+            </a:fld>
+            <a:endParaRPr lang="en-US"/>
+          </a:p>
+        </p:txBody>
+      </p:sp>
+    </p:spTree>
+    <p:extLst>
+      <p:ext uri="{BB962C8B-B14F-4D97-AF65-F5344CB8AC3E}">
+        <p14:creationId xmlns:p14="http://schemas.microsoft.com/office/powerpoint/2010/main" val="3189835808"/>
+      </p:ext>
+    </p:extLst>
+  </p:cSld>
+  <p:clrMapOvr>
+    <a:masterClrMapping/>
+  </p:clrMapOvr>
+</p:notes>
+</file>
+
+<file path=ppt/notesSlides/notesSlide12.xml><?xml version="1.0" encoding="utf-8"?>
+<p:notes xmlns:a="http://schemas.openxmlformats.org/drawingml/2006/main" xmlns:r="http://schemas.openxmlformats.org/officeDocument/2006/relationships" xmlns:p="http://schemas.openxmlformats.org/presentationml/2006/main">
+  <p:cSld>
+    <p:spTree>
+      <p:nvGrpSpPr>
+        <p:cNvPr id="1" name=""/>
+        <p:cNvGrpSpPr/>
+        <p:nvPr/>
+      </p:nvGrpSpPr>
+      <p:grpSpPr>
+        <a:xfrm>
+          <a:off x="0" y="0"/>
+          <a:ext cx="0" cy="0"/>
+          <a:chOff x="0" y="0"/>
+          <a:chExt cx="0" cy="0"/>
+        </a:xfrm>
+      </p:grpSpPr>
+      <p:sp>
+        <p:nvSpPr>
+          <p:cNvPr id="2" name="מציין מיקום של תמונת שקופית 1"/>
+          <p:cNvSpPr>
+            <a:spLocks noGrp="1" noRot="1" noChangeAspect="1"/>
+          </p:cNvSpPr>
+          <p:nvPr>
+            <p:ph type="sldImg"/>
+          </p:nvPr>
+        </p:nvSpPr>
+        <p:spPr/>
+      </p:sp>
+      <p:sp>
+        <p:nvSpPr>
+          <p:cNvPr id="3" name="מציין מיקום של הערות 2"/>
+          <p:cNvSpPr>
+            <a:spLocks noGrp="1"/>
+          </p:cNvSpPr>
+          <p:nvPr>
+            <p:ph type="body" idx="1"/>
+          </p:nvPr>
+        </p:nvSpPr>
+        <p:spPr/>
+        <p:txBody>
+          <a:bodyPr/>
+          <a:lstStyle/>
+          <a:p>
+            <a:endParaRPr lang="en-US" dirty="0"/>
+          </a:p>
+        </p:txBody>
+      </p:sp>
+      <p:sp>
+        <p:nvSpPr>
+          <p:cNvPr id="4" name="מציין מיקום של מספר שקופית 3"/>
+          <p:cNvSpPr>
+            <a:spLocks noGrp="1"/>
+          </p:cNvSpPr>
+          <p:nvPr>
+            <p:ph type="sldNum" sz="quarter" idx="5"/>
+          </p:nvPr>
+        </p:nvSpPr>
+        <p:spPr/>
+        <p:txBody>
+          <a:bodyPr/>
+          <a:lstStyle/>
+          <a:p>
+            <a:fld id="{BB072CD4-8151-4317-B517-71349F960F6F}" type="slidenum">
+              <a:rPr lang="en-US" smtClean="0"/>
+              <a:t>23</a:t>
+            </a:fld>
+            <a:endParaRPr lang="en-US"/>
+          </a:p>
+        </p:txBody>
+      </p:sp>
+    </p:spTree>
+    <p:extLst>
+      <p:ext uri="{BB962C8B-B14F-4D97-AF65-F5344CB8AC3E}">
+        <p14:creationId xmlns:p14="http://schemas.microsoft.com/office/powerpoint/2010/main" val="1961809578"/>
+      </p:ext>
+    </p:extLst>
+  </p:cSld>
+  <p:clrMapOvr>
+    <a:masterClrMapping/>
+  </p:clrMapOvr>
+</p:notes>
+</file>
+
+<file path=ppt/notesSlides/notesSlide13.xml><?xml version="1.0" encoding="utf-8"?>
+<p:notes xmlns:a="http://schemas.openxmlformats.org/drawingml/2006/main" xmlns:r="http://schemas.openxmlformats.org/officeDocument/2006/relationships" xmlns:p="http://schemas.openxmlformats.org/presentationml/2006/main">
+  <p:cSld>
+    <p:spTree>
+      <p:nvGrpSpPr>
+        <p:cNvPr id="1" name=""/>
+        <p:cNvGrpSpPr/>
+        <p:nvPr/>
+      </p:nvGrpSpPr>
+      <p:grpSpPr>
+        <a:xfrm>
+          <a:off x="0" y="0"/>
+          <a:ext cx="0" cy="0"/>
+          <a:chOff x="0" y="0"/>
+          <a:chExt cx="0" cy="0"/>
+        </a:xfrm>
+      </p:grpSpPr>
+      <p:sp>
+        <p:nvSpPr>
+          <p:cNvPr id="2" name="מציין מיקום של תמונת שקופית 1"/>
+          <p:cNvSpPr>
+            <a:spLocks noGrp="1" noRot="1" noChangeAspect="1"/>
+          </p:cNvSpPr>
+          <p:nvPr>
+            <p:ph type="sldImg"/>
+          </p:nvPr>
+        </p:nvSpPr>
+        <p:spPr/>
+      </p:sp>
+      <p:sp>
+        <p:nvSpPr>
+          <p:cNvPr id="3" name="מציין מיקום של הערות 2"/>
+          <p:cNvSpPr>
+            <a:spLocks noGrp="1"/>
+          </p:cNvSpPr>
+          <p:nvPr>
+            <p:ph type="body" idx="1"/>
+          </p:nvPr>
+        </p:nvSpPr>
+        <p:spPr/>
+        <p:txBody>
+          <a:bodyPr/>
+          <a:lstStyle/>
+          <a:p>
+            <a:endParaRPr lang="en-US" dirty="0"/>
+          </a:p>
+        </p:txBody>
+      </p:sp>
+      <p:sp>
+        <p:nvSpPr>
+          <p:cNvPr id="4" name="מציין מיקום של מספר שקופית 3"/>
+          <p:cNvSpPr>
+            <a:spLocks noGrp="1"/>
+          </p:cNvSpPr>
+          <p:nvPr>
+            <p:ph type="sldNum" sz="quarter" idx="5"/>
+          </p:nvPr>
+        </p:nvSpPr>
+        <p:spPr/>
+        <p:txBody>
+          <a:bodyPr/>
+          <a:lstStyle/>
+          <a:p>
+            <a:fld id="{BB072CD4-8151-4317-B517-71349F960F6F}" type="slidenum">
+              <a:rPr lang="en-US" smtClean="0"/>
+              <a:t>24</a:t>
+            </a:fld>
+            <a:endParaRPr lang="en-US"/>
+          </a:p>
+        </p:txBody>
+      </p:sp>
+    </p:spTree>
+    <p:extLst>
+      <p:ext uri="{BB962C8B-B14F-4D97-AF65-F5344CB8AC3E}">
+        <p14:creationId xmlns:p14="http://schemas.microsoft.com/office/powerpoint/2010/main" val="4104918166"/>
+      </p:ext>
+    </p:extLst>
+  </p:cSld>
+  <p:clrMapOvr>
+    <a:masterClrMapping/>
+  </p:clrMapOvr>
+</p:notes>
+</file>
+
+<file path=ppt/notesSlides/notesSlide14.xml><?xml version="1.0" encoding="utf-8"?>
+<p:notes xmlns:a="http://schemas.openxmlformats.org/drawingml/2006/main" xmlns:r="http://schemas.openxmlformats.org/officeDocument/2006/relationships" xmlns:p="http://schemas.openxmlformats.org/presentationml/2006/main">
+  <p:cSld>
+    <p:spTree>
+      <p:nvGrpSpPr>
+        <p:cNvPr id="1" name=""/>
+        <p:cNvGrpSpPr/>
+        <p:nvPr/>
+      </p:nvGrpSpPr>
+      <p:grpSpPr>
+        <a:xfrm>
+          <a:off x="0" y="0"/>
+          <a:ext cx="0" cy="0"/>
+          <a:chOff x="0" y="0"/>
+          <a:chExt cx="0" cy="0"/>
+        </a:xfrm>
+      </p:grpSpPr>
+      <p:sp>
+        <p:nvSpPr>
+          <p:cNvPr id="2" name="מציין מיקום של תמונת שקופית 1"/>
+          <p:cNvSpPr>
+            <a:spLocks noGrp="1" noRot="1" noChangeAspect="1"/>
+          </p:cNvSpPr>
+          <p:nvPr>
+            <p:ph type="sldImg"/>
+          </p:nvPr>
+        </p:nvSpPr>
+        <p:spPr/>
+      </p:sp>
+      <p:sp>
+        <p:nvSpPr>
+          <p:cNvPr id="3" name="מציין מיקום של הערות 2"/>
+          <p:cNvSpPr>
+            <a:spLocks noGrp="1"/>
+          </p:cNvSpPr>
+          <p:nvPr>
+            <p:ph type="body" idx="1"/>
+          </p:nvPr>
+        </p:nvSpPr>
+        <p:spPr/>
+        <p:txBody>
+          <a:bodyPr/>
+          <a:lstStyle/>
+          <a:p>
+            <a:endParaRPr lang="en-US" dirty="0"/>
+          </a:p>
+        </p:txBody>
+      </p:sp>
+      <p:sp>
+        <p:nvSpPr>
+          <p:cNvPr id="4" name="מציין מיקום של מספר שקופית 3"/>
+          <p:cNvSpPr>
+            <a:spLocks noGrp="1"/>
+          </p:cNvSpPr>
+          <p:nvPr>
+            <p:ph type="sldNum" sz="quarter" idx="5"/>
+          </p:nvPr>
+        </p:nvSpPr>
+        <p:spPr/>
+        <p:txBody>
+          <a:bodyPr/>
+          <a:lstStyle/>
+          <a:p>
+            <a:fld id="{BB072CD4-8151-4317-B517-71349F960F6F}" type="slidenum">
+              <a:rPr lang="en-US" smtClean="0"/>
+              <a:t>25</a:t>
+            </a:fld>
+            <a:endParaRPr lang="en-US"/>
+          </a:p>
+        </p:txBody>
+      </p:sp>
+    </p:spTree>
+    <p:extLst>
+      <p:ext uri="{BB962C8B-B14F-4D97-AF65-F5344CB8AC3E}">
+        <p14:creationId xmlns:p14="http://schemas.microsoft.com/office/powerpoint/2010/main" val="3198309991"/>
+      </p:ext>
+    </p:extLst>
+  </p:cSld>
+  <p:clrMapOvr>
+    <a:masterClrMapping/>
+  </p:clrMapOvr>
+</p:notes>
+</file>
+
+<file path=ppt/notesSlides/notesSlide15.xml><?xml version="1.0" encoding="utf-8"?>
+<p:notes xmlns:a="http://schemas.openxmlformats.org/drawingml/2006/main" xmlns:r="http://schemas.openxmlformats.org/officeDocument/2006/relationships" xmlns:p="http://schemas.openxmlformats.org/presentationml/2006/main">
+  <p:cSld>
+    <p:spTree>
+      <p:nvGrpSpPr>
+        <p:cNvPr id="1" name=""/>
+        <p:cNvGrpSpPr/>
+        <p:nvPr/>
+      </p:nvGrpSpPr>
+      <p:grpSpPr>
+        <a:xfrm>
+          <a:off x="0" y="0"/>
+          <a:ext cx="0" cy="0"/>
+          <a:chOff x="0" y="0"/>
+          <a:chExt cx="0" cy="0"/>
+        </a:xfrm>
+      </p:grpSpPr>
+      <p:sp>
+        <p:nvSpPr>
+          <p:cNvPr id="2" name="מציין מיקום של תמונת שקופית 1"/>
+          <p:cNvSpPr>
+            <a:spLocks noGrp="1" noRot="1" noChangeAspect="1"/>
+          </p:cNvSpPr>
+          <p:nvPr>
+            <p:ph type="sldImg"/>
+          </p:nvPr>
+        </p:nvSpPr>
+        <p:spPr/>
+      </p:sp>
+      <p:sp>
+        <p:nvSpPr>
+          <p:cNvPr id="3" name="מציין מיקום של הערות 2"/>
+          <p:cNvSpPr>
+            <a:spLocks noGrp="1"/>
+          </p:cNvSpPr>
+          <p:nvPr>
+            <p:ph type="body" idx="1"/>
+          </p:nvPr>
+        </p:nvSpPr>
+        <p:spPr/>
+        <p:txBody>
+          <a:bodyPr/>
+          <a:lstStyle/>
+          <a:p>
+            <a:endParaRPr lang="en-US" dirty="0"/>
+          </a:p>
+        </p:txBody>
+      </p:sp>
+      <p:sp>
+        <p:nvSpPr>
+          <p:cNvPr id="4" name="מציין מיקום של מספר שקופית 3"/>
+          <p:cNvSpPr>
+            <a:spLocks noGrp="1"/>
+          </p:cNvSpPr>
+          <p:nvPr>
+            <p:ph type="sldNum" sz="quarter" idx="5"/>
+          </p:nvPr>
+        </p:nvSpPr>
+        <p:spPr/>
+        <p:txBody>
+          <a:bodyPr/>
+          <a:lstStyle/>
+          <a:p>
+            <a:fld id="{BB072CD4-8151-4317-B517-71349F960F6F}" type="slidenum">
+              <a:rPr lang="en-US" smtClean="0"/>
+              <a:t>26</a:t>
+            </a:fld>
+            <a:endParaRPr lang="en-US"/>
+          </a:p>
+        </p:txBody>
+      </p:sp>
+    </p:spTree>
+    <p:extLst>
+      <p:ext uri="{BB962C8B-B14F-4D97-AF65-F5344CB8AC3E}">
+        <p14:creationId xmlns:p14="http://schemas.microsoft.com/office/powerpoint/2010/main" val="1214011246"/>
+      </p:ext>
+    </p:extLst>
+  </p:cSld>
+  <p:clrMapOvr>
+    <a:masterClrMapping/>
+  </p:clrMapOvr>
+</p:notes>
+</file>
+
+<file path=ppt/notesSlides/notesSlide16.xml><?xml version="1.0" encoding="utf-8"?>
+<p:notes xmlns:a="http://schemas.openxmlformats.org/drawingml/2006/main" xmlns:r="http://schemas.openxmlformats.org/officeDocument/2006/relationships" xmlns:p="http://schemas.openxmlformats.org/presentationml/2006/main">
+  <p:cSld>
+    <p:spTree>
+      <p:nvGrpSpPr>
+        <p:cNvPr id="1" name=""/>
+        <p:cNvGrpSpPr/>
+        <p:nvPr/>
+      </p:nvGrpSpPr>
+      <p:grpSpPr>
+        <a:xfrm>
+          <a:off x="0" y="0"/>
+          <a:ext cx="0" cy="0"/>
+          <a:chOff x="0" y="0"/>
+          <a:chExt cx="0" cy="0"/>
+        </a:xfrm>
+      </p:grpSpPr>
+      <p:sp>
+        <p:nvSpPr>
+          <p:cNvPr id="2" name="מציין מיקום של תמונת שקופית 1"/>
+          <p:cNvSpPr>
+            <a:spLocks noGrp="1" noRot="1" noChangeAspect="1"/>
+          </p:cNvSpPr>
+          <p:nvPr>
+            <p:ph type="sldImg"/>
+          </p:nvPr>
+        </p:nvSpPr>
+        <p:spPr/>
+      </p:sp>
+      <p:sp>
+        <p:nvSpPr>
+          <p:cNvPr id="3" name="מציין מיקום של הערות 2"/>
+          <p:cNvSpPr>
+            <a:spLocks noGrp="1"/>
+          </p:cNvSpPr>
+          <p:nvPr>
+            <p:ph type="body" idx="1"/>
+          </p:nvPr>
+        </p:nvSpPr>
+        <p:spPr/>
+        <p:txBody>
+          <a:bodyPr/>
+          <a:lstStyle/>
+          <a:p>
+            <a:endParaRPr lang="en-US" dirty="0"/>
+          </a:p>
+        </p:txBody>
+      </p:sp>
+      <p:sp>
+        <p:nvSpPr>
+          <p:cNvPr id="4" name="מציין מיקום של מספר שקופית 3"/>
+          <p:cNvSpPr>
+            <a:spLocks noGrp="1"/>
+          </p:cNvSpPr>
+          <p:nvPr>
+            <p:ph type="sldNum" sz="quarter" idx="5"/>
+          </p:nvPr>
+        </p:nvSpPr>
+        <p:spPr/>
+        <p:txBody>
+          <a:bodyPr/>
+          <a:lstStyle/>
+          <a:p>
+            <a:fld id="{BB072CD4-8151-4317-B517-71349F960F6F}" type="slidenum">
+              <a:rPr lang="en-US" smtClean="0"/>
+              <a:t>27</a:t>
+            </a:fld>
+            <a:endParaRPr lang="en-US"/>
+          </a:p>
+        </p:txBody>
+      </p:sp>
+    </p:spTree>
+    <p:extLst>
+      <p:ext uri="{BB962C8B-B14F-4D97-AF65-F5344CB8AC3E}">
+        <p14:creationId xmlns:p14="http://schemas.microsoft.com/office/powerpoint/2010/main" val="847469813"/>
+      </p:ext>
+    </p:extLst>
+  </p:cSld>
+  <p:clrMapOvr>
+    <a:masterClrMapping/>
+  </p:clrMapOvr>
+</p:notes>
+</file>
+
+<file path=ppt/notesSlides/notesSlide2.xml><?xml version="1.0" encoding="utf-8"?>
+<p:notes xmlns:a="http://schemas.openxmlformats.org/drawingml/2006/main" xmlns:r="http://schemas.openxmlformats.org/officeDocument/2006/relationships" xmlns:p="http://schemas.openxmlformats.org/presentationml/2006/main">
+  <p:cSld>
+    <p:spTree>
+      <p:nvGrpSpPr>
+        <p:cNvPr id="1" name=""/>
+        <p:cNvGrpSpPr/>
+        <p:nvPr/>
+      </p:nvGrpSpPr>
+      <p:grpSpPr>
+        <a:xfrm>
+          <a:off x="0" y="0"/>
+          <a:ext cx="0" cy="0"/>
+          <a:chOff x="0" y="0"/>
+          <a:chExt cx="0" cy="0"/>
+        </a:xfrm>
+      </p:grpSpPr>
+      <p:sp>
+        <p:nvSpPr>
+          <p:cNvPr id="2" name="Slide Image Placeholder 1"/>
+          <p:cNvSpPr>
+            <a:spLocks noGrp="1" noRot="1" noChangeAspect="1"/>
+          </p:cNvSpPr>
+          <p:nvPr>
+            <p:ph type="sldImg"/>
+          </p:nvPr>
+        </p:nvSpPr>
+        <p:spPr/>
+      </p:sp>
+      <p:sp>
+        <p:nvSpPr>
+          <p:cNvPr id="3" name="Notes Placeholder 2"/>
+          <p:cNvSpPr>
+            <a:spLocks noGrp="1"/>
+          </p:cNvSpPr>
+          <p:nvPr>
+            <p:ph type="body" idx="1"/>
+          </p:nvPr>
+        </p:nvSpPr>
+        <p:spPr/>
+        <p:txBody>
+          <a:bodyPr/>
+          <a:lstStyle/>
+          <a:p>
+            <a:r>
+              <a:rPr lang="en-US" dirty="0"/>
+              <a:t>Mention that Fan and Li offer a proof for this</a:t>
+            </a:r>
+          </a:p>
+        </p:txBody>
+      </p:sp>
+      <p:sp>
+        <p:nvSpPr>
+          <p:cNvPr id="4" name="Slide Number Placeholder 3"/>
+          <p:cNvSpPr>
+            <a:spLocks noGrp="1"/>
+          </p:cNvSpPr>
+          <p:nvPr>
+            <p:ph type="sldNum" sz="quarter" idx="5"/>
+          </p:nvPr>
+        </p:nvSpPr>
+        <p:spPr/>
+        <p:txBody>
+          <a:bodyPr/>
+          <a:lstStyle/>
+          <a:p>
+            <a:fld id="{BB072CD4-8151-4317-B517-71349F960F6F}" type="slidenum">
+              <a:rPr lang="en-US" smtClean="0"/>
+              <a:t>9</a:t>
+            </a:fld>
+            <a:endParaRPr lang="en-US"/>
+          </a:p>
+        </p:txBody>
+      </p:sp>
+    </p:spTree>
+    <p:extLst>
+      <p:ext uri="{BB962C8B-B14F-4D97-AF65-F5344CB8AC3E}">
+        <p14:creationId xmlns:p14="http://schemas.microsoft.com/office/powerpoint/2010/main" val="3674497534"/>
+      </p:ext>
+    </p:extLst>
+  </p:cSld>
+  <p:clrMapOvr>
+    <a:masterClrMapping/>
+  </p:clrMapOvr>
+</p:notes>
+</file>
+
+<file path=ppt/notesSlides/notesSlide3.xml><?xml version="1.0" encoding="utf-8"?>
+<p:notes xmlns:a="http://schemas.openxmlformats.org/drawingml/2006/main" xmlns:r="http://schemas.openxmlformats.org/officeDocument/2006/relationships" xmlns:p="http://schemas.openxmlformats.org/presentationml/2006/main">
+  <p:cSld>
+    <p:spTree>
+      <p:nvGrpSpPr>
+        <p:cNvPr id="1" name=""/>
+        <p:cNvGrpSpPr/>
+        <p:nvPr/>
+      </p:nvGrpSpPr>
+      <p:grpSpPr>
+        <a:xfrm>
+          <a:off x="0" y="0"/>
+          <a:ext cx="0" cy="0"/>
+          <a:chOff x="0" y="0"/>
+          <a:chExt cx="0" cy="0"/>
+        </a:xfrm>
+      </p:grpSpPr>
+      <p:sp>
+        <p:nvSpPr>
+          <p:cNvPr id="2" name="Slide Image Placeholder 1"/>
+          <p:cNvSpPr>
+            <a:spLocks noGrp="1" noRot="1" noChangeAspect="1"/>
+          </p:cNvSpPr>
+          <p:nvPr>
+            <p:ph type="sldImg"/>
+          </p:nvPr>
+        </p:nvSpPr>
+        <p:spPr/>
+      </p:sp>
+      <p:sp>
+        <p:nvSpPr>
+          <p:cNvPr id="3" name="Notes Placeholder 2"/>
+          <p:cNvSpPr>
+            <a:spLocks noGrp="1"/>
+          </p:cNvSpPr>
+          <p:nvPr>
+            <p:ph type="body" idx="1"/>
+          </p:nvPr>
+        </p:nvSpPr>
+        <p:spPr/>
+        <p:txBody>
+          <a:bodyPr/>
+          <a:lstStyle/>
+          <a:p>
+            <a:endParaRPr lang="en-US" dirty="0"/>
+          </a:p>
+        </p:txBody>
+      </p:sp>
+      <p:sp>
+        <p:nvSpPr>
+          <p:cNvPr id="4" name="Slide Number Placeholder 3"/>
+          <p:cNvSpPr>
+            <a:spLocks noGrp="1"/>
+          </p:cNvSpPr>
+          <p:nvPr>
+            <p:ph type="sldNum" sz="quarter" idx="5"/>
+          </p:nvPr>
+        </p:nvSpPr>
+        <p:spPr/>
+        <p:txBody>
+          <a:bodyPr/>
+          <a:lstStyle/>
+          <a:p>
+            <a:fld id="{BB072CD4-8151-4317-B517-71349F960F6F}" type="slidenum">
+              <a:rPr lang="en-US" smtClean="0"/>
+              <a:t>10</a:t>
+            </a:fld>
+            <a:endParaRPr lang="en-US"/>
+          </a:p>
+        </p:txBody>
+      </p:sp>
+    </p:spTree>
+    <p:extLst>
+      <p:ext uri="{BB962C8B-B14F-4D97-AF65-F5344CB8AC3E}">
+        <p14:creationId xmlns:p14="http://schemas.microsoft.com/office/powerpoint/2010/main" val="1210297797"/>
+      </p:ext>
+    </p:extLst>
+  </p:cSld>
+  <p:clrMapOvr>
+    <a:masterClrMapping/>
+  </p:clrMapOvr>
+</p:notes>
+</file>
+
+<file path=ppt/notesSlides/notesSlide4.xml><?xml version="1.0" encoding="utf-8"?>
+<p:notes xmlns:a="http://schemas.openxmlformats.org/drawingml/2006/main" xmlns:r="http://schemas.openxmlformats.org/officeDocument/2006/relationships" xmlns:p="http://schemas.openxmlformats.org/presentationml/2006/main">
+  <p:cSld>
+    <p:spTree>
+      <p:nvGrpSpPr>
+        <p:cNvPr id="1" name=""/>
+        <p:cNvGrpSpPr/>
+        <p:nvPr/>
+      </p:nvGrpSpPr>
+      <p:grpSpPr>
+        <a:xfrm>
+          <a:off x="0" y="0"/>
+          <a:ext cx="0" cy="0"/>
+          <a:chOff x="0" y="0"/>
+          <a:chExt cx="0" cy="0"/>
+        </a:xfrm>
+      </p:grpSpPr>
+      <p:sp>
+        <p:nvSpPr>
+          <p:cNvPr id="2" name="Slide Image Placeholder 1"/>
+          <p:cNvSpPr>
+            <a:spLocks noGrp="1" noRot="1" noChangeAspect="1"/>
+          </p:cNvSpPr>
+          <p:nvPr>
+            <p:ph type="sldImg"/>
+          </p:nvPr>
+        </p:nvSpPr>
+        <p:spPr/>
+      </p:sp>
+      <p:sp>
+        <p:nvSpPr>
+          <p:cNvPr id="3" name="Notes Placeholder 2"/>
+          <p:cNvSpPr>
+            <a:spLocks noGrp="1"/>
+          </p:cNvSpPr>
+          <p:nvPr>
+            <p:ph type="body" idx="1"/>
+          </p:nvPr>
+        </p:nvSpPr>
+        <p:spPr/>
+        <p:txBody>
+          <a:bodyPr/>
+          <a:lstStyle/>
+          <a:p>
+            <a:endParaRPr lang="en-US" dirty="0"/>
+          </a:p>
+        </p:txBody>
+      </p:sp>
+      <p:sp>
+        <p:nvSpPr>
+          <p:cNvPr id="4" name="Slide Number Placeholder 3"/>
+          <p:cNvSpPr>
+            <a:spLocks noGrp="1"/>
+          </p:cNvSpPr>
+          <p:nvPr>
+            <p:ph type="sldNum" sz="quarter" idx="5"/>
+          </p:nvPr>
+        </p:nvSpPr>
+        <p:spPr/>
+        <p:txBody>
+          <a:bodyPr/>
+          <a:lstStyle/>
+          <a:p>
+            <a:fld id="{BB072CD4-8151-4317-B517-71349F960F6F}" type="slidenum">
+              <a:rPr lang="en-US" smtClean="0"/>
+              <a:t>11</a:t>
+            </a:fld>
+            <a:endParaRPr lang="en-US"/>
+          </a:p>
+        </p:txBody>
+      </p:sp>
+    </p:spTree>
+    <p:extLst>
+      <p:ext uri="{BB962C8B-B14F-4D97-AF65-F5344CB8AC3E}">
+        <p14:creationId xmlns:p14="http://schemas.microsoft.com/office/powerpoint/2010/main" val="1744063620"/>
+      </p:ext>
+    </p:extLst>
+  </p:cSld>
+  <p:clrMapOvr>
+    <a:masterClrMapping/>
+  </p:clrMapOvr>
+</p:notes>
+</file>
+
+<file path=ppt/notesSlides/notesSlide5.xml><?xml version="1.0" encoding="utf-8"?>
+<p:notes xmlns:a="http://schemas.openxmlformats.org/drawingml/2006/main" xmlns:r="http://schemas.openxmlformats.org/officeDocument/2006/relationships" xmlns:p="http://schemas.openxmlformats.org/presentationml/2006/main">
+  <p:cSld>
+    <p:spTree>
+      <p:nvGrpSpPr>
+        <p:cNvPr id="1" name=""/>
+        <p:cNvGrpSpPr/>
+        <p:nvPr/>
+      </p:nvGrpSpPr>
+      <p:grpSpPr>
+        <a:xfrm>
+          <a:off x="0" y="0"/>
+          <a:ext cx="0" cy="0"/>
+          <a:chOff x="0" y="0"/>
+          <a:chExt cx="0" cy="0"/>
+        </a:xfrm>
+      </p:grpSpPr>
+      <p:sp>
+        <p:nvSpPr>
+          <p:cNvPr id="2" name="Slide Image Placeholder 1"/>
+          <p:cNvSpPr>
+            <a:spLocks noGrp="1" noRot="1" noChangeAspect="1"/>
+          </p:cNvSpPr>
+          <p:nvPr>
+            <p:ph type="sldImg"/>
+          </p:nvPr>
+        </p:nvSpPr>
+        <p:spPr/>
+      </p:sp>
+      <p:sp>
+        <p:nvSpPr>
+          <p:cNvPr id="3" name="Notes Placeholder 2"/>
+          <p:cNvSpPr>
+            <a:spLocks noGrp="1"/>
+          </p:cNvSpPr>
+          <p:nvPr>
+            <p:ph type="body" idx="1"/>
+          </p:nvPr>
+        </p:nvSpPr>
+        <p:spPr/>
+        <p:txBody>
+          <a:bodyPr/>
+          <a:lstStyle/>
+          <a:p>
+            <a:endParaRPr lang="en-US" dirty="0"/>
+          </a:p>
+        </p:txBody>
+      </p:sp>
+      <p:sp>
+        <p:nvSpPr>
+          <p:cNvPr id="4" name="Slide Number Placeholder 3"/>
+          <p:cNvSpPr>
+            <a:spLocks noGrp="1"/>
+          </p:cNvSpPr>
+          <p:nvPr>
+            <p:ph type="sldNum" sz="quarter" idx="5"/>
+          </p:nvPr>
+        </p:nvSpPr>
+        <p:spPr/>
+        <p:txBody>
+          <a:bodyPr/>
+          <a:lstStyle/>
+          <a:p>
+            <a:fld id="{BB072CD4-8151-4317-B517-71349F960F6F}" type="slidenum">
+              <a:rPr lang="en-US" smtClean="0"/>
+              <a:t>12</a:t>
+            </a:fld>
+            <a:endParaRPr lang="en-US"/>
+          </a:p>
+        </p:txBody>
+      </p:sp>
+    </p:spTree>
+    <p:extLst>
+      <p:ext uri="{BB962C8B-B14F-4D97-AF65-F5344CB8AC3E}">
+        <p14:creationId xmlns:p14="http://schemas.microsoft.com/office/powerpoint/2010/main" val="2473641769"/>
+      </p:ext>
+    </p:extLst>
+  </p:cSld>
+  <p:clrMapOvr>
+    <a:masterClrMapping/>
+  </p:clrMapOvr>
+</p:notes>
+</file>
+
+<file path=ppt/notesSlides/notesSlide6.xml><?xml version="1.0" encoding="utf-8"?>
+<p:notes xmlns:a="http://schemas.openxmlformats.org/drawingml/2006/main" xmlns:r="http://schemas.openxmlformats.org/officeDocument/2006/relationships" xmlns:p="http://schemas.openxmlformats.org/presentationml/2006/main">
+  <p:cSld>
+    <p:spTree>
+      <p:nvGrpSpPr>
+        <p:cNvPr id="1" name=""/>
+        <p:cNvGrpSpPr/>
+        <p:nvPr/>
+      </p:nvGrpSpPr>
+      <p:grpSpPr>
+        <a:xfrm>
+          <a:off x="0" y="0"/>
+          <a:ext cx="0" cy="0"/>
+          <a:chOff x="0" y="0"/>
+          <a:chExt cx="0" cy="0"/>
+        </a:xfrm>
+      </p:grpSpPr>
+      <p:sp>
+        <p:nvSpPr>
+          <p:cNvPr id="2" name="Slide Image Placeholder 1"/>
+          <p:cNvSpPr>
+            <a:spLocks noGrp="1" noRot="1" noChangeAspect="1"/>
+          </p:cNvSpPr>
+          <p:nvPr>
+            <p:ph type="sldImg"/>
+          </p:nvPr>
+        </p:nvSpPr>
+        <p:spPr/>
+      </p:sp>
+      <p:sp>
+        <p:nvSpPr>
+          <p:cNvPr id="3" name="Notes Placeholder 2"/>
+          <p:cNvSpPr>
+            <a:spLocks noGrp="1"/>
+          </p:cNvSpPr>
+          <p:nvPr>
+            <p:ph type="body" idx="1"/>
+          </p:nvPr>
+        </p:nvSpPr>
+        <p:spPr/>
+        <p:txBody>
+          <a:bodyPr/>
+          <a:lstStyle/>
+          <a:p>
+            <a:endParaRPr lang="en-US" dirty="0"/>
+          </a:p>
+        </p:txBody>
+      </p:sp>
+      <p:sp>
+        <p:nvSpPr>
+          <p:cNvPr id="4" name="Slide Number Placeholder 3"/>
+          <p:cNvSpPr>
+            <a:spLocks noGrp="1"/>
+          </p:cNvSpPr>
+          <p:nvPr>
+            <p:ph type="sldNum" sz="quarter" idx="5"/>
+          </p:nvPr>
+        </p:nvSpPr>
+        <p:spPr/>
+        <p:txBody>
+          <a:bodyPr/>
+          <a:lstStyle/>
+          <a:p>
+            <a:fld id="{BB072CD4-8151-4317-B517-71349F960F6F}" type="slidenum">
+              <a:rPr lang="en-US" smtClean="0"/>
+              <a:t>13</a:t>
+            </a:fld>
+            <a:endParaRPr lang="en-US"/>
+          </a:p>
+        </p:txBody>
+      </p:sp>
+    </p:spTree>
+    <p:extLst>
+      <p:ext uri="{BB962C8B-B14F-4D97-AF65-F5344CB8AC3E}">
+        <p14:creationId xmlns:p14="http://schemas.microsoft.com/office/powerpoint/2010/main" val="931115995"/>
+      </p:ext>
+    </p:extLst>
+  </p:cSld>
+  <p:clrMapOvr>
+    <a:masterClrMapping/>
+  </p:clrMapOvr>
+</p:notes>
+</file>
+
+<file path=ppt/notesSlides/notesSlide7.xml><?xml version="1.0" encoding="utf-8"?>
+<p:notes xmlns:a="http://schemas.openxmlformats.org/drawingml/2006/main" xmlns:r="http://schemas.openxmlformats.org/officeDocument/2006/relationships" xmlns:p="http://schemas.openxmlformats.org/presentationml/2006/main">
+  <p:cSld>
+    <p:spTree>
+      <p:nvGrpSpPr>
+        <p:cNvPr id="1" name=""/>
+        <p:cNvGrpSpPr/>
+        <p:nvPr/>
+      </p:nvGrpSpPr>
+      <p:grpSpPr>
+        <a:xfrm>
+          <a:off x="0" y="0"/>
+          <a:ext cx="0" cy="0"/>
+          <a:chOff x="0" y="0"/>
+          <a:chExt cx="0" cy="0"/>
+        </a:xfrm>
+      </p:grpSpPr>
+      <p:sp>
+        <p:nvSpPr>
+          <p:cNvPr id="2" name="Slide Image Placeholder 1"/>
+          <p:cNvSpPr>
+            <a:spLocks noGrp="1" noRot="1" noChangeAspect="1"/>
+          </p:cNvSpPr>
+          <p:nvPr>
+            <p:ph type="sldImg"/>
+          </p:nvPr>
+        </p:nvSpPr>
+        <p:spPr/>
+      </p:sp>
+      <p:sp>
+        <p:nvSpPr>
+          <p:cNvPr id="3" name="Notes Placeholder 2"/>
+          <p:cNvSpPr>
+            <a:spLocks noGrp="1"/>
+          </p:cNvSpPr>
+          <p:nvPr>
+            <p:ph type="body" idx="1"/>
+          </p:nvPr>
+        </p:nvSpPr>
+        <p:spPr/>
+        <p:txBody>
+          <a:bodyPr/>
+          <a:lstStyle/>
+          <a:p>
+            <a:r>
+              <a:rPr lang="en-US" dirty="0"/>
+              <a:t>Explain that RANSAC does more than find straight lines</a:t>
+            </a:r>
+          </a:p>
+        </p:txBody>
+      </p:sp>
+      <p:sp>
+        <p:nvSpPr>
+          <p:cNvPr id="4" name="Slide Number Placeholder 3"/>
+          <p:cNvSpPr>
+            <a:spLocks noGrp="1"/>
+          </p:cNvSpPr>
+          <p:nvPr>
+            <p:ph type="sldNum" sz="quarter" idx="5"/>
+          </p:nvPr>
+        </p:nvSpPr>
+        <p:spPr/>
+        <p:txBody>
+          <a:bodyPr/>
+          <a:lstStyle/>
+          <a:p>
+            <a:fld id="{BB072CD4-8151-4317-B517-71349F960F6F}" type="slidenum">
+              <a:rPr lang="en-US" smtClean="0"/>
+              <a:t>14</a:t>
+            </a:fld>
+            <a:endParaRPr lang="en-US"/>
+          </a:p>
+        </p:txBody>
+      </p:sp>
+    </p:spTree>
+    <p:extLst>
+      <p:ext uri="{BB962C8B-B14F-4D97-AF65-F5344CB8AC3E}">
+        <p14:creationId xmlns:p14="http://schemas.microsoft.com/office/powerpoint/2010/main" val="2918062381"/>
+      </p:ext>
+    </p:extLst>
+  </p:cSld>
+  <p:clrMapOvr>
+    <a:masterClrMapping/>
+  </p:clrMapOvr>
+</p:notes>
+</file>
+
+<file path=ppt/notesSlides/notesSlide8.xml><?xml version="1.0" encoding="utf-8"?>
+<p:notes xmlns:a="http://schemas.openxmlformats.org/drawingml/2006/main" xmlns:r="http://schemas.openxmlformats.org/officeDocument/2006/relationships" xmlns:p="http://schemas.openxmlformats.org/presentationml/2006/main">
+  <p:cSld>
+    <p:spTree>
+      <p:nvGrpSpPr>
+        <p:cNvPr id="1" name=""/>
+        <p:cNvGrpSpPr/>
+        <p:nvPr/>
+      </p:nvGrpSpPr>
+      <p:grpSpPr>
+        <a:xfrm>
+          <a:off x="0" y="0"/>
+          <a:ext cx="0" cy="0"/>
+          <a:chOff x="0" y="0"/>
+          <a:chExt cx="0" cy="0"/>
+        </a:xfrm>
+      </p:grpSpPr>
+      <p:sp>
+        <p:nvSpPr>
+          <p:cNvPr id="2" name="Slide Image Placeholder 1"/>
+          <p:cNvSpPr>
+            <a:spLocks noGrp="1" noRot="1" noChangeAspect="1"/>
+          </p:cNvSpPr>
+          <p:nvPr>
+            <p:ph type="sldImg"/>
+          </p:nvPr>
+        </p:nvSpPr>
+        <p:spPr/>
+      </p:sp>
+      <p:sp>
+        <p:nvSpPr>
+          <p:cNvPr id="3" name="Notes Placeholder 2"/>
+          <p:cNvSpPr>
+            <a:spLocks noGrp="1"/>
+          </p:cNvSpPr>
+          <p:nvPr>
+            <p:ph type="body" idx="1"/>
+          </p:nvPr>
+        </p:nvSpPr>
+        <p:spPr/>
+        <p:txBody>
+          <a:bodyPr/>
+          <a:lstStyle/>
+          <a:p>
+            <a:r>
+              <a:rPr lang="en-US" dirty="0"/>
+              <a:t>Talk about why this may be useful</a:t>
+            </a:r>
+          </a:p>
+        </p:txBody>
+      </p:sp>
+      <p:sp>
+        <p:nvSpPr>
+          <p:cNvPr id="4" name="Slide Number Placeholder 3"/>
+          <p:cNvSpPr>
+            <a:spLocks noGrp="1"/>
+          </p:cNvSpPr>
+          <p:nvPr>
+            <p:ph type="sldNum" sz="quarter" idx="5"/>
+          </p:nvPr>
+        </p:nvSpPr>
+        <p:spPr/>
+        <p:txBody>
+          <a:bodyPr/>
+          <a:lstStyle/>
+          <a:p>
+            <a:fld id="{BB072CD4-8151-4317-B517-71349F960F6F}" type="slidenum">
+              <a:rPr lang="en-US" smtClean="0"/>
+              <a:t>19</a:t>
+            </a:fld>
+            <a:endParaRPr lang="en-US"/>
+          </a:p>
+        </p:txBody>
+      </p:sp>
+    </p:spTree>
+    <p:extLst>
+      <p:ext uri="{BB962C8B-B14F-4D97-AF65-F5344CB8AC3E}">
+        <p14:creationId xmlns:p14="http://schemas.microsoft.com/office/powerpoint/2010/main" val="1498358943"/>
+      </p:ext>
+    </p:extLst>
+  </p:cSld>
+  <p:clrMapOvr>
+    <a:masterClrMapping/>
+  </p:clrMapOvr>
+</p:notes>
+</file>
+
+<file path=ppt/notesSlides/notesSlide9.xml><?xml version="1.0" encoding="utf-8"?>
+<p:notes xmlns:a="http://schemas.openxmlformats.org/drawingml/2006/main" xmlns:r="http://schemas.openxmlformats.org/officeDocument/2006/relationships" xmlns:p="http://schemas.openxmlformats.org/presentationml/2006/main">
+  <p:cSld>
+    <p:spTree>
+      <p:nvGrpSpPr>
+        <p:cNvPr id="1" name=""/>
+        <p:cNvGrpSpPr/>
+        <p:nvPr/>
+      </p:nvGrpSpPr>
+      <p:grpSpPr>
+        <a:xfrm>
+          <a:off x="0" y="0"/>
+          <a:ext cx="0" cy="0"/>
+          <a:chOff x="0" y="0"/>
+          <a:chExt cx="0" cy="0"/>
+        </a:xfrm>
+      </p:grpSpPr>
+      <p:sp>
+        <p:nvSpPr>
+          <p:cNvPr id="2" name="Slide Image Placeholder 1"/>
+          <p:cNvSpPr>
+            <a:spLocks noGrp="1" noRot="1" noChangeAspect="1"/>
+          </p:cNvSpPr>
+          <p:nvPr>
+            <p:ph type="sldImg"/>
+          </p:nvPr>
+        </p:nvSpPr>
+        <p:spPr/>
+      </p:sp>
+      <p:sp>
+        <p:nvSpPr>
+          <p:cNvPr id="3" name="Notes Placeholder 2"/>
+          <p:cNvSpPr>
+            <a:spLocks noGrp="1"/>
+          </p:cNvSpPr>
+          <p:nvPr>
+            <p:ph type="body" idx="1"/>
+          </p:nvPr>
+        </p:nvSpPr>
+        <p:spPr/>
+        <p:txBody>
+          <a:bodyPr/>
+          <a:lstStyle/>
+          <a:p>
+            <a:r>
+              <a:rPr lang="en-US" dirty="0"/>
+              <a:t>Explain that this can be extended to any number of changes</a:t>
+            </a:r>
+          </a:p>
+        </p:txBody>
+      </p:sp>
+      <p:sp>
+        <p:nvSpPr>
+          <p:cNvPr id="4" name="Slide Number Placeholder 3"/>
+          <p:cNvSpPr>
+            <a:spLocks noGrp="1"/>
+          </p:cNvSpPr>
+          <p:nvPr>
+            <p:ph type="sldNum" sz="quarter" idx="5"/>
+          </p:nvPr>
+        </p:nvSpPr>
+        <p:spPr/>
+        <p:txBody>
+          <a:bodyPr/>
+          <a:lstStyle/>
+          <a:p>
+            <a:fld id="{BB072CD4-8151-4317-B517-71349F960F6F}" type="slidenum">
+              <a:rPr lang="en-US" smtClean="0"/>
+              <a:t>20</a:t>
+            </a:fld>
+            <a:endParaRPr lang="en-US"/>
+          </a:p>
+        </p:txBody>
+      </p:sp>
+    </p:spTree>
+    <p:extLst>
+      <p:ext uri="{BB962C8B-B14F-4D97-AF65-F5344CB8AC3E}">
+        <p14:creationId xmlns:p14="http://schemas.microsoft.com/office/powerpoint/2010/main" val="2430120021"/>
+      </p:ext>
+    </p:extLst>
+  </p:cSld>
+  <p:clrMapOvr>
+    <a:masterClrMapping/>
+  </p:clrMapOvr>
+</p:notes>
+</file>
+
 <file path=ppt/slideLayouts/slideLayout1.xml><?xml version="1.0" encoding="utf-8"?>
 <p:sldLayout xmlns:a="http://schemas.openxmlformats.org/drawingml/2006/main" xmlns:r="http://schemas.openxmlformats.org/officeDocument/2006/relationships" xmlns:p="http://schemas.openxmlformats.org/presentationml/2006/main" type="title" preserve="1">
   <p:cSld name="Title Slide">
@@ -771,7 +2223,7 @@
           <a:p>
             <a:fld id="{545108C3-70A6-47BD-B82F-0EA2FAD6B009}" type="datetime1">
               <a:rPr lang="en-US" smtClean="0"/>
-              <a:t>9/11/2021</a:t>
+              <a:t>9/28/2021</a:t>
             </a:fld>
             <a:endParaRPr lang="en-US"/>
           </a:p>
@@ -793,7 +2245,7 @@
           <a:lstStyle/>
           <a:p>
             <a:r>
-              <a:rPr lang="en-US"/>
+              <a:rPr lang="en-US" dirty="0"/>
               <a:t>Yarden Akebi &amp; Etai Sella</a:t>
             </a:r>
           </a:p>
@@ -954,7 +2406,7 @@
           <a:p>
             <a:fld id="{5663B1E1-4FA2-4311-BC59-64E1519F35CC}" type="datetime1">
               <a:rPr lang="en-US" smtClean="0"/>
-              <a:t>9/11/2021</a:t>
+              <a:t>9/28/2021</a:t>
             </a:fld>
             <a:endParaRPr lang="en-US"/>
           </a:p>
@@ -976,7 +2428,7 @@
           <a:lstStyle/>
           <a:p>
             <a:r>
-              <a:rPr lang="en-US"/>
+              <a:rPr lang="en-US" dirty="0"/>
               <a:t>Yarden Akebi &amp; Etai Sella</a:t>
             </a:r>
           </a:p>
@@ -1131,7 +2583,7 @@
           <a:p>
             <a:fld id="{F736EC4A-E5B7-42C2-9943-4D2477F0E2BA}" type="datetime1">
               <a:rPr lang="en-US" smtClean="0"/>
-              <a:t>9/11/2021</a:t>
+              <a:t>9/28/2021</a:t>
             </a:fld>
             <a:endParaRPr lang="en-US" dirty="0"/>
           </a:p>
@@ -1158,7 +2610,7 @@
           <a:lstStyle/>
           <a:p>
             <a:r>
-              <a:rPr lang="en-US"/>
+              <a:rPr lang="en-US" dirty="0"/>
               <a:t>Yarden Akebi &amp; Etai Sella</a:t>
             </a:r>
           </a:p>
@@ -1455,7 +2907,7 @@
           <a:p>
             <a:fld id="{4B383BBD-22EB-4D32-858E-F56917F6792F}" type="datetime1">
               <a:rPr lang="en-US" smtClean="0"/>
-              <a:t>9/11/2021</a:t>
+              <a:t>9/28/2021</a:t>
             </a:fld>
             <a:endParaRPr lang="en-US"/>
           </a:p>
@@ -1477,7 +2929,7 @@
           <a:lstStyle/>
           <a:p>
             <a:r>
-              <a:rPr lang="en-US"/>
+              <a:rPr lang="en-US" dirty="0"/>
               <a:t>Yarden Akebi &amp; Etai Sella</a:t>
             </a:r>
           </a:p>
@@ -1690,7 +3142,7 @@
           <a:p>
             <a:fld id="{B3929B50-98C6-4865-903C-FF2C6D76A1DB}" type="datetime1">
               <a:rPr lang="en-US" smtClean="0"/>
-              <a:t>9/11/2021</a:t>
+              <a:t>9/28/2021</a:t>
             </a:fld>
             <a:endParaRPr lang="en-US"/>
           </a:p>
@@ -1712,7 +3164,7 @@
           <a:lstStyle/>
           <a:p>
             <a:r>
-              <a:rPr lang="en-US"/>
+              <a:rPr lang="en-US" dirty="0"/>
               <a:t>Yarden Akebi &amp; Etai Sella</a:t>
             </a:r>
           </a:p>
@@ -2060,7 +3512,7 @@
           <a:p>
             <a:fld id="{71E4DFB5-247F-4215-927B-206F1F043CA8}" type="datetime1">
               <a:rPr lang="en-US" smtClean="0"/>
-              <a:t>9/11/2021</a:t>
+              <a:t>9/28/2021</a:t>
             </a:fld>
             <a:endParaRPr lang="en-US"/>
           </a:p>
@@ -2082,7 +3534,7 @@
           <a:lstStyle/>
           <a:p>
             <a:r>
-              <a:rPr lang="en-US"/>
+              <a:rPr lang="en-US" dirty="0"/>
               <a:t>Yarden Akebi &amp; Etai Sella</a:t>
             </a:r>
           </a:p>
@@ -2181,7 +3633,7 @@
           <a:p>
             <a:fld id="{5ABF18F4-69E9-4A75-9A30-63D58841484D}" type="datetime1">
               <a:rPr lang="en-US" smtClean="0"/>
-              <a:t>9/11/2021</a:t>
+              <a:t>9/28/2021</a:t>
             </a:fld>
             <a:endParaRPr lang="en-US"/>
           </a:p>
@@ -2203,7 +3655,7 @@
           <a:lstStyle/>
           <a:p>
             <a:r>
-              <a:rPr lang="en-US"/>
+              <a:rPr lang="en-US" dirty="0"/>
               <a:t>Yarden Akebi &amp; Etai Sella</a:t>
             </a:r>
           </a:p>
@@ -2279,7 +3731,7 @@
           <a:p>
             <a:fld id="{8F9E73B5-85AC-4F64-8F1F-86C7C3DE3888}" type="datetime1">
               <a:rPr lang="en-US" smtClean="0"/>
-              <a:t>9/11/2021</a:t>
+              <a:t>9/28/2021</a:t>
             </a:fld>
             <a:endParaRPr lang="en-US"/>
           </a:p>
@@ -2301,7 +3753,7 @@
           <a:lstStyle/>
           <a:p>
             <a:r>
-              <a:rPr lang="en-US"/>
+              <a:rPr lang="en-US" dirty="0"/>
               <a:t>Yarden Akebi &amp; Etai Sella</a:t>
             </a:r>
           </a:p>
@@ -2559,7 +4011,7 @@
           <a:p>
             <a:fld id="{DBF8F826-0166-4DC8-9928-02F1397EF5F6}" type="datetime1">
               <a:rPr lang="en-US" smtClean="0"/>
-              <a:t>9/11/2021</a:t>
+              <a:t>9/28/2021</a:t>
             </a:fld>
             <a:endParaRPr lang="en-US"/>
           </a:p>
@@ -2581,7 +4033,7 @@
           <a:lstStyle/>
           <a:p>
             <a:r>
-              <a:rPr lang="en-US"/>
+              <a:rPr lang="en-US" dirty="0"/>
               <a:t>Yarden Akebi &amp; Etai Sella</a:t>
             </a:r>
           </a:p>
@@ -2819,7 +4271,7 @@
           <a:p>
             <a:fld id="{5387FCA0-6D15-493A-9DD4-DF68CECA6E0E}" type="datetime1">
               <a:rPr lang="en-US" smtClean="0"/>
-              <a:t>9/11/2021</a:t>
+              <a:t>9/28/2021</a:t>
             </a:fld>
             <a:endParaRPr lang="en-US"/>
           </a:p>
@@ -2841,7 +4293,7 @@
           <a:lstStyle/>
           <a:p>
             <a:r>
-              <a:rPr lang="en-US"/>
+              <a:rPr lang="en-US" dirty="0"/>
               <a:t>Yarden Akebi &amp; Etai Sella</a:t>
             </a:r>
           </a:p>
@@ -3292,7 +4744,7 @@
           <a:p>
             <a:fld id="{754E7515-5D39-4D5F-907F-93F61511D9D9}" type="datetime1">
               <a:rPr lang="en-US" smtClean="0"/>
-              <a:t>9/11/2021</a:t>
+              <a:t>9/28/2021</a:t>
             </a:fld>
             <a:endParaRPr lang="en-US" dirty="0"/>
           </a:p>
@@ -3332,10 +4784,9 @@
           </a:lstStyle>
           <a:p>
             <a:r>
-              <a:rPr lang="en-US"/>
+              <a:rPr lang="en-US" dirty="0"/>
               <a:t>Yarden Akebi &amp; Etai Sella</a:t>
             </a:r>
-            <a:endParaRPr lang="en-US" dirty="0"/>
           </a:p>
         </p:txBody>
       </p:sp>
@@ -3975,12 +5426,8 @@
           </a:lstStyle>
           <a:p>
             <a:r>
-              <a:rPr lang="en-US" dirty="0" err="1"/>
-              <a:t>Yarden</a:t>
-            </a:r>
-            <a:r>
-              <a:rPr lang="en-US" dirty="0"/>
-              <a:t> Akebi &amp; Etai Sella</a:t>
+              <a:rPr lang="en-US" dirty="0"/>
+              <a:t>Yarden Akaby &amp; Etai Sella</a:t>
             </a:r>
           </a:p>
         </p:txBody>
@@ -3989,6 +5436,2485 @@
     <p:extLst>
       <p:ext uri="{BB962C8B-B14F-4D97-AF65-F5344CB8AC3E}">
         <p14:creationId xmlns:p14="http://schemas.microsoft.com/office/powerpoint/2010/main" val="1585934800"/>
+      </p:ext>
+    </p:extLst>
+  </p:cSld>
+  <p:clrMapOvr>
+    <a:masterClrMapping/>
+  </p:clrMapOvr>
+</p:sld>
+</file>
+
+<file path=ppt/slides/slide10.xml><?xml version="1.0" encoding="utf-8"?>
+<p:sld xmlns:a="http://schemas.openxmlformats.org/drawingml/2006/main" xmlns:r="http://schemas.openxmlformats.org/officeDocument/2006/relationships" xmlns:p="http://schemas.openxmlformats.org/presentationml/2006/main">
+  <p:cSld>
+    <p:spTree>
+      <p:nvGrpSpPr>
+        <p:cNvPr id="1" name=""/>
+        <p:cNvGrpSpPr/>
+        <p:nvPr/>
+      </p:nvGrpSpPr>
+      <p:grpSpPr>
+        <a:xfrm>
+          <a:off x="0" y="0"/>
+          <a:ext cx="0" cy="0"/>
+          <a:chOff x="0" y="0"/>
+          <a:chExt cx="0" cy="0"/>
+        </a:xfrm>
+      </p:grpSpPr>
+      <p:sp>
+        <p:nvSpPr>
+          <p:cNvPr id="2" name="Title 1">
+            <a:extLst>
+              <a:ext uri="{FF2B5EF4-FFF2-40B4-BE49-F238E27FC236}">
+                <a16:creationId xmlns:a16="http://schemas.microsoft.com/office/drawing/2014/main" id="{143B5247-4B5C-44D2-AE13-25DD403557B4}"/>
+              </a:ext>
+            </a:extLst>
+          </p:cNvPr>
+          <p:cNvSpPr>
+            <a:spLocks noGrp="1"/>
+          </p:cNvSpPr>
+          <p:nvPr>
+            <p:ph type="title"/>
+          </p:nvPr>
+        </p:nvSpPr>
+        <p:spPr/>
+        <p:txBody>
+          <a:bodyPr/>
+          <a:lstStyle/>
+          <a:p>
+            <a:r>
+              <a:rPr lang="en-US" dirty="0"/>
+              <a:t>Overview of Fan &amp; Li’s method</a:t>
+            </a:r>
+          </a:p>
+        </p:txBody>
+      </p:sp>
+      <p:sp>
+        <p:nvSpPr>
+          <p:cNvPr id="3" name="Content Placeholder 2">
+            <a:extLst>
+              <a:ext uri="{FF2B5EF4-FFF2-40B4-BE49-F238E27FC236}">
+                <a16:creationId xmlns:a16="http://schemas.microsoft.com/office/drawing/2014/main" id="{8BB29A69-51F4-4CEE-B950-D3A7C19E951E}"/>
+              </a:ext>
+            </a:extLst>
+          </p:cNvPr>
+          <p:cNvSpPr>
+            <a:spLocks noGrp="1"/>
+          </p:cNvSpPr>
+          <p:nvPr>
+            <p:ph idx="1"/>
+          </p:nvPr>
+        </p:nvSpPr>
+        <p:spPr/>
+        <p:txBody>
+          <a:bodyPr>
+            <a:normAutofit/>
+          </a:bodyPr>
+          <a:lstStyle/>
+          <a:p>
+            <a:pPr marL="0" indent="0">
+              <a:buNone/>
+            </a:pPr>
+            <a:r>
+              <a:rPr lang="en-US" b="1" dirty="0"/>
+              <a:t>Extracting </a:t>
+            </a:r>
+            <a:r>
+              <a:rPr lang="en-US" b="1" dirty="0" err="1"/>
+              <a:t>Maximas</a:t>
+            </a:r>
+            <a:r>
+              <a:rPr lang="en-US" b="1" dirty="0"/>
+              <a:t>:</a:t>
+            </a:r>
+          </a:p>
+          <a:p>
+            <a:r>
+              <a:rPr lang="en-US" dirty="0"/>
+              <a:t>In each time window we extract only the maximal frequency</a:t>
+            </a:r>
+          </a:p>
+          <a:p>
+            <a:r>
+              <a:rPr lang="en-US" dirty="0"/>
+              <a:t>This transforms the 2D time-frequency image into a 1D time-frequency </a:t>
+            </a:r>
+            <a:r>
+              <a:rPr lang="en-US" b="1" dirty="0"/>
+              <a:t>curve</a:t>
+            </a:r>
+          </a:p>
+          <a:p>
+            <a:pPr marL="0" indent="0">
+              <a:buNone/>
+            </a:pPr>
+            <a:endParaRPr lang="en-US" b="1" dirty="0"/>
+          </a:p>
+          <a:p>
+            <a:pPr marL="0" indent="0">
+              <a:buNone/>
+            </a:pPr>
+            <a:r>
+              <a:rPr lang="en-US" b="1" dirty="0"/>
+              <a:t>Median Filtering:</a:t>
+            </a:r>
+          </a:p>
+          <a:p>
+            <a:r>
+              <a:rPr lang="en-US" dirty="0"/>
+              <a:t>These filters are usually used to filter random “salt and pepper” type noise from an image without hurting its quality</a:t>
+            </a:r>
+          </a:p>
+          <a:p>
+            <a:r>
+              <a:rPr lang="en-US" dirty="0"/>
+              <a:t>Each pixel takes the value of the median of its neighboring pixels:</a:t>
+            </a:r>
+          </a:p>
+          <a:p>
+            <a:pPr marL="0" indent="0">
+              <a:buNone/>
+            </a:pPr>
+            <a:endParaRPr lang="en-US" dirty="0"/>
+          </a:p>
+        </p:txBody>
+      </p:sp>
+      <p:sp>
+        <p:nvSpPr>
+          <p:cNvPr id="4" name="Date Placeholder 3">
+            <a:extLst>
+              <a:ext uri="{FF2B5EF4-FFF2-40B4-BE49-F238E27FC236}">
+                <a16:creationId xmlns:a16="http://schemas.microsoft.com/office/drawing/2014/main" id="{59913B85-3B4F-43D3-A7E9-D06F5E37C6C1}"/>
+              </a:ext>
+            </a:extLst>
+          </p:cNvPr>
+          <p:cNvSpPr>
+            <a:spLocks noGrp="1"/>
+          </p:cNvSpPr>
+          <p:nvPr>
+            <p:ph type="dt" sz="half" idx="10"/>
+          </p:nvPr>
+        </p:nvSpPr>
+        <p:spPr/>
+        <p:txBody>
+          <a:bodyPr/>
+          <a:lstStyle/>
+          <a:p>
+            <a:fld id="{F736EC4A-E5B7-42C2-9943-4D2477F0E2BA}" type="datetime1">
+              <a:rPr lang="en-US" smtClean="0"/>
+              <a:t>9/28/2021</a:t>
+            </a:fld>
+            <a:endParaRPr lang="en-US" dirty="0"/>
+          </a:p>
+        </p:txBody>
+      </p:sp>
+      <p:sp>
+        <p:nvSpPr>
+          <p:cNvPr id="5" name="Footer Placeholder 4">
+            <a:extLst>
+              <a:ext uri="{FF2B5EF4-FFF2-40B4-BE49-F238E27FC236}">
+                <a16:creationId xmlns:a16="http://schemas.microsoft.com/office/drawing/2014/main" id="{C5649577-8229-4DC9-AE82-59C3A5BA0515}"/>
+              </a:ext>
+            </a:extLst>
+          </p:cNvPr>
+          <p:cNvSpPr>
+            <a:spLocks noGrp="1"/>
+          </p:cNvSpPr>
+          <p:nvPr>
+            <p:ph type="ftr" sz="quarter" idx="11"/>
+          </p:nvPr>
+        </p:nvSpPr>
+        <p:spPr/>
+        <p:txBody>
+          <a:bodyPr/>
+          <a:lstStyle/>
+          <a:p>
+            <a:r>
+              <a:rPr lang="en-US" dirty="0"/>
+              <a:t>Yarden Akaby &amp; Etai Sella</a:t>
+            </a:r>
+          </a:p>
+        </p:txBody>
+      </p:sp>
+      <p:sp>
+        <p:nvSpPr>
+          <p:cNvPr id="6" name="Slide Number Placeholder 5">
+            <a:extLst>
+              <a:ext uri="{FF2B5EF4-FFF2-40B4-BE49-F238E27FC236}">
+                <a16:creationId xmlns:a16="http://schemas.microsoft.com/office/drawing/2014/main" id="{1B57282B-C25D-48B2-A667-C1D467EB1137}"/>
+              </a:ext>
+            </a:extLst>
+          </p:cNvPr>
+          <p:cNvSpPr>
+            <a:spLocks noGrp="1"/>
+          </p:cNvSpPr>
+          <p:nvPr>
+            <p:ph type="sldNum" sz="quarter" idx="12"/>
+          </p:nvPr>
+        </p:nvSpPr>
+        <p:spPr/>
+        <p:txBody>
+          <a:bodyPr/>
+          <a:lstStyle/>
+          <a:p>
+            <a:fld id="{C629165E-D59B-453D-B763-34340D7036F6}" type="slidenum">
+              <a:rPr lang="en-US" smtClean="0"/>
+              <a:t>10</a:t>
+            </a:fld>
+            <a:endParaRPr lang="en-US" dirty="0"/>
+          </a:p>
+        </p:txBody>
+      </p:sp>
+    </p:spTree>
+    <p:extLst>
+      <p:ext uri="{BB962C8B-B14F-4D97-AF65-F5344CB8AC3E}">
+        <p14:creationId xmlns:p14="http://schemas.microsoft.com/office/powerpoint/2010/main" val="1288585365"/>
+      </p:ext>
+    </p:extLst>
+  </p:cSld>
+  <p:clrMapOvr>
+    <a:masterClrMapping/>
+  </p:clrMapOvr>
+</p:sld>
+</file>
+
+<file path=ppt/slides/slide11.xml><?xml version="1.0" encoding="utf-8"?>
+<p:sld xmlns:a="http://schemas.openxmlformats.org/drawingml/2006/main" xmlns:r="http://schemas.openxmlformats.org/officeDocument/2006/relationships" xmlns:p="http://schemas.openxmlformats.org/presentationml/2006/main">
+  <p:cSld>
+    <p:spTree>
+      <p:nvGrpSpPr>
+        <p:cNvPr id="1" name=""/>
+        <p:cNvGrpSpPr/>
+        <p:nvPr/>
+      </p:nvGrpSpPr>
+      <p:grpSpPr>
+        <a:xfrm>
+          <a:off x="0" y="0"/>
+          <a:ext cx="0" cy="0"/>
+          <a:chOff x="0" y="0"/>
+          <a:chExt cx="0" cy="0"/>
+        </a:xfrm>
+      </p:grpSpPr>
+      <p:sp>
+        <p:nvSpPr>
+          <p:cNvPr id="2" name="Title 1">
+            <a:extLst>
+              <a:ext uri="{FF2B5EF4-FFF2-40B4-BE49-F238E27FC236}">
+                <a16:creationId xmlns:a16="http://schemas.microsoft.com/office/drawing/2014/main" id="{143B5247-4B5C-44D2-AE13-25DD403557B4}"/>
+              </a:ext>
+            </a:extLst>
+          </p:cNvPr>
+          <p:cNvSpPr>
+            <a:spLocks noGrp="1"/>
+          </p:cNvSpPr>
+          <p:nvPr>
+            <p:ph type="title"/>
+          </p:nvPr>
+        </p:nvSpPr>
+        <p:spPr/>
+        <p:txBody>
+          <a:bodyPr/>
+          <a:lstStyle/>
+          <a:p>
+            <a:r>
+              <a:rPr lang="en-US" dirty="0"/>
+              <a:t>Overview of Fan &amp; Li’s method</a:t>
+            </a:r>
+          </a:p>
+        </p:txBody>
+      </p:sp>
+      <p:sp>
+        <p:nvSpPr>
+          <p:cNvPr id="3" name="Content Placeholder 2">
+            <a:extLst>
+              <a:ext uri="{FF2B5EF4-FFF2-40B4-BE49-F238E27FC236}">
+                <a16:creationId xmlns:a16="http://schemas.microsoft.com/office/drawing/2014/main" id="{8BB29A69-51F4-4CEE-B950-D3A7C19E951E}"/>
+              </a:ext>
+            </a:extLst>
+          </p:cNvPr>
+          <p:cNvSpPr>
+            <a:spLocks noGrp="1"/>
+          </p:cNvSpPr>
+          <p:nvPr>
+            <p:ph idx="1"/>
+          </p:nvPr>
+        </p:nvSpPr>
+        <p:spPr/>
+        <p:txBody>
+          <a:bodyPr>
+            <a:normAutofit/>
+          </a:bodyPr>
+          <a:lstStyle/>
+          <a:p>
+            <a:pPr marL="0" indent="0">
+              <a:buNone/>
+            </a:pPr>
+            <a:r>
+              <a:rPr lang="en-US" b="1" dirty="0"/>
+              <a:t>Median Filtering:</a:t>
+            </a:r>
+          </a:p>
+          <a:p>
+            <a:r>
+              <a:rPr lang="en-US" dirty="0"/>
+              <a:t>In 2D:</a:t>
+            </a:r>
+          </a:p>
+          <a:p>
+            <a:pPr marL="0" indent="0">
+              <a:buNone/>
+            </a:pPr>
+            <a:endParaRPr lang="en-US" dirty="0"/>
+          </a:p>
+        </p:txBody>
+      </p:sp>
+      <p:sp>
+        <p:nvSpPr>
+          <p:cNvPr id="4" name="Date Placeholder 3">
+            <a:extLst>
+              <a:ext uri="{FF2B5EF4-FFF2-40B4-BE49-F238E27FC236}">
+                <a16:creationId xmlns:a16="http://schemas.microsoft.com/office/drawing/2014/main" id="{59913B85-3B4F-43D3-A7E9-D06F5E37C6C1}"/>
+              </a:ext>
+            </a:extLst>
+          </p:cNvPr>
+          <p:cNvSpPr>
+            <a:spLocks noGrp="1"/>
+          </p:cNvSpPr>
+          <p:nvPr>
+            <p:ph type="dt" sz="half" idx="10"/>
+          </p:nvPr>
+        </p:nvSpPr>
+        <p:spPr/>
+        <p:txBody>
+          <a:bodyPr/>
+          <a:lstStyle/>
+          <a:p>
+            <a:fld id="{F736EC4A-E5B7-42C2-9943-4D2477F0E2BA}" type="datetime1">
+              <a:rPr lang="en-US" smtClean="0"/>
+              <a:t>9/28/2021</a:t>
+            </a:fld>
+            <a:endParaRPr lang="en-US" dirty="0"/>
+          </a:p>
+        </p:txBody>
+      </p:sp>
+      <p:sp>
+        <p:nvSpPr>
+          <p:cNvPr id="5" name="Footer Placeholder 4">
+            <a:extLst>
+              <a:ext uri="{FF2B5EF4-FFF2-40B4-BE49-F238E27FC236}">
+                <a16:creationId xmlns:a16="http://schemas.microsoft.com/office/drawing/2014/main" id="{C5649577-8229-4DC9-AE82-59C3A5BA0515}"/>
+              </a:ext>
+            </a:extLst>
+          </p:cNvPr>
+          <p:cNvSpPr>
+            <a:spLocks noGrp="1"/>
+          </p:cNvSpPr>
+          <p:nvPr>
+            <p:ph type="ftr" sz="quarter" idx="11"/>
+          </p:nvPr>
+        </p:nvSpPr>
+        <p:spPr/>
+        <p:txBody>
+          <a:bodyPr/>
+          <a:lstStyle/>
+          <a:p>
+            <a:r>
+              <a:rPr lang="en-US" dirty="0"/>
+              <a:t>Yarden Akaby &amp; Etai Sella</a:t>
+            </a:r>
+          </a:p>
+        </p:txBody>
+      </p:sp>
+      <p:sp>
+        <p:nvSpPr>
+          <p:cNvPr id="6" name="Slide Number Placeholder 5">
+            <a:extLst>
+              <a:ext uri="{FF2B5EF4-FFF2-40B4-BE49-F238E27FC236}">
+                <a16:creationId xmlns:a16="http://schemas.microsoft.com/office/drawing/2014/main" id="{1B57282B-C25D-48B2-A667-C1D467EB1137}"/>
+              </a:ext>
+            </a:extLst>
+          </p:cNvPr>
+          <p:cNvSpPr>
+            <a:spLocks noGrp="1"/>
+          </p:cNvSpPr>
+          <p:nvPr>
+            <p:ph type="sldNum" sz="quarter" idx="12"/>
+          </p:nvPr>
+        </p:nvSpPr>
+        <p:spPr/>
+        <p:txBody>
+          <a:bodyPr/>
+          <a:lstStyle/>
+          <a:p>
+            <a:fld id="{C629165E-D59B-453D-B763-34340D7036F6}" type="slidenum">
+              <a:rPr lang="en-US" smtClean="0"/>
+              <a:t>11</a:t>
+            </a:fld>
+            <a:endParaRPr lang="en-US" dirty="0"/>
+          </a:p>
+        </p:txBody>
+      </p:sp>
+      <p:pic>
+        <p:nvPicPr>
+          <p:cNvPr id="8" name="Picture 7">
+            <a:extLst>
+              <a:ext uri="{FF2B5EF4-FFF2-40B4-BE49-F238E27FC236}">
+                <a16:creationId xmlns:a16="http://schemas.microsoft.com/office/drawing/2014/main" id="{8D2D6242-3481-430C-AF5F-67D2F4E71099}"/>
+              </a:ext>
+            </a:extLst>
+          </p:cNvPr>
+          <p:cNvPicPr>
+            <a:picLocks noChangeAspect="1"/>
+          </p:cNvPicPr>
+          <p:nvPr/>
+        </p:nvPicPr>
+        <p:blipFill>
+          <a:blip r:embed="rId3"/>
+          <a:stretch>
+            <a:fillRect/>
+          </a:stretch>
+        </p:blipFill>
+        <p:spPr>
+          <a:xfrm>
+            <a:off x="4209787" y="2486844"/>
+            <a:ext cx="3772426" cy="2543530"/>
+          </a:xfrm>
+          <a:prstGeom prst="rect">
+            <a:avLst/>
+          </a:prstGeom>
+        </p:spPr>
+      </p:pic>
+    </p:spTree>
+    <p:extLst>
+      <p:ext uri="{BB962C8B-B14F-4D97-AF65-F5344CB8AC3E}">
+        <p14:creationId xmlns:p14="http://schemas.microsoft.com/office/powerpoint/2010/main" val="1108525699"/>
+      </p:ext>
+    </p:extLst>
+  </p:cSld>
+  <p:clrMapOvr>
+    <a:masterClrMapping/>
+  </p:clrMapOvr>
+</p:sld>
+</file>
+
+<file path=ppt/slides/slide12.xml><?xml version="1.0" encoding="utf-8"?>
+<p:sld xmlns:a="http://schemas.openxmlformats.org/drawingml/2006/main" xmlns:r="http://schemas.openxmlformats.org/officeDocument/2006/relationships" xmlns:p="http://schemas.openxmlformats.org/presentationml/2006/main">
+  <p:cSld>
+    <p:spTree>
+      <p:nvGrpSpPr>
+        <p:cNvPr id="1" name=""/>
+        <p:cNvGrpSpPr/>
+        <p:nvPr/>
+      </p:nvGrpSpPr>
+      <p:grpSpPr>
+        <a:xfrm>
+          <a:off x="0" y="0"/>
+          <a:ext cx="0" cy="0"/>
+          <a:chOff x="0" y="0"/>
+          <a:chExt cx="0" cy="0"/>
+        </a:xfrm>
+      </p:grpSpPr>
+      <p:sp>
+        <p:nvSpPr>
+          <p:cNvPr id="2" name="Title 1">
+            <a:extLst>
+              <a:ext uri="{FF2B5EF4-FFF2-40B4-BE49-F238E27FC236}">
+                <a16:creationId xmlns:a16="http://schemas.microsoft.com/office/drawing/2014/main" id="{143B5247-4B5C-44D2-AE13-25DD403557B4}"/>
+              </a:ext>
+            </a:extLst>
+          </p:cNvPr>
+          <p:cNvSpPr>
+            <a:spLocks noGrp="1"/>
+          </p:cNvSpPr>
+          <p:nvPr>
+            <p:ph type="title"/>
+          </p:nvPr>
+        </p:nvSpPr>
+        <p:spPr/>
+        <p:txBody>
+          <a:bodyPr/>
+          <a:lstStyle/>
+          <a:p>
+            <a:r>
+              <a:rPr lang="en-US" dirty="0"/>
+              <a:t>Overview of Fan &amp; Li’s method</a:t>
+            </a:r>
+          </a:p>
+        </p:txBody>
+      </p:sp>
+      <p:sp>
+        <p:nvSpPr>
+          <p:cNvPr id="3" name="Content Placeholder 2">
+            <a:extLst>
+              <a:ext uri="{FF2B5EF4-FFF2-40B4-BE49-F238E27FC236}">
+                <a16:creationId xmlns:a16="http://schemas.microsoft.com/office/drawing/2014/main" id="{8BB29A69-51F4-4CEE-B950-D3A7C19E951E}"/>
+              </a:ext>
+            </a:extLst>
+          </p:cNvPr>
+          <p:cNvSpPr>
+            <a:spLocks noGrp="1"/>
+          </p:cNvSpPr>
+          <p:nvPr>
+            <p:ph idx="1"/>
+          </p:nvPr>
+        </p:nvSpPr>
+        <p:spPr/>
+        <p:txBody>
+          <a:bodyPr>
+            <a:normAutofit/>
+          </a:bodyPr>
+          <a:lstStyle/>
+          <a:p>
+            <a:pPr marL="0" indent="0">
+              <a:buNone/>
+            </a:pPr>
+            <a:r>
+              <a:rPr lang="en-US" b="1" dirty="0"/>
+              <a:t>Median Filtering:</a:t>
+            </a:r>
+          </a:p>
+          <a:p>
+            <a:r>
+              <a:rPr lang="en-US" dirty="0"/>
+              <a:t>In Fan and Li’s approach a 1D median filter is used to filter out “glitch frequencies”:</a:t>
+            </a:r>
+          </a:p>
+          <a:p>
+            <a:pPr marL="0" indent="0">
+              <a:buNone/>
+            </a:pPr>
+            <a:endParaRPr lang="en-US" dirty="0"/>
+          </a:p>
+          <a:p>
+            <a:pPr marL="0" indent="0">
+              <a:buNone/>
+            </a:pPr>
+            <a:endParaRPr lang="en-US" dirty="0"/>
+          </a:p>
+        </p:txBody>
+      </p:sp>
+      <p:sp>
+        <p:nvSpPr>
+          <p:cNvPr id="4" name="Date Placeholder 3">
+            <a:extLst>
+              <a:ext uri="{FF2B5EF4-FFF2-40B4-BE49-F238E27FC236}">
+                <a16:creationId xmlns:a16="http://schemas.microsoft.com/office/drawing/2014/main" id="{59913B85-3B4F-43D3-A7E9-D06F5E37C6C1}"/>
+              </a:ext>
+            </a:extLst>
+          </p:cNvPr>
+          <p:cNvSpPr>
+            <a:spLocks noGrp="1"/>
+          </p:cNvSpPr>
+          <p:nvPr>
+            <p:ph type="dt" sz="half" idx="10"/>
+          </p:nvPr>
+        </p:nvSpPr>
+        <p:spPr/>
+        <p:txBody>
+          <a:bodyPr/>
+          <a:lstStyle/>
+          <a:p>
+            <a:fld id="{F736EC4A-E5B7-42C2-9943-4D2477F0E2BA}" type="datetime1">
+              <a:rPr lang="en-US" smtClean="0"/>
+              <a:t>9/28/2021</a:t>
+            </a:fld>
+            <a:endParaRPr lang="en-US" dirty="0"/>
+          </a:p>
+        </p:txBody>
+      </p:sp>
+      <p:sp>
+        <p:nvSpPr>
+          <p:cNvPr id="5" name="Footer Placeholder 4">
+            <a:extLst>
+              <a:ext uri="{FF2B5EF4-FFF2-40B4-BE49-F238E27FC236}">
+                <a16:creationId xmlns:a16="http://schemas.microsoft.com/office/drawing/2014/main" id="{C5649577-8229-4DC9-AE82-59C3A5BA0515}"/>
+              </a:ext>
+            </a:extLst>
+          </p:cNvPr>
+          <p:cNvSpPr>
+            <a:spLocks noGrp="1"/>
+          </p:cNvSpPr>
+          <p:nvPr>
+            <p:ph type="ftr" sz="quarter" idx="11"/>
+          </p:nvPr>
+        </p:nvSpPr>
+        <p:spPr/>
+        <p:txBody>
+          <a:bodyPr/>
+          <a:lstStyle/>
+          <a:p>
+            <a:r>
+              <a:rPr lang="en-US" dirty="0"/>
+              <a:t>Yarden Akaby &amp; Etai Sella</a:t>
+            </a:r>
+          </a:p>
+        </p:txBody>
+      </p:sp>
+      <p:sp>
+        <p:nvSpPr>
+          <p:cNvPr id="6" name="Slide Number Placeholder 5">
+            <a:extLst>
+              <a:ext uri="{FF2B5EF4-FFF2-40B4-BE49-F238E27FC236}">
+                <a16:creationId xmlns:a16="http://schemas.microsoft.com/office/drawing/2014/main" id="{1B57282B-C25D-48B2-A667-C1D467EB1137}"/>
+              </a:ext>
+            </a:extLst>
+          </p:cNvPr>
+          <p:cNvSpPr>
+            <a:spLocks noGrp="1"/>
+          </p:cNvSpPr>
+          <p:nvPr>
+            <p:ph type="sldNum" sz="quarter" idx="12"/>
+          </p:nvPr>
+        </p:nvSpPr>
+        <p:spPr/>
+        <p:txBody>
+          <a:bodyPr/>
+          <a:lstStyle/>
+          <a:p>
+            <a:fld id="{C629165E-D59B-453D-B763-34340D7036F6}" type="slidenum">
+              <a:rPr lang="en-US" smtClean="0"/>
+              <a:t>12</a:t>
+            </a:fld>
+            <a:endParaRPr lang="en-US" dirty="0"/>
+          </a:p>
+        </p:txBody>
+      </p:sp>
+      <p:pic>
+        <p:nvPicPr>
+          <p:cNvPr id="11" name="Picture 10">
+            <a:extLst>
+              <a:ext uri="{FF2B5EF4-FFF2-40B4-BE49-F238E27FC236}">
+                <a16:creationId xmlns:a16="http://schemas.microsoft.com/office/drawing/2014/main" id="{3FD09C27-09F8-4CF1-92CB-EDE3E26D7110}"/>
+              </a:ext>
+            </a:extLst>
+          </p:cNvPr>
+          <p:cNvPicPr>
+            <a:picLocks noChangeAspect="1"/>
+          </p:cNvPicPr>
+          <p:nvPr/>
+        </p:nvPicPr>
+        <p:blipFill>
+          <a:blip r:embed="rId3"/>
+          <a:stretch>
+            <a:fillRect/>
+          </a:stretch>
+        </p:blipFill>
+        <p:spPr>
+          <a:xfrm>
+            <a:off x="3732029" y="2853172"/>
+            <a:ext cx="4433776" cy="3213790"/>
+          </a:xfrm>
+          <a:prstGeom prst="rect">
+            <a:avLst/>
+          </a:prstGeom>
+        </p:spPr>
+      </p:pic>
+    </p:spTree>
+    <p:extLst>
+      <p:ext uri="{BB962C8B-B14F-4D97-AF65-F5344CB8AC3E}">
+        <p14:creationId xmlns:p14="http://schemas.microsoft.com/office/powerpoint/2010/main" val="3150836930"/>
+      </p:ext>
+    </p:extLst>
+  </p:cSld>
+  <p:clrMapOvr>
+    <a:masterClrMapping/>
+  </p:clrMapOvr>
+</p:sld>
+</file>
+
+<file path=ppt/slides/slide13.xml><?xml version="1.0" encoding="utf-8"?>
+<p:sld xmlns:a="http://schemas.openxmlformats.org/drawingml/2006/main" xmlns:r="http://schemas.openxmlformats.org/officeDocument/2006/relationships" xmlns:p="http://schemas.openxmlformats.org/presentationml/2006/main">
+  <p:cSld>
+    <p:spTree>
+      <p:nvGrpSpPr>
+        <p:cNvPr id="1" name=""/>
+        <p:cNvGrpSpPr/>
+        <p:nvPr/>
+      </p:nvGrpSpPr>
+      <p:grpSpPr>
+        <a:xfrm>
+          <a:off x="0" y="0"/>
+          <a:ext cx="0" cy="0"/>
+          <a:chOff x="0" y="0"/>
+          <a:chExt cx="0" cy="0"/>
+        </a:xfrm>
+      </p:grpSpPr>
+      <p:sp>
+        <p:nvSpPr>
+          <p:cNvPr id="2" name="Title 1">
+            <a:extLst>
+              <a:ext uri="{FF2B5EF4-FFF2-40B4-BE49-F238E27FC236}">
+                <a16:creationId xmlns:a16="http://schemas.microsoft.com/office/drawing/2014/main" id="{143B5247-4B5C-44D2-AE13-25DD403557B4}"/>
+              </a:ext>
+            </a:extLst>
+          </p:cNvPr>
+          <p:cNvSpPr>
+            <a:spLocks noGrp="1"/>
+          </p:cNvSpPr>
+          <p:nvPr>
+            <p:ph type="title"/>
+          </p:nvPr>
+        </p:nvSpPr>
+        <p:spPr/>
+        <p:txBody>
+          <a:bodyPr/>
+          <a:lstStyle/>
+          <a:p>
+            <a:r>
+              <a:rPr lang="en-US" dirty="0"/>
+              <a:t>Overview of Fan &amp; Li’s method</a:t>
+            </a:r>
+          </a:p>
+        </p:txBody>
+      </p:sp>
+      <p:sp>
+        <p:nvSpPr>
+          <p:cNvPr id="3" name="Content Placeholder 2">
+            <a:extLst>
+              <a:ext uri="{FF2B5EF4-FFF2-40B4-BE49-F238E27FC236}">
+                <a16:creationId xmlns:a16="http://schemas.microsoft.com/office/drawing/2014/main" id="{8BB29A69-51F4-4CEE-B950-D3A7C19E951E}"/>
+              </a:ext>
+            </a:extLst>
+          </p:cNvPr>
+          <p:cNvSpPr>
+            <a:spLocks noGrp="1"/>
+          </p:cNvSpPr>
+          <p:nvPr>
+            <p:ph idx="1"/>
+          </p:nvPr>
+        </p:nvSpPr>
+        <p:spPr/>
+        <p:txBody>
+          <a:bodyPr>
+            <a:normAutofit/>
+          </a:bodyPr>
+          <a:lstStyle/>
+          <a:p>
+            <a:pPr marL="0" indent="0">
+              <a:buNone/>
+            </a:pPr>
+            <a:r>
+              <a:rPr lang="en-US" b="1" dirty="0"/>
+              <a:t>RANSAC:</a:t>
+            </a:r>
+          </a:p>
+          <a:p>
+            <a:r>
+              <a:rPr lang="en-US" dirty="0"/>
+              <a:t>Random Sample Consensus – Used to find the parameters of the line which fits the data best.</a:t>
+            </a:r>
+          </a:p>
+          <a:p>
+            <a:r>
+              <a:rPr lang="en-US" dirty="0"/>
+              <a:t>Aims to make a distinction between data points that belong to the actual function- “inliers” and points that are caused by noise “outliers”:</a:t>
+            </a:r>
+          </a:p>
+          <a:p>
+            <a:pPr marL="0" indent="0">
+              <a:buNone/>
+            </a:pPr>
+            <a:endParaRPr lang="en-US" dirty="0"/>
+          </a:p>
+          <a:p>
+            <a:pPr marL="0" indent="0">
+              <a:buNone/>
+            </a:pPr>
+            <a:endParaRPr lang="en-US" dirty="0"/>
+          </a:p>
+        </p:txBody>
+      </p:sp>
+      <p:sp>
+        <p:nvSpPr>
+          <p:cNvPr id="4" name="Date Placeholder 3">
+            <a:extLst>
+              <a:ext uri="{FF2B5EF4-FFF2-40B4-BE49-F238E27FC236}">
+                <a16:creationId xmlns:a16="http://schemas.microsoft.com/office/drawing/2014/main" id="{59913B85-3B4F-43D3-A7E9-D06F5E37C6C1}"/>
+              </a:ext>
+            </a:extLst>
+          </p:cNvPr>
+          <p:cNvSpPr>
+            <a:spLocks noGrp="1"/>
+          </p:cNvSpPr>
+          <p:nvPr>
+            <p:ph type="dt" sz="half" idx="10"/>
+          </p:nvPr>
+        </p:nvSpPr>
+        <p:spPr/>
+        <p:txBody>
+          <a:bodyPr/>
+          <a:lstStyle/>
+          <a:p>
+            <a:fld id="{F736EC4A-E5B7-42C2-9943-4D2477F0E2BA}" type="datetime1">
+              <a:rPr lang="en-US" smtClean="0"/>
+              <a:t>9/28/2021</a:t>
+            </a:fld>
+            <a:endParaRPr lang="en-US" dirty="0"/>
+          </a:p>
+        </p:txBody>
+      </p:sp>
+      <p:sp>
+        <p:nvSpPr>
+          <p:cNvPr id="5" name="Footer Placeholder 4">
+            <a:extLst>
+              <a:ext uri="{FF2B5EF4-FFF2-40B4-BE49-F238E27FC236}">
+                <a16:creationId xmlns:a16="http://schemas.microsoft.com/office/drawing/2014/main" id="{C5649577-8229-4DC9-AE82-59C3A5BA0515}"/>
+              </a:ext>
+            </a:extLst>
+          </p:cNvPr>
+          <p:cNvSpPr>
+            <a:spLocks noGrp="1"/>
+          </p:cNvSpPr>
+          <p:nvPr>
+            <p:ph type="ftr" sz="quarter" idx="11"/>
+          </p:nvPr>
+        </p:nvSpPr>
+        <p:spPr/>
+        <p:txBody>
+          <a:bodyPr/>
+          <a:lstStyle/>
+          <a:p>
+            <a:r>
+              <a:rPr lang="en-US" dirty="0"/>
+              <a:t>Yarden Akaby &amp; Etai Sella</a:t>
+            </a:r>
+          </a:p>
+        </p:txBody>
+      </p:sp>
+      <p:sp>
+        <p:nvSpPr>
+          <p:cNvPr id="6" name="Slide Number Placeholder 5">
+            <a:extLst>
+              <a:ext uri="{FF2B5EF4-FFF2-40B4-BE49-F238E27FC236}">
+                <a16:creationId xmlns:a16="http://schemas.microsoft.com/office/drawing/2014/main" id="{1B57282B-C25D-48B2-A667-C1D467EB1137}"/>
+              </a:ext>
+            </a:extLst>
+          </p:cNvPr>
+          <p:cNvSpPr>
+            <a:spLocks noGrp="1"/>
+          </p:cNvSpPr>
+          <p:nvPr>
+            <p:ph type="sldNum" sz="quarter" idx="12"/>
+          </p:nvPr>
+        </p:nvSpPr>
+        <p:spPr/>
+        <p:txBody>
+          <a:bodyPr/>
+          <a:lstStyle/>
+          <a:p>
+            <a:fld id="{C629165E-D59B-453D-B763-34340D7036F6}" type="slidenum">
+              <a:rPr lang="en-US" smtClean="0"/>
+              <a:t>13</a:t>
+            </a:fld>
+            <a:endParaRPr lang="en-US" dirty="0"/>
+          </a:p>
+        </p:txBody>
+      </p:sp>
+      <p:pic>
+        <p:nvPicPr>
+          <p:cNvPr id="10" name="Picture 9">
+            <a:extLst>
+              <a:ext uri="{FF2B5EF4-FFF2-40B4-BE49-F238E27FC236}">
+                <a16:creationId xmlns:a16="http://schemas.microsoft.com/office/drawing/2014/main" id="{09A5FBB2-52ED-4E0F-B168-13A01B265C8A}"/>
+              </a:ext>
+            </a:extLst>
+          </p:cNvPr>
+          <p:cNvPicPr>
+            <a:picLocks noChangeAspect="1"/>
+          </p:cNvPicPr>
+          <p:nvPr/>
+        </p:nvPicPr>
+        <p:blipFill>
+          <a:blip r:embed="rId3"/>
+          <a:stretch>
+            <a:fillRect/>
+          </a:stretch>
+        </p:blipFill>
+        <p:spPr>
+          <a:xfrm>
+            <a:off x="4394128" y="3923000"/>
+            <a:ext cx="2984867" cy="2146017"/>
+          </a:xfrm>
+          <a:prstGeom prst="rect">
+            <a:avLst/>
+          </a:prstGeom>
+        </p:spPr>
+      </p:pic>
+    </p:spTree>
+    <p:extLst>
+      <p:ext uri="{BB962C8B-B14F-4D97-AF65-F5344CB8AC3E}">
+        <p14:creationId xmlns:p14="http://schemas.microsoft.com/office/powerpoint/2010/main" val="3901548815"/>
+      </p:ext>
+    </p:extLst>
+  </p:cSld>
+  <p:clrMapOvr>
+    <a:masterClrMapping/>
+  </p:clrMapOvr>
+</p:sld>
+</file>
+
+<file path=ppt/slides/slide14.xml><?xml version="1.0" encoding="utf-8"?>
+<p:sld xmlns:a="http://schemas.openxmlformats.org/drawingml/2006/main" xmlns:r="http://schemas.openxmlformats.org/officeDocument/2006/relationships" xmlns:p="http://schemas.openxmlformats.org/presentationml/2006/main">
+  <p:cSld>
+    <p:spTree>
+      <p:nvGrpSpPr>
+        <p:cNvPr id="1" name=""/>
+        <p:cNvGrpSpPr/>
+        <p:nvPr/>
+      </p:nvGrpSpPr>
+      <p:grpSpPr>
+        <a:xfrm>
+          <a:off x="0" y="0"/>
+          <a:ext cx="0" cy="0"/>
+          <a:chOff x="0" y="0"/>
+          <a:chExt cx="0" cy="0"/>
+        </a:xfrm>
+      </p:grpSpPr>
+      <p:sp>
+        <p:nvSpPr>
+          <p:cNvPr id="2" name="Title 1">
+            <a:extLst>
+              <a:ext uri="{FF2B5EF4-FFF2-40B4-BE49-F238E27FC236}">
+                <a16:creationId xmlns:a16="http://schemas.microsoft.com/office/drawing/2014/main" id="{143B5247-4B5C-44D2-AE13-25DD403557B4}"/>
+              </a:ext>
+            </a:extLst>
+          </p:cNvPr>
+          <p:cNvSpPr>
+            <a:spLocks noGrp="1"/>
+          </p:cNvSpPr>
+          <p:nvPr>
+            <p:ph type="title"/>
+          </p:nvPr>
+        </p:nvSpPr>
+        <p:spPr/>
+        <p:txBody>
+          <a:bodyPr/>
+          <a:lstStyle/>
+          <a:p>
+            <a:r>
+              <a:rPr lang="en-US" dirty="0"/>
+              <a:t>Overview of Fan &amp; Li’s method</a:t>
+            </a:r>
+          </a:p>
+        </p:txBody>
+      </p:sp>
+      <p:sp>
+        <p:nvSpPr>
+          <p:cNvPr id="3" name="Content Placeholder 2">
+            <a:extLst>
+              <a:ext uri="{FF2B5EF4-FFF2-40B4-BE49-F238E27FC236}">
+                <a16:creationId xmlns:a16="http://schemas.microsoft.com/office/drawing/2014/main" id="{8BB29A69-51F4-4CEE-B950-D3A7C19E951E}"/>
+              </a:ext>
+            </a:extLst>
+          </p:cNvPr>
+          <p:cNvSpPr>
+            <a:spLocks noGrp="1"/>
+          </p:cNvSpPr>
+          <p:nvPr>
+            <p:ph idx="1"/>
+          </p:nvPr>
+        </p:nvSpPr>
+        <p:spPr/>
+        <p:txBody>
+          <a:bodyPr>
+            <a:normAutofit fontScale="85000" lnSpcReduction="20000"/>
+          </a:bodyPr>
+          <a:lstStyle/>
+          <a:p>
+            <a:pPr marL="0" indent="0">
+              <a:buNone/>
+            </a:pPr>
+            <a:r>
+              <a:rPr lang="en-US" b="1" dirty="0"/>
+              <a:t>RANSAC:</a:t>
+            </a:r>
+          </a:p>
+          <a:p>
+            <a:r>
+              <a:rPr lang="en-US" dirty="0"/>
+              <a:t>In our case, the RANSAC algorithm works like so:</a:t>
+            </a:r>
+          </a:p>
+          <a:p>
+            <a:pPr marL="0" indent="0">
+              <a:buNone/>
+            </a:pPr>
+            <a:endParaRPr lang="en-US" sz="2400" dirty="0"/>
+          </a:p>
+          <a:p>
+            <a:pPr marL="457200" lvl="1" indent="0">
+              <a:buNone/>
+            </a:pPr>
+            <a:r>
+              <a:rPr lang="en-US" i="1" dirty="0"/>
+              <a:t>For a given number of iterations:</a:t>
+            </a:r>
+          </a:p>
+          <a:p>
+            <a:pPr marL="457200" lvl="1" indent="0">
+              <a:buNone/>
+            </a:pPr>
+            <a:r>
+              <a:rPr lang="en-US" i="1" dirty="0"/>
+              <a:t>	1) Draw 2 points from the data at random</a:t>
+            </a:r>
+          </a:p>
+          <a:p>
+            <a:pPr marL="457200" lvl="1" indent="0">
+              <a:buNone/>
+            </a:pPr>
+            <a:endParaRPr lang="en-US" i="1" dirty="0"/>
+          </a:p>
+          <a:p>
+            <a:pPr marL="457200" lvl="1" indent="0">
+              <a:buNone/>
+            </a:pPr>
+            <a:r>
+              <a:rPr lang="en-US" i="1" dirty="0"/>
+              <a:t>	2) Construct a line according to these points</a:t>
+            </a:r>
+          </a:p>
+          <a:p>
+            <a:pPr marL="457200" lvl="1" indent="0">
+              <a:buNone/>
+            </a:pPr>
+            <a:endParaRPr lang="en-US" i="1" dirty="0"/>
+          </a:p>
+          <a:p>
+            <a:pPr marL="457200" lvl="1" indent="0">
+              <a:buNone/>
+            </a:pPr>
+            <a:r>
+              <a:rPr lang="en-US" i="1" dirty="0"/>
+              <a:t>	3) If the number of points that “agree” with this line is more than a given 		     	    threshold – continue, else- return to step 1</a:t>
+            </a:r>
+          </a:p>
+          <a:p>
+            <a:pPr marL="457200" lvl="1" indent="0">
+              <a:buNone/>
+            </a:pPr>
+            <a:endParaRPr lang="en-US" i="1" dirty="0"/>
+          </a:p>
+          <a:p>
+            <a:pPr marL="457200" lvl="1" indent="0">
+              <a:buNone/>
+            </a:pPr>
+            <a:r>
+              <a:rPr lang="en-US" i="1" dirty="0"/>
+              <a:t>	4) Build a refined model according the points that “agree” with the line</a:t>
+            </a:r>
+          </a:p>
+          <a:p>
+            <a:pPr marL="457200" lvl="1" indent="0">
+              <a:buNone/>
+            </a:pPr>
+            <a:endParaRPr lang="en-US" i="1" dirty="0"/>
+          </a:p>
+          <a:p>
+            <a:pPr marL="457200" lvl="1" indent="0">
+              <a:buNone/>
+            </a:pPr>
+            <a:r>
+              <a:rPr lang="en-US" i="1" dirty="0"/>
+              <a:t>	5) If the error of the refined model over the points that “agree” with is the best we have seen    	     so far – save it as the output</a:t>
+            </a:r>
+            <a:endParaRPr lang="en-US" dirty="0"/>
+          </a:p>
+          <a:p>
+            <a:pPr marL="0" indent="0">
+              <a:buNone/>
+            </a:pPr>
+            <a:endParaRPr lang="en-US" dirty="0"/>
+          </a:p>
+        </p:txBody>
+      </p:sp>
+      <p:sp>
+        <p:nvSpPr>
+          <p:cNvPr id="4" name="Date Placeholder 3">
+            <a:extLst>
+              <a:ext uri="{FF2B5EF4-FFF2-40B4-BE49-F238E27FC236}">
+                <a16:creationId xmlns:a16="http://schemas.microsoft.com/office/drawing/2014/main" id="{59913B85-3B4F-43D3-A7E9-D06F5E37C6C1}"/>
+              </a:ext>
+            </a:extLst>
+          </p:cNvPr>
+          <p:cNvSpPr>
+            <a:spLocks noGrp="1"/>
+          </p:cNvSpPr>
+          <p:nvPr>
+            <p:ph type="dt" sz="half" idx="10"/>
+          </p:nvPr>
+        </p:nvSpPr>
+        <p:spPr/>
+        <p:txBody>
+          <a:bodyPr/>
+          <a:lstStyle/>
+          <a:p>
+            <a:fld id="{F736EC4A-E5B7-42C2-9943-4D2477F0E2BA}" type="datetime1">
+              <a:rPr lang="en-US" smtClean="0"/>
+              <a:t>9/28/2021</a:t>
+            </a:fld>
+            <a:endParaRPr lang="en-US" dirty="0"/>
+          </a:p>
+        </p:txBody>
+      </p:sp>
+      <p:sp>
+        <p:nvSpPr>
+          <p:cNvPr id="5" name="Footer Placeholder 4">
+            <a:extLst>
+              <a:ext uri="{FF2B5EF4-FFF2-40B4-BE49-F238E27FC236}">
+                <a16:creationId xmlns:a16="http://schemas.microsoft.com/office/drawing/2014/main" id="{C5649577-8229-4DC9-AE82-59C3A5BA0515}"/>
+              </a:ext>
+            </a:extLst>
+          </p:cNvPr>
+          <p:cNvSpPr>
+            <a:spLocks noGrp="1"/>
+          </p:cNvSpPr>
+          <p:nvPr>
+            <p:ph type="ftr" sz="quarter" idx="11"/>
+          </p:nvPr>
+        </p:nvSpPr>
+        <p:spPr/>
+        <p:txBody>
+          <a:bodyPr/>
+          <a:lstStyle/>
+          <a:p>
+            <a:r>
+              <a:rPr lang="en-US" dirty="0"/>
+              <a:t>Yarden Akaby &amp; Etai Sella</a:t>
+            </a:r>
+          </a:p>
+        </p:txBody>
+      </p:sp>
+      <p:sp>
+        <p:nvSpPr>
+          <p:cNvPr id="6" name="Slide Number Placeholder 5">
+            <a:extLst>
+              <a:ext uri="{FF2B5EF4-FFF2-40B4-BE49-F238E27FC236}">
+                <a16:creationId xmlns:a16="http://schemas.microsoft.com/office/drawing/2014/main" id="{1B57282B-C25D-48B2-A667-C1D467EB1137}"/>
+              </a:ext>
+            </a:extLst>
+          </p:cNvPr>
+          <p:cNvSpPr>
+            <a:spLocks noGrp="1"/>
+          </p:cNvSpPr>
+          <p:nvPr>
+            <p:ph type="sldNum" sz="quarter" idx="12"/>
+          </p:nvPr>
+        </p:nvSpPr>
+        <p:spPr/>
+        <p:txBody>
+          <a:bodyPr/>
+          <a:lstStyle/>
+          <a:p>
+            <a:fld id="{C629165E-D59B-453D-B763-34340D7036F6}" type="slidenum">
+              <a:rPr lang="en-US" smtClean="0"/>
+              <a:t>14</a:t>
+            </a:fld>
+            <a:endParaRPr lang="en-US" dirty="0"/>
+          </a:p>
+        </p:txBody>
+      </p:sp>
+    </p:spTree>
+    <p:extLst>
+      <p:ext uri="{BB962C8B-B14F-4D97-AF65-F5344CB8AC3E}">
+        <p14:creationId xmlns:p14="http://schemas.microsoft.com/office/powerpoint/2010/main" val="1315380831"/>
+      </p:ext>
+    </p:extLst>
+  </p:cSld>
+  <p:clrMapOvr>
+    <a:masterClrMapping/>
+  </p:clrMapOvr>
+</p:sld>
+</file>
+
+<file path=ppt/slides/slide15.xml><?xml version="1.0" encoding="utf-8"?>
+<p:sld xmlns:a="http://schemas.openxmlformats.org/drawingml/2006/main" xmlns:r="http://schemas.openxmlformats.org/officeDocument/2006/relationships" xmlns:p="http://schemas.openxmlformats.org/presentationml/2006/main">
+  <p:cSld>
+    <p:spTree>
+      <p:nvGrpSpPr>
+        <p:cNvPr id="1" name=""/>
+        <p:cNvGrpSpPr/>
+        <p:nvPr/>
+      </p:nvGrpSpPr>
+      <p:grpSpPr>
+        <a:xfrm>
+          <a:off x="0" y="0"/>
+          <a:ext cx="0" cy="0"/>
+          <a:chOff x="0" y="0"/>
+          <a:chExt cx="0" cy="0"/>
+        </a:xfrm>
+      </p:grpSpPr>
+      <p:sp>
+        <p:nvSpPr>
+          <p:cNvPr id="2" name="Title 1">
+            <a:extLst>
+              <a:ext uri="{FF2B5EF4-FFF2-40B4-BE49-F238E27FC236}">
+                <a16:creationId xmlns:a16="http://schemas.microsoft.com/office/drawing/2014/main" id="{143B5247-4B5C-44D2-AE13-25DD403557B4}"/>
+              </a:ext>
+            </a:extLst>
+          </p:cNvPr>
+          <p:cNvSpPr>
+            <a:spLocks noGrp="1"/>
+          </p:cNvSpPr>
+          <p:nvPr>
+            <p:ph type="title"/>
+          </p:nvPr>
+        </p:nvSpPr>
+        <p:spPr/>
+        <p:txBody>
+          <a:bodyPr>
+            <a:normAutofit/>
+          </a:bodyPr>
+          <a:lstStyle/>
+          <a:p>
+            <a:r>
+              <a:rPr lang="en-US" dirty="0"/>
+              <a:t>Our innovation – Using Hough transform</a:t>
+            </a:r>
+          </a:p>
+        </p:txBody>
+      </p:sp>
+      <p:sp>
+        <p:nvSpPr>
+          <p:cNvPr id="3" name="Content Placeholder 2">
+            <a:extLst>
+              <a:ext uri="{FF2B5EF4-FFF2-40B4-BE49-F238E27FC236}">
+                <a16:creationId xmlns:a16="http://schemas.microsoft.com/office/drawing/2014/main" id="{8BB29A69-51F4-4CEE-B950-D3A7C19E951E}"/>
+              </a:ext>
+            </a:extLst>
+          </p:cNvPr>
+          <p:cNvSpPr>
+            <a:spLocks noGrp="1"/>
+          </p:cNvSpPr>
+          <p:nvPr>
+            <p:ph idx="1"/>
+          </p:nvPr>
+        </p:nvSpPr>
+        <p:spPr/>
+        <p:txBody>
+          <a:bodyPr>
+            <a:normAutofit/>
+          </a:bodyPr>
+          <a:lstStyle/>
+          <a:p>
+            <a:r>
+              <a:rPr lang="en-US" dirty="0"/>
+              <a:t>Our proposed modification to the process described by Fan and Li is to use the </a:t>
+            </a:r>
+            <a:r>
+              <a:rPr lang="en-US" b="1" dirty="0"/>
+              <a:t>Hough transform</a:t>
+            </a:r>
+            <a:r>
+              <a:rPr lang="en-US" dirty="0"/>
+              <a:t> instead of RANSAC in order to find parameters for multiple LFM signals at once, or to find the parameters of a single LFM signal which changes over time</a:t>
+            </a:r>
+          </a:p>
+          <a:p>
+            <a:endParaRPr lang="en-US" dirty="0"/>
+          </a:p>
+          <a:p>
+            <a:r>
+              <a:rPr lang="en-US" dirty="0"/>
+              <a:t>The Hough transform is more computationally demanding than RANSAC, but its advantage is that it can find multiple lines in one image:</a:t>
+            </a:r>
+          </a:p>
+        </p:txBody>
+      </p:sp>
+      <p:sp>
+        <p:nvSpPr>
+          <p:cNvPr id="4" name="Date Placeholder 3">
+            <a:extLst>
+              <a:ext uri="{FF2B5EF4-FFF2-40B4-BE49-F238E27FC236}">
+                <a16:creationId xmlns:a16="http://schemas.microsoft.com/office/drawing/2014/main" id="{59913B85-3B4F-43D3-A7E9-D06F5E37C6C1}"/>
+              </a:ext>
+            </a:extLst>
+          </p:cNvPr>
+          <p:cNvSpPr>
+            <a:spLocks noGrp="1"/>
+          </p:cNvSpPr>
+          <p:nvPr>
+            <p:ph type="dt" sz="half" idx="10"/>
+          </p:nvPr>
+        </p:nvSpPr>
+        <p:spPr/>
+        <p:txBody>
+          <a:bodyPr/>
+          <a:lstStyle/>
+          <a:p>
+            <a:fld id="{F736EC4A-E5B7-42C2-9943-4D2477F0E2BA}" type="datetime1">
+              <a:rPr lang="en-US" smtClean="0"/>
+              <a:t>9/28/2021</a:t>
+            </a:fld>
+            <a:endParaRPr lang="en-US" dirty="0"/>
+          </a:p>
+        </p:txBody>
+      </p:sp>
+      <p:sp>
+        <p:nvSpPr>
+          <p:cNvPr id="5" name="Footer Placeholder 4">
+            <a:extLst>
+              <a:ext uri="{FF2B5EF4-FFF2-40B4-BE49-F238E27FC236}">
+                <a16:creationId xmlns:a16="http://schemas.microsoft.com/office/drawing/2014/main" id="{C5649577-8229-4DC9-AE82-59C3A5BA0515}"/>
+              </a:ext>
+            </a:extLst>
+          </p:cNvPr>
+          <p:cNvSpPr>
+            <a:spLocks noGrp="1"/>
+          </p:cNvSpPr>
+          <p:nvPr>
+            <p:ph type="ftr" sz="quarter" idx="11"/>
+          </p:nvPr>
+        </p:nvSpPr>
+        <p:spPr/>
+        <p:txBody>
+          <a:bodyPr/>
+          <a:lstStyle/>
+          <a:p>
+            <a:r>
+              <a:rPr lang="en-US" dirty="0"/>
+              <a:t>Yarden Akaby &amp; Etai Sella</a:t>
+            </a:r>
+          </a:p>
+        </p:txBody>
+      </p:sp>
+      <p:sp>
+        <p:nvSpPr>
+          <p:cNvPr id="6" name="Slide Number Placeholder 5">
+            <a:extLst>
+              <a:ext uri="{FF2B5EF4-FFF2-40B4-BE49-F238E27FC236}">
+                <a16:creationId xmlns:a16="http://schemas.microsoft.com/office/drawing/2014/main" id="{1B57282B-C25D-48B2-A667-C1D467EB1137}"/>
+              </a:ext>
+            </a:extLst>
+          </p:cNvPr>
+          <p:cNvSpPr>
+            <a:spLocks noGrp="1"/>
+          </p:cNvSpPr>
+          <p:nvPr>
+            <p:ph type="sldNum" sz="quarter" idx="12"/>
+          </p:nvPr>
+        </p:nvSpPr>
+        <p:spPr/>
+        <p:txBody>
+          <a:bodyPr/>
+          <a:lstStyle/>
+          <a:p>
+            <a:fld id="{C629165E-D59B-453D-B763-34340D7036F6}" type="slidenum">
+              <a:rPr lang="en-US" smtClean="0"/>
+              <a:t>15</a:t>
+            </a:fld>
+            <a:endParaRPr lang="en-US" dirty="0"/>
+          </a:p>
+        </p:txBody>
+      </p:sp>
+    </p:spTree>
+    <p:extLst>
+      <p:ext uri="{BB962C8B-B14F-4D97-AF65-F5344CB8AC3E}">
+        <p14:creationId xmlns:p14="http://schemas.microsoft.com/office/powerpoint/2010/main" val="2007912869"/>
+      </p:ext>
+    </p:extLst>
+  </p:cSld>
+  <p:clrMapOvr>
+    <a:masterClrMapping/>
+  </p:clrMapOvr>
+</p:sld>
+</file>
+
+<file path=ppt/slides/slide16.xml><?xml version="1.0" encoding="utf-8"?>
+<p:sld xmlns:a="http://schemas.openxmlformats.org/drawingml/2006/main" xmlns:r="http://schemas.openxmlformats.org/officeDocument/2006/relationships" xmlns:p="http://schemas.openxmlformats.org/presentationml/2006/main">
+  <p:cSld>
+    <p:spTree>
+      <p:nvGrpSpPr>
+        <p:cNvPr id="1" name=""/>
+        <p:cNvGrpSpPr/>
+        <p:nvPr/>
+      </p:nvGrpSpPr>
+      <p:grpSpPr>
+        <a:xfrm>
+          <a:off x="0" y="0"/>
+          <a:ext cx="0" cy="0"/>
+          <a:chOff x="0" y="0"/>
+          <a:chExt cx="0" cy="0"/>
+        </a:xfrm>
+      </p:grpSpPr>
+      <p:sp>
+        <p:nvSpPr>
+          <p:cNvPr id="2" name="Title 1">
+            <a:extLst>
+              <a:ext uri="{FF2B5EF4-FFF2-40B4-BE49-F238E27FC236}">
+                <a16:creationId xmlns:a16="http://schemas.microsoft.com/office/drawing/2014/main" id="{143B5247-4B5C-44D2-AE13-25DD403557B4}"/>
+              </a:ext>
+            </a:extLst>
+          </p:cNvPr>
+          <p:cNvSpPr>
+            <a:spLocks noGrp="1"/>
+          </p:cNvSpPr>
+          <p:nvPr>
+            <p:ph type="title"/>
+          </p:nvPr>
+        </p:nvSpPr>
+        <p:spPr/>
+        <p:txBody>
+          <a:bodyPr>
+            <a:normAutofit/>
+          </a:bodyPr>
+          <a:lstStyle/>
+          <a:p>
+            <a:r>
+              <a:rPr lang="en-US" dirty="0"/>
+              <a:t>Our innovation – Using Hough transform</a:t>
+            </a:r>
+          </a:p>
+        </p:txBody>
+      </p:sp>
+      <mc:AlternateContent xmlns:mc="http://schemas.openxmlformats.org/markup-compatibility/2006">
+        <mc:Choice xmlns:a14="http://schemas.microsoft.com/office/drawing/2010/main" Requires="a14">
+          <p:sp>
+            <p:nvSpPr>
+              <p:cNvPr id="3" name="Content Placeholder 2">
+                <a:extLst>
+                  <a:ext uri="{FF2B5EF4-FFF2-40B4-BE49-F238E27FC236}">
+                    <a16:creationId xmlns:a16="http://schemas.microsoft.com/office/drawing/2014/main" id="{8BB29A69-51F4-4CEE-B950-D3A7C19E951E}"/>
+                  </a:ext>
+                </a:extLst>
+              </p:cNvPr>
+              <p:cNvSpPr>
+                <a:spLocks noGrp="1"/>
+              </p:cNvSpPr>
+              <p:nvPr>
+                <p:ph idx="1"/>
+              </p:nvPr>
+            </p:nvSpPr>
+            <p:spPr/>
+            <p:txBody>
+              <a:bodyPr>
+                <a:normAutofit/>
+              </a:bodyPr>
+              <a:lstStyle/>
+              <a:p>
+                <a:pPr marL="0" indent="0">
+                  <a:buNone/>
+                </a:pPr>
+                <a:r>
+                  <a:rPr lang="en-US" b="1" dirty="0"/>
+                  <a:t>The Hough Transform:</a:t>
+                </a:r>
+              </a:p>
+              <a:p>
+                <a:r>
+                  <a:rPr lang="en-US" dirty="0"/>
+                  <a:t>Lines can be described by </a:t>
+                </a:r>
+                <a14:m>
+                  <m:oMath xmlns:m="http://schemas.openxmlformats.org/officeDocument/2006/math">
+                    <m:r>
+                      <a:rPr lang="en-US" b="0" i="1" smtClean="0">
+                        <a:latin typeface="Cambria Math" panose="02040503050406030204" pitchFamily="18" charset="0"/>
+                      </a:rPr>
+                      <m:t>(</m:t>
+                    </m:r>
+                    <m:r>
+                      <a:rPr lang="en-US" b="0" i="1" smtClean="0">
+                        <a:latin typeface="Cambria Math" panose="02040503050406030204" pitchFamily="18" charset="0"/>
+                      </a:rPr>
+                      <m:t>𝑟</m:t>
+                    </m:r>
+                    <m:r>
+                      <a:rPr lang="en-US" b="0" i="1" smtClean="0">
+                        <a:latin typeface="Cambria Math" panose="02040503050406030204" pitchFamily="18" charset="0"/>
+                      </a:rPr>
+                      <m:t>, </m:t>
+                    </m:r>
+                    <m:r>
+                      <m:rPr>
+                        <m:sty m:val="p"/>
+                      </m:rPr>
+                      <a:rPr lang="en-US" b="0" i="0" smtClean="0">
+                        <a:latin typeface="Cambria Math" panose="02040503050406030204" pitchFamily="18" charset="0"/>
+                      </a:rPr>
+                      <m:t>Θ</m:t>
+                    </m:r>
+                    <m:r>
+                      <a:rPr lang="en-US" b="0" i="1" smtClean="0">
+                        <a:latin typeface="Cambria Math" panose="02040503050406030204" pitchFamily="18" charset="0"/>
+                      </a:rPr>
+                      <m:t>)</m:t>
+                    </m:r>
+                  </m:oMath>
+                </a14:m>
+                <a:r>
+                  <a:rPr lang="en-US" dirty="0"/>
+                  <a:t> as follows: </a:t>
+                </a:r>
+                <a14:m>
+                  <m:oMath xmlns:m="http://schemas.openxmlformats.org/officeDocument/2006/math">
+                    <m:r>
+                      <a:rPr lang="en-US" b="0" i="1" smtClean="0">
+                        <a:latin typeface="Cambria Math" panose="02040503050406030204" pitchFamily="18" charset="0"/>
+                      </a:rPr>
+                      <m:t>𝑟</m:t>
+                    </m:r>
+                    <m:r>
+                      <a:rPr lang="en-US" b="0" i="1" smtClean="0">
+                        <a:latin typeface="Cambria Math" panose="02040503050406030204" pitchFamily="18" charset="0"/>
+                      </a:rPr>
+                      <m:t>=</m:t>
+                    </m:r>
+                    <m:r>
+                      <a:rPr lang="en-US" b="0" i="1" smtClean="0">
+                        <a:latin typeface="Cambria Math" panose="02040503050406030204" pitchFamily="18" charset="0"/>
+                      </a:rPr>
+                      <m:t>𝑥𝑐𝑜𝑠</m:t>
+                    </m:r>
+                    <m:r>
+                      <m:rPr>
+                        <m:sty m:val="p"/>
+                      </m:rPr>
+                      <a:rPr lang="en-US" b="0" i="0" smtClean="0">
+                        <a:latin typeface="Cambria Math" panose="02040503050406030204" pitchFamily="18" charset="0"/>
+                      </a:rPr>
+                      <m:t>Θ</m:t>
+                    </m:r>
+                    <m:r>
+                      <a:rPr lang="en-US" b="0" i="1" smtClean="0">
+                        <a:latin typeface="Cambria Math" panose="02040503050406030204" pitchFamily="18" charset="0"/>
+                      </a:rPr>
+                      <m:t>+</m:t>
+                    </m:r>
+                    <m:r>
+                      <a:rPr lang="en-US" b="0" i="1" smtClean="0">
+                        <a:latin typeface="Cambria Math" panose="02040503050406030204" pitchFamily="18" charset="0"/>
+                      </a:rPr>
+                      <m:t>𝑦𝑠𝑖𝑛</m:t>
+                    </m:r>
+                    <m:r>
+                      <m:rPr>
+                        <m:sty m:val="p"/>
+                      </m:rPr>
+                      <a:rPr lang="en-US" b="0" i="0" smtClean="0">
+                        <a:latin typeface="Cambria Math" panose="02040503050406030204" pitchFamily="18" charset="0"/>
+                      </a:rPr>
+                      <m:t>Θ</m:t>
+                    </m:r>
+                  </m:oMath>
+                </a14:m>
+                <a:endParaRPr lang="en-US" dirty="0"/>
+              </a:p>
+              <a:p>
+                <a:pPr marL="457200" lvl="1" indent="0">
+                  <a:buNone/>
+                </a:pPr>
+                <a:endParaRPr lang="en-US" dirty="0"/>
+              </a:p>
+            </p:txBody>
+          </p:sp>
+        </mc:Choice>
+        <mc:Fallback>
+          <p:sp>
+            <p:nvSpPr>
+              <p:cNvPr id="3" name="Content Placeholder 2">
+                <a:extLst>
+                  <a:ext uri="{FF2B5EF4-FFF2-40B4-BE49-F238E27FC236}">
+                    <a16:creationId xmlns:a16="http://schemas.microsoft.com/office/drawing/2014/main" id="{8BB29A69-51F4-4CEE-B950-D3A7C19E951E}"/>
+                  </a:ext>
+                </a:extLst>
+              </p:cNvPr>
+              <p:cNvSpPr>
+                <a:spLocks noGrp="1" noRot="1" noChangeAspect="1" noMove="1" noResize="1" noEditPoints="1" noAdjustHandles="1" noChangeArrowheads="1" noChangeShapeType="1" noTextEdit="1"/>
+              </p:cNvSpPr>
+              <p:nvPr>
+                <p:ph idx="1"/>
+              </p:nvPr>
+            </p:nvSpPr>
+            <p:spPr>
+              <a:blipFill>
+                <a:blip r:embed="rId2"/>
+                <a:stretch>
+                  <a:fillRect l="-1217" t="-2241"/>
+                </a:stretch>
+              </a:blipFill>
+            </p:spPr>
+            <p:txBody>
+              <a:bodyPr/>
+              <a:lstStyle/>
+              <a:p>
+                <a:r>
+                  <a:rPr lang="en-US">
+                    <a:noFill/>
+                  </a:rPr>
+                  <a:t> </a:t>
+                </a:r>
+              </a:p>
+            </p:txBody>
+          </p:sp>
+        </mc:Fallback>
+      </mc:AlternateContent>
+      <p:sp>
+        <p:nvSpPr>
+          <p:cNvPr id="4" name="Date Placeholder 3">
+            <a:extLst>
+              <a:ext uri="{FF2B5EF4-FFF2-40B4-BE49-F238E27FC236}">
+                <a16:creationId xmlns:a16="http://schemas.microsoft.com/office/drawing/2014/main" id="{59913B85-3B4F-43D3-A7E9-D06F5E37C6C1}"/>
+              </a:ext>
+            </a:extLst>
+          </p:cNvPr>
+          <p:cNvSpPr>
+            <a:spLocks noGrp="1"/>
+          </p:cNvSpPr>
+          <p:nvPr>
+            <p:ph type="dt" sz="half" idx="10"/>
+          </p:nvPr>
+        </p:nvSpPr>
+        <p:spPr/>
+        <p:txBody>
+          <a:bodyPr/>
+          <a:lstStyle/>
+          <a:p>
+            <a:fld id="{F736EC4A-E5B7-42C2-9943-4D2477F0E2BA}" type="datetime1">
+              <a:rPr lang="en-US" smtClean="0"/>
+              <a:t>9/28/2021</a:t>
+            </a:fld>
+            <a:endParaRPr lang="en-US" dirty="0"/>
+          </a:p>
+        </p:txBody>
+      </p:sp>
+      <p:sp>
+        <p:nvSpPr>
+          <p:cNvPr id="5" name="Footer Placeholder 4">
+            <a:extLst>
+              <a:ext uri="{FF2B5EF4-FFF2-40B4-BE49-F238E27FC236}">
+                <a16:creationId xmlns:a16="http://schemas.microsoft.com/office/drawing/2014/main" id="{C5649577-8229-4DC9-AE82-59C3A5BA0515}"/>
+              </a:ext>
+            </a:extLst>
+          </p:cNvPr>
+          <p:cNvSpPr>
+            <a:spLocks noGrp="1"/>
+          </p:cNvSpPr>
+          <p:nvPr>
+            <p:ph type="ftr" sz="quarter" idx="11"/>
+          </p:nvPr>
+        </p:nvSpPr>
+        <p:spPr/>
+        <p:txBody>
+          <a:bodyPr/>
+          <a:lstStyle/>
+          <a:p>
+            <a:r>
+              <a:rPr lang="en-US" dirty="0"/>
+              <a:t>Yarden Akaby &amp; Etai Sella</a:t>
+            </a:r>
+          </a:p>
+        </p:txBody>
+      </p:sp>
+      <p:sp>
+        <p:nvSpPr>
+          <p:cNvPr id="6" name="Slide Number Placeholder 5">
+            <a:extLst>
+              <a:ext uri="{FF2B5EF4-FFF2-40B4-BE49-F238E27FC236}">
+                <a16:creationId xmlns:a16="http://schemas.microsoft.com/office/drawing/2014/main" id="{1B57282B-C25D-48B2-A667-C1D467EB1137}"/>
+              </a:ext>
+            </a:extLst>
+          </p:cNvPr>
+          <p:cNvSpPr>
+            <a:spLocks noGrp="1"/>
+          </p:cNvSpPr>
+          <p:nvPr>
+            <p:ph type="sldNum" sz="quarter" idx="12"/>
+          </p:nvPr>
+        </p:nvSpPr>
+        <p:spPr/>
+        <p:txBody>
+          <a:bodyPr/>
+          <a:lstStyle/>
+          <a:p>
+            <a:fld id="{C629165E-D59B-453D-B763-34340D7036F6}" type="slidenum">
+              <a:rPr lang="en-US" smtClean="0"/>
+              <a:t>16</a:t>
+            </a:fld>
+            <a:endParaRPr lang="en-US" dirty="0"/>
+          </a:p>
+        </p:txBody>
+      </p:sp>
+      <p:pic>
+        <p:nvPicPr>
+          <p:cNvPr id="8" name="Picture 7">
+            <a:extLst>
+              <a:ext uri="{FF2B5EF4-FFF2-40B4-BE49-F238E27FC236}">
+                <a16:creationId xmlns:a16="http://schemas.microsoft.com/office/drawing/2014/main" id="{DCDEEFDF-E607-4D1D-82C4-E19660DE7248}"/>
+              </a:ext>
+            </a:extLst>
+          </p:cNvPr>
+          <p:cNvPicPr>
+            <a:picLocks noChangeAspect="1"/>
+          </p:cNvPicPr>
+          <p:nvPr/>
+        </p:nvPicPr>
+        <p:blipFill>
+          <a:blip r:embed="rId3"/>
+          <a:stretch>
+            <a:fillRect/>
+          </a:stretch>
+        </p:blipFill>
+        <p:spPr>
+          <a:xfrm>
+            <a:off x="4762314" y="2930558"/>
+            <a:ext cx="2667372" cy="2229161"/>
+          </a:xfrm>
+          <a:prstGeom prst="rect">
+            <a:avLst/>
+          </a:prstGeom>
+        </p:spPr>
+      </p:pic>
+    </p:spTree>
+    <p:extLst>
+      <p:ext uri="{BB962C8B-B14F-4D97-AF65-F5344CB8AC3E}">
+        <p14:creationId xmlns:p14="http://schemas.microsoft.com/office/powerpoint/2010/main" val="3748974271"/>
+      </p:ext>
+    </p:extLst>
+  </p:cSld>
+  <p:clrMapOvr>
+    <a:masterClrMapping/>
+  </p:clrMapOvr>
+</p:sld>
+</file>
+
+<file path=ppt/slides/slide17.xml><?xml version="1.0" encoding="utf-8"?>
+<p:sld xmlns:a="http://schemas.openxmlformats.org/drawingml/2006/main" xmlns:r="http://schemas.openxmlformats.org/officeDocument/2006/relationships" xmlns:p="http://schemas.openxmlformats.org/presentationml/2006/main">
+  <p:cSld>
+    <p:spTree>
+      <p:nvGrpSpPr>
+        <p:cNvPr id="1" name=""/>
+        <p:cNvGrpSpPr/>
+        <p:nvPr/>
+      </p:nvGrpSpPr>
+      <p:grpSpPr>
+        <a:xfrm>
+          <a:off x="0" y="0"/>
+          <a:ext cx="0" cy="0"/>
+          <a:chOff x="0" y="0"/>
+          <a:chExt cx="0" cy="0"/>
+        </a:xfrm>
+      </p:grpSpPr>
+      <p:sp>
+        <p:nvSpPr>
+          <p:cNvPr id="2" name="Title 1">
+            <a:extLst>
+              <a:ext uri="{FF2B5EF4-FFF2-40B4-BE49-F238E27FC236}">
+                <a16:creationId xmlns:a16="http://schemas.microsoft.com/office/drawing/2014/main" id="{143B5247-4B5C-44D2-AE13-25DD403557B4}"/>
+              </a:ext>
+            </a:extLst>
+          </p:cNvPr>
+          <p:cNvSpPr>
+            <a:spLocks noGrp="1"/>
+          </p:cNvSpPr>
+          <p:nvPr>
+            <p:ph type="title"/>
+          </p:nvPr>
+        </p:nvSpPr>
+        <p:spPr/>
+        <p:txBody>
+          <a:bodyPr>
+            <a:normAutofit/>
+          </a:bodyPr>
+          <a:lstStyle/>
+          <a:p>
+            <a:r>
+              <a:rPr lang="en-US" dirty="0"/>
+              <a:t>Our innovation – Using Hough transform</a:t>
+            </a:r>
+          </a:p>
+        </p:txBody>
+      </p:sp>
+      <mc:AlternateContent xmlns:mc="http://schemas.openxmlformats.org/markup-compatibility/2006">
+        <mc:Choice xmlns:a14="http://schemas.microsoft.com/office/drawing/2010/main" Requires="a14">
+          <p:sp>
+            <p:nvSpPr>
+              <p:cNvPr id="3" name="Content Placeholder 2">
+                <a:extLst>
+                  <a:ext uri="{FF2B5EF4-FFF2-40B4-BE49-F238E27FC236}">
+                    <a16:creationId xmlns:a16="http://schemas.microsoft.com/office/drawing/2014/main" id="{8BB29A69-51F4-4CEE-B950-D3A7C19E951E}"/>
+                  </a:ext>
+                </a:extLst>
+              </p:cNvPr>
+              <p:cNvSpPr>
+                <a:spLocks noGrp="1"/>
+              </p:cNvSpPr>
+              <p:nvPr>
+                <p:ph idx="1"/>
+              </p:nvPr>
+            </p:nvSpPr>
+            <p:spPr/>
+            <p:txBody>
+              <a:bodyPr>
+                <a:normAutofit/>
+              </a:bodyPr>
+              <a:lstStyle/>
+              <a:p>
+                <a:pPr marL="0" indent="0">
+                  <a:buNone/>
+                </a:pPr>
+                <a:r>
+                  <a:rPr lang="en-US" b="1" dirty="0"/>
+                  <a:t>The Hough Transform:</a:t>
+                </a:r>
+              </a:p>
+              <a:p>
+                <a:r>
+                  <a:rPr lang="en-US" dirty="0"/>
+                  <a:t>In the Hough transform a matrix of </a:t>
+                </a:r>
+                <a14:m>
+                  <m:oMath xmlns:m="http://schemas.openxmlformats.org/officeDocument/2006/math">
+                    <m:r>
+                      <a:rPr lang="en-US" b="0" i="1" smtClean="0">
+                        <a:latin typeface="Cambria Math" panose="02040503050406030204" pitchFamily="18" charset="0"/>
+                      </a:rPr>
+                      <m:t>𝑟</m:t>
+                    </m:r>
+                    <m:r>
+                      <a:rPr lang="en-US" b="0" i="1" smtClean="0">
+                        <a:latin typeface="Cambria Math" panose="02040503050406030204" pitchFamily="18" charset="0"/>
+                      </a:rPr>
+                      <m:t> </m:t>
+                    </m:r>
+                  </m:oMath>
+                </a14:m>
+                <a:r>
+                  <a:rPr lang="en-US" dirty="0"/>
+                  <a:t>and </a:t>
+                </a:r>
+                <a14:m>
+                  <m:oMath xmlns:m="http://schemas.openxmlformats.org/officeDocument/2006/math">
+                    <m:r>
+                      <m:rPr>
+                        <m:sty m:val="p"/>
+                      </m:rPr>
+                      <a:rPr lang="en-US" b="0" i="0" smtClean="0">
+                        <a:latin typeface="Cambria Math" panose="02040503050406030204" pitchFamily="18" charset="0"/>
+                      </a:rPr>
+                      <m:t>Θ</m:t>
+                    </m:r>
+                  </m:oMath>
+                </a14:m>
+                <a:r>
+                  <a:rPr lang="en-US" dirty="0"/>
+                  <a:t> is created</a:t>
+                </a:r>
+              </a:p>
+              <a:p>
+                <a:r>
+                  <a:rPr lang="en-US" dirty="0"/>
+                  <a:t>For each element in the matrix the transform checks how many pixels are “hit” in a binary image. The number of these “hits” is saved in the matrix</a:t>
+                </a:r>
+              </a:p>
+              <a:p>
+                <a:r>
+                  <a:rPr lang="en-US" dirty="0"/>
+                  <a:t>The local </a:t>
+                </a:r>
+                <a:r>
+                  <a:rPr lang="en-US" dirty="0" err="1"/>
+                  <a:t>maximas</a:t>
+                </a:r>
+                <a:r>
+                  <a:rPr lang="en-US" dirty="0"/>
+                  <a:t> of this matrix correspond with the most significant lines in the image:</a:t>
+                </a:r>
+              </a:p>
+              <a:p>
+                <a:endParaRPr lang="en-US" dirty="0"/>
+              </a:p>
+              <a:p>
+                <a:pPr marL="457200" lvl="1" indent="0">
+                  <a:buNone/>
+                </a:pPr>
+                <a:endParaRPr lang="en-US" dirty="0"/>
+              </a:p>
+            </p:txBody>
+          </p:sp>
+        </mc:Choice>
+        <mc:Fallback>
+          <p:sp>
+            <p:nvSpPr>
+              <p:cNvPr id="3" name="Content Placeholder 2">
+                <a:extLst>
+                  <a:ext uri="{FF2B5EF4-FFF2-40B4-BE49-F238E27FC236}">
+                    <a16:creationId xmlns:a16="http://schemas.microsoft.com/office/drawing/2014/main" id="{8BB29A69-51F4-4CEE-B950-D3A7C19E951E}"/>
+                  </a:ext>
+                </a:extLst>
+              </p:cNvPr>
+              <p:cNvSpPr>
+                <a:spLocks noGrp="1" noRot="1" noChangeAspect="1" noMove="1" noResize="1" noEditPoints="1" noAdjustHandles="1" noChangeArrowheads="1" noChangeShapeType="1" noTextEdit="1"/>
+              </p:cNvSpPr>
+              <p:nvPr>
+                <p:ph idx="1"/>
+              </p:nvPr>
+            </p:nvSpPr>
+            <p:spPr>
+              <a:blipFill>
+                <a:blip r:embed="rId2"/>
+                <a:stretch>
+                  <a:fillRect l="-1217" t="-2241" r="-754"/>
+                </a:stretch>
+              </a:blipFill>
+            </p:spPr>
+            <p:txBody>
+              <a:bodyPr/>
+              <a:lstStyle/>
+              <a:p>
+                <a:r>
+                  <a:rPr lang="en-US">
+                    <a:noFill/>
+                  </a:rPr>
+                  <a:t> </a:t>
+                </a:r>
+              </a:p>
+            </p:txBody>
+          </p:sp>
+        </mc:Fallback>
+      </mc:AlternateContent>
+      <p:sp>
+        <p:nvSpPr>
+          <p:cNvPr id="4" name="Date Placeholder 3">
+            <a:extLst>
+              <a:ext uri="{FF2B5EF4-FFF2-40B4-BE49-F238E27FC236}">
+                <a16:creationId xmlns:a16="http://schemas.microsoft.com/office/drawing/2014/main" id="{59913B85-3B4F-43D3-A7E9-D06F5E37C6C1}"/>
+              </a:ext>
+            </a:extLst>
+          </p:cNvPr>
+          <p:cNvSpPr>
+            <a:spLocks noGrp="1"/>
+          </p:cNvSpPr>
+          <p:nvPr>
+            <p:ph type="dt" sz="half" idx="10"/>
+          </p:nvPr>
+        </p:nvSpPr>
+        <p:spPr/>
+        <p:txBody>
+          <a:bodyPr/>
+          <a:lstStyle/>
+          <a:p>
+            <a:fld id="{F736EC4A-E5B7-42C2-9943-4D2477F0E2BA}" type="datetime1">
+              <a:rPr lang="en-US" smtClean="0"/>
+              <a:t>9/28/2021</a:t>
+            </a:fld>
+            <a:endParaRPr lang="en-US" dirty="0"/>
+          </a:p>
+        </p:txBody>
+      </p:sp>
+      <p:sp>
+        <p:nvSpPr>
+          <p:cNvPr id="5" name="Footer Placeholder 4">
+            <a:extLst>
+              <a:ext uri="{FF2B5EF4-FFF2-40B4-BE49-F238E27FC236}">
+                <a16:creationId xmlns:a16="http://schemas.microsoft.com/office/drawing/2014/main" id="{C5649577-8229-4DC9-AE82-59C3A5BA0515}"/>
+              </a:ext>
+            </a:extLst>
+          </p:cNvPr>
+          <p:cNvSpPr>
+            <a:spLocks noGrp="1"/>
+          </p:cNvSpPr>
+          <p:nvPr>
+            <p:ph type="ftr" sz="quarter" idx="11"/>
+          </p:nvPr>
+        </p:nvSpPr>
+        <p:spPr/>
+        <p:txBody>
+          <a:bodyPr/>
+          <a:lstStyle/>
+          <a:p>
+            <a:r>
+              <a:rPr lang="en-US" dirty="0"/>
+              <a:t>Yarden Akaby &amp; Etai Sella</a:t>
+            </a:r>
+          </a:p>
+        </p:txBody>
+      </p:sp>
+      <p:sp>
+        <p:nvSpPr>
+          <p:cNvPr id="6" name="Slide Number Placeholder 5">
+            <a:extLst>
+              <a:ext uri="{FF2B5EF4-FFF2-40B4-BE49-F238E27FC236}">
+                <a16:creationId xmlns:a16="http://schemas.microsoft.com/office/drawing/2014/main" id="{1B57282B-C25D-48B2-A667-C1D467EB1137}"/>
+              </a:ext>
+            </a:extLst>
+          </p:cNvPr>
+          <p:cNvSpPr>
+            <a:spLocks noGrp="1"/>
+          </p:cNvSpPr>
+          <p:nvPr>
+            <p:ph type="sldNum" sz="quarter" idx="12"/>
+          </p:nvPr>
+        </p:nvSpPr>
+        <p:spPr/>
+        <p:txBody>
+          <a:bodyPr/>
+          <a:lstStyle/>
+          <a:p>
+            <a:fld id="{C629165E-D59B-453D-B763-34340D7036F6}" type="slidenum">
+              <a:rPr lang="en-US" smtClean="0"/>
+              <a:t>17</a:t>
+            </a:fld>
+            <a:endParaRPr lang="en-US" dirty="0"/>
+          </a:p>
+        </p:txBody>
+      </p:sp>
+    </p:spTree>
+    <p:extLst>
+      <p:ext uri="{BB962C8B-B14F-4D97-AF65-F5344CB8AC3E}">
+        <p14:creationId xmlns:p14="http://schemas.microsoft.com/office/powerpoint/2010/main" val="4237881806"/>
+      </p:ext>
+    </p:extLst>
+  </p:cSld>
+  <p:clrMapOvr>
+    <a:masterClrMapping/>
+  </p:clrMapOvr>
+</p:sld>
+</file>
+
+<file path=ppt/slides/slide18.xml><?xml version="1.0" encoding="utf-8"?>
+<p:sld xmlns:a="http://schemas.openxmlformats.org/drawingml/2006/main" xmlns:r="http://schemas.openxmlformats.org/officeDocument/2006/relationships" xmlns:p="http://schemas.openxmlformats.org/presentationml/2006/main">
+  <p:cSld>
+    <p:spTree>
+      <p:nvGrpSpPr>
+        <p:cNvPr id="1" name=""/>
+        <p:cNvGrpSpPr/>
+        <p:nvPr/>
+      </p:nvGrpSpPr>
+      <p:grpSpPr>
+        <a:xfrm>
+          <a:off x="0" y="0"/>
+          <a:ext cx="0" cy="0"/>
+          <a:chOff x="0" y="0"/>
+          <a:chExt cx="0" cy="0"/>
+        </a:xfrm>
+      </p:grpSpPr>
+      <p:sp>
+        <p:nvSpPr>
+          <p:cNvPr id="2" name="Title 1">
+            <a:extLst>
+              <a:ext uri="{FF2B5EF4-FFF2-40B4-BE49-F238E27FC236}">
+                <a16:creationId xmlns:a16="http://schemas.microsoft.com/office/drawing/2014/main" id="{143B5247-4B5C-44D2-AE13-25DD403557B4}"/>
+              </a:ext>
+            </a:extLst>
+          </p:cNvPr>
+          <p:cNvSpPr>
+            <a:spLocks noGrp="1"/>
+          </p:cNvSpPr>
+          <p:nvPr>
+            <p:ph type="title"/>
+          </p:nvPr>
+        </p:nvSpPr>
+        <p:spPr/>
+        <p:txBody>
+          <a:bodyPr>
+            <a:normAutofit/>
+          </a:bodyPr>
+          <a:lstStyle/>
+          <a:p>
+            <a:r>
+              <a:rPr lang="en-US" dirty="0"/>
+              <a:t>Our innovation – Using Hough transform</a:t>
+            </a:r>
+          </a:p>
+        </p:txBody>
+      </p:sp>
+      <p:sp>
+        <p:nvSpPr>
+          <p:cNvPr id="3" name="Content Placeholder 2">
+            <a:extLst>
+              <a:ext uri="{FF2B5EF4-FFF2-40B4-BE49-F238E27FC236}">
+                <a16:creationId xmlns:a16="http://schemas.microsoft.com/office/drawing/2014/main" id="{8BB29A69-51F4-4CEE-B950-D3A7C19E951E}"/>
+              </a:ext>
+            </a:extLst>
+          </p:cNvPr>
+          <p:cNvSpPr>
+            <a:spLocks noGrp="1"/>
+          </p:cNvSpPr>
+          <p:nvPr>
+            <p:ph idx="1"/>
+          </p:nvPr>
+        </p:nvSpPr>
+        <p:spPr/>
+        <p:txBody>
+          <a:bodyPr>
+            <a:normAutofit/>
+          </a:bodyPr>
+          <a:lstStyle/>
+          <a:p>
+            <a:pPr marL="0" indent="0">
+              <a:buNone/>
+            </a:pPr>
+            <a:r>
+              <a:rPr lang="en-US" b="1" dirty="0"/>
+              <a:t>The Hough Transform:</a:t>
+            </a:r>
+          </a:p>
+          <a:p>
+            <a:pPr marL="0" indent="0">
+              <a:buNone/>
+            </a:pPr>
+            <a:endParaRPr lang="en-US" dirty="0"/>
+          </a:p>
+          <a:p>
+            <a:pPr marL="457200" lvl="1" indent="0">
+              <a:buNone/>
+            </a:pPr>
+            <a:endParaRPr lang="en-US" dirty="0"/>
+          </a:p>
+        </p:txBody>
+      </p:sp>
+      <p:sp>
+        <p:nvSpPr>
+          <p:cNvPr id="4" name="Date Placeholder 3">
+            <a:extLst>
+              <a:ext uri="{FF2B5EF4-FFF2-40B4-BE49-F238E27FC236}">
+                <a16:creationId xmlns:a16="http://schemas.microsoft.com/office/drawing/2014/main" id="{59913B85-3B4F-43D3-A7E9-D06F5E37C6C1}"/>
+              </a:ext>
+            </a:extLst>
+          </p:cNvPr>
+          <p:cNvSpPr>
+            <a:spLocks noGrp="1"/>
+          </p:cNvSpPr>
+          <p:nvPr>
+            <p:ph type="dt" sz="half" idx="10"/>
+          </p:nvPr>
+        </p:nvSpPr>
+        <p:spPr/>
+        <p:txBody>
+          <a:bodyPr/>
+          <a:lstStyle/>
+          <a:p>
+            <a:fld id="{F736EC4A-E5B7-42C2-9943-4D2477F0E2BA}" type="datetime1">
+              <a:rPr lang="en-US" smtClean="0"/>
+              <a:t>9/28/2021</a:t>
+            </a:fld>
+            <a:endParaRPr lang="en-US" dirty="0"/>
+          </a:p>
+        </p:txBody>
+      </p:sp>
+      <p:sp>
+        <p:nvSpPr>
+          <p:cNvPr id="5" name="Footer Placeholder 4">
+            <a:extLst>
+              <a:ext uri="{FF2B5EF4-FFF2-40B4-BE49-F238E27FC236}">
+                <a16:creationId xmlns:a16="http://schemas.microsoft.com/office/drawing/2014/main" id="{C5649577-8229-4DC9-AE82-59C3A5BA0515}"/>
+              </a:ext>
+            </a:extLst>
+          </p:cNvPr>
+          <p:cNvSpPr>
+            <a:spLocks noGrp="1"/>
+          </p:cNvSpPr>
+          <p:nvPr>
+            <p:ph type="ftr" sz="quarter" idx="11"/>
+          </p:nvPr>
+        </p:nvSpPr>
+        <p:spPr/>
+        <p:txBody>
+          <a:bodyPr/>
+          <a:lstStyle/>
+          <a:p>
+            <a:r>
+              <a:rPr lang="en-US" dirty="0"/>
+              <a:t>Yarden Akaby &amp; Etai Sella</a:t>
+            </a:r>
+          </a:p>
+        </p:txBody>
+      </p:sp>
+      <p:sp>
+        <p:nvSpPr>
+          <p:cNvPr id="6" name="Slide Number Placeholder 5">
+            <a:extLst>
+              <a:ext uri="{FF2B5EF4-FFF2-40B4-BE49-F238E27FC236}">
+                <a16:creationId xmlns:a16="http://schemas.microsoft.com/office/drawing/2014/main" id="{1B57282B-C25D-48B2-A667-C1D467EB1137}"/>
+              </a:ext>
+            </a:extLst>
+          </p:cNvPr>
+          <p:cNvSpPr>
+            <a:spLocks noGrp="1"/>
+          </p:cNvSpPr>
+          <p:nvPr>
+            <p:ph type="sldNum" sz="quarter" idx="12"/>
+          </p:nvPr>
+        </p:nvSpPr>
+        <p:spPr/>
+        <p:txBody>
+          <a:bodyPr/>
+          <a:lstStyle/>
+          <a:p>
+            <a:fld id="{C629165E-D59B-453D-B763-34340D7036F6}" type="slidenum">
+              <a:rPr lang="en-US" smtClean="0"/>
+              <a:t>18</a:t>
+            </a:fld>
+            <a:endParaRPr lang="en-US" dirty="0"/>
+          </a:p>
+        </p:txBody>
+      </p:sp>
+      <p:pic>
+        <p:nvPicPr>
+          <p:cNvPr id="8" name="Picture 7">
+            <a:extLst>
+              <a:ext uri="{FF2B5EF4-FFF2-40B4-BE49-F238E27FC236}">
+                <a16:creationId xmlns:a16="http://schemas.microsoft.com/office/drawing/2014/main" id="{2089E98C-BB6E-4C06-B6C6-ED7A34AD2F25}"/>
+              </a:ext>
+            </a:extLst>
+          </p:cNvPr>
+          <p:cNvPicPr>
+            <a:picLocks noChangeAspect="1"/>
+          </p:cNvPicPr>
+          <p:nvPr/>
+        </p:nvPicPr>
+        <p:blipFill>
+          <a:blip r:embed="rId2"/>
+          <a:stretch>
+            <a:fillRect/>
+          </a:stretch>
+        </p:blipFill>
+        <p:spPr>
+          <a:xfrm>
+            <a:off x="2039194" y="2074113"/>
+            <a:ext cx="8113612" cy="3934309"/>
+          </a:xfrm>
+          <a:prstGeom prst="rect">
+            <a:avLst/>
+          </a:prstGeom>
+        </p:spPr>
+      </p:pic>
+    </p:spTree>
+    <p:extLst>
+      <p:ext uri="{BB962C8B-B14F-4D97-AF65-F5344CB8AC3E}">
+        <p14:creationId xmlns:p14="http://schemas.microsoft.com/office/powerpoint/2010/main" val="648406089"/>
+      </p:ext>
+    </p:extLst>
+  </p:cSld>
+  <p:clrMapOvr>
+    <a:masterClrMapping/>
+  </p:clrMapOvr>
+</p:sld>
+</file>
+
+<file path=ppt/slides/slide19.xml><?xml version="1.0" encoding="utf-8"?>
+<p:sld xmlns:a="http://schemas.openxmlformats.org/drawingml/2006/main" xmlns:r="http://schemas.openxmlformats.org/officeDocument/2006/relationships" xmlns:p="http://schemas.openxmlformats.org/presentationml/2006/main">
+  <p:cSld>
+    <p:spTree>
+      <p:nvGrpSpPr>
+        <p:cNvPr id="1" name=""/>
+        <p:cNvGrpSpPr/>
+        <p:nvPr/>
+      </p:nvGrpSpPr>
+      <p:grpSpPr>
+        <a:xfrm>
+          <a:off x="0" y="0"/>
+          <a:ext cx="0" cy="0"/>
+          <a:chOff x="0" y="0"/>
+          <a:chExt cx="0" cy="0"/>
+        </a:xfrm>
+      </p:grpSpPr>
+      <p:sp>
+        <p:nvSpPr>
+          <p:cNvPr id="2" name="Title 1">
+            <a:extLst>
+              <a:ext uri="{FF2B5EF4-FFF2-40B4-BE49-F238E27FC236}">
+                <a16:creationId xmlns:a16="http://schemas.microsoft.com/office/drawing/2014/main" id="{143B5247-4B5C-44D2-AE13-25DD403557B4}"/>
+              </a:ext>
+            </a:extLst>
+          </p:cNvPr>
+          <p:cNvSpPr>
+            <a:spLocks noGrp="1"/>
+          </p:cNvSpPr>
+          <p:nvPr>
+            <p:ph type="title"/>
+          </p:nvPr>
+        </p:nvSpPr>
+        <p:spPr/>
+        <p:txBody>
+          <a:bodyPr>
+            <a:normAutofit/>
+          </a:bodyPr>
+          <a:lstStyle/>
+          <a:p>
+            <a:r>
+              <a:rPr lang="en-US" dirty="0"/>
+              <a:t>Our innovation – Using Hough transform</a:t>
+            </a:r>
+          </a:p>
+        </p:txBody>
+      </p:sp>
+      <p:sp>
+        <p:nvSpPr>
+          <p:cNvPr id="3" name="Content Placeholder 2">
+            <a:extLst>
+              <a:ext uri="{FF2B5EF4-FFF2-40B4-BE49-F238E27FC236}">
+                <a16:creationId xmlns:a16="http://schemas.microsoft.com/office/drawing/2014/main" id="{8BB29A69-51F4-4CEE-B950-D3A7C19E951E}"/>
+              </a:ext>
+            </a:extLst>
+          </p:cNvPr>
+          <p:cNvSpPr>
+            <a:spLocks noGrp="1"/>
+          </p:cNvSpPr>
+          <p:nvPr>
+            <p:ph idx="1"/>
+          </p:nvPr>
+        </p:nvSpPr>
+        <p:spPr/>
+        <p:txBody>
+          <a:bodyPr>
+            <a:normAutofit/>
+          </a:bodyPr>
+          <a:lstStyle/>
+          <a:p>
+            <a:pPr marL="0" indent="0">
+              <a:buNone/>
+            </a:pPr>
+            <a:r>
+              <a:rPr lang="en-US" b="1" dirty="0"/>
+              <a:t>Parameter changes mid-chirp:</a:t>
+            </a:r>
+          </a:p>
+          <a:p>
+            <a:r>
+              <a:rPr lang="en-US" dirty="0"/>
+              <a:t>As part of our modification, we suggest a system that fits parameters to different sections of a chirp signal which changes “mid-chirp”:</a:t>
+            </a:r>
+          </a:p>
+          <a:p>
+            <a:endParaRPr lang="en-US" dirty="0"/>
+          </a:p>
+          <a:p>
+            <a:pPr marL="0" indent="0">
+              <a:buNone/>
+            </a:pPr>
+            <a:endParaRPr lang="en-US" dirty="0"/>
+          </a:p>
+          <a:p>
+            <a:pPr marL="457200" lvl="1" indent="0">
+              <a:buNone/>
+            </a:pPr>
+            <a:endParaRPr lang="en-US" dirty="0"/>
+          </a:p>
+        </p:txBody>
+      </p:sp>
+      <p:sp>
+        <p:nvSpPr>
+          <p:cNvPr id="4" name="Date Placeholder 3">
+            <a:extLst>
+              <a:ext uri="{FF2B5EF4-FFF2-40B4-BE49-F238E27FC236}">
+                <a16:creationId xmlns:a16="http://schemas.microsoft.com/office/drawing/2014/main" id="{59913B85-3B4F-43D3-A7E9-D06F5E37C6C1}"/>
+              </a:ext>
+            </a:extLst>
+          </p:cNvPr>
+          <p:cNvSpPr>
+            <a:spLocks noGrp="1"/>
+          </p:cNvSpPr>
+          <p:nvPr>
+            <p:ph type="dt" sz="half" idx="10"/>
+          </p:nvPr>
+        </p:nvSpPr>
+        <p:spPr/>
+        <p:txBody>
+          <a:bodyPr/>
+          <a:lstStyle/>
+          <a:p>
+            <a:fld id="{F736EC4A-E5B7-42C2-9943-4D2477F0E2BA}" type="datetime1">
+              <a:rPr lang="en-US" smtClean="0"/>
+              <a:t>9/28/2021</a:t>
+            </a:fld>
+            <a:endParaRPr lang="en-US" dirty="0"/>
+          </a:p>
+        </p:txBody>
+      </p:sp>
+      <p:sp>
+        <p:nvSpPr>
+          <p:cNvPr id="5" name="Footer Placeholder 4">
+            <a:extLst>
+              <a:ext uri="{FF2B5EF4-FFF2-40B4-BE49-F238E27FC236}">
+                <a16:creationId xmlns:a16="http://schemas.microsoft.com/office/drawing/2014/main" id="{C5649577-8229-4DC9-AE82-59C3A5BA0515}"/>
+              </a:ext>
+            </a:extLst>
+          </p:cNvPr>
+          <p:cNvSpPr>
+            <a:spLocks noGrp="1"/>
+          </p:cNvSpPr>
+          <p:nvPr>
+            <p:ph type="ftr" sz="quarter" idx="11"/>
+          </p:nvPr>
+        </p:nvSpPr>
+        <p:spPr/>
+        <p:txBody>
+          <a:bodyPr/>
+          <a:lstStyle/>
+          <a:p>
+            <a:r>
+              <a:rPr lang="en-US" dirty="0"/>
+              <a:t>Yarden Akaby &amp; Etai Sella</a:t>
+            </a:r>
+          </a:p>
+        </p:txBody>
+      </p:sp>
+      <p:sp>
+        <p:nvSpPr>
+          <p:cNvPr id="6" name="Slide Number Placeholder 5">
+            <a:extLst>
+              <a:ext uri="{FF2B5EF4-FFF2-40B4-BE49-F238E27FC236}">
+                <a16:creationId xmlns:a16="http://schemas.microsoft.com/office/drawing/2014/main" id="{1B57282B-C25D-48B2-A667-C1D467EB1137}"/>
+              </a:ext>
+            </a:extLst>
+          </p:cNvPr>
+          <p:cNvSpPr>
+            <a:spLocks noGrp="1"/>
+          </p:cNvSpPr>
+          <p:nvPr>
+            <p:ph type="sldNum" sz="quarter" idx="12"/>
+          </p:nvPr>
+        </p:nvSpPr>
+        <p:spPr/>
+        <p:txBody>
+          <a:bodyPr/>
+          <a:lstStyle/>
+          <a:p>
+            <a:fld id="{C629165E-D59B-453D-B763-34340D7036F6}" type="slidenum">
+              <a:rPr lang="en-US" smtClean="0"/>
+              <a:t>19</a:t>
+            </a:fld>
+            <a:endParaRPr lang="en-US" dirty="0"/>
+          </a:p>
+        </p:txBody>
+      </p:sp>
+      <p:pic>
+        <p:nvPicPr>
+          <p:cNvPr id="9" name="Picture 8">
+            <a:extLst>
+              <a:ext uri="{FF2B5EF4-FFF2-40B4-BE49-F238E27FC236}">
+                <a16:creationId xmlns:a16="http://schemas.microsoft.com/office/drawing/2014/main" id="{E7BF8A29-806B-4E03-BD08-9C9DDF5F115A}"/>
+              </a:ext>
+            </a:extLst>
+          </p:cNvPr>
+          <p:cNvPicPr>
+            <a:picLocks noChangeAspect="1"/>
+          </p:cNvPicPr>
+          <p:nvPr/>
+        </p:nvPicPr>
+        <p:blipFill>
+          <a:blip r:embed="rId3"/>
+          <a:stretch>
+            <a:fillRect/>
+          </a:stretch>
+        </p:blipFill>
+        <p:spPr>
+          <a:xfrm>
+            <a:off x="3234929" y="2905817"/>
+            <a:ext cx="5451871" cy="3203677"/>
+          </a:xfrm>
+          <a:prstGeom prst="rect">
+            <a:avLst/>
+          </a:prstGeom>
+        </p:spPr>
+      </p:pic>
+    </p:spTree>
+    <p:extLst>
+      <p:ext uri="{BB962C8B-B14F-4D97-AF65-F5344CB8AC3E}">
+        <p14:creationId xmlns:p14="http://schemas.microsoft.com/office/powerpoint/2010/main" val="1501561523"/>
       </p:ext>
     </p:extLst>
   </p:cSld>
@@ -4105,7 +8031,7 @@
             </a:pPr>
             <a:r>
               <a:rPr lang="en-US" dirty="0"/>
-              <a:t>Conclusion</a:t>
+              <a:t>Conclusions</a:t>
             </a:r>
           </a:p>
           <a:p>
@@ -4139,7 +8065,7 @@
           <a:p>
             <a:fld id="{6590B5CF-03C4-4DB5-B1EC-5C9E3BE40147}" type="datetime1">
               <a:rPr lang="en-US" smtClean="0"/>
-              <a:t>9/11/2021</a:t>
+              <a:t>9/28/2021</a:t>
             </a:fld>
             <a:endParaRPr lang="en-US" dirty="0"/>
           </a:p>
@@ -4167,12 +8093,8 @@
           <a:lstStyle/>
           <a:p>
             <a:r>
-              <a:rPr lang="en-US" dirty="0" err="1"/>
-              <a:t>Yarden</a:t>
-            </a:r>
-            <a:r>
-              <a:rPr lang="en-US" dirty="0"/>
-              <a:t> Akebi &amp; Etai Sella</a:t>
+              <a:rPr lang="en-US" dirty="0"/>
+              <a:t>Yarden Akaby &amp; Etai Sella</a:t>
             </a:r>
           </a:p>
         </p:txBody>
@@ -4210,6 +8132,1925 @@
     <p:extLst>
       <p:ext uri="{BB962C8B-B14F-4D97-AF65-F5344CB8AC3E}">
         <p14:creationId xmlns:p14="http://schemas.microsoft.com/office/powerpoint/2010/main" val="63642957"/>
+      </p:ext>
+    </p:extLst>
+  </p:cSld>
+  <p:clrMapOvr>
+    <a:masterClrMapping/>
+  </p:clrMapOvr>
+</p:sld>
+</file>
+
+<file path=ppt/slides/slide20.xml><?xml version="1.0" encoding="utf-8"?>
+<p:sld xmlns:a="http://schemas.openxmlformats.org/drawingml/2006/main" xmlns:r="http://schemas.openxmlformats.org/officeDocument/2006/relationships" xmlns:p="http://schemas.openxmlformats.org/presentationml/2006/main">
+  <p:cSld>
+    <p:spTree>
+      <p:nvGrpSpPr>
+        <p:cNvPr id="1" name=""/>
+        <p:cNvGrpSpPr/>
+        <p:nvPr/>
+      </p:nvGrpSpPr>
+      <p:grpSpPr>
+        <a:xfrm>
+          <a:off x="0" y="0"/>
+          <a:ext cx="0" cy="0"/>
+          <a:chOff x="0" y="0"/>
+          <a:chExt cx="0" cy="0"/>
+        </a:xfrm>
+      </p:grpSpPr>
+      <p:sp>
+        <p:nvSpPr>
+          <p:cNvPr id="2" name="Title 1">
+            <a:extLst>
+              <a:ext uri="{FF2B5EF4-FFF2-40B4-BE49-F238E27FC236}">
+                <a16:creationId xmlns:a16="http://schemas.microsoft.com/office/drawing/2014/main" id="{143B5247-4B5C-44D2-AE13-25DD403557B4}"/>
+              </a:ext>
+            </a:extLst>
+          </p:cNvPr>
+          <p:cNvSpPr>
+            <a:spLocks noGrp="1"/>
+          </p:cNvSpPr>
+          <p:nvPr>
+            <p:ph type="title"/>
+          </p:nvPr>
+        </p:nvSpPr>
+        <p:spPr/>
+        <p:txBody>
+          <a:bodyPr>
+            <a:normAutofit/>
+          </a:bodyPr>
+          <a:lstStyle/>
+          <a:p>
+            <a:r>
+              <a:rPr lang="en-US" dirty="0"/>
+              <a:t>Our innovation – Using Hough transform</a:t>
+            </a:r>
+          </a:p>
+        </p:txBody>
+      </p:sp>
+      <p:sp>
+        <p:nvSpPr>
+          <p:cNvPr id="3" name="Content Placeholder 2">
+            <a:extLst>
+              <a:ext uri="{FF2B5EF4-FFF2-40B4-BE49-F238E27FC236}">
+                <a16:creationId xmlns:a16="http://schemas.microsoft.com/office/drawing/2014/main" id="{8BB29A69-51F4-4CEE-B950-D3A7C19E951E}"/>
+              </a:ext>
+            </a:extLst>
+          </p:cNvPr>
+          <p:cNvSpPr>
+            <a:spLocks noGrp="1"/>
+          </p:cNvSpPr>
+          <p:nvPr>
+            <p:ph idx="1"/>
+          </p:nvPr>
+        </p:nvSpPr>
+        <p:spPr/>
+        <p:txBody>
+          <a:bodyPr>
+            <a:normAutofit/>
+          </a:bodyPr>
+          <a:lstStyle/>
+          <a:p>
+            <a:pPr marL="0" indent="0">
+              <a:buNone/>
+            </a:pPr>
+            <a:r>
+              <a:rPr lang="en-US" b="1" dirty="0"/>
+              <a:t>Parameter changes mid-chirp:</a:t>
+            </a:r>
+          </a:p>
+          <a:p>
+            <a:r>
+              <a:rPr lang="en-US" dirty="0"/>
+              <a:t>Our system works as follows:</a:t>
+            </a:r>
+          </a:p>
+          <a:p>
+            <a:pPr marL="914400" lvl="1" indent="-457200">
+              <a:buAutoNum type="arabicParenR"/>
+            </a:pPr>
+            <a:r>
+              <a:rPr lang="en-US" dirty="0"/>
+              <a:t>Calculate STFT</a:t>
+            </a:r>
+          </a:p>
+          <a:p>
+            <a:pPr marL="914400" lvl="1" indent="-457200">
+              <a:buAutoNum type="arabicParenR"/>
+            </a:pPr>
+            <a:r>
+              <a:rPr lang="en-US" dirty="0"/>
+              <a:t>Extract </a:t>
+            </a:r>
+            <a:r>
+              <a:rPr lang="en-US" dirty="0" err="1"/>
+              <a:t>maximas</a:t>
+            </a:r>
+            <a:endParaRPr lang="en-US" dirty="0"/>
+          </a:p>
+          <a:p>
+            <a:pPr marL="914400" lvl="1" indent="-457200">
+              <a:buAutoNum type="arabicParenR"/>
+            </a:pPr>
+            <a:r>
+              <a:rPr lang="en-US" dirty="0"/>
+              <a:t>Morphologically dilate the image</a:t>
+            </a:r>
+          </a:p>
+          <a:p>
+            <a:pPr marL="914400" lvl="1" indent="-457200">
+              <a:buAutoNum type="arabicParenR"/>
+            </a:pPr>
+            <a:r>
+              <a:rPr lang="en-US" dirty="0"/>
+              <a:t>Run the Hough transform, extract the 2 most significant lines from it</a:t>
+            </a:r>
+          </a:p>
+          <a:p>
+            <a:pPr marL="914400" lvl="1" indent="-457200">
+              <a:buAutoNum type="arabicParenR"/>
+            </a:pPr>
+            <a:r>
+              <a:rPr lang="en-US" dirty="0"/>
+              <a:t>Find the lines intersection point, split the image along the x-axis according to it</a:t>
+            </a:r>
+          </a:p>
+          <a:p>
+            <a:pPr marL="914400" lvl="1" indent="-457200">
+              <a:buAutoNum type="arabicParenR"/>
+            </a:pPr>
+            <a:r>
+              <a:rPr lang="en-US" dirty="0"/>
+              <a:t>Check the ”score” for each line at each image in order to determine which line belongs where</a:t>
+            </a:r>
+          </a:p>
+          <a:p>
+            <a:endParaRPr lang="en-US" dirty="0"/>
+          </a:p>
+          <a:p>
+            <a:pPr marL="0" indent="0">
+              <a:buNone/>
+            </a:pPr>
+            <a:endParaRPr lang="en-US" dirty="0"/>
+          </a:p>
+          <a:p>
+            <a:pPr marL="457200" lvl="1" indent="0">
+              <a:buNone/>
+            </a:pPr>
+            <a:endParaRPr lang="en-US" dirty="0"/>
+          </a:p>
+        </p:txBody>
+      </p:sp>
+      <p:sp>
+        <p:nvSpPr>
+          <p:cNvPr id="4" name="Date Placeholder 3">
+            <a:extLst>
+              <a:ext uri="{FF2B5EF4-FFF2-40B4-BE49-F238E27FC236}">
+                <a16:creationId xmlns:a16="http://schemas.microsoft.com/office/drawing/2014/main" id="{59913B85-3B4F-43D3-A7E9-D06F5E37C6C1}"/>
+              </a:ext>
+            </a:extLst>
+          </p:cNvPr>
+          <p:cNvSpPr>
+            <a:spLocks noGrp="1"/>
+          </p:cNvSpPr>
+          <p:nvPr>
+            <p:ph type="dt" sz="half" idx="10"/>
+          </p:nvPr>
+        </p:nvSpPr>
+        <p:spPr/>
+        <p:txBody>
+          <a:bodyPr/>
+          <a:lstStyle/>
+          <a:p>
+            <a:fld id="{F736EC4A-E5B7-42C2-9943-4D2477F0E2BA}" type="datetime1">
+              <a:rPr lang="en-US" smtClean="0"/>
+              <a:t>9/28/2021</a:t>
+            </a:fld>
+            <a:endParaRPr lang="en-US" dirty="0"/>
+          </a:p>
+        </p:txBody>
+      </p:sp>
+      <p:sp>
+        <p:nvSpPr>
+          <p:cNvPr id="5" name="Footer Placeholder 4">
+            <a:extLst>
+              <a:ext uri="{FF2B5EF4-FFF2-40B4-BE49-F238E27FC236}">
+                <a16:creationId xmlns:a16="http://schemas.microsoft.com/office/drawing/2014/main" id="{C5649577-8229-4DC9-AE82-59C3A5BA0515}"/>
+              </a:ext>
+            </a:extLst>
+          </p:cNvPr>
+          <p:cNvSpPr>
+            <a:spLocks noGrp="1"/>
+          </p:cNvSpPr>
+          <p:nvPr>
+            <p:ph type="ftr" sz="quarter" idx="11"/>
+          </p:nvPr>
+        </p:nvSpPr>
+        <p:spPr/>
+        <p:txBody>
+          <a:bodyPr/>
+          <a:lstStyle/>
+          <a:p>
+            <a:r>
+              <a:rPr lang="en-US" dirty="0"/>
+              <a:t>Yarden Akaby &amp; Etai Sella</a:t>
+            </a:r>
+          </a:p>
+        </p:txBody>
+      </p:sp>
+      <p:sp>
+        <p:nvSpPr>
+          <p:cNvPr id="6" name="Slide Number Placeholder 5">
+            <a:extLst>
+              <a:ext uri="{FF2B5EF4-FFF2-40B4-BE49-F238E27FC236}">
+                <a16:creationId xmlns:a16="http://schemas.microsoft.com/office/drawing/2014/main" id="{1B57282B-C25D-48B2-A667-C1D467EB1137}"/>
+              </a:ext>
+            </a:extLst>
+          </p:cNvPr>
+          <p:cNvSpPr>
+            <a:spLocks noGrp="1"/>
+          </p:cNvSpPr>
+          <p:nvPr>
+            <p:ph type="sldNum" sz="quarter" idx="12"/>
+          </p:nvPr>
+        </p:nvSpPr>
+        <p:spPr/>
+        <p:txBody>
+          <a:bodyPr/>
+          <a:lstStyle/>
+          <a:p>
+            <a:fld id="{C629165E-D59B-453D-B763-34340D7036F6}" type="slidenum">
+              <a:rPr lang="en-US" smtClean="0"/>
+              <a:t>20</a:t>
+            </a:fld>
+            <a:endParaRPr lang="en-US" dirty="0"/>
+          </a:p>
+        </p:txBody>
+      </p:sp>
+    </p:spTree>
+    <p:extLst>
+      <p:ext uri="{BB962C8B-B14F-4D97-AF65-F5344CB8AC3E}">
+        <p14:creationId xmlns:p14="http://schemas.microsoft.com/office/powerpoint/2010/main" val="2178483534"/>
+      </p:ext>
+    </p:extLst>
+  </p:cSld>
+  <p:clrMapOvr>
+    <a:masterClrMapping/>
+  </p:clrMapOvr>
+</p:sld>
+</file>
+
+<file path=ppt/slides/slide21.xml><?xml version="1.0" encoding="utf-8"?>
+<p:sld xmlns:a="http://schemas.openxmlformats.org/drawingml/2006/main" xmlns:r="http://schemas.openxmlformats.org/officeDocument/2006/relationships" xmlns:p="http://schemas.openxmlformats.org/presentationml/2006/main">
+  <p:cSld>
+    <p:spTree>
+      <p:nvGrpSpPr>
+        <p:cNvPr id="1" name=""/>
+        <p:cNvGrpSpPr/>
+        <p:nvPr/>
+      </p:nvGrpSpPr>
+      <p:grpSpPr>
+        <a:xfrm>
+          <a:off x="0" y="0"/>
+          <a:ext cx="0" cy="0"/>
+          <a:chOff x="0" y="0"/>
+          <a:chExt cx="0" cy="0"/>
+        </a:xfrm>
+      </p:grpSpPr>
+      <p:sp>
+        <p:nvSpPr>
+          <p:cNvPr id="2" name="Title 1">
+            <a:extLst>
+              <a:ext uri="{FF2B5EF4-FFF2-40B4-BE49-F238E27FC236}">
+                <a16:creationId xmlns:a16="http://schemas.microsoft.com/office/drawing/2014/main" id="{143B5247-4B5C-44D2-AE13-25DD403557B4}"/>
+              </a:ext>
+            </a:extLst>
+          </p:cNvPr>
+          <p:cNvSpPr>
+            <a:spLocks noGrp="1"/>
+          </p:cNvSpPr>
+          <p:nvPr>
+            <p:ph type="title"/>
+          </p:nvPr>
+        </p:nvSpPr>
+        <p:spPr/>
+        <p:txBody>
+          <a:bodyPr>
+            <a:normAutofit/>
+          </a:bodyPr>
+          <a:lstStyle/>
+          <a:p>
+            <a:r>
+              <a:rPr lang="en-US" dirty="0"/>
+              <a:t>Tests and Simulations</a:t>
+            </a:r>
+          </a:p>
+        </p:txBody>
+      </p:sp>
+      <p:sp>
+        <p:nvSpPr>
+          <p:cNvPr id="3" name="Content Placeholder 2">
+            <a:extLst>
+              <a:ext uri="{FF2B5EF4-FFF2-40B4-BE49-F238E27FC236}">
+                <a16:creationId xmlns:a16="http://schemas.microsoft.com/office/drawing/2014/main" id="{8BB29A69-51F4-4CEE-B950-D3A7C19E951E}"/>
+              </a:ext>
+            </a:extLst>
+          </p:cNvPr>
+          <p:cNvSpPr>
+            <a:spLocks noGrp="1"/>
+          </p:cNvSpPr>
+          <p:nvPr>
+            <p:ph idx="1"/>
+          </p:nvPr>
+        </p:nvSpPr>
+        <p:spPr/>
+        <p:txBody>
+          <a:bodyPr>
+            <a:normAutofit/>
+          </a:bodyPr>
+          <a:lstStyle/>
+          <a:p>
+            <a:r>
+              <a:rPr lang="en-US" dirty="0"/>
+              <a:t>Define evaluation method</a:t>
+            </a:r>
+          </a:p>
+          <a:p>
+            <a:r>
+              <a:rPr lang="en-US" dirty="0"/>
+              <a:t>Test using RANSAC</a:t>
+            </a:r>
+          </a:p>
+          <a:p>
+            <a:r>
+              <a:rPr lang="en-US" dirty="0"/>
+              <a:t>Test using HOUGH Transform</a:t>
+            </a:r>
+          </a:p>
+          <a:p>
+            <a:endParaRPr lang="en-US" dirty="0"/>
+          </a:p>
+        </p:txBody>
+      </p:sp>
+      <p:sp>
+        <p:nvSpPr>
+          <p:cNvPr id="4" name="Date Placeholder 3">
+            <a:extLst>
+              <a:ext uri="{FF2B5EF4-FFF2-40B4-BE49-F238E27FC236}">
+                <a16:creationId xmlns:a16="http://schemas.microsoft.com/office/drawing/2014/main" id="{59913B85-3B4F-43D3-A7E9-D06F5E37C6C1}"/>
+              </a:ext>
+            </a:extLst>
+          </p:cNvPr>
+          <p:cNvSpPr>
+            <a:spLocks noGrp="1"/>
+          </p:cNvSpPr>
+          <p:nvPr>
+            <p:ph type="dt" sz="half" idx="10"/>
+          </p:nvPr>
+        </p:nvSpPr>
+        <p:spPr/>
+        <p:txBody>
+          <a:bodyPr/>
+          <a:lstStyle/>
+          <a:p>
+            <a:fld id="{F736EC4A-E5B7-42C2-9943-4D2477F0E2BA}" type="datetime1">
+              <a:rPr lang="en-US" smtClean="0"/>
+              <a:t>9/28/2021</a:t>
+            </a:fld>
+            <a:endParaRPr lang="en-US" dirty="0"/>
+          </a:p>
+        </p:txBody>
+      </p:sp>
+      <p:sp>
+        <p:nvSpPr>
+          <p:cNvPr id="5" name="Footer Placeholder 4">
+            <a:extLst>
+              <a:ext uri="{FF2B5EF4-FFF2-40B4-BE49-F238E27FC236}">
+                <a16:creationId xmlns:a16="http://schemas.microsoft.com/office/drawing/2014/main" id="{C5649577-8229-4DC9-AE82-59C3A5BA0515}"/>
+              </a:ext>
+            </a:extLst>
+          </p:cNvPr>
+          <p:cNvSpPr>
+            <a:spLocks noGrp="1"/>
+          </p:cNvSpPr>
+          <p:nvPr>
+            <p:ph type="ftr" sz="quarter" idx="11"/>
+          </p:nvPr>
+        </p:nvSpPr>
+        <p:spPr/>
+        <p:txBody>
+          <a:bodyPr/>
+          <a:lstStyle/>
+          <a:p>
+            <a:r>
+              <a:rPr lang="en-US" dirty="0"/>
+              <a:t>Yarden Akaby &amp; Etai Sella</a:t>
+            </a:r>
+          </a:p>
+        </p:txBody>
+      </p:sp>
+      <p:sp>
+        <p:nvSpPr>
+          <p:cNvPr id="6" name="Slide Number Placeholder 5">
+            <a:extLst>
+              <a:ext uri="{FF2B5EF4-FFF2-40B4-BE49-F238E27FC236}">
+                <a16:creationId xmlns:a16="http://schemas.microsoft.com/office/drawing/2014/main" id="{1B57282B-C25D-48B2-A667-C1D467EB1137}"/>
+              </a:ext>
+            </a:extLst>
+          </p:cNvPr>
+          <p:cNvSpPr>
+            <a:spLocks noGrp="1"/>
+          </p:cNvSpPr>
+          <p:nvPr>
+            <p:ph type="sldNum" sz="quarter" idx="12"/>
+          </p:nvPr>
+        </p:nvSpPr>
+        <p:spPr/>
+        <p:txBody>
+          <a:bodyPr/>
+          <a:lstStyle/>
+          <a:p>
+            <a:fld id="{C629165E-D59B-453D-B763-34340D7036F6}" type="slidenum">
+              <a:rPr lang="en-US" smtClean="0"/>
+              <a:t>21</a:t>
+            </a:fld>
+            <a:endParaRPr lang="en-US" dirty="0"/>
+          </a:p>
+        </p:txBody>
+      </p:sp>
+    </p:spTree>
+    <p:extLst>
+      <p:ext uri="{BB962C8B-B14F-4D97-AF65-F5344CB8AC3E}">
+        <p14:creationId xmlns:p14="http://schemas.microsoft.com/office/powerpoint/2010/main" val="2332550264"/>
+      </p:ext>
+    </p:extLst>
+  </p:cSld>
+  <p:clrMapOvr>
+    <a:masterClrMapping/>
+  </p:clrMapOvr>
+</p:sld>
+</file>
+
+<file path=ppt/slides/slide22.xml><?xml version="1.0" encoding="utf-8"?>
+<p:sld xmlns:a="http://schemas.openxmlformats.org/drawingml/2006/main" xmlns:r="http://schemas.openxmlformats.org/officeDocument/2006/relationships" xmlns:p="http://schemas.openxmlformats.org/presentationml/2006/main">
+  <p:cSld>
+    <p:spTree>
+      <p:nvGrpSpPr>
+        <p:cNvPr id="1" name=""/>
+        <p:cNvGrpSpPr/>
+        <p:nvPr/>
+      </p:nvGrpSpPr>
+      <p:grpSpPr>
+        <a:xfrm>
+          <a:off x="0" y="0"/>
+          <a:ext cx="0" cy="0"/>
+          <a:chOff x="0" y="0"/>
+          <a:chExt cx="0" cy="0"/>
+        </a:xfrm>
+      </p:grpSpPr>
+      <p:sp>
+        <p:nvSpPr>
+          <p:cNvPr id="2" name="Title 1">
+            <a:extLst>
+              <a:ext uri="{FF2B5EF4-FFF2-40B4-BE49-F238E27FC236}">
+                <a16:creationId xmlns:a16="http://schemas.microsoft.com/office/drawing/2014/main" id="{143B5247-4B5C-44D2-AE13-25DD403557B4}"/>
+              </a:ext>
+            </a:extLst>
+          </p:cNvPr>
+          <p:cNvSpPr>
+            <a:spLocks noGrp="1"/>
+          </p:cNvSpPr>
+          <p:nvPr>
+            <p:ph type="title"/>
+          </p:nvPr>
+        </p:nvSpPr>
+        <p:spPr/>
+        <p:txBody>
+          <a:bodyPr>
+            <a:normAutofit/>
+          </a:bodyPr>
+          <a:lstStyle/>
+          <a:p>
+            <a:r>
+              <a:rPr lang="en-US" dirty="0"/>
+              <a:t>Tests and Simulations - Evaluation</a:t>
+            </a:r>
+          </a:p>
+        </p:txBody>
+      </p:sp>
+      <p:sp>
+        <p:nvSpPr>
+          <p:cNvPr id="3" name="Content Placeholder 2">
+            <a:extLst>
+              <a:ext uri="{FF2B5EF4-FFF2-40B4-BE49-F238E27FC236}">
+                <a16:creationId xmlns:a16="http://schemas.microsoft.com/office/drawing/2014/main" id="{8BB29A69-51F4-4CEE-B950-D3A7C19E951E}"/>
+              </a:ext>
+            </a:extLst>
+          </p:cNvPr>
+          <p:cNvSpPr>
+            <a:spLocks noGrp="1"/>
+          </p:cNvSpPr>
+          <p:nvPr>
+            <p:ph idx="1"/>
+          </p:nvPr>
+        </p:nvSpPr>
+        <p:spPr/>
+        <p:txBody>
+          <a:bodyPr>
+            <a:normAutofit/>
+          </a:bodyPr>
+          <a:lstStyle/>
+          <a:p>
+            <a:pPr marL="0" indent="0">
+              <a:buNone/>
+            </a:pPr>
+            <a:r>
+              <a:rPr lang="en-US" u="sng" dirty="0"/>
+              <a:t>Correct rate of estimation – CRE</a:t>
+            </a:r>
+          </a:p>
+          <a:p>
+            <a:pPr marL="0" indent="0">
+              <a:buNone/>
+            </a:pPr>
+            <a:r>
+              <a:rPr lang="en-US" dirty="0"/>
+              <a:t>The division between the times estimated correctly and the total trial number, and the correct estimation is that the error of estimation is in range of ±1% of the real parameter.</a:t>
+            </a:r>
+          </a:p>
+          <a:p>
+            <a:pPr marL="0" indent="0">
+              <a:buNone/>
+            </a:pPr>
+            <a:endParaRPr lang="en-US" dirty="0"/>
+          </a:p>
+        </p:txBody>
+      </p:sp>
+      <p:sp>
+        <p:nvSpPr>
+          <p:cNvPr id="4" name="Date Placeholder 3">
+            <a:extLst>
+              <a:ext uri="{FF2B5EF4-FFF2-40B4-BE49-F238E27FC236}">
+                <a16:creationId xmlns:a16="http://schemas.microsoft.com/office/drawing/2014/main" id="{59913B85-3B4F-43D3-A7E9-D06F5E37C6C1}"/>
+              </a:ext>
+            </a:extLst>
+          </p:cNvPr>
+          <p:cNvSpPr>
+            <a:spLocks noGrp="1"/>
+          </p:cNvSpPr>
+          <p:nvPr>
+            <p:ph type="dt" sz="half" idx="10"/>
+          </p:nvPr>
+        </p:nvSpPr>
+        <p:spPr/>
+        <p:txBody>
+          <a:bodyPr/>
+          <a:lstStyle/>
+          <a:p>
+            <a:fld id="{F736EC4A-E5B7-42C2-9943-4D2477F0E2BA}" type="datetime1">
+              <a:rPr lang="en-US" smtClean="0"/>
+              <a:t>9/28/2021</a:t>
+            </a:fld>
+            <a:endParaRPr lang="en-US" dirty="0"/>
+          </a:p>
+        </p:txBody>
+      </p:sp>
+      <p:sp>
+        <p:nvSpPr>
+          <p:cNvPr id="5" name="Footer Placeholder 4">
+            <a:extLst>
+              <a:ext uri="{FF2B5EF4-FFF2-40B4-BE49-F238E27FC236}">
+                <a16:creationId xmlns:a16="http://schemas.microsoft.com/office/drawing/2014/main" id="{C5649577-8229-4DC9-AE82-59C3A5BA0515}"/>
+              </a:ext>
+            </a:extLst>
+          </p:cNvPr>
+          <p:cNvSpPr>
+            <a:spLocks noGrp="1"/>
+          </p:cNvSpPr>
+          <p:nvPr>
+            <p:ph type="ftr" sz="quarter" idx="11"/>
+          </p:nvPr>
+        </p:nvSpPr>
+        <p:spPr/>
+        <p:txBody>
+          <a:bodyPr/>
+          <a:lstStyle/>
+          <a:p>
+            <a:r>
+              <a:rPr lang="en-US" dirty="0"/>
+              <a:t>Yarden Akaby &amp; Etai Sella</a:t>
+            </a:r>
+          </a:p>
+        </p:txBody>
+      </p:sp>
+      <p:sp>
+        <p:nvSpPr>
+          <p:cNvPr id="6" name="Slide Number Placeholder 5">
+            <a:extLst>
+              <a:ext uri="{FF2B5EF4-FFF2-40B4-BE49-F238E27FC236}">
+                <a16:creationId xmlns:a16="http://schemas.microsoft.com/office/drawing/2014/main" id="{1B57282B-C25D-48B2-A667-C1D467EB1137}"/>
+              </a:ext>
+            </a:extLst>
+          </p:cNvPr>
+          <p:cNvSpPr>
+            <a:spLocks noGrp="1"/>
+          </p:cNvSpPr>
+          <p:nvPr>
+            <p:ph type="sldNum" sz="quarter" idx="12"/>
+          </p:nvPr>
+        </p:nvSpPr>
+        <p:spPr/>
+        <p:txBody>
+          <a:bodyPr/>
+          <a:lstStyle/>
+          <a:p>
+            <a:fld id="{C629165E-D59B-453D-B763-34340D7036F6}" type="slidenum">
+              <a:rPr lang="en-US" smtClean="0"/>
+              <a:t>22</a:t>
+            </a:fld>
+            <a:endParaRPr lang="en-US" dirty="0"/>
+          </a:p>
+        </p:txBody>
+      </p:sp>
+    </p:spTree>
+    <p:extLst>
+      <p:ext uri="{BB962C8B-B14F-4D97-AF65-F5344CB8AC3E}">
+        <p14:creationId xmlns:p14="http://schemas.microsoft.com/office/powerpoint/2010/main" val="3289712767"/>
+      </p:ext>
+    </p:extLst>
+  </p:cSld>
+  <p:clrMapOvr>
+    <a:masterClrMapping/>
+  </p:clrMapOvr>
+</p:sld>
+</file>
+
+<file path=ppt/slides/slide23.xml><?xml version="1.0" encoding="utf-8"?>
+<p:sld xmlns:a="http://schemas.openxmlformats.org/drawingml/2006/main" xmlns:r="http://schemas.openxmlformats.org/officeDocument/2006/relationships" xmlns:p="http://schemas.openxmlformats.org/presentationml/2006/main">
+  <p:cSld>
+    <p:spTree>
+      <p:nvGrpSpPr>
+        <p:cNvPr id="1" name=""/>
+        <p:cNvGrpSpPr/>
+        <p:nvPr/>
+      </p:nvGrpSpPr>
+      <p:grpSpPr>
+        <a:xfrm>
+          <a:off x="0" y="0"/>
+          <a:ext cx="0" cy="0"/>
+          <a:chOff x="0" y="0"/>
+          <a:chExt cx="0" cy="0"/>
+        </a:xfrm>
+      </p:grpSpPr>
+      <p:sp>
+        <p:nvSpPr>
+          <p:cNvPr id="2" name="Title 1">
+            <a:extLst>
+              <a:ext uri="{FF2B5EF4-FFF2-40B4-BE49-F238E27FC236}">
+                <a16:creationId xmlns:a16="http://schemas.microsoft.com/office/drawing/2014/main" id="{143B5247-4B5C-44D2-AE13-25DD403557B4}"/>
+              </a:ext>
+            </a:extLst>
+          </p:cNvPr>
+          <p:cNvSpPr>
+            <a:spLocks noGrp="1"/>
+          </p:cNvSpPr>
+          <p:nvPr>
+            <p:ph type="title"/>
+          </p:nvPr>
+        </p:nvSpPr>
+        <p:spPr/>
+        <p:txBody>
+          <a:bodyPr>
+            <a:normAutofit/>
+          </a:bodyPr>
+          <a:lstStyle/>
+          <a:p>
+            <a:r>
+              <a:rPr lang="en-US" dirty="0"/>
+              <a:t>Tests and Simulations - RANSAC</a:t>
+            </a:r>
+          </a:p>
+        </p:txBody>
+      </p:sp>
+      <p:sp>
+        <p:nvSpPr>
+          <p:cNvPr id="3" name="Content Placeholder 2">
+            <a:extLst>
+              <a:ext uri="{FF2B5EF4-FFF2-40B4-BE49-F238E27FC236}">
+                <a16:creationId xmlns:a16="http://schemas.microsoft.com/office/drawing/2014/main" id="{8BB29A69-51F4-4CEE-B950-D3A7C19E951E}"/>
+              </a:ext>
+            </a:extLst>
+          </p:cNvPr>
+          <p:cNvSpPr>
+            <a:spLocks noGrp="1"/>
+          </p:cNvSpPr>
+          <p:nvPr>
+            <p:ph idx="1"/>
+          </p:nvPr>
+        </p:nvSpPr>
+        <p:spPr/>
+        <p:txBody>
+          <a:bodyPr>
+            <a:normAutofit/>
+          </a:bodyPr>
+          <a:lstStyle/>
+          <a:p>
+            <a:r>
+              <a:rPr lang="en-US" dirty="0"/>
+              <a:t>Create 500 chirp signals with random noise (500 Trials)</a:t>
+            </a:r>
+          </a:p>
+          <a:p>
+            <a:r>
+              <a:rPr lang="en-US" dirty="0"/>
+              <a:t>Use STFT</a:t>
+            </a:r>
+          </a:p>
+          <a:p>
+            <a:r>
+              <a:rPr lang="en-US" dirty="0"/>
+              <a:t>Extract time frequency curves</a:t>
+            </a:r>
+          </a:p>
+          <a:p>
+            <a:r>
+              <a:rPr lang="en-US" dirty="0"/>
+              <a:t>Use Median Filter</a:t>
+            </a:r>
+          </a:p>
+          <a:p>
+            <a:r>
+              <a:rPr lang="en-US" dirty="0"/>
+              <a:t>Compare 3 methods of estimation:</a:t>
+            </a:r>
+          </a:p>
+          <a:p>
+            <a:pPr lvl="1"/>
+            <a:r>
+              <a:rPr lang="en-US" dirty="0"/>
+              <a:t>RANSAC</a:t>
+            </a:r>
+          </a:p>
+          <a:p>
+            <a:pPr lvl="1"/>
+            <a:r>
+              <a:rPr lang="en-US" dirty="0"/>
+              <a:t>RANSAC with median filter</a:t>
+            </a:r>
+          </a:p>
+          <a:p>
+            <a:pPr lvl="1"/>
+            <a:r>
+              <a:rPr lang="en-US" dirty="0"/>
+              <a:t>LSM</a:t>
+            </a:r>
+          </a:p>
+          <a:p>
+            <a:pPr lvl="1"/>
+            <a:endParaRPr lang="en-US" dirty="0"/>
+          </a:p>
+          <a:p>
+            <a:endParaRPr lang="en-US" dirty="0"/>
+          </a:p>
+        </p:txBody>
+      </p:sp>
+      <p:sp>
+        <p:nvSpPr>
+          <p:cNvPr id="4" name="Date Placeholder 3">
+            <a:extLst>
+              <a:ext uri="{FF2B5EF4-FFF2-40B4-BE49-F238E27FC236}">
+                <a16:creationId xmlns:a16="http://schemas.microsoft.com/office/drawing/2014/main" id="{59913B85-3B4F-43D3-A7E9-D06F5E37C6C1}"/>
+              </a:ext>
+            </a:extLst>
+          </p:cNvPr>
+          <p:cNvSpPr>
+            <a:spLocks noGrp="1"/>
+          </p:cNvSpPr>
+          <p:nvPr>
+            <p:ph type="dt" sz="half" idx="10"/>
+          </p:nvPr>
+        </p:nvSpPr>
+        <p:spPr/>
+        <p:txBody>
+          <a:bodyPr/>
+          <a:lstStyle/>
+          <a:p>
+            <a:fld id="{F736EC4A-E5B7-42C2-9943-4D2477F0E2BA}" type="datetime1">
+              <a:rPr lang="en-US" smtClean="0"/>
+              <a:t>9/28/2021</a:t>
+            </a:fld>
+            <a:endParaRPr lang="en-US" dirty="0"/>
+          </a:p>
+        </p:txBody>
+      </p:sp>
+      <p:sp>
+        <p:nvSpPr>
+          <p:cNvPr id="5" name="Footer Placeholder 4">
+            <a:extLst>
+              <a:ext uri="{FF2B5EF4-FFF2-40B4-BE49-F238E27FC236}">
+                <a16:creationId xmlns:a16="http://schemas.microsoft.com/office/drawing/2014/main" id="{C5649577-8229-4DC9-AE82-59C3A5BA0515}"/>
+              </a:ext>
+            </a:extLst>
+          </p:cNvPr>
+          <p:cNvSpPr>
+            <a:spLocks noGrp="1"/>
+          </p:cNvSpPr>
+          <p:nvPr>
+            <p:ph type="ftr" sz="quarter" idx="11"/>
+          </p:nvPr>
+        </p:nvSpPr>
+        <p:spPr/>
+        <p:txBody>
+          <a:bodyPr/>
+          <a:lstStyle/>
+          <a:p>
+            <a:r>
+              <a:rPr lang="en-US" dirty="0"/>
+              <a:t>Yarden Akaby &amp; Etai Sella</a:t>
+            </a:r>
+          </a:p>
+        </p:txBody>
+      </p:sp>
+      <p:sp>
+        <p:nvSpPr>
+          <p:cNvPr id="6" name="Slide Number Placeholder 5">
+            <a:extLst>
+              <a:ext uri="{FF2B5EF4-FFF2-40B4-BE49-F238E27FC236}">
+                <a16:creationId xmlns:a16="http://schemas.microsoft.com/office/drawing/2014/main" id="{1B57282B-C25D-48B2-A667-C1D467EB1137}"/>
+              </a:ext>
+            </a:extLst>
+          </p:cNvPr>
+          <p:cNvSpPr>
+            <a:spLocks noGrp="1"/>
+          </p:cNvSpPr>
+          <p:nvPr>
+            <p:ph type="sldNum" sz="quarter" idx="12"/>
+          </p:nvPr>
+        </p:nvSpPr>
+        <p:spPr/>
+        <p:txBody>
+          <a:bodyPr/>
+          <a:lstStyle/>
+          <a:p>
+            <a:fld id="{C629165E-D59B-453D-B763-34340D7036F6}" type="slidenum">
+              <a:rPr lang="en-US" smtClean="0"/>
+              <a:t>23</a:t>
+            </a:fld>
+            <a:endParaRPr lang="en-US" dirty="0"/>
+          </a:p>
+        </p:txBody>
+      </p:sp>
+    </p:spTree>
+    <p:extLst>
+      <p:ext uri="{BB962C8B-B14F-4D97-AF65-F5344CB8AC3E}">
+        <p14:creationId xmlns:p14="http://schemas.microsoft.com/office/powerpoint/2010/main" val="3469239827"/>
+      </p:ext>
+    </p:extLst>
+  </p:cSld>
+  <p:clrMapOvr>
+    <a:masterClrMapping/>
+  </p:clrMapOvr>
+</p:sld>
+</file>
+
+<file path=ppt/slides/slide24.xml><?xml version="1.0" encoding="utf-8"?>
+<p:sld xmlns:a="http://schemas.openxmlformats.org/drawingml/2006/main" xmlns:r="http://schemas.openxmlformats.org/officeDocument/2006/relationships" xmlns:p="http://schemas.openxmlformats.org/presentationml/2006/main">
+  <p:cSld>
+    <p:spTree>
+      <p:nvGrpSpPr>
+        <p:cNvPr id="1" name=""/>
+        <p:cNvGrpSpPr/>
+        <p:nvPr/>
+      </p:nvGrpSpPr>
+      <p:grpSpPr>
+        <a:xfrm>
+          <a:off x="0" y="0"/>
+          <a:ext cx="0" cy="0"/>
+          <a:chOff x="0" y="0"/>
+          <a:chExt cx="0" cy="0"/>
+        </a:xfrm>
+      </p:grpSpPr>
+      <p:sp>
+        <p:nvSpPr>
+          <p:cNvPr id="2" name="Title 1">
+            <a:extLst>
+              <a:ext uri="{FF2B5EF4-FFF2-40B4-BE49-F238E27FC236}">
+                <a16:creationId xmlns:a16="http://schemas.microsoft.com/office/drawing/2014/main" id="{143B5247-4B5C-44D2-AE13-25DD403557B4}"/>
+              </a:ext>
+            </a:extLst>
+          </p:cNvPr>
+          <p:cNvSpPr>
+            <a:spLocks noGrp="1"/>
+          </p:cNvSpPr>
+          <p:nvPr>
+            <p:ph type="title"/>
+          </p:nvPr>
+        </p:nvSpPr>
+        <p:spPr/>
+        <p:txBody>
+          <a:bodyPr>
+            <a:normAutofit/>
+          </a:bodyPr>
+          <a:lstStyle/>
+          <a:p>
+            <a:r>
+              <a:rPr lang="en-US" dirty="0"/>
+              <a:t>Tests and Simulations - RANSAC</a:t>
+            </a:r>
+          </a:p>
+        </p:txBody>
+      </p:sp>
+      <p:sp>
+        <p:nvSpPr>
+          <p:cNvPr id="3" name="Content Placeholder 2">
+            <a:extLst>
+              <a:ext uri="{FF2B5EF4-FFF2-40B4-BE49-F238E27FC236}">
+                <a16:creationId xmlns:a16="http://schemas.microsoft.com/office/drawing/2014/main" id="{8BB29A69-51F4-4CEE-B950-D3A7C19E951E}"/>
+              </a:ext>
+            </a:extLst>
+          </p:cNvPr>
+          <p:cNvSpPr>
+            <a:spLocks noGrp="1"/>
+          </p:cNvSpPr>
+          <p:nvPr>
+            <p:ph idx="1"/>
+          </p:nvPr>
+        </p:nvSpPr>
+        <p:spPr/>
+        <p:txBody>
+          <a:bodyPr>
+            <a:normAutofit/>
+          </a:bodyPr>
+          <a:lstStyle/>
+          <a:p>
+            <a:pPr marL="0" indent="0">
+              <a:buNone/>
+            </a:pPr>
+            <a:r>
+              <a:rPr lang="en-US" dirty="0"/>
+              <a:t>Example of estimations</a:t>
+            </a:r>
+          </a:p>
+        </p:txBody>
+      </p:sp>
+      <p:sp>
+        <p:nvSpPr>
+          <p:cNvPr id="4" name="Date Placeholder 3">
+            <a:extLst>
+              <a:ext uri="{FF2B5EF4-FFF2-40B4-BE49-F238E27FC236}">
+                <a16:creationId xmlns:a16="http://schemas.microsoft.com/office/drawing/2014/main" id="{59913B85-3B4F-43D3-A7E9-D06F5E37C6C1}"/>
+              </a:ext>
+            </a:extLst>
+          </p:cNvPr>
+          <p:cNvSpPr>
+            <a:spLocks noGrp="1"/>
+          </p:cNvSpPr>
+          <p:nvPr>
+            <p:ph type="dt" sz="half" idx="10"/>
+          </p:nvPr>
+        </p:nvSpPr>
+        <p:spPr/>
+        <p:txBody>
+          <a:bodyPr/>
+          <a:lstStyle/>
+          <a:p>
+            <a:fld id="{F736EC4A-E5B7-42C2-9943-4D2477F0E2BA}" type="datetime1">
+              <a:rPr lang="en-US" smtClean="0"/>
+              <a:t>9/28/2021</a:t>
+            </a:fld>
+            <a:endParaRPr lang="en-US" dirty="0"/>
+          </a:p>
+        </p:txBody>
+      </p:sp>
+      <p:sp>
+        <p:nvSpPr>
+          <p:cNvPr id="5" name="Footer Placeholder 4">
+            <a:extLst>
+              <a:ext uri="{FF2B5EF4-FFF2-40B4-BE49-F238E27FC236}">
+                <a16:creationId xmlns:a16="http://schemas.microsoft.com/office/drawing/2014/main" id="{C5649577-8229-4DC9-AE82-59C3A5BA0515}"/>
+              </a:ext>
+            </a:extLst>
+          </p:cNvPr>
+          <p:cNvSpPr>
+            <a:spLocks noGrp="1"/>
+          </p:cNvSpPr>
+          <p:nvPr>
+            <p:ph type="ftr" sz="quarter" idx="11"/>
+          </p:nvPr>
+        </p:nvSpPr>
+        <p:spPr/>
+        <p:txBody>
+          <a:bodyPr/>
+          <a:lstStyle/>
+          <a:p>
+            <a:r>
+              <a:rPr lang="en-US" dirty="0"/>
+              <a:t>Yarden Akaby &amp; Etai Sella</a:t>
+            </a:r>
+          </a:p>
+        </p:txBody>
+      </p:sp>
+      <p:sp>
+        <p:nvSpPr>
+          <p:cNvPr id="6" name="Slide Number Placeholder 5">
+            <a:extLst>
+              <a:ext uri="{FF2B5EF4-FFF2-40B4-BE49-F238E27FC236}">
+                <a16:creationId xmlns:a16="http://schemas.microsoft.com/office/drawing/2014/main" id="{1B57282B-C25D-48B2-A667-C1D467EB1137}"/>
+              </a:ext>
+            </a:extLst>
+          </p:cNvPr>
+          <p:cNvSpPr>
+            <a:spLocks noGrp="1"/>
+          </p:cNvSpPr>
+          <p:nvPr>
+            <p:ph type="sldNum" sz="quarter" idx="12"/>
+          </p:nvPr>
+        </p:nvSpPr>
+        <p:spPr/>
+        <p:txBody>
+          <a:bodyPr/>
+          <a:lstStyle/>
+          <a:p>
+            <a:fld id="{C629165E-D59B-453D-B763-34340D7036F6}" type="slidenum">
+              <a:rPr lang="en-US" smtClean="0"/>
+              <a:t>24</a:t>
+            </a:fld>
+            <a:endParaRPr lang="en-US" dirty="0"/>
+          </a:p>
+        </p:txBody>
+      </p:sp>
+      <p:pic>
+        <p:nvPicPr>
+          <p:cNvPr id="12" name="תמונה 11">
+            <a:extLst>
+              <a:ext uri="{FF2B5EF4-FFF2-40B4-BE49-F238E27FC236}">
+                <a16:creationId xmlns:a16="http://schemas.microsoft.com/office/drawing/2014/main" id="{F908D9F5-5EEF-4F5F-84CA-61B1544ACFC7}"/>
+              </a:ext>
+            </a:extLst>
+          </p:cNvPr>
+          <p:cNvPicPr>
+            <a:picLocks noChangeAspect="1"/>
+          </p:cNvPicPr>
+          <p:nvPr/>
+        </p:nvPicPr>
+        <p:blipFill>
+          <a:blip r:embed="rId3"/>
+          <a:stretch>
+            <a:fillRect/>
+          </a:stretch>
+        </p:blipFill>
+        <p:spPr>
+          <a:xfrm>
+            <a:off x="1714500" y="2265705"/>
+            <a:ext cx="8177850" cy="3440413"/>
+          </a:xfrm>
+          <a:prstGeom prst="rect">
+            <a:avLst/>
+          </a:prstGeom>
+        </p:spPr>
+      </p:pic>
+    </p:spTree>
+    <p:extLst>
+      <p:ext uri="{BB962C8B-B14F-4D97-AF65-F5344CB8AC3E}">
+        <p14:creationId xmlns:p14="http://schemas.microsoft.com/office/powerpoint/2010/main" val="2597691373"/>
+      </p:ext>
+    </p:extLst>
+  </p:cSld>
+  <p:clrMapOvr>
+    <a:masterClrMapping/>
+  </p:clrMapOvr>
+</p:sld>
+</file>
+
+<file path=ppt/slides/slide25.xml><?xml version="1.0" encoding="utf-8"?>
+<p:sld xmlns:a="http://schemas.openxmlformats.org/drawingml/2006/main" xmlns:r="http://schemas.openxmlformats.org/officeDocument/2006/relationships" xmlns:p="http://schemas.openxmlformats.org/presentationml/2006/main">
+  <p:cSld>
+    <p:spTree>
+      <p:nvGrpSpPr>
+        <p:cNvPr id="1" name=""/>
+        <p:cNvGrpSpPr/>
+        <p:nvPr/>
+      </p:nvGrpSpPr>
+      <p:grpSpPr>
+        <a:xfrm>
+          <a:off x="0" y="0"/>
+          <a:ext cx="0" cy="0"/>
+          <a:chOff x="0" y="0"/>
+          <a:chExt cx="0" cy="0"/>
+        </a:xfrm>
+      </p:grpSpPr>
+      <p:sp>
+        <p:nvSpPr>
+          <p:cNvPr id="2" name="Title 1">
+            <a:extLst>
+              <a:ext uri="{FF2B5EF4-FFF2-40B4-BE49-F238E27FC236}">
+                <a16:creationId xmlns:a16="http://schemas.microsoft.com/office/drawing/2014/main" id="{143B5247-4B5C-44D2-AE13-25DD403557B4}"/>
+              </a:ext>
+            </a:extLst>
+          </p:cNvPr>
+          <p:cNvSpPr>
+            <a:spLocks noGrp="1"/>
+          </p:cNvSpPr>
+          <p:nvPr>
+            <p:ph type="title"/>
+          </p:nvPr>
+        </p:nvSpPr>
+        <p:spPr/>
+        <p:txBody>
+          <a:bodyPr>
+            <a:normAutofit/>
+          </a:bodyPr>
+          <a:lstStyle/>
+          <a:p>
+            <a:r>
+              <a:rPr lang="en-US" dirty="0"/>
+              <a:t>Tests and Simulations - RANSAC</a:t>
+            </a:r>
+          </a:p>
+        </p:txBody>
+      </p:sp>
+      <p:sp>
+        <p:nvSpPr>
+          <p:cNvPr id="3" name="Content Placeholder 2">
+            <a:extLst>
+              <a:ext uri="{FF2B5EF4-FFF2-40B4-BE49-F238E27FC236}">
+                <a16:creationId xmlns:a16="http://schemas.microsoft.com/office/drawing/2014/main" id="{8BB29A69-51F4-4CEE-B950-D3A7C19E951E}"/>
+              </a:ext>
+            </a:extLst>
+          </p:cNvPr>
+          <p:cNvSpPr>
+            <a:spLocks noGrp="1"/>
+          </p:cNvSpPr>
+          <p:nvPr>
+            <p:ph idx="1"/>
+          </p:nvPr>
+        </p:nvSpPr>
+        <p:spPr/>
+        <p:txBody>
+          <a:bodyPr>
+            <a:normAutofit/>
+          </a:bodyPr>
+          <a:lstStyle/>
+          <a:p>
+            <a:pPr marL="0" indent="0">
+              <a:buNone/>
+            </a:pPr>
+            <a:r>
+              <a:rPr lang="en-US" u="sng" dirty="0"/>
+              <a:t>Graph of CRE against SNR</a:t>
+            </a:r>
+          </a:p>
+          <a:p>
+            <a:endParaRPr lang="en-US" dirty="0"/>
+          </a:p>
+        </p:txBody>
+      </p:sp>
+      <p:sp>
+        <p:nvSpPr>
+          <p:cNvPr id="4" name="Date Placeholder 3">
+            <a:extLst>
+              <a:ext uri="{FF2B5EF4-FFF2-40B4-BE49-F238E27FC236}">
+                <a16:creationId xmlns:a16="http://schemas.microsoft.com/office/drawing/2014/main" id="{59913B85-3B4F-43D3-A7E9-D06F5E37C6C1}"/>
+              </a:ext>
+            </a:extLst>
+          </p:cNvPr>
+          <p:cNvSpPr>
+            <a:spLocks noGrp="1"/>
+          </p:cNvSpPr>
+          <p:nvPr>
+            <p:ph type="dt" sz="half" idx="10"/>
+          </p:nvPr>
+        </p:nvSpPr>
+        <p:spPr/>
+        <p:txBody>
+          <a:bodyPr/>
+          <a:lstStyle/>
+          <a:p>
+            <a:fld id="{F736EC4A-E5B7-42C2-9943-4D2477F0E2BA}" type="datetime1">
+              <a:rPr lang="en-US" smtClean="0"/>
+              <a:t>9/28/2021</a:t>
+            </a:fld>
+            <a:endParaRPr lang="en-US" dirty="0"/>
+          </a:p>
+        </p:txBody>
+      </p:sp>
+      <p:sp>
+        <p:nvSpPr>
+          <p:cNvPr id="5" name="Footer Placeholder 4">
+            <a:extLst>
+              <a:ext uri="{FF2B5EF4-FFF2-40B4-BE49-F238E27FC236}">
+                <a16:creationId xmlns:a16="http://schemas.microsoft.com/office/drawing/2014/main" id="{C5649577-8229-4DC9-AE82-59C3A5BA0515}"/>
+              </a:ext>
+            </a:extLst>
+          </p:cNvPr>
+          <p:cNvSpPr>
+            <a:spLocks noGrp="1"/>
+          </p:cNvSpPr>
+          <p:nvPr>
+            <p:ph type="ftr" sz="quarter" idx="11"/>
+          </p:nvPr>
+        </p:nvSpPr>
+        <p:spPr/>
+        <p:txBody>
+          <a:bodyPr/>
+          <a:lstStyle/>
+          <a:p>
+            <a:r>
+              <a:rPr lang="en-US" dirty="0"/>
+              <a:t>Yarden Akaby &amp; Etai Sella</a:t>
+            </a:r>
+          </a:p>
+        </p:txBody>
+      </p:sp>
+      <p:sp>
+        <p:nvSpPr>
+          <p:cNvPr id="6" name="Slide Number Placeholder 5">
+            <a:extLst>
+              <a:ext uri="{FF2B5EF4-FFF2-40B4-BE49-F238E27FC236}">
+                <a16:creationId xmlns:a16="http://schemas.microsoft.com/office/drawing/2014/main" id="{1B57282B-C25D-48B2-A667-C1D467EB1137}"/>
+              </a:ext>
+            </a:extLst>
+          </p:cNvPr>
+          <p:cNvSpPr>
+            <a:spLocks noGrp="1"/>
+          </p:cNvSpPr>
+          <p:nvPr>
+            <p:ph type="sldNum" sz="quarter" idx="12"/>
+          </p:nvPr>
+        </p:nvSpPr>
+        <p:spPr/>
+        <p:txBody>
+          <a:bodyPr/>
+          <a:lstStyle/>
+          <a:p>
+            <a:fld id="{C629165E-D59B-453D-B763-34340D7036F6}" type="slidenum">
+              <a:rPr lang="en-US" smtClean="0"/>
+              <a:t>25</a:t>
+            </a:fld>
+            <a:endParaRPr lang="en-US" dirty="0"/>
+          </a:p>
+        </p:txBody>
+      </p:sp>
+      <p:pic>
+        <p:nvPicPr>
+          <p:cNvPr id="8" name="תמונה 7">
+            <a:extLst>
+              <a:ext uri="{FF2B5EF4-FFF2-40B4-BE49-F238E27FC236}">
+                <a16:creationId xmlns:a16="http://schemas.microsoft.com/office/drawing/2014/main" id="{CBD05260-F342-4BC4-9A32-BF30546BBBB4}"/>
+              </a:ext>
+            </a:extLst>
+          </p:cNvPr>
+          <p:cNvPicPr>
+            <a:picLocks noChangeAspect="1"/>
+          </p:cNvPicPr>
+          <p:nvPr/>
+        </p:nvPicPr>
+        <p:blipFill>
+          <a:blip r:embed="rId3"/>
+          <a:stretch>
+            <a:fillRect/>
+          </a:stretch>
+        </p:blipFill>
+        <p:spPr>
+          <a:xfrm>
+            <a:off x="3041480" y="2459835"/>
+            <a:ext cx="5227223" cy="3404206"/>
+          </a:xfrm>
+          <a:prstGeom prst="rect">
+            <a:avLst/>
+          </a:prstGeom>
+        </p:spPr>
+      </p:pic>
+    </p:spTree>
+    <p:extLst>
+      <p:ext uri="{BB962C8B-B14F-4D97-AF65-F5344CB8AC3E}">
+        <p14:creationId xmlns:p14="http://schemas.microsoft.com/office/powerpoint/2010/main" val="210292874"/>
+      </p:ext>
+    </p:extLst>
+  </p:cSld>
+  <p:clrMapOvr>
+    <a:masterClrMapping/>
+  </p:clrMapOvr>
+</p:sld>
+</file>
+
+<file path=ppt/slides/slide26.xml><?xml version="1.0" encoding="utf-8"?>
+<p:sld xmlns:a="http://schemas.openxmlformats.org/drawingml/2006/main" xmlns:r="http://schemas.openxmlformats.org/officeDocument/2006/relationships" xmlns:p="http://schemas.openxmlformats.org/presentationml/2006/main">
+  <p:cSld>
+    <p:spTree>
+      <p:nvGrpSpPr>
+        <p:cNvPr id="1" name=""/>
+        <p:cNvGrpSpPr/>
+        <p:nvPr/>
+      </p:nvGrpSpPr>
+      <p:grpSpPr>
+        <a:xfrm>
+          <a:off x="0" y="0"/>
+          <a:ext cx="0" cy="0"/>
+          <a:chOff x="0" y="0"/>
+          <a:chExt cx="0" cy="0"/>
+        </a:xfrm>
+      </p:grpSpPr>
+      <p:sp>
+        <p:nvSpPr>
+          <p:cNvPr id="2" name="Title 1">
+            <a:extLst>
+              <a:ext uri="{FF2B5EF4-FFF2-40B4-BE49-F238E27FC236}">
+                <a16:creationId xmlns:a16="http://schemas.microsoft.com/office/drawing/2014/main" id="{143B5247-4B5C-44D2-AE13-25DD403557B4}"/>
+              </a:ext>
+            </a:extLst>
+          </p:cNvPr>
+          <p:cNvSpPr>
+            <a:spLocks noGrp="1"/>
+          </p:cNvSpPr>
+          <p:nvPr>
+            <p:ph type="title"/>
+          </p:nvPr>
+        </p:nvSpPr>
+        <p:spPr/>
+        <p:txBody>
+          <a:bodyPr>
+            <a:normAutofit/>
+          </a:bodyPr>
+          <a:lstStyle/>
+          <a:p>
+            <a:r>
+              <a:rPr lang="en-US" dirty="0"/>
+              <a:t>Tests and Simulations - HOUGH</a:t>
+            </a:r>
+          </a:p>
+        </p:txBody>
+      </p:sp>
+      <p:sp>
+        <p:nvSpPr>
+          <p:cNvPr id="3" name="Content Placeholder 2">
+            <a:extLst>
+              <a:ext uri="{FF2B5EF4-FFF2-40B4-BE49-F238E27FC236}">
+                <a16:creationId xmlns:a16="http://schemas.microsoft.com/office/drawing/2014/main" id="{8BB29A69-51F4-4CEE-B950-D3A7C19E951E}"/>
+              </a:ext>
+            </a:extLst>
+          </p:cNvPr>
+          <p:cNvSpPr>
+            <a:spLocks noGrp="1"/>
+          </p:cNvSpPr>
+          <p:nvPr>
+            <p:ph idx="1"/>
+          </p:nvPr>
+        </p:nvSpPr>
+        <p:spPr/>
+        <p:txBody>
+          <a:bodyPr>
+            <a:normAutofit/>
+          </a:bodyPr>
+          <a:lstStyle/>
+          <a:p>
+            <a:r>
+              <a:rPr lang="en-US" dirty="0"/>
+              <a:t>Create 100 Trials:</a:t>
+            </a:r>
+          </a:p>
+          <a:p>
+            <a:pPr lvl="1"/>
+            <a:r>
+              <a:rPr lang="en-US" dirty="0"/>
+              <a:t>2 different chirp signals</a:t>
+            </a:r>
+          </a:p>
+          <a:p>
+            <a:pPr lvl="1"/>
+            <a:r>
+              <a:rPr lang="en-US" dirty="0"/>
+              <a:t>15 different noise variation</a:t>
+            </a:r>
+          </a:p>
+          <a:p>
+            <a:r>
+              <a:rPr lang="en-US" dirty="0"/>
+              <a:t>Use STFT</a:t>
+            </a:r>
+          </a:p>
+          <a:p>
+            <a:r>
+              <a:rPr lang="en-US" dirty="0"/>
+              <a:t>Extract 2 time frequency curves using Hough transform</a:t>
+            </a:r>
+          </a:p>
+          <a:p>
+            <a:r>
+              <a:rPr lang="en-US" dirty="0"/>
+              <a:t>Evaluate CRE of each curve –Left &amp; Right</a:t>
+            </a:r>
+          </a:p>
+          <a:p>
+            <a:endParaRPr lang="en-US" dirty="0"/>
+          </a:p>
+          <a:p>
+            <a:pPr lvl="1"/>
+            <a:endParaRPr lang="en-US" dirty="0"/>
+          </a:p>
+        </p:txBody>
+      </p:sp>
+      <p:sp>
+        <p:nvSpPr>
+          <p:cNvPr id="4" name="Date Placeholder 3">
+            <a:extLst>
+              <a:ext uri="{FF2B5EF4-FFF2-40B4-BE49-F238E27FC236}">
+                <a16:creationId xmlns:a16="http://schemas.microsoft.com/office/drawing/2014/main" id="{59913B85-3B4F-43D3-A7E9-D06F5E37C6C1}"/>
+              </a:ext>
+            </a:extLst>
+          </p:cNvPr>
+          <p:cNvSpPr>
+            <a:spLocks noGrp="1"/>
+          </p:cNvSpPr>
+          <p:nvPr>
+            <p:ph type="dt" sz="half" idx="10"/>
+          </p:nvPr>
+        </p:nvSpPr>
+        <p:spPr/>
+        <p:txBody>
+          <a:bodyPr/>
+          <a:lstStyle/>
+          <a:p>
+            <a:fld id="{F736EC4A-E5B7-42C2-9943-4D2477F0E2BA}" type="datetime1">
+              <a:rPr lang="en-US" smtClean="0"/>
+              <a:t>9/28/2021</a:t>
+            </a:fld>
+            <a:endParaRPr lang="en-US" dirty="0"/>
+          </a:p>
+        </p:txBody>
+      </p:sp>
+      <p:sp>
+        <p:nvSpPr>
+          <p:cNvPr id="5" name="Footer Placeholder 4">
+            <a:extLst>
+              <a:ext uri="{FF2B5EF4-FFF2-40B4-BE49-F238E27FC236}">
+                <a16:creationId xmlns:a16="http://schemas.microsoft.com/office/drawing/2014/main" id="{C5649577-8229-4DC9-AE82-59C3A5BA0515}"/>
+              </a:ext>
+            </a:extLst>
+          </p:cNvPr>
+          <p:cNvSpPr>
+            <a:spLocks noGrp="1"/>
+          </p:cNvSpPr>
+          <p:nvPr>
+            <p:ph type="ftr" sz="quarter" idx="11"/>
+          </p:nvPr>
+        </p:nvSpPr>
+        <p:spPr/>
+        <p:txBody>
+          <a:bodyPr/>
+          <a:lstStyle/>
+          <a:p>
+            <a:r>
+              <a:rPr lang="en-US" dirty="0"/>
+              <a:t>Yarden Akaby &amp; Etai Sella</a:t>
+            </a:r>
+          </a:p>
+        </p:txBody>
+      </p:sp>
+      <p:sp>
+        <p:nvSpPr>
+          <p:cNvPr id="6" name="Slide Number Placeholder 5">
+            <a:extLst>
+              <a:ext uri="{FF2B5EF4-FFF2-40B4-BE49-F238E27FC236}">
+                <a16:creationId xmlns:a16="http://schemas.microsoft.com/office/drawing/2014/main" id="{1B57282B-C25D-48B2-A667-C1D467EB1137}"/>
+              </a:ext>
+            </a:extLst>
+          </p:cNvPr>
+          <p:cNvSpPr>
+            <a:spLocks noGrp="1"/>
+          </p:cNvSpPr>
+          <p:nvPr>
+            <p:ph type="sldNum" sz="quarter" idx="12"/>
+          </p:nvPr>
+        </p:nvSpPr>
+        <p:spPr/>
+        <p:txBody>
+          <a:bodyPr/>
+          <a:lstStyle/>
+          <a:p>
+            <a:fld id="{C629165E-D59B-453D-B763-34340D7036F6}" type="slidenum">
+              <a:rPr lang="en-US" smtClean="0"/>
+              <a:t>26</a:t>
+            </a:fld>
+            <a:endParaRPr lang="en-US" dirty="0"/>
+          </a:p>
+        </p:txBody>
+      </p:sp>
+    </p:spTree>
+    <p:extLst>
+      <p:ext uri="{BB962C8B-B14F-4D97-AF65-F5344CB8AC3E}">
+        <p14:creationId xmlns:p14="http://schemas.microsoft.com/office/powerpoint/2010/main" val="3328641539"/>
+      </p:ext>
+    </p:extLst>
+  </p:cSld>
+  <p:clrMapOvr>
+    <a:masterClrMapping/>
+  </p:clrMapOvr>
+</p:sld>
+</file>
+
+<file path=ppt/slides/slide27.xml><?xml version="1.0" encoding="utf-8"?>
+<p:sld xmlns:a="http://schemas.openxmlformats.org/drawingml/2006/main" xmlns:r="http://schemas.openxmlformats.org/officeDocument/2006/relationships" xmlns:p="http://schemas.openxmlformats.org/presentationml/2006/main">
+  <p:cSld>
+    <p:spTree>
+      <p:nvGrpSpPr>
+        <p:cNvPr id="1" name=""/>
+        <p:cNvGrpSpPr/>
+        <p:nvPr/>
+      </p:nvGrpSpPr>
+      <p:grpSpPr>
+        <a:xfrm>
+          <a:off x="0" y="0"/>
+          <a:ext cx="0" cy="0"/>
+          <a:chOff x="0" y="0"/>
+          <a:chExt cx="0" cy="0"/>
+        </a:xfrm>
+      </p:grpSpPr>
+      <p:sp>
+        <p:nvSpPr>
+          <p:cNvPr id="2" name="Title 1">
+            <a:extLst>
+              <a:ext uri="{FF2B5EF4-FFF2-40B4-BE49-F238E27FC236}">
+                <a16:creationId xmlns:a16="http://schemas.microsoft.com/office/drawing/2014/main" id="{143B5247-4B5C-44D2-AE13-25DD403557B4}"/>
+              </a:ext>
+            </a:extLst>
+          </p:cNvPr>
+          <p:cNvSpPr>
+            <a:spLocks noGrp="1"/>
+          </p:cNvSpPr>
+          <p:nvPr>
+            <p:ph type="title"/>
+          </p:nvPr>
+        </p:nvSpPr>
+        <p:spPr/>
+        <p:txBody>
+          <a:bodyPr>
+            <a:normAutofit/>
+          </a:bodyPr>
+          <a:lstStyle/>
+          <a:p>
+            <a:r>
+              <a:rPr lang="en-US" dirty="0"/>
+              <a:t>Tests and Simulations - HOUGH</a:t>
+            </a:r>
+          </a:p>
+        </p:txBody>
+      </p:sp>
+      <p:sp>
+        <p:nvSpPr>
+          <p:cNvPr id="3" name="Content Placeholder 2">
+            <a:extLst>
+              <a:ext uri="{FF2B5EF4-FFF2-40B4-BE49-F238E27FC236}">
+                <a16:creationId xmlns:a16="http://schemas.microsoft.com/office/drawing/2014/main" id="{8BB29A69-51F4-4CEE-B950-D3A7C19E951E}"/>
+              </a:ext>
+            </a:extLst>
+          </p:cNvPr>
+          <p:cNvSpPr>
+            <a:spLocks noGrp="1"/>
+          </p:cNvSpPr>
+          <p:nvPr>
+            <p:ph idx="1"/>
+          </p:nvPr>
+        </p:nvSpPr>
+        <p:spPr/>
+        <p:txBody>
+          <a:bodyPr>
+            <a:normAutofit/>
+          </a:bodyPr>
+          <a:lstStyle/>
+          <a:p>
+            <a:pPr marL="0" indent="0">
+              <a:buNone/>
+            </a:pPr>
+            <a:r>
+              <a:rPr lang="en-US" u="sng" dirty="0"/>
+              <a:t>Graph of CRE against SNR</a:t>
+            </a:r>
+          </a:p>
+        </p:txBody>
+      </p:sp>
+      <p:sp>
+        <p:nvSpPr>
+          <p:cNvPr id="4" name="Date Placeholder 3">
+            <a:extLst>
+              <a:ext uri="{FF2B5EF4-FFF2-40B4-BE49-F238E27FC236}">
+                <a16:creationId xmlns:a16="http://schemas.microsoft.com/office/drawing/2014/main" id="{59913B85-3B4F-43D3-A7E9-D06F5E37C6C1}"/>
+              </a:ext>
+            </a:extLst>
+          </p:cNvPr>
+          <p:cNvSpPr>
+            <a:spLocks noGrp="1"/>
+          </p:cNvSpPr>
+          <p:nvPr>
+            <p:ph type="dt" sz="half" idx="10"/>
+          </p:nvPr>
+        </p:nvSpPr>
+        <p:spPr/>
+        <p:txBody>
+          <a:bodyPr/>
+          <a:lstStyle/>
+          <a:p>
+            <a:fld id="{F736EC4A-E5B7-42C2-9943-4D2477F0E2BA}" type="datetime1">
+              <a:rPr lang="en-US" smtClean="0"/>
+              <a:t>9/28/2021</a:t>
+            </a:fld>
+            <a:endParaRPr lang="en-US" dirty="0"/>
+          </a:p>
+        </p:txBody>
+      </p:sp>
+      <p:sp>
+        <p:nvSpPr>
+          <p:cNvPr id="5" name="Footer Placeholder 4">
+            <a:extLst>
+              <a:ext uri="{FF2B5EF4-FFF2-40B4-BE49-F238E27FC236}">
+                <a16:creationId xmlns:a16="http://schemas.microsoft.com/office/drawing/2014/main" id="{C5649577-8229-4DC9-AE82-59C3A5BA0515}"/>
+              </a:ext>
+            </a:extLst>
+          </p:cNvPr>
+          <p:cNvSpPr>
+            <a:spLocks noGrp="1"/>
+          </p:cNvSpPr>
+          <p:nvPr>
+            <p:ph type="ftr" sz="quarter" idx="11"/>
+          </p:nvPr>
+        </p:nvSpPr>
+        <p:spPr/>
+        <p:txBody>
+          <a:bodyPr/>
+          <a:lstStyle/>
+          <a:p>
+            <a:r>
+              <a:rPr lang="en-US" dirty="0"/>
+              <a:t>Yarden Akaby &amp; Etai Sella</a:t>
+            </a:r>
+          </a:p>
+        </p:txBody>
+      </p:sp>
+      <p:sp>
+        <p:nvSpPr>
+          <p:cNvPr id="6" name="Slide Number Placeholder 5">
+            <a:extLst>
+              <a:ext uri="{FF2B5EF4-FFF2-40B4-BE49-F238E27FC236}">
+                <a16:creationId xmlns:a16="http://schemas.microsoft.com/office/drawing/2014/main" id="{1B57282B-C25D-48B2-A667-C1D467EB1137}"/>
+              </a:ext>
+            </a:extLst>
+          </p:cNvPr>
+          <p:cNvSpPr>
+            <a:spLocks noGrp="1"/>
+          </p:cNvSpPr>
+          <p:nvPr>
+            <p:ph type="sldNum" sz="quarter" idx="12"/>
+          </p:nvPr>
+        </p:nvSpPr>
+        <p:spPr/>
+        <p:txBody>
+          <a:bodyPr/>
+          <a:lstStyle/>
+          <a:p>
+            <a:fld id="{C629165E-D59B-453D-B763-34340D7036F6}" type="slidenum">
+              <a:rPr lang="en-US" smtClean="0"/>
+              <a:t>27</a:t>
+            </a:fld>
+            <a:endParaRPr lang="en-US" dirty="0"/>
+          </a:p>
+        </p:txBody>
+      </p:sp>
+      <p:pic>
+        <p:nvPicPr>
+          <p:cNvPr id="8" name="תמונה 7">
+            <a:extLst>
+              <a:ext uri="{FF2B5EF4-FFF2-40B4-BE49-F238E27FC236}">
+                <a16:creationId xmlns:a16="http://schemas.microsoft.com/office/drawing/2014/main" id="{49E86283-04B1-4AC8-B64C-10A81AF2DE7C}"/>
+              </a:ext>
+            </a:extLst>
+          </p:cNvPr>
+          <p:cNvPicPr>
+            <a:picLocks noChangeAspect="1"/>
+          </p:cNvPicPr>
+          <p:nvPr/>
+        </p:nvPicPr>
+        <p:blipFill>
+          <a:blip r:embed="rId3"/>
+          <a:stretch>
+            <a:fillRect/>
+          </a:stretch>
+        </p:blipFill>
+        <p:spPr>
+          <a:xfrm>
+            <a:off x="3274807" y="2253734"/>
+            <a:ext cx="4562212" cy="3482047"/>
+          </a:xfrm>
+          <a:prstGeom prst="rect">
+            <a:avLst/>
+          </a:prstGeom>
+        </p:spPr>
+      </p:pic>
+    </p:spTree>
+    <p:extLst>
+      <p:ext uri="{BB962C8B-B14F-4D97-AF65-F5344CB8AC3E}">
+        <p14:creationId xmlns:p14="http://schemas.microsoft.com/office/powerpoint/2010/main" val="1714346696"/>
+      </p:ext>
+    </p:extLst>
+  </p:cSld>
+  <p:clrMapOvr>
+    <a:masterClrMapping/>
+  </p:clrMapOvr>
+</p:sld>
+</file>
+
+<file path=ppt/slides/slide28.xml><?xml version="1.0" encoding="utf-8"?>
+<p:sld xmlns:a="http://schemas.openxmlformats.org/drawingml/2006/main" xmlns:r="http://schemas.openxmlformats.org/officeDocument/2006/relationships" xmlns:p="http://schemas.openxmlformats.org/presentationml/2006/main">
+  <p:cSld>
+    <p:spTree>
+      <p:nvGrpSpPr>
+        <p:cNvPr id="1" name=""/>
+        <p:cNvGrpSpPr/>
+        <p:nvPr/>
+      </p:nvGrpSpPr>
+      <p:grpSpPr>
+        <a:xfrm>
+          <a:off x="0" y="0"/>
+          <a:ext cx="0" cy="0"/>
+          <a:chOff x="0" y="0"/>
+          <a:chExt cx="0" cy="0"/>
+        </a:xfrm>
+      </p:grpSpPr>
+      <p:sp>
+        <p:nvSpPr>
+          <p:cNvPr id="2" name="Title 1">
+            <a:extLst>
+              <a:ext uri="{FF2B5EF4-FFF2-40B4-BE49-F238E27FC236}">
+                <a16:creationId xmlns:a16="http://schemas.microsoft.com/office/drawing/2014/main" id="{143B5247-4B5C-44D2-AE13-25DD403557B4}"/>
+              </a:ext>
+            </a:extLst>
+          </p:cNvPr>
+          <p:cNvSpPr>
+            <a:spLocks noGrp="1"/>
+          </p:cNvSpPr>
+          <p:nvPr>
+            <p:ph type="title"/>
+          </p:nvPr>
+        </p:nvSpPr>
+        <p:spPr/>
+        <p:txBody>
+          <a:bodyPr>
+            <a:normAutofit/>
+          </a:bodyPr>
+          <a:lstStyle/>
+          <a:p>
+            <a:r>
+              <a:rPr lang="en-US" dirty="0"/>
+              <a:t>Conclusions</a:t>
+            </a:r>
+          </a:p>
+        </p:txBody>
+      </p:sp>
+      <p:sp>
+        <p:nvSpPr>
+          <p:cNvPr id="3" name="Content Placeholder 2">
+            <a:extLst>
+              <a:ext uri="{FF2B5EF4-FFF2-40B4-BE49-F238E27FC236}">
+                <a16:creationId xmlns:a16="http://schemas.microsoft.com/office/drawing/2014/main" id="{8BB29A69-51F4-4CEE-B950-D3A7C19E951E}"/>
+              </a:ext>
+            </a:extLst>
+          </p:cNvPr>
+          <p:cNvSpPr>
+            <a:spLocks noGrp="1"/>
+          </p:cNvSpPr>
+          <p:nvPr>
+            <p:ph idx="1"/>
+          </p:nvPr>
+        </p:nvSpPr>
+        <p:spPr/>
+        <p:txBody>
+          <a:bodyPr>
+            <a:normAutofit/>
+          </a:bodyPr>
+          <a:lstStyle/>
+          <a:p>
+            <a:r>
+              <a:rPr lang="en-US" dirty="0"/>
+              <a:t>Chirp estimation using RANSAC is superior than LSM</a:t>
+            </a:r>
+          </a:p>
+          <a:p>
+            <a:r>
+              <a:rPr lang="en-US" dirty="0"/>
+              <a:t>Median Filter is a helpful tool in smoothing the noisy curves</a:t>
+            </a:r>
+          </a:p>
+          <a:p>
+            <a:r>
+              <a:rPr lang="en-US" dirty="0"/>
+              <a:t>Hough Transform is good as RANSAC in </a:t>
+            </a:r>
+            <a:r>
+              <a:rPr lang="en-US"/>
+              <a:t>estimating linear chirp </a:t>
+            </a:r>
+            <a:r>
+              <a:rPr lang="en-US" dirty="0"/>
+              <a:t>signals</a:t>
+            </a:r>
+          </a:p>
+          <a:p>
+            <a:r>
+              <a:rPr lang="en-US" dirty="0"/>
+              <a:t>Hough Transform can estimate changing linear chirps</a:t>
+            </a:r>
+          </a:p>
+        </p:txBody>
+      </p:sp>
+      <p:sp>
+        <p:nvSpPr>
+          <p:cNvPr id="4" name="Date Placeholder 3">
+            <a:extLst>
+              <a:ext uri="{FF2B5EF4-FFF2-40B4-BE49-F238E27FC236}">
+                <a16:creationId xmlns:a16="http://schemas.microsoft.com/office/drawing/2014/main" id="{59913B85-3B4F-43D3-A7E9-D06F5E37C6C1}"/>
+              </a:ext>
+            </a:extLst>
+          </p:cNvPr>
+          <p:cNvSpPr>
+            <a:spLocks noGrp="1"/>
+          </p:cNvSpPr>
+          <p:nvPr>
+            <p:ph type="dt" sz="half" idx="10"/>
+          </p:nvPr>
+        </p:nvSpPr>
+        <p:spPr/>
+        <p:txBody>
+          <a:bodyPr/>
+          <a:lstStyle/>
+          <a:p>
+            <a:fld id="{F736EC4A-E5B7-42C2-9943-4D2477F0E2BA}" type="datetime1">
+              <a:rPr lang="en-US" smtClean="0"/>
+              <a:t>9/28/2021</a:t>
+            </a:fld>
+            <a:endParaRPr lang="en-US" dirty="0"/>
+          </a:p>
+        </p:txBody>
+      </p:sp>
+      <p:sp>
+        <p:nvSpPr>
+          <p:cNvPr id="5" name="Footer Placeholder 4">
+            <a:extLst>
+              <a:ext uri="{FF2B5EF4-FFF2-40B4-BE49-F238E27FC236}">
+                <a16:creationId xmlns:a16="http://schemas.microsoft.com/office/drawing/2014/main" id="{C5649577-8229-4DC9-AE82-59C3A5BA0515}"/>
+              </a:ext>
+            </a:extLst>
+          </p:cNvPr>
+          <p:cNvSpPr>
+            <a:spLocks noGrp="1"/>
+          </p:cNvSpPr>
+          <p:nvPr>
+            <p:ph type="ftr" sz="quarter" idx="11"/>
+          </p:nvPr>
+        </p:nvSpPr>
+        <p:spPr/>
+        <p:txBody>
+          <a:bodyPr/>
+          <a:lstStyle/>
+          <a:p>
+            <a:r>
+              <a:rPr lang="en-US" dirty="0"/>
+              <a:t>Yarden Akaby &amp; Etai Sella</a:t>
+            </a:r>
+          </a:p>
+        </p:txBody>
+      </p:sp>
+      <p:sp>
+        <p:nvSpPr>
+          <p:cNvPr id="6" name="Slide Number Placeholder 5">
+            <a:extLst>
+              <a:ext uri="{FF2B5EF4-FFF2-40B4-BE49-F238E27FC236}">
+                <a16:creationId xmlns:a16="http://schemas.microsoft.com/office/drawing/2014/main" id="{1B57282B-C25D-48B2-A667-C1D467EB1137}"/>
+              </a:ext>
+            </a:extLst>
+          </p:cNvPr>
+          <p:cNvSpPr>
+            <a:spLocks noGrp="1"/>
+          </p:cNvSpPr>
+          <p:nvPr>
+            <p:ph type="sldNum" sz="quarter" idx="12"/>
+          </p:nvPr>
+        </p:nvSpPr>
+        <p:spPr/>
+        <p:txBody>
+          <a:bodyPr/>
+          <a:lstStyle/>
+          <a:p>
+            <a:fld id="{C629165E-D59B-453D-B763-34340D7036F6}" type="slidenum">
+              <a:rPr lang="en-US" smtClean="0"/>
+              <a:t>28</a:t>
+            </a:fld>
+            <a:endParaRPr lang="en-US" dirty="0"/>
+          </a:p>
+        </p:txBody>
+      </p:sp>
+    </p:spTree>
+    <p:extLst>
+      <p:ext uri="{BB962C8B-B14F-4D97-AF65-F5344CB8AC3E}">
+        <p14:creationId xmlns:p14="http://schemas.microsoft.com/office/powerpoint/2010/main" val="2703478556"/>
       </p:ext>
     </p:extLst>
   </p:cSld>
@@ -4319,7 +10160,7 @@
           <a:p>
             <a:fld id="{F736EC4A-E5B7-42C2-9943-4D2477F0E2BA}" type="datetime1">
               <a:rPr lang="en-US" smtClean="0"/>
-              <a:t>9/11/2021</a:t>
+              <a:t>9/28/2021</a:t>
             </a:fld>
             <a:endParaRPr lang="en-US" dirty="0"/>
           </a:p>
@@ -4347,8 +10188,8 @@
           <a:lstStyle/>
           <a:p>
             <a:r>
-              <a:rPr lang="en-US"/>
-              <a:t>Yarden Akebi &amp; Etai Sella</a:t>
+              <a:rPr lang="en-US" dirty="0"/>
+              <a:t>Yarden Akaby &amp; Etai Sella</a:t>
             </a:r>
           </a:p>
         </p:txBody>
@@ -4584,7 +10425,7 @@
           <a:p>
             <a:fld id="{F736EC4A-E5B7-42C2-9943-4D2477F0E2BA}" type="datetime1">
               <a:rPr lang="en-US" smtClean="0"/>
-              <a:t>9/11/2021</a:t>
+              <a:t>9/28/2021</a:t>
             </a:fld>
             <a:endParaRPr lang="en-US" dirty="0"/>
           </a:p>
@@ -4612,8 +10453,8 @@
           <a:lstStyle/>
           <a:p>
             <a:r>
-              <a:rPr lang="en-US"/>
-              <a:t>Yarden Akebi &amp; Etai Sella</a:t>
+              <a:rPr lang="en-US" dirty="0"/>
+              <a:t>Yarden Akaby &amp; Etai Sella</a:t>
             </a:r>
           </a:p>
         </p:txBody>
@@ -4760,7 +10601,7 @@
           <a:p>
             <a:fld id="{F736EC4A-E5B7-42C2-9943-4D2477F0E2BA}" type="datetime1">
               <a:rPr lang="en-US" smtClean="0"/>
-              <a:t>9/11/2021</a:t>
+              <a:t>9/28/2021</a:t>
             </a:fld>
             <a:endParaRPr lang="en-US" dirty="0"/>
           </a:p>
@@ -4788,8 +10629,8 @@
           <a:lstStyle/>
           <a:p>
             <a:r>
-              <a:rPr lang="en-US"/>
-              <a:t>Yarden Akebi &amp; Etai Sella</a:t>
+              <a:rPr lang="en-US" dirty="0"/>
+              <a:t>Yarden Akaby &amp; Etai Sella</a:t>
             </a:r>
           </a:p>
         </p:txBody>
@@ -4859,8 +10700,8 @@
           </a:prstGeom>
         </p:spPr>
       </p:pic>
-      <mc:AlternateContent xmlns:mc="http://schemas.openxmlformats.org/markup-compatibility/2006">
-        <mc:Choice xmlns:a14="http://schemas.microsoft.com/office/drawing/2010/main" Requires="a14">
+      <mc:AlternateContent xmlns:mc="http://schemas.openxmlformats.org/markup-compatibility/2006" xmlns:a14="http://schemas.microsoft.com/office/drawing/2010/main">
+        <mc:Choice Requires="a14">
           <p:sp>
             <p:nvSpPr>
               <p:cNvPr id="9" name="TextBox 8">
@@ -5023,7 +10864,7 @@
             </p:txBody>
           </p:sp>
         </mc:Choice>
-        <mc:Fallback>
+        <mc:Fallback xmlns="">
           <p:sp>
             <p:nvSpPr>
               <p:cNvPr id="9" name="TextBox 8">
@@ -5229,7 +11070,7 @@
           <a:p>
             <a:fld id="{F736EC4A-E5B7-42C2-9943-4D2477F0E2BA}" type="datetime1">
               <a:rPr lang="en-US" smtClean="0"/>
-              <a:t>9/11/2021</a:t>
+              <a:t>9/28/2021</a:t>
             </a:fld>
             <a:endParaRPr lang="en-US" dirty="0"/>
           </a:p>
@@ -5257,8 +11098,8 @@
           <a:lstStyle/>
           <a:p>
             <a:r>
-              <a:rPr lang="en-US"/>
-              <a:t>Yarden Akebi &amp; Etai Sella</a:t>
+              <a:rPr lang="en-US" dirty="0"/>
+              <a:t>Yarden Akaby &amp; Etai Sella</a:t>
             </a:r>
           </a:p>
         </p:txBody>
@@ -5296,6 +11137,923 @@
     <p:extLst>
       <p:ext uri="{BB962C8B-B14F-4D97-AF65-F5344CB8AC3E}">
         <p14:creationId xmlns:p14="http://schemas.microsoft.com/office/powerpoint/2010/main" val="1428503156"/>
+      </p:ext>
+    </p:extLst>
+  </p:cSld>
+  <p:clrMapOvr>
+    <a:masterClrMapping/>
+  </p:clrMapOvr>
+</p:sld>
+</file>
+
+<file path=ppt/slides/slide7.xml><?xml version="1.0" encoding="utf-8"?>
+<p:sld xmlns:a="http://schemas.openxmlformats.org/drawingml/2006/main" xmlns:r="http://schemas.openxmlformats.org/officeDocument/2006/relationships" xmlns:p="http://schemas.openxmlformats.org/presentationml/2006/main">
+  <p:cSld>
+    <p:spTree>
+      <p:nvGrpSpPr>
+        <p:cNvPr id="1" name=""/>
+        <p:cNvGrpSpPr/>
+        <p:nvPr/>
+      </p:nvGrpSpPr>
+      <p:grpSpPr>
+        <a:xfrm>
+          <a:off x="0" y="0"/>
+          <a:ext cx="0" cy="0"/>
+          <a:chOff x="0" y="0"/>
+          <a:chExt cx="0" cy="0"/>
+        </a:xfrm>
+      </p:grpSpPr>
+      <p:sp>
+        <p:nvSpPr>
+          <p:cNvPr id="2" name="Title 1">
+            <a:extLst>
+              <a:ext uri="{FF2B5EF4-FFF2-40B4-BE49-F238E27FC236}">
+                <a16:creationId xmlns:a16="http://schemas.microsoft.com/office/drawing/2014/main" id="{143B5247-4B5C-44D2-AE13-25DD403557B4}"/>
+              </a:ext>
+            </a:extLst>
+          </p:cNvPr>
+          <p:cNvSpPr>
+            <a:spLocks noGrp="1"/>
+          </p:cNvSpPr>
+          <p:nvPr>
+            <p:ph type="title"/>
+          </p:nvPr>
+        </p:nvSpPr>
+        <p:spPr/>
+        <p:txBody>
+          <a:bodyPr/>
+          <a:lstStyle/>
+          <a:p>
+            <a:r>
+              <a:rPr lang="en-US" dirty="0"/>
+              <a:t>Overview of Fan &amp; Li’s method</a:t>
+            </a:r>
+          </a:p>
+        </p:txBody>
+      </p:sp>
+      <p:sp>
+        <p:nvSpPr>
+          <p:cNvPr id="3" name="Content Placeholder 2">
+            <a:extLst>
+              <a:ext uri="{FF2B5EF4-FFF2-40B4-BE49-F238E27FC236}">
+                <a16:creationId xmlns:a16="http://schemas.microsoft.com/office/drawing/2014/main" id="{8BB29A69-51F4-4CEE-B950-D3A7C19E951E}"/>
+              </a:ext>
+            </a:extLst>
+          </p:cNvPr>
+          <p:cNvSpPr>
+            <a:spLocks noGrp="1"/>
+          </p:cNvSpPr>
+          <p:nvPr>
+            <p:ph idx="1"/>
+          </p:nvPr>
+        </p:nvSpPr>
+        <p:spPr/>
+        <p:txBody>
+          <a:bodyPr>
+            <a:normAutofit/>
+          </a:bodyPr>
+          <a:lstStyle/>
+          <a:p>
+            <a:pPr marL="514350" indent="-514350">
+              <a:buAutoNum type="arabicParenR"/>
+            </a:pPr>
+            <a:r>
+              <a:rPr lang="en-US" dirty="0"/>
+              <a:t>STFT</a:t>
+            </a:r>
+          </a:p>
+          <a:p>
+            <a:pPr marL="514350" indent="-514350">
+              <a:buAutoNum type="arabicParenR"/>
+            </a:pPr>
+            <a:r>
+              <a:rPr lang="en-US" dirty="0"/>
+              <a:t>Extracting </a:t>
+            </a:r>
+            <a:r>
+              <a:rPr lang="en-US" dirty="0" err="1"/>
+              <a:t>Maximas</a:t>
+            </a:r>
+            <a:r>
+              <a:rPr lang="en-US" dirty="0"/>
+              <a:t> &amp; Median Filtering</a:t>
+            </a:r>
+          </a:p>
+          <a:p>
+            <a:pPr marL="514350" indent="-514350">
+              <a:buAutoNum type="arabicParenR"/>
+            </a:pPr>
+            <a:r>
+              <a:rPr lang="en-US" dirty="0"/>
+              <a:t>RANSAC</a:t>
+            </a:r>
+          </a:p>
+          <a:p>
+            <a:pPr marL="0" indent="0">
+              <a:buNone/>
+            </a:pPr>
+            <a:endParaRPr lang="en-US" dirty="0"/>
+          </a:p>
+          <a:p>
+            <a:pPr marL="0" indent="0">
+              <a:buNone/>
+            </a:pPr>
+            <a:endParaRPr lang="en-US" dirty="0"/>
+          </a:p>
+        </p:txBody>
+      </p:sp>
+      <p:sp>
+        <p:nvSpPr>
+          <p:cNvPr id="4" name="Date Placeholder 3">
+            <a:extLst>
+              <a:ext uri="{FF2B5EF4-FFF2-40B4-BE49-F238E27FC236}">
+                <a16:creationId xmlns:a16="http://schemas.microsoft.com/office/drawing/2014/main" id="{59913B85-3B4F-43D3-A7E9-D06F5E37C6C1}"/>
+              </a:ext>
+            </a:extLst>
+          </p:cNvPr>
+          <p:cNvSpPr>
+            <a:spLocks noGrp="1"/>
+          </p:cNvSpPr>
+          <p:nvPr>
+            <p:ph type="dt" sz="half" idx="10"/>
+          </p:nvPr>
+        </p:nvSpPr>
+        <p:spPr/>
+        <p:txBody>
+          <a:bodyPr/>
+          <a:lstStyle/>
+          <a:p>
+            <a:fld id="{F736EC4A-E5B7-42C2-9943-4D2477F0E2BA}" type="datetime1">
+              <a:rPr lang="en-US" smtClean="0"/>
+              <a:t>9/28/2021</a:t>
+            </a:fld>
+            <a:endParaRPr lang="en-US" dirty="0"/>
+          </a:p>
+        </p:txBody>
+      </p:sp>
+      <p:sp>
+        <p:nvSpPr>
+          <p:cNvPr id="5" name="Footer Placeholder 4">
+            <a:extLst>
+              <a:ext uri="{FF2B5EF4-FFF2-40B4-BE49-F238E27FC236}">
+                <a16:creationId xmlns:a16="http://schemas.microsoft.com/office/drawing/2014/main" id="{C5649577-8229-4DC9-AE82-59C3A5BA0515}"/>
+              </a:ext>
+            </a:extLst>
+          </p:cNvPr>
+          <p:cNvSpPr>
+            <a:spLocks noGrp="1"/>
+          </p:cNvSpPr>
+          <p:nvPr>
+            <p:ph type="ftr" sz="quarter" idx="11"/>
+          </p:nvPr>
+        </p:nvSpPr>
+        <p:spPr/>
+        <p:txBody>
+          <a:bodyPr/>
+          <a:lstStyle/>
+          <a:p>
+            <a:r>
+              <a:rPr lang="en-US" dirty="0"/>
+              <a:t>Yarden Akaby &amp; Etai Sella</a:t>
+            </a:r>
+          </a:p>
+        </p:txBody>
+      </p:sp>
+      <p:sp>
+        <p:nvSpPr>
+          <p:cNvPr id="6" name="Slide Number Placeholder 5">
+            <a:extLst>
+              <a:ext uri="{FF2B5EF4-FFF2-40B4-BE49-F238E27FC236}">
+                <a16:creationId xmlns:a16="http://schemas.microsoft.com/office/drawing/2014/main" id="{1B57282B-C25D-48B2-A667-C1D467EB1137}"/>
+              </a:ext>
+            </a:extLst>
+          </p:cNvPr>
+          <p:cNvSpPr>
+            <a:spLocks noGrp="1"/>
+          </p:cNvSpPr>
+          <p:nvPr>
+            <p:ph type="sldNum" sz="quarter" idx="12"/>
+          </p:nvPr>
+        </p:nvSpPr>
+        <p:spPr/>
+        <p:txBody>
+          <a:bodyPr/>
+          <a:lstStyle/>
+          <a:p>
+            <a:fld id="{C629165E-D59B-453D-B763-34340D7036F6}" type="slidenum">
+              <a:rPr lang="en-US" smtClean="0"/>
+              <a:t>7</a:t>
+            </a:fld>
+            <a:endParaRPr lang="en-US" dirty="0"/>
+          </a:p>
+        </p:txBody>
+      </p:sp>
+    </p:spTree>
+    <p:extLst>
+      <p:ext uri="{BB962C8B-B14F-4D97-AF65-F5344CB8AC3E}">
+        <p14:creationId xmlns:p14="http://schemas.microsoft.com/office/powerpoint/2010/main" val="2493750724"/>
+      </p:ext>
+    </p:extLst>
+  </p:cSld>
+  <p:clrMapOvr>
+    <a:masterClrMapping/>
+  </p:clrMapOvr>
+</p:sld>
+</file>
+
+<file path=ppt/slides/slide8.xml><?xml version="1.0" encoding="utf-8"?>
+<p:sld xmlns:a="http://schemas.openxmlformats.org/drawingml/2006/main" xmlns:r="http://schemas.openxmlformats.org/officeDocument/2006/relationships" xmlns:p="http://schemas.openxmlformats.org/presentationml/2006/main">
+  <p:cSld>
+    <p:spTree>
+      <p:nvGrpSpPr>
+        <p:cNvPr id="1" name=""/>
+        <p:cNvGrpSpPr/>
+        <p:nvPr/>
+      </p:nvGrpSpPr>
+      <p:grpSpPr>
+        <a:xfrm>
+          <a:off x="0" y="0"/>
+          <a:ext cx="0" cy="0"/>
+          <a:chOff x="0" y="0"/>
+          <a:chExt cx="0" cy="0"/>
+        </a:xfrm>
+      </p:grpSpPr>
+      <p:sp>
+        <p:nvSpPr>
+          <p:cNvPr id="2" name="Title 1">
+            <a:extLst>
+              <a:ext uri="{FF2B5EF4-FFF2-40B4-BE49-F238E27FC236}">
+                <a16:creationId xmlns:a16="http://schemas.microsoft.com/office/drawing/2014/main" id="{143B5247-4B5C-44D2-AE13-25DD403557B4}"/>
+              </a:ext>
+            </a:extLst>
+          </p:cNvPr>
+          <p:cNvSpPr>
+            <a:spLocks noGrp="1"/>
+          </p:cNvSpPr>
+          <p:nvPr>
+            <p:ph type="title"/>
+          </p:nvPr>
+        </p:nvSpPr>
+        <p:spPr/>
+        <p:txBody>
+          <a:bodyPr/>
+          <a:lstStyle/>
+          <a:p>
+            <a:r>
+              <a:rPr lang="en-US" dirty="0"/>
+              <a:t>Overview of Fan &amp; Li’s method</a:t>
+            </a:r>
+          </a:p>
+        </p:txBody>
+      </p:sp>
+      <mc:AlternateContent xmlns:mc="http://schemas.openxmlformats.org/markup-compatibility/2006">
+        <mc:Choice xmlns:a14="http://schemas.microsoft.com/office/drawing/2010/main" Requires="a14">
+          <p:sp>
+            <p:nvSpPr>
+              <p:cNvPr id="3" name="Content Placeholder 2">
+                <a:extLst>
+                  <a:ext uri="{FF2B5EF4-FFF2-40B4-BE49-F238E27FC236}">
+                    <a16:creationId xmlns:a16="http://schemas.microsoft.com/office/drawing/2014/main" id="{8BB29A69-51F4-4CEE-B950-D3A7C19E951E}"/>
+                  </a:ext>
+                </a:extLst>
+              </p:cNvPr>
+              <p:cNvSpPr>
+                <a:spLocks noGrp="1"/>
+              </p:cNvSpPr>
+              <p:nvPr>
+                <p:ph idx="1"/>
+              </p:nvPr>
+            </p:nvSpPr>
+            <p:spPr/>
+            <p:txBody>
+              <a:bodyPr>
+                <a:normAutofit lnSpcReduction="10000"/>
+              </a:bodyPr>
+              <a:lstStyle/>
+              <a:p>
+                <a:pPr marL="0" indent="0">
+                  <a:buNone/>
+                </a:pPr>
+                <a:r>
+                  <a:rPr lang="en-US" b="1" dirty="0"/>
+                  <a:t>STFT of LFM signal:</a:t>
+                </a:r>
+              </a:p>
+              <a:p>
+                <a:r>
+                  <a:rPr lang="en-US" dirty="0"/>
+                  <a:t>Short Time Fourier Transform of a nonstationary signal </a:t>
+                </a:r>
+                <a14:m>
+                  <m:oMath xmlns:m="http://schemas.openxmlformats.org/officeDocument/2006/math">
+                    <m:r>
+                      <a:rPr lang="en-US" b="0" i="1" smtClean="0">
+                        <a:latin typeface="Cambria Math" panose="02040503050406030204" pitchFamily="18" charset="0"/>
+                      </a:rPr>
+                      <m:t>𝑠</m:t>
+                    </m:r>
+                    <m:r>
+                      <a:rPr lang="en-US" b="0" i="1" smtClean="0">
+                        <a:latin typeface="Cambria Math" panose="02040503050406030204" pitchFamily="18" charset="0"/>
+                      </a:rPr>
+                      <m:t>(</m:t>
+                    </m:r>
+                    <m:r>
+                      <a:rPr lang="en-US" b="0" i="1" smtClean="0">
+                        <a:latin typeface="Cambria Math" panose="02040503050406030204" pitchFamily="18" charset="0"/>
+                      </a:rPr>
+                      <m:t>𝑡</m:t>
+                    </m:r>
+                    <m:r>
+                      <a:rPr lang="en-US" b="0" i="1" smtClean="0">
+                        <a:latin typeface="Cambria Math" panose="02040503050406030204" pitchFamily="18" charset="0"/>
+                      </a:rPr>
+                      <m:t>)</m:t>
+                    </m:r>
+                  </m:oMath>
+                </a14:m>
+                <a:r>
+                  <a:rPr lang="en-US" dirty="0"/>
+                  <a:t>:</a:t>
+                </a:r>
+              </a:p>
+              <a:p>
+                <a:pPr marL="0" indent="0">
+                  <a:buNone/>
+                </a:pPr>
+                <a:r>
+                  <a:rPr lang="en-US" dirty="0"/>
+                  <a:t>	</a:t>
+                </a:r>
+              </a:p>
+              <a:p>
+                <a:pPr marL="0" indent="0">
+                  <a:buNone/>
+                </a:pPr>
+                <a:endParaRPr lang="en-US" dirty="0"/>
+              </a:p>
+              <a:p>
+                <a:r>
+                  <a:rPr lang="en-US" dirty="0"/>
+                  <a:t>LFM signal in the frequency domain can be described as:</a:t>
+                </a:r>
+              </a:p>
+              <a:p>
+                <a:pPr marL="0" indent="0">
+                  <a:buNone/>
+                </a:pPr>
+                <a:endParaRPr lang="en-US" dirty="0"/>
+              </a:p>
+              <a:p>
+                <a:pPr marL="0" indent="0">
+                  <a:buNone/>
+                </a:pPr>
+                <a:endParaRPr lang="en-US" dirty="0"/>
+              </a:p>
+              <a:p>
+                <a:r>
+                  <a:rPr lang="en-US" dirty="0"/>
+                  <a:t>Thus, we expect the spectrum </a:t>
+                </a:r>
+                <a14:m>
+                  <m:oMath xmlns:m="http://schemas.openxmlformats.org/officeDocument/2006/math">
+                    <m:sSup>
+                      <m:sSupPr>
+                        <m:ctrlPr>
+                          <a:rPr lang="en-US" b="0" i="1" smtClean="0">
+                            <a:latin typeface="Cambria Math" panose="02040503050406030204" pitchFamily="18" charset="0"/>
+                          </a:rPr>
+                        </m:ctrlPr>
+                      </m:sSupPr>
+                      <m:e>
+                        <m:d>
+                          <m:dPr>
+                            <m:begChr m:val="|"/>
+                            <m:endChr m:val="|"/>
+                            <m:ctrlPr>
+                              <a:rPr lang="en-US" i="1" smtClean="0">
+                                <a:latin typeface="Cambria Math" panose="02040503050406030204" pitchFamily="18" charset="0"/>
+                              </a:rPr>
+                            </m:ctrlPr>
+                          </m:dPr>
+                          <m:e>
+                            <m:r>
+                              <a:rPr lang="en-US" b="0" i="1" smtClean="0">
+                                <a:latin typeface="Cambria Math" panose="02040503050406030204" pitchFamily="18" charset="0"/>
+                              </a:rPr>
+                              <m:t>𝑆𝑇𝐹</m:t>
+                            </m:r>
+                            <m:sSub>
+                              <m:sSubPr>
+                                <m:ctrlPr>
+                                  <a:rPr lang="en-US" b="0" i="1" smtClean="0">
+                                    <a:latin typeface="Cambria Math" panose="02040503050406030204" pitchFamily="18" charset="0"/>
+                                  </a:rPr>
+                                </m:ctrlPr>
+                              </m:sSubPr>
+                              <m:e>
+                                <m:r>
+                                  <a:rPr lang="en-US" b="0" i="1" smtClean="0">
+                                    <a:latin typeface="Cambria Math" panose="02040503050406030204" pitchFamily="18" charset="0"/>
+                                  </a:rPr>
+                                  <m:t>𝑇</m:t>
+                                </m:r>
+                              </m:e>
+                              <m:sub>
+                                <m:r>
+                                  <a:rPr lang="en-US" b="0" i="1" smtClean="0">
+                                    <a:latin typeface="Cambria Math" panose="02040503050406030204" pitchFamily="18" charset="0"/>
+                                  </a:rPr>
+                                  <m:t>𝑠</m:t>
+                                </m:r>
+                              </m:sub>
+                            </m:sSub>
+                            <m:d>
+                              <m:dPr>
+                                <m:ctrlPr>
+                                  <a:rPr lang="en-US" b="0" i="1" smtClean="0">
+                                    <a:latin typeface="Cambria Math" panose="02040503050406030204" pitchFamily="18" charset="0"/>
+                                  </a:rPr>
+                                </m:ctrlPr>
+                              </m:dPr>
+                              <m:e>
+                                <m:r>
+                                  <a:rPr lang="en-US" b="0" i="1" smtClean="0">
+                                    <a:latin typeface="Cambria Math" panose="02040503050406030204" pitchFamily="18" charset="0"/>
+                                  </a:rPr>
+                                  <m:t>𝑡</m:t>
+                                </m:r>
+                                <m:r>
+                                  <a:rPr lang="en-US" b="0" i="1" smtClean="0">
+                                    <a:latin typeface="Cambria Math" panose="02040503050406030204" pitchFamily="18" charset="0"/>
+                                  </a:rPr>
+                                  <m:t>,</m:t>
+                                </m:r>
+                                <m:r>
+                                  <a:rPr lang="en-US" b="0" i="1" smtClean="0">
+                                    <a:latin typeface="Cambria Math" panose="02040503050406030204" pitchFamily="18" charset="0"/>
+                                  </a:rPr>
+                                  <m:t>𝑓</m:t>
+                                </m:r>
+                              </m:e>
+                            </m:d>
+                          </m:e>
+                        </m:d>
+                      </m:e>
+                      <m:sup>
+                        <m:r>
+                          <a:rPr lang="en-US" b="0" i="1" smtClean="0">
+                            <a:latin typeface="Cambria Math" panose="02040503050406030204" pitchFamily="18" charset="0"/>
+                          </a:rPr>
+                          <m:t>2</m:t>
+                        </m:r>
+                      </m:sup>
+                    </m:sSup>
+                  </m:oMath>
+                </a14:m>
+                <a:r>
+                  <a:rPr lang="en-US" dirty="0"/>
+                  <a:t> of </a:t>
+                </a:r>
+                <a14:m>
+                  <m:oMath xmlns:m="http://schemas.openxmlformats.org/officeDocument/2006/math">
+                    <m:r>
+                      <a:rPr lang="en-US" b="0" i="1" smtClean="0">
+                        <a:latin typeface="Cambria Math" panose="02040503050406030204" pitchFamily="18" charset="0"/>
+                      </a:rPr>
+                      <m:t>𝑆</m:t>
+                    </m:r>
+                    <m:r>
+                      <a:rPr lang="en-US" b="0" i="1" smtClean="0">
+                        <a:latin typeface="Cambria Math" panose="02040503050406030204" pitchFamily="18" charset="0"/>
+                      </a:rPr>
+                      <m:t>(</m:t>
+                    </m:r>
+                    <m:r>
+                      <a:rPr lang="en-US" b="0" i="1" smtClean="0">
+                        <a:latin typeface="Cambria Math" panose="02040503050406030204" pitchFamily="18" charset="0"/>
+                      </a:rPr>
+                      <m:t>𝑡</m:t>
+                    </m:r>
+                    <m:r>
+                      <a:rPr lang="en-US" b="0" i="1" smtClean="0">
+                        <a:latin typeface="Cambria Math" panose="02040503050406030204" pitchFamily="18" charset="0"/>
+                      </a:rPr>
+                      <m:t>)</m:t>
+                    </m:r>
+                  </m:oMath>
+                </a14:m>
+                <a:r>
+                  <a:rPr lang="en-US" dirty="0"/>
+                  <a:t> to resemble a straight line:</a:t>
+                </a:r>
+              </a:p>
+            </p:txBody>
+          </p:sp>
+        </mc:Choice>
+        <mc:Fallback>
+          <p:sp>
+            <p:nvSpPr>
+              <p:cNvPr id="3" name="Content Placeholder 2">
+                <a:extLst>
+                  <a:ext uri="{FF2B5EF4-FFF2-40B4-BE49-F238E27FC236}">
+                    <a16:creationId xmlns:a16="http://schemas.microsoft.com/office/drawing/2014/main" id="{8BB29A69-51F4-4CEE-B950-D3A7C19E951E}"/>
+                  </a:ext>
+                </a:extLst>
+              </p:cNvPr>
+              <p:cNvSpPr>
+                <a:spLocks noGrp="1" noRot="1" noChangeAspect="1" noMove="1" noResize="1" noEditPoints="1" noAdjustHandles="1" noChangeArrowheads="1" noChangeShapeType="1" noTextEdit="1"/>
+              </p:cNvSpPr>
+              <p:nvPr>
+                <p:ph idx="1"/>
+              </p:nvPr>
+            </p:nvSpPr>
+            <p:spPr>
+              <a:blipFill>
+                <a:blip r:embed="rId3"/>
+                <a:stretch>
+                  <a:fillRect l="-1217" t="-3081"/>
+                </a:stretch>
+              </a:blipFill>
+            </p:spPr>
+            <p:txBody>
+              <a:bodyPr/>
+              <a:lstStyle/>
+              <a:p>
+                <a:r>
+                  <a:rPr lang="en-US">
+                    <a:noFill/>
+                  </a:rPr>
+                  <a:t> </a:t>
+                </a:r>
+              </a:p>
+            </p:txBody>
+          </p:sp>
+        </mc:Fallback>
+      </mc:AlternateContent>
+      <p:sp>
+        <p:nvSpPr>
+          <p:cNvPr id="4" name="Date Placeholder 3">
+            <a:extLst>
+              <a:ext uri="{FF2B5EF4-FFF2-40B4-BE49-F238E27FC236}">
+                <a16:creationId xmlns:a16="http://schemas.microsoft.com/office/drawing/2014/main" id="{59913B85-3B4F-43D3-A7E9-D06F5E37C6C1}"/>
+              </a:ext>
+            </a:extLst>
+          </p:cNvPr>
+          <p:cNvSpPr>
+            <a:spLocks noGrp="1"/>
+          </p:cNvSpPr>
+          <p:nvPr>
+            <p:ph type="dt" sz="half" idx="10"/>
+          </p:nvPr>
+        </p:nvSpPr>
+        <p:spPr/>
+        <p:txBody>
+          <a:bodyPr/>
+          <a:lstStyle/>
+          <a:p>
+            <a:fld id="{F736EC4A-E5B7-42C2-9943-4D2477F0E2BA}" type="datetime1">
+              <a:rPr lang="en-US" smtClean="0"/>
+              <a:t>9/28/2021</a:t>
+            </a:fld>
+            <a:endParaRPr lang="en-US" dirty="0"/>
+          </a:p>
+        </p:txBody>
+      </p:sp>
+      <p:sp>
+        <p:nvSpPr>
+          <p:cNvPr id="5" name="Footer Placeholder 4">
+            <a:extLst>
+              <a:ext uri="{FF2B5EF4-FFF2-40B4-BE49-F238E27FC236}">
+                <a16:creationId xmlns:a16="http://schemas.microsoft.com/office/drawing/2014/main" id="{C5649577-8229-4DC9-AE82-59C3A5BA0515}"/>
+              </a:ext>
+            </a:extLst>
+          </p:cNvPr>
+          <p:cNvSpPr>
+            <a:spLocks noGrp="1"/>
+          </p:cNvSpPr>
+          <p:nvPr>
+            <p:ph type="ftr" sz="quarter" idx="11"/>
+          </p:nvPr>
+        </p:nvSpPr>
+        <p:spPr/>
+        <p:txBody>
+          <a:bodyPr/>
+          <a:lstStyle/>
+          <a:p>
+            <a:r>
+              <a:rPr lang="en-US" dirty="0"/>
+              <a:t>Yarden Akaby &amp; Etai Sella</a:t>
+            </a:r>
+          </a:p>
+        </p:txBody>
+      </p:sp>
+      <p:sp>
+        <p:nvSpPr>
+          <p:cNvPr id="6" name="Slide Number Placeholder 5">
+            <a:extLst>
+              <a:ext uri="{FF2B5EF4-FFF2-40B4-BE49-F238E27FC236}">
+                <a16:creationId xmlns:a16="http://schemas.microsoft.com/office/drawing/2014/main" id="{1B57282B-C25D-48B2-A667-C1D467EB1137}"/>
+              </a:ext>
+            </a:extLst>
+          </p:cNvPr>
+          <p:cNvSpPr>
+            <a:spLocks noGrp="1"/>
+          </p:cNvSpPr>
+          <p:nvPr>
+            <p:ph type="sldNum" sz="quarter" idx="12"/>
+          </p:nvPr>
+        </p:nvSpPr>
+        <p:spPr/>
+        <p:txBody>
+          <a:bodyPr/>
+          <a:lstStyle/>
+          <a:p>
+            <a:fld id="{C629165E-D59B-453D-B763-34340D7036F6}" type="slidenum">
+              <a:rPr lang="en-US" smtClean="0"/>
+              <a:t>8</a:t>
+            </a:fld>
+            <a:endParaRPr lang="en-US" dirty="0"/>
+          </a:p>
+        </p:txBody>
+      </p:sp>
+      <p:pic>
+        <p:nvPicPr>
+          <p:cNvPr id="8" name="Picture 7">
+            <a:extLst>
+              <a:ext uri="{FF2B5EF4-FFF2-40B4-BE49-F238E27FC236}">
+                <a16:creationId xmlns:a16="http://schemas.microsoft.com/office/drawing/2014/main" id="{E8089A1E-DC4B-4FBE-89CD-ADD655255C9D}"/>
+              </a:ext>
+            </a:extLst>
+          </p:cNvPr>
+          <p:cNvPicPr>
+            <a:picLocks noChangeAspect="1"/>
+          </p:cNvPicPr>
+          <p:nvPr/>
+        </p:nvPicPr>
+        <p:blipFill>
+          <a:blip r:embed="rId4"/>
+          <a:stretch>
+            <a:fillRect/>
+          </a:stretch>
+        </p:blipFill>
+        <p:spPr>
+          <a:xfrm>
+            <a:off x="3747760" y="2609736"/>
+            <a:ext cx="4696480" cy="819264"/>
+          </a:xfrm>
+          <a:prstGeom prst="rect">
+            <a:avLst/>
+          </a:prstGeom>
+        </p:spPr>
+      </p:pic>
+      <p:pic>
+        <p:nvPicPr>
+          <p:cNvPr id="10" name="Picture 9">
+            <a:extLst>
+              <a:ext uri="{FF2B5EF4-FFF2-40B4-BE49-F238E27FC236}">
+                <a16:creationId xmlns:a16="http://schemas.microsoft.com/office/drawing/2014/main" id="{495373BB-D917-4DE3-81AE-1D6384E82F13}"/>
+              </a:ext>
+            </a:extLst>
+          </p:cNvPr>
+          <p:cNvPicPr>
+            <a:picLocks noChangeAspect="1"/>
+          </p:cNvPicPr>
+          <p:nvPr/>
+        </p:nvPicPr>
+        <p:blipFill>
+          <a:blip r:embed="rId5"/>
+          <a:stretch>
+            <a:fillRect/>
+          </a:stretch>
+        </p:blipFill>
+        <p:spPr>
+          <a:xfrm>
+            <a:off x="5205288" y="4184496"/>
+            <a:ext cx="1781424" cy="571580"/>
+          </a:xfrm>
+          <a:prstGeom prst="rect">
+            <a:avLst/>
+          </a:prstGeom>
+        </p:spPr>
+      </p:pic>
+    </p:spTree>
+    <p:extLst>
+      <p:ext uri="{BB962C8B-B14F-4D97-AF65-F5344CB8AC3E}">
+        <p14:creationId xmlns:p14="http://schemas.microsoft.com/office/powerpoint/2010/main" val="1319834275"/>
+      </p:ext>
+    </p:extLst>
+  </p:cSld>
+  <p:clrMapOvr>
+    <a:masterClrMapping/>
+  </p:clrMapOvr>
+</p:sld>
+</file>
+
+<file path=ppt/slides/slide9.xml><?xml version="1.0" encoding="utf-8"?>
+<p:sld xmlns:a="http://schemas.openxmlformats.org/drawingml/2006/main" xmlns:r="http://schemas.openxmlformats.org/officeDocument/2006/relationships" xmlns:p="http://schemas.openxmlformats.org/presentationml/2006/main">
+  <p:cSld>
+    <p:spTree>
+      <p:nvGrpSpPr>
+        <p:cNvPr id="1" name=""/>
+        <p:cNvGrpSpPr/>
+        <p:nvPr/>
+      </p:nvGrpSpPr>
+      <p:grpSpPr>
+        <a:xfrm>
+          <a:off x="0" y="0"/>
+          <a:ext cx="0" cy="0"/>
+          <a:chOff x="0" y="0"/>
+          <a:chExt cx="0" cy="0"/>
+        </a:xfrm>
+      </p:grpSpPr>
+      <p:sp>
+        <p:nvSpPr>
+          <p:cNvPr id="2" name="Title 1">
+            <a:extLst>
+              <a:ext uri="{FF2B5EF4-FFF2-40B4-BE49-F238E27FC236}">
+                <a16:creationId xmlns:a16="http://schemas.microsoft.com/office/drawing/2014/main" id="{143B5247-4B5C-44D2-AE13-25DD403557B4}"/>
+              </a:ext>
+            </a:extLst>
+          </p:cNvPr>
+          <p:cNvSpPr>
+            <a:spLocks noGrp="1"/>
+          </p:cNvSpPr>
+          <p:nvPr>
+            <p:ph type="title"/>
+          </p:nvPr>
+        </p:nvSpPr>
+        <p:spPr/>
+        <p:txBody>
+          <a:bodyPr/>
+          <a:lstStyle/>
+          <a:p>
+            <a:r>
+              <a:rPr lang="en-US" dirty="0"/>
+              <a:t>Overview of Fan &amp; Li’s method</a:t>
+            </a:r>
+          </a:p>
+        </p:txBody>
+      </p:sp>
+      <p:sp>
+        <p:nvSpPr>
+          <p:cNvPr id="3" name="Content Placeholder 2">
+            <a:extLst>
+              <a:ext uri="{FF2B5EF4-FFF2-40B4-BE49-F238E27FC236}">
+                <a16:creationId xmlns:a16="http://schemas.microsoft.com/office/drawing/2014/main" id="{8BB29A69-51F4-4CEE-B950-D3A7C19E951E}"/>
+              </a:ext>
+            </a:extLst>
+          </p:cNvPr>
+          <p:cNvSpPr>
+            <a:spLocks noGrp="1"/>
+          </p:cNvSpPr>
+          <p:nvPr>
+            <p:ph idx="1"/>
+          </p:nvPr>
+        </p:nvSpPr>
+        <p:spPr/>
+        <p:txBody>
+          <a:bodyPr>
+            <a:normAutofit/>
+          </a:bodyPr>
+          <a:lstStyle/>
+          <a:p>
+            <a:pPr marL="0" indent="0">
+              <a:buNone/>
+            </a:pPr>
+            <a:r>
+              <a:rPr lang="en-US" b="1" dirty="0"/>
+              <a:t>STFT of LFM signal:</a:t>
+            </a:r>
+          </a:p>
+          <a:p>
+            <a:pPr marL="0" indent="0">
+              <a:buNone/>
+            </a:pPr>
+            <a:endParaRPr lang="en-US" b="1" dirty="0"/>
+          </a:p>
+        </p:txBody>
+      </p:sp>
+      <p:sp>
+        <p:nvSpPr>
+          <p:cNvPr id="4" name="Date Placeholder 3">
+            <a:extLst>
+              <a:ext uri="{FF2B5EF4-FFF2-40B4-BE49-F238E27FC236}">
+                <a16:creationId xmlns:a16="http://schemas.microsoft.com/office/drawing/2014/main" id="{59913B85-3B4F-43D3-A7E9-D06F5E37C6C1}"/>
+              </a:ext>
+            </a:extLst>
+          </p:cNvPr>
+          <p:cNvSpPr>
+            <a:spLocks noGrp="1"/>
+          </p:cNvSpPr>
+          <p:nvPr>
+            <p:ph type="dt" sz="half" idx="10"/>
+          </p:nvPr>
+        </p:nvSpPr>
+        <p:spPr/>
+        <p:txBody>
+          <a:bodyPr/>
+          <a:lstStyle/>
+          <a:p>
+            <a:fld id="{F736EC4A-E5B7-42C2-9943-4D2477F0E2BA}" type="datetime1">
+              <a:rPr lang="en-US" smtClean="0"/>
+              <a:t>9/28/2021</a:t>
+            </a:fld>
+            <a:endParaRPr lang="en-US" dirty="0"/>
+          </a:p>
+        </p:txBody>
+      </p:sp>
+      <p:sp>
+        <p:nvSpPr>
+          <p:cNvPr id="5" name="Footer Placeholder 4">
+            <a:extLst>
+              <a:ext uri="{FF2B5EF4-FFF2-40B4-BE49-F238E27FC236}">
+                <a16:creationId xmlns:a16="http://schemas.microsoft.com/office/drawing/2014/main" id="{C5649577-8229-4DC9-AE82-59C3A5BA0515}"/>
+              </a:ext>
+            </a:extLst>
+          </p:cNvPr>
+          <p:cNvSpPr>
+            <a:spLocks noGrp="1"/>
+          </p:cNvSpPr>
+          <p:nvPr>
+            <p:ph type="ftr" sz="quarter" idx="11"/>
+          </p:nvPr>
+        </p:nvSpPr>
+        <p:spPr/>
+        <p:txBody>
+          <a:bodyPr/>
+          <a:lstStyle/>
+          <a:p>
+            <a:r>
+              <a:rPr lang="en-US" dirty="0"/>
+              <a:t>Yarden Akaby &amp; Etai Sella</a:t>
+            </a:r>
+          </a:p>
+        </p:txBody>
+      </p:sp>
+      <p:sp>
+        <p:nvSpPr>
+          <p:cNvPr id="6" name="Slide Number Placeholder 5">
+            <a:extLst>
+              <a:ext uri="{FF2B5EF4-FFF2-40B4-BE49-F238E27FC236}">
+                <a16:creationId xmlns:a16="http://schemas.microsoft.com/office/drawing/2014/main" id="{1B57282B-C25D-48B2-A667-C1D467EB1137}"/>
+              </a:ext>
+            </a:extLst>
+          </p:cNvPr>
+          <p:cNvSpPr>
+            <a:spLocks noGrp="1"/>
+          </p:cNvSpPr>
+          <p:nvPr>
+            <p:ph type="sldNum" sz="quarter" idx="12"/>
+          </p:nvPr>
+        </p:nvSpPr>
+        <p:spPr/>
+        <p:txBody>
+          <a:bodyPr/>
+          <a:lstStyle/>
+          <a:p>
+            <a:fld id="{C629165E-D59B-453D-B763-34340D7036F6}" type="slidenum">
+              <a:rPr lang="en-US" smtClean="0"/>
+              <a:t>9</a:t>
+            </a:fld>
+            <a:endParaRPr lang="en-US" dirty="0"/>
+          </a:p>
+        </p:txBody>
+      </p:sp>
+      <p:pic>
+        <p:nvPicPr>
+          <p:cNvPr id="9" name="Picture 8">
+            <a:extLst>
+              <a:ext uri="{FF2B5EF4-FFF2-40B4-BE49-F238E27FC236}">
+                <a16:creationId xmlns:a16="http://schemas.microsoft.com/office/drawing/2014/main" id="{1A28903B-D938-41E8-AE4C-994A19001A0C}"/>
+              </a:ext>
+            </a:extLst>
+          </p:cNvPr>
+          <p:cNvPicPr>
+            <a:picLocks noChangeAspect="1"/>
+          </p:cNvPicPr>
+          <p:nvPr/>
+        </p:nvPicPr>
+        <p:blipFill>
+          <a:blip r:embed="rId3"/>
+          <a:stretch>
+            <a:fillRect/>
+          </a:stretch>
+        </p:blipFill>
+        <p:spPr>
+          <a:xfrm>
+            <a:off x="766018" y="2067485"/>
+            <a:ext cx="10659963" cy="3353268"/>
+          </a:xfrm>
+          <a:prstGeom prst="rect">
+            <a:avLst/>
+          </a:prstGeom>
+        </p:spPr>
+      </p:pic>
+    </p:spTree>
+    <p:extLst>
+      <p:ext uri="{BB962C8B-B14F-4D97-AF65-F5344CB8AC3E}">
+        <p14:creationId xmlns:p14="http://schemas.microsoft.com/office/powerpoint/2010/main" val="1238041957"/>
       </p:ext>
     </p:extLst>
   </p:cSld>

--- a/presentation/DSP_project_presentation.pptx
+++ b/presentation/DSP_project_presentation.pptx
@@ -5,7 +5,7 @@
     <p:sldMasterId id="2147483672" r:id="rId1"/>
   </p:sldMasterIdLst>
   <p:notesMasterIdLst>
-    <p:notesMasterId r:id="rId18"/>
+    <p:notesMasterId r:id="rId33"/>
   </p:notesMasterIdLst>
   <p:sldIdLst>
     <p:sldId id="256" r:id="rId2"/>
@@ -15,15 +15,30 @@
     <p:sldId id="260" r:id="rId6"/>
     <p:sldId id="261" r:id="rId7"/>
     <p:sldId id="262" r:id="rId8"/>
-    <p:sldId id="263" r:id="rId9"/>
-    <p:sldId id="264" r:id="rId10"/>
-    <p:sldId id="266" r:id="rId11"/>
-    <p:sldId id="267" r:id="rId12"/>
-    <p:sldId id="269" r:id="rId13"/>
-    <p:sldId id="268" r:id="rId14"/>
-    <p:sldId id="270" r:id="rId15"/>
-    <p:sldId id="271" r:id="rId16"/>
-    <p:sldId id="265" r:id="rId17"/>
+    <p:sldId id="272" r:id="rId9"/>
+    <p:sldId id="273" r:id="rId10"/>
+    <p:sldId id="274" r:id="rId11"/>
+    <p:sldId id="275" r:id="rId12"/>
+    <p:sldId id="276" r:id="rId13"/>
+    <p:sldId id="277" r:id="rId14"/>
+    <p:sldId id="278" r:id="rId15"/>
+    <p:sldId id="263" r:id="rId16"/>
+    <p:sldId id="279" r:id="rId17"/>
+    <p:sldId id="281" r:id="rId18"/>
+    <p:sldId id="282" r:id="rId19"/>
+    <p:sldId id="283" r:id="rId20"/>
+    <p:sldId id="284" r:id="rId21"/>
+    <p:sldId id="264" r:id="rId22"/>
+    <p:sldId id="266" r:id="rId23"/>
+    <p:sldId id="267" r:id="rId24"/>
+    <p:sldId id="286" r:id="rId25"/>
+    <p:sldId id="285" r:id="rId26"/>
+    <p:sldId id="287" r:id="rId27"/>
+    <p:sldId id="268" r:id="rId28"/>
+    <p:sldId id="269" r:id="rId29"/>
+    <p:sldId id="270" r:id="rId30"/>
+    <p:sldId id="271" r:id="rId31"/>
+    <p:sldId id="265" r:id="rId32"/>
   </p:sldIdLst>
   <p:sldSz cx="12192000" cy="6858000"/>
   <p:notesSz cx="6858000" cy="9144000"/>
@@ -212,7 +227,7 @@
           <a:p>
             <a:fld id="{2E45F2F5-60C8-4962-BCDB-4E5FE59EA305}" type="datetimeFigureOut">
               <a:rPr lang="en-US" smtClean="0"/>
-              <a:t>9/26/2021</a:t>
+              <a:t>9/29/2021</a:t>
             </a:fld>
             <a:endParaRPr lang="en-US"/>
           </a:p>
@@ -498,7 +513,7 @@
       </p:grpSpPr>
       <p:sp>
         <p:nvSpPr>
-          <p:cNvPr id="2" name="מציין מיקום של תמונת שקופית 1"/>
+          <p:cNvPr id="2" name="Slide Image Placeholder 1"/>
           <p:cNvSpPr>
             <a:spLocks noGrp="1" noRot="1" noChangeAspect="1"/>
           </p:cNvSpPr>
@@ -510,7 +525,7 @@
       </p:sp>
       <p:sp>
         <p:nvSpPr>
-          <p:cNvPr id="3" name="מציין מיקום של הערות 2"/>
+          <p:cNvPr id="3" name="Notes Placeholder 2"/>
           <p:cNvSpPr>
             <a:spLocks noGrp="1"/>
           </p:cNvSpPr>
@@ -542,17 +557,17 @@
             </a:pPr>
             <a:r>
               <a:rPr lang="en-US" dirty="0"/>
-              <a:t>First, we need to define a correct rate of estimation - CRE</a:t>
-            </a:r>
-          </a:p>
-          <a:p>
-            <a:endParaRPr lang="en-US" dirty="0"/>
-          </a:p>
-        </p:txBody>
-      </p:sp>
-      <p:sp>
-        <p:nvSpPr>
-          <p:cNvPr id="4" name="מציין מיקום של מספר שקופית 3"/>
+              <a:t>Mention that Fan and Li offer a proof for this</a:t>
+            </a:r>
+          </a:p>
+          <a:p>
+            <a:endParaRPr lang="en-US" dirty="0"/>
+          </a:p>
+        </p:txBody>
+      </p:sp>
+      <p:sp>
+        <p:nvSpPr>
+          <p:cNvPr id="4" name="Slide Number Placeholder 3"/>
           <p:cNvSpPr>
             <a:spLocks noGrp="1"/>
           </p:cNvSpPr>
@@ -567,7 +582,91 @@
           <a:p>
             <a:fld id="{BB072CD4-8151-4317-B517-71349F960F6F}" type="slidenum">
               <a:rPr lang="en-US" smtClean="0"/>
-              <a:t>9</a:t>
+              <a:t>8</a:t>
+            </a:fld>
+            <a:endParaRPr lang="en-US"/>
+          </a:p>
+        </p:txBody>
+      </p:sp>
+    </p:spTree>
+    <p:extLst>
+      <p:ext uri="{BB962C8B-B14F-4D97-AF65-F5344CB8AC3E}">
+        <p14:creationId xmlns:p14="http://schemas.microsoft.com/office/powerpoint/2010/main" val="1390816828"/>
+      </p:ext>
+    </p:extLst>
+  </p:cSld>
+  <p:clrMapOvr>
+    <a:masterClrMapping/>
+  </p:clrMapOvr>
+</p:notes>
+</file>
+
+<file path=ppt/notesSlides/notesSlide10.xml><?xml version="1.0" encoding="utf-8"?>
+<p:notes xmlns:a="http://schemas.openxmlformats.org/drawingml/2006/main" xmlns:r="http://schemas.openxmlformats.org/officeDocument/2006/relationships" xmlns:p="http://schemas.openxmlformats.org/presentationml/2006/main">
+  <p:cSld>
+    <p:spTree>
+      <p:nvGrpSpPr>
+        <p:cNvPr id="1" name=""/>
+        <p:cNvGrpSpPr/>
+        <p:nvPr/>
+      </p:nvGrpSpPr>
+      <p:grpSpPr>
+        <a:xfrm>
+          <a:off x="0" y="0"/>
+          <a:ext cx="0" cy="0"/>
+          <a:chOff x="0" y="0"/>
+          <a:chExt cx="0" cy="0"/>
+        </a:xfrm>
+      </p:grpSpPr>
+      <p:sp>
+        <p:nvSpPr>
+          <p:cNvPr id="2" name="מציין מיקום של תמונת שקופית 1"/>
+          <p:cNvSpPr>
+            <a:spLocks noGrp="1" noRot="1" noChangeAspect="1"/>
+          </p:cNvSpPr>
+          <p:nvPr>
+            <p:ph type="sldImg"/>
+          </p:nvPr>
+        </p:nvSpPr>
+        <p:spPr/>
+      </p:sp>
+      <p:sp>
+        <p:nvSpPr>
+          <p:cNvPr id="3" name="מציין מיקום של הערות 2"/>
+          <p:cNvSpPr>
+            <a:spLocks noGrp="1"/>
+          </p:cNvSpPr>
+          <p:nvPr>
+            <p:ph type="body" idx="1"/>
+          </p:nvPr>
+        </p:nvSpPr>
+        <p:spPr/>
+        <p:txBody>
+          <a:bodyPr/>
+          <a:lstStyle/>
+          <a:p>
+            <a:endParaRPr lang="en-US" dirty="0"/>
+          </a:p>
+        </p:txBody>
+      </p:sp>
+      <p:sp>
+        <p:nvSpPr>
+          <p:cNvPr id="4" name="מציין מיקום של מספר שקופית 3"/>
+          <p:cNvSpPr>
+            <a:spLocks noGrp="1"/>
+          </p:cNvSpPr>
+          <p:nvPr>
+            <p:ph type="sldNum" sz="quarter" idx="5"/>
+          </p:nvPr>
+        </p:nvSpPr>
+        <p:spPr/>
+        <p:txBody>
+          <a:bodyPr/>
+          <a:lstStyle/>
+          <a:p>
+            <a:fld id="{BB072CD4-8151-4317-B517-71349F960F6F}" type="slidenum">
+              <a:rPr lang="en-US" smtClean="0"/>
+              <a:t>21</a:t>
             </a:fld>
             <a:endParaRPr lang="en-US"/>
           </a:p>
@@ -577,6 +676,839 @@
     <p:extLst>
       <p:ext uri="{BB962C8B-B14F-4D97-AF65-F5344CB8AC3E}">
         <p14:creationId xmlns:p14="http://schemas.microsoft.com/office/powerpoint/2010/main" val="3338940328"/>
+      </p:ext>
+    </p:extLst>
+  </p:cSld>
+  <p:clrMapOvr>
+    <a:masterClrMapping/>
+  </p:clrMapOvr>
+</p:notes>
+</file>
+
+<file path=ppt/notesSlides/notesSlide11.xml><?xml version="1.0" encoding="utf-8"?>
+<p:notes xmlns:a="http://schemas.openxmlformats.org/drawingml/2006/main" xmlns:r="http://schemas.openxmlformats.org/officeDocument/2006/relationships" xmlns:p="http://schemas.openxmlformats.org/presentationml/2006/main">
+  <p:cSld>
+    <p:spTree>
+      <p:nvGrpSpPr>
+        <p:cNvPr id="1" name=""/>
+        <p:cNvGrpSpPr/>
+        <p:nvPr/>
+      </p:nvGrpSpPr>
+      <p:grpSpPr>
+        <a:xfrm>
+          <a:off x="0" y="0"/>
+          <a:ext cx="0" cy="0"/>
+          <a:chOff x="0" y="0"/>
+          <a:chExt cx="0" cy="0"/>
+        </a:xfrm>
+      </p:grpSpPr>
+      <p:sp>
+        <p:nvSpPr>
+          <p:cNvPr id="2" name="מציין מיקום של תמונת שקופית 1"/>
+          <p:cNvSpPr>
+            <a:spLocks noGrp="1" noRot="1" noChangeAspect="1"/>
+          </p:cNvSpPr>
+          <p:nvPr>
+            <p:ph type="sldImg"/>
+          </p:nvPr>
+        </p:nvSpPr>
+        <p:spPr/>
+      </p:sp>
+      <p:sp>
+        <p:nvSpPr>
+          <p:cNvPr id="3" name="מציין מיקום של הערות 2"/>
+          <p:cNvSpPr>
+            <a:spLocks noGrp="1"/>
+          </p:cNvSpPr>
+          <p:nvPr>
+            <p:ph type="body" idx="1"/>
+          </p:nvPr>
+        </p:nvSpPr>
+        <p:spPr/>
+        <p:txBody>
+          <a:bodyPr/>
+          <a:lstStyle/>
+          <a:p>
+            <a:pPr marL="171450" indent="-171450" algn="r" rtl="1">
+              <a:buFont typeface="Arial" panose="020B0604020202020204" pitchFamily="34" charset="0"/>
+              <a:buChar char="•"/>
+            </a:pPr>
+            <a:r>
+              <a:rPr lang="he-IL" dirty="0"/>
+              <a:t>הדרך לייצג "כמה נכונה ההערכה שלנו" היא ע"י </a:t>
+            </a:r>
+            <a:r>
+              <a:rPr lang="en-US" dirty="0"/>
+              <a:t>CRE</a:t>
+            </a:r>
+            <a:endParaRPr lang="he-IL" dirty="0"/>
+          </a:p>
+          <a:p>
+            <a:pPr marL="171450" indent="-171450" algn="r" rtl="1">
+              <a:buFont typeface="Arial" panose="020B0604020202020204" pitchFamily="34" charset="0"/>
+              <a:buChar char="•"/>
+            </a:pPr>
+            <a:r>
+              <a:rPr lang="he-IL" dirty="0"/>
+              <a:t>היחס בין מס' הפעמים שצדקנו בהערכת העקומה לבין מס' הפעמים שהערכנו את העקומה</a:t>
+            </a:r>
+          </a:p>
+          <a:p>
+            <a:pPr marL="171450" indent="-171450" algn="r" rtl="1">
+              <a:buFont typeface="Arial" panose="020B0604020202020204" pitchFamily="34" charset="0"/>
+              <a:buChar char="•"/>
+            </a:pPr>
+            <a:r>
+              <a:rPr lang="he-IL" dirty="0"/>
+              <a:t>הערכה נכונה היא בטווח של 1 אחוז מהערך האמיתי</a:t>
+            </a:r>
+            <a:endParaRPr lang="en-US" dirty="0"/>
+          </a:p>
+        </p:txBody>
+      </p:sp>
+      <p:sp>
+        <p:nvSpPr>
+          <p:cNvPr id="4" name="מציין מיקום של מספר שקופית 3"/>
+          <p:cNvSpPr>
+            <a:spLocks noGrp="1"/>
+          </p:cNvSpPr>
+          <p:nvPr>
+            <p:ph type="sldNum" sz="quarter" idx="5"/>
+          </p:nvPr>
+        </p:nvSpPr>
+        <p:spPr/>
+        <p:txBody>
+          <a:bodyPr/>
+          <a:lstStyle/>
+          <a:p>
+            <a:fld id="{BB072CD4-8151-4317-B517-71349F960F6F}" type="slidenum">
+              <a:rPr lang="en-US" smtClean="0"/>
+              <a:t>22</a:t>
+            </a:fld>
+            <a:endParaRPr lang="en-US"/>
+          </a:p>
+        </p:txBody>
+      </p:sp>
+    </p:spTree>
+    <p:extLst>
+      <p:ext uri="{BB962C8B-B14F-4D97-AF65-F5344CB8AC3E}">
+        <p14:creationId xmlns:p14="http://schemas.microsoft.com/office/powerpoint/2010/main" val="3189835808"/>
+      </p:ext>
+    </p:extLst>
+  </p:cSld>
+  <p:clrMapOvr>
+    <a:masterClrMapping/>
+  </p:clrMapOvr>
+</p:notes>
+</file>
+
+<file path=ppt/notesSlides/notesSlide12.xml><?xml version="1.0" encoding="utf-8"?>
+<p:notes xmlns:a="http://schemas.openxmlformats.org/drawingml/2006/main" xmlns:r="http://schemas.openxmlformats.org/officeDocument/2006/relationships" xmlns:p="http://schemas.openxmlformats.org/presentationml/2006/main">
+  <p:cSld>
+    <p:spTree>
+      <p:nvGrpSpPr>
+        <p:cNvPr id="1" name=""/>
+        <p:cNvGrpSpPr/>
+        <p:nvPr/>
+      </p:nvGrpSpPr>
+      <p:grpSpPr>
+        <a:xfrm>
+          <a:off x="0" y="0"/>
+          <a:ext cx="0" cy="0"/>
+          <a:chOff x="0" y="0"/>
+          <a:chExt cx="0" cy="0"/>
+        </a:xfrm>
+      </p:grpSpPr>
+      <p:sp>
+        <p:nvSpPr>
+          <p:cNvPr id="2" name="מציין מיקום של תמונת שקופית 1"/>
+          <p:cNvSpPr>
+            <a:spLocks noGrp="1" noRot="1" noChangeAspect="1"/>
+          </p:cNvSpPr>
+          <p:nvPr>
+            <p:ph type="sldImg"/>
+          </p:nvPr>
+        </p:nvSpPr>
+        <p:spPr/>
+      </p:sp>
+      <p:sp>
+        <p:nvSpPr>
+          <p:cNvPr id="3" name="מציין מיקום של הערות 2"/>
+          <p:cNvSpPr>
+            <a:spLocks noGrp="1"/>
+          </p:cNvSpPr>
+          <p:nvPr>
+            <p:ph type="body" idx="1"/>
+          </p:nvPr>
+        </p:nvSpPr>
+        <p:spPr/>
+        <p:txBody>
+          <a:bodyPr/>
+          <a:lstStyle/>
+          <a:p>
+            <a:pPr marL="171450" indent="-171450" algn="r" rtl="1">
+              <a:buFont typeface="Arial" panose="020B0604020202020204" pitchFamily="34" charset="0"/>
+              <a:buChar char="•"/>
+            </a:pPr>
+            <a:r>
+              <a:rPr lang="he-IL" dirty="0"/>
+              <a:t>....</a:t>
+            </a:r>
+            <a:endParaRPr lang="en-US" dirty="0"/>
+          </a:p>
+          <a:p>
+            <a:endParaRPr lang="en-US" dirty="0"/>
+          </a:p>
+        </p:txBody>
+      </p:sp>
+      <p:sp>
+        <p:nvSpPr>
+          <p:cNvPr id="4" name="מציין מיקום של מספר שקופית 3"/>
+          <p:cNvSpPr>
+            <a:spLocks noGrp="1"/>
+          </p:cNvSpPr>
+          <p:nvPr>
+            <p:ph type="sldNum" sz="quarter" idx="5"/>
+          </p:nvPr>
+        </p:nvSpPr>
+        <p:spPr/>
+        <p:txBody>
+          <a:bodyPr/>
+          <a:lstStyle/>
+          <a:p>
+            <a:fld id="{BB072CD4-8151-4317-B517-71349F960F6F}" type="slidenum">
+              <a:rPr lang="en-US" smtClean="0"/>
+              <a:t>23</a:t>
+            </a:fld>
+            <a:endParaRPr lang="en-US"/>
+          </a:p>
+        </p:txBody>
+      </p:sp>
+    </p:spTree>
+    <p:extLst>
+      <p:ext uri="{BB962C8B-B14F-4D97-AF65-F5344CB8AC3E}">
+        <p14:creationId xmlns:p14="http://schemas.microsoft.com/office/powerpoint/2010/main" val="1961809578"/>
+      </p:ext>
+    </p:extLst>
+  </p:cSld>
+  <p:clrMapOvr>
+    <a:masterClrMapping/>
+  </p:clrMapOvr>
+</p:notes>
+</file>
+
+<file path=ppt/notesSlides/notesSlide13.xml><?xml version="1.0" encoding="utf-8"?>
+<p:notes xmlns:a="http://schemas.openxmlformats.org/drawingml/2006/main" xmlns:r="http://schemas.openxmlformats.org/officeDocument/2006/relationships" xmlns:p="http://schemas.openxmlformats.org/presentationml/2006/main">
+  <p:cSld>
+    <p:spTree>
+      <p:nvGrpSpPr>
+        <p:cNvPr id="1" name=""/>
+        <p:cNvGrpSpPr/>
+        <p:nvPr/>
+      </p:nvGrpSpPr>
+      <p:grpSpPr>
+        <a:xfrm>
+          <a:off x="0" y="0"/>
+          <a:ext cx="0" cy="0"/>
+          <a:chOff x="0" y="0"/>
+          <a:chExt cx="0" cy="0"/>
+        </a:xfrm>
+      </p:grpSpPr>
+      <p:sp>
+        <p:nvSpPr>
+          <p:cNvPr id="2" name="מציין מיקום של תמונת שקופית 1"/>
+          <p:cNvSpPr>
+            <a:spLocks noGrp="1" noRot="1" noChangeAspect="1"/>
+          </p:cNvSpPr>
+          <p:nvPr>
+            <p:ph type="sldImg"/>
+          </p:nvPr>
+        </p:nvSpPr>
+        <p:spPr/>
+      </p:sp>
+      <p:sp>
+        <p:nvSpPr>
+          <p:cNvPr id="3" name="מציין מיקום של הערות 2"/>
+          <p:cNvSpPr>
+            <a:spLocks noGrp="1"/>
+          </p:cNvSpPr>
+          <p:nvPr>
+            <p:ph type="body" idx="1"/>
+          </p:nvPr>
+        </p:nvSpPr>
+        <p:spPr/>
+        <p:txBody>
+          <a:bodyPr/>
+          <a:lstStyle/>
+          <a:p>
+            <a:pPr marL="171450" indent="-171450" algn="r" rtl="1">
+              <a:buFont typeface="Arial" panose="020B0604020202020204" pitchFamily="34" charset="0"/>
+              <a:buChar char="•"/>
+            </a:pPr>
+            <a:r>
+              <a:rPr lang="he-IL" dirty="0"/>
+              <a:t>....</a:t>
+            </a:r>
+            <a:endParaRPr lang="en-US" dirty="0"/>
+          </a:p>
+          <a:p>
+            <a:endParaRPr lang="en-US" dirty="0"/>
+          </a:p>
+        </p:txBody>
+      </p:sp>
+      <p:sp>
+        <p:nvSpPr>
+          <p:cNvPr id="4" name="מציין מיקום של מספר שקופית 3"/>
+          <p:cNvSpPr>
+            <a:spLocks noGrp="1"/>
+          </p:cNvSpPr>
+          <p:nvPr>
+            <p:ph type="sldNum" sz="quarter" idx="5"/>
+          </p:nvPr>
+        </p:nvSpPr>
+        <p:spPr/>
+        <p:txBody>
+          <a:bodyPr/>
+          <a:lstStyle/>
+          <a:p>
+            <a:fld id="{BB072CD4-8151-4317-B517-71349F960F6F}" type="slidenum">
+              <a:rPr lang="en-US" smtClean="0"/>
+              <a:t>24</a:t>
+            </a:fld>
+            <a:endParaRPr lang="en-US"/>
+          </a:p>
+        </p:txBody>
+      </p:sp>
+    </p:spTree>
+    <p:extLst>
+      <p:ext uri="{BB962C8B-B14F-4D97-AF65-F5344CB8AC3E}">
+        <p14:creationId xmlns:p14="http://schemas.microsoft.com/office/powerpoint/2010/main" val="301109977"/>
+      </p:ext>
+    </p:extLst>
+  </p:cSld>
+  <p:clrMapOvr>
+    <a:masterClrMapping/>
+  </p:clrMapOvr>
+</p:notes>
+</file>
+
+<file path=ppt/notesSlides/notesSlide14.xml><?xml version="1.0" encoding="utf-8"?>
+<p:notes xmlns:a="http://schemas.openxmlformats.org/drawingml/2006/main" xmlns:r="http://schemas.openxmlformats.org/officeDocument/2006/relationships" xmlns:p="http://schemas.openxmlformats.org/presentationml/2006/main">
+  <p:cSld>
+    <p:spTree>
+      <p:nvGrpSpPr>
+        <p:cNvPr id="1" name=""/>
+        <p:cNvGrpSpPr/>
+        <p:nvPr/>
+      </p:nvGrpSpPr>
+      <p:grpSpPr>
+        <a:xfrm>
+          <a:off x="0" y="0"/>
+          <a:ext cx="0" cy="0"/>
+          <a:chOff x="0" y="0"/>
+          <a:chExt cx="0" cy="0"/>
+        </a:xfrm>
+      </p:grpSpPr>
+      <p:sp>
+        <p:nvSpPr>
+          <p:cNvPr id="2" name="מציין מיקום של תמונת שקופית 1"/>
+          <p:cNvSpPr>
+            <a:spLocks noGrp="1" noRot="1" noChangeAspect="1"/>
+          </p:cNvSpPr>
+          <p:nvPr>
+            <p:ph type="sldImg"/>
+          </p:nvPr>
+        </p:nvSpPr>
+        <p:spPr/>
+      </p:sp>
+      <p:sp>
+        <p:nvSpPr>
+          <p:cNvPr id="3" name="מציין מיקום של הערות 2"/>
+          <p:cNvSpPr>
+            <a:spLocks noGrp="1"/>
+          </p:cNvSpPr>
+          <p:nvPr>
+            <p:ph type="body" idx="1"/>
+          </p:nvPr>
+        </p:nvSpPr>
+        <p:spPr/>
+        <p:txBody>
+          <a:bodyPr/>
+          <a:lstStyle/>
+          <a:p>
+            <a:pPr marL="171450" indent="-171450" algn="r" rtl="1">
+              <a:buFont typeface="Arial" panose="020B0604020202020204" pitchFamily="34" charset="0"/>
+              <a:buChar char="•"/>
+            </a:pPr>
+            <a:r>
+              <a:rPr lang="he-IL" dirty="0"/>
+              <a:t>....</a:t>
+            </a:r>
+            <a:endParaRPr lang="en-US" dirty="0"/>
+          </a:p>
+          <a:p>
+            <a:endParaRPr lang="en-US" dirty="0"/>
+          </a:p>
+        </p:txBody>
+      </p:sp>
+      <p:sp>
+        <p:nvSpPr>
+          <p:cNvPr id="4" name="מציין מיקום של מספר שקופית 3"/>
+          <p:cNvSpPr>
+            <a:spLocks noGrp="1"/>
+          </p:cNvSpPr>
+          <p:nvPr>
+            <p:ph type="sldNum" sz="quarter" idx="5"/>
+          </p:nvPr>
+        </p:nvSpPr>
+        <p:spPr/>
+        <p:txBody>
+          <a:bodyPr/>
+          <a:lstStyle/>
+          <a:p>
+            <a:fld id="{BB072CD4-8151-4317-B517-71349F960F6F}" type="slidenum">
+              <a:rPr lang="en-US" smtClean="0"/>
+              <a:t>25</a:t>
+            </a:fld>
+            <a:endParaRPr lang="en-US"/>
+          </a:p>
+        </p:txBody>
+      </p:sp>
+    </p:spTree>
+    <p:extLst>
+      <p:ext uri="{BB962C8B-B14F-4D97-AF65-F5344CB8AC3E}">
+        <p14:creationId xmlns:p14="http://schemas.microsoft.com/office/powerpoint/2010/main" val="3581500232"/>
+      </p:ext>
+    </p:extLst>
+  </p:cSld>
+  <p:clrMapOvr>
+    <a:masterClrMapping/>
+  </p:clrMapOvr>
+</p:notes>
+</file>
+
+<file path=ppt/notesSlides/notesSlide15.xml><?xml version="1.0" encoding="utf-8"?>
+<p:notes xmlns:a="http://schemas.openxmlformats.org/drawingml/2006/main" xmlns:r="http://schemas.openxmlformats.org/officeDocument/2006/relationships" xmlns:p="http://schemas.openxmlformats.org/presentationml/2006/main">
+  <p:cSld>
+    <p:spTree>
+      <p:nvGrpSpPr>
+        <p:cNvPr id="1" name=""/>
+        <p:cNvGrpSpPr/>
+        <p:nvPr/>
+      </p:nvGrpSpPr>
+      <p:grpSpPr>
+        <a:xfrm>
+          <a:off x="0" y="0"/>
+          <a:ext cx="0" cy="0"/>
+          <a:chOff x="0" y="0"/>
+          <a:chExt cx="0" cy="0"/>
+        </a:xfrm>
+      </p:grpSpPr>
+      <p:sp>
+        <p:nvSpPr>
+          <p:cNvPr id="2" name="מציין מיקום של תמונת שקופית 1"/>
+          <p:cNvSpPr>
+            <a:spLocks noGrp="1" noRot="1" noChangeAspect="1"/>
+          </p:cNvSpPr>
+          <p:nvPr>
+            <p:ph type="sldImg"/>
+          </p:nvPr>
+        </p:nvSpPr>
+        <p:spPr/>
+      </p:sp>
+      <p:sp>
+        <p:nvSpPr>
+          <p:cNvPr id="3" name="מציין מיקום של הערות 2"/>
+          <p:cNvSpPr>
+            <a:spLocks noGrp="1"/>
+          </p:cNvSpPr>
+          <p:nvPr>
+            <p:ph type="body" idx="1"/>
+          </p:nvPr>
+        </p:nvSpPr>
+        <p:spPr/>
+        <p:txBody>
+          <a:bodyPr/>
+          <a:lstStyle/>
+          <a:p>
+            <a:pPr marL="171450" indent="-171450" algn="r" rtl="1">
+              <a:buFont typeface="Arial" panose="020B0604020202020204" pitchFamily="34" charset="0"/>
+              <a:buChar char="•"/>
+            </a:pPr>
+            <a:r>
+              <a:rPr lang="he-IL" dirty="0"/>
+              <a:t>....</a:t>
+            </a:r>
+            <a:endParaRPr lang="en-US" dirty="0"/>
+          </a:p>
+          <a:p>
+            <a:endParaRPr lang="en-US" dirty="0"/>
+          </a:p>
+        </p:txBody>
+      </p:sp>
+      <p:sp>
+        <p:nvSpPr>
+          <p:cNvPr id="4" name="מציין מיקום של מספר שקופית 3"/>
+          <p:cNvSpPr>
+            <a:spLocks noGrp="1"/>
+          </p:cNvSpPr>
+          <p:nvPr>
+            <p:ph type="sldNum" sz="quarter" idx="5"/>
+          </p:nvPr>
+        </p:nvSpPr>
+        <p:spPr/>
+        <p:txBody>
+          <a:bodyPr/>
+          <a:lstStyle/>
+          <a:p>
+            <a:fld id="{BB072CD4-8151-4317-B517-71349F960F6F}" type="slidenum">
+              <a:rPr lang="en-US" smtClean="0"/>
+              <a:t>26</a:t>
+            </a:fld>
+            <a:endParaRPr lang="en-US"/>
+          </a:p>
+        </p:txBody>
+      </p:sp>
+    </p:spTree>
+    <p:extLst>
+      <p:ext uri="{BB962C8B-B14F-4D97-AF65-F5344CB8AC3E}">
+        <p14:creationId xmlns:p14="http://schemas.microsoft.com/office/powerpoint/2010/main" val="98041481"/>
+      </p:ext>
+    </p:extLst>
+  </p:cSld>
+  <p:clrMapOvr>
+    <a:masterClrMapping/>
+  </p:clrMapOvr>
+</p:notes>
+</file>
+
+<file path=ppt/notesSlides/notesSlide16.xml><?xml version="1.0" encoding="utf-8"?>
+<p:notes xmlns:a="http://schemas.openxmlformats.org/drawingml/2006/main" xmlns:r="http://schemas.openxmlformats.org/officeDocument/2006/relationships" xmlns:p="http://schemas.openxmlformats.org/presentationml/2006/main">
+  <p:cSld>
+    <p:spTree>
+      <p:nvGrpSpPr>
+        <p:cNvPr id="1" name=""/>
+        <p:cNvGrpSpPr/>
+        <p:nvPr/>
+      </p:nvGrpSpPr>
+      <p:grpSpPr>
+        <a:xfrm>
+          <a:off x="0" y="0"/>
+          <a:ext cx="0" cy="0"/>
+          <a:chOff x="0" y="0"/>
+          <a:chExt cx="0" cy="0"/>
+        </a:xfrm>
+      </p:grpSpPr>
+      <p:sp>
+        <p:nvSpPr>
+          <p:cNvPr id="2" name="מציין מיקום של תמונת שקופית 1"/>
+          <p:cNvSpPr>
+            <a:spLocks noGrp="1" noRot="1" noChangeAspect="1"/>
+          </p:cNvSpPr>
+          <p:nvPr>
+            <p:ph type="sldImg"/>
+          </p:nvPr>
+        </p:nvSpPr>
+        <p:spPr/>
+      </p:sp>
+      <p:sp>
+        <p:nvSpPr>
+          <p:cNvPr id="3" name="מציין מיקום של הערות 2"/>
+          <p:cNvSpPr>
+            <a:spLocks noGrp="1"/>
+          </p:cNvSpPr>
+          <p:nvPr>
+            <p:ph type="body" idx="1"/>
+          </p:nvPr>
+        </p:nvSpPr>
+        <p:spPr/>
+        <p:txBody>
+          <a:bodyPr/>
+          <a:lstStyle/>
+          <a:p>
+            <a:endParaRPr lang="en-US" dirty="0"/>
+          </a:p>
+        </p:txBody>
+      </p:sp>
+      <p:sp>
+        <p:nvSpPr>
+          <p:cNvPr id="4" name="מציין מיקום של מספר שקופית 3"/>
+          <p:cNvSpPr>
+            <a:spLocks noGrp="1"/>
+          </p:cNvSpPr>
+          <p:nvPr>
+            <p:ph type="sldNum" sz="quarter" idx="5"/>
+          </p:nvPr>
+        </p:nvSpPr>
+        <p:spPr/>
+        <p:txBody>
+          <a:bodyPr/>
+          <a:lstStyle/>
+          <a:p>
+            <a:fld id="{BB072CD4-8151-4317-B517-71349F960F6F}" type="slidenum">
+              <a:rPr lang="en-US" smtClean="0"/>
+              <a:t>27</a:t>
+            </a:fld>
+            <a:endParaRPr lang="en-US"/>
+          </a:p>
+        </p:txBody>
+      </p:sp>
+    </p:spTree>
+    <p:extLst>
+      <p:ext uri="{BB962C8B-B14F-4D97-AF65-F5344CB8AC3E}">
+        <p14:creationId xmlns:p14="http://schemas.microsoft.com/office/powerpoint/2010/main" val="3198309991"/>
+      </p:ext>
+    </p:extLst>
+  </p:cSld>
+  <p:clrMapOvr>
+    <a:masterClrMapping/>
+  </p:clrMapOvr>
+</p:notes>
+</file>
+
+<file path=ppt/notesSlides/notesSlide17.xml><?xml version="1.0" encoding="utf-8"?>
+<p:notes xmlns:a="http://schemas.openxmlformats.org/drawingml/2006/main" xmlns:r="http://schemas.openxmlformats.org/officeDocument/2006/relationships" xmlns:p="http://schemas.openxmlformats.org/presentationml/2006/main">
+  <p:cSld>
+    <p:spTree>
+      <p:nvGrpSpPr>
+        <p:cNvPr id="1" name=""/>
+        <p:cNvGrpSpPr/>
+        <p:nvPr/>
+      </p:nvGrpSpPr>
+      <p:grpSpPr>
+        <a:xfrm>
+          <a:off x="0" y="0"/>
+          <a:ext cx="0" cy="0"/>
+          <a:chOff x="0" y="0"/>
+          <a:chExt cx="0" cy="0"/>
+        </a:xfrm>
+      </p:grpSpPr>
+      <p:sp>
+        <p:nvSpPr>
+          <p:cNvPr id="2" name="מציין מיקום של תמונת שקופית 1"/>
+          <p:cNvSpPr>
+            <a:spLocks noGrp="1" noRot="1" noChangeAspect="1"/>
+          </p:cNvSpPr>
+          <p:nvPr>
+            <p:ph type="sldImg"/>
+          </p:nvPr>
+        </p:nvSpPr>
+        <p:spPr/>
+      </p:sp>
+      <p:sp>
+        <p:nvSpPr>
+          <p:cNvPr id="3" name="מציין מיקום של הערות 2"/>
+          <p:cNvSpPr>
+            <a:spLocks noGrp="1"/>
+          </p:cNvSpPr>
+          <p:nvPr>
+            <p:ph type="body" idx="1"/>
+          </p:nvPr>
+        </p:nvSpPr>
+        <p:spPr/>
+        <p:txBody>
+          <a:bodyPr/>
+          <a:lstStyle/>
+          <a:p>
+            <a:endParaRPr lang="en-US" dirty="0"/>
+          </a:p>
+        </p:txBody>
+      </p:sp>
+      <p:sp>
+        <p:nvSpPr>
+          <p:cNvPr id="4" name="מציין מיקום של מספר שקופית 3"/>
+          <p:cNvSpPr>
+            <a:spLocks noGrp="1"/>
+          </p:cNvSpPr>
+          <p:nvPr>
+            <p:ph type="sldNum" sz="quarter" idx="5"/>
+          </p:nvPr>
+        </p:nvSpPr>
+        <p:spPr/>
+        <p:txBody>
+          <a:bodyPr/>
+          <a:lstStyle/>
+          <a:p>
+            <a:fld id="{BB072CD4-8151-4317-B517-71349F960F6F}" type="slidenum">
+              <a:rPr lang="en-US" smtClean="0"/>
+              <a:t>28</a:t>
+            </a:fld>
+            <a:endParaRPr lang="en-US"/>
+          </a:p>
+        </p:txBody>
+      </p:sp>
+    </p:spTree>
+    <p:extLst>
+      <p:ext uri="{BB962C8B-B14F-4D97-AF65-F5344CB8AC3E}">
+        <p14:creationId xmlns:p14="http://schemas.microsoft.com/office/powerpoint/2010/main" val="4104918166"/>
+      </p:ext>
+    </p:extLst>
+  </p:cSld>
+  <p:clrMapOvr>
+    <a:masterClrMapping/>
+  </p:clrMapOvr>
+</p:notes>
+</file>
+
+<file path=ppt/notesSlides/notesSlide18.xml><?xml version="1.0" encoding="utf-8"?>
+<p:notes xmlns:a="http://schemas.openxmlformats.org/drawingml/2006/main" xmlns:r="http://schemas.openxmlformats.org/officeDocument/2006/relationships" xmlns:p="http://schemas.openxmlformats.org/presentationml/2006/main">
+  <p:cSld>
+    <p:spTree>
+      <p:nvGrpSpPr>
+        <p:cNvPr id="1" name=""/>
+        <p:cNvGrpSpPr/>
+        <p:nvPr/>
+      </p:nvGrpSpPr>
+      <p:grpSpPr>
+        <a:xfrm>
+          <a:off x="0" y="0"/>
+          <a:ext cx="0" cy="0"/>
+          <a:chOff x="0" y="0"/>
+          <a:chExt cx="0" cy="0"/>
+        </a:xfrm>
+      </p:grpSpPr>
+      <p:sp>
+        <p:nvSpPr>
+          <p:cNvPr id="2" name="מציין מיקום של תמונת שקופית 1"/>
+          <p:cNvSpPr>
+            <a:spLocks noGrp="1" noRot="1" noChangeAspect="1"/>
+          </p:cNvSpPr>
+          <p:nvPr>
+            <p:ph type="sldImg"/>
+          </p:nvPr>
+        </p:nvSpPr>
+        <p:spPr/>
+      </p:sp>
+      <p:sp>
+        <p:nvSpPr>
+          <p:cNvPr id="3" name="מציין מיקום של הערות 2"/>
+          <p:cNvSpPr>
+            <a:spLocks noGrp="1"/>
+          </p:cNvSpPr>
+          <p:nvPr>
+            <p:ph type="body" idx="1"/>
+          </p:nvPr>
+        </p:nvSpPr>
+        <p:spPr/>
+        <p:txBody>
+          <a:bodyPr/>
+          <a:lstStyle/>
+          <a:p>
+            <a:endParaRPr lang="en-US" dirty="0"/>
+          </a:p>
+        </p:txBody>
+      </p:sp>
+      <p:sp>
+        <p:nvSpPr>
+          <p:cNvPr id="4" name="מציין מיקום של מספר שקופית 3"/>
+          <p:cNvSpPr>
+            <a:spLocks noGrp="1"/>
+          </p:cNvSpPr>
+          <p:nvPr>
+            <p:ph type="sldNum" sz="quarter" idx="5"/>
+          </p:nvPr>
+        </p:nvSpPr>
+        <p:spPr/>
+        <p:txBody>
+          <a:bodyPr/>
+          <a:lstStyle/>
+          <a:p>
+            <a:fld id="{BB072CD4-8151-4317-B517-71349F960F6F}" type="slidenum">
+              <a:rPr lang="en-US" smtClean="0"/>
+              <a:t>29</a:t>
+            </a:fld>
+            <a:endParaRPr lang="en-US"/>
+          </a:p>
+        </p:txBody>
+      </p:sp>
+    </p:spTree>
+    <p:extLst>
+      <p:ext uri="{BB962C8B-B14F-4D97-AF65-F5344CB8AC3E}">
+        <p14:creationId xmlns:p14="http://schemas.microsoft.com/office/powerpoint/2010/main" val="1214011246"/>
+      </p:ext>
+    </p:extLst>
+  </p:cSld>
+  <p:clrMapOvr>
+    <a:masterClrMapping/>
+  </p:clrMapOvr>
+</p:notes>
+</file>
+
+<file path=ppt/notesSlides/notesSlide19.xml><?xml version="1.0" encoding="utf-8"?>
+<p:notes xmlns:a="http://schemas.openxmlformats.org/drawingml/2006/main" xmlns:r="http://schemas.openxmlformats.org/officeDocument/2006/relationships" xmlns:p="http://schemas.openxmlformats.org/presentationml/2006/main">
+  <p:cSld>
+    <p:spTree>
+      <p:nvGrpSpPr>
+        <p:cNvPr id="1" name=""/>
+        <p:cNvGrpSpPr/>
+        <p:nvPr/>
+      </p:nvGrpSpPr>
+      <p:grpSpPr>
+        <a:xfrm>
+          <a:off x="0" y="0"/>
+          <a:ext cx="0" cy="0"/>
+          <a:chOff x="0" y="0"/>
+          <a:chExt cx="0" cy="0"/>
+        </a:xfrm>
+      </p:grpSpPr>
+      <p:sp>
+        <p:nvSpPr>
+          <p:cNvPr id="2" name="מציין מיקום של תמונת שקופית 1"/>
+          <p:cNvSpPr>
+            <a:spLocks noGrp="1" noRot="1" noChangeAspect="1"/>
+          </p:cNvSpPr>
+          <p:nvPr>
+            <p:ph type="sldImg"/>
+          </p:nvPr>
+        </p:nvSpPr>
+        <p:spPr/>
+      </p:sp>
+      <p:sp>
+        <p:nvSpPr>
+          <p:cNvPr id="3" name="מציין מיקום של הערות 2"/>
+          <p:cNvSpPr>
+            <a:spLocks noGrp="1"/>
+          </p:cNvSpPr>
+          <p:nvPr>
+            <p:ph type="body" idx="1"/>
+          </p:nvPr>
+        </p:nvSpPr>
+        <p:spPr/>
+        <p:txBody>
+          <a:bodyPr/>
+          <a:lstStyle/>
+          <a:p>
+            <a:endParaRPr lang="en-US" dirty="0"/>
+          </a:p>
+        </p:txBody>
+      </p:sp>
+      <p:sp>
+        <p:nvSpPr>
+          <p:cNvPr id="4" name="מציין מיקום של מספר שקופית 3"/>
+          <p:cNvSpPr>
+            <a:spLocks noGrp="1"/>
+          </p:cNvSpPr>
+          <p:nvPr>
+            <p:ph type="sldNum" sz="quarter" idx="5"/>
+          </p:nvPr>
+        </p:nvSpPr>
+        <p:spPr/>
+        <p:txBody>
+          <a:bodyPr/>
+          <a:lstStyle/>
+          <a:p>
+            <a:fld id="{BB072CD4-8151-4317-B517-71349F960F6F}" type="slidenum">
+              <a:rPr lang="en-US" smtClean="0"/>
+              <a:t>30</a:t>
+            </a:fld>
+            <a:endParaRPr lang="en-US"/>
+          </a:p>
+        </p:txBody>
+      </p:sp>
+    </p:spTree>
+    <p:extLst>
+      <p:ext uri="{BB962C8B-B14F-4D97-AF65-F5344CB8AC3E}">
+        <p14:creationId xmlns:p14="http://schemas.microsoft.com/office/powerpoint/2010/main" val="847469813"/>
       </p:ext>
     </p:extLst>
   </p:cSld>
@@ -605,7 +1537,7 @@
       </p:grpSpPr>
       <p:sp>
         <p:nvSpPr>
-          <p:cNvPr id="2" name="מציין מיקום של תמונת שקופית 1"/>
+          <p:cNvPr id="2" name="Slide Image Placeholder 1"/>
           <p:cNvSpPr>
             <a:spLocks noGrp="1" noRot="1" noChangeAspect="1"/>
           </p:cNvSpPr>
@@ -617,7 +1549,7 @@
       </p:sp>
       <p:sp>
         <p:nvSpPr>
-          <p:cNvPr id="3" name="מציין מיקום של הערות 2"/>
+          <p:cNvPr id="3" name="Notes Placeholder 2"/>
           <p:cNvSpPr>
             <a:spLocks noGrp="1"/>
           </p:cNvSpPr>
@@ -630,36 +1562,16 @@
           <a:bodyPr/>
           <a:lstStyle/>
           <a:p>
-            <a:pPr marL="0" marR="0" lvl="0" indent="0" algn="l" defTabSz="914400" rtl="0" eaLnBrk="1" fontAlgn="auto" latinLnBrk="0" hangingPunct="1">
-              <a:lnSpc>
-                <a:spcPct val="100000"/>
-              </a:lnSpc>
-              <a:spcBef>
-                <a:spcPts val="0"/>
-              </a:spcBef>
-              <a:spcAft>
-                <a:spcPts val="0"/>
-              </a:spcAft>
-              <a:buClrTx/>
-              <a:buSzTx/>
-              <a:buFontTx/>
-              <a:buNone/>
-              <a:tabLst/>
-              <a:defRPr/>
-            </a:pPr>
-            <a:r>
-              <a:rPr lang="en-US" dirty="0"/>
-              <a:t>First, we need to define a correct rate of estimation - CRE</a:t>
-            </a:r>
-          </a:p>
-          <a:p>
-            <a:endParaRPr lang="en-US" dirty="0"/>
-          </a:p>
-        </p:txBody>
-      </p:sp>
-      <p:sp>
-        <p:nvSpPr>
-          <p:cNvPr id="4" name="מציין מיקום של מספר שקופית 3"/>
+            <a:r>
+              <a:rPr lang="en-US" dirty="0"/>
+              <a:t>Mention that Fan and Li offer a proof for this</a:t>
+            </a:r>
+          </a:p>
+        </p:txBody>
+      </p:sp>
+      <p:sp>
+        <p:nvSpPr>
+          <p:cNvPr id="4" name="Slide Number Placeholder 3"/>
           <p:cNvSpPr>
             <a:spLocks noGrp="1"/>
           </p:cNvSpPr>
@@ -674,7 +1586,7 @@
           <a:p>
             <a:fld id="{BB072CD4-8151-4317-B517-71349F960F6F}" type="slidenum">
               <a:rPr lang="en-US" smtClean="0"/>
-              <a:t>10</a:t>
+              <a:t>9</a:t>
             </a:fld>
             <a:endParaRPr lang="en-US"/>
           </a:p>
@@ -683,7 +1595,7 @@
     </p:spTree>
     <p:extLst>
       <p:ext uri="{BB962C8B-B14F-4D97-AF65-F5344CB8AC3E}">
-        <p14:creationId xmlns:p14="http://schemas.microsoft.com/office/powerpoint/2010/main" val="3189835808"/>
+        <p14:creationId xmlns:p14="http://schemas.microsoft.com/office/powerpoint/2010/main" val="3674497534"/>
       </p:ext>
     </p:extLst>
   </p:cSld>
@@ -712,7 +1624,7 @@
       </p:grpSpPr>
       <p:sp>
         <p:nvSpPr>
-          <p:cNvPr id="2" name="מציין מיקום של תמונת שקופית 1"/>
+          <p:cNvPr id="2" name="Slide Image Placeholder 1"/>
           <p:cNvSpPr>
             <a:spLocks noGrp="1" noRot="1" noChangeAspect="1"/>
           </p:cNvSpPr>
@@ -724,7 +1636,7 @@
       </p:sp>
       <p:sp>
         <p:nvSpPr>
-          <p:cNvPr id="3" name="מציין מיקום של הערות 2"/>
+          <p:cNvPr id="3" name="Notes Placeholder 2"/>
           <p:cNvSpPr>
             <a:spLocks noGrp="1"/>
           </p:cNvSpPr>
@@ -743,7 +1655,7 @@
       </p:sp>
       <p:sp>
         <p:nvSpPr>
-          <p:cNvPr id="4" name="מציין מיקום של מספר שקופית 3"/>
+          <p:cNvPr id="4" name="Slide Number Placeholder 3"/>
           <p:cNvSpPr>
             <a:spLocks noGrp="1"/>
           </p:cNvSpPr>
@@ -758,7 +1670,7 @@
           <a:p>
             <a:fld id="{BB072CD4-8151-4317-B517-71349F960F6F}" type="slidenum">
               <a:rPr lang="en-US" smtClean="0"/>
-              <a:t>11</a:t>
+              <a:t>10</a:t>
             </a:fld>
             <a:endParaRPr lang="en-US"/>
           </a:p>
@@ -767,7 +1679,7 @@
     </p:spTree>
     <p:extLst>
       <p:ext uri="{BB962C8B-B14F-4D97-AF65-F5344CB8AC3E}">
-        <p14:creationId xmlns:p14="http://schemas.microsoft.com/office/powerpoint/2010/main" val="1961809578"/>
+        <p14:creationId xmlns:p14="http://schemas.microsoft.com/office/powerpoint/2010/main" val="1210297797"/>
       </p:ext>
     </p:extLst>
   </p:cSld>
@@ -796,7 +1708,7 @@
       </p:grpSpPr>
       <p:sp>
         <p:nvSpPr>
-          <p:cNvPr id="2" name="מציין מיקום של תמונת שקופית 1"/>
+          <p:cNvPr id="2" name="Slide Image Placeholder 1"/>
           <p:cNvSpPr>
             <a:spLocks noGrp="1" noRot="1" noChangeAspect="1"/>
           </p:cNvSpPr>
@@ -808,7 +1720,7 @@
       </p:sp>
       <p:sp>
         <p:nvSpPr>
-          <p:cNvPr id="3" name="מציין מיקום של הערות 2"/>
+          <p:cNvPr id="3" name="Notes Placeholder 2"/>
           <p:cNvSpPr>
             <a:spLocks noGrp="1"/>
           </p:cNvSpPr>
@@ -827,7 +1739,7 @@
       </p:sp>
       <p:sp>
         <p:nvSpPr>
-          <p:cNvPr id="4" name="מציין מיקום של מספר שקופית 3"/>
+          <p:cNvPr id="4" name="Slide Number Placeholder 3"/>
           <p:cNvSpPr>
             <a:spLocks noGrp="1"/>
           </p:cNvSpPr>
@@ -842,7 +1754,7 @@
           <a:p>
             <a:fld id="{BB072CD4-8151-4317-B517-71349F960F6F}" type="slidenum">
               <a:rPr lang="en-US" smtClean="0"/>
-              <a:t>12</a:t>
+              <a:t>11</a:t>
             </a:fld>
             <a:endParaRPr lang="en-US"/>
           </a:p>
@@ -851,7 +1763,7 @@
     </p:spTree>
     <p:extLst>
       <p:ext uri="{BB962C8B-B14F-4D97-AF65-F5344CB8AC3E}">
-        <p14:creationId xmlns:p14="http://schemas.microsoft.com/office/powerpoint/2010/main" val="4104918166"/>
+        <p14:creationId xmlns:p14="http://schemas.microsoft.com/office/powerpoint/2010/main" val="1744063620"/>
       </p:ext>
     </p:extLst>
   </p:cSld>
@@ -880,7 +1792,7 @@
       </p:grpSpPr>
       <p:sp>
         <p:nvSpPr>
-          <p:cNvPr id="2" name="מציין מיקום של תמונת שקופית 1"/>
+          <p:cNvPr id="2" name="Slide Image Placeholder 1"/>
           <p:cNvSpPr>
             <a:spLocks noGrp="1" noRot="1" noChangeAspect="1"/>
           </p:cNvSpPr>
@@ -892,7 +1804,7 @@
       </p:sp>
       <p:sp>
         <p:nvSpPr>
-          <p:cNvPr id="3" name="מציין מיקום של הערות 2"/>
+          <p:cNvPr id="3" name="Notes Placeholder 2"/>
           <p:cNvSpPr>
             <a:spLocks noGrp="1"/>
           </p:cNvSpPr>
@@ -911,7 +1823,7 @@
       </p:sp>
       <p:sp>
         <p:nvSpPr>
-          <p:cNvPr id="4" name="מציין מיקום של מספר שקופית 3"/>
+          <p:cNvPr id="4" name="Slide Number Placeholder 3"/>
           <p:cNvSpPr>
             <a:spLocks noGrp="1"/>
           </p:cNvSpPr>
@@ -926,7 +1838,7 @@
           <a:p>
             <a:fld id="{BB072CD4-8151-4317-B517-71349F960F6F}" type="slidenum">
               <a:rPr lang="en-US" smtClean="0"/>
-              <a:t>13</a:t>
+              <a:t>12</a:t>
             </a:fld>
             <a:endParaRPr lang="en-US"/>
           </a:p>
@@ -935,7 +1847,7 @@
     </p:spTree>
     <p:extLst>
       <p:ext uri="{BB962C8B-B14F-4D97-AF65-F5344CB8AC3E}">
-        <p14:creationId xmlns:p14="http://schemas.microsoft.com/office/powerpoint/2010/main" val="3198309991"/>
+        <p14:creationId xmlns:p14="http://schemas.microsoft.com/office/powerpoint/2010/main" val="2473641769"/>
       </p:ext>
     </p:extLst>
   </p:cSld>
@@ -964,7 +1876,7 @@
       </p:grpSpPr>
       <p:sp>
         <p:nvSpPr>
-          <p:cNvPr id="2" name="מציין מיקום של תמונת שקופית 1"/>
+          <p:cNvPr id="2" name="Slide Image Placeholder 1"/>
           <p:cNvSpPr>
             <a:spLocks noGrp="1" noRot="1" noChangeAspect="1"/>
           </p:cNvSpPr>
@@ -976,7 +1888,7 @@
       </p:sp>
       <p:sp>
         <p:nvSpPr>
-          <p:cNvPr id="3" name="מציין מיקום של הערות 2"/>
+          <p:cNvPr id="3" name="Notes Placeholder 2"/>
           <p:cNvSpPr>
             <a:spLocks noGrp="1"/>
           </p:cNvSpPr>
@@ -995,7 +1907,7 @@
       </p:sp>
       <p:sp>
         <p:nvSpPr>
-          <p:cNvPr id="4" name="מציין מיקום של מספר שקופית 3"/>
+          <p:cNvPr id="4" name="Slide Number Placeholder 3"/>
           <p:cNvSpPr>
             <a:spLocks noGrp="1"/>
           </p:cNvSpPr>
@@ -1010,7 +1922,7 @@
           <a:p>
             <a:fld id="{BB072CD4-8151-4317-B517-71349F960F6F}" type="slidenum">
               <a:rPr lang="en-US" smtClean="0"/>
-              <a:t>14</a:t>
+              <a:t>13</a:t>
             </a:fld>
             <a:endParaRPr lang="en-US"/>
           </a:p>
@@ -1019,7 +1931,7 @@
     </p:spTree>
     <p:extLst>
       <p:ext uri="{BB962C8B-B14F-4D97-AF65-F5344CB8AC3E}">
-        <p14:creationId xmlns:p14="http://schemas.microsoft.com/office/powerpoint/2010/main" val="1214011246"/>
+        <p14:creationId xmlns:p14="http://schemas.microsoft.com/office/powerpoint/2010/main" val="931115995"/>
       </p:ext>
     </p:extLst>
   </p:cSld>
@@ -1048,7 +1960,7 @@
       </p:grpSpPr>
       <p:sp>
         <p:nvSpPr>
-          <p:cNvPr id="2" name="מציין מיקום של תמונת שקופית 1"/>
+          <p:cNvPr id="2" name="Slide Image Placeholder 1"/>
           <p:cNvSpPr>
             <a:spLocks noGrp="1" noRot="1" noChangeAspect="1"/>
           </p:cNvSpPr>
@@ -1060,7 +1972,7 @@
       </p:sp>
       <p:sp>
         <p:nvSpPr>
-          <p:cNvPr id="3" name="מציין מיקום של הערות 2"/>
+          <p:cNvPr id="3" name="Notes Placeholder 2"/>
           <p:cNvSpPr>
             <a:spLocks noGrp="1"/>
           </p:cNvSpPr>
@@ -1073,13 +1985,16 @@
           <a:bodyPr/>
           <a:lstStyle/>
           <a:p>
-            <a:endParaRPr lang="en-US" dirty="0"/>
-          </a:p>
-        </p:txBody>
-      </p:sp>
-      <p:sp>
-        <p:nvSpPr>
-          <p:cNvPr id="4" name="מציין מיקום של מספר שקופית 3"/>
+            <a:r>
+              <a:rPr lang="en-US" dirty="0"/>
+              <a:t>Explain that RANSAC does more than find straight lines</a:t>
+            </a:r>
+          </a:p>
+        </p:txBody>
+      </p:sp>
+      <p:sp>
+        <p:nvSpPr>
+          <p:cNvPr id="4" name="Slide Number Placeholder 3"/>
           <p:cNvSpPr>
             <a:spLocks noGrp="1"/>
           </p:cNvSpPr>
@@ -1094,7 +2009,7 @@
           <a:p>
             <a:fld id="{BB072CD4-8151-4317-B517-71349F960F6F}" type="slidenum">
               <a:rPr lang="en-US" smtClean="0"/>
-              <a:t>15</a:t>
+              <a:t>14</a:t>
             </a:fld>
             <a:endParaRPr lang="en-US"/>
           </a:p>
@@ -1103,7 +2018,181 @@
     </p:spTree>
     <p:extLst>
       <p:ext uri="{BB962C8B-B14F-4D97-AF65-F5344CB8AC3E}">
-        <p14:creationId xmlns:p14="http://schemas.microsoft.com/office/powerpoint/2010/main" val="847469813"/>
+        <p14:creationId xmlns:p14="http://schemas.microsoft.com/office/powerpoint/2010/main" val="2918062381"/>
+      </p:ext>
+    </p:extLst>
+  </p:cSld>
+  <p:clrMapOvr>
+    <a:masterClrMapping/>
+  </p:clrMapOvr>
+</p:notes>
+</file>
+
+<file path=ppt/notesSlides/notesSlide8.xml><?xml version="1.0" encoding="utf-8"?>
+<p:notes xmlns:a="http://schemas.openxmlformats.org/drawingml/2006/main" xmlns:r="http://schemas.openxmlformats.org/officeDocument/2006/relationships" xmlns:p="http://schemas.openxmlformats.org/presentationml/2006/main">
+  <p:cSld>
+    <p:spTree>
+      <p:nvGrpSpPr>
+        <p:cNvPr id="1" name=""/>
+        <p:cNvGrpSpPr/>
+        <p:nvPr/>
+      </p:nvGrpSpPr>
+      <p:grpSpPr>
+        <a:xfrm>
+          <a:off x="0" y="0"/>
+          <a:ext cx="0" cy="0"/>
+          <a:chOff x="0" y="0"/>
+          <a:chExt cx="0" cy="0"/>
+        </a:xfrm>
+      </p:grpSpPr>
+      <p:sp>
+        <p:nvSpPr>
+          <p:cNvPr id="2" name="Slide Image Placeholder 1"/>
+          <p:cNvSpPr>
+            <a:spLocks noGrp="1" noRot="1" noChangeAspect="1"/>
+          </p:cNvSpPr>
+          <p:nvPr>
+            <p:ph type="sldImg"/>
+          </p:nvPr>
+        </p:nvSpPr>
+        <p:spPr/>
+      </p:sp>
+      <p:sp>
+        <p:nvSpPr>
+          <p:cNvPr id="3" name="Notes Placeholder 2"/>
+          <p:cNvSpPr>
+            <a:spLocks noGrp="1"/>
+          </p:cNvSpPr>
+          <p:nvPr>
+            <p:ph type="body" idx="1"/>
+          </p:nvPr>
+        </p:nvSpPr>
+        <p:spPr/>
+        <p:txBody>
+          <a:bodyPr/>
+          <a:lstStyle/>
+          <a:p>
+            <a:r>
+              <a:rPr lang="en-US" dirty="0"/>
+              <a:t>Talk about why this may be useful</a:t>
+            </a:r>
+          </a:p>
+        </p:txBody>
+      </p:sp>
+      <p:sp>
+        <p:nvSpPr>
+          <p:cNvPr id="4" name="Slide Number Placeholder 3"/>
+          <p:cNvSpPr>
+            <a:spLocks noGrp="1"/>
+          </p:cNvSpPr>
+          <p:nvPr>
+            <p:ph type="sldNum" sz="quarter" idx="5"/>
+          </p:nvPr>
+        </p:nvSpPr>
+        <p:spPr/>
+        <p:txBody>
+          <a:bodyPr/>
+          <a:lstStyle/>
+          <a:p>
+            <a:fld id="{BB072CD4-8151-4317-B517-71349F960F6F}" type="slidenum">
+              <a:rPr lang="en-US" smtClean="0"/>
+              <a:t>19</a:t>
+            </a:fld>
+            <a:endParaRPr lang="en-US"/>
+          </a:p>
+        </p:txBody>
+      </p:sp>
+    </p:spTree>
+    <p:extLst>
+      <p:ext uri="{BB962C8B-B14F-4D97-AF65-F5344CB8AC3E}">
+        <p14:creationId xmlns:p14="http://schemas.microsoft.com/office/powerpoint/2010/main" val="1498358943"/>
+      </p:ext>
+    </p:extLst>
+  </p:cSld>
+  <p:clrMapOvr>
+    <a:masterClrMapping/>
+  </p:clrMapOvr>
+</p:notes>
+</file>
+
+<file path=ppt/notesSlides/notesSlide9.xml><?xml version="1.0" encoding="utf-8"?>
+<p:notes xmlns:a="http://schemas.openxmlformats.org/drawingml/2006/main" xmlns:r="http://schemas.openxmlformats.org/officeDocument/2006/relationships" xmlns:p="http://schemas.openxmlformats.org/presentationml/2006/main">
+  <p:cSld>
+    <p:spTree>
+      <p:nvGrpSpPr>
+        <p:cNvPr id="1" name=""/>
+        <p:cNvGrpSpPr/>
+        <p:nvPr/>
+      </p:nvGrpSpPr>
+      <p:grpSpPr>
+        <a:xfrm>
+          <a:off x="0" y="0"/>
+          <a:ext cx="0" cy="0"/>
+          <a:chOff x="0" y="0"/>
+          <a:chExt cx="0" cy="0"/>
+        </a:xfrm>
+      </p:grpSpPr>
+      <p:sp>
+        <p:nvSpPr>
+          <p:cNvPr id="2" name="Slide Image Placeholder 1"/>
+          <p:cNvSpPr>
+            <a:spLocks noGrp="1" noRot="1" noChangeAspect="1"/>
+          </p:cNvSpPr>
+          <p:nvPr>
+            <p:ph type="sldImg"/>
+          </p:nvPr>
+        </p:nvSpPr>
+        <p:spPr/>
+      </p:sp>
+      <p:sp>
+        <p:nvSpPr>
+          <p:cNvPr id="3" name="Notes Placeholder 2"/>
+          <p:cNvSpPr>
+            <a:spLocks noGrp="1"/>
+          </p:cNvSpPr>
+          <p:nvPr>
+            <p:ph type="body" idx="1"/>
+          </p:nvPr>
+        </p:nvSpPr>
+        <p:spPr/>
+        <p:txBody>
+          <a:bodyPr/>
+          <a:lstStyle/>
+          <a:p>
+            <a:r>
+              <a:rPr lang="en-US" dirty="0"/>
+              <a:t>Explain that this can be extended to any number of changes</a:t>
+            </a:r>
+          </a:p>
+        </p:txBody>
+      </p:sp>
+      <p:sp>
+        <p:nvSpPr>
+          <p:cNvPr id="4" name="Slide Number Placeholder 3"/>
+          <p:cNvSpPr>
+            <a:spLocks noGrp="1"/>
+          </p:cNvSpPr>
+          <p:nvPr>
+            <p:ph type="sldNum" sz="quarter" idx="5"/>
+          </p:nvPr>
+        </p:nvSpPr>
+        <p:spPr/>
+        <p:txBody>
+          <a:bodyPr/>
+          <a:lstStyle/>
+          <a:p>
+            <a:fld id="{BB072CD4-8151-4317-B517-71349F960F6F}" type="slidenum">
+              <a:rPr lang="en-US" smtClean="0"/>
+              <a:t>20</a:t>
+            </a:fld>
+            <a:endParaRPr lang="en-US"/>
+          </a:p>
+        </p:txBody>
+      </p:sp>
+    </p:spTree>
+    <p:extLst>
+      <p:ext uri="{BB962C8B-B14F-4D97-AF65-F5344CB8AC3E}">
+        <p14:creationId xmlns:p14="http://schemas.microsoft.com/office/powerpoint/2010/main" val="2430120021"/>
       </p:ext>
     </p:extLst>
   </p:cSld>
@@ -1420,7 +2509,7 @@
           <a:p>
             <a:fld id="{545108C3-70A6-47BD-B82F-0EA2FAD6B009}" type="datetime1">
               <a:rPr lang="en-US" smtClean="0"/>
-              <a:t>9/26/2021</a:t>
+              <a:t>9/29/2021</a:t>
             </a:fld>
             <a:endParaRPr lang="en-US"/>
           </a:p>
@@ -1603,7 +2692,7 @@
           <a:p>
             <a:fld id="{5663B1E1-4FA2-4311-BC59-64E1519F35CC}" type="datetime1">
               <a:rPr lang="en-US" smtClean="0"/>
-              <a:t>9/26/2021</a:t>
+              <a:t>9/29/2021</a:t>
             </a:fld>
             <a:endParaRPr lang="en-US"/>
           </a:p>
@@ -1780,7 +2869,7 @@
           <a:p>
             <a:fld id="{F736EC4A-E5B7-42C2-9943-4D2477F0E2BA}" type="datetime1">
               <a:rPr lang="en-US" smtClean="0"/>
-              <a:t>9/26/2021</a:t>
+              <a:t>9/29/2021</a:t>
             </a:fld>
             <a:endParaRPr lang="en-US" dirty="0"/>
           </a:p>
@@ -2104,7 +3193,7 @@
           <a:p>
             <a:fld id="{4B383BBD-22EB-4D32-858E-F56917F6792F}" type="datetime1">
               <a:rPr lang="en-US" smtClean="0"/>
-              <a:t>9/26/2021</a:t>
+              <a:t>9/29/2021</a:t>
             </a:fld>
             <a:endParaRPr lang="en-US"/>
           </a:p>
@@ -2339,7 +3428,7 @@
           <a:p>
             <a:fld id="{B3929B50-98C6-4865-903C-FF2C6D76A1DB}" type="datetime1">
               <a:rPr lang="en-US" smtClean="0"/>
-              <a:t>9/26/2021</a:t>
+              <a:t>9/29/2021</a:t>
             </a:fld>
             <a:endParaRPr lang="en-US"/>
           </a:p>
@@ -2709,7 +3798,7 @@
           <a:p>
             <a:fld id="{71E4DFB5-247F-4215-927B-206F1F043CA8}" type="datetime1">
               <a:rPr lang="en-US" smtClean="0"/>
-              <a:t>9/26/2021</a:t>
+              <a:t>9/29/2021</a:t>
             </a:fld>
             <a:endParaRPr lang="en-US"/>
           </a:p>
@@ -2830,7 +3919,7 @@
           <a:p>
             <a:fld id="{5ABF18F4-69E9-4A75-9A30-63D58841484D}" type="datetime1">
               <a:rPr lang="en-US" smtClean="0"/>
-              <a:t>9/26/2021</a:t>
+              <a:t>9/29/2021</a:t>
             </a:fld>
             <a:endParaRPr lang="en-US"/>
           </a:p>
@@ -2928,7 +4017,7 @@
           <a:p>
             <a:fld id="{8F9E73B5-85AC-4F64-8F1F-86C7C3DE3888}" type="datetime1">
               <a:rPr lang="en-US" smtClean="0"/>
-              <a:t>9/26/2021</a:t>
+              <a:t>9/29/2021</a:t>
             </a:fld>
             <a:endParaRPr lang="en-US"/>
           </a:p>
@@ -3208,7 +4297,7 @@
           <a:p>
             <a:fld id="{DBF8F826-0166-4DC8-9928-02F1397EF5F6}" type="datetime1">
               <a:rPr lang="en-US" smtClean="0"/>
-              <a:t>9/26/2021</a:t>
+              <a:t>9/29/2021</a:t>
             </a:fld>
             <a:endParaRPr lang="en-US"/>
           </a:p>
@@ -3468,7 +4557,7 @@
           <a:p>
             <a:fld id="{5387FCA0-6D15-493A-9DD4-DF68CECA6E0E}" type="datetime1">
               <a:rPr lang="en-US" smtClean="0"/>
-              <a:t>9/26/2021</a:t>
+              <a:t>9/29/2021</a:t>
             </a:fld>
             <a:endParaRPr lang="en-US"/>
           </a:p>
@@ -3941,7 +5030,7 @@
           <a:p>
             <a:fld id="{754E7515-5D39-4D5F-907F-93F61511D9D9}" type="datetime1">
               <a:rPr lang="en-US" smtClean="0"/>
-              <a:t>9/26/2021</a:t>
+              <a:t>9/29/2021</a:t>
             </a:fld>
             <a:endParaRPr lang="en-US" dirty="0"/>
           </a:p>
@@ -4677,62 +5766,102 @@
         </p:nvSpPr>
         <p:spPr/>
         <p:txBody>
+          <a:bodyPr/>
+          <a:lstStyle/>
+          <a:p>
+            <a:r>
+              <a:rPr lang="en-US" dirty="0"/>
+              <a:t>Overview of Fan &amp; Li’s method</a:t>
+            </a:r>
+          </a:p>
+        </p:txBody>
+      </p:sp>
+      <p:sp>
+        <p:nvSpPr>
+          <p:cNvPr id="3" name="Content Placeholder 2">
+            <a:extLst>
+              <a:ext uri="{FF2B5EF4-FFF2-40B4-BE49-F238E27FC236}">
+                <a16:creationId xmlns:a16="http://schemas.microsoft.com/office/drawing/2014/main" id="{8BB29A69-51F4-4CEE-B950-D3A7C19E951E}"/>
+              </a:ext>
+            </a:extLst>
+          </p:cNvPr>
+          <p:cNvSpPr>
+            <a:spLocks noGrp="1"/>
+          </p:cNvSpPr>
+          <p:nvPr>
+            <p:ph idx="1"/>
+          </p:nvPr>
+        </p:nvSpPr>
+        <p:spPr/>
+        <p:txBody>
           <a:bodyPr>
             <a:normAutofit/>
           </a:bodyPr>
           <a:lstStyle/>
           <a:p>
-            <a:r>
-              <a:rPr lang="en-US" dirty="0"/>
-              <a:t>Tests and Simulations - Evaluation</a:t>
-            </a:r>
-          </a:p>
-        </p:txBody>
-      </p:sp>
-      <p:sp>
-        <p:nvSpPr>
-          <p:cNvPr id="3" name="Content Placeholder 2">
-            <a:extLst>
-              <a:ext uri="{FF2B5EF4-FFF2-40B4-BE49-F238E27FC236}">
-                <a16:creationId xmlns:a16="http://schemas.microsoft.com/office/drawing/2014/main" id="{8BB29A69-51F4-4CEE-B950-D3A7C19E951E}"/>
-              </a:ext>
-            </a:extLst>
-          </p:cNvPr>
-          <p:cNvSpPr>
-            <a:spLocks noGrp="1"/>
-          </p:cNvSpPr>
-          <p:nvPr>
-            <p:ph idx="1"/>
-          </p:nvPr>
-        </p:nvSpPr>
-        <p:spPr/>
-        <p:txBody>
-          <a:bodyPr>
-            <a:normAutofit/>
-          </a:bodyPr>
-          <a:lstStyle/>
-          <a:p>
             <a:pPr marL="0" indent="0">
               <a:buNone/>
             </a:pPr>
             <a:r>
-              <a:rPr lang="en-US" u="sng" dirty="0"/>
-              <a:t>Correct rate of estimation – CRE</a:t>
+              <a:rPr lang="en-US" b="1" dirty="0"/>
+              <a:t>Extracting </a:t>
+            </a:r>
+            <a:r>
+              <a:rPr lang="en-US" b="1" dirty="0" err="1"/>
+              <a:t>Maximas</a:t>
+            </a:r>
+            <a:r>
+              <a:rPr lang="en-US" b="1" dirty="0"/>
+              <a:t>:</a:t>
+            </a:r>
+          </a:p>
+          <a:p>
+            <a:r>
+              <a:rPr lang="en-US" dirty="0"/>
+              <a:t>In each time window we extract only the maximal frequency</a:t>
+            </a:r>
+          </a:p>
+          <a:p>
+            <a:r>
+              <a:rPr lang="en-US" dirty="0"/>
+              <a:t>This transforms the 2D time-frequency image into a 1D time-frequency </a:t>
+            </a:r>
+            <a:r>
+              <a:rPr lang="en-US" b="1" dirty="0"/>
+              <a:t>curve</a:t>
             </a:r>
           </a:p>
           <a:p>
             <a:pPr marL="0" indent="0">
               <a:buNone/>
             </a:pPr>
-            <a:r>
-              <a:rPr lang="en-US" dirty="0"/>
-              <a:t>The division between the times estimated correctly and the total trial number, and the correct estimation is that the error of estimation is in range of ±1% of the real parameter.</a:t>
-            </a:r>
+            <a:endParaRPr lang="en-US" b="1" dirty="0"/>
           </a:p>
           <a:p>
             <a:pPr marL="0" indent="0">
               <a:buNone/>
             </a:pPr>
+            <a:r>
+              <a:rPr lang="en-US" b="1" dirty="0"/>
+              <a:t>Median Filtering:</a:t>
+            </a:r>
+          </a:p>
+          <a:p>
+            <a:r>
+              <a:rPr lang="en-US" dirty="0"/>
+              <a:t>These filters are usually used to filter random “salt and pepper” type noise from an image without hurting its quality</a:t>
+            </a:r>
+          </a:p>
+          <a:p>
+            <a:r>
+              <a:rPr lang="en-US" dirty="0"/>
+              <a:t>Each pixel takes the value of the median of its neighboring pixels:</a:t>
+            </a:r>
+          </a:p>
+          <a:p>
+            <a:pPr marL="0" indent="0">
+              <a:buNone/>
+            </a:pPr>
             <a:endParaRPr lang="en-US" dirty="0"/>
           </a:p>
         </p:txBody>
@@ -4760,7 +5889,7 @@
           <a:p>
             <a:fld id="{F736EC4A-E5B7-42C2-9943-4D2477F0E2BA}" type="datetime1">
               <a:rPr lang="en-US" smtClean="0"/>
-              <a:t>9/26/2021</a:t>
+              <a:t>9/29/2021</a:t>
             </a:fld>
             <a:endParaRPr lang="en-US" dirty="0"/>
           </a:p>
@@ -4826,7 +5955,7 @@
     </p:spTree>
     <p:extLst>
       <p:ext uri="{BB962C8B-B14F-4D97-AF65-F5344CB8AC3E}">
-        <p14:creationId xmlns:p14="http://schemas.microsoft.com/office/powerpoint/2010/main" val="3289712767"/>
+        <p14:creationId xmlns:p14="http://schemas.microsoft.com/office/powerpoint/2010/main" val="1288585365"/>
       </p:ext>
     </p:extLst>
   </p:cSld>
@@ -4871,96 +6000,57 @@
         </p:nvSpPr>
         <p:spPr/>
         <p:txBody>
+          <a:bodyPr/>
+          <a:lstStyle/>
+          <a:p>
+            <a:r>
+              <a:rPr lang="en-US" dirty="0"/>
+              <a:t>Overview of Fan &amp; Li’s method</a:t>
+            </a:r>
+          </a:p>
+        </p:txBody>
+      </p:sp>
+      <p:sp>
+        <p:nvSpPr>
+          <p:cNvPr id="3" name="Content Placeholder 2">
+            <a:extLst>
+              <a:ext uri="{FF2B5EF4-FFF2-40B4-BE49-F238E27FC236}">
+                <a16:creationId xmlns:a16="http://schemas.microsoft.com/office/drawing/2014/main" id="{8BB29A69-51F4-4CEE-B950-D3A7C19E951E}"/>
+              </a:ext>
+            </a:extLst>
+          </p:cNvPr>
+          <p:cNvSpPr>
+            <a:spLocks noGrp="1"/>
+          </p:cNvSpPr>
+          <p:nvPr>
+            <p:ph idx="1"/>
+          </p:nvPr>
+        </p:nvSpPr>
+        <p:spPr/>
+        <p:txBody>
           <a:bodyPr>
             <a:normAutofit/>
           </a:bodyPr>
           <a:lstStyle/>
           <a:p>
-            <a:r>
-              <a:rPr lang="en-US" dirty="0"/>
-              <a:t>Tests and Simulations - RANSAC</a:t>
-            </a:r>
-          </a:p>
-        </p:txBody>
-      </p:sp>
-      <p:sp>
-        <p:nvSpPr>
-          <p:cNvPr id="3" name="Content Placeholder 2">
-            <a:extLst>
-              <a:ext uri="{FF2B5EF4-FFF2-40B4-BE49-F238E27FC236}">
-                <a16:creationId xmlns:a16="http://schemas.microsoft.com/office/drawing/2014/main" id="{8BB29A69-51F4-4CEE-B950-D3A7C19E951E}"/>
-              </a:ext>
-            </a:extLst>
-          </p:cNvPr>
-          <p:cNvSpPr>
-            <a:spLocks noGrp="1"/>
-          </p:cNvSpPr>
-          <p:nvPr>
-            <p:ph idx="1"/>
-          </p:nvPr>
-        </p:nvSpPr>
-        <p:spPr/>
-        <p:txBody>
-          <a:bodyPr>
-            <a:normAutofit/>
-          </a:bodyPr>
-          <a:lstStyle/>
-          <a:p>
-            <a:r>
-              <a:rPr lang="en-US" dirty="0"/>
-              <a:t>Create 500 chirp signals with random noise (500 Trials)</a:t>
-            </a:r>
-          </a:p>
-          <a:p>
-            <a:r>
-              <a:rPr lang="en-US" dirty="0"/>
-              <a:t>Use STFT</a:t>
-            </a:r>
-          </a:p>
-          <a:p>
-            <a:r>
-              <a:rPr lang="en-US" dirty="0"/>
-              <a:t>Extract time frequency curves</a:t>
-            </a:r>
-          </a:p>
-          <a:p>
-            <a:r>
-              <a:rPr lang="en-US" dirty="0"/>
-              <a:t>Use Median Filter</a:t>
-            </a:r>
-          </a:p>
-          <a:p>
-            <a:r>
-              <a:rPr lang="en-US" dirty="0"/>
-              <a:t>Compare 3 methods of estimation:</a:t>
-            </a:r>
-          </a:p>
-          <a:p>
-            <a:pPr lvl="1"/>
-            <a:r>
-              <a:rPr lang="en-US" dirty="0"/>
-              <a:t>RANSAC</a:t>
-            </a:r>
-          </a:p>
-          <a:p>
-            <a:pPr lvl="1"/>
-            <a:r>
-              <a:rPr lang="en-US" dirty="0"/>
-              <a:t>RANSAC with median filter</a:t>
-            </a:r>
-          </a:p>
-          <a:p>
-            <a:pPr lvl="1"/>
-            <a:r>
-              <a:rPr lang="en-US" dirty="0"/>
-              <a:t>LSM</a:t>
-            </a:r>
-          </a:p>
-          <a:p>
-            <a:pPr lvl="1"/>
-            <a:endParaRPr lang="en-US" dirty="0"/>
-          </a:p>
-          <a:p>
+            <a:pPr marL="0" indent="0">
+              <a:buNone/>
+            </a:pPr>
+            <a:r>
+              <a:rPr lang="en-US" b="1" dirty="0"/>
+              <a:t>Median Filtering:</a:t>
+            </a:r>
+          </a:p>
+          <a:p>
+            <a:r>
+              <a:rPr lang="en-US" dirty="0"/>
+              <a:t>In 2D:</a:t>
+            </a:r>
+          </a:p>
+          <a:p>
+            <a:pPr marL="0" indent="0">
+              <a:buNone/>
+            </a:pPr>
             <a:endParaRPr lang="en-US" dirty="0"/>
           </a:p>
         </p:txBody>
@@ -4988,7 +6078,7 @@
           <a:p>
             <a:fld id="{F736EC4A-E5B7-42C2-9943-4D2477F0E2BA}" type="datetime1">
               <a:rPr lang="en-US" smtClean="0"/>
-              <a:t>9/26/2021</a:t>
+              <a:t>9/29/2021</a:t>
             </a:fld>
             <a:endParaRPr lang="en-US" dirty="0"/>
           </a:p>
@@ -5051,10 +6141,40 @@
           </a:p>
         </p:txBody>
       </p:sp>
+      <p:pic>
+        <p:nvPicPr>
+          <p:cNvPr id="8" name="Picture 7">
+            <a:extLst>
+              <a:ext uri="{FF2B5EF4-FFF2-40B4-BE49-F238E27FC236}">
+                <a16:creationId xmlns:a16="http://schemas.microsoft.com/office/drawing/2014/main" id="{8D2D6242-3481-430C-AF5F-67D2F4E71099}"/>
+              </a:ext>
+            </a:extLst>
+          </p:cNvPr>
+          <p:cNvPicPr>
+            <a:picLocks noChangeAspect="1"/>
+          </p:cNvPicPr>
+          <p:nvPr/>
+        </p:nvPicPr>
+        <p:blipFill>
+          <a:blip r:embed="rId3"/>
+          <a:stretch>
+            <a:fillRect/>
+          </a:stretch>
+        </p:blipFill>
+        <p:spPr>
+          <a:xfrm>
+            <a:off x="4209787" y="2486844"/>
+            <a:ext cx="3772426" cy="2543530"/>
+          </a:xfrm>
+          <a:prstGeom prst="rect">
+            <a:avLst/>
+          </a:prstGeom>
+        </p:spPr>
+      </p:pic>
     </p:spTree>
     <p:extLst>
       <p:ext uri="{BB962C8B-B14F-4D97-AF65-F5344CB8AC3E}">
-        <p14:creationId xmlns:p14="http://schemas.microsoft.com/office/powerpoint/2010/main" val="3469239827"/>
+        <p14:creationId xmlns:p14="http://schemas.microsoft.com/office/powerpoint/2010/main" val="1108525699"/>
       </p:ext>
     </p:extLst>
   </p:cSld>
@@ -5099,14 +6219,237 @@
         </p:nvSpPr>
         <p:spPr/>
         <p:txBody>
+          <a:bodyPr/>
+          <a:lstStyle/>
+          <a:p>
+            <a:r>
+              <a:rPr lang="en-US" dirty="0"/>
+              <a:t>Overview of Fan &amp; Li’s method</a:t>
+            </a:r>
+          </a:p>
+        </p:txBody>
+      </p:sp>
+      <p:sp>
+        <p:nvSpPr>
+          <p:cNvPr id="3" name="Content Placeholder 2">
+            <a:extLst>
+              <a:ext uri="{FF2B5EF4-FFF2-40B4-BE49-F238E27FC236}">
+                <a16:creationId xmlns:a16="http://schemas.microsoft.com/office/drawing/2014/main" id="{8BB29A69-51F4-4CEE-B950-D3A7C19E951E}"/>
+              </a:ext>
+            </a:extLst>
+          </p:cNvPr>
+          <p:cNvSpPr>
+            <a:spLocks noGrp="1"/>
+          </p:cNvSpPr>
+          <p:nvPr>
+            <p:ph idx="1"/>
+          </p:nvPr>
+        </p:nvSpPr>
+        <p:spPr/>
+        <p:txBody>
           <a:bodyPr>
             <a:normAutofit/>
           </a:bodyPr>
           <a:lstStyle/>
           <a:p>
-            <a:r>
-              <a:rPr lang="en-US" dirty="0"/>
-              <a:t>Tests and Simulations - RANSAC</a:t>
+            <a:pPr marL="0" indent="0">
+              <a:buNone/>
+            </a:pPr>
+            <a:r>
+              <a:rPr lang="en-US" b="1" dirty="0"/>
+              <a:t>Median Filtering:</a:t>
+            </a:r>
+          </a:p>
+          <a:p>
+            <a:r>
+              <a:rPr lang="en-US" dirty="0"/>
+              <a:t>In Fan and Li’s approach a 1D median filter is used to filter out “glitch frequencies”:</a:t>
+            </a:r>
+          </a:p>
+          <a:p>
+            <a:pPr marL="0" indent="0">
+              <a:buNone/>
+            </a:pPr>
+            <a:endParaRPr lang="en-US" dirty="0"/>
+          </a:p>
+          <a:p>
+            <a:pPr marL="0" indent="0">
+              <a:buNone/>
+            </a:pPr>
+            <a:endParaRPr lang="en-US" dirty="0"/>
+          </a:p>
+        </p:txBody>
+      </p:sp>
+      <p:sp>
+        <p:nvSpPr>
+          <p:cNvPr id="4" name="Date Placeholder 3">
+            <a:extLst>
+              <a:ext uri="{FF2B5EF4-FFF2-40B4-BE49-F238E27FC236}">
+                <a16:creationId xmlns:a16="http://schemas.microsoft.com/office/drawing/2014/main" id="{59913B85-3B4F-43D3-A7E9-D06F5E37C6C1}"/>
+              </a:ext>
+            </a:extLst>
+          </p:cNvPr>
+          <p:cNvSpPr>
+            <a:spLocks noGrp="1"/>
+          </p:cNvSpPr>
+          <p:nvPr>
+            <p:ph type="dt" sz="half" idx="10"/>
+          </p:nvPr>
+        </p:nvSpPr>
+        <p:spPr/>
+        <p:txBody>
+          <a:bodyPr/>
+          <a:lstStyle/>
+          <a:p>
+            <a:fld id="{F736EC4A-E5B7-42C2-9943-4D2477F0E2BA}" type="datetime1">
+              <a:rPr lang="en-US" smtClean="0"/>
+              <a:t>9/29/2021</a:t>
+            </a:fld>
+            <a:endParaRPr lang="en-US" dirty="0"/>
+          </a:p>
+        </p:txBody>
+      </p:sp>
+      <p:sp>
+        <p:nvSpPr>
+          <p:cNvPr id="5" name="Footer Placeholder 4">
+            <a:extLst>
+              <a:ext uri="{FF2B5EF4-FFF2-40B4-BE49-F238E27FC236}">
+                <a16:creationId xmlns:a16="http://schemas.microsoft.com/office/drawing/2014/main" id="{C5649577-8229-4DC9-AE82-59C3A5BA0515}"/>
+              </a:ext>
+            </a:extLst>
+          </p:cNvPr>
+          <p:cNvSpPr>
+            <a:spLocks noGrp="1"/>
+          </p:cNvSpPr>
+          <p:nvPr>
+            <p:ph type="ftr" sz="quarter" idx="11"/>
+          </p:nvPr>
+        </p:nvSpPr>
+        <p:spPr/>
+        <p:txBody>
+          <a:bodyPr/>
+          <a:lstStyle/>
+          <a:p>
+            <a:r>
+              <a:rPr lang="en-US" dirty="0"/>
+              <a:t>Yarden Akaby &amp; Etai Sella</a:t>
+            </a:r>
+          </a:p>
+        </p:txBody>
+      </p:sp>
+      <p:sp>
+        <p:nvSpPr>
+          <p:cNvPr id="6" name="Slide Number Placeholder 5">
+            <a:extLst>
+              <a:ext uri="{FF2B5EF4-FFF2-40B4-BE49-F238E27FC236}">
+                <a16:creationId xmlns:a16="http://schemas.microsoft.com/office/drawing/2014/main" id="{1B57282B-C25D-48B2-A667-C1D467EB1137}"/>
+              </a:ext>
+            </a:extLst>
+          </p:cNvPr>
+          <p:cNvSpPr>
+            <a:spLocks noGrp="1"/>
+          </p:cNvSpPr>
+          <p:nvPr>
+            <p:ph type="sldNum" sz="quarter" idx="12"/>
+          </p:nvPr>
+        </p:nvSpPr>
+        <p:spPr/>
+        <p:txBody>
+          <a:bodyPr/>
+          <a:lstStyle/>
+          <a:p>
+            <a:fld id="{C629165E-D59B-453D-B763-34340D7036F6}" type="slidenum">
+              <a:rPr lang="en-US" smtClean="0"/>
+              <a:t>12</a:t>
+            </a:fld>
+            <a:endParaRPr lang="en-US" dirty="0"/>
+          </a:p>
+        </p:txBody>
+      </p:sp>
+      <p:pic>
+        <p:nvPicPr>
+          <p:cNvPr id="11" name="Picture 10">
+            <a:extLst>
+              <a:ext uri="{FF2B5EF4-FFF2-40B4-BE49-F238E27FC236}">
+                <a16:creationId xmlns:a16="http://schemas.microsoft.com/office/drawing/2014/main" id="{3FD09C27-09F8-4CF1-92CB-EDE3E26D7110}"/>
+              </a:ext>
+            </a:extLst>
+          </p:cNvPr>
+          <p:cNvPicPr>
+            <a:picLocks noChangeAspect="1"/>
+          </p:cNvPicPr>
+          <p:nvPr/>
+        </p:nvPicPr>
+        <p:blipFill>
+          <a:blip r:embed="rId3"/>
+          <a:stretch>
+            <a:fillRect/>
+          </a:stretch>
+        </p:blipFill>
+        <p:spPr>
+          <a:xfrm>
+            <a:off x="3732029" y="2853172"/>
+            <a:ext cx="4433776" cy="3213790"/>
+          </a:xfrm>
+          <a:prstGeom prst="rect">
+            <a:avLst/>
+          </a:prstGeom>
+        </p:spPr>
+      </p:pic>
+    </p:spTree>
+    <p:extLst>
+      <p:ext uri="{BB962C8B-B14F-4D97-AF65-F5344CB8AC3E}">
+        <p14:creationId xmlns:p14="http://schemas.microsoft.com/office/powerpoint/2010/main" val="3150836930"/>
+      </p:ext>
+    </p:extLst>
+  </p:cSld>
+  <p:clrMapOvr>
+    <a:masterClrMapping/>
+  </p:clrMapOvr>
+</p:sld>
+</file>
+
+<file path=ppt/slides/slide13.xml><?xml version="1.0" encoding="utf-8"?>
+<p:sld xmlns:a="http://schemas.openxmlformats.org/drawingml/2006/main" xmlns:r="http://schemas.openxmlformats.org/officeDocument/2006/relationships" xmlns:p="http://schemas.openxmlformats.org/presentationml/2006/main">
+  <p:cSld>
+    <p:spTree>
+      <p:nvGrpSpPr>
+        <p:cNvPr id="1" name=""/>
+        <p:cNvGrpSpPr/>
+        <p:nvPr/>
+      </p:nvGrpSpPr>
+      <p:grpSpPr>
+        <a:xfrm>
+          <a:off x="0" y="0"/>
+          <a:ext cx="0" cy="0"/>
+          <a:chOff x="0" y="0"/>
+          <a:chExt cx="0" cy="0"/>
+        </a:xfrm>
+      </p:grpSpPr>
+      <p:sp>
+        <p:nvSpPr>
+          <p:cNvPr id="2" name="Title 1">
+            <a:extLst>
+              <a:ext uri="{FF2B5EF4-FFF2-40B4-BE49-F238E27FC236}">
+                <a16:creationId xmlns:a16="http://schemas.microsoft.com/office/drawing/2014/main" id="{143B5247-4B5C-44D2-AE13-25DD403557B4}"/>
+              </a:ext>
+            </a:extLst>
+          </p:cNvPr>
+          <p:cNvSpPr>
+            <a:spLocks noGrp="1"/>
+          </p:cNvSpPr>
+          <p:nvPr>
+            <p:ph type="title"/>
+          </p:nvPr>
+        </p:nvSpPr>
+        <p:spPr/>
+        <p:txBody>
+          <a:bodyPr/>
+          <a:lstStyle/>
+          <a:p>
+            <a:r>
+              <a:rPr lang="en-US" dirty="0"/>
+              <a:t>Overview of Fan &amp; Li’s method</a:t>
             </a:r>
           </a:p>
         </p:txBody>
@@ -5138,9 +6481,33 @@
               <a:buNone/>
             </a:pPr>
             <a:r>
-              <a:rPr lang="en-US" dirty="0"/>
-              <a:t>Example of estimations</a:t>
-            </a:r>
+              <a:rPr lang="en-US" b="1" dirty="0"/>
+              <a:t>RANSAC:</a:t>
+            </a:r>
+          </a:p>
+          <a:p>
+            <a:r>
+              <a:rPr lang="en-US" dirty="0"/>
+              <a:t>Random Sample Consensus – Used to find the parameters of the line which fits the data best.</a:t>
+            </a:r>
+          </a:p>
+          <a:p>
+            <a:r>
+              <a:rPr lang="en-US" dirty="0"/>
+              <a:t>Aims to make a distinction between data points that belong to the actual function- “inliers” and points that are caused by noise “outliers”:</a:t>
+            </a:r>
+          </a:p>
+          <a:p>
+            <a:pPr marL="0" indent="0">
+              <a:buNone/>
+            </a:pPr>
+            <a:endParaRPr lang="en-US" dirty="0"/>
+          </a:p>
+          <a:p>
+            <a:pPr marL="0" indent="0">
+              <a:buNone/>
+            </a:pPr>
+            <a:endParaRPr lang="en-US" dirty="0"/>
           </a:p>
         </p:txBody>
       </p:sp>
@@ -5167,7 +6534,7 @@
           <a:p>
             <a:fld id="{F736EC4A-E5B7-42C2-9943-4D2477F0E2BA}" type="datetime1">
               <a:rPr lang="en-US" smtClean="0"/>
-              <a:t>9/26/2021</a:t>
+              <a:t>9/29/2021</a:t>
             </a:fld>
             <a:endParaRPr lang="en-US" dirty="0"/>
           </a:p>
@@ -5224,7 +6591,3967 @@
           <a:p>
             <a:fld id="{C629165E-D59B-453D-B763-34340D7036F6}" type="slidenum">
               <a:rPr lang="en-US" smtClean="0"/>
-              <a:t>12</a:t>
+              <a:t>13</a:t>
+            </a:fld>
+            <a:endParaRPr lang="en-US" dirty="0"/>
+          </a:p>
+        </p:txBody>
+      </p:sp>
+      <p:pic>
+        <p:nvPicPr>
+          <p:cNvPr id="10" name="Picture 9">
+            <a:extLst>
+              <a:ext uri="{FF2B5EF4-FFF2-40B4-BE49-F238E27FC236}">
+                <a16:creationId xmlns:a16="http://schemas.microsoft.com/office/drawing/2014/main" id="{09A5FBB2-52ED-4E0F-B168-13A01B265C8A}"/>
+              </a:ext>
+            </a:extLst>
+          </p:cNvPr>
+          <p:cNvPicPr>
+            <a:picLocks noChangeAspect="1"/>
+          </p:cNvPicPr>
+          <p:nvPr/>
+        </p:nvPicPr>
+        <p:blipFill>
+          <a:blip r:embed="rId3"/>
+          <a:stretch>
+            <a:fillRect/>
+          </a:stretch>
+        </p:blipFill>
+        <p:spPr>
+          <a:xfrm>
+            <a:off x="4394128" y="3923000"/>
+            <a:ext cx="2984867" cy="2146017"/>
+          </a:xfrm>
+          <a:prstGeom prst="rect">
+            <a:avLst/>
+          </a:prstGeom>
+        </p:spPr>
+      </p:pic>
+    </p:spTree>
+    <p:extLst>
+      <p:ext uri="{BB962C8B-B14F-4D97-AF65-F5344CB8AC3E}">
+        <p14:creationId xmlns:p14="http://schemas.microsoft.com/office/powerpoint/2010/main" val="3901548815"/>
+      </p:ext>
+    </p:extLst>
+  </p:cSld>
+  <p:clrMapOvr>
+    <a:masterClrMapping/>
+  </p:clrMapOvr>
+</p:sld>
+</file>
+
+<file path=ppt/slides/slide14.xml><?xml version="1.0" encoding="utf-8"?>
+<p:sld xmlns:a="http://schemas.openxmlformats.org/drawingml/2006/main" xmlns:r="http://schemas.openxmlformats.org/officeDocument/2006/relationships" xmlns:p="http://schemas.openxmlformats.org/presentationml/2006/main">
+  <p:cSld>
+    <p:spTree>
+      <p:nvGrpSpPr>
+        <p:cNvPr id="1" name=""/>
+        <p:cNvGrpSpPr/>
+        <p:nvPr/>
+      </p:nvGrpSpPr>
+      <p:grpSpPr>
+        <a:xfrm>
+          <a:off x="0" y="0"/>
+          <a:ext cx="0" cy="0"/>
+          <a:chOff x="0" y="0"/>
+          <a:chExt cx="0" cy="0"/>
+        </a:xfrm>
+      </p:grpSpPr>
+      <p:sp>
+        <p:nvSpPr>
+          <p:cNvPr id="2" name="Title 1">
+            <a:extLst>
+              <a:ext uri="{FF2B5EF4-FFF2-40B4-BE49-F238E27FC236}">
+                <a16:creationId xmlns:a16="http://schemas.microsoft.com/office/drawing/2014/main" id="{143B5247-4B5C-44D2-AE13-25DD403557B4}"/>
+              </a:ext>
+            </a:extLst>
+          </p:cNvPr>
+          <p:cNvSpPr>
+            <a:spLocks noGrp="1"/>
+          </p:cNvSpPr>
+          <p:nvPr>
+            <p:ph type="title"/>
+          </p:nvPr>
+        </p:nvSpPr>
+        <p:spPr/>
+        <p:txBody>
+          <a:bodyPr/>
+          <a:lstStyle/>
+          <a:p>
+            <a:r>
+              <a:rPr lang="en-US" dirty="0"/>
+              <a:t>Overview of Fan &amp; Li’s method</a:t>
+            </a:r>
+          </a:p>
+        </p:txBody>
+      </p:sp>
+      <p:sp>
+        <p:nvSpPr>
+          <p:cNvPr id="3" name="Content Placeholder 2">
+            <a:extLst>
+              <a:ext uri="{FF2B5EF4-FFF2-40B4-BE49-F238E27FC236}">
+                <a16:creationId xmlns:a16="http://schemas.microsoft.com/office/drawing/2014/main" id="{8BB29A69-51F4-4CEE-B950-D3A7C19E951E}"/>
+              </a:ext>
+            </a:extLst>
+          </p:cNvPr>
+          <p:cNvSpPr>
+            <a:spLocks noGrp="1"/>
+          </p:cNvSpPr>
+          <p:nvPr>
+            <p:ph idx="1"/>
+          </p:nvPr>
+        </p:nvSpPr>
+        <p:spPr/>
+        <p:txBody>
+          <a:bodyPr>
+            <a:normAutofit fontScale="85000" lnSpcReduction="20000"/>
+          </a:bodyPr>
+          <a:lstStyle/>
+          <a:p>
+            <a:pPr marL="0" indent="0">
+              <a:buNone/>
+            </a:pPr>
+            <a:r>
+              <a:rPr lang="en-US" b="1" dirty="0"/>
+              <a:t>RANSAC:</a:t>
+            </a:r>
+          </a:p>
+          <a:p>
+            <a:r>
+              <a:rPr lang="en-US" dirty="0"/>
+              <a:t>In our case, the RANSAC algorithm works like so:</a:t>
+            </a:r>
+          </a:p>
+          <a:p>
+            <a:pPr marL="0" indent="0">
+              <a:buNone/>
+            </a:pPr>
+            <a:endParaRPr lang="en-US" sz="2400" dirty="0"/>
+          </a:p>
+          <a:p>
+            <a:pPr marL="457200" lvl="1" indent="0">
+              <a:buNone/>
+            </a:pPr>
+            <a:r>
+              <a:rPr lang="en-US" i="1" dirty="0"/>
+              <a:t>For a given number of iterations:</a:t>
+            </a:r>
+          </a:p>
+          <a:p>
+            <a:pPr marL="457200" lvl="1" indent="0">
+              <a:buNone/>
+            </a:pPr>
+            <a:r>
+              <a:rPr lang="en-US" i="1" dirty="0"/>
+              <a:t>	1) Draw 2 points from the data at random</a:t>
+            </a:r>
+          </a:p>
+          <a:p>
+            <a:pPr marL="457200" lvl="1" indent="0">
+              <a:buNone/>
+            </a:pPr>
+            <a:endParaRPr lang="en-US" i="1" dirty="0"/>
+          </a:p>
+          <a:p>
+            <a:pPr marL="457200" lvl="1" indent="0">
+              <a:buNone/>
+            </a:pPr>
+            <a:r>
+              <a:rPr lang="en-US" i="1" dirty="0"/>
+              <a:t>	2) Construct a line according to these points</a:t>
+            </a:r>
+          </a:p>
+          <a:p>
+            <a:pPr marL="457200" lvl="1" indent="0">
+              <a:buNone/>
+            </a:pPr>
+            <a:endParaRPr lang="en-US" i="1" dirty="0"/>
+          </a:p>
+          <a:p>
+            <a:pPr marL="457200" lvl="1" indent="0">
+              <a:buNone/>
+            </a:pPr>
+            <a:r>
+              <a:rPr lang="en-US" i="1" dirty="0"/>
+              <a:t>	3) If the number of points that “agree” with this line is more than a given 		     	    threshold – continue, else- return to step 1</a:t>
+            </a:r>
+          </a:p>
+          <a:p>
+            <a:pPr marL="457200" lvl="1" indent="0">
+              <a:buNone/>
+            </a:pPr>
+            <a:endParaRPr lang="en-US" i="1" dirty="0"/>
+          </a:p>
+          <a:p>
+            <a:pPr marL="457200" lvl="1" indent="0">
+              <a:buNone/>
+            </a:pPr>
+            <a:r>
+              <a:rPr lang="en-US" i="1" dirty="0"/>
+              <a:t>	4) Build a refined model according the points that “agree” with the line</a:t>
+            </a:r>
+          </a:p>
+          <a:p>
+            <a:pPr marL="457200" lvl="1" indent="0">
+              <a:buNone/>
+            </a:pPr>
+            <a:endParaRPr lang="en-US" i="1" dirty="0"/>
+          </a:p>
+          <a:p>
+            <a:pPr marL="457200" lvl="1" indent="0">
+              <a:buNone/>
+            </a:pPr>
+            <a:r>
+              <a:rPr lang="en-US" i="1" dirty="0"/>
+              <a:t>	5) If the error of the refined model over the points that “agree” with is the best we have seen    	     so far – save it as the output</a:t>
+            </a:r>
+            <a:endParaRPr lang="en-US" dirty="0"/>
+          </a:p>
+          <a:p>
+            <a:pPr marL="0" indent="0">
+              <a:buNone/>
+            </a:pPr>
+            <a:endParaRPr lang="en-US" dirty="0"/>
+          </a:p>
+        </p:txBody>
+      </p:sp>
+      <p:sp>
+        <p:nvSpPr>
+          <p:cNvPr id="4" name="Date Placeholder 3">
+            <a:extLst>
+              <a:ext uri="{FF2B5EF4-FFF2-40B4-BE49-F238E27FC236}">
+                <a16:creationId xmlns:a16="http://schemas.microsoft.com/office/drawing/2014/main" id="{59913B85-3B4F-43D3-A7E9-D06F5E37C6C1}"/>
+              </a:ext>
+            </a:extLst>
+          </p:cNvPr>
+          <p:cNvSpPr>
+            <a:spLocks noGrp="1"/>
+          </p:cNvSpPr>
+          <p:nvPr>
+            <p:ph type="dt" sz="half" idx="10"/>
+          </p:nvPr>
+        </p:nvSpPr>
+        <p:spPr/>
+        <p:txBody>
+          <a:bodyPr/>
+          <a:lstStyle/>
+          <a:p>
+            <a:fld id="{F736EC4A-E5B7-42C2-9943-4D2477F0E2BA}" type="datetime1">
+              <a:rPr lang="en-US" smtClean="0"/>
+              <a:t>9/29/2021</a:t>
+            </a:fld>
+            <a:endParaRPr lang="en-US" dirty="0"/>
+          </a:p>
+        </p:txBody>
+      </p:sp>
+      <p:sp>
+        <p:nvSpPr>
+          <p:cNvPr id="5" name="Footer Placeholder 4">
+            <a:extLst>
+              <a:ext uri="{FF2B5EF4-FFF2-40B4-BE49-F238E27FC236}">
+                <a16:creationId xmlns:a16="http://schemas.microsoft.com/office/drawing/2014/main" id="{C5649577-8229-4DC9-AE82-59C3A5BA0515}"/>
+              </a:ext>
+            </a:extLst>
+          </p:cNvPr>
+          <p:cNvSpPr>
+            <a:spLocks noGrp="1"/>
+          </p:cNvSpPr>
+          <p:nvPr>
+            <p:ph type="ftr" sz="quarter" idx="11"/>
+          </p:nvPr>
+        </p:nvSpPr>
+        <p:spPr/>
+        <p:txBody>
+          <a:bodyPr/>
+          <a:lstStyle/>
+          <a:p>
+            <a:r>
+              <a:rPr lang="en-US" dirty="0"/>
+              <a:t>Yarden Akaby &amp; Etai Sella</a:t>
+            </a:r>
+          </a:p>
+        </p:txBody>
+      </p:sp>
+      <p:sp>
+        <p:nvSpPr>
+          <p:cNvPr id="6" name="Slide Number Placeholder 5">
+            <a:extLst>
+              <a:ext uri="{FF2B5EF4-FFF2-40B4-BE49-F238E27FC236}">
+                <a16:creationId xmlns:a16="http://schemas.microsoft.com/office/drawing/2014/main" id="{1B57282B-C25D-48B2-A667-C1D467EB1137}"/>
+              </a:ext>
+            </a:extLst>
+          </p:cNvPr>
+          <p:cNvSpPr>
+            <a:spLocks noGrp="1"/>
+          </p:cNvSpPr>
+          <p:nvPr>
+            <p:ph type="sldNum" sz="quarter" idx="12"/>
+          </p:nvPr>
+        </p:nvSpPr>
+        <p:spPr/>
+        <p:txBody>
+          <a:bodyPr/>
+          <a:lstStyle/>
+          <a:p>
+            <a:fld id="{C629165E-D59B-453D-B763-34340D7036F6}" type="slidenum">
+              <a:rPr lang="en-US" smtClean="0"/>
+              <a:t>14</a:t>
+            </a:fld>
+            <a:endParaRPr lang="en-US" dirty="0"/>
+          </a:p>
+        </p:txBody>
+      </p:sp>
+    </p:spTree>
+    <p:extLst>
+      <p:ext uri="{BB962C8B-B14F-4D97-AF65-F5344CB8AC3E}">
+        <p14:creationId xmlns:p14="http://schemas.microsoft.com/office/powerpoint/2010/main" val="1315380831"/>
+      </p:ext>
+    </p:extLst>
+  </p:cSld>
+  <p:clrMapOvr>
+    <a:masterClrMapping/>
+  </p:clrMapOvr>
+</p:sld>
+</file>
+
+<file path=ppt/slides/slide15.xml><?xml version="1.0" encoding="utf-8"?>
+<p:sld xmlns:a="http://schemas.openxmlformats.org/drawingml/2006/main" xmlns:r="http://schemas.openxmlformats.org/officeDocument/2006/relationships" xmlns:p="http://schemas.openxmlformats.org/presentationml/2006/main">
+  <p:cSld>
+    <p:spTree>
+      <p:nvGrpSpPr>
+        <p:cNvPr id="1" name=""/>
+        <p:cNvGrpSpPr/>
+        <p:nvPr/>
+      </p:nvGrpSpPr>
+      <p:grpSpPr>
+        <a:xfrm>
+          <a:off x="0" y="0"/>
+          <a:ext cx="0" cy="0"/>
+          <a:chOff x="0" y="0"/>
+          <a:chExt cx="0" cy="0"/>
+        </a:xfrm>
+      </p:grpSpPr>
+      <p:sp>
+        <p:nvSpPr>
+          <p:cNvPr id="2" name="Title 1">
+            <a:extLst>
+              <a:ext uri="{FF2B5EF4-FFF2-40B4-BE49-F238E27FC236}">
+                <a16:creationId xmlns:a16="http://schemas.microsoft.com/office/drawing/2014/main" id="{143B5247-4B5C-44D2-AE13-25DD403557B4}"/>
+              </a:ext>
+            </a:extLst>
+          </p:cNvPr>
+          <p:cNvSpPr>
+            <a:spLocks noGrp="1"/>
+          </p:cNvSpPr>
+          <p:nvPr>
+            <p:ph type="title"/>
+          </p:nvPr>
+        </p:nvSpPr>
+        <p:spPr/>
+        <p:txBody>
+          <a:bodyPr>
+            <a:normAutofit/>
+          </a:bodyPr>
+          <a:lstStyle/>
+          <a:p>
+            <a:r>
+              <a:rPr lang="en-US" dirty="0"/>
+              <a:t>Our innovation – Using Hough transform</a:t>
+            </a:r>
+          </a:p>
+        </p:txBody>
+      </p:sp>
+      <p:sp>
+        <p:nvSpPr>
+          <p:cNvPr id="3" name="Content Placeholder 2">
+            <a:extLst>
+              <a:ext uri="{FF2B5EF4-FFF2-40B4-BE49-F238E27FC236}">
+                <a16:creationId xmlns:a16="http://schemas.microsoft.com/office/drawing/2014/main" id="{8BB29A69-51F4-4CEE-B950-D3A7C19E951E}"/>
+              </a:ext>
+            </a:extLst>
+          </p:cNvPr>
+          <p:cNvSpPr>
+            <a:spLocks noGrp="1"/>
+          </p:cNvSpPr>
+          <p:nvPr>
+            <p:ph idx="1"/>
+          </p:nvPr>
+        </p:nvSpPr>
+        <p:spPr/>
+        <p:txBody>
+          <a:bodyPr>
+            <a:normAutofit/>
+          </a:bodyPr>
+          <a:lstStyle/>
+          <a:p>
+            <a:r>
+              <a:rPr lang="en-US" dirty="0"/>
+              <a:t>Our proposed modification to the process described by Fan and Li is to use the </a:t>
+            </a:r>
+            <a:r>
+              <a:rPr lang="en-US" b="1" dirty="0"/>
+              <a:t>Hough transform</a:t>
+            </a:r>
+            <a:r>
+              <a:rPr lang="en-US" dirty="0"/>
+              <a:t> instead of RANSAC in order to find parameters for multiple LFM signals at once, or to find the parameters of a single LFM signal which changes over time</a:t>
+            </a:r>
+          </a:p>
+          <a:p>
+            <a:endParaRPr lang="en-US" dirty="0"/>
+          </a:p>
+          <a:p>
+            <a:r>
+              <a:rPr lang="en-US" dirty="0"/>
+              <a:t>The Hough transform is more computationally demanding than RANSAC, but its advantage is that it can find multiple lines in one image:</a:t>
+            </a:r>
+          </a:p>
+        </p:txBody>
+      </p:sp>
+      <p:sp>
+        <p:nvSpPr>
+          <p:cNvPr id="4" name="Date Placeholder 3">
+            <a:extLst>
+              <a:ext uri="{FF2B5EF4-FFF2-40B4-BE49-F238E27FC236}">
+                <a16:creationId xmlns:a16="http://schemas.microsoft.com/office/drawing/2014/main" id="{59913B85-3B4F-43D3-A7E9-D06F5E37C6C1}"/>
+              </a:ext>
+            </a:extLst>
+          </p:cNvPr>
+          <p:cNvSpPr>
+            <a:spLocks noGrp="1"/>
+          </p:cNvSpPr>
+          <p:nvPr>
+            <p:ph type="dt" sz="half" idx="10"/>
+          </p:nvPr>
+        </p:nvSpPr>
+        <p:spPr/>
+        <p:txBody>
+          <a:bodyPr/>
+          <a:lstStyle/>
+          <a:p>
+            <a:fld id="{F736EC4A-E5B7-42C2-9943-4D2477F0E2BA}" type="datetime1">
+              <a:rPr lang="en-US" smtClean="0"/>
+              <a:t>9/29/2021</a:t>
+            </a:fld>
+            <a:endParaRPr lang="en-US" dirty="0"/>
+          </a:p>
+        </p:txBody>
+      </p:sp>
+      <p:sp>
+        <p:nvSpPr>
+          <p:cNvPr id="5" name="Footer Placeholder 4">
+            <a:extLst>
+              <a:ext uri="{FF2B5EF4-FFF2-40B4-BE49-F238E27FC236}">
+                <a16:creationId xmlns:a16="http://schemas.microsoft.com/office/drawing/2014/main" id="{C5649577-8229-4DC9-AE82-59C3A5BA0515}"/>
+              </a:ext>
+            </a:extLst>
+          </p:cNvPr>
+          <p:cNvSpPr>
+            <a:spLocks noGrp="1"/>
+          </p:cNvSpPr>
+          <p:nvPr>
+            <p:ph type="ftr" sz="quarter" idx="11"/>
+          </p:nvPr>
+        </p:nvSpPr>
+        <p:spPr/>
+        <p:txBody>
+          <a:bodyPr/>
+          <a:lstStyle/>
+          <a:p>
+            <a:r>
+              <a:rPr lang="en-US" dirty="0"/>
+              <a:t>Yarden Akaby &amp; Etai Sella</a:t>
+            </a:r>
+          </a:p>
+        </p:txBody>
+      </p:sp>
+      <p:sp>
+        <p:nvSpPr>
+          <p:cNvPr id="6" name="Slide Number Placeholder 5">
+            <a:extLst>
+              <a:ext uri="{FF2B5EF4-FFF2-40B4-BE49-F238E27FC236}">
+                <a16:creationId xmlns:a16="http://schemas.microsoft.com/office/drawing/2014/main" id="{1B57282B-C25D-48B2-A667-C1D467EB1137}"/>
+              </a:ext>
+            </a:extLst>
+          </p:cNvPr>
+          <p:cNvSpPr>
+            <a:spLocks noGrp="1"/>
+          </p:cNvSpPr>
+          <p:nvPr>
+            <p:ph type="sldNum" sz="quarter" idx="12"/>
+          </p:nvPr>
+        </p:nvSpPr>
+        <p:spPr/>
+        <p:txBody>
+          <a:bodyPr/>
+          <a:lstStyle/>
+          <a:p>
+            <a:fld id="{C629165E-D59B-453D-B763-34340D7036F6}" type="slidenum">
+              <a:rPr lang="en-US" smtClean="0"/>
+              <a:t>15</a:t>
+            </a:fld>
+            <a:endParaRPr lang="en-US" dirty="0"/>
+          </a:p>
+        </p:txBody>
+      </p:sp>
+    </p:spTree>
+    <p:extLst>
+      <p:ext uri="{BB962C8B-B14F-4D97-AF65-F5344CB8AC3E}">
+        <p14:creationId xmlns:p14="http://schemas.microsoft.com/office/powerpoint/2010/main" val="2007912869"/>
+      </p:ext>
+    </p:extLst>
+  </p:cSld>
+  <p:clrMapOvr>
+    <a:masterClrMapping/>
+  </p:clrMapOvr>
+</p:sld>
+</file>
+
+<file path=ppt/slides/slide16.xml><?xml version="1.0" encoding="utf-8"?>
+<p:sld xmlns:a="http://schemas.openxmlformats.org/drawingml/2006/main" xmlns:r="http://schemas.openxmlformats.org/officeDocument/2006/relationships" xmlns:p="http://schemas.openxmlformats.org/presentationml/2006/main">
+  <p:cSld>
+    <p:spTree>
+      <p:nvGrpSpPr>
+        <p:cNvPr id="1" name=""/>
+        <p:cNvGrpSpPr/>
+        <p:nvPr/>
+      </p:nvGrpSpPr>
+      <p:grpSpPr>
+        <a:xfrm>
+          <a:off x="0" y="0"/>
+          <a:ext cx="0" cy="0"/>
+          <a:chOff x="0" y="0"/>
+          <a:chExt cx="0" cy="0"/>
+        </a:xfrm>
+      </p:grpSpPr>
+      <p:sp>
+        <p:nvSpPr>
+          <p:cNvPr id="2" name="Title 1">
+            <a:extLst>
+              <a:ext uri="{FF2B5EF4-FFF2-40B4-BE49-F238E27FC236}">
+                <a16:creationId xmlns:a16="http://schemas.microsoft.com/office/drawing/2014/main" id="{143B5247-4B5C-44D2-AE13-25DD403557B4}"/>
+              </a:ext>
+            </a:extLst>
+          </p:cNvPr>
+          <p:cNvSpPr>
+            <a:spLocks noGrp="1"/>
+          </p:cNvSpPr>
+          <p:nvPr>
+            <p:ph type="title"/>
+          </p:nvPr>
+        </p:nvSpPr>
+        <p:spPr/>
+        <p:txBody>
+          <a:bodyPr>
+            <a:normAutofit/>
+          </a:bodyPr>
+          <a:lstStyle/>
+          <a:p>
+            <a:r>
+              <a:rPr lang="en-US" dirty="0"/>
+              <a:t>Our innovation – Using Hough transform</a:t>
+            </a:r>
+          </a:p>
+        </p:txBody>
+      </p:sp>
+      <mc:AlternateContent xmlns:mc="http://schemas.openxmlformats.org/markup-compatibility/2006" xmlns:a14="http://schemas.microsoft.com/office/drawing/2010/main">
+        <mc:Choice Requires="a14">
+          <p:sp>
+            <p:nvSpPr>
+              <p:cNvPr id="3" name="Content Placeholder 2">
+                <a:extLst>
+                  <a:ext uri="{FF2B5EF4-FFF2-40B4-BE49-F238E27FC236}">
+                    <a16:creationId xmlns:a16="http://schemas.microsoft.com/office/drawing/2014/main" id="{8BB29A69-51F4-4CEE-B950-D3A7C19E951E}"/>
+                  </a:ext>
+                </a:extLst>
+              </p:cNvPr>
+              <p:cNvSpPr>
+                <a:spLocks noGrp="1"/>
+              </p:cNvSpPr>
+              <p:nvPr>
+                <p:ph idx="1"/>
+              </p:nvPr>
+            </p:nvSpPr>
+            <p:spPr/>
+            <p:txBody>
+              <a:bodyPr>
+                <a:normAutofit/>
+              </a:bodyPr>
+              <a:lstStyle/>
+              <a:p>
+                <a:pPr marL="0" indent="0">
+                  <a:buNone/>
+                </a:pPr>
+                <a:r>
+                  <a:rPr lang="en-US" b="1" dirty="0"/>
+                  <a:t>The Hough Transform:</a:t>
+                </a:r>
+              </a:p>
+              <a:p>
+                <a:r>
+                  <a:rPr lang="en-US" dirty="0"/>
+                  <a:t>Lines can be described by </a:t>
+                </a:r>
+                <a14:m>
+                  <m:oMath xmlns:m="http://schemas.openxmlformats.org/officeDocument/2006/math">
+                    <m:r>
+                      <a:rPr lang="en-US" b="0" i="1" smtClean="0">
+                        <a:latin typeface="Cambria Math" panose="02040503050406030204" pitchFamily="18" charset="0"/>
+                      </a:rPr>
+                      <m:t>(</m:t>
+                    </m:r>
+                    <m:r>
+                      <a:rPr lang="en-US" b="0" i="1" smtClean="0">
+                        <a:latin typeface="Cambria Math" panose="02040503050406030204" pitchFamily="18" charset="0"/>
+                      </a:rPr>
+                      <m:t>𝑟</m:t>
+                    </m:r>
+                    <m:r>
+                      <a:rPr lang="en-US" b="0" i="1" smtClean="0">
+                        <a:latin typeface="Cambria Math" panose="02040503050406030204" pitchFamily="18" charset="0"/>
+                      </a:rPr>
+                      <m:t>, </m:t>
+                    </m:r>
+                    <m:r>
+                      <m:rPr>
+                        <m:sty m:val="p"/>
+                      </m:rPr>
+                      <a:rPr lang="en-US" b="0" i="0" smtClean="0">
+                        <a:latin typeface="Cambria Math" panose="02040503050406030204" pitchFamily="18" charset="0"/>
+                      </a:rPr>
+                      <m:t>Θ</m:t>
+                    </m:r>
+                    <m:r>
+                      <a:rPr lang="en-US" b="0" i="1" smtClean="0">
+                        <a:latin typeface="Cambria Math" panose="02040503050406030204" pitchFamily="18" charset="0"/>
+                      </a:rPr>
+                      <m:t>)</m:t>
+                    </m:r>
+                  </m:oMath>
+                </a14:m>
+                <a:r>
+                  <a:rPr lang="en-US" dirty="0"/>
+                  <a:t> as follows: </a:t>
+                </a:r>
+                <a14:m>
+                  <m:oMath xmlns:m="http://schemas.openxmlformats.org/officeDocument/2006/math">
+                    <m:r>
+                      <a:rPr lang="en-US" b="0" i="1" smtClean="0">
+                        <a:latin typeface="Cambria Math" panose="02040503050406030204" pitchFamily="18" charset="0"/>
+                      </a:rPr>
+                      <m:t>𝑟</m:t>
+                    </m:r>
+                    <m:r>
+                      <a:rPr lang="en-US" b="0" i="1" smtClean="0">
+                        <a:latin typeface="Cambria Math" panose="02040503050406030204" pitchFamily="18" charset="0"/>
+                      </a:rPr>
+                      <m:t>=</m:t>
+                    </m:r>
+                    <m:r>
+                      <a:rPr lang="en-US" b="0" i="1" smtClean="0">
+                        <a:latin typeface="Cambria Math" panose="02040503050406030204" pitchFamily="18" charset="0"/>
+                      </a:rPr>
+                      <m:t>𝑥𝑐𝑜𝑠</m:t>
+                    </m:r>
+                    <m:r>
+                      <m:rPr>
+                        <m:sty m:val="p"/>
+                      </m:rPr>
+                      <a:rPr lang="en-US" b="0" i="0" smtClean="0">
+                        <a:latin typeface="Cambria Math" panose="02040503050406030204" pitchFamily="18" charset="0"/>
+                      </a:rPr>
+                      <m:t>Θ</m:t>
+                    </m:r>
+                    <m:r>
+                      <a:rPr lang="en-US" b="0" i="1" smtClean="0">
+                        <a:latin typeface="Cambria Math" panose="02040503050406030204" pitchFamily="18" charset="0"/>
+                      </a:rPr>
+                      <m:t>+</m:t>
+                    </m:r>
+                    <m:r>
+                      <a:rPr lang="en-US" b="0" i="1" smtClean="0">
+                        <a:latin typeface="Cambria Math" panose="02040503050406030204" pitchFamily="18" charset="0"/>
+                      </a:rPr>
+                      <m:t>𝑦𝑠𝑖𝑛</m:t>
+                    </m:r>
+                    <m:r>
+                      <m:rPr>
+                        <m:sty m:val="p"/>
+                      </m:rPr>
+                      <a:rPr lang="en-US" b="0" i="0" smtClean="0">
+                        <a:latin typeface="Cambria Math" panose="02040503050406030204" pitchFamily="18" charset="0"/>
+                      </a:rPr>
+                      <m:t>Θ</m:t>
+                    </m:r>
+                  </m:oMath>
+                </a14:m>
+                <a:endParaRPr lang="en-US" dirty="0"/>
+              </a:p>
+              <a:p>
+                <a:pPr marL="457200" lvl="1" indent="0">
+                  <a:buNone/>
+                </a:pPr>
+                <a:endParaRPr lang="en-US" dirty="0"/>
+              </a:p>
+            </p:txBody>
+          </p:sp>
+        </mc:Choice>
+        <mc:Fallback xmlns="">
+          <p:sp>
+            <p:nvSpPr>
+              <p:cNvPr id="3" name="Content Placeholder 2">
+                <a:extLst>
+                  <a:ext uri="{FF2B5EF4-FFF2-40B4-BE49-F238E27FC236}">
+                    <a16:creationId xmlns:a16="http://schemas.microsoft.com/office/drawing/2014/main" id="{8BB29A69-51F4-4CEE-B950-D3A7C19E951E}"/>
+                  </a:ext>
+                </a:extLst>
+              </p:cNvPr>
+              <p:cNvSpPr>
+                <a:spLocks noGrp="1" noRot="1" noChangeAspect="1" noMove="1" noResize="1" noEditPoints="1" noAdjustHandles="1" noChangeArrowheads="1" noChangeShapeType="1" noTextEdit="1"/>
+              </p:cNvSpPr>
+              <p:nvPr>
+                <p:ph idx="1"/>
+              </p:nvPr>
+            </p:nvSpPr>
+            <p:spPr>
+              <a:blipFill>
+                <a:blip r:embed="rId2"/>
+                <a:stretch>
+                  <a:fillRect l="-1217" t="-2241"/>
+                </a:stretch>
+              </a:blipFill>
+            </p:spPr>
+            <p:txBody>
+              <a:bodyPr/>
+              <a:lstStyle/>
+              <a:p>
+                <a:r>
+                  <a:rPr lang="en-US">
+                    <a:noFill/>
+                  </a:rPr>
+                  <a:t> </a:t>
+                </a:r>
+              </a:p>
+            </p:txBody>
+          </p:sp>
+        </mc:Fallback>
+      </mc:AlternateContent>
+      <p:sp>
+        <p:nvSpPr>
+          <p:cNvPr id="4" name="Date Placeholder 3">
+            <a:extLst>
+              <a:ext uri="{FF2B5EF4-FFF2-40B4-BE49-F238E27FC236}">
+                <a16:creationId xmlns:a16="http://schemas.microsoft.com/office/drawing/2014/main" id="{59913B85-3B4F-43D3-A7E9-D06F5E37C6C1}"/>
+              </a:ext>
+            </a:extLst>
+          </p:cNvPr>
+          <p:cNvSpPr>
+            <a:spLocks noGrp="1"/>
+          </p:cNvSpPr>
+          <p:nvPr>
+            <p:ph type="dt" sz="half" idx="10"/>
+          </p:nvPr>
+        </p:nvSpPr>
+        <p:spPr/>
+        <p:txBody>
+          <a:bodyPr/>
+          <a:lstStyle/>
+          <a:p>
+            <a:fld id="{F736EC4A-E5B7-42C2-9943-4D2477F0E2BA}" type="datetime1">
+              <a:rPr lang="en-US" smtClean="0"/>
+              <a:t>9/29/2021</a:t>
+            </a:fld>
+            <a:endParaRPr lang="en-US" dirty="0"/>
+          </a:p>
+        </p:txBody>
+      </p:sp>
+      <p:sp>
+        <p:nvSpPr>
+          <p:cNvPr id="5" name="Footer Placeholder 4">
+            <a:extLst>
+              <a:ext uri="{FF2B5EF4-FFF2-40B4-BE49-F238E27FC236}">
+                <a16:creationId xmlns:a16="http://schemas.microsoft.com/office/drawing/2014/main" id="{C5649577-8229-4DC9-AE82-59C3A5BA0515}"/>
+              </a:ext>
+            </a:extLst>
+          </p:cNvPr>
+          <p:cNvSpPr>
+            <a:spLocks noGrp="1"/>
+          </p:cNvSpPr>
+          <p:nvPr>
+            <p:ph type="ftr" sz="quarter" idx="11"/>
+          </p:nvPr>
+        </p:nvSpPr>
+        <p:spPr/>
+        <p:txBody>
+          <a:bodyPr/>
+          <a:lstStyle/>
+          <a:p>
+            <a:r>
+              <a:rPr lang="en-US" dirty="0"/>
+              <a:t>Yarden Akaby &amp; Etai Sella</a:t>
+            </a:r>
+          </a:p>
+        </p:txBody>
+      </p:sp>
+      <p:sp>
+        <p:nvSpPr>
+          <p:cNvPr id="6" name="Slide Number Placeholder 5">
+            <a:extLst>
+              <a:ext uri="{FF2B5EF4-FFF2-40B4-BE49-F238E27FC236}">
+                <a16:creationId xmlns:a16="http://schemas.microsoft.com/office/drawing/2014/main" id="{1B57282B-C25D-48B2-A667-C1D467EB1137}"/>
+              </a:ext>
+            </a:extLst>
+          </p:cNvPr>
+          <p:cNvSpPr>
+            <a:spLocks noGrp="1"/>
+          </p:cNvSpPr>
+          <p:nvPr>
+            <p:ph type="sldNum" sz="quarter" idx="12"/>
+          </p:nvPr>
+        </p:nvSpPr>
+        <p:spPr/>
+        <p:txBody>
+          <a:bodyPr/>
+          <a:lstStyle/>
+          <a:p>
+            <a:fld id="{C629165E-D59B-453D-B763-34340D7036F6}" type="slidenum">
+              <a:rPr lang="en-US" smtClean="0"/>
+              <a:t>16</a:t>
+            </a:fld>
+            <a:endParaRPr lang="en-US" dirty="0"/>
+          </a:p>
+        </p:txBody>
+      </p:sp>
+      <p:pic>
+        <p:nvPicPr>
+          <p:cNvPr id="8" name="Picture 7">
+            <a:extLst>
+              <a:ext uri="{FF2B5EF4-FFF2-40B4-BE49-F238E27FC236}">
+                <a16:creationId xmlns:a16="http://schemas.microsoft.com/office/drawing/2014/main" id="{DCDEEFDF-E607-4D1D-82C4-E19660DE7248}"/>
+              </a:ext>
+            </a:extLst>
+          </p:cNvPr>
+          <p:cNvPicPr>
+            <a:picLocks noChangeAspect="1"/>
+          </p:cNvPicPr>
+          <p:nvPr/>
+        </p:nvPicPr>
+        <p:blipFill>
+          <a:blip r:embed="rId3"/>
+          <a:stretch>
+            <a:fillRect/>
+          </a:stretch>
+        </p:blipFill>
+        <p:spPr>
+          <a:xfrm>
+            <a:off x="4762314" y="2930558"/>
+            <a:ext cx="2667372" cy="2229161"/>
+          </a:xfrm>
+          <a:prstGeom prst="rect">
+            <a:avLst/>
+          </a:prstGeom>
+        </p:spPr>
+      </p:pic>
+    </p:spTree>
+    <p:extLst>
+      <p:ext uri="{BB962C8B-B14F-4D97-AF65-F5344CB8AC3E}">
+        <p14:creationId xmlns:p14="http://schemas.microsoft.com/office/powerpoint/2010/main" val="3748974271"/>
+      </p:ext>
+    </p:extLst>
+  </p:cSld>
+  <p:clrMapOvr>
+    <a:masterClrMapping/>
+  </p:clrMapOvr>
+</p:sld>
+</file>
+
+<file path=ppt/slides/slide17.xml><?xml version="1.0" encoding="utf-8"?>
+<p:sld xmlns:a="http://schemas.openxmlformats.org/drawingml/2006/main" xmlns:r="http://schemas.openxmlformats.org/officeDocument/2006/relationships" xmlns:p="http://schemas.openxmlformats.org/presentationml/2006/main">
+  <p:cSld>
+    <p:spTree>
+      <p:nvGrpSpPr>
+        <p:cNvPr id="1" name=""/>
+        <p:cNvGrpSpPr/>
+        <p:nvPr/>
+      </p:nvGrpSpPr>
+      <p:grpSpPr>
+        <a:xfrm>
+          <a:off x="0" y="0"/>
+          <a:ext cx="0" cy="0"/>
+          <a:chOff x="0" y="0"/>
+          <a:chExt cx="0" cy="0"/>
+        </a:xfrm>
+      </p:grpSpPr>
+      <p:sp>
+        <p:nvSpPr>
+          <p:cNvPr id="2" name="Title 1">
+            <a:extLst>
+              <a:ext uri="{FF2B5EF4-FFF2-40B4-BE49-F238E27FC236}">
+                <a16:creationId xmlns:a16="http://schemas.microsoft.com/office/drawing/2014/main" id="{143B5247-4B5C-44D2-AE13-25DD403557B4}"/>
+              </a:ext>
+            </a:extLst>
+          </p:cNvPr>
+          <p:cNvSpPr>
+            <a:spLocks noGrp="1"/>
+          </p:cNvSpPr>
+          <p:nvPr>
+            <p:ph type="title"/>
+          </p:nvPr>
+        </p:nvSpPr>
+        <p:spPr/>
+        <p:txBody>
+          <a:bodyPr>
+            <a:normAutofit/>
+          </a:bodyPr>
+          <a:lstStyle/>
+          <a:p>
+            <a:r>
+              <a:rPr lang="en-US" dirty="0"/>
+              <a:t>Our innovation – Using Hough transform</a:t>
+            </a:r>
+          </a:p>
+        </p:txBody>
+      </p:sp>
+      <mc:AlternateContent xmlns:mc="http://schemas.openxmlformats.org/markup-compatibility/2006" xmlns:a14="http://schemas.microsoft.com/office/drawing/2010/main">
+        <mc:Choice Requires="a14">
+          <p:sp>
+            <p:nvSpPr>
+              <p:cNvPr id="3" name="Content Placeholder 2">
+                <a:extLst>
+                  <a:ext uri="{FF2B5EF4-FFF2-40B4-BE49-F238E27FC236}">
+                    <a16:creationId xmlns:a16="http://schemas.microsoft.com/office/drawing/2014/main" id="{8BB29A69-51F4-4CEE-B950-D3A7C19E951E}"/>
+                  </a:ext>
+                </a:extLst>
+              </p:cNvPr>
+              <p:cNvSpPr>
+                <a:spLocks noGrp="1"/>
+              </p:cNvSpPr>
+              <p:nvPr>
+                <p:ph idx="1"/>
+              </p:nvPr>
+            </p:nvSpPr>
+            <p:spPr/>
+            <p:txBody>
+              <a:bodyPr>
+                <a:normAutofit/>
+              </a:bodyPr>
+              <a:lstStyle/>
+              <a:p>
+                <a:pPr marL="0" indent="0">
+                  <a:buNone/>
+                </a:pPr>
+                <a:r>
+                  <a:rPr lang="en-US" b="1" dirty="0"/>
+                  <a:t>The Hough Transform:</a:t>
+                </a:r>
+              </a:p>
+              <a:p>
+                <a:r>
+                  <a:rPr lang="en-US" dirty="0"/>
+                  <a:t>In the Hough transform a matrix of </a:t>
+                </a:r>
+                <a14:m>
+                  <m:oMath xmlns:m="http://schemas.openxmlformats.org/officeDocument/2006/math">
+                    <m:r>
+                      <a:rPr lang="en-US" b="0" i="1" smtClean="0">
+                        <a:latin typeface="Cambria Math" panose="02040503050406030204" pitchFamily="18" charset="0"/>
+                      </a:rPr>
+                      <m:t>𝑟</m:t>
+                    </m:r>
+                    <m:r>
+                      <a:rPr lang="en-US" b="0" i="1" smtClean="0">
+                        <a:latin typeface="Cambria Math" panose="02040503050406030204" pitchFamily="18" charset="0"/>
+                      </a:rPr>
+                      <m:t> </m:t>
+                    </m:r>
+                  </m:oMath>
+                </a14:m>
+                <a:r>
+                  <a:rPr lang="en-US" dirty="0"/>
+                  <a:t>and </a:t>
+                </a:r>
+                <a14:m>
+                  <m:oMath xmlns:m="http://schemas.openxmlformats.org/officeDocument/2006/math">
+                    <m:r>
+                      <m:rPr>
+                        <m:sty m:val="p"/>
+                      </m:rPr>
+                      <a:rPr lang="en-US" b="0" i="0" smtClean="0">
+                        <a:latin typeface="Cambria Math" panose="02040503050406030204" pitchFamily="18" charset="0"/>
+                      </a:rPr>
+                      <m:t>Θ</m:t>
+                    </m:r>
+                  </m:oMath>
+                </a14:m>
+                <a:r>
+                  <a:rPr lang="en-US" dirty="0"/>
+                  <a:t> is created</a:t>
+                </a:r>
+              </a:p>
+              <a:p>
+                <a:r>
+                  <a:rPr lang="en-US" dirty="0"/>
+                  <a:t>For each element in the matrix the transform checks how many pixels are “hit” in a binary image. The number of these “hits” is saved in the matrix</a:t>
+                </a:r>
+              </a:p>
+              <a:p>
+                <a:r>
+                  <a:rPr lang="en-US" dirty="0"/>
+                  <a:t>The local </a:t>
+                </a:r>
+                <a:r>
+                  <a:rPr lang="en-US" dirty="0" err="1"/>
+                  <a:t>maximas</a:t>
+                </a:r>
+                <a:r>
+                  <a:rPr lang="en-US" dirty="0"/>
+                  <a:t> of this matrix correspond with the most significant lines in the image:</a:t>
+                </a:r>
+              </a:p>
+              <a:p>
+                <a:endParaRPr lang="en-US" dirty="0"/>
+              </a:p>
+              <a:p>
+                <a:pPr marL="457200" lvl="1" indent="0">
+                  <a:buNone/>
+                </a:pPr>
+                <a:endParaRPr lang="en-US" dirty="0"/>
+              </a:p>
+            </p:txBody>
+          </p:sp>
+        </mc:Choice>
+        <mc:Fallback xmlns="">
+          <p:sp>
+            <p:nvSpPr>
+              <p:cNvPr id="3" name="Content Placeholder 2">
+                <a:extLst>
+                  <a:ext uri="{FF2B5EF4-FFF2-40B4-BE49-F238E27FC236}">
+                    <a16:creationId xmlns:a16="http://schemas.microsoft.com/office/drawing/2014/main" id="{8BB29A69-51F4-4CEE-B950-D3A7C19E951E}"/>
+                  </a:ext>
+                </a:extLst>
+              </p:cNvPr>
+              <p:cNvSpPr>
+                <a:spLocks noGrp="1" noRot="1" noChangeAspect="1" noMove="1" noResize="1" noEditPoints="1" noAdjustHandles="1" noChangeArrowheads="1" noChangeShapeType="1" noTextEdit="1"/>
+              </p:cNvSpPr>
+              <p:nvPr>
+                <p:ph idx="1"/>
+              </p:nvPr>
+            </p:nvSpPr>
+            <p:spPr>
+              <a:blipFill>
+                <a:blip r:embed="rId2"/>
+                <a:stretch>
+                  <a:fillRect l="-1217" t="-2241" r="-754"/>
+                </a:stretch>
+              </a:blipFill>
+            </p:spPr>
+            <p:txBody>
+              <a:bodyPr/>
+              <a:lstStyle/>
+              <a:p>
+                <a:r>
+                  <a:rPr lang="en-US">
+                    <a:noFill/>
+                  </a:rPr>
+                  <a:t> </a:t>
+                </a:r>
+              </a:p>
+            </p:txBody>
+          </p:sp>
+        </mc:Fallback>
+      </mc:AlternateContent>
+      <p:sp>
+        <p:nvSpPr>
+          <p:cNvPr id="4" name="Date Placeholder 3">
+            <a:extLst>
+              <a:ext uri="{FF2B5EF4-FFF2-40B4-BE49-F238E27FC236}">
+                <a16:creationId xmlns:a16="http://schemas.microsoft.com/office/drawing/2014/main" id="{59913B85-3B4F-43D3-A7E9-D06F5E37C6C1}"/>
+              </a:ext>
+            </a:extLst>
+          </p:cNvPr>
+          <p:cNvSpPr>
+            <a:spLocks noGrp="1"/>
+          </p:cNvSpPr>
+          <p:nvPr>
+            <p:ph type="dt" sz="half" idx="10"/>
+          </p:nvPr>
+        </p:nvSpPr>
+        <p:spPr/>
+        <p:txBody>
+          <a:bodyPr/>
+          <a:lstStyle/>
+          <a:p>
+            <a:fld id="{F736EC4A-E5B7-42C2-9943-4D2477F0E2BA}" type="datetime1">
+              <a:rPr lang="en-US" smtClean="0"/>
+              <a:t>9/29/2021</a:t>
+            </a:fld>
+            <a:endParaRPr lang="en-US" dirty="0"/>
+          </a:p>
+        </p:txBody>
+      </p:sp>
+      <p:sp>
+        <p:nvSpPr>
+          <p:cNvPr id="5" name="Footer Placeholder 4">
+            <a:extLst>
+              <a:ext uri="{FF2B5EF4-FFF2-40B4-BE49-F238E27FC236}">
+                <a16:creationId xmlns:a16="http://schemas.microsoft.com/office/drawing/2014/main" id="{C5649577-8229-4DC9-AE82-59C3A5BA0515}"/>
+              </a:ext>
+            </a:extLst>
+          </p:cNvPr>
+          <p:cNvSpPr>
+            <a:spLocks noGrp="1"/>
+          </p:cNvSpPr>
+          <p:nvPr>
+            <p:ph type="ftr" sz="quarter" idx="11"/>
+          </p:nvPr>
+        </p:nvSpPr>
+        <p:spPr/>
+        <p:txBody>
+          <a:bodyPr/>
+          <a:lstStyle/>
+          <a:p>
+            <a:r>
+              <a:rPr lang="en-US" dirty="0"/>
+              <a:t>Yarden Akaby &amp; Etai Sella</a:t>
+            </a:r>
+          </a:p>
+        </p:txBody>
+      </p:sp>
+      <p:sp>
+        <p:nvSpPr>
+          <p:cNvPr id="6" name="Slide Number Placeholder 5">
+            <a:extLst>
+              <a:ext uri="{FF2B5EF4-FFF2-40B4-BE49-F238E27FC236}">
+                <a16:creationId xmlns:a16="http://schemas.microsoft.com/office/drawing/2014/main" id="{1B57282B-C25D-48B2-A667-C1D467EB1137}"/>
+              </a:ext>
+            </a:extLst>
+          </p:cNvPr>
+          <p:cNvSpPr>
+            <a:spLocks noGrp="1"/>
+          </p:cNvSpPr>
+          <p:nvPr>
+            <p:ph type="sldNum" sz="quarter" idx="12"/>
+          </p:nvPr>
+        </p:nvSpPr>
+        <p:spPr/>
+        <p:txBody>
+          <a:bodyPr/>
+          <a:lstStyle/>
+          <a:p>
+            <a:fld id="{C629165E-D59B-453D-B763-34340D7036F6}" type="slidenum">
+              <a:rPr lang="en-US" smtClean="0"/>
+              <a:t>17</a:t>
+            </a:fld>
+            <a:endParaRPr lang="en-US" dirty="0"/>
+          </a:p>
+        </p:txBody>
+      </p:sp>
+    </p:spTree>
+    <p:extLst>
+      <p:ext uri="{BB962C8B-B14F-4D97-AF65-F5344CB8AC3E}">
+        <p14:creationId xmlns:p14="http://schemas.microsoft.com/office/powerpoint/2010/main" val="4237881806"/>
+      </p:ext>
+    </p:extLst>
+  </p:cSld>
+  <p:clrMapOvr>
+    <a:masterClrMapping/>
+  </p:clrMapOvr>
+</p:sld>
+</file>
+
+<file path=ppt/slides/slide18.xml><?xml version="1.0" encoding="utf-8"?>
+<p:sld xmlns:a="http://schemas.openxmlformats.org/drawingml/2006/main" xmlns:r="http://schemas.openxmlformats.org/officeDocument/2006/relationships" xmlns:p="http://schemas.openxmlformats.org/presentationml/2006/main">
+  <p:cSld>
+    <p:spTree>
+      <p:nvGrpSpPr>
+        <p:cNvPr id="1" name=""/>
+        <p:cNvGrpSpPr/>
+        <p:nvPr/>
+      </p:nvGrpSpPr>
+      <p:grpSpPr>
+        <a:xfrm>
+          <a:off x="0" y="0"/>
+          <a:ext cx="0" cy="0"/>
+          <a:chOff x="0" y="0"/>
+          <a:chExt cx="0" cy="0"/>
+        </a:xfrm>
+      </p:grpSpPr>
+      <p:sp>
+        <p:nvSpPr>
+          <p:cNvPr id="2" name="Title 1">
+            <a:extLst>
+              <a:ext uri="{FF2B5EF4-FFF2-40B4-BE49-F238E27FC236}">
+                <a16:creationId xmlns:a16="http://schemas.microsoft.com/office/drawing/2014/main" id="{143B5247-4B5C-44D2-AE13-25DD403557B4}"/>
+              </a:ext>
+            </a:extLst>
+          </p:cNvPr>
+          <p:cNvSpPr>
+            <a:spLocks noGrp="1"/>
+          </p:cNvSpPr>
+          <p:nvPr>
+            <p:ph type="title"/>
+          </p:nvPr>
+        </p:nvSpPr>
+        <p:spPr/>
+        <p:txBody>
+          <a:bodyPr>
+            <a:normAutofit/>
+          </a:bodyPr>
+          <a:lstStyle/>
+          <a:p>
+            <a:r>
+              <a:rPr lang="en-US" dirty="0"/>
+              <a:t>Our innovation – Using Hough transform</a:t>
+            </a:r>
+          </a:p>
+        </p:txBody>
+      </p:sp>
+      <p:sp>
+        <p:nvSpPr>
+          <p:cNvPr id="3" name="Content Placeholder 2">
+            <a:extLst>
+              <a:ext uri="{FF2B5EF4-FFF2-40B4-BE49-F238E27FC236}">
+                <a16:creationId xmlns:a16="http://schemas.microsoft.com/office/drawing/2014/main" id="{8BB29A69-51F4-4CEE-B950-D3A7C19E951E}"/>
+              </a:ext>
+            </a:extLst>
+          </p:cNvPr>
+          <p:cNvSpPr>
+            <a:spLocks noGrp="1"/>
+          </p:cNvSpPr>
+          <p:nvPr>
+            <p:ph idx="1"/>
+          </p:nvPr>
+        </p:nvSpPr>
+        <p:spPr/>
+        <p:txBody>
+          <a:bodyPr>
+            <a:normAutofit/>
+          </a:bodyPr>
+          <a:lstStyle/>
+          <a:p>
+            <a:pPr marL="0" indent="0">
+              <a:buNone/>
+            </a:pPr>
+            <a:r>
+              <a:rPr lang="en-US" b="1" dirty="0"/>
+              <a:t>The Hough Transform:</a:t>
+            </a:r>
+          </a:p>
+          <a:p>
+            <a:pPr marL="0" indent="0">
+              <a:buNone/>
+            </a:pPr>
+            <a:endParaRPr lang="en-US" dirty="0"/>
+          </a:p>
+          <a:p>
+            <a:pPr marL="457200" lvl="1" indent="0">
+              <a:buNone/>
+            </a:pPr>
+            <a:endParaRPr lang="en-US" dirty="0"/>
+          </a:p>
+        </p:txBody>
+      </p:sp>
+      <p:sp>
+        <p:nvSpPr>
+          <p:cNvPr id="4" name="Date Placeholder 3">
+            <a:extLst>
+              <a:ext uri="{FF2B5EF4-FFF2-40B4-BE49-F238E27FC236}">
+                <a16:creationId xmlns:a16="http://schemas.microsoft.com/office/drawing/2014/main" id="{59913B85-3B4F-43D3-A7E9-D06F5E37C6C1}"/>
+              </a:ext>
+            </a:extLst>
+          </p:cNvPr>
+          <p:cNvSpPr>
+            <a:spLocks noGrp="1"/>
+          </p:cNvSpPr>
+          <p:nvPr>
+            <p:ph type="dt" sz="half" idx="10"/>
+          </p:nvPr>
+        </p:nvSpPr>
+        <p:spPr/>
+        <p:txBody>
+          <a:bodyPr/>
+          <a:lstStyle/>
+          <a:p>
+            <a:fld id="{F736EC4A-E5B7-42C2-9943-4D2477F0E2BA}" type="datetime1">
+              <a:rPr lang="en-US" smtClean="0"/>
+              <a:t>9/29/2021</a:t>
+            </a:fld>
+            <a:endParaRPr lang="en-US" dirty="0"/>
+          </a:p>
+        </p:txBody>
+      </p:sp>
+      <p:sp>
+        <p:nvSpPr>
+          <p:cNvPr id="5" name="Footer Placeholder 4">
+            <a:extLst>
+              <a:ext uri="{FF2B5EF4-FFF2-40B4-BE49-F238E27FC236}">
+                <a16:creationId xmlns:a16="http://schemas.microsoft.com/office/drawing/2014/main" id="{C5649577-8229-4DC9-AE82-59C3A5BA0515}"/>
+              </a:ext>
+            </a:extLst>
+          </p:cNvPr>
+          <p:cNvSpPr>
+            <a:spLocks noGrp="1"/>
+          </p:cNvSpPr>
+          <p:nvPr>
+            <p:ph type="ftr" sz="quarter" idx="11"/>
+          </p:nvPr>
+        </p:nvSpPr>
+        <p:spPr/>
+        <p:txBody>
+          <a:bodyPr/>
+          <a:lstStyle/>
+          <a:p>
+            <a:r>
+              <a:rPr lang="en-US" dirty="0"/>
+              <a:t>Yarden Akaby &amp; Etai Sella</a:t>
+            </a:r>
+          </a:p>
+        </p:txBody>
+      </p:sp>
+      <p:sp>
+        <p:nvSpPr>
+          <p:cNvPr id="6" name="Slide Number Placeholder 5">
+            <a:extLst>
+              <a:ext uri="{FF2B5EF4-FFF2-40B4-BE49-F238E27FC236}">
+                <a16:creationId xmlns:a16="http://schemas.microsoft.com/office/drawing/2014/main" id="{1B57282B-C25D-48B2-A667-C1D467EB1137}"/>
+              </a:ext>
+            </a:extLst>
+          </p:cNvPr>
+          <p:cNvSpPr>
+            <a:spLocks noGrp="1"/>
+          </p:cNvSpPr>
+          <p:nvPr>
+            <p:ph type="sldNum" sz="quarter" idx="12"/>
+          </p:nvPr>
+        </p:nvSpPr>
+        <p:spPr/>
+        <p:txBody>
+          <a:bodyPr/>
+          <a:lstStyle/>
+          <a:p>
+            <a:fld id="{C629165E-D59B-453D-B763-34340D7036F6}" type="slidenum">
+              <a:rPr lang="en-US" smtClean="0"/>
+              <a:t>18</a:t>
+            </a:fld>
+            <a:endParaRPr lang="en-US" dirty="0"/>
+          </a:p>
+        </p:txBody>
+      </p:sp>
+      <p:pic>
+        <p:nvPicPr>
+          <p:cNvPr id="8" name="Picture 7">
+            <a:extLst>
+              <a:ext uri="{FF2B5EF4-FFF2-40B4-BE49-F238E27FC236}">
+                <a16:creationId xmlns:a16="http://schemas.microsoft.com/office/drawing/2014/main" id="{2089E98C-BB6E-4C06-B6C6-ED7A34AD2F25}"/>
+              </a:ext>
+            </a:extLst>
+          </p:cNvPr>
+          <p:cNvPicPr>
+            <a:picLocks noChangeAspect="1"/>
+          </p:cNvPicPr>
+          <p:nvPr/>
+        </p:nvPicPr>
+        <p:blipFill>
+          <a:blip r:embed="rId2"/>
+          <a:stretch>
+            <a:fillRect/>
+          </a:stretch>
+        </p:blipFill>
+        <p:spPr>
+          <a:xfrm>
+            <a:off x="2039194" y="2074113"/>
+            <a:ext cx="8113612" cy="3934309"/>
+          </a:xfrm>
+          <a:prstGeom prst="rect">
+            <a:avLst/>
+          </a:prstGeom>
+        </p:spPr>
+      </p:pic>
+    </p:spTree>
+    <p:extLst>
+      <p:ext uri="{BB962C8B-B14F-4D97-AF65-F5344CB8AC3E}">
+        <p14:creationId xmlns:p14="http://schemas.microsoft.com/office/powerpoint/2010/main" val="648406089"/>
+      </p:ext>
+    </p:extLst>
+  </p:cSld>
+  <p:clrMapOvr>
+    <a:masterClrMapping/>
+  </p:clrMapOvr>
+</p:sld>
+</file>
+
+<file path=ppt/slides/slide19.xml><?xml version="1.0" encoding="utf-8"?>
+<p:sld xmlns:a="http://schemas.openxmlformats.org/drawingml/2006/main" xmlns:r="http://schemas.openxmlformats.org/officeDocument/2006/relationships" xmlns:p="http://schemas.openxmlformats.org/presentationml/2006/main">
+  <p:cSld>
+    <p:spTree>
+      <p:nvGrpSpPr>
+        <p:cNvPr id="1" name=""/>
+        <p:cNvGrpSpPr/>
+        <p:nvPr/>
+      </p:nvGrpSpPr>
+      <p:grpSpPr>
+        <a:xfrm>
+          <a:off x="0" y="0"/>
+          <a:ext cx="0" cy="0"/>
+          <a:chOff x="0" y="0"/>
+          <a:chExt cx="0" cy="0"/>
+        </a:xfrm>
+      </p:grpSpPr>
+      <p:sp>
+        <p:nvSpPr>
+          <p:cNvPr id="2" name="Title 1">
+            <a:extLst>
+              <a:ext uri="{FF2B5EF4-FFF2-40B4-BE49-F238E27FC236}">
+                <a16:creationId xmlns:a16="http://schemas.microsoft.com/office/drawing/2014/main" id="{143B5247-4B5C-44D2-AE13-25DD403557B4}"/>
+              </a:ext>
+            </a:extLst>
+          </p:cNvPr>
+          <p:cNvSpPr>
+            <a:spLocks noGrp="1"/>
+          </p:cNvSpPr>
+          <p:nvPr>
+            <p:ph type="title"/>
+          </p:nvPr>
+        </p:nvSpPr>
+        <p:spPr/>
+        <p:txBody>
+          <a:bodyPr>
+            <a:normAutofit/>
+          </a:bodyPr>
+          <a:lstStyle/>
+          <a:p>
+            <a:r>
+              <a:rPr lang="en-US" dirty="0"/>
+              <a:t>Our innovation – Using Hough transform</a:t>
+            </a:r>
+          </a:p>
+        </p:txBody>
+      </p:sp>
+      <p:sp>
+        <p:nvSpPr>
+          <p:cNvPr id="3" name="Content Placeholder 2">
+            <a:extLst>
+              <a:ext uri="{FF2B5EF4-FFF2-40B4-BE49-F238E27FC236}">
+                <a16:creationId xmlns:a16="http://schemas.microsoft.com/office/drawing/2014/main" id="{8BB29A69-51F4-4CEE-B950-D3A7C19E951E}"/>
+              </a:ext>
+            </a:extLst>
+          </p:cNvPr>
+          <p:cNvSpPr>
+            <a:spLocks noGrp="1"/>
+          </p:cNvSpPr>
+          <p:nvPr>
+            <p:ph idx="1"/>
+          </p:nvPr>
+        </p:nvSpPr>
+        <p:spPr/>
+        <p:txBody>
+          <a:bodyPr>
+            <a:normAutofit/>
+          </a:bodyPr>
+          <a:lstStyle/>
+          <a:p>
+            <a:pPr marL="0" indent="0">
+              <a:buNone/>
+            </a:pPr>
+            <a:r>
+              <a:rPr lang="en-US" b="1" dirty="0"/>
+              <a:t>Parameter changes mid-chirp:</a:t>
+            </a:r>
+          </a:p>
+          <a:p>
+            <a:r>
+              <a:rPr lang="en-US" dirty="0"/>
+              <a:t>As part of our modification, we suggest a system that fits parameters to different sections of a chirp signal which changes “mid-chirp”:</a:t>
+            </a:r>
+          </a:p>
+          <a:p>
+            <a:endParaRPr lang="en-US" dirty="0"/>
+          </a:p>
+          <a:p>
+            <a:pPr marL="0" indent="0">
+              <a:buNone/>
+            </a:pPr>
+            <a:endParaRPr lang="en-US" dirty="0"/>
+          </a:p>
+          <a:p>
+            <a:pPr marL="457200" lvl="1" indent="0">
+              <a:buNone/>
+            </a:pPr>
+            <a:endParaRPr lang="en-US" dirty="0"/>
+          </a:p>
+        </p:txBody>
+      </p:sp>
+      <p:sp>
+        <p:nvSpPr>
+          <p:cNvPr id="4" name="Date Placeholder 3">
+            <a:extLst>
+              <a:ext uri="{FF2B5EF4-FFF2-40B4-BE49-F238E27FC236}">
+                <a16:creationId xmlns:a16="http://schemas.microsoft.com/office/drawing/2014/main" id="{59913B85-3B4F-43D3-A7E9-D06F5E37C6C1}"/>
+              </a:ext>
+            </a:extLst>
+          </p:cNvPr>
+          <p:cNvSpPr>
+            <a:spLocks noGrp="1"/>
+          </p:cNvSpPr>
+          <p:nvPr>
+            <p:ph type="dt" sz="half" idx="10"/>
+          </p:nvPr>
+        </p:nvSpPr>
+        <p:spPr/>
+        <p:txBody>
+          <a:bodyPr/>
+          <a:lstStyle/>
+          <a:p>
+            <a:fld id="{F736EC4A-E5B7-42C2-9943-4D2477F0E2BA}" type="datetime1">
+              <a:rPr lang="en-US" smtClean="0"/>
+              <a:t>9/29/2021</a:t>
+            </a:fld>
+            <a:endParaRPr lang="en-US" dirty="0"/>
+          </a:p>
+        </p:txBody>
+      </p:sp>
+      <p:sp>
+        <p:nvSpPr>
+          <p:cNvPr id="5" name="Footer Placeholder 4">
+            <a:extLst>
+              <a:ext uri="{FF2B5EF4-FFF2-40B4-BE49-F238E27FC236}">
+                <a16:creationId xmlns:a16="http://schemas.microsoft.com/office/drawing/2014/main" id="{C5649577-8229-4DC9-AE82-59C3A5BA0515}"/>
+              </a:ext>
+            </a:extLst>
+          </p:cNvPr>
+          <p:cNvSpPr>
+            <a:spLocks noGrp="1"/>
+          </p:cNvSpPr>
+          <p:nvPr>
+            <p:ph type="ftr" sz="quarter" idx="11"/>
+          </p:nvPr>
+        </p:nvSpPr>
+        <p:spPr/>
+        <p:txBody>
+          <a:bodyPr/>
+          <a:lstStyle/>
+          <a:p>
+            <a:r>
+              <a:rPr lang="en-US" dirty="0"/>
+              <a:t>Yarden Akaby &amp; Etai Sella</a:t>
+            </a:r>
+          </a:p>
+        </p:txBody>
+      </p:sp>
+      <p:sp>
+        <p:nvSpPr>
+          <p:cNvPr id="6" name="Slide Number Placeholder 5">
+            <a:extLst>
+              <a:ext uri="{FF2B5EF4-FFF2-40B4-BE49-F238E27FC236}">
+                <a16:creationId xmlns:a16="http://schemas.microsoft.com/office/drawing/2014/main" id="{1B57282B-C25D-48B2-A667-C1D467EB1137}"/>
+              </a:ext>
+            </a:extLst>
+          </p:cNvPr>
+          <p:cNvSpPr>
+            <a:spLocks noGrp="1"/>
+          </p:cNvSpPr>
+          <p:nvPr>
+            <p:ph type="sldNum" sz="quarter" idx="12"/>
+          </p:nvPr>
+        </p:nvSpPr>
+        <p:spPr/>
+        <p:txBody>
+          <a:bodyPr/>
+          <a:lstStyle/>
+          <a:p>
+            <a:fld id="{C629165E-D59B-453D-B763-34340D7036F6}" type="slidenum">
+              <a:rPr lang="en-US" smtClean="0"/>
+              <a:t>19</a:t>
+            </a:fld>
+            <a:endParaRPr lang="en-US" dirty="0"/>
+          </a:p>
+        </p:txBody>
+      </p:sp>
+      <p:pic>
+        <p:nvPicPr>
+          <p:cNvPr id="9" name="Picture 8">
+            <a:extLst>
+              <a:ext uri="{FF2B5EF4-FFF2-40B4-BE49-F238E27FC236}">
+                <a16:creationId xmlns:a16="http://schemas.microsoft.com/office/drawing/2014/main" id="{E7BF8A29-806B-4E03-BD08-9C9DDF5F115A}"/>
+              </a:ext>
+            </a:extLst>
+          </p:cNvPr>
+          <p:cNvPicPr>
+            <a:picLocks noChangeAspect="1"/>
+          </p:cNvPicPr>
+          <p:nvPr/>
+        </p:nvPicPr>
+        <p:blipFill>
+          <a:blip r:embed="rId3"/>
+          <a:stretch>
+            <a:fillRect/>
+          </a:stretch>
+        </p:blipFill>
+        <p:spPr>
+          <a:xfrm>
+            <a:off x="3234929" y="2905817"/>
+            <a:ext cx="5451871" cy="3203677"/>
+          </a:xfrm>
+          <a:prstGeom prst="rect">
+            <a:avLst/>
+          </a:prstGeom>
+        </p:spPr>
+      </p:pic>
+    </p:spTree>
+    <p:extLst>
+      <p:ext uri="{BB962C8B-B14F-4D97-AF65-F5344CB8AC3E}">
+        <p14:creationId xmlns:p14="http://schemas.microsoft.com/office/powerpoint/2010/main" val="1501561523"/>
+      </p:ext>
+    </p:extLst>
+  </p:cSld>
+  <p:clrMapOvr>
+    <a:masterClrMapping/>
+  </p:clrMapOvr>
+</p:sld>
+</file>
+
+<file path=ppt/slides/slide2.xml><?xml version="1.0" encoding="utf-8"?>
+<p:sld xmlns:a="http://schemas.openxmlformats.org/drawingml/2006/main" xmlns:r="http://schemas.openxmlformats.org/officeDocument/2006/relationships" xmlns:p="http://schemas.openxmlformats.org/presentationml/2006/main">
+  <p:cSld>
+    <p:spTree>
+      <p:nvGrpSpPr>
+        <p:cNvPr id="1" name=""/>
+        <p:cNvGrpSpPr/>
+        <p:nvPr/>
+      </p:nvGrpSpPr>
+      <p:grpSpPr>
+        <a:xfrm>
+          <a:off x="0" y="0"/>
+          <a:ext cx="0" cy="0"/>
+          <a:chOff x="0" y="0"/>
+          <a:chExt cx="0" cy="0"/>
+        </a:xfrm>
+      </p:grpSpPr>
+      <p:sp>
+        <p:nvSpPr>
+          <p:cNvPr id="2" name="Title 1">
+            <a:extLst>
+              <a:ext uri="{FF2B5EF4-FFF2-40B4-BE49-F238E27FC236}">
+                <a16:creationId xmlns:a16="http://schemas.microsoft.com/office/drawing/2014/main" id="{7DFBC9A2-5621-48FA-9A63-7879D6FE0046}"/>
+              </a:ext>
+            </a:extLst>
+          </p:cNvPr>
+          <p:cNvSpPr>
+            <a:spLocks noGrp="1"/>
+          </p:cNvSpPr>
+          <p:nvPr>
+            <p:ph type="title"/>
+          </p:nvPr>
+        </p:nvSpPr>
+        <p:spPr/>
+        <p:txBody>
+          <a:bodyPr/>
+          <a:lstStyle/>
+          <a:p>
+            <a:r>
+              <a:rPr lang="en-US" dirty="0"/>
+              <a:t>Agenda</a:t>
+            </a:r>
+          </a:p>
+        </p:txBody>
+      </p:sp>
+      <p:sp>
+        <p:nvSpPr>
+          <p:cNvPr id="3" name="Content Placeholder 2">
+            <a:extLst>
+              <a:ext uri="{FF2B5EF4-FFF2-40B4-BE49-F238E27FC236}">
+                <a16:creationId xmlns:a16="http://schemas.microsoft.com/office/drawing/2014/main" id="{D65C55C0-2DD2-4D52-B807-A1D79A8BD4F0}"/>
+              </a:ext>
+            </a:extLst>
+          </p:cNvPr>
+          <p:cNvSpPr>
+            <a:spLocks noGrp="1"/>
+          </p:cNvSpPr>
+          <p:nvPr>
+            <p:ph idx="1"/>
+          </p:nvPr>
+        </p:nvSpPr>
+        <p:spPr/>
+        <p:txBody>
+          <a:bodyPr/>
+          <a:lstStyle/>
+          <a:p>
+            <a:pPr marL="514350" indent="-514350">
+              <a:buAutoNum type="arabicParenR"/>
+            </a:pPr>
+            <a:r>
+              <a:rPr lang="en-US" dirty="0"/>
+              <a:t>Background and Motivation</a:t>
+            </a:r>
+          </a:p>
+          <a:p>
+            <a:pPr marL="514350" indent="-514350">
+              <a:buAutoNum type="arabicParenR"/>
+            </a:pPr>
+            <a:r>
+              <a:rPr lang="en-US" dirty="0"/>
+              <a:t>Overview of Fan &amp; Li’s method</a:t>
+            </a:r>
+          </a:p>
+          <a:p>
+            <a:pPr marL="514350" indent="-514350">
+              <a:buAutoNum type="arabicParenR"/>
+            </a:pPr>
+            <a:r>
+              <a:rPr lang="en-US" dirty="0"/>
+              <a:t>Our innovation – Using the Hough transform</a:t>
+            </a:r>
+          </a:p>
+          <a:p>
+            <a:pPr marL="514350" indent="-514350">
+              <a:buAutoNum type="arabicParenR"/>
+            </a:pPr>
+            <a:r>
+              <a:rPr lang="en-US" dirty="0"/>
+              <a:t>Tests and Simulations</a:t>
+            </a:r>
+          </a:p>
+          <a:p>
+            <a:pPr marL="514350" indent="-514350">
+              <a:buAutoNum type="arabicParenR"/>
+            </a:pPr>
+            <a:r>
+              <a:rPr lang="en-US" dirty="0"/>
+              <a:t>Conclusions</a:t>
+            </a:r>
+          </a:p>
+          <a:p>
+            <a:pPr marL="0" indent="0">
+              <a:buNone/>
+            </a:pPr>
+            <a:endParaRPr lang="en-US" dirty="0"/>
+          </a:p>
+        </p:txBody>
+      </p:sp>
+      <p:sp>
+        <p:nvSpPr>
+          <p:cNvPr id="4" name="Date Placeholder 3">
+            <a:extLst>
+              <a:ext uri="{FF2B5EF4-FFF2-40B4-BE49-F238E27FC236}">
+                <a16:creationId xmlns:a16="http://schemas.microsoft.com/office/drawing/2014/main" id="{24354492-100E-438C-B4FB-35FD6B147B0F}"/>
+              </a:ext>
+            </a:extLst>
+          </p:cNvPr>
+          <p:cNvSpPr>
+            <a:spLocks noGrp="1"/>
+          </p:cNvSpPr>
+          <p:nvPr>
+            <p:ph type="dt" sz="half" idx="10"/>
+          </p:nvPr>
+        </p:nvSpPr>
+        <p:spPr/>
+        <p:txBody>
+          <a:bodyPr/>
+          <a:lstStyle/>
+          <a:p>
+            <a:fld id="{6590B5CF-03C4-4DB5-B1EC-5C9E3BE40147}" type="datetime1">
+              <a:rPr lang="en-US" smtClean="0"/>
+              <a:t>9/29/2021</a:t>
+            </a:fld>
+            <a:endParaRPr lang="en-US" dirty="0"/>
+          </a:p>
+        </p:txBody>
+      </p:sp>
+      <p:sp>
+        <p:nvSpPr>
+          <p:cNvPr id="5" name="Footer Placeholder 4">
+            <a:extLst>
+              <a:ext uri="{FF2B5EF4-FFF2-40B4-BE49-F238E27FC236}">
+                <a16:creationId xmlns:a16="http://schemas.microsoft.com/office/drawing/2014/main" id="{6E0DA0B5-0209-40BD-8740-854FB3C0D7C6}"/>
+              </a:ext>
+            </a:extLst>
+          </p:cNvPr>
+          <p:cNvSpPr>
+            <a:spLocks noGrp="1"/>
+          </p:cNvSpPr>
+          <p:nvPr>
+            <p:ph type="ftr" sz="quarter" idx="11"/>
+          </p:nvPr>
+        </p:nvSpPr>
+        <p:spPr/>
+        <p:txBody>
+          <a:bodyPr/>
+          <a:lstStyle/>
+          <a:p>
+            <a:r>
+              <a:rPr lang="en-US" dirty="0"/>
+              <a:t>Yarden Akaby &amp; Etai Sella</a:t>
+            </a:r>
+          </a:p>
+        </p:txBody>
+      </p:sp>
+      <p:sp>
+        <p:nvSpPr>
+          <p:cNvPr id="6" name="Slide Number Placeholder 5">
+            <a:extLst>
+              <a:ext uri="{FF2B5EF4-FFF2-40B4-BE49-F238E27FC236}">
+                <a16:creationId xmlns:a16="http://schemas.microsoft.com/office/drawing/2014/main" id="{CD7DAAAE-7B13-4A7C-9FE3-98F5B3CEFB6F}"/>
+              </a:ext>
+            </a:extLst>
+          </p:cNvPr>
+          <p:cNvSpPr>
+            <a:spLocks noGrp="1"/>
+          </p:cNvSpPr>
+          <p:nvPr>
+            <p:ph type="sldNum" sz="quarter" idx="12"/>
+          </p:nvPr>
+        </p:nvSpPr>
+        <p:spPr/>
+        <p:txBody>
+          <a:bodyPr/>
+          <a:lstStyle/>
+          <a:p>
+            <a:fld id="{C629165E-D59B-453D-B763-34340D7036F6}" type="slidenum">
+              <a:rPr lang="en-US" smtClean="0"/>
+              <a:t>2</a:t>
+            </a:fld>
+            <a:endParaRPr lang="en-US" dirty="0"/>
+          </a:p>
+        </p:txBody>
+      </p:sp>
+    </p:spTree>
+    <p:extLst>
+      <p:ext uri="{BB962C8B-B14F-4D97-AF65-F5344CB8AC3E}">
+        <p14:creationId xmlns:p14="http://schemas.microsoft.com/office/powerpoint/2010/main" val="63642957"/>
+      </p:ext>
+    </p:extLst>
+  </p:cSld>
+  <p:clrMapOvr>
+    <a:masterClrMapping/>
+  </p:clrMapOvr>
+</p:sld>
+</file>
+
+<file path=ppt/slides/slide20.xml><?xml version="1.0" encoding="utf-8"?>
+<p:sld xmlns:a="http://schemas.openxmlformats.org/drawingml/2006/main" xmlns:r="http://schemas.openxmlformats.org/officeDocument/2006/relationships" xmlns:p="http://schemas.openxmlformats.org/presentationml/2006/main">
+  <p:cSld>
+    <p:spTree>
+      <p:nvGrpSpPr>
+        <p:cNvPr id="1" name=""/>
+        <p:cNvGrpSpPr/>
+        <p:nvPr/>
+      </p:nvGrpSpPr>
+      <p:grpSpPr>
+        <a:xfrm>
+          <a:off x="0" y="0"/>
+          <a:ext cx="0" cy="0"/>
+          <a:chOff x="0" y="0"/>
+          <a:chExt cx="0" cy="0"/>
+        </a:xfrm>
+      </p:grpSpPr>
+      <p:sp>
+        <p:nvSpPr>
+          <p:cNvPr id="2" name="Title 1">
+            <a:extLst>
+              <a:ext uri="{FF2B5EF4-FFF2-40B4-BE49-F238E27FC236}">
+                <a16:creationId xmlns:a16="http://schemas.microsoft.com/office/drawing/2014/main" id="{143B5247-4B5C-44D2-AE13-25DD403557B4}"/>
+              </a:ext>
+            </a:extLst>
+          </p:cNvPr>
+          <p:cNvSpPr>
+            <a:spLocks noGrp="1"/>
+          </p:cNvSpPr>
+          <p:nvPr>
+            <p:ph type="title"/>
+          </p:nvPr>
+        </p:nvSpPr>
+        <p:spPr/>
+        <p:txBody>
+          <a:bodyPr>
+            <a:normAutofit/>
+          </a:bodyPr>
+          <a:lstStyle/>
+          <a:p>
+            <a:r>
+              <a:rPr lang="en-US" dirty="0"/>
+              <a:t>Our innovation – Using Hough transform</a:t>
+            </a:r>
+          </a:p>
+        </p:txBody>
+      </p:sp>
+      <p:sp>
+        <p:nvSpPr>
+          <p:cNvPr id="3" name="Content Placeholder 2">
+            <a:extLst>
+              <a:ext uri="{FF2B5EF4-FFF2-40B4-BE49-F238E27FC236}">
+                <a16:creationId xmlns:a16="http://schemas.microsoft.com/office/drawing/2014/main" id="{8BB29A69-51F4-4CEE-B950-D3A7C19E951E}"/>
+              </a:ext>
+            </a:extLst>
+          </p:cNvPr>
+          <p:cNvSpPr>
+            <a:spLocks noGrp="1"/>
+          </p:cNvSpPr>
+          <p:nvPr>
+            <p:ph idx="1"/>
+          </p:nvPr>
+        </p:nvSpPr>
+        <p:spPr/>
+        <p:txBody>
+          <a:bodyPr>
+            <a:normAutofit/>
+          </a:bodyPr>
+          <a:lstStyle/>
+          <a:p>
+            <a:pPr marL="0" indent="0">
+              <a:buNone/>
+            </a:pPr>
+            <a:r>
+              <a:rPr lang="en-US" b="1" dirty="0"/>
+              <a:t>Parameter changes mid-chirp:</a:t>
+            </a:r>
+          </a:p>
+          <a:p>
+            <a:r>
+              <a:rPr lang="en-US" dirty="0"/>
+              <a:t>Our system works as follows:</a:t>
+            </a:r>
+          </a:p>
+          <a:p>
+            <a:pPr marL="914400" lvl="1" indent="-457200">
+              <a:buAutoNum type="arabicParenR"/>
+            </a:pPr>
+            <a:r>
+              <a:rPr lang="en-US" dirty="0"/>
+              <a:t>Calculate STFT</a:t>
+            </a:r>
+          </a:p>
+          <a:p>
+            <a:pPr marL="914400" lvl="1" indent="-457200">
+              <a:buAutoNum type="arabicParenR"/>
+            </a:pPr>
+            <a:r>
+              <a:rPr lang="en-US" dirty="0"/>
+              <a:t>Extract </a:t>
+            </a:r>
+            <a:r>
+              <a:rPr lang="en-US" dirty="0" err="1"/>
+              <a:t>maximas</a:t>
+            </a:r>
+            <a:endParaRPr lang="en-US" dirty="0"/>
+          </a:p>
+          <a:p>
+            <a:pPr marL="914400" lvl="1" indent="-457200">
+              <a:buAutoNum type="arabicParenR"/>
+            </a:pPr>
+            <a:r>
+              <a:rPr lang="en-US" dirty="0"/>
+              <a:t>Morphologically dilate the image</a:t>
+            </a:r>
+          </a:p>
+          <a:p>
+            <a:pPr marL="914400" lvl="1" indent="-457200">
+              <a:buAutoNum type="arabicParenR"/>
+            </a:pPr>
+            <a:r>
+              <a:rPr lang="en-US" dirty="0"/>
+              <a:t>Run the Hough transform, extract the 2 most significant lines from it</a:t>
+            </a:r>
+          </a:p>
+          <a:p>
+            <a:pPr marL="914400" lvl="1" indent="-457200">
+              <a:buAutoNum type="arabicParenR"/>
+            </a:pPr>
+            <a:r>
+              <a:rPr lang="en-US" dirty="0"/>
+              <a:t>Find the lines intersection point, split the image along the x-axis according to it</a:t>
+            </a:r>
+          </a:p>
+          <a:p>
+            <a:pPr marL="914400" lvl="1" indent="-457200">
+              <a:buAutoNum type="arabicParenR"/>
+            </a:pPr>
+            <a:r>
+              <a:rPr lang="en-US" dirty="0"/>
+              <a:t>Check the ”score” for each line at each image in order to determine which line belongs where</a:t>
+            </a:r>
+          </a:p>
+          <a:p>
+            <a:endParaRPr lang="en-US" dirty="0"/>
+          </a:p>
+          <a:p>
+            <a:pPr marL="0" indent="0">
+              <a:buNone/>
+            </a:pPr>
+            <a:endParaRPr lang="en-US" dirty="0"/>
+          </a:p>
+          <a:p>
+            <a:pPr marL="457200" lvl="1" indent="0">
+              <a:buNone/>
+            </a:pPr>
+            <a:endParaRPr lang="en-US" dirty="0"/>
+          </a:p>
+        </p:txBody>
+      </p:sp>
+      <p:sp>
+        <p:nvSpPr>
+          <p:cNvPr id="4" name="Date Placeholder 3">
+            <a:extLst>
+              <a:ext uri="{FF2B5EF4-FFF2-40B4-BE49-F238E27FC236}">
+                <a16:creationId xmlns:a16="http://schemas.microsoft.com/office/drawing/2014/main" id="{59913B85-3B4F-43D3-A7E9-D06F5E37C6C1}"/>
+              </a:ext>
+            </a:extLst>
+          </p:cNvPr>
+          <p:cNvSpPr>
+            <a:spLocks noGrp="1"/>
+          </p:cNvSpPr>
+          <p:nvPr>
+            <p:ph type="dt" sz="half" idx="10"/>
+          </p:nvPr>
+        </p:nvSpPr>
+        <p:spPr/>
+        <p:txBody>
+          <a:bodyPr/>
+          <a:lstStyle/>
+          <a:p>
+            <a:fld id="{F736EC4A-E5B7-42C2-9943-4D2477F0E2BA}" type="datetime1">
+              <a:rPr lang="en-US" smtClean="0"/>
+              <a:t>9/29/2021</a:t>
+            </a:fld>
+            <a:endParaRPr lang="en-US" dirty="0"/>
+          </a:p>
+        </p:txBody>
+      </p:sp>
+      <p:sp>
+        <p:nvSpPr>
+          <p:cNvPr id="5" name="Footer Placeholder 4">
+            <a:extLst>
+              <a:ext uri="{FF2B5EF4-FFF2-40B4-BE49-F238E27FC236}">
+                <a16:creationId xmlns:a16="http://schemas.microsoft.com/office/drawing/2014/main" id="{C5649577-8229-4DC9-AE82-59C3A5BA0515}"/>
+              </a:ext>
+            </a:extLst>
+          </p:cNvPr>
+          <p:cNvSpPr>
+            <a:spLocks noGrp="1"/>
+          </p:cNvSpPr>
+          <p:nvPr>
+            <p:ph type="ftr" sz="quarter" idx="11"/>
+          </p:nvPr>
+        </p:nvSpPr>
+        <p:spPr/>
+        <p:txBody>
+          <a:bodyPr/>
+          <a:lstStyle/>
+          <a:p>
+            <a:r>
+              <a:rPr lang="en-US" dirty="0"/>
+              <a:t>Yarden Akaby &amp; Etai Sella</a:t>
+            </a:r>
+          </a:p>
+        </p:txBody>
+      </p:sp>
+      <p:sp>
+        <p:nvSpPr>
+          <p:cNvPr id="6" name="Slide Number Placeholder 5">
+            <a:extLst>
+              <a:ext uri="{FF2B5EF4-FFF2-40B4-BE49-F238E27FC236}">
+                <a16:creationId xmlns:a16="http://schemas.microsoft.com/office/drawing/2014/main" id="{1B57282B-C25D-48B2-A667-C1D467EB1137}"/>
+              </a:ext>
+            </a:extLst>
+          </p:cNvPr>
+          <p:cNvSpPr>
+            <a:spLocks noGrp="1"/>
+          </p:cNvSpPr>
+          <p:nvPr>
+            <p:ph type="sldNum" sz="quarter" idx="12"/>
+          </p:nvPr>
+        </p:nvSpPr>
+        <p:spPr/>
+        <p:txBody>
+          <a:bodyPr/>
+          <a:lstStyle/>
+          <a:p>
+            <a:fld id="{C629165E-D59B-453D-B763-34340D7036F6}" type="slidenum">
+              <a:rPr lang="en-US" smtClean="0"/>
+              <a:t>20</a:t>
+            </a:fld>
+            <a:endParaRPr lang="en-US" dirty="0"/>
+          </a:p>
+        </p:txBody>
+      </p:sp>
+    </p:spTree>
+    <p:extLst>
+      <p:ext uri="{BB962C8B-B14F-4D97-AF65-F5344CB8AC3E}">
+        <p14:creationId xmlns:p14="http://schemas.microsoft.com/office/powerpoint/2010/main" val="2178483534"/>
+      </p:ext>
+    </p:extLst>
+  </p:cSld>
+  <p:clrMapOvr>
+    <a:masterClrMapping/>
+  </p:clrMapOvr>
+</p:sld>
+</file>
+
+<file path=ppt/slides/slide21.xml><?xml version="1.0" encoding="utf-8"?>
+<p:sld xmlns:a="http://schemas.openxmlformats.org/drawingml/2006/main" xmlns:r="http://schemas.openxmlformats.org/officeDocument/2006/relationships" xmlns:p="http://schemas.openxmlformats.org/presentationml/2006/main">
+  <p:cSld>
+    <p:spTree>
+      <p:nvGrpSpPr>
+        <p:cNvPr id="1" name=""/>
+        <p:cNvGrpSpPr/>
+        <p:nvPr/>
+      </p:nvGrpSpPr>
+      <p:grpSpPr>
+        <a:xfrm>
+          <a:off x="0" y="0"/>
+          <a:ext cx="0" cy="0"/>
+          <a:chOff x="0" y="0"/>
+          <a:chExt cx="0" cy="0"/>
+        </a:xfrm>
+      </p:grpSpPr>
+      <p:sp>
+        <p:nvSpPr>
+          <p:cNvPr id="2" name="Title 1">
+            <a:extLst>
+              <a:ext uri="{FF2B5EF4-FFF2-40B4-BE49-F238E27FC236}">
+                <a16:creationId xmlns:a16="http://schemas.microsoft.com/office/drawing/2014/main" id="{143B5247-4B5C-44D2-AE13-25DD403557B4}"/>
+              </a:ext>
+            </a:extLst>
+          </p:cNvPr>
+          <p:cNvSpPr>
+            <a:spLocks noGrp="1"/>
+          </p:cNvSpPr>
+          <p:nvPr>
+            <p:ph type="title"/>
+          </p:nvPr>
+        </p:nvSpPr>
+        <p:spPr/>
+        <p:txBody>
+          <a:bodyPr>
+            <a:normAutofit/>
+          </a:bodyPr>
+          <a:lstStyle/>
+          <a:p>
+            <a:r>
+              <a:rPr lang="en-US" dirty="0"/>
+              <a:t>Tests and Simulations</a:t>
+            </a:r>
+          </a:p>
+        </p:txBody>
+      </p:sp>
+      <p:sp>
+        <p:nvSpPr>
+          <p:cNvPr id="3" name="Content Placeholder 2">
+            <a:extLst>
+              <a:ext uri="{FF2B5EF4-FFF2-40B4-BE49-F238E27FC236}">
+                <a16:creationId xmlns:a16="http://schemas.microsoft.com/office/drawing/2014/main" id="{8BB29A69-51F4-4CEE-B950-D3A7C19E951E}"/>
+              </a:ext>
+            </a:extLst>
+          </p:cNvPr>
+          <p:cNvSpPr>
+            <a:spLocks noGrp="1"/>
+          </p:cNvSpPr>
+          <p:nvPr>
+            <p:ph idx="1"/>
+          </p:nvPr>
+        </p:nvSpPr>
+        <p:spPr/>
+        <p:txBody>
+          <a:bodyPr>
+            <a:normAutofit/>
+          </a:bodyPr>
+          <a:lstStyle/>
+          <a:p>
+            <a:r>
+              <a:rPr lang="en-US" dirty="0"/>
+              <a:t>Define evaluation method</a:t>
+            </a:r>
+          </a:p>
+          <a:p>
+            <a:r>
+              <a:rPr lang="en-US" dirty="0"/>
+              <a:t>Test using RANSAC</a:t>
+            </a:r>
+          </a:p>
+          <a:p>
+            <a:r>
+              <a:rPr lang="en-US" dirty="0"/>
+              <a:t>Test using Hough Transform</a:t>
+            </a:r>
+          </a:p>
+          <a:p>
+            <a:endParaRPr lang="en-US" dirty="0"/>
+          </a:p>
+        </p:txBody>
+      </p:sp>
+      <p:sp>
+        <p:nvSpPr>
+          <p:cNvPr id="4" name="Date Placeholder 3">
+            <a:extLst>
+              <a:ext uri="{FF2B5EF4-FFF2-40B4-BE49-F238E27FC236}">
+                <a16:creationId xmlns:a16="http://schemas.microsoft.com/office/drawing/2014/main" id="{59913B85-3B4F-43D3-A7E9-D06F5E37C6C1}"/>
+              </a:ext>
+            </a:extLst>
+          </p:cNvPr>
+          <p:cNvSpPr>
+            <a:spLocks noGrp="1"/>
+          </p:cNvSpPr>
+          <p:nvPr>
+            <p:ph type="dt" sz="half" idx="10"/>
+          </p:nvPr>
+        </p:nvSpPr>
+        <p:spPr/>
+        <p:txBody>
+          <a:bodyPr/>
+          <a:lstStyle/>
+          <a:p>
+            <a:fld id="{F736EC4A-E5B7-42C2-9943-4D2477F0E2BA}" type="datetime1">
+              <a:rPr lang="en-US" smtClean="0"/>
+              <a:t>9/29/2021</a:t>
+            </a:fld>
+            <a:endParaRPr lang="en-US" dirty="0"/>
+          </a:p>
+        </p:txBody>
+      </p:sp>
+      <p:sp>
+        <p:nvSpPr>
+          <p:cNvPr id="5" name="Footer Placeholder 4">
+            <a:extLst>
+              <a:ext uri="{FF2B5EF4-FFF2-40B4-BE49-F238E27FC236}">
+                <a16:creationId xmlns:a16="http://schemas.microsoft.com/office/drawing/2014/main" id="{C5649577-8229-4DC9-AE82-59C3A5BA0515}"/>
+              </a:ext>
+            </a:extLst>
+          </p:cNvPr>
+          <p:cNvSpPr>
+            <a:spLocks noGrp="1"/>
+          </p:cNvSpPr>
+          <p:nvPr>
+            <p:ph type="ftr" sz="quarter" idx="11"/>
+          </p:nvPr>
+        </p:nvSpPr>
+        <p:spPr/>
+        <p:txBody>
+          <a:bodyPr/>
+          <a:lstStyle/>
+          <a:p>
+            <a:r>
+              <a:rPr lang="en-US" dirty="0"/>
+              <a:t>Yarden Akaby &amp; Etai Sella</a:t>
+            </a:r>
+          </a:p>
+        </p:txBody>
+      </p:sp>
+      <p:sp>
+        <p:nvSpPr>
+          <p:cNvPr id="6" name="Slide Number Placeholder 5">
+            <a:extLst>
+              <a:ext uri="{FF2B5EF4-FFF2-40B4-BE49-F238E27FC236}">
+                <a16:creationId xmlns:a16="http://schemas.microsoft.com/office/drawing/2014/main" id="{1B57282B-C25D-48B2-A667-C1D467EB1137}"/>
+              </a:ext>
+            </a:extLst>
+          </p:cNvPr>
+          <p:cNvSpPr>
+            <a:spLocks noGrp="1"/>
+          </p:cNvSpPr>
+          <p:nvPr>
+            <p:ph type="sldNum" sz="quarter" idx="12"/>
+          </p:nvPr>
+        </p:nvSpPr>
+        <p:spPr/>
+        <p:txBody>
+          <a:bodyPr/>
+          <a:lstStyle/>
+          <a:p>
+            <a:fld id="{C629165E-D59B-453D-B763-34340D7036F6}" type="slidenum">
+              <a:rPr lang="en-US" smtClean="0"/>
+              <a:t>21</a:t>
+            </a:fld>
+            <a:endParaRPr lang="en-US" dirty="0"/>
+          </a:p>
+        </p:txBody>
+      </p:sp>
+    </p:spTree>
+    <p:extLst>
+      <p:ext uri="{BB962C8B-B14F-4D97-AF65-F5344CB8AC3E}">
+        <p14:creationId xmlns:p14="http://schemas.microsoft.com/office/powerpoint/2010/main" val="2332550264"/>
+      </p:ext>
+    </p:extLst>
+  </p:cSld>
+  <p:clrMapOvr>
+    <a:masterClrMapping/>
+  </p:clrMapOvr>
+</p:sld>
+</file>
+
+<file path=ppt/slides/slide22.xml><?xml version="1.0" encoding="utf-8"?>
+<p:sld xmlns:a="http://schemas.openxmlformats.org/drawingml/2006/main" xmlns:r="http://schemas.openxmlformats.org/officeDocument/2006/relationships" xmlns:p="http://schemas.openxmlformats.org/presentationml/2006/main">
+  <p:cSld>
+    <p:spTree>
+      <p:nvGrpSpPr>
+        <p:cNvPr id="1" name=""/>
+        <p:cNvGrpSpPr/>
+        <p:nvPr/>
+      </p:nvGrpSpPr>
+      <p:grpSpPr>
+        <a:xfrm>
+          <a:off x="0" y="0"/>
+          <a:ext cx="0" cy="0"/>
+          <a:chOff x="0" y="0"/>
+          <a:chExt cx="0" cy="0"/>
+        </a:xfrm>
+      </p:grpSpPr>
+      <p:sp>
+        <p:nvSpPr>
+          <p:cNvPr id="2" name="Title 1">
+            <a:extLst>
+              <a:ext uri="{FF2B5EF4-FFF2-40B4-BE49-F238E27FC236}">
+                <a16:creationId xmlns:a16="http://schemas.microsoft.com/office/drawing/2014/main" id="{143B5247-4B5C-44D2-AE13-25DD403557B4}"/>
+              </a:ext>
+            </a:extLst>
+          </p:cNvPr>
+          <p:cNvSpPr>
+            <a:spLocks noGrp="1"/>
+          </p:cNvSpPr>
+          <p:nvPr>
+            <p:ph type="title"/>
+          </p:nvPr>
+        </p:nvSpPr>
+        <p:spPr/>
+        <p:txBody>
+          <a:bodyPr>
+            <a:normAutofit/>
+          </a:bodyPr>
+          <a:lstStyle/>
+          <a:p>
+            <a:r>
+              <a:rPr lang="en-US" dirty="0"/>
+              <a:t>Tests and Simulations - Evaluation</a:t>
+            </a:r>
+          </a:p>
+        </p:txBody>
+      </p:sp>
+      <p:sp>
+        <p:nvSpPr>
+          <p:cNvPr id="3" name="Content Placeholder 2">
+            <a:extLst>
+              <a:ext uri="{FF2B5EF4-FFF2-40B4-BE49-F238E27FC236}">
+                <a16:creationId xmlns:a16="http://schemas.microsoft.com/office/drawing/2014/main" id="{8BB29A69-51F4-4CEE-B950-D3A7C19E951E}"/>
+              </a:ext>
+            </a:extLst>
+          </p:cNvPr>
+          <p:cNvSpPr>
+            <a:spLocks noGrp="1"/>
+          </p:cNvSpPr>
+          <p:nvPr>
+            <p:ph idx="1"/>
+          </p:nvPr>
+        </p:nvSpPr>
+        <p:spPr/>
+        <p:txBody>
+          <a:bodyPr>
+            <a:normAutofit/>
+          </a:bodyPr>
+          <a:lstStyle/>
+          <a:p>
+            <a:pPr marL="0" indent="0">
+              <a:buNone/>
+            </a:pPr>
+            <a:r>
+              <a:rPr lang="en-US" u="sng" dirty="0"/>
+              <a:t>Correct rate of estimation – CRE</a:t>
+            </a:r>
+          </a:p>
+          <a:p>
+            <a:pPr marL="0" indent="0">
+              <a:buNone/>
+            </a:pPr>
+            <a:r>
+              <a:rPr lang="en-US" dirty="0"/>
+              <a:t>The division between the times estimated correctly and the total trial number, and the correct estimation is that the error of estimation is in range of ±1% of the real parameter.</a:t>
+            </a:r>
+          </a:p>
+          <a:p>
+            <a:pPr marL="0" indent="0">
+              <a:buNone/>
+            </a:pPr>
+            <a:endParaRPr lang="en-US" dirty="0"/>
+          </a:p>
+        </p:txBody>
+      </p:sp>
+      <p:sp>
+        <p:nvSpPr>
+          <p:cNvPr id="4" name="Date Placeholder 3">
+            <a:extLst>
+              <a:ext uri="{FF2B5EF4-FFF2-40B4-BE49-F238E27FC236}">
+                <a16:creationId xmlns:a16="http://schemas.microsoft.com/office/drawing/2014/main" id="{59913B85-3B4F-43D3-A7E9-D06F5E37C6C1}"/>
+              </a:ext>
+            </a:extLst>
+          </p:cNvPr>
+          <p:cNvSpPr>
+            <a:spLocks noGrp="1"/>
+          </p:cNvSpPr>
+          <p:nvPr>
+            <p:ph type="dt" sz="half" idx="10"/>
+          </p:nvPr>
+        </p:nvSpPr>
+        <p:spPr/>
+        <p:txBody>
+          <a:bodyPr/>
+          <a:lstStyle/>
+          <a:p>
+            <a:fld id="{F736EC4A-E5B7-42C2-9943-4D2477F0E2BA}" type="datetime1">
+              <a:rPr lang="en-US" smtClean="0"/>
+              <a:t>9/29/2021</a:t>
+            </a:fld>
+            <a:endParaRPr lang="en-US" dirty="0"/>
+          </a:p>
+        </p:txBody>
+      </p:sp>
+      <p:sp>
+        <p:nvSpPr>
+          <p:cNvPr id="5" name="Footer Placeholder 4">
+            <a:extLst>
+              <a:ext uri="{FF2B5EF4-FFF2-40B4-BE49-F238E27FC236}">
+                <a16:creationId xmlns:a16="http://schemas.microsoft.com/office/drawing/2014/main" id="{C5649577-8229-4DC9-AE82-59C3A5BA0515}"/>
+              </a:ext>
+            </a:extLst>
+          </p:cNvPr>
+          <p:cNvSpPr>
+            <a:spLocks noGrp="1"/>
+          </p:cNvSpPr>
+          <p:nvPr>
+            <p:ph type="ftr" sz="quarter" idx="11"/>
+          </p:nvPr>
+        </p:nvSpPr>
+        <p:spPr/>
+        <p:txBody>
+          <a:bodyPr/>
+          <a:lstStyle/>
+          <a:p>
+            <a:r>
+              <a:rPr lang="en-US" dirty="0"/>
+              <a:t>Yarden Akaby &amp; Etai Sella</a:t>
+            </a:r>
+          </a:p>
+        </p:txBody>
+      </p:sp>
+      <p:sp>
+        <p:nvSpPr>
+          <p:cNvPr id="6" name="Slide Number Placeholder 5">
+            <a:extLst>
+              <a:ext uri="{FF2B5EF4-FFF2-40B4-BE49-F238E27FC236}">
+                <a16:creationId xmlns:a16="http://schemas.microsoft.com/office/drawing/2014/main" id="{1B57282B-C25D-48B2-A667-C1D467EB1137}"/>
+              </a:ext>
+            </a:extLst>
+          </p:cNvPr>
+          <p:cNvSpPr>
+            <a:spLocks noGrp="1"/>
+          </p:cNvSpPr>
+          <p:nvPr>
+            <p:ph type="sldNum" sz="quarter" idx="12"/>
+          </p:nvPr>
+        </p:nvSpPr>
+        <p:spPr/>
+        <p:txBody>
+          <a:bodyPr/>
+          <a:lstStyle/>
+          <a:p>
+            <a:fld id="{C629165E-D59B-453D-B763-34340D7036F6}" type="slidenum">
+              <a:rPr lang="en-US" smtClean="0"/>
+              <a:t>22</a:t>
+            </a:fld>
+            <a:endParaRPr lang="en-US" dirty="0"/>
+          </a:p>
+        </p:txBody>
+      </p:sp>
+    </p:spTree>
+    <p:extLst>
+      <p:ext uri="{BB962C8B-B14F-4D97-AF65-F5344CB8AC3E}">
+        <p14:creationId xmlns:p14="http://schemas.microsoft.com/office/powerpoint/2010/main" val="3289712767"/>
+      </p:ext>
+    </p:extLst>
+  </p:cSld>
+  <p:clrMapOvr>
+    <a:masterClrMapping/>
+  </p:clrMapOvr>
+</p:sld>
+</file>
+
+<file path=ppt/slides/slide23.xml><?xml version="1.0" encoding="utf-8"?>
+<p:sld xmlns:a="http://schemas.openxmlformats.org/drawingml/2006/main" xmlns:r="http://schemas.openxmlformats.org/officeDocument/2006/relationships" xmlns:p="http://schemas.openxmlformats.org/presentationml/2006/main">
+  <p:cSld>
+    <p:spTree>
+      <p:nvGrpSpPr>
+        <p:cNvPr id="1" name=""/>
+        <p:cNvGrpSpPr/>
+        <p:nvPr/>
+      </p:nvGrpSpPr>
+      <p:grpSpPr>
+        <a:xfrm>
+          <a:off x="0" y="0"/>
+          <a:ext cx="0" cy="0"/>
+          <a:chOff x="0" y="0"/>
+          <a:chExt cx="0" cy="0"/>
+        </a:xfrm>
+      </p:grpSpPr>
+      <p:sp>
+        <p:nvSpPr>
+          <p:cNvPr id="2" name="Title 1">
+            <a:extLst>
+              <a:ext uri="{FF2B5EF4-FFF2-40B4-BE49-F238E27FC236}">
+                <a16:creationId xmlns:a16="http://schemas.microsoft.com/office/drawing/2014/main" id="{143B5247-4B5C-44D2-AE13-25DD403557B4}"/>
+              </a:ext>
+            </a:extLst>
+          </p:cNvPr>
+          <p:cNvSpPr>
+            <a:spLocks noGrp="1"/>
+          </p:cNvSpPr>
+          <p:nvPr>
+            <p:ph type="title"/>
+          </p:nvPr>
+        </p:nvSpPr>
+        <p:spPr/>
+        <p:txBody>
+          <a:bodyPr>
+            <a:normAutofit/>
+          </a:bodyPr>
+          <a:lstStyle/>
+          <a:p>
+            <a:r>
+              <a:rPr lang="en-US" dirty="0"/>
+              <a:t>Tests and Simulations - RANSAC</a:t>
+            </a:r>
+          </a:p>
+        </p:txBody>
+      </p:sp>
+      <p:sp>
+        <p:nvSpPr>
+          <p:cNvPr id="3" name="Content Placeholder 2">
+            <a:extLst>
+              <a:ext uri="{FF2B5EF4-FFF2-40B4-BE49-F238E27FC236}">
+                <a16:creationId xmlns:a16="http://schemas.microsoft.com/office/drawing/2014/main" id="{8BB29A69-51F4-4CEE-B950-D3A7C19E951E}"/>
+              </a:ext>
+            </a:extLst>
+          </p:cNvPr>
+          <p:cNvSpPr>
+            <a:spLocks noGrp="1"/>
+          </p:cNvSpPr>
+          <p:nvPr>
+            <p:ph idx="1"/>
+          </p:nvPr>
+        </p:nvSpPr>
+        <p:spPr/>
+        <p:txBody>
+          <a:bodyPr>
+            <a:normAutofit/>
+          </a:bodyPr>
+          <a:lstStyle/>
+          <a:p>
+            <a:r>
+              <a:rPr lang="en-US" dirty="0"/>
+              <a:t>Create 100 trials (1500 chirps):</a:t>
+            </a:r>
+          </a:p>
+          <a:p>
+            <a:pPr lvl="1"/>
+            <a:r>
+              <a:rPr lang="en-US" dirty="0"/>
+              <a:t>1 chirp signal</a:t>
+            </a:r>
+          </a:p>
+          <a:p>
+            <a:pPr lvl="1"/>
+            <a:r>
+              <a:rPr lang="en-US" dirty="0"/>
+              <a:t>15 different noise variation</a:t>
+            </a:r>
+          </a:p>
+          <a:p>
+            <a:r>
+              <a:rPr lang="en-US" dirty="0"/>
+              <a:t>Use STFT</a:t>
+            </a:r>
+          </a:p>
+          <a:p>
+            <a:r>
+              <a:rPr lang="en-US" dirty="0"/>
+              <a:t>Extracting </a:t>
+            </a:r>
+            <a:r>
+              <a:rPr lang="en-US" dirty="0" err="1"/>
+              <a:t>Maximas</a:t>
+            </a:r>
+            <a:r>
+              <a:rPr lang="en-US" dirty="0"/>
+              <a:t> &amp; Median Filtering</a:t>
+            </a:r>
+          </a:p>
+          <a:p>
+            <a:r>
+              <a:rPr lang="en-US" dirty="0"/>
+              <a:t>Compare 3 methods of estimation:</a:t>
+            </a:r>
+          </a:p>
+          <a:p>
+            <a:pPr lvl="1"/>
+            <a:r>
+              <a:rPr lang="en-US" dirty="0"/>
+              <a:t>RANSAC</a:t>
+            </a:r>
+          </a:p>
+          <a:p>
+            <a:pPr lvl="1"/>
+            <a:r>
+              <a:rPr lang="en-US" dirty="0"/>
+              <a:t>RANSAC with median filter</a:t>
+            </a:r>
+          </a:p>
+          <a:p>
+            <a:pPr lvl="1"/>
+            <a:r>
+              <a:rPr lang="en-US" dirty="0"/>
+              <a:t>LSM</a:t>
+            </a:r>
+          </a:p>
+          <a:p>
+            <a:pPr lvl="1"/>
+            <a:endParaRPr lang="en-US" dirty="0"/>
+          </a:p>
+          <a:p>
+            <a:endParaRPr lang="en-US" dirty="0"/>
+          </a:p>
+        </p:txBody>
+      </p:sp>
+      <p:sp>
+        <p:nvSpPr>
+          <p:cNvPr id="4" name="Date Placeholder 3">
+            <a:extLst>
+              <a:ext uri="{FF2B5EF4-FFF2-40B4-BE49-F238E27FC236}">
+                <a16:creationId xmlns:a16="http://schemas.microsoft.com/office/drawing/2014/main" id="{59913B85-3B4F-43D3-A7E9-D06F5E37C6C1}"/>
+              </a:ext>
+            </a:extLst>
+          </p:cNvPr>
+          <p:cNvSpPr>
+            <a:spLocks noGrp="1"/>
+          </p:cNvSpPr>
+          <p:nvPr>
+            <p:ph type="dt" sz="half" idx="10"/>
+          </p:nvPr>
+        </p:nvSpPr>
+        <p:spPr/>
+        <p:txBody>
+          <a:bodyPr/>
+          <a:lstStyle/>
+          <a:p>
+            <a:fld id="{F736EC4A-E5B7-42C2-9943-4D2477F0E2BA}" type="datetime1">
+              <a:rPr lang="en-US" smtClean="0"/>
+              <a:t>9/29/2021</a:t>
+            </a:fld>
+            <a:endParaRPr lang="en-US" dirty="0"/>
+          </a:p>
+        </p:txBody>
+      </p:sp>
+      <p:sp>
+        <p:nvSpPr>
+          <p:cNvPr id="5" name="Footer Placeholder 4">
+            <a:extLst>
+              <a:ext uri="{FF2B5EF4-FFF2-40B4-BE49-F238E27FC236}">
+                <a16:creationId xmlns:a16="http://schemas.microsoft.com/office/drawing/2014/main" id="{C5649577-8229-4DC9-AE82-59C3A5BA0515}"/>
+              </a:ext>
+            </a:extLst>
+          </p:cNvPr>
+          <p:cNvSpPr>
+            <a:spLocks noGrp="1"/>
+          </p:cNvSpPr>
+          <p:nvPr>
+            <p:ph type="ftr" sz="quarter" idx="11"/>
+          </p:nvPr>
+        </p:nvSpPr>
+        <p:spPr/>
+        <p:txBody>
+          <a:bodyPr/>
+          <a:lstStyle/>
+          <a:p>
+            <a:r>
+              <a:rPr lang="en-US" dirty="0"/>
+              <a:t>Yarden Akaby &amp; Etai Sella</a:t>
+            </a:r>
+          </a:p>
+        </p:txBody>
+      </p:sp>
+      <p:sp>
+        <p:nvSpPr>
+          <p:cNvPr id="6" name="Slide Number Placeholder 5">
+            <a:extLst>
+              <a:ext uri="{FF2B5EF4-FFF2-40B4-BE49-F238E27FC236}">
+                <a16:creationId xmlns:a16="http://schemas.microsoft.com/office/drawing/2014/main" id="{1B57282B-C25D-48B2-A667-C1D467EB1137}"/>
+              </a:ext>
+            </a:extLst>
+          </p:cNvPr>
+          <p:cNvSpPr>
+            <a:spLocks noGrp="1"/>
+          </p:cNvSpPr>
+          <p:nvPr>
+            <p:ph type="sldNum" sz="quarter" idx="12"/>
+          </p:nvPr>
+        </p:nvSpPr>
+        <p:spPr/>
+        <p:txBody>
+          <a:bodyPr/>
+          <a:lstStyle/>
+          <a:p>
+            <a:fld id="{C629165E-D59B-453D-B763-34340D7036F6}" type="slidenum">
+              <a:rPr lang="en-US" smtClean="0"/>
+              <a:t>23</a:t>
+            </a:fld>
+            <a:endParaRPr lang="en-US" dirty="0"/>
+          </a:p>
+        </p:txBody>
+      </p:sp>
+    </p:spTree>
+    <p:extLst>
+      <p:ext uri="{BB962C8B-B14F-4D97-AF65-F5344CB8AC3E}">
+        <p14:creationId xmlns:p14="http://schemas.microsoft.com/office/powerpoint/2010/main" val="3469239827"/>
+      </p:ext>
+    </p:extLst>
+  </p:cSld>
+  <p:clrMapOvr>
+    <a:masterClrMapping/>
+  </p:clrMapOvr>
+</p:sld>
+</file>
+
+<file path=ppt/slides/slide24.xml><?xml version="1.0" encoding="utf-8"?>
+<p:sld xmlns:a="http://schemas.openxmlformats.org/drawingml/2006/main" xmlns:r="http://schemas.openxmlformats.org/officeDocument/2006/relationships" xmlns:p="http://schemas.openxmlformats.org/presentationml/2006/main">
+  <p:cSld>
+    <p:spTree>
+      <p:nvGrpSpPr>
+        <p:cNvPr id="1" name=""/>
+        <p:cNvGrpSpPr/>
+        <p:nvPr/>
+      </p:nvGrpSpPr>
+      <p:grpSpPr>
+        <a:xfrm>
+          <a:off x="0" y="0"/>
+          <a:ext cx="0" cy="0"/>
+          <a:chOff x="0" y="0"/>
+          <a:chExt cx="0" cy="0"/>
+        </a:xfrm>
+      </p:grpSpPr>
+      <p:sp>
+        <p:nvSpPr>
+          <p:cNvPr id="2" name="Title 1">
+            <a:extLst>
+              <a:ext uri="{FF2B5EF4-FFF2-40B4-BE49-F238E27FC236}">
+                <a16:creationId xmlns:a16="http://schemas.microsoft.com/office/drawing/2014/main" id="{143B5247-4B5C-44D2-AE13-25DD403557B4}"/>
+              </a:ext>
+            </a:extLst>
+          </p:cNvPr>
+          <p:cNvSpPr>
+            <a:spLocks noGrp="1"/>
+          </p:cNvSpPr>
+          <p:nvPr>
+            <p:ph type="title"/>
+          </p:nvPr>
+        </p:nvSpPr>
+        <p:spPr/>
+        <p:txBody>
+          <a:bodyPr>
+            <a:normAutofit/>
+          </a:bodyPr>
+          <a:lstStyle/>
+          <a:p>
+            <a:r>
+              <a:rPr lang="en-US" dirty="0"/>
+              <a:t>Tests and Simulations - RANSAC</a:t>
+            </a:r>
+          </a:p>
+        </p:txBody>
+      </p:sp>
+      <p:sp>
+        <p:nvSpPr>
+          <p:cNvPr id="3" name="Content Placeholder 2">
+            <a:extLst>
+              <a:ext uri="{FF2B5EF4-FFF2-40B4-BE49-F238E27FC236}">
+                <a16:creationId xmlns:a16="http://schemas.microsoft.com/office/drawing/2014/main" id="{8BB29A69-51F4-4CEE-B950-D3A7C19E951E}"/>
+              </a:ext>
+            </a:extLst>
+          </p:cNvPr>
+          <p:cNvSpPr>
+            <a:spLocks noGrp="1"/>
+          </p:cNvSpPr>
+          <p:nvPr>
+            <p:ph idx="1"/>
+          </p:nvPr>
+        </p:nvSpPr>
+        <p:spPr/>
+        <p:txBody>
+          <a:bodyPr>
+            <a:normAutofit/>
+          </a:bodyPr>
+          <a:lstStyle/>
+          <a:p>
+            <a:r>
+              <a:rPr lang="en-US" dirty="0"/>
+              <a:t>Create 100 trials:</a:t>
+            </a:r>
+          </a:p>
+          <a:p>
+            <a:pPr lvl="1"/>
+            <a:r>
+              <a:rPr lang="en-US" dirty="0"/>
+              <a:t>1 chirp signal</a:t>
+            </a:r>
+          </a:p>
+          <a:p>
+            <a:pPr lvl="1"/>
+            <a:r>
+              <a:rPr lang="en-US" dirty="0"/>
+              <a:t>15 different noise variation</a:t>
+            </a:r>
+          </a:p>
+          <a:p>
+            <a:r>
+              <a:rPr lang="en-US" b="1" dirty="0"/>
+              <a:t>Use STFT</a:t>
+            </a:r>
+          </a:p>
+          <a:p>
+            <a:r>
+              <a:rPr lang="en-US" dirty="0"/>
+              <a:t>Extracting </a:t>
+            </a:r>
+            <a:r>
+              <a:rPr lang="en-US" dirty="0" err="1"/>
+              <a:t>Maximas</a:t>
+            </a:r>
+            <a:r>
+              <a:rPr lang="en-US" dirty="0"/>
+              <a:t> &amp; Median Filtering</a:t>
+            </a:r>
+          </a:p>
+          <a:p>
+            <a:r>
+              <a:rPr lang="en-US" dirty="0"/>
+              <a:t>Compare 3 methods of estimation:</a:t>
+            </a:r>
+          </a:p>
+          <a:p>
+            <a:pPr lvl="1"/>
+            <a:r>
+              <a:rPr lang="en-US" dirty="0"/>
+              <a:t>RANSAC</a:t>
+            </a:r>
+          </a:p>
+          <a:p>
+            <a:pPr lvl="1"/>
+            <a:r>
+              <a:rPr lang="en-US" dirty="0"/>
+              <a:t>RANSAC with median filter</a:t>
+            </a:r>
+          </a:p>
+          <a:p>
+            <a:pPr lvl="1"/>
+            <a:r>
+              <a:rPr lang="en-US" dirty="0"/>
+              <a:t>LSM</a:t>
+            </a:r>
+          </a:p>
+          <a:p>
+            <a:pPr lvl="1"/>
+            <a:endParaRPr lang="en-US" dirty="0"/>
+          </a:p>
+          <a:p>
+            <a:endParaRPr lang="en-US" dirty="0"/>
+          </a:p>
+        </p:txBody>
+      </p:sp>
+      <p:sp>
+        <p:nvSpPr>
+          <p:cNvPr id="4" name="Date Placeholder 3">
+            <a:extLst>
+              <a:ext uri="{FF2B5EF4-FFF2-40B4-BE49-F238E27FC236}">
+                <a16:creationId xmlns:a16="http://schemas.microsoft.com/office/drawing/2014/main" id="{59913B85-3B4F-43D3-A7E9-D06F5E37C6C1}"/>
+              </a:ext>
+            </a:extLst>
+          </p:cNvPr>
+          <p:cNvSpPr>
+            <a:spLocks noGrp="1"/>
+          </p:cNvSpPr>
+          <p:nvPr>
+            <p:ph type="dt" sz="half" idx="10"/>
+          </p:nvPr>
+        </p:nvSpPr>
+        <p:spPr/>
+        <p:txBody>
+          <a:bodyPr/>
+          <a:lstStyle/>
+          <a:p>
+            <a:fld id="{F736EC4A-E5B7-42C2-9943-4D2477F0E2BA}" type="datetime1">
+              <a:rPr lang="en-US" smtClean="0"/>
+              <a:t>9/29/2021</a:t>
+            </a:fld>
+            <a:endParaRPr lang="en-US" dirty="0"/>
+          </a:p>
+        </p:txBody>
+      </p:sp>
+      <p:sp>
+        <p:nvSpPr>
+          <p:cNvPr id="5" name="Footer Placeholder 4">
+            <a:extLst>
+              <a:ext uri="{FF2B5EF4-FFF2-40B4-BE49-F238E27FC236}">
+                <a16:creationId xmlns:a16="http://schemas.microsoft.com/office/drawing/2014/main" id="{C5649577-8229-4DC9-AE82-59C3A5BA0515}"/>
+              </a:ext>
+            </a:extLst>
+          </p:cNvPr>
+          <p:cNvSpPr>
+            <a:spLocks noGrp="1"/>
+          </p:cNvSpPr>
+          <p:nvPr>
+            <p:ph type="ftr" sz="quarter" idx="11"/>
+          </p:nvPr>
+        </p:nvSpPr>
+        <p:spPr/>
+        <p:txBody>
+          <a:bodyPr/>
+          <a:lstStyle/>
+          <a:p>
+            <a:r>
+              <a:rPr lang="en-US" dirty="0"/>
+              <a:t>Yarden Akaby &amp; Etai Sella</a:t>
+            </a:r>
+          </a:p>
+        </p:txBody>
+      </p:sp>
+      <p:sp>
+        <p:nvSpPr>
+          <p:cNvPr id="6" name="Slide Number Placeholder 5">
+            <a:extLst>
+              <a:ext uri="{FF2B5EF4-FFF2-40B4-BE49-F238E27FC236}">
+                <a16:creationId xmlns:a16="http://schemas.microsoft.com/office/drawing/2014/main" id="{1B57282B-C25D-48B2-A667-C1D467EB1137}"/>
+              </a:ext>
+            </a:extLst>
+          </p:cNvPr>
+          <p:cNvSpPr>
+            <a:spLocks noGrp="1"/>
+          </p:cNvSpPr>
+          <p:nvPr>
+            <p:ph type="sldNum" sz="quarter" idx="12"/>
+          </p:nvPr>
+        </p:nvSpPr>
+        <p:spPr/>
+        <p:txBody>
+          <a:bodyPr/>
+          <a:lstStyle/>
+          <a:p>
+            <a:fld id="{C629165E-D59B-453D-B763-34340D7036F6}" type="slidenum">
+              <a:rPr lang="en-US" smtClean="0"/>
+              <a:t>24</a:t>
+            </a:fld>
+            <a:endParaRPr lang="en-US" dirty="0"/>
+          </a:p>
+        </p:txBody>
+      </p:sp>
+      <p:pic>
+        <p:nvPicPr>
+          <p:cNvPr id="10" name="תמונה 9">
+            <a:extLst>
+              <a:ext uri="{FF2B5EF4-FFF2-40B4-BE49-F238E27FC236}">
+                <a16:creationId xmlns:a16="http://schemas.microsoft.com/office/drawing/2014/main" id="{78573B4E-BDFC-479F-8F62-3B7CCEFC5923}"/>
+              </a:ext>
+            </a:extLst>
+          </p:cNvPr>
+          <p:cNvPicPr>
+            <a:picLocks noChangeAspect="1"/>
+          </p:cNvPicPr>
+          <p:nvPr/>
+        </p:nvPicPr>
+        <p:blipFill>
+          <a:blip r:embed="rId3"/>
+          <a:stretch>
+            <a:fillRect/>
+          </a:stretch>
+        </p:blipFill>
+        <p:spPr>
+          <a:xfrm>
+            <a:off x="6804839" y="3817232"/>
+            <a:ext cx="4010797" cy="2944635"/>
+          </a:xfrm>
+          <a:prstGeom prst="rect">
+            <a:avLst/>
+          </a:prstGeom>
+        </p:spPr>
+      </p:pic>
+    </p:spTree>
+    <p:extLst>
+      <p:ext uri="{BB962C8B-B14F-4D97-AF65-F5344CB8AC3E}">
+        <p14:creationId xmlns:p14="http://schemas.microsoft.com/office/powerpoint/2010/main" val="573499685"/>
+      </p:ext>
+    </p:extLst>
+  </p:cSld>
+  <p:clrMapOvr>
+    <a:masterClrMapping/>
+  </p:clrMapOvr>
+</p:sld>
+</file>
+
+<file path=ppt/slides/slide25.xml><?xml version="1.0" encoding="utf-8"?>
+<p:sld xmlns:a="http://schemas.openxmlformats.org/drawingml/2006/main" xmlns:r="http://schemas.openxmlformats.org/officeDocument/2006/relationships" xmlns:p="http://schemas.openxmlformats.org/presentationml/2006/main">
+  <p:cSld>
+    <p:spTree>
+      <p:nvGrpSpPr>
+        <p:cNvPr id="1" name=""/>
+        <p:cNvGrpSpPr/>
+        <p:nvPr/>
+      </p:nvGrpSpPr>
+      <p:grpSpPr>
+        <a:xfrm>
+          <a:off x="0" y="0"/>
+          <a:ext cx="0" cy="0"/>
+          <a:chOff x="0" y="0"/>
+          <a:chExt cx="0" cy="0"/>
+        </a:xfrm>
+      </p:grpSpPr>
+      <p:sp>
+        <p:nvSpPr>
+          <p:cNvPr id="2" name="Title 1">
+            <a:extLst>
+              <a:ext uri="{FF2B5EF4-FFF2-40B4-BE49-F238E27FC236}">
+                <a16:creationId xmlns:a16="http://schemas.microsoft.com/office/drawing/2014/main" id="{143B5247-4B5C-44D2-AE13-25DD403557B4}"/>
+              </a:ext>
+            </a:extLst>
+          </p:cNvPr>
+          <p:cNvSpPr>
+            <a:spLocks noGrp="1"/>
+          </p:cNvSpPr>
+          <p:nvPr>
+            <p:ph type="title"/>
+          </p:nvPr>
+        </p:nvSpPr>
+        <p:spPr/>
+        <p:txBody>
+          <a:bodyPr>
+            <a:normAutofit/>
+          </a:bodyPr>
+          <a:lstStyle/>
+          <a:p>
+            <a:r>
+              <a:rPr lang="en-US" dirty="0"/>
+              <a:t>Tests and Simulations - RANSAC</a:t>
+            </a:r>
+          </a:p>
+        </p:txBody>
+      </p:sp>
+      <p:sp>
+        <p:nvSpPr>
+          <p:cNvPr id="3" name="Content Placeholder 2">
+            <a:extLst>
+              <a:ext uri="{FF2B5EF4-FFF2-40B4-BE49-F238E27FC236}">
+                <a16:creationId xmlns:a16="http://schemas.microsoft.com/office/drawing/2014/main" id="{8BB29A69-51F4-4CEE-B950-D3A7C19E951E}"/>
+              </a:ext>
+            </a:extLst>
+          </p:cNvPr>
+          <p:cNvSpPr>
+            <a:spLocks noGrp="1"/>
+          </p:cNvSpPr>
+          <p:nvPr>
+            <p:ph idx="1"/>
+          </p:nvPr>
+        </p:nvSpPr>
+        <p:spPr/>
+        <p:txBody>
+          <a:bodyPr>
+            <a:normAutofit/>
+          </a:bodyPr>
+          <a:lstStyle/>
+          <a:p>
+            <a:r>
+              <a:rPr lang="en-US" dirty="0"/>
+              <a:t>Create 100 trials:</a:t>
+            </a:r>
+          </a:p>
+          <a:p>
+            <a:pPr lvl="1"/>
+            <a:r>
+              <a:rPr lang="en-US" dirty="0"/>
+              <a:t>1 chirp signal</a:t>
+            </a:r>
+          </a:p>
+          <a:p>
+            <a:pPr lvl="1"/>
+            <a:r>
+              <a:rPr lang="en-US" dirty="0"/>
+              <a:t>15 different noise variation</a:t>
+            </a:r>
+          </a:p>
+          <a:p>
+            <a:r>
+              <a:rPr lang="en-US" dirty="0"/>
+              <a:t>Use STFT</a:t>
+            </a:r>
+          </a:p>
+          <a:p>
+            <a:r>
+              <a:rPr lang="en-US" b="1" dirty="0"/>
+              <a:t>Extracting </a:t>
+            </a:r>
+            <a:r>
+              <a:rPr lang="en-US" b="1" dirty="0" err="1"/>
+              <a:t>Maximas</a:t>
+            </a:r>
+            <a:r>
+              <a:rPr lang="en-US" b="1" dirty="0"/>
+              <a:t> &amp; Median Filtering</a:t>
+            </a:r>
+          </a:p>
+          <a:p>
+            <a:r>
+              <a:rPr lang="en-US" dirty="0"/>
+              <a:t>Compare 3 methods of estimation:</a:t>
+            </a:r>
+          </a:p>
+          <a:p>
+            <a:pPr lvl="1"/>
+            <a:r>
+              <a:rPr lang="en-US" dirty="0"/>
+              <a:t>RANSAC</a:t>
+            </a:r>
+          </a:p>
+          <a:p>
+            <a:pPr lvl="1"/>
+            <a:r>
+              <a:rPr lang="en-US" dirty="0"/>
+              <a:t>RANSAC with median filter</a:t>
+            </a:r>
+          </a:p>
+          <a:p>
+            <a:pPr lvl="1"/>
+            <a:r>
+              <a:rPr lang="en-US" dirty="0"/>
+              <a:t>LSM</a:t>
+            </a:r>
+          </a:p>
+          <a:p>
+            <a:pPr lvl="1"/>
+            <a:endParaRPr lang="en-US" dirty="0"/>
+          </a:p>
+          <a:p>
+            <a:endParaRPr lang="en-US" dirty="0"/>
+          </a:p>
+        </p:txBody>
+      </p:sp>
+      <p:sp>
+        <p:nvSpPr>
+          <p:cNvPr id="4" name="Date Placeholder 3">
+            <a:extLst>
+              <a:ext uri="{FF2B5EF4-FFF2-40B4-BE49-F238E27FC236}">
+                <a16:creationId xmlns:a16="http://schemas.microsoft.com/office/drawing/2014/main" id="{59913B85-3B4F-43D3-A7E9-D06F5E37C6C1}"/>
+              </a:ext>
+            </a:extLst>
+          </p:cNvPr>
+          <p:cNvSpPr>
+            <a:spLocks noGrp="1"/>
+          </p:cNvSpPr>
+          <p:nvPr>
+            <p:ph type="dt" sz="half" idx="10"/>
+          </p:nvPr>
+        </p:nvSpPr>
+        <p:spPr/>
+        <p:txBody>
+          <a:bodyPr/>
+          <a:lstStyle/>
+          <a:p>
+            <a:fld id="{F736EC4A-E5B7-42C2-9943-4D2477F0E2BA}" type="datetime1">
+              <a:rPr lang="en-US" smtClean="0"/>
+              <a:t>9/29/2021</a:t>
+            </a:fld>
+            <a:endParaRPr lang="en-US" dirty="0"/>
+          </a:p>
+        </p:txBody>
+      </p:sp>
+      <p:sp>
+        <p:nvSpPr>
+          <p:cNvPr id="5" name="Footer Placeholder 4">
+            <a:extLst>
+              <a:ext uri="{FF2B5EF4-FFF2-40B4-BE49-F238E27FC236}">
+                <a16:creationId xmlns:a16="http://schemas.microsoft.com/office/drawing/2014/main" id="{C5649577-8229-4DC9-AE82-59C3A5BA0515}"/>
+              </a:ext>
+            </a:extLst>
+          </p:cNvPr>
+          <p:cNvSpPr>
+            <a:spLocks noGrp="1"/>
+          </p:cNvSpPr>
+          <p:nvPr>
+            <p:ph type="ftr" sz="quarter" idx="11"/>
+          </p:nvPr>
+        </p:nvSpPr>
+        <p:spPr/>
+        <p:txBody>
+          <a:bodyPr/>
+          <a:lstStyle/>
+          <a:p>
+            <a:r>
+              <a:rPr lang="en-US" dirty="0"/>
+              <a:t>Yarden Akaby &amp; Etai Sella</a:t>
+            </a:r>
+          </a:p>
+        </p:txBody>
+      </p:sp>
+      <p:sp>
+        <p:nvSpPr>
+          <p:cNvPr id="6" name="Slide Number Placeholder 5">
+            <a:extLst>
+              <a:ext uri="{FF2B5EF4-FFF2-40B4-BE49-F238E27FC236}">
+                <a16:creationId xmlns:a16="http://schemas.microsoft.com/office/drawing/2014/main" id="{1B57282B-C25D-48B2-A667-C1D467EB1137}"/>
+              </a:ext>
+            </a:extLst>
+          </p:cNvPr>
+          <p:cNvSpPr>
+            <a:spLocks noGrp="1"/>
+          </p:cNvSpPr>
+          <p:nvPr>
+            <p:ph type="sldNum" sz="quarter" idx="12"/>
+          </p:nvPr>
+        </p:nvSpPr>
+        <p:spPr/>
+        <p:txBody>
+          <a:bodyPr/>
+          <a:lstStyle/>
+          <a:p>
+            <a:fld id="{C629165E-D59B-453D-B763-34340D7036F6}" type="slidenum">
+              <a:rPr lang="en-US" smtClean="0"/>
+              <a:t>25</a:t>
+            </a:fld>
+            <a:endParaRPr lang="en-US" dirty="0"/>
+          </a:p>
+        </p:txBody>
+      </p:sp>
+      <p:pic>
+        <p:nvPicPr>
+          <p:cNvPr id="11" name="Picture 10">
+            <a:extLst>
+              <a:ext uri="{FF2B5EF4-FFF2-40B4-BE49-F238E27FC236}">
+                <a16:creationId xmlns:a16="http://schemas.microsoft.com/office/drawing/2014/main" id="{3BE07CEC-65B2-4EF9-A2C5-239031B7B0B3}"/>
+              </a:ext>
+            </a:extLst>
+          </p:cNvPr>
+          <p:cNvPicPr>
+            <a:picLocks noChangeAspect="1"/>
+          </p:cNvPicPr>
+          <p:nvPr/>
+        </p:nvPicPr>
+        <p:blipFill>
+          <a:blip r:embed="rId3"/>
+          <a:stretch>
+            <a:fillRect/>
+          </a:stretch>
+        </p:blipFill>
+        <p:spPr>
+          <a:xfrm>
+            <a:off x="6918526" y="3825875"/>
+            <a:ext cx="4038601" cy="2927350"/>
+          </a:xfrm>
+          <a:prstGeom prst="rect">
+            <a:avLst/>
+          </a:prstGeom>
+        </p:spPr>
+      </p:pic>
+    </p:spTree>
+    <p:extLst>
+      <p:ext uri="{BB962C8B-B14F-4D97-AF65-F5344CB8AC3E}">
+        <p14:creationId xmlns:p14="http://schemas.microsoft.com/office/powerpoint/2010/main" val="2025183130"/>
+      </p:ext>
+    </p:extLst>
+  </p:cSld>
+  <p:clrMapOvr>
+    <a:masterClrMapping/>
+  </p:clrMapOvr>
+</p:sld>
+</file>
+
+<file path=ppt/slides/slide26.xml><?xml version="1.0" encoding="utf-8"?>
+<p:sld xmlns:a="http://schemas.openxmlformats.org/drawingml/2006/main" xmlns:r="http://schemas.openxmlformats.org/officeDocument/2006/relationships" xmlns:p="http://schemas.openxmlformats.org/presentationml/2006/main">
+  <p:cSld>
+    <p:spTree>
+      <p:nvGrpSpPr>
+        <p:cNvPr id="1" name=""/>
+        <p:cNvGrpSpPr/>
+        <p:nvPr/>
+      </p:nvGrpSpPr>
+      <p:grpSpPr>
+        <a:xfrm>
+          <a:off x="0" y="0"/>
+          <a:ext cx="0" cy="0"/>
+          <a:chOff x="0" y="0"/>
+          <a:chExt cx="0" cy="0"/>
+        </a:xfrm>
+      </p:grpSpPr>
+      <p:sp>
+        <p:nvSpPr>
+          <p:cNvPr id="2" name="Title 1">
+            <a:extLst>
+              <a:ext uri="{FF2B5EF4-FFF2-40B4-BE49-F238E27FC236}">
+                <a16:creationId xmlns:a16="http://schemas.microsoft.com/office/drawing/2014/main" id="{143B5247-4B5C-44D2-AE13-25DD403557B4}"/>
+              </a:ext>
+            </a:extLst>
+          </p:cNvPr>
+          <p:cNvSpPr>
+            <a:spLocks noGrp="1"/>
+          </p:cNvSpPr>
+          <p:nvPr>
+            <p:ph type="title"/>
+          </p:nvPr>
+        </p:nvSpPr>
+        <p:spPr/>
+        <p:txBody>
+          <a:bodyPr>
+            <a:normAutofit/>
+          </a:bodyPr>
+          <a:lstStyle/>
+          <a:p>
+            <a:r>
+              <a:rPr lang="en-US" dirty="0"/>
+              <a:t>Tests and Simulations - RANSAC</a:t>
+            </a:r>
+          </a:p>
+        </p:txBody>
+      </p:sp>
+      <p:sp>
+        <p:nvSpPr>
+          <p:cNvPr id="3" name="Content Placeholder 2">
+            <a:extLst>
+              <a:ext uri="{FF2B5EF4-FFF2-40B4-BE49-F238E27FC236}">
+                <a16:creationId xmlns:a16="http://schemas.microsoft.com/office/drawing/2014/main" id="{8BB29A69-51F4-4CEE-B950-D3A7C19E951E}"/>
+              </a:ext>
+            </a:extLst>
+          </p:cNvPr>
+          <p:cNvSpPr>
+            <a:spLocks noGrp="1"/>
+          </p:cNvSpPr>
+          <p:nvPr>
+            <p:ph idx="1"/>
+          </p:nvPr>
+        </p:nvSpPr>
+        <p:spPr/>
+        <p:txBody>
+          <a:bodyPr>
+            <a:normAutofit/>
+          </a:bodyPr>
+          <a:lstStyle/>
+          <a:p>
+            <a:r>
+              <a:rPr lang="en-US" dirty="0"/>
+              <a:t>Create 100 trials:</a:t>
+            </a:r>
+          </a:p>
+          <a:p>
+            <a:pPr lvl="1"/>
+            <a:r>
+              <a:rPr lang="en-US" dirty="0"/>
+              <a:t>1 chirp signal</a:t>
+            </a:r>
+          </a:p>
+          <a:p>
+            <a:pPr lvl="1"/>
+            <a:r>
+              <a:rPr lang="en-US" dirty="0"/>
+              <a:t>15 different noise variation</a:t>
+            </a:r>
+          </a:p>
+          <a:p>
+            <a:r>
+              <a:rPr lang="en-US" dirty="0"/>
+              <a:t>Use STFT</a:t>
+            </a:r>
+          </a:p>
+          <a:p>
+            <a:r>
+              <a:rPr lang="en-US" dirty="0"/>
+              <a:t>Extracting </a:t>
+            </a:r>
+            <a:r>
+              <a:rPr lang="en-US" dirty="0" err="1"/>
+              <a:t>Maximas</a:t>
+            </a:r>
+            <a:r>
+              <a:rPr lang="en-US" dirty="0"/>
+              <a:t> &amp; Median Filtering</a:t>
+            </a:r>
+          </a:p>
+          <a:p>
+            <a:r>
+              <a:rPr lang="en-US" b="1" dirty="0"/>
+              <a:t>Compare 3 methods of estimation:</a:t>
+            </a:r>
+          </a:p>
+          <a:p>
+            <a:pPr lvl="1"/>
+            <a:r>
+              <a:rPr lang="en-US" dirty="0"/>
+              <a:t>RANSAC</a:t>
+            </a:r>
+          </a:p>
+          <a:p>
+            <a:pPr lvl="1"/>
+            <a:r>
+              <a:rPr lang="en-US" dirty="0"/>
+              <a:t>RANSAC with median filter</a:t>
+            </a:r>
+          </a:p>
+          <a:p>
+            <a:pPr lvl="1"/>
+            <a:r>
+              <a:rPr lang="en-US" dirty="0"/>
+              <a:t>LSM</a:t>
+            </a:r>
+          </a:p>
+          <a:p>
+            <a:pPr lvl="1"/>
+            <a:endParaRPr lang="en-US" dirty="0"/>
+          </a:p>
+          <a:p>
+            <a:endParaRPr lang="en-US" dirty="0"/>
+          </a:p>
+        </p:txBody>
+      </p:sp>
+      <p:sp>
+        <p:nvSpPr>
+          <p:cNvPr id="4" name="Date Placeholder 3">
+            <a:extLst>
+              <a:ext uri="{FF2B5EF4-FFF2-40B4-BE49-F238E27FC236}">
+                <a16:creationId xmlns:a16="http://schemas.microsoft.com/office/drawing/2014/main" id="{59913B85-3B4F-43D3-A7E9-D06F5E37C6C1}"/>
+              </a:ext>
+            </a:extLst>
+          </p:cNvPr>
+          <p:cNvSpPr>
+            <a:spLocks noGrp="1"/>
+          </p:cNvSpPr>
+          <p:nvPr>
+            <p:ph type="dt" sz="half" idx="10"/>
+          </p:nvPr>
+        </p:nvSpPr>
+        <p:spPr/>
+        <p:txBody>
+          <a:bodyPr/>
+          <a:lstStyle/>
+          <a:p>
+            <a:fld id="{F736EC4A-E5B7-42C2-9943-4D2477F0E2BA}" type="datetime1">
+              <a:rPr lang="en-US" smtClean="0"/>
+              <a:t>9/29/2021</a:t>
+            </a:fld>
+            <a:endParaRPr lang="en-US" dirty="0"/>
+          </a:p>
+        </p:txBody>
+      </p:sp>
+      <p:sp>
+        <p:nvSpPr>
+          <p:cNvPr id="5" name="Footer Placeholder 4">
+            <a:extLst>
+              <a:ext uri="{FF2B5EF4-FFF2-40B4-BE49-F238E27FC236}">
+                <a16:creationId xmlns:a16="http://schemas.microsoft.com/office/drawing/2014/main" id="{C5649577-8229-4DC9-AE82-59C3A5BA0515}"/>
+              </a:ext>
+            </a:extLst>
+          </p:cNvPr>
+          <p:cNvSpPr>
+            <a:spLocks noGrp="1"/>
+          </p:cNvSpPr>
+          <p:nvPr>
+            <p:ph type="ftr" sz="quarter" idx="11"/>
+          </p:nvPr>
+        </p:nvSpPr>
+        <p:spPr/>
+        <p:txBody>
+          <a:bodyPr/>
+          <a:lstStyle/>
+          <a:p>
+            <a:r>
+              <a:rPr lang="en-US" dirty="0"/>
+              <a:t>Yarden Akaby &amp; Etai Sella</a:t>
+            </a:r>
+          </a:p>
+        </p:txBody>
+      </p:sp>
+      <p:sp>
+        <p:nvSpPr>
+          <p:cNvPr id="6" name="Slide Number Placeholder 5">
+            <a:extLst>
+              <a:ext uri="{FF2B5EF4-FFF2-40B4-BE49-F238E27FC236}">
+                <a16:creationId xmlns:a16="http://schemas.microsoft.com/office/drawing/2014/main" id="{1B57282B-C25D-48B2-A667-C1D467EB1137}"/>
+              </a:ext>
+            </a:extLst>
+          </p:cNvPr>
+          <p:cNvSpPr>
+            <a:spLocks noGrp="1"/>
+          </p:cNvSpPr>
+          <p:nvPr>
+            <p:ph type="sldNum" sz="quarter" idx="12"/>
+          </p:nvPr>
+        </p:nvSpPr>
+        <p:spPr/>
+        <p:txBody>
+          <a:bodyPr/>
+          <a:lstStyle/>
+          <a:p>
+            <a:fld id="{C629165E-D59B-453D-B763-34340D7036F6}" type="slidenum">
+              <a:rPr lang="en-US" smtClean="0"/>
+              <a:t>26</a:t>
+            </a:fld>
+            <a:endParaRPr lang="en-US" dirty="0"/>
+          </a:p>
+        </p:txBody>
+      </p:sp>
+      <p:pic>
+        <p:nvPicPr>
+          <p:cNvPr id="9" name="תמונה 8">
+            <a:extLst>
+              <a:ext uri="{FF2B5EF4-FFF2-40B4-BE49-F238E27FC236}">
+                <a16:creationId xmlns:a16="http://schemas.microsoft.com/office/drawing/2014/main" id="{1313EB87-A1DF-48D6-8E46-0E527EA79E47}"/>
+              </a:ext>
+            </a:extLst>
+          </p:cNvPr>
+          <p:cNvPicPr>
+            <a:picLocks noChangeAspect="1"/>
+          </p:cNvPicPr>
+          <p:nvPr/>
+        </p:nvPicPr>
+        <p:blipFill>
+          <a:blip r:embed="rId3">
+            <a:extLst>
+              <a:ext uri="{28A0092B-C50C-407E-A947-70E740481C1C}">
+                <a14:useLocalDpi xmlns:a14="http://schemas.microsoft.com/office/drawing/2010/main" val="0"/>
+              </a:ext>
+            </a:extLst>
+          </a:blip>
+          <a:stretch>
+            <a:fillRect/>
+          </a:stretch>
+        </p:blipFill>
+        <p:spPr>
+          <a:xfrm>
+            <a:off x="6939708" y="3836077"/>
+            <a:ext cx="3875928" cy="2906946"/>
+          </a:xfrm>
+          <a:prstGeom prst="rect">
+            <a:avLst/>
+          </a:prstGeom>
+        </p:spPr>
+      </p:pic>
+    </p:spTree>
+    <p:extLst>
+      <p:ext uri="{BB962C8B-B14F-4D97-AF65-F5344CB8AC3E}">
+        <p14:creationId xmlns:p14="http://schemas.microsoft.com/office/powerpoint/2010/main" val="1200729130"/>
+      </p:ext>
+    </p:extLst>
+  </p:cSld>
+  <p:clrMapOvr>
+    <a:masterClrMapping/>
+  </p:clrMapOvr>
+</p:sld>
+</file>
+
+<file path=ppt/slides/slide27.xml><?xml version="1.0" encoding="utf-8"?>
+<p:sld xmlns:a="http://schemas.openxmlformats.org/drawingml/2006/main" xmlns:r="http://schemas.openxmlformats.org/officeDocument/2006/relationships" xmlns:p="http://schemas.openxmlformats.org/presentationml/2006/main">
+  <p:cSld>
+    <p:spTree>
+      <p:nvGrpSpPr>
+        <p:cNvPr id="1" name=""/>
+        <p:cNvGrpSpPr/>
+        <p:nvPr/>
+      </p:nvGrpSpPr>
+      <p:grpSpPr>
+        <a:xfrm>
+          <a:off x="0" y="0"/>
+          <a:ext cx="0" cy="0"/>
+          <a:chOff x="0" y="0"/>
+          <a:chExt cx="0" cy="0"/>
+        </a:xfrm>
+      </p:grpSpPr>
+      <p:sp>
+        <p:nvSpPr>
+          <p:cNvPr id="2" name="Title 1">
+            <a:extLst>
+              <a:ext uri="{FF2B5EF4-FFF2-40B4-BE49-F238E27FC236}">
+                <a16:creationId xmlns:a16="http://schemas.microsoft.com/office/drawing/2014/main" id="{143B5247-4B5C-44D2-AE13-25DD403557B4}"/>
+              </a:ext>
+            </a:extLst>
+          </p:cNvPr>
+          <p:cNvSpPr>
+            <a:spLocks noGrp="1"/>
+          </p:cNvSpPr>
+          <p:nvPr>
+            <p:ph type="title"/>
+          </p:nvPr>
+        </p:nvSpPr>
+        <p:spPr/>
+        <p:txBody>
+          <a:bodyPr>
+            <a:normAutofit/>
+          </a:bodyPr>
+          <a:lstStyle/>
+          <a:p>
+            <a:r>
+              <a:rPr lang="en-US" dirty="0"/>
+              <a:t>Tests and Simulations - RANSAC</a:t>
+            </a:r>
+          </a:p>
+        </p:txBody>
+      </p:sp>
+      <p:sp>
+        <p:nvSpPr>
+          <p:cNvPr id="3" name="Content Placeholder 2">
+            <a:extLst>
+              <a:ext uri="{FF2B5EF4-FFF2-40B4-BE49-F238E27FC236}">
+                <a16:creationId xmlns:a16="http://schemas.microsoft.com/office/drawing/2014/main" id="{8BB29A69-51F4-4CEE-B950-D3A7C19E951E}"/>
+              </a:ext>
+            </a:extLst>
+          </p:cNvPr>
+          <p:cNvSpPr>
+            <a:spLocks noGrp="1"/>
+          </p:cNvSpPr>
+          <p:nvPr>
+            <p:ph idx="1"/>
+          </p:nvPr>
+        </p:nvSpPr>
+        <p:spPr/>
+        <p:txBody>
+          <a:bodyPr>
+            <a:normAutofit/>
+          </a:bodyPr>
+          <a:lstStyle/>
+          <a:p>
+            <a:pPr marL="0" indent="0">
+              <a:buNone/>
+            </a:pPr>
+            <a:r>
+              <a:rPr lang="en-US" u="sng" dirty="0"/>
+              <a:t>Graph of CRE against SNR</a:t>
+            </a:r>
+          </a:p>
+          <a:p>
+            <a:endParaRPr lang="en-US" dirty="0"/>
+          </a:p>
+        </p:txBody>
+      </p:sp>
+      <p:sp>
+        <p:nvSpPr>
+          <p:cNvPr id="4" name="Date Placeholder 3">
+            <a:extLst>
+              <a:ext uri="{FF2B5EF4-FFF2-40B4-BE49-F238E27FC236}">
+                <a16:creationId xmlns:a16="http://schemas.microsoft.com/office/drawing/2014/main" id="{59913B85-3B4F-43D3-A7E9-D06F5E37C6C1}"/>
+              </a:ext>
+            </a:extLst>
+          </p:cNvPr>
+          <p:cNvSpPr>
+            <a:spLocks noGrp="1"/>
+          </p:cNvSpPr>
+          <p:nvPr>
+            <p:ph type="dt" sz="half" idx="10"/>
+          </p:nvPr>
+        </p:nvSpPr>
+        <p:spPr/>
+        <p:txBody>
+          <a:bodyPr/>
+          <a:lstStyle/>
+          <a:p>
+            <a:fld id="{F736EC4A-E5B7-42C2-9943-4D2477F0E2BA}" type="datetime1">
+              <a:rPr lang="en-US" smtClean="0"/>
+              <a:t>9/29/2021</a:t>
+            </a:fld>
+            <a:endParaRPr lang="en-US" dirty="0"/>
+          </a:p>
+        </p:txBody>
+      </p:sp>
+      <p:sp>
+        <p:nvSpPr>
+          <p:cNvPr id="5" name="Footer Placeholder 4">
+            <a:extLst>
+              <a:ext uri="{FF2B5EF4-FFF2-40B4-BE49-F238E27FC236}">
+                <a16:creationId xmlns:a16="http://schemas.microsoft.com/office/drawing/2014/main" id="{C5649577-8229-4DC9-AE82-59C3A5BA0515}"/>
+              </a:ext>
+            </a:extLst>
+          </p:cNvPr>
+          <p:cNvSpPr>
+            <a:spLocks noGrp="1"/>
+          </p:cNvSpPr>
+          <p:nvPr>
+            <p:ph type="ftr" sz="quarter" idx="11"/>
+          </p:nvPr>
+        </p:nvSpPr>
+        <p:spPr/>
+        <p:txBody>
+          <a:bodyPr/>
+          <a:lstStyle/>
+          <a:p>
+            <a:r>
+              <a:rPr lang="en-US" dirty="0"/>
+              <a:t>Yarden Akaby &amp; Etai Sella</a:t>
+            </a:r>
+          </a:p>
+        </p:txBody>
+      </p:sp>
+      <p:sp>
+        <p:nvSpPr>
+          <p:cNvPr id="6" name="Slide Number Placeholder 5">
+            <a:extLst>
+              <a:ext uri="{FF2B5EF4-FFF2-40B4-BE49-F238E27FC236}">
+                <a16:creationId xmlns:a16="http://schemas.microsoft.com/office/drawing/2014/main" id="{1B57282B-C25D-48B2-A667-C1D467EB1137}"/>
+              </a:ext>
+            </a:extLst>
+          </p:cNvPr>
+          <p:cNvSpPr>
+            <a:spLocks noGrp="1"/>
+          </p:cNvSpPr>
+          <p:nvPr>
+            <p:ph type="sldNum" sz="quarter" idx="12"/>
+          </p:nvPr>
+        </p:nvSpPr>
+        <p:spPr/>
+        <p:txBody>
+          <a:bodyPr/>
+          <a:lstStyle/>
+          <a:p>
+            <a:fld id="{C629165E-D59B-453D-B763-34340D7036F6}" type="slidenum">
+              <a:rPr lang="en-US" smtClean="0"/>
+              <a:t>27</a:t>
+            </a:fld>
+            <a:endParaRPr lang="en-US" dirty="0"/>
+          </a:p>
+        </p:txBody>
+      </p:sp>
+      <p:pic>
+        <p:nvPicPr>
+          <p:cNvPr id="8" name="תמונה 7">
+            <a:extLst>
+              <a:ext uri="{FF2B5EF4-FFF2-40B4-BE49-F238E27FC236}">
+                <a16:creationId xmlns:a16="http://schemas.microsoft.com/office/drawing/2014/main" id="{CBD05260-F342-4BC4-9A32-BF30546BBBB4}"/>
+              </a:ext>
+            </a:extLst>
+          </p:cNvPr>
+          <p:cNvPicPr>
+            <a:picLocks noChangeAspect="1"/>
+          </p:cNvPicPr>
+          <p:nvPr/>
+        </p:nvPicPr>
+        <p:blipFill>
+          <a:blip r:embed="rId3"/>
+          <a:stretch>
+            <a:fillRect/>
+          </a:stretch>
+        </p:blipFill>
+        <p:spPr>
+          <a:xfrm>
+            <a:off x="3041480" y="2459835"/>
+            <a:ext cx="5227223" cy="3404206"/>
+          </a:xfrm>
+          <a:prstGeom prst="rect">
+            <a:avLst/>
+          </a:prstGeom>
+        </p:spPr>
+      </p:pic>
+      <p:pic>
+        <p:nvPicPr>
+          <p:cNvPr id="9" name="תמונה 8">
+            <a:extLst>
+              <a:ext uri="{FF2B5EF4-FFF2-40B4-BE49-F238E27FC236}">
+                <a16:creationId xmlns:a16="http://schemas.microsoft.com/office/drawing/2014/main" id="{A1DAEC18-DB3D-40FE-A13F-4D80733E7B89}"/>
+              </a:ext>
+            </a:extLst>
+          </p:cNvPr>
+          <p:cNvPicPr>
+            <a:picLocks noChangeAspect="1"/>
+          </p:cNvPicPr>
+          <p:nvPr/>
+        </p:nvPicPr>
+        <p:blipFill>
+          <a:blip r:embed="rId4">
+            <a:extLst>
+              <a:ext uri="{28A0092B-C50C-407E-A947-70E740481C1C}">
+                <a14:useLocalDpi xmlns:a14="http://schemas.microsoft.com/office/drawing/2010/main" val="0"/>
+              </a:ext>
+            </a:extLst>
+          </a:blip>
+          <a:stretch>
+            <a:fillRect/>
+          </a:stretch>
+        </p:blipFill>
+        <p:spPr>
+          <a:xfrm>
+            <a:off x="3272827" y="2290645"/>
+            <a:ext cx="4764528" cy="3573396"/>
+          </a:xfrm>
+          <a:prstGeom prst="rect">
+            <a:avLst/>
+          </a:prstGeom>
+        </p:spPr>
+      </p:pic>
+    </p:spTree>
+    <p:extLst>
+      <p:ext uri="{BB962C8B-B14F-4D97-AF65-F5344CB8AC3E}">
+        <p14:creationId xmlns:p14="http://schemas.microsoft.com/office/powerpoint/2010/main" val="210292874"/>
+      </p:ext>
+    </p:extLst>
+  </p:cSld>
+  <p:clrMapOvr>
+    <a:masterClrMapping/>
+  </p:clrMapOvr>
+</p:sld>
+</file>
+
+<file path=ppt/slides/slide28.xml><?xml version="1.0" encoding="utf-8"?>
+<p:sld xmlns:a="http://schemas.openxmlformats.org/drawingml/2006/main" xmlns:r="http://schemas.openxmlformats.org/officeDocument/2006/relationships" xmlns:p="http://schemas.openxmlformats.org/presentationml/2006/main">
+  <p:cSld>
+    <p:spTree>
+      <p:nvGrpSpPr>
+        <p:cNvPr id="1" name=""/>
+        <p:cNvGrpSpPr/>
+        <p:nvPr/>
+      </p:nvGrpSpPr>
+      <p:grpSpPr>
+        <a:xfrm>
+          <a:off x="0" y="0"/>
+          <a:ext cx="0" cy="0"/>
+          <a:chOff x="0" y="0"/>
+          <a:chExt cx="0" cy="0"/>
+        </a:xfrm>
+      </p:grpSpPr>
+      <p:sp>
+        <p:nvSpPr>
+          <p:cNvPr id="2" name="Title 1">
+            <a:extLst>
+              <a:ext uri="{FF2B5EF4-FFF2-40B4-BE49-F238E27FC236}">
+                <a16:creationId xmlns:a16="http://schemas.microsoft.com/office/drawing/2014/main" id="{143B5247-4B5C-44D2-AE13-25DD403557B4}"/>
+              </a:ext>
+            </a:extLst>
+          </p:cNvPr>
+          <p:cNvSpPr>
+            <a:spLocks noGrp="1"/>
+          </p:cNvSpPr>
+          <p:nvPr>
+            <p:ph type="title"/>
+          </p:nvPr>
+        </p:nvSpPr>
+        <p:spPr/>
+        <p:txBody>
+          <a:bodyPr>
+            <a:normAutofit/>
+          </a:bodyPr>
+          <a:lstStyle/>
+          <a:p>
+            <a:r>
+              <a:rPr lang="en-US" dirty="0"/>
+              <a:t>Tests and Simulations - RANSAC</a:t>
+            </a:r>
+          </a:p>
+        </p:txBody>
+      </p:sp>
+      <p:sp>
+        <p:nvSpPr>
+          <p:cNvPr id="3" name="Content Placeholder 2">
+            <a:extLst>
+              <a:ext uri="{FF2B5EF4-FFF2-40B4-BE49-F238E27FC236}">
+                <a16:creationId xmlns:a16="http://schemas.microsoft.com/office/drawing/2014/main" id="{8BB29A69-51F4-4CEE-B950-D3A7C19E951E}"/>
+              </a:ext>
+            </a:extLst>
+          </p:cNvPr>
+          <p:cNvSpPr>
+            <a:spLocks noGrp="1"/>
+          </p:cNvSpPr>
+          <p:nvPr>
+            <p:ph idx="1"/>
+          </p:nvPr>
+        </p:nvSpPr>
+        <p:spPr/>
+        <p:txBody>
+          <a:bodyPr>
+            <a:normAutofit/>
+          </a:bodyPr>
+          <a:lstStyle/>
+          <a:p>
+            <a:pPr marL="0" indent="0">
+              <a:buNone/>
+            </a:pPr>
+            <a:r>
+              <a:rPr lang="en-US" dirty="0"/>
+              <a:t>Example of estimations</a:t>
+            </a:r>
+          </a:p>
+        </p:txBody>
+      </p:sp>
+      <p:sp>
+        <p:nvSpPr>
+          <p:cNvPr id="4" name="Date Placeholder 3">
+            <a:extLst>
+              <a:ext uri="{FF2B5EF4-FFF2-40B4-BE49-F238E27FC236}">
+                <a16:creationId xmlns:a16="http://schemas.microsoft.com/office/drawing/2014/main" id="{59913B85-3B4F-43D3-A7E9-D06F5E37C6C1}"/>
+              </a:ext>
+            </a:extLst>
+          </p:cNvPr>
+          <p:cNvSpPr>
+            <a:spLocks noGrp="1"/>
+          </p:cNvSpPr>
+          <p:nvPr>
+            <p:ph type="dt" sz="half" idx="10"/>
+          </p:nvPr>
+        </p:nvSpPr>
+        <p:spPr/>
+        <p:txBody>
+          <a:bodyPr/>
+          <a:lstStyle/>
+          <a:p>
+            <a:fld id="{F736EC4A-E5B7-42C2-9943-4D2477F0E2BA}" type="datetime1">
+              <a:rPr lang="en-US" smtClean="0"/>
+              <a:t>9/29/2021</a:t>
+            </a:fld>
+            <a:endParaRPr lang="en-US" dirty="0"/>
+          </a:p>
+        </p:txBody>
+      </p:sp>
+      <p:sp>
+        <p:nvSpPr>
+          <p:cNvPr id="5" name="Footer Placeholder 4">
+            <a:extLst>
+              <a:ext uri="{FF2B5EF4-FFF2-40B4-BE49-F238E27FC236}">
+                <a16:creationId xmlns:a16="http://schemas.microsoft.com/office/drawing/2014/main" id="{C5649577-8229-4DC9-AE82-59C3A5BA0515}"/>
+              </a:ext>
+            </a:extLst>
+          </p:cNvPr>
+          <p:cNvSpPr>
+            <a:spLocks noGrp="1"/>
+          </p:cNvSpPr>
+          <p:nvPr>
+            <p:ph type="ftr" sz="quarter" idx="11"/>
+          </p:nvPr>
+        </p:nvSpPr>
+        <p:spPr/>
+        <p:txBody>
+          <a:bodyPr/>
+          <a:lstStyle/>
+          <a:p>
+            <a:r>
+              <a:rPr lang="en-US" dirty="0"/>
+              <a:t>Yarden Akaby &amp; Etai Sella</a:t>
+            </a:r>
+          </a:p>
+        </p:txBody>
+      </p:sp>
+      <p:sp>
+        <p:nvSpPr>
+          <p:cNvPr id="6" name="Slide Number Placeholder 5">
+            <a:extLst>
+              <a:ext uri="{FF2B5EF4-FFF2-40B4-BE49-F238E27FC236}">
+                <a16:creationId xmlns:a16="http://schemas.microsoft.com/office/drawing/2014/main" id="{1B57282B-C25D-48B2-A667-C1D467EB1137}"/>
+              </a:ext>
+            </a:extLst>
+          </p:cNvPr>
+          <p:cNvSpPr>
+            <a:spLocks noGrp="1"/>
+          </p:cNvSpPr>
+          <p:nvPr>
+            <p:ph type="sldNum" sz="quarter" idx="12"/>
+          </p:nvPr>
+        </p:nvSpPr>
+        <p:spPr/>
+        <p:txBody>
+          <a:bodyPr/>
+          <a:lstStyle/>
+          <a:p>
+            <a:fld id="{C629165E-D59B-453D-B763-34340D7036F6}" type="slidenum">
+              <a:rPr lang="en-US" smtClean="0"/>
+              <a:t>28</a:t>
             </a:fld>
             <a:endParaRPr lang="en-US" dirty="0"/>
           </a:p>
@@ -5273,7 +10600,7 @@
 </p:sld>
 </file>
 
-<file path=ppt/slides/slide13.xml><?xml version="1.0" encoding="utf-8"?>
+<file path=ppt/slides/slide29.xml><?xml version="1.0" encoding="utf-8"?>
 <p:sld xmlns:a="http://schemas.openxmlformats.org/drawingml/2006/main" xmlns:r="http://schemas.openxmlformats.org/officeDocument/2006/relationships" xmlns:p="http://schemas.openxmlformats.org/presentationml/2006/main">
   <p:cSld>
     <p:spTree>
@@ -5315,7 +10642,7 @@
           <a:p>
             <a:r>
               <a:rPr lang="en-US" dirty="0"/>
-              <a:t>Tests and Simulations - RANSAC</a:t>
+              <a:t>Tests and Simulations - Hough</a:t>
             </a:r>
           </a:p>
         </p:txBody>
@@ -5343,15 +10670,48 @@
           </a:bodyPr>
           <a:lstStyle/>
           <a:p>
-            <a:pPr marL="0" indent="0">
-              <a:buNone/>
-            </a:pPr>
-            <a:r>
-              <a:rPr lang="en-US" u="sng" dirty="0"/>
-              <a:t>Graph of CRE against SNR</a:t>
-            </a:r>
-          </a:p>
-          <a:p>
+            <a:r>
+              <a:rPr lang="en-US" dirty="0"/>
+              <a:t>Create 100 trials:</a:t>
+            </a:r>
+          </a:p>
+          <a:p>
+            <a:pPr lvl="1"/>
+            <a:r>
+              <a:rPr lang="en-US" dirty="0"/>
+              <a:t>2 different chirp signals</a:t>
+            </a:r>
+          </a:p>
+          <a:p>
+            <a:pPr lvl="1"/>
+            <a:r>
+              <a:rPr lang="en-US" dirty="0"/>
+              <a:t>15 different noise variation</a:t>
+            </a:r>
+          </a:p>
+          <a:p>
+            <a:r>
+              <a:rPr lang="en-US" dirty="0"/>
+              <a:t>Use STFT</a:t>
+            </a:r>
+          </a:p>
+          <a:p>
+            <a:r>
+              <a:rPr lang="en-US" dirty="0"/>
+              <a:t>Extract 2 time frequency curves using Hough transform</a:t>
+            </a:r>
+          </a:p>
+          <a:p>
+            <a:r>
+              <a:rPr lang="en-US" dirty="0"/>
+              <a:t>Evaluate CRE of each curve –Left &amp; Right</a:t>
+            </a:r>
+          </a:p>
+          <a:p>
+            <a:endParaRPr lang="en-US" dirty="0"/>
+          </a:p>
+          <a:p>
+            <a:pPr lvl="1"/>
             <a:endParaRPr lang="en-US" dirty="0"/>
           </a:p>
         </p:txBody>
@@ -5379,7 +10739,7 @@
           <a:p>
             <a:fld id="{F736EC4A-E5B7-42C2-9943-4D2477F0E2BA}" type="datetime1">
               <a:rPr lang="en-US" smtClean="0"/>
-              <a:t>9/26/2021</a:t>
+              <a:t>9/29/2021</a:t>
             </a:fld>
             <a:endParaRPr lang="en-US" dirty="0"/>
           </a:p>
@@ -5436,46 +10796,16 @@
           <a:p>
             <a:fld id="{C629165E-D59B-453D-B763-34340D7036F6}" type="slidenum">
               <a:rPr lang="en-US" smtClean="0"/>
-              <a:t>13</a:t>
+              <a:t>29</a:t>
             </a:fld>
             <a:endParaRPr lang="en-US" dirty="0"/>
           </a:p>
         </p:txBody>
       </p:sp>
-      <p:pic>
-        <p:nvPicPr>
-          <p:cNvPr id="8" name="תמונה 7">
-            <a:extLst>
-              <a:ext uri="{FF2B5EF4-FFF2-40B4-BE49-F238E27FC236}">
-                <a16:creationId xmlns:a16="http://schemas.microsoft.com/office/drawing/2014/main" id="{CBD05260-F342-4BC4-9A32-BF30546BBBB4}"/>
-              </a:ext>
-            </a:extLst>
-          </p:cNvPr>
-          <p:cNvPicPr>
-            <a:picLocks noChangeAspect="1"/>
-          </p:cNvPicPr>
-          <p:nvPr/>
-        </p:nvPicPr>
-        <p:blipFill>
-          <a:blip r:embed="rId3"/>
-          <a:stretch>
-            <a:fillRect/>
-          </a:stretch>
-        </p:blipFill>
-        <p:spPr>
-          <a:xfrm>
-            <a:off x="3041480" y="2459835"/>
-            <a:ext cx="5227223" cy="3404206"/>
-          </a:xfrm>
-          <a:prstGeom prst="rect">
-            <a:avLst/>
-          </a:prstGeom>
-        </p:spPr>
-      </p:pic>
     </p:spTree>
     <p:extLst>
       <p:ext uri="{BB962C8B-B14F-4D97-AF65-F5344CB8AC3E}">
-        <p14:creationId xmlns:p14="http://schemas.microsoft.com/office/powerpoint/2010/main" val="210292874"/>
+        <p14:creationId xmlns:p14="http://schemas.microsoft.com/office/powerpoint/2010/main" val="3328641539"/>
       </p:ext>
     </p:extLst>
   </p:cSld>
@@ -5485,7 +10815,7 @@
 </p:sld>
 </file>
 
-<file path=ppt/slides/slide14.xml><?xml version="1.0" encoding="utf-8"?>
+<file path=ppt/slides/slide3.xml><?xml version="1.0" encoding="utf-8"?>
 <p:sld xmlns:a="http://schemas.openxmlformats.org/drawingml/2006/main" xmlns:r="http://schemas.openxmlformats.org/officeDocument/2006/relationships" xmlns:p="http://schemas.openxmlformats.org/presentationml/2006/main">
   <p:cSld>
     <p:spTree>
@@ -5507,7 +10837,7 @@
           <p:cNvPr id="2" name="Title 1">
             <a:extLst>
               <a:ext uri="{FF2B5EF4-FFF2-40B4-BE49-F238E27FC236}">
-                <a16:creationId xmlns:a16="http://schemas.microsoft.com/office/drawing/2014/main" id="{143B5247-4B5C-44D2-AE13-25DD403557B4}"/>
+                <a16:creationId xmlns:a16="http://schemas.microsoft.com/office/drawing/2014/main" id="{AB41612C-CDF9-4105-A76A-E0AC444F5641}"/>
               </a:ext>
             </a:extLst>
           </p:cNvPr>
@@ -5520,14 +10850,12 @@
         </p:nvSpPr>
         <p:spPr/>
         <p:txBody>
-          <a:bodyPr>
-            <a:normAutofit/>
-          </a:bodyPr>
-          <a:lstStyle/>
-          <a:p>
-            <a:r>
-              <a:rPr lang="en-US" dirty="0"/>
-              <a:t>Tests and Simulations - HOUGH</a:t>
+          <a:bodyPr/>
+          <a:lstStyle/>
+          <a:p>
+            <a:r>
+              <a:rPr lang="en-US" dirty="0"/>
+              <a:t>Background and Motivation – LFM Signals</a:t>
             </a:r>
           </a:p>
         </p:txBody>
@@ -5537,7 +10865,7 @@
           <p:cNvPr id="3" name="Content Placeholder 2">
             <a:extLst>
               <a:ext uri="{FF2B5EF4-FFF2-40B4-BE49-F238E27FC236}">
-                <a16:creationId xmlns:a16="http://schemas.microsoft.com/office/drawing/2014/main" id="{8BB29A69-51F4-4CEE-B950-D3A7C19E951E}"/>
+                <a16:creationId xmlns:a16="http://schemas.microsoft.com/office/drawing/2014/main" id="{A470BF20-1EA3-41E8-9E42-65E12E31A1AA}"/>
               </a:ext>
             </a:extLst>
           </p:cNvPr>
@@ -5550,54 +10878,17 @@
         </p:nvSpPr>
         <p:spPr/>
         <p:txBody>
-          <a:bodyPr>
-            <a:normAutofit/>
-          </a:bodyPr>
-          <a:lstStyle/>
-          <a:p>
-            <a:r>
-              <a:rPr lang="en-US" dirty="0"/>
-              <a:t>Create 100 Trials:</a:t>
-            </a:r>
-          </a:p>
-          <a:p>
-            <a:pPr lvl="1"/>
-            <a:r>
-              <a:rPr lang="en-US" dirty="0"/>
-              <a:t>2 different chirp signals</a:t>
-            </a:r>
-          </a:p>
-          <a:p>
-            <a:pPr lvl="1"/>
-            <a:r>
-              <a:rPr lang="en-US" dirty="0"/>
-              <a:t>15 different noise variation</a:t>
-            </a:r>
-          </a:p>
-          <a:p>
-            <a:r>
-              <a:rPr lang="en-US" dirty="0"/>
-              <a:t>Use STFT</a:t>
-            </a:r>
-          </a:p>
-          <a:p>
-            <a:r>
-              <a:rPr lang="en-US" dirty="0"/>
-              <a:t>Extract 2 time frequency curves using Hough transform</a:t>
-            </a:r>
-          </a:p>
-          <a:p>
-            <a:r>
-              <a:rPr lang="en-US" dirty="0"/>
-              <a:t>Evaluate CRE of each curve –Left &amp; Right</a:t>
-            </a:r>
-          </a:p>
-          <a:p>
-            <a:endParaRPr lang="en-US" dirty="0"/>
-          </a:p>
-          <a:p>
-            <a:pPr lvl="1"/>
-            <a:endParaRPr lang="en-US" dirty="0"/>
+          <a:bodyPr/>
+          <a:lstStyle/>
+          <a:p>
+            <a:r>
+              <a:rPr lang="en-US" b="1" dirty="0"/>
+              <a:t>Linear Frequency Modulated </a:t>
+            </a:r>
+            <a:r>
+              <a:rPr lang="en-US" dirty="0"/>
+              <a:t>signals, or LFM signals, are a type of chirp signal in which the frequency of the signal either increases or decreases in a linear manner over a certain time interval</a:t>
+            </a:r>
           </a:p>
         </p:txBody>
       </p:sp>
@@ -5606,7 +10897,7 @@
           <p:cNvPr id="4" name="Date Placeholder 3">
             <a:extLst>
               <a:ext uri="{FF2B5EF4-FFF2-40B4-BE49-F238E27FC236}">
-                <a16:creationId xmlns:a16="http://schemas.microsoft.com/office/drawing/2014/main" id="{59913B85-3B4F-43D3-A7E9-D06F5E37C6C1}"/>
+                <a16:creationId xmlns:a16="http://schemas.microsoft.com/office/drawing/2014/main" id="{49F36727-99BC-4C5B-AAE3-B13AA9C619DD}"/>
               </a:ext>
             </a:extLst>
           </p:cNvPr>
@@ -5624,7 +10915,7 @@
           <a:p>
             <a:fld id="{F736EC4A-E5B7-42C2-9943-4D2477F0E2BA}" type="datetime1">
               <a:rPr lang="en-US" smtClean="0"/>
-              <a:t>9/26/2021</a:t>
+              <a:t>9/29/2021</a:t>
             </a:fld>
             <a:endParaRPr lang="en-US" dirty="0"/>
           </a:p>
@@ -5635,7 +10926,7 @@
           <p:cNvPr id="5" name="Footer Placeholder 4">
             <a:extLst>
               <a:ext uri="{FF2B5EF4-FFF2-40B4-BE49-F238E27FC236}">
-                <a16:creationId xmlns:a16="http://schemas.microsoft.com/office/drawing/2014/main" id="{C5649577-8229-4DC9-AE82-59C3A5BA0515}"/>
+                <a16:creationId xmlns:a16="http://schemas.microsoft.com/office/drawing/2014/main" id="{33CF2F71-992C-4D6D-94ED-BA14A60B0C74}"/>
               </a:ext>
             </a:extLst>
           </p:cNvPr>
@@ -5663,7 +10954,7 @@
           <p:cNvPr id="6" name="Slide Number Placeholder 5">
             <a:extLst>
               <a:ext uri="{FF2B5EF4-FFF2-40B4-BE49-F238E27FC236}">
-                <a16:creationId xmlns:a16="http://schemas.microsoft.com/office/drawing/2014/main" id="{1B57282B-C25D-48B2-A667-C1D467EB1137}"/>
+                <a16:creationId xmlns:a16="http://schemas.microsoft.com/office/drawing/2014/main" id="{1E169B89-C40B-43EE-B5FA-F08E04F40685}"/>
               </a:ext>
             </a:extLst>
           </p:cNvPr>
@@ -5681,16 +10972,52 @@
           <a:p>
             <a:fld id="{C629165E-D59B-453D-B763-34340D7036F6}" type="slidenum">
               <a:rPr lang="en-US" smtClean="0"/>
-              <a:t>14</a:t>
+              <a:t>3</a:t>
             </a:fld>
             <a:endParaRPr lang="en-US" dirty="0"/>
           </a:p>
         </p:txBody>
       </p:sp>
+      <p:pic>
+        <p:nvPicPr>
+          <p:cNvPr id="8" name="Picture 7" descr="Chart&#10;&#10;Description automatically generated">
+            <a:extLst>
+              <a:ext uri="{FF2B5EF4-FFF2-40B4-BE49-F238E27FC236}">
+                <a16:creationId xmlns:a16="http://schemas.microsoft.com/office/drawing/2014/main" id="{6FAD184A-25BE-41A0-AA27-3CC77F42009A}"/>
+              </a:ext>
+            </a:extLst>
+          </p:cNvPr>
+          <p:cNvPicPr>
+            <a:picLocks noChangeAspect="1"/>
+          </p:cNvPicPr>
+          <p:nvPr/>
+        </p:nvPicPr>
+        <p:blipFill>
+          <a:blip r:embed="rId2">
+            <a:extLst>
+              <a:ext uri="{28A0092B-C50C-407E-A947-70E740481C1C}">
+                <a14:useLocalDpi xmlns:a14="http://schemas.microsoft.com/office/drawing/2010/main" val="0"/>
+              </a:ext>
+            </a:extLst>
+          </a:blip>
+          <a:stretch>
+            <a:fillRect/>
+          </a:stretch>
+        </p:blipFill>
+        <p:spPr>
+          <a:xfrm>
+            <a:off x="2958245" y="3129032"/>
+            <a:ext cx="6275510" cy="2790756"/>
+          </a:xfrm>
+          <a:prstGeom prst="rect">
+            <a:avLst/>
+          </a:prstGeom>
+        </p:spPr>
+      </p:pic>
     </p:spTree>
     <p:extLst>
       <p:ext uri="{BB962C8B-B14F-4D97-AF65-F5344CB8AC3E}">
-        <p14:creationId xmlns:p14="http://schemas.microsoft.com/office/powerpoint/2010/main" val="3328641539"/>
+        <p14:creationId xmlns:p14="http://schemas.microsoft.com/office/powerpoint/2010/main" val="2083823028"/>
       </p:ext>
     </p:extLst>
   </p:cSld>
@@ -5700,7 +11027,7 @@
 </p:sld>
 </file>
 
-<file path=ppt/slides/slide15.xml><?xml version="1.0" encoding="utf-8"?>
+<file path=ppt/slides/slide30.xml><?xml version="1.0" encoding="utf-8"?>
 <p:sld xmlns:a="http://schemas.openxmlformats.org/drawingml/2006/main" xmlns:r="http://schemas.openxmlformats.org/officeDocument/2006/relationships" xmlns:p="http://schemas.openxmlformats.org/presentationml/2006/main">
   <p:cSld>
     <p:spTree>
@@ -5742,7 +11069,7 @@
           <a:p>
             <a:r>
               <a:rPr lang="en-US" dirty="0"/>
-              <a:t>Tests and Simulations - HOUGH</a:t>
+              <a:t>Tests and Simulations - Hough</a:t>
             </a:r>
           </a:p>
         </p:txBody>
@@ -5803,7 +11130,7 @@
           <a:p>
             <a:fld id="{F736EC4A-E5B7-42C2-9943-4D2477F0E2BA}" type="datetime1">
               <a:rPr lang="en-US" smtClean="0"/>
-              <a:t>9/26/2021</a:t>
+              <a:t>9/29/2021</a:t>
             </a:fld>
             <a:endParaRPr lang="en-US" dirty="0"/>
           </a:p>
@@ -5860,7 +11187,7 @@
           <a:p>
             <a:fld id="{C629165E-D59B-453D-B763-34340D7036F6}" type="slidenum">
               <a:rPr lang="en-US" smtClean="0"/>
-              <a:t>15</a:t>
+              <a:t>30</a:t>
             </a:fld>
             <a:endParaRPr lang="en-US" dirty="0"/>
           </a:p>
@@ -5909,7 +11236,7 @@
 </p:sld>
 </file>
 
-<file path=ppt/slides/slide16.xml><?xml version="1.0" encoding="utf-8"?>
+<file path=ppt/slides/slide31.xml><?xml version="1.0" encoding="utf-8"?>
 <p:sld xmlns:a="http://schemas.openxmlformats.org/drawingml/2006/main" xmlns:r="http://schemas.openxmlformats.org/officeDocument/2006/relationships" xmlns:p="http://schemas.openxmlformats.org/presentationml/2006/main">
   <p:cSld>
     <p:spTree>
@@ -5993,15 +11320,7 @@
           <a:p>
             <a:r>
               <a:rPr lang="en-US" dirty="0"/>
-              <a:t>Hough Transform is good as RANSAC in </a:t>
-            </a:r>
-            <a:r>
-              <a:rPr lang="en-US"/>
-              <a:t>estimating linear chirp </a:t>
-            </a:r>
-            <a:r>
-              <a:rPr lang="en-US" dirty="0"/>
-              <a:t>signals</a:t>
+              <a:t>Hough Transform is good as RANSAC in estimating linear chirp signals</a:t>
             </a:r>
           </a:p>
           <a:p>
@@ -6035,7 +11354,7 @@
           <a:p>
             <a:fld id="{F736EC4A-E5B7-42C2-9943-4D2477F0E2BA}" type="datetime1">
               <a:rPr lang="en-US" smtClean="0"/>
-              <a:t>9/26/2021</a:t>
+              <a:t>9/29/2021</a:t>
             </a:fld>
             <a:endParaRPr lang="en-US" dirty="0"/>
           </a:p>
@@ -6092,7 +11411,7 @@
           <a:p>
             <a:fld id="{C629165E-D59B-453D-B763-34340D7036F6}" type="slidenum">
               <a:rPr lang="en-US" smtClean="0"/>
-              <a:t>16</a:t>
+              <a:t>31</a:t>
             </a:fld>
             <a:endParaRPr lang="en-US" dirty="0"/>
           </a:p>
@@ -6102,435 +11421,6 @@
     <p:extLst>
       <p:ext uri="{BB962C8B-B14F-4D97-AF65-F5344CB8AC3E}">
         <p14:creationId xmlns:p14="http://schemas.microsoft.com/office/powerpoint/2010/main" val="2703478556"/>
-      </p:ext>
-    </p:extLst>
-  </p:cSld>
-  <p:clrMapOvr>
-    <a:masterClrMapping/>
-  </p:clrMapOvr>
-</p:sld>
-</file>
-
-<file path=ppt/slides/slide2.xml><?xml version="1.0" encoding="utf-8"?>
-<p:sld xmlns:a="http://schemas.openxmlformats.org/drawingml/2006/main" xmlns:r="http://schemas.openxmlformats.org/officeDocument/2006/relationships" xmlns:p="http://schemas.openxmlformats.org/presentationml/2006/main">
-  <p:cSld>
-    <p:spTree>
-      <p:nvGrpSpPr>
-        <p:cNvPr id="1" name=""/>
-        <p:cNvGrpSpPr/>
-        <p:nvPr/>
-      </p:nvGrpSpPr>
-      <p:grpSpPr>
-        <a:xfrm>
-          <a:off x="0" y="0"/>
-          <a:ext cx="0" cy="0"/>
-          <a:chOff x="0" y="0"/>
-          <a:chExt cx="0" cy="0"/>
-        </a:xfrm>
-      </p:grpSpPr>
-      <p:sp>
-        <p:nvSpPr>
-          <p:cNvPr id="2" name="Title 1">
-            <a:extLst>
-              <a:ext uri="{FF2B5EF4-FFF2-40B4-BE49-F238E27FC236}">
-                <a16:creationId xmlns:a16="http://schemas.microsoft.com/office/drawing/2014/main" id="{7DFBC9A2-5621-48FA-9A63-7879D6FE0046}"/>
-              </a:ext>
-            </a:extLst>
-          </p:cNvPr>
-          <p:cNvSpPr>
-            <a:spLocks noGrp="1"/>
-          </p:cNvSpPr>
-          <p:nvPr>
-            <p:ph type="title"/>
-          </p:nvPr>
-        </p:nvSpPr>
-        <p:spPr/>
-        <p:txBody>
-          <a:bodyPr/>
-          <a:lstStyle/>
-          <a:p>
-            <a:r>
-              <a:rPr lang="en-US" dirty="0"/>
-              <a:t>Agenda</a:t>
-            </a:r>
-          </a:p>
-        </p:txBody>
-      </p:sp>
-      <p:sp>
-        <p:nvSpPr>
-          <p:cNvPr id="3" name="Content Placeholder 2">
-            <a:extLst>
-              <a:ext uri="{FF2B5EF4-FFF2-40B4-BE49-F238E27FC236}">
-                <a16:creationId xmlns:a16="http://schemas.microsoft.com/office/drawing/2014/main" id="{D65C55C0-2DD2-4D52-B807-A1D79A8BD4F0}"/>
-              </a:ext>
-            </a:extLst>
-          </p:cNvPr>
-          <p:cNvSpPr>
-            <a:spLocks noGrp="1"/>
-          </p:cNvSpPr>
-          <p:nvPr>
-            <p:ph idx="1"/>
-          </p:nvPr>
-        </p:nvSpPr>
-        <p:spPr/>
-        <p:txBody>
-          <a:bodyPr/>
-          <a:lstStyle/>
-          <a:p>
-            <a:pPr marL="514350" indent="-514350">
-              <a:buAutoNum type="arabicParenR"/>
-            </a:pPr>
-            <a:r>
-              <a:rPr lang="en-US" dirty="0"/>
-              <a:t>Background and Motivation</a:t>
-            </a:r>
-          </a:p>
-          <a:p>
-            <a:pPr marL="514350" indent="-514350">
-              <a:buAutoNum type="arabicParenR"/>
-            </a:pPr>
-            <a:r>
-              <a:rPr lang="en-US" dirty="0"/>
-              <a:t>Overview of Fan &amp; Li’s method</a:t>
-            </a:r>
-          </a:p>
-          <a:p>
-            <a:pPr marL="514350" indent="-514350">
-              <a:buAutoNum type="arabicParenR"/>
-            </a:pPr>
-            <a:r>
-              <a:rPr lang="en-US" dirty="0"/>
-              <a:t>Our innovation – Using the Hough transform</a:t>
-            </a:r>
-          </a:p>
-          <a:p>
-            <a:pPr marL="514350" indent="-514350">
-              <a:buAutoNum type="arabicParenR"/>
-            </a:pPr>
-            <a:r>
-              <a:rPr lang="en-US" dirty="0"/>
-              <a:t>Tests and Simulations</a:t>
-            </a:r>
-          </a:p>
-          <a:p>
-            <a:pPr marL="514350" indent="-514350">
-              <a:buAutoNum type="arabicParenR"/>
-            </a:pPr>
-            <a:r>
-              <a:rPr lang="en-US" dirty="0"/>
-              <a:t>Conclusions</a:t>
-            </a:r>
-          </a:p>
-          <a:p>
-            <a:pPr marL="0" indent="0">
-              <a:buNone/>
-            </a:pPr>
-            <a:endParaRPr lang="en-US" dirty="0"/>
-          </a:p>
-        </p:txBody>
-      </p:sp>
-      <p:sp>
-        <p:nvSpPr>
-          <p:cNvPr id="4" name="Date Placeholder 3">
-            <a:extLst>
-              <a:ext uri="{FF2B5EF4-FFF2-40B4-BE49-F238E27FC236}">
-                <a16:creationId xmlns:a16="http://schemas.microsoft.com/office/drawing/2014/main" id="{24354492-100E-438C-B4FB-35FD6B147B0F}"/>
-              </a:ext>
-            </a:extLst>
-          </p:cNvPr>
-          <p:cNvSpPr>
-            <a:spLocks noGrp="1"/>
-          </p:cNvSpPr>
-          <p:nvPr>
-            <p:ph type="dt" sz="half" idx="10"/>
-          </p:nvPr>
-        </p:nvSpPr>
-        <p:spPr/>
-        <p:txBody>
-          <a:bodyPr/>
-          <a:lstStyle/>
-          <a:p>
-            <a:fld id="{6590B5CF-03C4-4DB5-B1EC-5C9E3BE40147}" type="datetime1">
-              <a:rPr lang="en-US" smtClean="0"/>
-              <a:t>9/26/2021</a:t>
-            </a:fld>
-            <a:endParaRPr lang="en-US" dirty="0"/>
-          </a:p>
-        </p:txBody>
-      </p:sp>
-      <p:sp>
-        <p:nvSpPr>
-          <p:cNvPr id="5" name="Footer Placeholder 4">
-            <a:extLst>
-              <a:ext uri="{FF2B5EF4-FFF2-40B4-BE49-F238E27FC236}">
-                <a16:creationId xmlns:a16="http://schemas.microsoft.com/office/drawing/2014/main" id="{6E0DA0B5-0209-40BD-8740-854FB3C0D7C6}"/>
-              </a:ext>
-            </a:extLst>
-          </p:cNvPr>
-          <p:cNvSpPr>
-            <a:spLocks noGrp="1"/>
-          </p:cNvSpPr>
-          <p:nvPr>
-            <p:ph type="ftr" sz="quarter" idx="11"/>
-          </p:nvPr>
-        </p:nvSpPr>
-        <p:spPr/>
-        <p:txBody>
-          <a:bodyPr/>
-          <a:lstStyle/>
-          <a:p>
-            <a:r>
-              <a:rPr lang="en-US" dirty="0"/>
-              <a:t>Yarden Akaby &amp; Etai Sella</a:t>
-            </a:r>
-          </a:p>
-        </p:txBody>
-      </p:sp>
-      <p:sp>
-        <p:nvSpPr>
-          <p:cNvPr id="6" name="Slide Number Placeholder 5">
-            <a:extLst>
-              <a:ext uri="{FF2B5EF4-FFF2-40B4-BE49-F238E27FC236}">
-                <a16:creationId xmlns:a16="http://schemas.microsoft.com/office/drawing/2014/main" id="{CD7DAAAE-7B13-4A7C-9FE3-98F5B3CEFB6F}"/>
-              </a:ext>
-            </a:extLst>
-          </p:cNvPr>
-          <p:cNvSpPr>
-            <a:spLocks noGrp="1"/>
-          </p:cNvSpPr>
-          <p:nvPr>
-            <p:ph type="sldNum" sz="quarter" idx="12"/>
-          </p:nvPr>
-        </p:nvSpPr>
-        <p:spPr/>
-        <p:txBody>
-          <a:bodyPr/>
-          <a:lstStyle/>
-          <a:p>
-            <a:fld id="{C629165E-D59B-453D-B763-34340D7036F6}" type="slidenum">
-              <a:rPr lang="en-US" smtClean="0"/>
-              <a:t>2</a:t>
-            </a:fld>
-            <a:endParaRPr lang="en-US" dirty="0"/>
-          </a:p>
-        </p:txBody>
-      </p:sp>
-    </p:spTree>
-    <p:extLst>
-      <p:ext uri="{BB962C8B-B14F-4D97-AF65-F5344CB8AC3E}">
-        <p14:creationId xmlns:p14="http://schemas.microsoft.com/office/powerpoint/2010/main" val="63642957"/>
-      </p:ext>
-    </p:extLst>
-  </p:cSld>
-  <p:clrMapOvr>
-    <a:masterClrMapping/>
-  </p:clrMapOvr>
-</p:sld>
-</file>
-
-<file path=ppt/slides/slide3.xml><?xml version="1.0" encoding="utf-8"?>
-<p:sld xmlns:a="http://schemas.openxmlformats.org/drawingml/2006/main" xmlns:r="http://schemas.openxmlformats.org/officeDocument/2006/relationships" xmlns:p="http://schemas.openxmlformats.org/presentationml/2006/main">
-  <p:cSld>
-    <p:spTree>
-      <p:nvGrpSpPr>
-        <p:cNvPr id="1" name=""/>
-        <p:cNvGrpSpPr/>
-        <p:nvPr/>
-      </p:nvGrpSpPr>
-      <p:grpSpPr>
-        <a:xfrm>
-          <a:off x="0" y="0"/>
-          <a:ext cx="0" cy="0"/>
-          <a:chOff x="0" y="0"/>
-          <a:chExt cx="0" cy="0"/>
-        </a:xfrm>
-      </p:grpSpPr>
-      <p:sp>
-        <p:nvSpPr>
-          <p:cNvPr id="2" name="Title 1">
-            <a:extLst>
-              <a:ext uri="{FF2B5EF4-FFF2-40B4-BE49-F238E27FC236}">
-                <a16:creationId xmlns:a16="http://schemas.microsoft.com/office/drawing/2014/main" id="{AB41612C-CDF9-4105-A76A-E0AC444F5641}"/>
-              </a:ext>
-            </a:extLst>
-          </p:cNvPr>
-          <p:cNvSpPr>
-            <a:spLocks noGrp="1"/>
-          </p:cNvSpPr>
-          <p:nvPr>
-            <p:ph type="title"/>
-          </p:nvPr>
-        </p:nvSpPr>
-        <p:spPr/>
-        <p:txBody>
-          <a:bodyPr/>
-          <a:lstStyle/>
-          <a:p>
-            <a:r>
-              <a:rPr lang="en-US" dirty="0"/>
-              <a:t>Background and Motivation – LFM Signals</a:t>
-            </a:r>
-          </a:p>
-        </p:txBody>
-      </p:sp>
-      <p:sp>
-        <p:nvSpPr>
-          <p:cNvPr id="3" name="Content Placeholder 2">
-            <a:extLst>
-              <a:ext uri="{FF2B5EF4-FFF2-40B4-BE49-F238E27FC236}">
-                <a16:creationId xmlns:a16="http://schemas.microsoft.com/office/drawing/2014/main" id="{A470BF20-1EA3-41E8-9E42-65E12E31A1AA}"/>
-              </a:ext>
-            </a:extLst>
-          </p:cNvPr>
-          <p:cNvSpPr>
-            <a:spLocks noGrp="1"/>
-          </p:cNvSpPr>
-          <p:nvPr>
-            <p:ph idx="1"/>
-          </p:nvPr>
-        </p:nvSpPr>
-        <p:spPr/>
-        <p:txBody>
-          <a:bodyPr/>
-          <a:lstStyle/>
-          <a:p>
-            <a:r>
-              <a:rPr lang="en-US" b="1" dirty="0"/>
-              <a:t>Linear Frequency Modulated </a:t>
-            </a:r>
-            <a:r>
-              <a:rPr lang="en-US" dirty="0"/>
-              <a:t>signals, or LFM signals, are a type of chirp signal in which the frequency of the signal either increases or decreases in a linear manner over a certain time interval</a:t>
-            </a:r>
-          </a:p>
-        </p:txBody>
-      </p:sp>
-      <p:sp>
-        <p:nvSpPr>
-          <p:cNvPr id="4" name="Date Placeholder 3">
-            <a:extLst>
-              <a:ext uri="{FF2B5EF4-FFF2-40B4-BE49-F238E27FC236}">
-                <a16:creationId xmlns:a16="http://schemas.microsoft.com/office/drawing/2014/main" id="{49F36727-99BC-4C5B-AAE3-B13AA9C619DD}"/>
-              </a:ext>
-            </a:extLst>
-          </p:cNvPr>
-          <p:cNvSpPr>
-            <a:spLocks noGrp="1"/>
-          </p:cNvSpPr>
-          <p:nvPr>
-            <p:ph type="dt" sz="half" idx="10"/>
-          </p:nvPr>
-        </p:nvSpPr>
-        <p:spPr/>
-        <p:txBody>
-          <a:bodyPr/>
-          <a:lstStyle/>
-          <a:p>
-            <a:fld id="{F736EC4A-E5B7-42C2-9943-4D2477F0E2BA}" type="datetime1">
-              <a:rPr lang="en-US" smtClean="0"/>
-              <a:t>9/26/2021</a:t>
-            </a:fld>
-            <a:endParaRPr lang="en-US" dirty="0"/>
-          </a:p>
-        </p:txBody>
-      </p:sp>
-      <p:sp>
-        <p:nvSpPr>
-          <p:cNvPr id="5" name="Footer Placeholder 4">
-            <a:extLst>
-              <a:ext uri="{FF2B5EF4-FFF2-40B4-BE49-F238E27FC236}">
-                <a16:creationId xmlns:a16="http://schemas.microsoft.com/office/drawing/2014/main" id="{33CF2F71-992C-4D6D-94ED-BA14A60B0C74}"/>
-              </a:ext>
-            </a:extLst>
-          </p:cNvPr>
-          <p:cNvSpPr>
-            <a:spLocks noGrp="1"/>
-          </p:cNvSpPr>
-          <p:nvPr>
-            <p:ph type="ftr" sz="quarter" idx="11"/>
-          </p:nvPr>
-        </p:nvSpPr>
-        <p:spPr/>
-        <p:txBody>
-          <a:bodyPr/>
-          <a:lstStyle/>
-          <a:p>
-            <a:r>
-              <a:rPr lang="en-US" dirty="0"/>
-              <a:t>Yarden Akaby &amp; Etai Sella</a:t>
-            </a:r>
-          </a:p>
-        </p:txBody>
-      </p:sp>
-      <p:sp>
-        <p:nvSpPr>
-          <p:cNvPr id="6" name="Slide Number Placeholder 5">
-            <a:extLst>
-              <a:ext uri="{FF2B5EF4-FFF2-40B4-BE49-F238E27FC236}">
-                <a16:creationId xmlns:a16="http://schemas.microsoft.com/office/drawing/2014/main" id="{1E169B89-C40B-43EE-B5FA-F08E04F40685}"/>
-              </a:ext>
-            </a:extLst>
-          </p:cNvPr>
-          <p:cNvSpPr>
-            <a:spLocks noGrp="1"/>
-          </p:cNvSpPr>
-          <p:nvPr>
-            <p:ph type="sldNum" sz="quarter" idx="12"/>
-          </p:nvPr>
-        </p:nvSpPr>
-        <p:spPr/>
-        <p:txBody>
-          <a:bodyPr/>
-          <a:lstStyle/>
-          <a:p>
-            <a:fld id="{C629165E-D59B-453D-B763-34340D7036F6}" type="slidenum">
-              <a:rPr lang="en-US" smtClean="0"/>
-              <a:t>3</a:t>
-            </a:fld>
-            <a:endParaRPr lang="en-US" dirty="0"/>
-          </a:p>
-        </p:txBody>
-      </p:sp>
-      <p:pic>
-        <p:nvPicPr>
-          <p:cNvPr id="8" name="Picture 7" descr="Chart&#10;&#10;Description automatically generated">
-            <a:extLst>
-              <a:ext uri="{FF2B5EF4-FFF2-40B4-BE49-F238E27FC236}">
-                <a16:creationId xmlns:a16="http://schemas.microsoft.com/office/drawing/2014/main" id="{6FAD184A-25BE-41A0-AA27-3CC77F42009A}"/>
-              </a:ext>
-            </a:extLst>
-          </p:cNvPr>
-          <p:cNvPicPr>
-            <a:picLocks noChangeAspect="1"/>
-          </p:cNvPicPr>
-          <p:nvPr/>
-        </p:nvPicPr>
-        <p:blipFill>
-          <a:blip r:embed="rId2">
-            <a:extLst>
-              <a:ext uri="{28A0092B-C50C-407E-A947-70E740481C1C}">
-                <a14:useLocalDpi xmlns:a14="http://schemas.microsoft.com/office/drawing/2010/main" val="0"/>
-              </a:ext>
-            </a:extLst>
-          </a:blip>
-          <a:stretch>
-            <a:fillRect/>
-          </a:stretch>
-        </p:blipFill>
-        <p:spPr>
-          <a:xfrm>
-            <a:off x="2958245" y="3129032"/>
-            <a:ext cx="6275510" cy="2790756"/>
-          </a:xfrm>
-          <a:prstGeom prst="rect">
-            <a:avLst/>
-          </a:prstGeom>
-        </p:spPr>
-      </p:pic>
-    </p:spTree>
-    <p:extLst>
-      <p:ext uri="{BB962C8B-B14F-4D97-AF65-F5344CB8AC3E}">
-        <p14:creationId xmlns:p14="http://schemas.microsoft.com/office/powerpoint/2010/main" val="2083823028"/>
       </p:ext>
     </p:extLst>
   </p:cSld>
@@ -6655,7 +11545,7 @@
             </a:pPr>
             <a:r>
               <a:rPr lang="en-US" dirty="0"/>
-              <a:t>	The classic example of the usage of LFM signals in radar signal 	reconnaissance is transmitting an LFM signal towards a moving object and 	deriving the object's range and radial velocity from the received signal:</a:t>
+              <a:t>	The classic example of the usage of LFM signals in radar signal 	reconnaissance is transmitting an LFM signal towards a moving object and 	deriving the object's range and radial velocity from the received signal</a:t>
             </a:r>
             <a:r>
               <a:rPr lang="en-US" u="sng" dirty="0"/>
@@ -6693,7 +11583,7 @@
           <a:p>
             <a:fld id="{F736EC4A-E5B7-42C2-9943-4D2477F0E2BA}" type="datetime1">
               <a:rPr lang="en-US" smtClean="0"/>
-              <a:t>9/26/2021</a:t>
+              <a:t>9/29/2021</a:t>
             </a:fld>
             <a:endParaRPr lang="en-US" dirty="0"/>
           </a:p>
@@ -6869,7 +11759,7 @@
           <a:p>
             <a:fld id="{F736EC4A-E5B7-42C2-9943-4D2477F0E2BA}" type="datetime1">
               <a:rPr lang="en-US" smtClean="0"/>
-              <a:t>9/26/2021</a:t>
+              <a:t>9/29/2021</a:t>
             </a:fld>
             <a:endParaRPr lang="en-US" dirty="0"/>
           </a:p>
@@ -7338,7 +12228,7 @@
           <a:p>
             <a:fld id="{F736EC4A-E5B7-42C2-9943-4D2477F0E2BA}" type="datetime1">
               <a:rPr lang="en-US" smtClean="0"/>
-              <a:t>9/26/2021</a:t>
+              <a:t>9/29/2021</a:t>
             </a:fld>
             <a:endParaRPr lang="en-US" dirty="0"/>
           </a:p>
@@ -7482,10 +12372,51 @@
           </a:bodyPr>
           <a:lstStyle/>
           <a:p>
-            <a:r>
-              <a:rPr lang="en-US" dirty="0"/>
-              <a:t>…</a:t>
-            </a:r>
+            <a:pPr marL="514350" indent="-514350">
+              <a:buAutoNum type="arabicParenR"/>
+            </a:pPr>
+            <a:r>
+              <a:rPr lang="en-US" dirty="0"/>
+              <a:t>STFT</a:t>
+            </a:r>
+          </a:p>
+          <a:p>
+            <a:pPr marL="514350" indent="-514350">
+              <a:buAutoNum type="arabicParenR"/>
+            </a:pPr>
+            <a:r>
+              <a:rPr lang="en-US" dirty="0"/>
+              <a:t>Extracting </a:t>
+            </a:r>
+            <a:r>
+              <a:rPr lang="en-US" dirty="0" err="1"/>
+              <a:t>Maximas</a:t>
+            </a:r>
+            <a:r>
+              <a:rPr lang="en-US" dirty="0"/>
+              <a:t> &amp; Median Filtering</a:t>
+            </a:r>
+          </a:p>
+          <a:p>
+            <a:pPr marL="514350" indent="-514350">
+              <a:buAutoNum type="arabicParenR"/>
+            </a:pPr>
+            <a:r>
+              <a:rPr lang="en-US" dirty="0"/>
+              <a:t>RANSAC</a:t>
+            </a:r>
+          </a:p>
+          <a:p>
+            <a:pPr marL="0" indent="0">
+              <a:buNone/>
+            </a:pPr>
+            <a:endParaRPr lang="en-US" dirty="0"/>
+          </a:p>
+          <a:p>
+            <a:pPr marL="0" indent="0">
+              <a:buNone/>
+            </a:pPr>
+            <a:endParaRPr lang="en-US" dirty="0"/>
           </a:p>
         </p:txBody>
       </p:sp>
@@ -7512,7 +12443,7 @@
           <a:p>
             <a:fld id="{F736EC4A-E5B7-42C2-9943-4D2477F0E2BA}" type="datetime1">
               <a:rPr lang="en-US" smtClean="0"/>
-              <a:t>9/26/2021</a:t>
+              <a:t>9/29/2021</a:t>
             </a:fld>
             <a:endParaRPr lang="en-US" dirty="0"/>
           </a:p>
@@ -7623,48 +12554,301 @@
         </p:nvSpPr>
         <p:spPr/>
         <p:txBody>
-          <a:bodyPr>
-            <a:normAutofit/>
-          </a:bodyPr>
-          <a:lstStyle/>
-          <a:p>
-            <a:r>
-              <a:rPr lang="en-US" dirty="0"/>
-              <a:t>Our innovation – Using Hough transform</a:t>
-            </a:r>
-          </a:p>
-        </p:txBody>
-      </p:sp>
-      <p:sp>
-        <p:nvSpPr>
-          <p:cNvPr id="3" name="Content Placeholder 2">
-            <a:extLst>
-              <a:ext uri="{FF2B5EF4-FFF2-40B4-BE49-F238E27FC236}">
-                <a16:creationId xmlns:a16="http://schemas.microsoft.com/office/drawing/2014/main" id="{8BB29A69-51F4-4CEE-B950-D3A7C19E951E}"/>
-              </a:ext>
-            </a:extLst>
-          </p:cNvPr>
-          <p:cNvSpPr>
-            <a:spLocks noGrp="1"/>
-          </p:cNvSpPr>
-          <p:nvPr>
-            <p:ph idx="1"/>
-          </p:nvPr>
-        </p:nvSpPr>
-        <p:spPr/>
-        <p:txBody>
-          <a:bodyPr>
-            <a:normAutofit/>
-          </a:bodyPr>
-          <a:lstStyle/>
-          <a:p>
-            <a:r>
-              <a:rPr lang="en-US" dirty="0"/>
-              <a:t>…</a:t>
-            </a:r>
-          </a:p>
-        </p:txBody>
-      </p:sp>
+          <a:bodyPr/>
+          <a:lstStyle/>
+          <a:p>
+            <a:r>
+              <a:rPr lang="en-US" dirty="0"/>
+              <a:t>Overview of Fan &amp; Li’s method</a:t>
+            </a:r>
+          </a:p>
+        </p:txBody>
+      </p:sp>
+      <mc:AlternateContent xmlns:mc="http://schemas.openxmlformats.org/markup-compatibility/2006" xmlns:a14="http://schemas.microsoft.com/office/drawing/2010/main">
+        <mc:Choice Requires="a14">
+          <p:sp>
+            <p:nvSpPr>
+              <p:cNvPr id="3" name="Content Placeholder 2">
+                <a:extLst>
+                  <a:ext uri="{FF2B5EF4-FFF2-40B4-BE49-F238E27FC236}">
+                    <a16:creationId xmlns:a16="http://schemas.microsoft.com/office/drawing/2014/main" id="{8BB29A69-51F4-4CEE-B950-D3A7C19E951E}"/>
+                  </a:ext>
+                </a:extLst>
+              </p:cNvPr>
+              <p:cNvSpPr>
+                <a:spLocks noGrp="1"/>
+              </p:cNvSpPr>
+              <p:nvPr>
+                <p:ph idx="1"/>
+              </p:nvPr>
+            </p:nvSpPr>
+            <p:spPr/>
+            <p:txBody>
+              <a:bodyPr>
+                <a:normAutofit lnSpcReduction="10000"/>
+              </a:bodyPr>
+              <a:lstStyle/>
+              <a:p>
+                <a:pPr marL="0" indent="0">
+                  <a:buNone/>
+                </a:pPr>
+                <a:r>
+                  <a:rPr lang="en-US" b="1" dirty="0"/>
+                  <a:t>STFT of LFM signal:</a:t>
+                </a:r>
+              </a:p>
+              <a:p>
+                <a:r>
+                  <a:rPr lang="en-US" dirty="0"/>
+                  <a:t>Short Time Fourier Transform of a nonstationary signal </a:t>
+                </a:r>
+                <a14:m>
+                  <m:oMath xmlns:m="http://schemas.openxmlformats.org/officeDocument/2006/math">
+                    <m:r>
+                      <a:rPr lang="en-US" b="0" i="1" smtClean="0">
+                        <a:latin typeface="Cambria Math" panose="02040503050406030204" pitchFamily="18" charset="0"/>
+                      </a:rPr>
+                      <m:t>𝑠</m:t>
+                    </m:r>
+                    <m:r>
+                      <a:rPr lang="en-US" b="0" i="1" smtClean="0">
+                        <a:latin typeface="Cambria Math" panose="02040503050406030204" pitchFamily="18" charset="0"/>
+                      </a:rPr>
+                      <m:t>(</m:t>
+                    </m:r>
+                    <m:r>
+                      <a:rPr lang="en-US" b="0" i="1" smtClean="0">
+                        <a:latin typeface="Cambria Math" panose="02040503050406030204" pitchFamily="18" charset="0"/>
+                      </a:rPr>
+                      <m:t>𝑡</m:t>
+                    </m:r>
+                    <m:r>
+                      <a:rPr lang="en-US" b="0" i="1" smtClean="0">
+                        <a:latin typeface="Cambria Math" panose="02040503050406030204" pitchFamily="18" charset="0"/>
+                      </a:rPr>
+                      <m:t>)</m:t>
+                    </m:r>
+                  </m:oMath>
+                </a14:m>
+                <a:r>
+                  <a:rPr lang="en-US" dirty="0"/>
+                  <a:t>:</a:t>
+                </a:r>
+              </a:p>
+              <a:p>
+                <a:pPr marL="0" indent="0">
+                  <a:buNone/>
+                </a:pPr>
+                <a:r>
+                  <a:rPr lang="en-US" dirty="0"/>
+                  <a:t>	</a:t>
+                </a:r>
+              </a:p>
+              <a:p>
+                <a:pPr marL="0" indent="0">
+                  <a:buNone/>
+                </a:pPr>
+                <a:endParaRPr lang="en-US" dirty="0"/>
+              </a:p>
+              <a:p>
+                <a:r>
+                  <a:rPr lang="en-US" dirty="0"/>
+                  <a:t>LFM signal in the frequency domain can be described as:</a:t>
+                </a:r>
+              </a:p>
+              <a:p>
+                <a:pPr marL="0" indent="0">
+                  <a:buNone/>
+                </a:pPr>
+                <a:endParaRPr lang="en-US" dirty="0"/>
+              </a:p>
+              <a:p>
+                <a:pPr marL="0" indent="0">
+                  <a:buNone/>
+                </a:pPr>
+                <a:endParaRPr lang="en-US" dirty="0"/>
+              </a:p>
+              <a:p>
+                <a:r>
+                  <a:rPr lang="en-US" dirty="0"/>
+                  <a:t>Thus, we expect the spectrum </a:t>
+                </a:r>
+                <a14:m>
+                  <m:oMath xmlns:m="http://schemas.openxmlformats.org/officeDocument/2006/math">
+                    <m:sSup>
+                      <m:sSupPr>
+                        <m:ctrlPr>
+                          <a:rPr lang="en-US" b="0" i="1" smtClean="0">
+                            <a:latin typeface="Cambria Math" panose="02040503050406030204" pitchFamily="18" charset="0"/>
+                          </a:rPr>
+                        </m:ctrlPr>
+                      </m:sSupPr>
+                      <m:e>
+                        <m:d>
+                          <m:dPr>
+                            <m:begChr m:val="|"/>
+                            <m:endChr m:val="|"/>
+                            <m:ctrlPr>
+                              <a:rPr lang="en-US" i="1" smtClean="0">
+                                <a:latin typeface="Cambria Math" panose="02040503050406030204" pitchFamily="18" charset="0"/>
+                              </a:rPr>
+                            </m:ctrlPr>
+                          </m:dPr>
+                          <m:e>
+                            <m:r>
+                              <a:rPr lang="en-US" b="0" i="1" smtClean="0">
+                                <a:latin typeface="Cambria Math" panose="02040503050406030204" pitchFamily="18" charset="0"/>
+                              </a:rPr>
+                              <m:t>𝑆𝑇𝐹</m:t>
+                            </m:r>
+                            <m:sSub>
+                              <m:sSubPr>
+                                <m:ctrlPr>
+                                  <a:rPr lang="en-US" b="0" i="1" smtClean="0">
+                                    <a:latin typeface="Cambria Math" panose="02040503050406030204" pitchFamily="18" charset="0"/>
+                                  </a:rPr>
+                                </m:ctrlPr>
+                              </m:sSubPr>
+                              <m:e>
+                                <m:r>
+                                  <a:rPr lang="en-US" b="0" i="1" smtClean="0">
+                                    <a:latin typeface="Cambria Math" panose="02040503050406030204" pitchFamily="18" charset="0"/>
+                                  </a:rPr>
+                                  <m:t>𝑇</m:t>
+                                </m:r>
+                              </m:e>
+                              <m:sub>
+                                <m:r>
+                                  <a:rPr lang="en-US" b="0" i="1" smtClean="0">
+                                    <a:latin typeface="Cambria Math" panose="02040503050406030204" pitchFamily="18" charset="0"/>
+                                  </a:rPr>
+                                  <m:t>𝑠</m:t>
+                                </m:r>
+                              </m:sub>
+                            </m:sSub>
+                            <m:d>
+                              <m:dPr>
+                                <m:ctrlPr>
+                                  <a:rPr lang="en-US" b="0" i="1" smtClean="0">
+                                    <a:latin typeface="Cambria Math" panose="02040503050406030204" pitchFamily="18" charset="0"/>
+                                  </a:rPr>
+                                </m:ctrlPr>
+                              </m:dPr>
+                              <m:e>
+                                <m:r>
+                                  <a:rPr lang="en-US" b="0" i="1" smtClean="0">
+                                    <a:latin typeface="Cambria Math" panose="02040503050406030204" pitchFamily="18" charset="0"/>
+                                  </a:rPr>
+                                  <m:t>𝑡</m:t>
+                                </m:r>
+                                <m:r>
+                                  <a:rPr lang="en-US" b="0" i="1" smtClean="0">
+                                    <a:latin typeface="Cambria Math" panose="02040503050406030204" pitchFamily="18" charset="0"/>
+                                  </a:rPr>
+                                  <m:t>,</m:t>
+                                </m:r>
+                                <m:r>
+                                  <a:rPr lang="en-US" b="0" i="1" smtClean="0">
+                                    <a:latin typeface="Cambria Math" panose="02040503050406030204" pitchFamily="18" charset="0"/>
+                                  </a:rPr>
+                                  <m:t>𝑓</m:t>
+                                </m:r>
+                              </m:e>
+                            </m:d>
+                          </m:e>
+                        </m:d>
+                      </m:e>
+                      <m:sup>
+                        <m:r>
+                          <a:rPr lang="en-US" b="0" i="1" smtClean="0">
+                            <a:latin typeface="Cambria Math" panose="02040503050406030204" pitchFamily="18" charset="0"/>
+                          </a:rPr>
+                          <m:t>2</m:t>
+                        </m:r>
+                      </m:sup>
+                    </m:sSup>
+                  </m:oMath>
+                </a14:m>
+                <a:r>
+                  <a:rPr lang="en-US" dirty="0"/>
+                  <a:t> of </a:t>
+                </a:r>
+                <a14:m>
+                  <m:oMath xmlns:m="http://schemas.openxmlformats.org/officeDocument/2006/math">
+                    <m:r>
+                      <a:rPr lang="en-US" b="0" i="1" smtClean="0">
+                        <a:latin typeface="Cambria Math" panose="02040503050406030204" pitchFamily="18" charset="0"/>
+                      </a:rPr>
+                      <m:t>𝑆</m:t>
+                    </m:r>
+                    <m:r>
+                      <a:rPr lang="en-US" b="0" i="1" smtClean="0">
+                        <a:latin typeface="Cambria Math" panose="02040503050406030204" pitchFamily="18" charset="0"/>
+                      </a:rPr>
+                      <m:t>(</m:t>
+                    </m:r>
+                    <m:r>
+                      <a:rPr lang="en-US" b="0" i="1" smtClean="0">
+                        <a:latin typeface="Cambria Math" panose="02040503050406030204" pitchFamily="18" charset="0"/>
+                      </a:rPr>
+                      <m:t>𝑡</m:t>
+                    </m:r>
+                    <m:r>
+                      <a:rPr lang="en-US" b="0" i="1" smtClean="0">
+                        <a:latin typeface="Cambria Math" panose="02040503050406030204" pitchFamily="18" charset="0"/>
+                      </a:rPr>
+                      <m:t>)</m:t>
+                    </m:r>
+                  </m:oMath>
+                </a14:m>
+                <a:r>
+                  <a:rPr lang="en-US" dirty="0"/>
+                  <a:t> to resemble a straight line:</a:t>
+                </a:r>
+              </a:p>
+            </p:txBody>
+          </p:sp>
+        </mc:Choice>
+        <mc:Fallback xmlns="">
+          <p:sp>
+            <p:nvSpPr>
+              <p:cNvPr id="3" name="Content Placeholder 2">
+                <a:extLst>
+                  <a:ext uri="{FF2B5EF4-FFF2-40B4-BE49-F238E27FC236}">
+                    <a16:creationId xmlns:a16="http://schemas.microsoft.com/office/drawing/2014/main" id="{8BB29A69-51F4-4CEE-B950-D3A7C19E951E}"/>
+                  </a:ext>
+                </a:extLst>
+              </p:cNvPr>
+              <p:cNvSpPr>
+                <a:spLocks noGrp="1" noRot="1" noChangeAspect="1" noMove="1" noResize="1" noEditPoints="1" noAdjustHandles="1" noChangeArrowheads="1" noChangeShapeType="1" noTextEdit="1"/>
+              </p:cNvSpPr>
+              <p:nvPr>
+                <p:ph idx="1"/>
+              </p:nvPr>
+            </p:nvSpPr>
+            <p:spPr>
+              <a:blipFill>
+                <a:blip r:embed="rId3"/>
+                <a:stretch>
+                  <a:fillRect l="-1217" t="-3081"/>
+                </a:stretch>
+              </a:blipFill>
+            </p:spPr>
+            <p:txBody>
+              <a:bodyPr/>
+              <a:lstStyle/>
+              <a:p>
+                <a:r>
+                  <a:rPr lang="en-US">
+                    <a:noFill/>
+                  </a:rPr>
+                  <a:t> </a:t>
+                </a:r>
+              </a:p>
+            </p:txBody>
+          </p:sp>
+        </mc:Fallback>
+      </mc:AlternateContent>
       <p:sp>
         <p:nvSpPr>
           <p:cNvPr id="4" name="Date Placeholder 3">
@@ -7688,7 +12872,7 @@
           <a:p>
             <a:fld id="{F736EC4A-E5B7-42C2-9943-4D2477F0E2BA}" type="datetime1">
               <a:rPr lang="en-US" smtClean="0"/>
-              <a:t>9/26/2021</a:t>
+              <a:t>9/29/2021</a:t>
             </a:fld>
             <a:endParaRPr lang="en-US" dirty="0"/>
           </a:p>
@@ -7751,10 +12935,70 @@
           </a:p>
         </p:txBody>
       </p:sp>
+      <p:pic>
+        <p:nvPicPr>
+          <p:cNvPr id="8" name="Picture 7">
+            <a:extLst>
+              <a:ext uri="{FF2B5EF4-FFF2-40B4-BE49-F238E27FC236}">
+                <a16:creationId xmlns:a16="http://schemas.microsoft.com/office/drawing/2014/main" id="{E8089A1E-DC4B-4FBE-89CD-ADD655255C9D}"/>
+              </a:ext>
+            </a:extLst>
+          </p:cNvPr>
+          <p:cNvPicPr>
+            <a:picLocks noChangeAspect="1"/>
+          </p:cNvPicPr>
+          <p:nvPr/>
+        </p:nvPicPr>
+        <p:blipFill>
+          <a:blip r:embed="rId4"/>
+          <a:stretch>
+            <a:fillRect/>
+          </a:stretch>
+        </p:blipFill>
+        <p:spPr>
+          <a:xfrm>
+            <a:off x="3747760" y="2609736"/>
+            <a:ext cx="4696480" cy="819264"/>
+          </a:xfrm>
+          <a:prstGeom prst="rect">
+            <a:avLst/>
+          </a:prstGeom>
+        </p:spPr>
+      </p:pic>
+      <p:pic>
+        <p:nvPicPr>
+          <p:cNvPr id="10" name="Picture 9">
+            <a:extLst>
+              <a:ext uri="{FF2B5EF4-FFF2-40B4-BE49-F238E27FC236}">
+                <a16:creationId xmlns:a16="http://schemas.microsoft.com/office/drawing/2014/main" id="{495373BB-D917-4DE3-81AE-1D6384E82F13}"/>
+              </a:ext>
+            </a:extLst>
+          </p:cNvPr>
+          <p:cNvPicPr>
+            <a:picLocks noChangeAspect="1"/>
+          </p:cNvPicPr>
+          <p:nvPr/>
+        </p:nvPicPr>
+        <p:blipFill>
+          <a:blip r:embed="rId5"/>
+          <a:stretch>
+            <a:fillRect/>
+          </a:stretch>
+        </p:blipFill>
+        <p:spPr>
+          <a:xfrm>
+            <a:off x="5205288" y="4184496"/>
+            <a:ext cx="1781424" cy="571580"/>
+          </a:xfrm>
+          <a:prstGeom prst="rect">
+            <a:avLst/>
+          </a:prstGeom>
+        </p:spPr>
+      </p:pic>
     </p:spTree>
     <p:extLst>
       <p:ext uri="{BB962C8B-B14F-4D97-AF65-F5344CB8AC3E}">
-        <p14:creationId xmlns:p14="http://schemas.microsoft.com/office/powerpoint/2010/main" val="2007912869"/>
+        <p14:creationId xmlns:p14="http://schemas.microsoft.com/office/powerpoint/2010/main" val="1319834275"/>
       </p:ext>
     </p:extLst>
   </p:cSld>
@@ -7799,60 +13043,52 @@
         </p:nvSpPr>
         <p:spPr/>
         <p:txBody>
+          <a:bodyPr/>
+          <a:lstStyle/>
+          <a:p>
+            <a:r>
+              <a:rPr lang="en-US" dirty="0"/>
+              <a:t>Overview of Fan &amp; Li’s method</a:t>
+            </a:r>
+          </a:p>
+        </p:txBody>
+      </p:sp>
+      <p:sp>
+        <p:nvSpPr>
+          <p:cNvPr id="3" name="Content Placeholder 2">
+            <a:extLst>
+              <a:ext uri="{FF2B5EF4-FFF2-40B4-BE49-F238E27FC236}">
+                <a16:creationId xmlns:a16="http://schemas.microsoft.com/office/drawing/2014/main" id="{8BB29A69-51F4-4CEE-B950-D3A7C19E951E}"/>
+              </a:ext>
+            </a:extLst>
+          </p:cNvPr>
+          <p:cNvSpPr>
+            <a:spLocks noGrp="1"/>
+          </p:cNvSpPr>
+          <p:nvPr>
+            <p:ph idx="1"/>
+          </p:nvPr>
+        </p:nvSpPr>
+        <p:spPr/>
+        <p:txBody>
           <a:bodyPr>
             <a:normAutofit/>
           </a:bodyPr>
           <a:lstStyle/>
           <a:p>
-            <a:r>
-              <a:rPr lang="en-US" dirty="0"/>
-              <a:t>Tests and Simulations</a:t>
-            </a:r>
-          </a:p>
-        </p:txBody>
-      </p:sp>
-      <p:sp>
-        <p:nvSpPr>
-          <p:cNvPr id="3" name="Content Placeholder 2">
-            <a:extLst>
-              <a:ext uri="{FF2B5EF4-FFF2-40B4-BE49-F238E27FC236}">
-                <a16:creationId xmlns:a16="http://schemas.microsoft.com/office/drawing/2014/main" id="{8BB29A69-51F4-4CEE-B950-D3A7C19E951E}"/>
-              </a:ext>
-            </a:extLst>
-          </p:cNvPr>
-          <p:cNvSpPr>
-            <a:spLocks noGrp="1"/>
-          </p:cNvSpPr>
-          <p:nvPr>
-            <p:ph idx="1"/>
-          </p:nvPr>
-        </p:nvSpPr>
-        <p:spPr/>
-        <p:txBody>
-          <a:bodyPr>
-            <a:normAutofit/>
-          </a:bodyPr>
-          <a:lstStyle/>
-          <a:p>
-            <a:r>
-              <a:rPr lang="en-US" dirty="0"/>
-              <a:t>Define evaluation method</a:t>
-            </a:r>
-          </a:p>
-          <a:p>
-            <a:r>
-              <a:rPr lang="en-US" dirty="0"/>
-              <a:t>Test using RANSAC</a:t>
-            </a:r>
-          </a:p>
-          <a:p>
-            <a:r>
-              <a:rPr lang="en-US" dirty="0"/>
-              <a:t>Test using HOUGH Transform</a:t>
-            </a:r>
-          </a:p>
-          <a:p>
-            <a:endParaRPr lang="en-US" dirty="0"/>
+            <a:pPr marL="0" indent="0">
+              <a:buNone/>
+            </a:pPr>
+            <a:r>
+              <a:rPr lang="en-US" b="1" dirty="0"/>
+              <a:t>STFT of LFM signal:</a:t>
+            </a:r>
+          </a:p>
+          <a:p>
+            <a:pPr marL="0" indent="0">
+              <a:buNone/>
+            </a:pPr>
+            <a:endParaRPr lang="en-US" b="1" dirty="0"/>
           </a:p>
         </p:txBody>
       </p:sp>
@@ -7879,7 +13115,7 @@
           <a:p>
             <a:fld id="{F736EC4A-E5B7-42C2-9943-4D2477F0E2BA}" type="datetime1">
               <a:rPr lang="en-US" smtClean="0"/>
-              <a:t>9/26/2021</a:t>
+              <a:t>9/29/2021</a:t>
             </a:fld>
             <a:endParaRPr lang="en-US" dirty="0"/>
           </a:p>
@@ -7942,10 +13178,40 @@
           </a:p>
         </p:txBody>
       </p:sp>
+      <p:pic>
+        <p:nvPicPr>
+          <p:cNvPr id="9" name="Picture 8">
+            <a:extLst>
+              <a:ext uri="{FF2B5EF4-FFF2-40B4-BE49-F238E27FC236}">
+                <a16:creationId xmlns:a16="http://schemas.microsoft.com/office/drawing/2014/main" id="{1A28903B-D938-41E8-AE4C-994A19001A0C}"/>
+              </a:ext>
+            </a:extLst>
+          </p:cNvPr>
+          <p:cNvPicPr>
+            <a:picLocks noChangeAspect="1"/>
+          </p:cNvPicPr>
+          <p:nvPr/>
+        </p:nvPicPr>
+        <p:blipFill>
+          <a:blip r:embed="rId3"/>
+          <a:stretch>
+            <a:fillRect/>
+          </a:stretch>
+        </p:blipFill>
+        <p:spPr>
+          <a:xfrm>
+            <a:off x="766018" y="2067485"/>
+            <a:ext cx="10659963" cy="3353268"/>
+          </a:xfrm>
+          <a:prstGeom prst="rect">
+            <a:avLst/>
+          </a:prstGeom>
+        </p:spPr>
+      </p:pic>
     </p:spTree>
     <p:extLst>
       <p:ext uri="{BB962C8B-B14F-4D97-AF65-F5344CB8AC3E}">
-        <p14:creationId xmlns:p14="http://schemas.microsoft.com/office/powerpoint/2010/main" val="2332550264"/>
+        <p14:creationId xmlns:p14="http://schemas.microsoft.com/office/powerpoint/2010/main" val="1238041957"/>
       </p:ext>
     </p:extLst>
   </p:cSld>

--- a/presentation/DSP_project_presentation.pptx
+++ b/presentation/DSP_project_presentation.pptx
@@ -5,7 +5,7 @@
     <p:sldMasterId id="2147483672" r:id="rId1"/>
   </p:sldMasterIdLst>
   <p:notesMasterIdLst>
-    <p:notesMasterId r:id="rId30"/>
+    <p:notesMasterId r:id="rId33"/>
   </p:notesMasterIdLst>
   <p:sldIdLst>
     <p:sldId id="256" r:id="rId2"/>
@@ -31,11 +31,14 @@
     <p:sldId id="264" r:id="rId22"/>
     <p:sldId id="266" r:id="rId23"/>
     <p:sldId id="267" r:id="rId24"/>
-    <p:sldId id="269" r:id="rId25"/>
-    <p:sldId id="268" r:id="rId26"/>
-    <p:sldId id="270" r:id="rId27"/>
-    <p:sldId id="271" r:id="rId28"/>
-    <p:sldId id="265" r:id="rId29"/>
+    <p:sldId id="286" r:id="rId25"/>
+    <p:sldId id="285" r:id="rId26"/>
+    <p:sldId id="287" r:id="rId27"/>
+    <p:sldId id="268" r:id="rId28"/>
+    <p:sldId id="269" r:id="rId29"/>
+    <p:sldId id="270" r:id="rId30"/>
+    <p:sldId id="271" r:id="rId31"/>
+    <p:sldId id="265" r:id="rId32"/>
   </p:sldIdLst>
   <p:sldSz cx="12192000" cy="6858000"/>
   <p:notesSz cx="6858000" cy="9144000"/>
@@ -224,7 +227,7 @@
           <a:p>
             <a:fld id="{2E45F2F5-60C8-4962-BCDB-4E5FE59EA305}" type="datetimeFigureOut">
               <a:rPr lang="en-US" smtClean="0"/>
-              <a:t>9/28/2021</a:t>
+              <a:t>9/29/2021</a:t>
             </a:fld>
             <a:endParaRPr lang="en-US"/>
           </a:p>
@@ -642,29 +645,6 @@
           <a:bodyPr/>
           <a:lstStyle/>
           <a:p>
-            <a:pPr marL="0" marR="0" lvl="0" indent="0" algn="l" defTabSz="914400" rtl="0" eaLnBrk="1" fontAlgn="auto" latinLnBrk="0" hangingPunct="1">
-              <a:lnSpc>
-                <a:spcPct val="100000"/>
-              </a:lnSpc>
-              <a:spcBef>
-                <a:spcPts val="0"/>
-              </a:spcBef>
-              <a:spcAft>
-                <a:spcPts val="0"/>
-              </a:spcAft>
-              <a:buClrTx/>
-              <a:buSzTx/>
-              <a:buFontTx/>
-              <a:buNone/>
-              <a:tabLst/>
-              <a:defRPr/>
-            </a:pPr>
-            <a:r>
-              <a:rPr lang="en-US" dirty="0"/>
-              <a:t>First, we need to define a correct rate of estimation - CRE</a:t>
-            </a:r>
-          </a:p>
-          <a:p>
             <a:endParaRPr lang="en-US" dirty="0"/>
           </a:p>
         </p:txBody>
@@ -749,29 +729,39 @@
           <a:bodyPr/>
           <a:lstStyle/>
           <a:p>
-            <a:pPr marL="0" marR="0" lvl="0" indent="0" algn="l" defTabSz="914400" rtl="0" eaLnBrk="1" fontAlgn="auto" latinLnBrk="0" hangingPunct="1">
-              <a:lnSpc>
-                <a:spcPct val="100000"/>
-              </a:lnSpc>
-              <a:spcBef>
-                <a:spcPts val="0"/>
-              </a:spcBef>
-              <a:spcAft>
-                <a:spcPts val="0"/>
-              </a:spcAft>
-              <a:buClrTx/>
-              <a:buSzTx/>
-              <a:buFontTx/>
-              <a:buNone/>
-              <a:tabLst/>
-              <a:defRPr/>
+            <a:pPr marL="171450" indent="-171450" algn="r" rtl="1">
+              <a:buFont typeface="Arial" panose="020B0604020202020204" pitchFamily="34" charset="0"/>
+              <a:buChar char="•"/>
             </a:pPr>
             <a:r>
-              <a:rPr lang="en-US" dirty="0"/>
-              <a:t>First, we need to define a correct rate of estimation - CRE</a:t>
-            </a:r>
-          </a:p>
-          <a:p>
+              <a:rPr lang="he-IL" dirty="0"/>
+              <a:t>הדרך לייצג "כמה נכונה ההערכה שלנו" היא ע"י </a:t>
+            </a:r>
+            <a:r>
+              <a:rPr lang="en-US" dirty="0"/>
+              <a:t>CRE</a:t>
+            </a:r>
+            <a:endParaRPr lang="he-IL" dirty="0"/>
+          </a:p>
+          <a:p>
+            <a:pPr marL="171450" indent="-171450" algn="r" rtl="1">
+              <a:buFont typeface="Arial" panose="020B0604020202020204" pitchFamily="34" charset="0"/>
+              <a:buChar char="•"/>
+            </a:pPr>
+            <a:r>
+              <a:rPr lang="he-IL" dirty="0"/>
+              <a:t>היחס בין מס' הפעמים שצדקנו בהערכת העקומה לבין מס' הפעמים שהערכנו את העקומה</a:t>
+            </a:r>
+          </a:p>
+          <a:p>
+            <a:pPr marL="171450" indent="-171450" algn="r" rtl="1">
+              <a:buFont typeface="Arial" panose="020B0604020202020204" pitchFamily="34" charset="0"/>
+              <a:buChar char="•"/>
+            </a:pPr>
+            <a:r>
+              <a:rPr lang="he-IL" dirty="0"/>
+              <a:t>הערכה נכונה היא בטווח של 1 אחוז מהערך האמיתי</a:t>
+            </a:r>
             <a:endParaRPr lang="en-US" dirty="0"/>
           </a:p>
         </p:txBody>
@@ -856,6 +846,17 @@
           <a:bodyPr/>
           <a:lstStyle/>
           <a:p>
+            <a:pPr marL="171450" indent="-171450" algn="r" rtl="1">
+              <a:buFont typeface="Arial" panose="020B0604020202020204" pitchFamily="34" charset="0"/>
+              <a:buChar char="•"/>
+            </a:pPr>
+            <a:r>
+              <a:rPr lang="he-IL" dirty="0"/>
+              <a:t>....</a:t>
+            </a:r>
+            <a:endParaRPr lang="en-US" dirty="0"/>
+          </a:p>
+          <a:p>
             <a:endParaRPr lang="en-US" dirty="0"/>
           </a:p>
         </p:txBody>
@@ -940,6 +941,17 @@
           <a:bodyPr/>
           <a:lstStyle/>
           <a:p>
+            <a:pPr marL="171450" indent="-171450" algn="r" rtl="1">
+              <a:buFont typeface="Arial" panose="020B0604020202020204" pitchFamily="34" charset="0"/>
+              <a:buChar char="•"/>
+            </a:pPr>
+            <a:r>
+              <a:rPr lang="he-IL" dirty="0"/>
+              <a:t>....</a:t>
+            </a:r>
+            <a:endParaRPr lang="en-US" dirty="0"/>
+          </a:p>
+          <a:p>
             <a:endParaRPr lang="en-US" dirty="0"/>
           </a:p>
         </p:txBody>
@@ -970,7 +982,7 @@
     </p:spTree>
     <p:extLst>
       <p:ext uri="{BB962C8B-B14F-4D97-AF65-F5344CB8AC3E}">
-        <p14:creationId xmlns:p14="http://schemas.microsoft.com/office/powerpoint/2010/main" val="4104918166"/>
+        <p14:creationId xmlns:p14="http://schemas.microsoft.com/office/powerpoint/2010/main" val="301109977"/>
       </p:ext>
     </p:extLst>
   </p:cSld>
@@ -1024,6 +1036,17 @@
           <a:bodyPr/>
           <a:lstStyle/>
           <a:p>
+            <a:pPr marL="171450" indent="-171450" algn="r" rtl="1">
+              <a:buFont typeface="Arial" panose="020B0604020202020204" pitchFamily="34" charset="0"/>
+              <a:buChar char="•"/>
+            </a:pPr>
+            <a:r>
+              <a:rPr lang="he-IL" dirty="0"/>
+              <a:t>....</a:t>
+            </a:r>
+            <a:endParaRPr lang="en-US" dirty="0"/>
+          </a:p>
+          <a:p>
             <a:endParaRPr lang="en-US" dirty="0"/>
           </a:p>
         </p:txBody>
@@ -1054,7 +1077,7 @@
     </p:spTree>
     <p:extLst>
       <p:ext uri="{BB962C8B-B14F-4D97-AF65-F5344CB8AC3E}">
-        <p14:creationId xmlns:p14="http://schemas.microsoft.com/office/powerpoint/2010/main" val="3198309991"/>
+        <p14:creationId xmlns:p14="http://schemas.microsoft.com/office/powerpoint/2010/main" val="3581500232"/>
       </p:ext>
     </p:extLst>
   </p:cSld>
@@ -1108,6 +1131,17 @@
           <a:bodyPr/>
           <a:lstStyle/>
           <a:p>
+            <a:pPr marL="171450" indent="-171450" algn="r" rtl="1">
+              <a:buFont typeface="Arial" panose="020B0604020202020204" pitchFamily="34" charset="0"/>
+              <a:buChar char="•"/>
+            </a:pPr>
+            <a:r>
+              <a:rPr lang="he-IL" dirty="0"/>
+              <a:t>....</a:t>
+            </a:r>
+            <a:endParaRPr lang="en-US" dirty="0"/>
+          </a:p>
+          <a:p>
             <a:endParaRPr lang="en-US" dirty="0"/>
           </a:p>
         </p:txBody>
@@ -1138,7 +1172,7 @@
     </p:spTree>
     <p:extLst>
       <p:ext uri="{BB962C8B-B14F-4D97-AF65-F5344CB8AC3E}">
-        <p14:creationId xmlns:p14="http://schemas.microsoft.com/office/powerpoint/2010/main" val="1214011246"/>
+        <p14:creationId xmlns:p14="http://schemas.microsoft.com/office/powerpoint/2010/main" val="98041481"/>
       </p:ext>
     </p:extLst>
   </p:cSld>
@@ -1214,6 +1248,258 @@
             <a:fld id="{BB072CD4-8151-4317-B517-71349F960F6F}" type="slidenum">
               <a:rPr lang="en-US" smtClean="0"/>
               <a:t>27</a:t>
+            </a:fld>
+            <a:endParaRPr lang="en-US"/>
+          </a:p>
+        </p:txBody>
+      </p:sp>
+    </p:spTree>
+    <p:extLst>
+      <p:ext uri="{BB962C8B-B14F-4D97-AF65-F5344CB8AC3E}">
+        <p14:creationId xmlns:p14="http://schemas.microsoft.com/office/powerpoint/2010/main" val="3198309991"/>
+      </p:ext>
+    </p:extLst>
+  </p:cSld>
+  <p:clrMapOvr>
+    <a:masterClrMapping/>
+  </p:clrMapOvr>
+</p:notes>
+</file>
+
+<file path=ppt/notesSlides/notesSlide17.xml><?xml version="1.0" encoding="utf-8"?>
+<p:notes xmlns:a="http://schemas.openxmlformats.org/drawingml/2006/main" xmlns:r="http://schemas.openxmlformats.org/officeDocument/2006/relationships" xmlns:p="http://schemas.openxmlformats.org/presentationml/2006/main">
+  <p:cSld>
+    <p:spTree>
+      <p:nvGrpSpPr>
+        <p:cNvPr id="1" name=""/>
+        <p:cNvGrpSpPr/>
+        <p:nvPr/>
+      </p:nvGrpSpPr>
+      <p:grpSpPr>
+        <a:xfrm>
+          <a:off x="0" y="0"/>
+          <a:ext cx="0" cy="0"/>
+          <a:chOff x="0" y="0"/>
+          <a:chExt cx="0" cy="0"/>
+        </a:xfrm>
+      </p:grpSpPr>
+      <p:sp>
+        <p:nvSpPr>
+          <p:cNvPr id="2" name="מציין מיקום של תמונת שקופית 1"/>
+          <p:cNvSpPr>
+            <a:spLocks noGrp="1" noRot="1" noChangeAspect="1"/>
+          </p:cNvSpPr>
+          <p:nvPr>
+            <p:ph type="sldImg"/>
+          </p:nvPr>
+        </p:nvSpPr>
+        <p:spPr/>
+      </p:sp>
+      <p:sp>
+        <p:nvSpPr>
+          <p:cNvPr id="3" name="מציין מיקום של הערות 2"/>
+          <p:cNvSpPr>
+            <a:spLocks noGrp="1"/>
+          </p:cNvSpPr>
+          <p:nvPr>
+            <p:ph type="body" idx="1"/>
+          </p:nvPr>
+        </p:nvSpPr>
+        <p:spPr/>
+        <p:txBody>
+          <a:bodyPr/>
+          <a:lstStyle/>
+          <a:p>
+            <a:endParaRPr lang="en-US" dirty="0"/>
+          </a:p>
+        </p:txBody>
+      </p:sp>
+      <p:sp>
+        <p:nvSpPr>
+          <p:cNvPr id="4" name="מציין מיקום של מספר שקופית 3"/>
+          <p:cNvSpPr>
+            <a:spLocks noGrp="1"/>
+          </p:cNvSpPr>
+          <p:nvPr>
+            <p:ph type="sldNum" sz="quarter" idx="5"/>
+          </p:nvPr>
+        </p:nvSpPr>
+        <p:spPr/>
+        <p:txBody>
+          <a:bodyPr/>
+          <a:lstStyle/>
+          <a:p>
+            <a:fld id="{BB072CD4-8151-4317-B517-71349F960F6F}" type="slidenum">
+              <a:rPr lang="en-US" smtClean="0"/>
+              <a:t>28</a:t>
+            </a:fld>
+            <a:endParaRPr lang="en-US"/>
+          </a:p>
+        </p:txBody>
+      </p:sp>
+    </p:spTree>
+    <p:extLst>
+      <p:ext uri="{BB962C8B-B14F-4D97-AF65-F5344CB8AC3E}">
+        <p14:creationId xmlns:p14="http://schemas.microsoft.com/office/powerpoint/2010/main" val="4104918166"/>
+      </p:ext>
+    </p:extLst>
+  </p:cSld>
+  <p:clrMapOvr>
+    <a:masterClrMapping/>
+  </p:clrMapOvr>
+</p:notes>
+</file>
+
+<file path=ppt/notesSlides/notesSlide18.xml><?xml version="1.0" encoding="utf-8"?>
+<p:notes xmlns:a="http://schemas.openxmlformats.org/drawingml/2006/main" xmlns:r="http://schemas.openxmlformats.org/officeDocument/2006/relationships" xmlns:p="http://schemas.openxmlformats.org/presentationml/2006/main">
+  <p:cSld>
+    <p:spTree>
+      <p:nvGrpSpPr>
+        <p:cNvPr id="1" name=""/>
+        <p:cNvGrpSpPr/>
+        <p:nvPr/>
+      </p:nvGrpSpPr>
+      <p:grpSpPr>
+        <a:xfrm>
+          <a:off x="0" y="0"/>
+          <a:ext cx="0" cy="0"/>
+          <a:chOff x="0" y="0"/>
+          <a:chExt cx="0" cy="0"/>
+        </a:xfrm>
+      </p:grpSpPr>
+      <p:sp>
+        <p:nvSpPr>
+          <p:cNvPr id="2" name="מציין מיקום של תמונת שקופית 1"/>
+          <p:cNvSpPr>
+            <a:spLocks noGrp="1" noRot="1" noChangeAspect="1"/>
+          </p:cNvSpPr>
+          <p:nvPr>
+            <p:ph type="sldImg"/>
+          </p:nvPr>
+        </p:nvSpPr>
+        <p:spPr/>
+      </p:sp>
+      <p:sp>
+        <p:nvSpPr>
+          <p:cNvPr id="3" name="מציין מיקום של הערות 2"/>
+          <p:cNvSpPr>
+            <a:spLocks noGrp="1"/>
+          </p:cNvSpPr>
+          <p:nvPr>
+            <p:ph type="body" idx="1"/>
+          </p:nvPr>
+        </p:nvSpPr>
+        <p:spPr/>
+        <p:txBody>
+          <a:bodyPr/>
+          <a:lstStyle/>
+          <a:p>
+            <a:endParaRPr lang="en-US" dirty="0"/>
+          </a:p>
+        </p:txBody>
+      </p:sp>
+      <p:sp>
+        <p:nvSpPr>
+          <p:cNvPr id="4" name="מציין מיקום של מספר שקופית 3"/>
+          <p:cNvSpPr>
+            <a:spLocks noGrp="1"/>
+          </p:cNvSpPr>
+          <p:nvPr>
+            <p:ph type="sldNum" sz="quarter" idx="5"/>
+          </p:nvPr>
+        </p:nvSpPr>
+        <p:spPr/>
+        <p:txBody>
+          <a:bodyPr/>
+          <a:lstStyle/>
+          <a:p>
+            <a:fld id="{BB072CD4-8151-4317-B517-71349F960F6F}" type="slidenum">
+              <a:rPr lang="en-US" smtClean="0"/>
+              <a:t>29</a:t>
+            </a:fld>
+            <a:endParaRPr lang="en-US"/>
+          </a:p>
+        </p:txBody>
+      </p:sp>
+    </p:spTree>
+    <p:extLst>
+      <p:ext uri="{BB962C8B-B14F-4D97-AF65-F5344CB8AC3E}">
+        <p14:creationId xmlns:p14="http://schemas.microsoft.com/office/powerpoint/2010/main" val="1214011246"/>
+      </p:ext>
+    </p:extLst>
+  </p:cSld>
+  <p:clrMapOvr>
+    <a:masterClrMapping/>
+  </p:clrMapOvr>
+</p:notes>
+</file>
+
+<file path=ppt/notesSlides/notesSlide19.xml><?xml version="1.0" encoding="utf-8"?>
+<p:notes xmlns:a="http://schemas.openxmlformats.org/drawingml/2006/main" xmlns:r="http://schemas.openxmlformats.org/officeDocument/2006/relationships" xmlns:p="http://schemas.openxmlformats.org/presentationml/2006/main">
+  <p:cSld>
+    <p:spTree>
+      <p:nvGrpSpPr>
+        <p:cNvPr id="1" name=""/>
+        <p:cNvGrpSpPr/>
+        <p:nvPr/>
+      </p:nvGrpSpPr>
+      <p:grpSpPr>
+        <a:xfrm>
+          <a:off x="0" y="0"/>
+          <a:ext cx="0" cy="0"/>
+          <a:chOff x="0" y="0"/>
+          <a:chExt cx="0" cy="0"/>
+        </a:xfrm>
+      </p:grpSpPr>
+      <p:sp>
+        <p:nvSpPr>
+          <p:cNvPr id="2" name="מציין מיקום של תמונת שקופית 1"/>
+          <p:cNvSpPr>
+            <a:spLocks noGrp="1" noRot="1" noChangeAspect="1"/>
+          </p:cNvSpPr>
+          <p:nvPr>
+            <p:ph type="sldImg"/>
+          </p:nvPr>
+        </p:nvSpPr>
+        <p:spPr/>
+      </p:sp>
+      <p:sp>
+        <p:nvSpPr>
+          <p:cNvPr id="3" name="מציין מיקום של הערות 2"/>
+          <p:cNvSpPr>
+            <a:spLocks noGrp="1"/>
+          </p:cNvSpPr>
+          <p:nvPr>
+            <p:ph type="body" idx="1"/>
+          </p:nvPr>
+        </p:nvSpPr>
+        <p:spPr/>
+        <p:txBody>
+          <a:bodyPr/>
+          <a:lstStyle/>
+          <a:p>
+            <a:endParaRPr lang="en-US" dirty="0"/>
+          </a:p>
+        </p:txBody>
+      </p:sp>
+      <p:sp>
+        <p:nvSpPr>
+          <p:cNvPr id="4" name="מציין מיקום של מספר שקופית 3"/>
+          <p:cNvSpPr>
+            <a:spLocks noGrp="1"/>
+          </p:cNvSpPr>
+          <p:nvPr>
+            <p:ph type="sldNum" sz="quarter" idx="5"/>
+          </p:nvPr>
+        </p:nvSpPr>
+        <p:spPr/>
+        <p:txBody>
+          <a:bodyPr/>
+          <a:lstStyle/>
+          <a:p>
+            <a:fld id="{BB072CD4-8151-4317-B517-71349F960F6F}" type="slidenum">
+              <a:rPr lang="en-US" smtClean="0"/>
+              <a:t>30</a:t>
             </a:fld>
             <a:endParaRPr lang="en-US"/>
           </a:p>
@@ -2223,7 +2509,7 @@
           <a:p>
             <a:fld id="{545108C3-70A6-47BD-B82F-0EA2FAD6B009}" type="datetime1">
               <a:rPr lang="en-US" smtClean="0"/>
-              <a:t>9/28/2021</a:t>
+              <a:t>9/29/2021</a:t>
             </a:fld>
             <a:endParaRPr lang="en-US"/>
           </a:p>
@@ -2406,7 +2692,7 @@
           <a:p>
             <a:fld id="{5663B1E1-4FA2-4311-BC59-64E1519F35CC}" type="datetime1">
               <a:rPr lang="en-US" smtClean="0"/>
-              <a:t>9/28/2021</a:t>
+              <a:t>9/29/2021</a:t>
             </a:fld>
             <a:endParaRPr lang="en-US"/>
           </a:p>
@@ -2583,7 +2869,7 @@
           <a:p>
             <a:fld id="{F736EC4A-E5B7-42C2-9943-4D2477F0E2BA}" type="datetime1">
               <a:rPr lang="en-US" smtClean="0"/>
-              <a:t>9/28/2021</a:t>
+              <a:t>9/29/2021</a:t>
             </a:fld>
             <a:endParaRPr lang="en-US" dirty="0"/>
           </a:p>
@@ -2907,7 +3193,7 @@
           <a:p>
             <a:fld id="{4B383BBD-22EB-4D32-858E-F56917F6792F}" type="datetime1">
               <a:rPr lang="en-US" smtClean="0"/>
-              <a:t>9/28/2021</a:t>
+              <a:t>9/29/2021</a:t>
             </a:fld>
             <a:endParaRPr lang="en-US"/>
           </a:p>
@@ -3142,7 +3428,7 @@
           <a:p>
             <a:fld id="{B3929B50-98C6-4865-903C-FF2C6D76A1DB}" type="datetime1">
               <a:rPr lang="en-US" smtClean="0"/>
-              <a:t>9/28/2021</a:t>
+              <a:t>9/29/2021</a:t>
             </a:fld>
             <a:endParaRPr lang="en-US"/>
           </a:p>
@@ -3512,7 +3798,7 @@
           <a:p>
             <a:fld id="{71E4DFB5-247F-4215-927B-206F1F043CA8}" type="datetime1">
               <a:rPr lang="en-US" smtClean="0"/>
-              <a:t>9/28/2021</a:t>
+              <a:t>9/29/2021</a:t>
             </a:fld>
             <a:endParaRPr lang="en-US"/>
           </a:p>
@@ -3633,7 +3919,7 @@
           <a:p>
             <a:fld id="{5ABF18F4-69E9-4A75-9A30-63D58841484D}" type="datetime1">
               <a:rPr lang="en-US" smtClean="0"/>
-              <a:t>9/28/2021</a:t>
+              <a:t>9/29/2021</a:t>
             </a:fld>
             <a:endParaRPr lang="en-US"/>
           </a:p>
@@ -3731,7 +4017,7 @@
           <a:p>
             <a:fld id="{8F9E73B5-85AC-4F64-8F1F-86C7C3DE3888}" type="datetime1">
               <a:rPr lang="en-US" smtClean="0"/>
-              <a:t>9/28/2021</a:t>
+              <a:t>9/29/2021</a:t>
             </a:fld>
             <a:endParaRPr lang="en-US"/>
           </a:p>
@@ -4011,7 +4297,7 @@
           <a:p>
             <a:fld id="{DBF8F826-0166-4DC8-9928-02F1397EF5F6}" type="datetime1">
               <a:rPr lang="en-US" smtClean="0"/>
-              <a:t>9/28/2021</a:t>
+              <a:t>9/29/2021</a:t>
             </a:fld>
             <a:endParaRPr lang="en-US"/>
           </a:p>
@@ -4271,7 +4557,7 @@
           <a:p>
             <a:fld id="{5387FCA0-6D15-493A-9DD4-DF68CECA6E0E}" type="datetime1">
               <a:rPr lang="en-US" smtClean="0"/>
-              <a:t>9/28/2021</a:t>
+              <a:t>9/29/2021</a:t>
             </a:fld>
             <a:endParaRPr lang="en-US"/>
           </a:p>
@@ -4744,7 +5030,7 @@
           <a:p>
             <a:fld id="{754E7515-5D39-4D5F-907F-93F61511D9D9}" type="datetime1">
               <a:rPr lang="en-US" smtClean="0"/>
-              <a:t>9/28/2021</a:t>
+              <a:t>9/29/2021</a:t>
             </a:fld>
             <a:endParaRPr lang="en-US" dirty="0"/>
           </a:p>
@@ -5603,7 +5889,7 @@
           <a:p>
             <a:fld id="{F736EC4A-E5B7-42C2-9943-4D2477F0E2BA}" type="datetime1">
               <a:rPr lang="en-US" smtClean="0"/>
-              <a:t>9/28/2021</a:t>
+              <a:t>9/29/2021</a:t>
             </a:fld>
             <a:endParaRPr lang="en-US" dirty="0"/>
           </a:p>
@@ -5792,7 +6078,7 @@
           <a:p>
             <a:fld id="{F736EC4A-E5B7-42C2-9943-4D2477F0E2BA}" type="datetime1">
               <a:rPr lang="en-US" smtClean="0"/>
-              <a:t>9/28/2021</a:t>
+              <a:t>9/29/2021</a:t>
             </a:fld>
             <a:endParaRPr lang="en-US" dirty="0"/>
           </a:p>
@@ -6017,7 +6303,7 @@
           <a:p>
             <a:fld id="{F736EC4A-E5B7-42C2-9943-4D2477F0E2BA}" type="datetime1">
               <a:rPr lang="en-US" smtClean="0"/>
-              <a:t>9/28/2021</a:t>
+              <a:t>9/29/2021</a:t>
             </a:fld>
             <a:endParaRPr lang="en-US" dirty="0"/>
           </a:p>
@@ -6248,7 +6534,7 @@
           <a:p>
             <a:fld id="{F736EC4A-E5B7-42C2-9943-4D2477F0E2BA}" type="datetime1">
               <a:rPr lang="en-US" smtClean="0"/>
-              <a:t>9/28/2021</a:t>
+              <a:t>9/29/2021</a:t>
             </a:fld>
             <a:endParaRPr lang="en-US" dirty="0"/>
           </a:p>
@@ -6552,7 +6838,7 @@
           <a:p>
             <a:fld id="{F736EC4A-E5B7-42C2-9943-4D2477F0E2BA}" type="datetime1">
               <a:rPr lang="en-US" smtClean="0"/>
-              <a:t>9/28/2021</a:t>
+              <a:t>9/29/2021</a:t>
             </a:fld>
             <a:endParaRPr lang="en-US" dirty="0"/>
           </a:p>
@@ -6745,7 +7031,7 @@
           <a:p>
             <a:fld id="{F736EC4A-E5B7-42C2-9943-4D2477F0E2BA}" type="datetime1">
               <a:rPr lang="en-US" smtClean="0"/>
-              <a:t>9/28/2021</a:t>
+              <a:t>9/29/2021</a:t>
             </a:fld>
             <a:endParaRPr lang="en-US" dirty="0"/>
           </a:p>
@@ -6868,8 +7154,8 @@
           </a:p>
         </p:txBody>
       </p:sp>
-      <mc:AlternateContent xmlns:mc="http://schemas.openxmlformats.org/markup-compatibility/2006">
-        <mc:Choice xmlns:a14="http://schemas.microsoft.com/office/drawing/2010/main" Requires="a14">
+      <mc:AlternateContent xmlns:mc="http://schemas.openxmlformats.org/markup-compatibility/2006" xmlns:a14="http://schemas.microsoft.com/office/drawing/2010/main">
+        <mc:Choice Requires="a14">
           <p:sp>
             <p:nvSpPr>
               <p:cNvPr id="3" name="Content Placeholder 2">
@@ -7010,7 +7296,7 @@
             </p:txBody>
           </p:sp>
         </mc:Choice>
-        <mc:Fallback>
+        <mc:Fallback xmlns="">
           <p:sp>
             <p:nvSpPr>
               <p:cNvPr id="3" name="Content Placeholder 2">
@@ -7073,7 +7359,7 @@
           <a:p>
             <a:fld id="{F736EC4A-E5B7-42C2-9943-4D2477F0E2BA}" type="datetime1">
               <a:rPr lang="en-US" smtClean="0"/>
-              <a:t>9/28/2021</a:t>
+              <a:t>9/29/2021</a:t>
             </a:fld>
             <a:endParaRPr lang="en-US" dirty="0"/>
           </a:p>
@@ -7226,8 +7512,8 @@
           </a:p>
         </p:txBody>
       </p:sp>
-      <mc:AlternateContent xmlns:mc="http://schemas.openxmlformats.org/markup-compatibility/2006">
-        <mc:Choice xmlns:a14="http://schemas.microsoft.com/office/drawing/2010/main" Requires="a14">
+      <mc:AlternateContent xmlns:mc="http://schemas.openxmlformats.org/markup-compatibility/2006" xmlns:a14="http://schemas.microsoft.com/office/drawing/2010/main">
+        <mc:Choice Requires="a14">
           <p:sp>
             <p:nvSpPr>
               <p:cNvPr id="3" name="Content Placeholder 2">
@@ -7334,7 +7620,7 @@
             </p:txBody>
           </p:sp>
         </mc:Choice>
-        <mc:Fallback>
+        <mc:Fallback xmlns="">
           <p:sp>
             <p:nvSpPr>
               <p:cNvPr id="3" name="Content Placeholder 2">
@@ -7397,7 +7683,7 @@
           <a:p>
             <a:fld id="{F736EC4A-E5B7-42C2-9943-4D2477F0E2BA}" type="datetime1">
               <a:rPr lang="en-US" smtClean="0"/>
-              <a:t>9/28/2021</a:t>
+              <a:t>9/29/2021</a:t>
             </a:fld>
             <a:endParaRPr lang="en-US" dirty="0"/>
           </a:p>
@@ -7588,7 +7874,7 @@
           <a:p>
             <a:fld id="{F736EC4A-E5B7-42C2-9943-4D2477F0E2BA}" type="datetime1">
               <a:rPr lang="en-US" smtClean="0"/>
-              <a:t>9/28/2021</a:t>
+              <a:t>9/29/2021</a:t>
             </a:fld>
             <a:endParaRPr lang="en-US" dirty="0"/>
           </a:p>
@@ -7818,7 +8104,7 @@
           <a:p>
             <a:fld id="{F736EC4A-E5B7-42C2-9943-4D2477F0E2BA}" type="datetime1">
               <a:rPr lang="en-US" smtClean="0"/>
-              <a:t>9/28/2021</a:t>
+              <a:t>9/29/2021</a:t>
             </a:fld>
             <a:endParaRPr lang="en-US" dirty="0"/>
           </a:p>
@@ -8065,7 +8351,7 @@
           <a:p>
             <a:fld id="{6590B5CF-03C4-4DB5-B1EC-5C9E3BE40147}" type="datetime1">
               <a:rPr lang="en-US" smtClean="0"/>
-              <a:t>9/28/2021</a:t>
+              <a:t>9/29/2021</a:t>
             </a:fld>
             <a:endParaRPr lang="en-US" dirty="0"/>
           </a:p>
@@ -8324,7 +8610,7 @@
           <a:p>
             <a:fld id="{F736EC4A-E5B7-42C2-9943-4D2477F0E2BA}" type="datetime1">
               <a:rPr lang="en-US" smtClean="0"/>
-              <a:t>9/28/2021</a:t>
+              <a:t>9/29/2021</a:t>
             </a:fld>
             <a:endParaRPr lang="en-US" dirty="0"/>
           </a:p>
@@ -8484,7 +8770,7 @@
           <a:p>
             <a:r>
               <a:rPr lang="en-US" dirty="0"/>
-              <a:t>Test using HOUGH Transform</a:t>
+              <a:t>Test using Hough Transform</a:t>
             </a:r>
           </a:p>
           <a:p>
@@ -8515,7 +8801,7 @@
           <a:p>
             <a:fld id="{F736EC4A-E5B7-42C2-9943-4D2477F0E2BA}" type="datetime1">
               <a:rPr lang="en-US" smtClean="0"/>
-              <a:t>9/28/2021</a:t>
+              <a:t>9/29/2021</a:t>
             </a:fld>
             <a:endParaRPr lang="en-US" dirty="0"/>
           </a:p>
@@ -8709,7 +8995,7 @@
           <a:p>
             <a:fld id="{F736EC4A-E5B7-42C2-9943-4D2477F0E2BA}" type="datetime1">
               <a:rPr lang="en-US" smtClean="0"/>
-              <a:t>9/28/2021</a:t>
+              <a:t>9/29/2021</a:t>
             </a:fld>
             <a:endParaRPr lang="en-US" dirty="0"/>
           </a:p>
@@ -8857,7 +9143,21 @@
           <a:p>
             <a:r>
               <a:rPr lang="en-US" dirty="0"/>
-              <a:t>Create 500 chirp signals with random noise (500 Trials)</a:t>
+              <a:t>Create 100 trials (1500 chirps):</a:t>
+            </a:r>
+          </a:p>
+          <a:p>
+            <a:pPr lvl="1"/>
+            <a:r>
+              <a:rPr lang="en-US" dirty="0"/>
+              <a:t>1 chirp signal</a:t>
+            </a:r>
+          </a:p>
+          <a:p>
+            <a:pPr lvl="1"/>
+            <a:r>
+              <a:rPr lang="en-US" dirty="0"/>
+              <a:t>15 different noise variation</a:t>
             </a:r>
           </a:p>
           <a:p>
@@ -8869,13 +9169,15 @@
           <a:p>
             <a:r>
               <a:rPr lang="en-US" dirty="0"/>
-              <a:t>Extract time frequency curves</a:t>
-            </a:r>
-          </a:p>
-          <a:p>
-            <a:r>
-              <a:rPr lang="en-US" dirty="0"/>
-              <a:t>Use Median Filter</a:t>
+              <a:t>Extracting </a:t>
+            </a:r>
+            <a:r>
+              <a:rPr lang="en-US" dirty="0" err="1"/>
+              <a:t>Maximas</a:t>
+            </a:r>
+            <a:r>
+              <a:rPr lang="en-US" dirty="0"/>
+              <a:t> &amp; Median Filtering</a:t>
             </a:r>
           </a:p>
           <a:p>
@@ -8937,7 +9239,7 @@
           <a:p>
             <a:fld id="{F736EC4A-E5B7-42C2-9943-4D2477F0E2BA}" type="datetime1">
               <a:rPr lang="en-US" smtClean="0"/>
-              <a:t>9/28/2021</a:t>
+              <a:t>9/29/2021</a:t>
             </a:fld>
             <a:endParaRPr lang="en-US" dirty="0"/>
           </a:p>
@@ -9083,13 +9385,844 @@
           </a:bodyPr>
           <a:lstStyle/>
           <a:p>
+            <a:r>
+              <a:rPr lang="en-US" dirty="0"/>
+              <a:t>Create 100 trials:</a:t>
+            </a:r>
+          </a:p>
+          <a:p>
+            <a:pPr lvl="1"/>
+            <a:r>
+              <a:rPr lang="en-US" dirty="0"/>
+              <a:t>1 chirp signal</a:t>
+            </a:r>
+          </a:p>
+          <a:p>
+            <a:pPr lvl="1"/>
+            <a:r>
+              <a:rPr lang="en-US" dirty="0"/>
+              <a:t>15 different noise variation</a:t>
+            </a:r>
+          </a:p>
+          <a:p>
+            <a:r>
+              <a:rPr lang="en-US" b="1" dirty="0"/>
+              <a:t>Use STFT</a:t>
+            </a:r>
+          </a:p>
+          <a:p>
+            <a:r>
+              <a:rPr lang="en-US" dirty="0"/>
+              <a:t>Extracting </a:t>
+            </a:r>
+            <a:r>
+              <a:rPr lang="en-US" dirty="0" err="1"/>
+              <a:t>Maximas</a:t>
+            </a:r>
+            <a:r>
+              <a:rPr lang="en-US" dirty="0"/>
+              <a:t> &amp; Median Filtering</a:t>
+            </a:r>
+          </a:p>
+          <a:p>
+            <a:r>
+              <a:rPr lang="en-US" dirty="0"/>
+              <a:t>Compare 3 methods of estimation:</a:t>
+            </a:r>
+          </a:p>
+          <a:p>
+            <a:pPr lvl="1"/>
+            <a:r>
+              <a:rPr lang="en-US" dirty="0"/>
+              <a:t>RANSAC</a:t>
+            </a:r>
+          </a:p>
+          <a:p>
+            <a:pPr lvl="1"/>
+            <a:r>
+              <a:rPr lang="en-US" dirty="0"/>
+              <a:t>RANSAC with median filter</a:t>
+            </a:r>
+          </a:p>
+          <a:p>
+            <a:pPr lvl="1"/>
+            <a:r>
+              <a:rPr lang="en-US" dirty="0"/>
+              <a:t>LSM</a:t>
+            </a:r>
+          </a:p>
+          <a:p>
+            <a:pPr lvl="1"/>
+            <a:endParaRPr lang="en-US" dirty="0"/>
+          </a:p>
+          <a:p>
+            <a:endParaRPr lang="en-US" dirty="0"/>
+          </a:p>
+        </p:txBody>
+      </p:sp>
+      <p:sp>
+        <p:nvSpPr>
+          <p:cNvPr id="4" name="Date Placeholder 3">
+            <a:extLst>
+              <a:ext uri="{FF2B5EF4-FFF2-40B4-BE49-F238E27FC236}">
+                <a16:creationId xmlns:a16="http://schemas.microsoft.com/office/drawing/2014/main" id="{59913B85-3B4F-43D3-A7E9-D06F5E37C6C1}"/>
+              </a:ext>
+            </a:extLst>
+          </p:cNvPr>
+          <p:cNvSpPr>
+            <a:spLocks noGrp="1"/>
+          </p:cNvSpPr>
+          <p:nvPr>
+            <p:ph type="dt" sz="half" idx="10"/>
+          </p:nvPr>
+        </p:nvSpPr>
+        <p:spPr/>
+        <p:txBody>
+          <a:bodyPr/>
+          <a:lstStyle/>
+          <a:p>
+            <a:fld id="{F736EC4A-E5B7-42C2-9943-4D2477F0E2BA}" type="datetime1">
+              <a:rPr lang="en-US" smtClean="0"/>
+              <a:t>9/29/2021</a:t>
+            </a:fld>
+            <a:endParaRPr lang="en-US" dirty="0"/>
+          </a:p>
+        </p:txBody>
+      </p:sp>
+      <p:sp>
+        <p:nvSpPr>
+          <p:cNvPr id="5" name="Footer Placeholder 4">
+            <a:extLst>
+              <a:ext uri="{FF2B5EF4-FFF2-40B4-BE49-F238E27FC236}">
+                <a16:creationId xmlns:a16="http://schemas.microsoft.com/office/drawing/2014/main" id="{C5649577-8229-4DC9-AE82-59C3A5BA0515}"/>
+              </a:ext>
+            </a:extLst>
+          </p:cNvPr>
+          <p:cNvSpPr>
+            <a:spLocks noGrp="1"/>
+          </p:cNvSpPr>
+          <p:nvPr>
+            <p:ph type="ftr" sz="quarter" idx="11"/>
+          </p:nvPr>
+        </p:nvSpPr>
+        <p:spPr/>
+        <p:txBody>
+          <a:bodyPr/>
+          <a:lstStyle/>
+          <a:p>
+            <a:r>
+              <a:rPr lang="en-US" dirty="0"/>
+              <a:t>Yarden Akaby &amp; Etai Sella</a:t>
+            </a:r>
+          </a:p>
+        </p:txBody>
+      </p:sp>
+      <p:sp>
+        <p:nvSpPr>
+          <p:cNvPr id="6" name="Slide Number Placeholder 5">
+            <a:extLst>
+              <a:ext uri="{FF2B5EF4-FFF2-40B4-BE49-F238E27FC236}">
+                <a16:creationId xmlns:a16="http://schemas.microsoft.com/office/drawing/2014/main" id="{1B57282B-C25D-48B2-A667-C1D467EB1137}"/>
+              </a:ext>
+            </a:extLst>
+          </p:cNvPr>
+          <p:cNvSpPr>
+            <a:spLocks noGrp="1"/>
+          </p:cNvSpPr>
+          <p:nvPr>
+            <p:ph type="sldNum" sz="quarter" idx="12"/>
+          </p:nvPr>
+        </p:nvSpPr>
+        <p:spPr/>
+        <p:txBody>
+          <a:bodyPr/>
+          <a:lstStyle/>
+          <a:p>
+            <a:fld id="{C629165E-D59B-453D-B763-34340D7036F6}" type="slidenum">
+              <a:rPr lang="en-US" smtClean="0"/>
+              <a:t>24</a:t>
+            </a:fld>
+            <a:endParaRPr lang="en-US" dirty="0"/>
+          </a:p>
+        </p:txBody>
+      </p:sp>
+      <p:pic>
+        <p:nvPicPr>
+          <p:cNvPr id="10" name="תמונה 9">
+            <a:extLst>
+              <a:ext uri="{FF2B5EF4-FFF2-40B4-BE49-F238E27FC236}">
+                <a16:creationId xmlns:a16="http://schemas.microsoft.com/office/drawing/2014/main" id="{78573B4E-BDFC-479F-8F62-3B7CCEFC5923}"/>
+              </a:ext>
+            </a:extLst>
+          </p:cNvPr>
+          <p:cNvPicPr>
+            <a:picLocks noChangeAspect="1"/>
+          </p:cNvPicPr>
+          <p:nvPr/>
+        </p:nvPicPr>
+        <p:blipFill>
+          <a:blip r:embed="rId3"/>
+          <a:stretch>
+            <a:fillRect/>
+          </a:stretch>
+        </p:blipFill>
+        <p:spPr>
+          <a:xfrm>
+            <a:off x="6804839" y="3817232"/>
+            <a:ext cx="4010797" cy="2944635"/>
+          </a:xfrm>
+          <a:prstGeom prst="rect">
+            <a:avLst/>
+          </a:prstGeom>
+        </p:spPr>
+      </p:pic>
+    </p:spTree>
+    <p:extLst>
+      <p:ext uri="{BB962C8B-B14F-4D97-AF65-F5344CB8AC3E}">
+        <p14:creationId xmlns:p14="http://schemas.microsoft.com/office/powerpoint/2010/main" val="573499685"/>
+      </p:ext>
+    </p:extLst>
+  </p:cSld>
+  <p:clrMapOvr>
+    <a:masterClrMapping/>
+  </p:clrMapOvr>
+</p:sld>
+</file>
+
+<file path=ppt/slides/slide25.xml><?xml version="1.0" encoding="utf-8"?>
+<p:sld xmlns:a="http://schemas.openxmlformats.org/drawingml/2006/main" xmlns:r="http://schemas.openxmlformats.org/officeDocument/2006/relationships" xmlns:p="http://schemas.openxmlformats.org/presentationml/2006/main">
+  <p:cSld>
+    <p:spTree>
+      <p:nvGrpSpPr>
+        <p:cNvPr id="1" name=""/>
+        <p:cNvGrpSpPr/>
+        <p:nvPr/>
+      </p:nvGrpSpPr>
+      <p:grpSpPr>
+        <a:xfrm>
+          <a:off x="0" y="0"/>
+          <a:ext cx="0" cy="0"/>
+          <a:chOff x="0" y="0"/>
+          <a:chExt cx="0" cy="0"/>
+        </a:xfrm>
+      </p:grpSpPr>
+      <p:sp>
+        <p:nvSpPr>
+          <p:cNvPr id="2" name="Title 1">
+            <a:extLst>
+              <a:ext uri="{FF2B5EF4-FFF2-40B4-BE49-F238E27FC236}">
+                <a16:creationId xmlns:a16="http://schemas.microsoft.com/office/drawing/2014/main" id="{143B5247-4B5C-44D2-AE13-25DD403557B4}"/>
+              </a:ext>
+            </a:extLst>
+          </p:cNvPr>
+          <p:cNvSpPr>
+            <a:spLocks noGrp="1"/>
+          </p:cNvSpPr>
+          <p:nvPr>
+            <p:ph type="title"/>
+          </p:nvPr>
+        </p:nvSpPr>
+        <p:spPr/>
+        <p:txBody>
+          <a:bodyPr>
+            <a:normAutofit/>
+          </a:bodyPr>
+          <a:lstStyle/>
+          <a:p>
+            <a:r>
+              <a:rPr lang="en-US" dirty="0"/>
+              <a:t>Tests and Simulations - RANSAC</a:t>
+            </a:r>
+          </a:p>
+        </p:txBody>
+      </p:sp>
+      <p:sp>
+        <p:nvSpPr>
+          <p:cNvPr id="3" name="Content Placeholder 2">
+            <a:extLst>
+              <a:ext uri="{FF2B5EF4-FFF2-40B4-BE49-F238E27FC236}">
+                <a16:creationId xmlns:a16="http://schemas.microsoft.com/office/drawing/2014/main" id="{8BB29A69-51F4-4CEE-B950-D3A7C19E951E}"/>
+              </a:ext>
+            </a:extLst>
+          </p:cNvPr>
+          <p:cNvSpPr>
+            <a:spLocks noGrp="1"/>
+          </p:cNvSpPr>
+          <p:nvPr>
+            <p:ph idx="1"/>
+          </p:nvPr>
+        </p:nvSpPr>
+        <p:spPr/>
+        <p:txBody>
+          <a:bodyPr>
+            <a:normAutofit/>
+          </a:bodyPr>
+          <a:lstStyle/>
+          <a:p>
+            <a:r>
+              <a:rPr lang="en-US" dirty="0"/>
+              <a:t>Create 100 trials:</a:t>
+            </a:r>
+          </a:p>
+          <a:p>
+            <a:pPr lvl="1"/>
+            <a:r>
+              <a:rPr lang="en-US" dirty="0"/>
+              <a:t>1 chirp signal</a:t>
+            </a:r>
+          </a:p>
+          <a:p>
+            <a:pPr lvl="1"/>
+            <a:r>
+              <a:rPr lang="en-US" dirty="0"/>
+              <a:t>15 different noise variation</a:t>
+            </a:r>
+          </a:p>
+          <a:p>
+            <a:r>
+              <a:rPr lang="en-US" dirty="0"/>
+              <a:t>Use STFT</a:t>
+            </a:r>
+          </a:p>
+          <a:p>
+            <a:r>
+              <a:rPr lang="en-US" b="1" dirty="0"/>
+              <a:t>Extracting </a:t>
+            </a:r>
+            <a:r>
+              <a:rPr lang="en-US" b="1" dirty="0" err="1"/>
+              <a:t>Maximas</a:t>
+            </a:r>
+            <a:r>
+              <a:rPr lang="en-US" b="1" dirty="0"/>
+              <a:t> &amp; Median Filtering</a:t>
+            </a:r>
+          </a:p>
+          <a:p>
+            <a:r>
+              <a:rPr lang="en-US" dirty="0"/>
+              <a:t>Compare 3 methods of estimation:</a:t>
+            </a:r>
+          </a:p>
+          <a:p>
+            <a:pPr lvl="1"/>
+            <a:r>
+              <a:rPr lang="en-US" dirty="0"/>
+              <a:t>RANSAC</a:t>
+            </a:r>
+          </a:p>
+          <a:p>
+            <a:pPr lvl="1"/>
+            <a:r>
+              <a:rPr lang="en-US" dirty="0"/>
+              <a:t>RANSAC with median filter</a:t>
+            </a:r>
+          </a:p>
+          <a:p>
+            <a:pPr lvl="1"/>
+            <a:r>
+              <a:rPr lang="en-US" dirty="0"/>
+              <a:t>LSM</a:t>
+            </a:r>
+          </a:p>
+          <a:p>
+            <a:pPr lvl="1"/>
+            <a:endParaRPr lang="en-US" dirty="0"/>
+          </a:p>
+          <a:p>
+            <a:endParaRPr lang="en-US" dirty="0"/>
+          </a:p>
+        </p:txBody>
+      </p:sp>
+      <p:sp>
+        <p:nvSpPr>
+          <p:cNvPr id="4" name="Date Placeholder 3">
+            <a:extLst>
+              <a:ext uri="{FF2B5EF4-FFF2-40B4-BE49-F238E27FC236}">
+                <a16:creationId xmlns:a16="http://schemas.microsoft.com/office/drawing/2014/main" id="{59913B85-3B4F-43D3-A7E9-D06F5E37C6C1}"/>
+              </a:ext>
+            </a:extLst>
+          </p:cNvPr>
+          <p:cNvSpPr>
+            <a:spLocks noGrp="1"/>
+          </p:cNvSpPr>
+          <p:nvPr>
+            <p:ph type="dt" sz="half" idx="10"/>
+          </p:nvPr>
+        </p:nvSpPr>
+        <p:spPr/>
+        <p:txBody>
+          <a:bodyPr/>
+          <a:lstStyle/>
+          <a:p>
+            <a:fld id="{F736EC4A-E5B7-42C2-9943-4D2477F0E2BA}" type="datetime1">
+              <a:rPr lang="en-US" smtClean="0"/>
+              <a:t>9/29/2021</a:t>
+            </a:fld>
+            <a:endParaRPr lang="en-US" dirty="0"/>
+          </a:p>
+        </p:txBody>
+      </p:sp>
+      <p:sp>
+        <p:nvSpPr>
+          <p:cNvPr id="5" name="Footer Placeholder 4">
+            <a:extLst>
+              <a:ext uri="{FF2B5EF4-FFF2-40B4-BE49-F238E27FC236}">
+                <a16:creationId xmlns:a16="http://schemas.microsoft.com/office/drawing/2014/main" id="{C5649577-8229-4DC9-AE82-59C3A5BA0515}"/>
+              </a:ext>
+            </a:extLst>
+          </p:cNvPr>
+          <p:cNvSpPr>
+            <a:spLocks noGrp="1"/>
+          </p:cNvSpPr>
+          <p:nvPr>
+            <p:ph type="ftr" sz="quarter" idx="11"/>
+          </p:nvPr>
+        </p:nvSpPr>
+        <p:spPr/>
+        <p:txBody>
+          <a:bodyPr/>
+          <a:lstStyle/>
+          <a:p>
+            <a:r>
+              <a:rPr lang="en-US" dirty="0"/>
+              <a:t>Yarden Akaby &amp; Etai Sella</a:t>
+            </a:r>
+          </a:p>
+        </p:txBody>
+      </p:sp>
+      <p:sp>
+        <p:nvSpPr>
+          <p:cNvPr id="6" name="Slide Number Placeholder 5">
+            <a:extLst>
+              <a:ext uri="{FF2B5EF4-FFF2-40B4-BE49-F238E27FC236}">
+                <a16:creationId xmlns:a16="http://schemas.microsoft.com/office/drawing/2014/main" id="{1B57282B-C25D-48B2-A667-C1D467EB1137}"/>
+              </a:ext>
+            </a:extLst>
+          </p:cNvPr>
+          <p:cNvSpPr>
+            <a:spLocks noGrp="1"/>
+          </p:cNvSpPr>
+          <p:nvPr>
+            <p:ph type="sldNum" sz="quarter" idx="12"/>
+          </p:nvPr>
+        </p:nvSpPr>
+        <p:spPr/>
+        <p:txBody>
+          <a:bodyPr/>
+          <a:lstStyle/>
+          <a:p>
+            <a:fld id="{C629165E-D59B-453D-B763-34340D7036F6}" type="slidenum">
+              <a:rPr lang="en-US" smtClean="0"/>
+              <a:t>25</a:t>
+            </a:fld>
+            <a:endParaRPr lang="en-US" dirty="0"/>
+          </a:p>
+        </p:txBody>
+      </p:sp>
+      <p:pic>
+        <p:nvPicPr>
+          <p:cNvPr id="11" name="Picture 10">
+            <a:extLst>
+              <a:ext uri="{FF2B5EF4-FFF2-40B4-BE49-F238E27FC236}">
+                <a16:creationId xmlns:a16="http://schemas.microsoft.com/office/drawing/2014/main" id="{3BE07CEC-65B2-4EF9-A2C5-239031B7B0B3}"/>
+              </a:ext>
+            </a:extLst>
+          </p:cNvPr>
+          <p:cNvPicPr>
+            <a:picLocks noChangeAspect="1"/>
+          </p:cNvPicPr>
+          <p:nvPr/>
+        </p:nvPicPr>
+        <p:blipFill>
+          <a:blip r:embed="rId3"/>
+          <a:stretch>
+            <a:fillRect/>
+          </a:stretch>
+        </p:blipFill>
+        <p:spPr>
+          <a:xfrm>
+            <a:off x="6918526" y="3825875"/>
+            <a:ext cx="4038601" cy="2927350"/>
+          </a:xfrm>
+          <a:prstGeom prst="rect">
+            <a:avLst/>
+          </a:prstGeom>
+        </p:spPr>
+      </p:pic>
+    </p:spTree>
+    <p:extLst>
+      <p:ext uri="{BB962C8B-B14F-4D97-AF65-F5344CB8AC3E}">
+        <p14:creationId xmlns:p14="http://schemas.microsoft.com/office/powerpoint/2010/main" val="2025183130"/>
+      </p:ext>
+    </p:extLst>
+  </p:cSld>
+  <p:clrMapOvr>
+    <a:masterClrMapping/>
+  </p:clrMapOvr>
+</p:sld>
+</file>
+
+<file path=ppt/slides/slide26.xml><?xml version="1.0" encoding="utf-8"?>
+<p:sld xmlns:a="http://schemas.openxmlformats.org/drawingml/2006/main" xmlns:r="http://schemas.openxmlformats.org/officeDocument/2006/relationships" xmlns:p="http://schemas.openxmlformats.org/presentationml/2006/main">
+  <p:cSld>
+    <p:spTree>
+      <p:nvGrpSpPr>
+        <p:cNvPr id="1" name=""/>
+        <p:cNvGrpSpPr/>
+        <p:nvPr/>
+      </p:nvGrpSpPr>
+      <p:grpSpPr>
+        <a:xfrm>
+          <a:off x="0" y="0"/>
+          <a:ext cx="0" cy="0"/>
+          <a:chOff x="0" y="0"/>
+          <a:chExt cx="0" cy="0"/>
+        </a:xfrm>
+      </p:grpSpPr>
+      <p:sp>
+        <p:nvSpPr>
+          <p:cNvPr id="2" name="Title 1">
+            <a:extLst>
+              <a:ext uri="{FF2B5EF4-FFF2-40B4-BE49-F238E27FC236}">
+                <a16:creationId xmlns:a16="http://schemas.microsoft.com/office/drawing/2014/main" id="{143B5247-4B5C-44D2-AE13-25DD403557B4}"/>
+              </a:ext>
+            </a:extLst>
+          </p:cNvPr>
+          <p:cNvSpPr>
+            <a:spLocks noGrp="1"/>
+          </p:cNvSpPr>
+          <p:nvPr>
+            <p:ph type="title"/>
+          </p:nvPr>
+        </p:nvSpPr>
+        <p:spPr/>
+        <p:txBody>
+          <a:bodyPr>
+            <a:normAutofit/>
+          </a:bodyPr>
+          <a:lstStyle/>
+          <a:p>
+            <a:r>
+              <a:rPr lang="en-US" dirty="0"/>
+              <a:t>Tests and Simulations - RANSAC</a:t>
+            </a:r>
+          </a:p>
+        </p:txBody>
+      </p:sp>
+      <p:sp>
+        <p:nvSpPr>
+          <p:cNvPr id="3" name="Content Placeholder 2">
+            <a:extLst>
+              <a:ext uri="{FF2B5EF4-FFF2-40B4-BE49-F238E27FC236}">
+                <a16:creationId xmlns:a16="http://schemas.microsoft.com/office/drawing/2014/main" id="{8BB29A69-51F4-4CEE-B950-D3A7C19E951E}"/>
+              </a:ext>
+            </a:extLst>
+          </p:cNvPr>
+          <p:cNvSpPr>
+            <a:spLocks noGrp="1"/>
+          </p:cNvSpPr>
+          <p:nvPr>
+            <p:ph idx="1"/>
+          </p:nvPr>
+        </p:nvSpPr>
+        <p:spPr/>
+        <p:txBody>
+          <a:bodyPr>
+            <a:normAutofit/>
+          </a:bodyPr>
+          <a:lstStyle/>
+          <a:p>
+            <a:r>
+              <a:rPr lang="en-US" dirty="0"/>
+              <a:t>Create 100 trials:</a:t>
+            </a:r>
+          </a:p>
+          <a:p>
+            <a:pPr lvl="1"/>
+            <a:r>
+              <a:rPr lang="en-US" dirty="0"/>
+              <a:t>1 chirp signal</a:t>
+            </a:r>
+          </a:p>
+          <a:p>
+            <a:pPr lvl="1"/>
+            <a:r>
+              <a:rPr lang="en-US" dirty="0"/>
+              <a:t>15 different noise variation</a:t>
+            </a:r>
+          </a:p>
+          <a:p>
+            <a:r>
+              <a:rPr lang="en-US" dirty="0"/>
+              <a:t>Use STFT</a:t>
+            </a:r>
+          </a:p>
+          <a:p>
+            <a:r>
+              <a:rPr lang="en-US" dirty="0"/>
+              <a:t>Extracting </a:t>
+            </a:r>
+            <a:r>
+              <a:rPr lang="en-US" dirty="0" err="1"/>
+              <a:t>Maximas</a:t>
+            </a:r>
+            <a:r>
+              <a:rPr lang="en-US" dirty="0"/>
+              <a:t> &amp; Median Filtering</a:t>
+            </a:r>
+          </a:p>
+          <a:p>
+            <a:r>
+              <a:rPr lang="en-US" b="1" dirty="0"/>
+              <a:t>Compare 3 methods of estimation:</a:t>
+            </a:r>
+          </a:p>
+          <a:p>
+            <a:pPr lvl="1"/>
+            <a:r>
+              <a:rPr lang="en-US" dirty="0"/>
+              <a:t>RANSAC</a:t>
+            </a:r>
+          </a:p>
+          <a:p>
+            <a:pPr lvl="1"/>
+            <a:r>
+              <a:rPr lang="en-US" dirty="0"/>
+              <a:t>RANSAC with median filter</a:t>
+            </a:r>
+          </a:p>
+          <a:p>
+            <a:pPr lvl="1"/>
+            <a:r>
+              <a:rPr lang="en-US" dirty="0"/>
+              <a:t>LSM</a:t>
+            </a:r>
+          </a:p>
+          <a:p>
+            <a:pPr lvl="1"/>
+            <a:endParaRPr lang="en-US" dirty="0"/>
+          </a:p>
+          <a:p>
+            <a:endParaRPr lang="en-US" dirty="0"/>
+          </a:p>
+        </p:txBody>
+      </p:sp>
+      <p:sp>
+        <p:nvSpPr>
+          <p:cNvPr id="4" name="Date Placeholder 3">
+            <a:extLst>
+              <a:ext uri="{FF2B5EF4-FFF2-40B4-BE49-F238E27FC236}">
+                <a16:creationId xmlns:a16="http://schemas.microsoft.com/office/drawing/2014/main" id="{59913B85-3B4F-43D3-A7E9-D06F5E37C6C1}"/>
+              </a:ext>
+            </a:extLst>
+          </p:cNvPr>
+          <p:cNvSpPr>
+            <a:spLocks noGrp="1"/>
+          </p:cNvSpPr>
+          <p:nvPr>
+            <p:ph type="dt" sz="half" idx="10"/>
+          </p:nvPr>
+        </p:nvSpPr>
+        <p:spPr/>
+        <p:txBody>
+          <a:bodyPr/>
+          <a:lstStyle/>
+          <a:p>
+            <a:fld id="{F736EC4A-E5B7-42C2-9943-4D2477F0E2BA}" type="datetime1">
+              <a:rPr lang="en-US" smtClean="0"/>
+              <a:t>9/29/2021</a:t>
+            </a:fld>
+            <a:endParaRPr lang="en-US" dirty="0"/>
+          </a:p>
+        </p:txBody>
+      </p:sp>
+      <p:sp>
+        <p:nvSpPr>
+          <p:cNvPr id="5" name="Footer Placeholder 4">
+            <a:extLst>
+              <a:ext uri="{FF2B5EF4-FFF2-40B4-BE49-F238E27FC236}">
+                <a16:creationId xmlns:a16="http://schemas.microsoft.com/office/drawing/2014/main" id="{C5649577-8229-4DC9-AE82-59C3A5BA0515}"/>
+              </a:ext>
+            </a:extLst>
+          </p:cNvPr>
+          <p:cNvSpPr>
+            <a:spLocks noGrp="1"/>
+          </p:cNvSpPr>
+          <p:nvPr>
+            <p:ph type="ftr" sz="quarter" idx="11"/>
+          </p:nvPr>
+        </p:nvSpPr>
+        <p:spPr/>
+        <p:txBody>
+          <a:bodyPr/>
+          <a:lstStyle/>
+          <a:p>
+            <a:r>
+              <a:rPr lang="en-US" dirty="0"/>
+              <a:t>Yarden Akaby &amp; Etai Sella</a:t>
+            </a:r>
+          </a:p>
+        </p:txBody>
+      </p:sp>
+      <p:sp>
+        <p:nvSpPr>
+          <p:cNvPr id="6" name="Slide Number Placeholder 5">
+            <a:extLst>
+              <a:ext uri="{FF2B5EF4-FFF2-40B4-BE49-F238E27FC236}">
+                <a16:creationId xmlns:a16="http://schemas.microsoft.com/office/drawing/2014/main" id="{1B57282B-C25D-48B2-A667-C1D467EB1137}"/>
+              </a:ext>
+            </a:extLst>
+          </p:cNvPr>
+          <p:cNvSpPr>
+            <a:spLocks noGrp="1"/>
+          </p:cNvSpPr>
+          <p:nvPr>
+            <p:ph type="sldNum" sz="quarter" idx="12"/>
+          </p:nvPr>
+        </p:nvSpPr>
+        <p:spPr/>
+        <p:txBody>
+          <a:bodyPr/>
+          <a:lstStyle/>
+          <a:p>
+            <a:fld id="{C629165E-D59B-453D-B763-34340D7036F6}" type="slidenum">
+              <a:rPr lang="en-US" smtClean="0"/>
+              <a:t>26</a:t>
+            </a:fld>
+            <a:endParaRPr lang="en-US" dirty="0"/>
+          </a:p>
+        </p:txBody>
+      </p:sp>
+      <p:pic>
+        <p:nvPicPr>
+          <p:cNvPr id="9" name="תמונה 8">
+            <a:extLst>
+              <a:ext uri="{FF2B5EF4-FFF2-40B4-BE49-F238E27FC236}">
+                <a16:creationId xmlns:a16="http://schemas.microsoft.com/office/drawing/2014/main" id="{1313EB87-A1DF-48D6-8E46-0E527EA79E47}"/>
+              </a:ext>
+            </a:extLst>
+          </p:cNvPr>
+          <p:cNvPicPr>
+            <a:picLocks noChangeAspect="1"/>
+          </p:cNvPicPr>
+          <p:nvPr/>
+        </p:nvPicPr>
+        <p:blipFill>
+          <a:blip r:embed="rId3">
+            <a:extLst>
+              <a:ext uri="{28A0092B-C50C-407E-A947-70E740481C1C}">
+                <a14:useLocalDpi xmlns:a14="http://schemas.microsoft.com/office/drawing/2010/main" val="0"/>
+              </a:ext>
+            </a:extLst>
+          </a:blip>
+          <a:stretch>
+            <a:fillRect/>
+          </a:stretch>
+        </p:blipFill>
+        <p:spPr>
+          <a:xfrm>
+            <a:off x="6939708" y="3836077"/>
+            <a:ext cx="3875928" cy="2906946"/>
+          </a:xfrm>
+          <a:prstGeom prst="rect">
+            <a:avLst/>
+          </a:prstGeom>
+        </p:spPr>
+      </p:pic>
+    </p:spTree>
+    <p:extLst>
+      <p:ext uri="{BB962C8B-B14F-4D97-AF65-F5344CB8AC3E}">
+        <p14:creationId xmlns:p14="http://schemas.microsoft.com/office/powerpoint/2010/main" val="1200729130"/>
+      </p:ext>
+    </p:extLst>
+  </p:cSld>
+  <p:clrMapOvr>
+    <a:masterClrMapping/>
+  </p:clrMapOvr>
+</p:sld>
+</file>
+
+<file path=ppt/slides/slide27.xml><?xml version="1.0" encoding="utf-8"?>
+<p:sld xmlns:a="http://schemas.openxmlformats.org/drawingml/2006/main" xmlns:r="http://schemas.openxmlformats.org/officeDocument/2006/relationships" xmlns:p="http://schemas.openxmlformats.org/presentationml/2006/main">
+  <p:cSld>
+    <p:spTree>
+      <p:nvGrpSpPr>
+        <p:cNvPr id="1" name=""/>
+        <p:cNvGrpSpPr/>
+        <p:nvPr/>
+      </p:nvGrpSpPr>
+      <p:grpSpPr>
+        <a:xfrm>
+          <a:off x="0" y="0"/>
+          <a:ext cx="0" cy="0"/>
+          <a:chOff x="0" y="0"/>
+          <a:chExt cx="0" cy="0"/>
+        </a:xfrm>
+      </p:grpSpPr>
+      <p:sp>
+        <p:nvSpPr>
+          <p:cNvPr id="2" name="Title 1">
+            <a:extLst>
+              <a:ext uri="{FF2B5EF4-FFF2-40B4-BE49-F238E27FC236}">
+                <a16:creationId xmlns:a16="http://schemas.microsoft.com/office/drawing/2014/main" id="{143B5247-4B5C-44D2-AE13-25DD403557B4}"/>
+              </a:ext>
+            </a:extLst>
+          </p:cNvPr>
+          <p:cNvSpPr>
+            <a:spLocks noGrp="1"/>
+          </p:cNvSpPr>
+          <p:nvPr>
+            <p:ph type="title"/>
+          </p:nvPr>
+        </p:nvSpPr>
+        <p:spPr/>
+        <p:txBody>
+          <a:bodyPr>
+            <a:normAutofit/>
+          </a:bodyPr>
+          <a:lstStyle/>
+          <a:p>
+            <a:r>
+              <a:rPr lang="en-US" dirty="0"/>
+              <a:t>Tests and Simulations - RANSAC</a:t>
+            </a:r>
+          </a:p>
+        </p:txBody>
+      </p:sp>
+      <p:sp>
+        <p:nvSpPr>
+          <p:cNvPr id="3" name="Content Placeholder 2">
+            <a:extLst>
+              <a:ext uri="{FF2B5EF4-FFF2-40B4-BE49-F238E27FC236}">
+                <a16:creationId xmlns:a16="http://schemas.microsoft.com/office/drawing/2014/main" id="{8BB29A69-51F4-4CEE-B950-D3A7C19E951E}"/>
+              </a:ext>
+            </a:extLst>
+          </p:cNvPr>
+          <p:cNvSpPr>
+            <a:spLocks noGrp="1"/>
+          </p:cNvSpPr>
+          <p:nvPr>
+            <p:ph idx="1"/>
+          </p:nvPr>
+        </p:nvSpPr>
+        <p:spPr/>
+        <p:txBody>
+          <a:bodyPr>
+            <a:normAutofit/>
+          </a:bodyPr>
+          <a:lstStyle/>
+          <a:p>
             <a:pPr marL="0" indent="0">
               <a:buNone/>
             </a:pPr>
             <a:r>
-              <a:rPr lang="en-US" dirty="0"/>
-              <a:t>Example of estimations</a:t>
-            </a:r>
+              <a:rPr lang="en-US" u="sng" dirty="0"/>
+              <a:t>Graph of CRE against SNR</a:t>
+            </a:r>
+          </a:p>
+          <a:p>
+            <a:endParaRPr lang="en-US" dirty="0"/>
           </a:p>
         </p:txBody>
       </p:sp>
@@ -9116,7 +10249,7 @@
           <a:p>
             <a:fld id="{F736EC4A-E5B7-42C2-9943-4D2477F0E2BA}" type="datetime1">
               <a:rPr lang="en-US" smtClean="0"/>
-              <a:t>9/28/2021</a:t>
+              <a:t>9/29/2021</a:t>
             </a:fld>
             <a:endParaRPr lang="en-US" dirty="0"/>
           </a:p>
@@ -9173,7 +10306,252 @@
           <a:p>
             <a:fld id="{C629165E-D59B-453D-B763-34340D7036F6}" type="slidenum">
               <a:rPr lang="en-US" smtClean="0"/>
-              <a:t>24</a:t>
+              <a:t>27</a:t>
+            </a:fld>
+            <a:endParaRPr lang="en-US" dirty="0"/>
+          </a:p>
+        </p:txBody>
+      </p:sp>
+      <p:pic>
+        <p:nvPicPr>
+          <p:cNvPr id="8" name="תמונה 7">
+            <a:extLst>
+              <a:ext uri="{FF2B5EF4-FFF2-40B4-BE49-F238E27FC236}">
+                <a16:creationId xmlns:a16="http://schemas.microsoft.com/office/drawing/2014/main" id="{CBD05260-F342-4BC4-9A32-BF30546BBBB4}"/>
+              </a:ext>
+            </a:extLst>
+          </p:cNvPr>
+          <p:cNvPicPr>
+            <a:picLocks noChangeAspect="1"/>
+          </p:cNvPicPr>
+          <p:nvPr/>
+        </p:nvPicPr>
+        <p:blipFill>
+          <a:blip r:embed="rId3"/>
+          <a:stretch>
+            <a:fillRect/>
+          </a:stretch>
+        </p:blipFill>
+        <p:spPr>
+          <a:xfrm>
+            <a:off x="3041480" y="2459835"/>
+            <a:ext cx="5227223" cy="3404206"/>
+          </a:xfrm>
+          <a:prstGeom prst="rect">
+            <a:avLst/>
+          </a:prstGeom>
+        </p:spPr>
+      </p:pic>
+      <p:pic>
+        <p:nvPicPr>
+          <p:cNvPr id="9" name="תמונה 8">
+            <a:extLst>
+              <a:ext uri="{FF2B5EF4-FFF2-40B4-BE49-F238E27FC236}">
+                <a16:creationId xmlns:a16="http://schemas.microsoft.com/office/drawing/2014/main" id="{A1DAEC18-DB3D-40FE-A13F-4D80733E7B89}"/>
+              </a:ext>
+            </a:extLst>
+          </p:cNvPr>
+          <p:cNvPicPr>
+            <a:picLocks noChangeAspect="1"/>
+          </p:cNvPicPr>
+          <p:nvPr/>
+        </p:nvPicPr>
+        <p:blipFill>
+          <a:blip r:embed="rId4">
+            <a:extLst>
+              <a:ext uri="{28A0092B-C50C-407E-A947-70E740481C1C}">
+                <a14:useLocalDpi xmlns:a14="http://schemas.microsoft.com/office/drawing/2010/main" val="0"/>
+              </a:ext>
+            </a:extLst>
+          </a:blip>
+          <a:stretch>
+            <a:fillRect/>
+          </a:stretch>
+        </p:blipFill>
+        <p:spPr>
+          <a:xfrm>
+            <a:off x="3272827" y="2290645"/>
+            <a:ext cx="4764528" cy="3573396"/>
+          </a:xfrm>
+          <a:prstGeom prst="rect">
+            <a:avLst/>
+          </a:prstGeom>
+        </p:spPr>
+      </p:pic>
+    </p:spTree>
+    <p:extLst>
+      <p:ext uri="{BB962C8B-B14F-4D97-AF65-F5344CB8AC3E}">
+        <p14:creationId xmlns:p14="http://schemas.microsoft.com/office/powerpoint/2010/main" val="210292874"/>
+      </p:ext>
+    </p:extLst>
+  </p:cSld>
+  <p:clrMapOvr>
+    <a:masterClrMapping/>
+  </p:clrMapOvr>
+</p:sld>
+</file>
+
+<file path=ppt/slides/slide28.xml><?xml version="1.0" encoding="utf-8"?>
+<p:sld xmlns:a="http://schemas.openxmlformats.org/drawingml/2006/main" xmlns:r="http://schemas.openxmlformats.org/officeDocument/2006/relationships" xmlns:p="http://schemas.openxmlformats.org/presentationml/2006/main">
+  <p:cSld>
+    <p:spTree>
+      <p:nvGrpSpPr>
+        <p:cNvPr id="1" name=""/>
+        <p:cNvGrpSpPr/>
+        <p:nvPr/>
+      </p:nvGrpSpPr>
+      <p:grpSpPr>
+        <a:xfrm>
+          <a:off x="0" y="0"/>
+          <a:ext cx="0" cy="0"/>
+          <a:chOff x="0" y="0"/>
+          <a:chExt cx="0" cy="0"/>
+        </a:xfrm>
+      </p:grpSpPr>
+      <p:sp>
+        <p:nvSpPr>
+          <p:cNvPr id="2" name="Title 1">
+            <a:extLst>
+              <a:ext uri="{FF2B5EF4-FFF2-40B4-BE49-F238E27FC236}">
+                <a16:creationId xmlns:a16="http://schemas.microsoft.com/office/drawing/2014/main" id="{143B5247-4B5C-44D2-AE13-25DD403557B4}"/>
+              </a:ext>
+            </a:extLst>
+          </p:cNvPr>
+          <p:cNvSpPr>
+            <a:spLocks noGrp="1"/>
+          </p:cNvSpPr>
+          <p:nvPr>
+            <p:ph type="title"/>
+          </p:nvPr>
+        </p:nvSpPr>
+        <p:spPr/>
+        <p:txBody>
+          <a:bodyPr>
+            <a:normAutofit/>
+          </a:bodyPr>
+          <a:lstStyle/>
+          <a:p>
+            <a:r>
+              <a:rPr lang="en-US" dirty="0"/>
+              <a:t>Tests and Simulations - RANSAC</a:t>
+            </a:r>
+          </a:p>
+        </p:txBody>
+      </p:sp>
+      <p:sp>
+        <p:nvSpPr>
+          <p:cNvPr id="3" name="Content Placeholder 2">
+            <a:extLst>
+              <a:ext uri="{FF2B5EF4-FFF2-40B4-BE49-F238E27FC236}">
+                <a16:creationId xmlns:a16="http://schemas.microsoft.com/office/drawing/2014/main" id="{8BB29A69-51F4-4CEE-B950-D3A7C19E951E}"/>
+              </a:ext>
+            </a:extLst>
+          </p:cNvPr>
+          <p:cNvSpPr>
+            <a:spLocks noGrp="1"/>
+          </p:cNvSpPr>
+          <p:nvPr>
+            <p:ph idx="1"/>
+          </p:nvPr>
+        </p:nvSpPr>
+        <p:spPr/>
+        <p:txBody>
+          <a:bodyPr>
+            <a:normAutofit/>
+          </a:bodyPr>
+          <a:lstStyle/>
+          <a:p>
+            <a:pPr marL="0" indent="0">
+              <a:buNone/>
+            </a:pPr>
+            <a:r>
+              <a:rPr lang="en-US" dirty="0"/>
+              <a:t>Example of estimations</a:t>
+            </a:r>
+          </a:p>
+        </p:txBody>
+      </p:sp>
+      <p:sp>
+        <p:nvSpPr>
+          <p:cNvPr id="4" name="Date Placeholder 3">
+            <a:extLst>
+              <a:ext uri="{FF2B5EF4-FFF2-40B4-BE49-F238E27FC236}">
+                <a16:creationId xmlns:a16="http://schemas.microsoft.com/office/drawing/2014/main" id="{59913B85-3B4F-43D3-A7E9-D06F5E37C6C1}"/>
+              </a:ext>
+            </a:extLst>
+          </p:cNvPr>
+          <p:cNvSpPr>
+            <a:spLocks noGrp="1"/>
+          </p:cNvSpPr>
+          <p:nvPr>
+            <p:ph type="dt" sz="half" idx="10"/>
+          </p:nvPr>
+        </p:nvSpPr>
+        <p:spPr/>
+        <p:txBody>
+          <a:bodyPr/>
+          <a:lstStyle/>
+          <a:p>
+            <a:fld id="{F736EC4A-E5B7-42C2-9943-4D2477F0E2BA}" type="datetime1">
+              <a:rPr lang="en-US" smtClean="0"/>
+              <a:t>9/29/2021</a:t>
+            </a:fld>
+            <a:endParaRPr lang="en-US" dirty="0"/>
+          </a:p>
+        </p:txBody>
+      </p:sp>
+      <p:sp>
+        <p:nvSpPr>
+          <p:cNvPr id="5" name="Footer Placeholder 4">
+            <a:extLst>
+              <a:ext uri="{FF2B5EF4-FFF2-40B4-BE49-F238E27FC236}">
+                <a16:creationId xmlns:a16="http://schemas.microsoft.com/office/drawing/2014/main" id="{C5649577-8229-4DC9-AE82-59C3A5BA0515}"/>
+              </a:ext>
+            </a:extLst>
+          </p:cNvPr>
+          <p:cNvSpPr>
+            <a:spLocks noGrp="1"/>
+          </p:cNvSpPr>
+          <p:nvPr>
+            <p:ph type="ftr" sz="quarter" idx="11"/>
+          </p:nvPr>
+        </p:nvSpPr>
+        <p:spPr/>
+        <p:txBody>
+          <a:bodyPr/>
+          <a:lstStyle/>
+          <a:p>
+            <a:r>
+              <a:rPr lang="en-US" dirty="0"/>
+              <a:t>Yarden Akaby &amp; Etai Sella</a:t>
+            </a:r>
+          </a:p>
+        </p:txBody>
+      </p:sp>
+      <p:sp>
+        <p:nvSpPr>
+          <p:cNvPr id="6" name="Slide Number Placeholder 5">
+            <a:extLst>
+              <a:ext uri="{FF2B5EF4-FFF2-40B4-BE49-F238E27FC236}">
+                <a16:creationId xmlns:a16="http://schemas.microsoft.com/office/drawing/2014/main" id="{1B57282B-C25D-48B2-A667-C1D467EB1137}"/>
+              </a:ext>
+            </a:extLst>
+          </p:cNvPr>
+          <p:cNvSpPr>
+            <a:spLocks noGrp="1"/>
+          </p:cNvSpPr>
+          <p:nvPr>
+            <p:ph type="sldNum" sz="quarter" idx="12"/>
+          </p:nvPr>
+        </p:nvSpPr>
+        <p:spPr/>
+        <p:txBody>
+          <a:bodyPr/>
+          <a:lstStyle/>
+          <a:p>
+            <a:fld id="{C629165E-D59B-453D-B763-34340D7036F6}" type="slidenum">
+              <a:rPr lang="en-US" smtClean="0"/>
+              <a:t>28</a:t>
             </a:fld>
             <a:endParaRPr lang="en-US" dirty="0"/>
           </a:p>
@@ -9222,7 +10600,7 @@
 </p:sld>
 </file>
 
-<file path=ppt/slides/slide25.xml><?xml version="1.0" encoding="utf-8"?>
+<file path=ppt/slides/slide29.xml><?xml version="1.0" encoding="utf-8"?>
 <p:sld xmlns:a="http://schemas.openxmlformats.org/drawingml/2006/main" xmlns:r="http://schemas.openxmlformats.org/officeDocument/2006/relationships" xmlns:p="http://schemas.openxmlformats.org/presentationml/2006/main">
   <p:cSld>
     <p:spTree>
@@ -9264,7 +10642,7 @@
           <a:p>
             <a:r>
               <a:rPr lang="en-US" dirty="0"/>
-              <a:t>Tests and Simulations - RANSAC</a:t>
+              <a:t>Tests and Simulations - Hough</a:t>
             </a:r>
           </a:p>
         </p:txBody>
@@ -9292,15 +10670,48 @@
           </a:bodyPr>
           <a:lstStyle/>
           <a:p>
-            <a:pPr marL="0" indent="0">
-              <a:buNone/>
-            </a:pPr>
-            <a:r>
-              <a:rPr lang="en-US" u="sng" dirty="0"/>
-              <a:t>Graph of CRE against SNR</a:t>
-            </a:r>
-          </a:p>
-          <a:p>
+            <a:r>
+              <a:rPr lang="en-US" dirty="0"/>
+              <a:t>Create 100 trials:</a:t>
+            </a:r>
+          </a:p>
+          <a:p>
+            <a:pPr lvl="1"/>
+            <a:r>
+              <a:rPr lang="en-US" dirty="0"/>
+              <a:t>2 different chirp signals</a:t>
+            </a:r>
+          </a:p>
+          <a:p>
+            <a:pPr lvl="1"/>
+            <a:r>
+              <a:rPr lang="en-US" dirty="0"/>
+              <a:t>15 different noise variation</a:t>
+            </a:r>
+          </a:p>
+          <a:p>
+            <a:r>
+              <a:rPr lang="en-US" dirty="0"/>
+              <a:t>Use STFT</a:t>
+            </a:r>
+          </a:p>
+          <a:p>
+            <a:r>
+              <a:rPr lang="en-US" dirty="0"/>
+              <a:t>Extract 2 time frequency curves using Hough transform</a:t>
+            </a:r>
+          </a:p>
+          <a:p>
+            <a:r>
+              <a:rPr lang="en-US" dirty="0"/>
+              <a:t>Evaluate CRE of each curve –Left &amp; Right</a:t>
+            </a:r>
+          </a:p>
+          <a:p>
+            <a:endParaRPr lang="en-US" dirty="0"/>
+          </a:p>
+          <a:p>
+            <a:pPr lvl="1"/>
             <a:endParaRPr lang="en-US" dirty="0"/>
           </a:p>
         </p:txBody>
@@ -9328,7 +10739,7 @@
           <a:p>
             <a:fld id="{F736EC4A-E5B7-42C2-9943-4D2477F0E2BA}" type="datetime1">
               <a:rPr lang="en-US" smtClean="0"/>
-              <a:t>9/28/2021</a:t>
+              <a:t>9/29/2021</a:t>
             </a:fld>
             <a:endParaRPr lang="en-US" dirty="0"/>
           </a:p>
@@ -9385,46 +10796,16 @@
           <a:p>
             <a:fld id="{C629165E-D59B-453D-B763-34340D7036F6}" type="slidenum">
               <a:rPr lang="en-US" smtClean="0"/>
-              <a:t>25</a:t>
+              <a:t>29</a:t>
             </a:fld>
             <a:endParaRPr lang="en-US" dirty="0"/>
           </a:p>
         </p:txBody>
       </p:sp>
-      <p:pic>
-        <p:nvPicPr>
-          <p:cNvPr id="8" name="תמונה 7">
-            <a:extLst>
-              <a:ext uri="{FF2B5EF4-FFF2-40B4-BE49-F238E27FC236}">
-                <a16:creationId xmlns:a16="http://schemas.microsoft.com/office/drawing/2014/main" id="{CBD05260-F342-4BC4-9A32-BF30546BBBB4}"/>
-              </a:ext>
-            </a:extLst>
-          </p:cNvPr>
-          <p:cNvPicPr>
-            <a:picLocks noChangeAspect="1"/>
-          </p:cNvPicPr>
-          <p:nvPr/>
-        </p:nvPicPr>
-        <p:blipFill>
-          <a:blip r:embed="rId3"/>
-          <a:stretch>
-            <a:fillRect/>
-          </a:stretch>
-        </p:blipFill>
-        <p:spPr>
-          <a:xfrm>
-            <a:off x="3041480" y="2459835"/>
-            <a:ext cx="5227223" cy="3404206"/>
-          </a:xfrm>
-          <a:prstGeom prst="rect">
-            <a:avLst/>
-          </a:prstGeom>
-        </p:spPr>
-      </p:pic>
     </p:spTree>
     <p:extLst>
       <p:ext uri="{BB962C8B-B14F-4D97-AF65-F5344CB8AC3E}">
-        <p14:creationId xmlns:p14="http://schemas.microsoft.com/office/powerpoint/2010/main" val="210292874"/>
+        <p14:creationId xmlns:p14="http://schemas.microsoft.com/office/powerpoint/2010/main" val="3328641539"/>
       </p:ext>
     </p:extLst>
   </p:cSld>
@@ -9434,7 +10815,7 @@
 </p:sld>
 </file>
 
-<file path=ppt/slides/slide26.xml><?xml version="1.0" encoding="utf-8"?>
+<file path=ppt/slides/slide3.xml><?xml version="1.0" encoding="utf-8"?>
 <p:sld xmlns:a="http://schemas.openxmlformats.org/drawingml/2006/main" xmlns:r="http://schemas.openxmlformats.org/officeDocument/2006/relationships" xmlns:p="http://schemas.openxmlformats.org/presentationml/2006/main">
   <p:cSld>
     <p:spTree>
@@ -9456,7 +10837,7 @@
           <p:cNvPr id="2" name="Title 1">
             <a:extLst>
               <a:ext uri="{FF2B5EF4-FFF2-40B4-BE49-F238E27FC236}">
-                <a16:creationId xmlns:a16="http://schemas.microsoft.com/office/drawing/2014/main" id="{143B5247-4B5C-44D2-AE13-25DD403557B4}"/>
+                <a16:creationId xmlns:a16="http://schemas.microsoft.com/office/drawing/2014/main" id="{AB41612C-CDF9-4105-A76A-E0AC444F5641}"/>
               </a:ext>
             </a:extLst>
           </p:cNvPr>
@@ -9469,14 +10850,12 @@
         </p:nvSpPr>
         <p:spPr/>
         <p:txBody>
-          <a:bodyPr>
-            <a:normAutofit/>
-          </a:bodyPr>
-          <a:lstStyle/>
-          <a:p>
-            <a:r>
-              <a:rPr lang="en-US" dirty="0"/>
-              <a:t>Tests and Simulations - HOUGH</a:t>
+          <a:bodyPr/>
+          <a:lstStyle/>
+          <a:p>
+            <a:r>
+              <a:rPr lang="en-US" dirty="0"/>
+              <a:t>Background and Motivation – LFM Signals</a:t>
             </a:r>
           </a:p>
         </p:txBody>
@@ -9486,7 +10865,7 @@
           <p:cNvPr id="3" name="Content Placeholder 2">
             <a:extLst>
               <a:ext uri="{FF2B5EF4-FFF2-40B4-BE49-F238E27FC236}">
-                <a16:creationId xmlns:a16="http://schemas.microsoft.com/office/drawing/2014/main" id="{8BB29A69-51F4-4CEE-B950-D3A7C19E951E}"/>
+                <a16:creationId xmlns:a16="http://schemas.microsoft.com/office/drawing/2014/main" id="{A470BF20-1EA3-41E8-9E42-65E12E31A1AA}"/>
               </a:ext>
             </a:extLst>
           </p:cNvPr>
@@ -9499,54 +10878,17 @@
         </p:nvSpPr>
         <p:spPr/>
         <p:txBody>
-          <a:bodyPr>
-            <a:normAutofit/>
-          </a:bodyPr>
-          <a:lstStyle/>
-          <a:p>
-            <a:r>
-              <a:rPr lang="en-US" dirty="0"/>
-              <a:t>Create 100 Trials:</a:t>
-            </a:r>
-          </a:p>
-          <a:p>
-            <a:pPr lvl="1"/>
-            <a:r>
-              <a:rPr lang="en-US" dirty="0"/>
-              <a:t>2 different chirp signals</a:t>
-            </a:r>
-          </a:p>
-          <a:p>
-            <a:pPr lvl="1"/>
-            <a:r>
-              <a:rPr lang="en-US" dirty="0"/>
-              <a:t>15 different noise variation</a:t>
-            </a:r>
-          </a:p>
-          <a:p>
-            <a:r>
-              <a:rPr lang="en-US" dirty="0"/>
-              <a:t>Use STFT</a:t>
-            </a:r>
-          </a:p>
-          <a:p>
-            <a:r>
-              <a:rPr lang="en-US" dirty="0"/>
-              <a:t>Extract 2 time frequency curves using Hough transform</a:t>
-            </a:r>
-          </a:p>
-          <a:p>
-            <a:r>
-              <a:rPr lang="en-US" dirty="0"/>
-              <a:t>Evaluate CRE of each curve –Left &amp; Right</a:t>
-            </a:r>
-          </a:p>
-          <a:p>
-            <a:endParaRPr lang="en-US" dirty="0"/>
-          </a:p>
-          <a:p>
-            <a:pPr lvl="1"/>
-            <a:endParaRPr lang="en-US" dirty="0"/>
+          <a:bodyPr/>
+          <a:lstStyle/>
+          <a:p>
+            <a:r>
+              <a:rPr lang="en-US" b="1" dirty="0"/>
+              <a:t>Linear Frequency Modulated </a:t>
+            </a:r>
+            <a:r>
+              <a:rPr lang="en-US" dirty="0"/>
+              <a:t>signals, or LFM signals, are a type of chirp signal in which the frequency of the signal either increases or decreases in a linear manner over a certain time interval</a:t>
+            </a:r>
           </a:p>
         </p:txBody>
       </p:sp>
@@ -9555,7 +10897,7 @@
           <p:cNvPr id="4" name="Date Placeholder 3">
             <a:extLst>
               <a:ext uri="{FF2B5EF4-FFF2-40B4-BE49-F238E27FC236}">
-                <a16:creationId xmlns:a16="http://schemas.microsoft.com/office/drawing/2014/main" id="{59913B85-3B4F-43D3-A7E9-D06F5E37C6C1}"/>
+                <a16:creationId xmlns:a16="http://schemas.microsoft.com/office/drawing/2014/main" id="{49F36727-99BC-4C5B-AAE3-B13AA9C619DD}"/>
               </a:ext>
             </a:extLst>
           </p:cNvPr>
@@ -9573,7 +10915,7 @@
           <a:p>
             <a:fld id="{F736EC4A-E5B7-42C2-9943-4D2477F0E2BA}" type="datetime1">
               <a:rPr lang="en-US" smtClean="0"/>
-              <a:t>9/28/2021</a:t>
+              <a:t>9/29/2021</a:t>
             </a:fld>
             <a:endParaRPr lang="en-US" dirty="0"/>
           </a:p>
@@ -9584,7 +10926,7 @@
           <p:cNvPr id="5" name="Footer Placeholder 4">
             <a:extLst>
               <a:ext uri="{FF2B5EF4-FFF2-40B4-BE49-F238E27FC236}">
-                <a16:creationId xmlns:a16="http://schemas.microsoft.com/office/drawing/2014/main" id="{C5649577-8229-4DC9-AE82-59C3A5BA0515}"/>
+                <a16:creationId xmlns:a16="http://schemas.microsoft.com/office/drawing/2014/main" id="{33CF2F71-992C-4D6D-94ED-BA14A60B0C74}"/>
               </a:ext>
             </a:extLst>
           </p:cNvPr>
@@ -9612,7 +10954,7 @@
           <p:cNvPr id="6" name="Slide Number Placeholder 5">
             <a:extLst>
               <a:ext uri="{FF2B5EF4-FFF2-40B4-BE49-F238E27FC236}">
-                <a16:creationId xmlns:a16="http://schemas.microsoft.com/office/drawing/2014/main" id="{1B57282B-C25D-48B2-A667-C1D467EB1137}"/>
+                <a16:creationId xmlns:a16="http://schemas.microsoft.com/office/drawing/2014/main" id="{1E169B89-C40B-43EE-B5FA-F08E04F40685}"/>
               </a:ext>
             </a:extLst>
           </p:cNvPr>
@@ -9630,16 +10972,52 @@
           <a:p>
             <a:fld id="{C629165E-D59B-453D-B763-34340D7036F6}" type="slidenum">
               <a:rPr lang="en-US" smtClean="0"/>
-              <a:t>26</a:t>
+              <a:t>3</a:t>
             </a:fld>
             <a:endParaRPr lang="en-US" dirty="0"/>
           </a:p>
         </p:txBody>
       </p:sp>
+      <p:pic>
+        <p:nvPicPr>
+          <p:cNvPr id="8" name="Picture 7" descr="Chart&#10;&#10;Description automatically generated">
+            <a:extLst>
+              <a:ext uri="{FF2B5EF4-FFF2-40B4-BE49-F238E27FC236}">
+                <a16:creationId xmlns:a16="http://schemas.microsoft.com/office/drawing/2014/main" id="{6FAD184A-25BE-41A0-AA27-3CC77F42009A}"/>
+              </a:ext>
+            </a:extLst>
+          </p:cNvPr>
+          <p:cNvPicPr>
+            <a:picLocks noChangeAspect="1"/>
+          </p:cNvPicPr>
+          <p:nvPr/>
+        </p:nvPicPr>
+        <p:blipFill>
+          <a:blip r:embed="rId2">
+            <a:extLst>
+              <a:ext uri="{28A0092B-C50C-407E-A947-70E740481C1C}">
+                <a14:useLocalDpi xmlns:a14="http://schemas.microsoft.com/office/drawing/2010/main" val="0"/>
+              </a:ext>
+            </a:extLst>
+          </a:blip>
+          <a:stretch>
+            <a:fillRect/>
+          </a:stretch>
+        </p:blipFill>
+        <p:spPr>
+          <a:xfrm>
+            <a:off x="2958245" y="3129032"/>
+            <a:ext cx="6275510" cy="2790756"/>
+          </a:xfrm>
+          <a:prstGeom prst="rect">
+            <a:avLst/>
+          </a:prstGeom>
+        </p:spPr>
+      </p:pic>
     </p:spTree>
     <p:extLst>
       <p:ext uri="{BB962C8B-B14F-4D97-AF65-F5344CB8AC3E}">
-        <p14:creationId xmlns:p14="http://schemas.microsoft.com/office/powerpoint/2010/main" val="3328641539"/>
+        <p14:creationId xmlns:p14="http://schemas.microsoft.com/office/powerpoint/2010/main" val="2083823028"/>
       </p:ext>
     </p:extLst>
   </p:cSld>
@@ -9649,7 +11027,7 @@
 </p:sld>
 </file>
 
-<file path=ppt/slides/slide27.xml><?xml version="1.0" encoding="utf-8"?>
+<file path=ppt/slides/slide30.xml><?xml version="1.0" encoding="utf-8"?>
 <p:sld xmlns:a="http://schemas.openxmlformats.org/drawingml/2006/main" xmlns:r="http://schemas.openxmlformats.org/officeDocument/2006/relationships" xmlns:p="http://schemas.openxmlformats.org/presentationml/2006/main">
   <p:cSld>
     <p:spTree>
@@ -9691,7 +11069,7 @@
           <a:p>
             <a:r>
               <a:rPr lang="en-US" dirty="0"/>
-              <a:t>Tests and Simulations - HOUGH</a:t>
+              <a:t>Tests and Simulations - Hough</a:t>
             </a:r>
           </a:p>
         </p:txBody>
@@ -9752,7 +11130,7 @@
           <a:p>
             <a:fld id="{F736EC4A-E5B7-42C2-9943-4D2477F0E2BA}" type="datetime1">
               <a:rPr lang="en-US" smtClean="0"/>
-              <a:t>9/28/2021</a:t>
+              <a:t>9/29/2021</a:t>
             </a:fld>
             <a:endParaRPr lang="en-US" dirty="0"/>
           </a:p>
@@ -9809,7 +11187,7 @@
           <a:p>
             <a:fld id="{C629165E-D59B-453D-B763-34340D7036F6}" type="slidenum">
               <a:rPr lang="en-US" smtClean="0"/>
-              <a:t>27</a:t>
+              <a:t>30</a:t>
             </a:fld>
             <a:endParaRPr lang="en-US" dirty="0"/>
           </a:p>
@@ -9858,7 +11236,7 @@
 </p:sld>
 </file>
 
-<file path=ppt/slides/slide28.xml><?xml version="1.0" encoding="utf-8"?>
+<file path=ppt/slides/slide31.xml><?xml version="1.0" encoding="utf-8"?>
 <p:sld xmlns:a="http://schemas.openxmlformats.org/drawingml/2006/main" xmlns:r="http://schemas.openxmlformats.org/officeDocument/2006/relationships" xmlns:p="http://schemas.openxmlformats.org/presentationml/2006/main">
   <p:cSld>
     <p:spTree>
@@ -9942,15 +11320,7 @@
           <a:p>
             <a:r>
               <a:rPr lang="en-US" dirty="0"/>
-              <a:t>Hough Transform is good as RANSAC in </a:t>
-            </a:r>
-            <a:r>
-              <a:rPr lang="en-US"/>
-              <a:t>estimating linear chirp </a:t>
-            </a:r>
-            <a:r>
-              <a:rPr lang="en-US" dirty="0"/>
-              <a:t>signals</a:t>
+              <a:t>Hough Transform is good as RANSAC in estimating linear chirp signals</a:t>
             </a:r>
           </a:p>
           <a:p>
@@ -9984,7 +11354,7 @@
           <a:p>
             <a:fld id="{F736EC4A-E5B7-42C2-9943-4D2477F0E2BA}" type="datetime1">
               <a:rPr lang="en-US" smtClean="0"/>
-              <a:t>9/28/2021</a:t>
+              <a:t>9/29/2021</a:t>
             </a:fld>
             <a:endParaRPr lang="en-US" dirty="0"/>
           </a:p>
@@ -10041,7 +11411,7 @@
           <a:p>
             <a:fld id="{C629165E-D59B-453D-B763-34340D7036F6}" type="slidenum">
               <a:rPr lang="en-US" smtClean="0"/>
-              <a:t>28</a:t>
+              <a:t>31</a:t>
             </a:fld>
             <a:endParaRPr lang="en-US" dirty="0"/>
           </a:p>
@@ -10051,218 +11421,6 @@
     <p:extLst>
       <p:ext uri="{BB962C8B-B14F-4D97-AF65-F5344CB8AC3E}">
         <p14:creationId xmlns:p14="http://schemas.microsoft.com/office/powerpoint/2010/main" val="2703478556"/>
-      </p:ext>
-    </p:extLst>
-  </p:cSld>
-  <p:clrMapOvr>
-    <a:masterClrMapping/>
-  </p:clrMapOvr>
-</p:sld>
-</file>
-
-<file path=ppt/slides/slide3.xml><?xml version="1.0" encoding="utf-8"?>
-<p:sld xmlns:a="http://schemas.openxmlformats.org/drawingml/2006/main" xmlns:r="http://schemas.openxmlformats.org/officeDocument/2006/relationships" xmlns:p="http://schemas.openxmlformats.org/presentationml/2006/main">
-  <p:cSld>
-    <p:spTree>
-      <p:nvGrpSpPr>
-        <p:cNvPr id="1" name=""/>
-        <p:cNvGrpSpPr/>
-        <p:nvPr/>
-      </p:nvGrpSpPr>
-      <p:grpSpPr>
-        <a:xfrm>
-          <a:off x="0" y="0"/>
-          <a:ext cx="0" cy="0"/>
-          <a:chOff x="0" y="0"/>
-          <a:chExt cx="0" cy="0"/>
-        </a:xfrm>
-      </p:grpSpPr>
-      <p:sp>
-        <p:nvSpPr>
-          <p:cNvPr id="2" name="Title 1">
-            <a:extLst>
-              <a:ext uri="{FF2B5EF4-FFF2-40B4-BE49-F238E27FC236}">
-                <a16:creationId xmlns:a16="http://schemas.microsoft.com/office/drawing/2014/main" id="{AB41612C-CDF9-4105-A76A-E0AC444F5641}"/>
-              </a:ext>
-            </a:extLst>
-          </p:cNvPr>
-          <p:cNvSpPr>
-            <a:spLocks noGrp="1"/>
-          </p:cNvSpPr>
-          <p:nvPr>
-            <p:ph type="title"/>
-          </p:nvPr>
-        </p:nvSpPr>
-        <p:spPr/>
-        <p:txBody>
-          <a:bodyPr/>
-          <a:lstStyle/>
-          <a:p>
-            <a:r>
-              <a:rPr lang="en-US" dirty="0"/>
-              <a:t>Background and Motivation – LFM Signals</a:t>
-            </a:r>
-          </a:p>
-        </p:txBody>
-      </p:sp>
-      <p:sp>
-        <p:nvSpPr>
-          <p:cNvPr id="3" name="Content Placeholder 2">
-            <a:extLst>
-              <a:ext uri="{FF2B5EF4-FFF2-40B4-BE49-F238E27FC236}">
-                <a16:creationId xmlns:a16="http://schemas.microsoft.com/office/drawing/2014/main" id="{A470BF20-1EA3-41E8-9E42-65E12E31A1AA}"/>
-              </a:ext>
-            </a:extLst>
-          </p:cNvPr>
-          <p:cNvSpPr>
-            <a:spLocks noGrp="1"/>
-          </p:cNvSpPr>
-          <p:nvPr>
-            <p:ph idx="1"/>
-          </p:nvPr>
-        </p:nvSpPr>
-        <p:spPr/>
-        <p:txBody>
-          <a:bodyPr/>
-          <a:lstStyle/>
-          <a:p>
-            <a:r>
-              <a:rPr lang="en-US" b="1" dirty="0"/>
-              <a:t>Linear Frequency Modulated </a:t>
-            </a:r>
-            <a:r>
-              <a:rPr lang="en-US" dirty="0"/>
-              <a:t>signals, or LFM signals, are a type of chirp signal in which the frequency of the signal either increases or decreases in a linear manner over a certain time interval</a:t>
-            </a:r>
-          </a:p>
-        </p:txBody>
-      </p:sp>
-      <p:sp>
-        <p:nvSpPr>
-          <p:cNvPr id="4" name="Date Placeholder 3">
-            <a:extLst>
-              <a:ext uri="{FF2B5EF4-FFF2-40B4-BE49-F238E27FC236}">
-                <a16:creationId xmlns:a16="http://schemas.microsoft.com/office/drawing/2014/main" id="{49F36727-99BC-4C5B-AAE3-B13AA9C619DD}"/>
-              </a:ext>
-            </a:extLst>
-          </p:cNvPr>
-          <p:cNvSpPr>
-            <a:spLocks noGrp="1"/>
-          </p:cNvSpPr>
-          <p:nvPr>
-            <p:ph type="dt" sz="half" idx="10"/>
-          </p:nvPr>
-        </p:nvSpPr>
-        <p:spPr/>
-        <p:txBody>
-          <a:bodyPr/>
-          <a:lstStyle/>
-          <a:p>
-            <a:fld id="{F736EC4A-E5B7-42C2-9943-4D2477F0E2BA}" type="datetime1">
-              <a:rPr lang="en-US" smtClean="0"/>
-              <a:t>9/28/2021</a:t>
-            </a:fld>
-            <a:endParaRPr lang="en-US" dirty="0"/>
-          </a:p>
-        </p:txBody>
-      </p:sp>
-      <p:sp>
-        <p:nvSpPr>
-          <p:cNvPr id="5" name="Footer Placeholder 4">
-            <a:extLst>
-              <a:ext uri="{FF2B5EF4-FFF2-40B4-BE49-F238E27FC236}">
-                <a16:creationId xmlns:a16="http://schemas.microsoft.com/office/drawing/2014/main" id="{33CF2F71-992C-4D6D-94ED-BA14A60B0C74}"/>
-              </a:ext>
-            </a:extLst>
-          </p:cNvPr>
-          <p:cNvSpPr>
-            <a:spLocks noGrp="1"/>
-          </p:cNvSpPr>
-          <p:nvPr>
-            <p:ph type="ftr" sz="quarter" idx="11"/>
-          </p:nvPr>
-        </p:nvSpPr>
-        <p:spPr/>
-        <p:txBody>
-          <a:bodyPr/>
-          <a:lstStyle/>
-          <a:p>
-            <a:r>
-              <a:rPr lang="en-US" dirty="0"/>
-              <a:t>Yarden Akaby &amp; Etai Sella</a:t>
-            </a:r>
-          </a:p>
-        </p:txBody>
-      </p:sp>
-      <p:sp>
-        <p:nvSpPr>
-          <p:cNvPr id="6" name="Slide Number Placeholder 5">
-            <a:extLst>
-              <a:ext uri="{FF2B5EF4-FFF2-40B4-BE49-F238E27FC236}">
-                <a16:creationId xmlns:a16="http://schemas.microsoft.com/office/drawing/2014/main" id="{1E169B89-C40B-43EE-B5FA-F08E04F40685}"/>
-              </a:ext>
-            </a:extLst>
-          </p:cNvPr>
-          <p:cNvSpPr>
-            <a:spLocks noGrp="1"/>
-          </p:cNvSpPr>
-          <p:nvPr>
-            <p:ph type="sldNum" sz="quarter" idx="12"/>
-          </p:nvPr>
-        </p:nvSpPr>
-        <p:spPr/>
-        <p:txBody>
-          <a:bodyPr/>
-          <a:lstStyle/>
-          <a:p>
-            <a:fld id="{C629165E-D59B-453D-B763-34340D7036F6}" type="slidenum">
-              <a:rPr lang="en-US" smtClean="0"/>
-              <a:t>3</a:t>
-            </a:fld>
-            <a:endParaRPr lang="en-US" dirty="0"/>
-          </a:p>
-        </p:txBody>
-      </p:sp>
-      <p:pic>
-        <p:nvPicPr>
-          <p:cNvPr id="8" name="Picture 7" descr="Chart&#10;&#10;Description automatically generated">
-            <a:extLst>
-              <a:ext uri="{FF2B5EF4-FFF2-40B4-BE49-F238E27FC236}">
-                <a16:creationId xmlns:a16="http://schemas.microsoft.com/office/drawing/2014/main" id="{6FAD184A-25BE-41A0-AA27-3CC77F42009A}"/>
-              </a:ext>
-            </a:extLst>
-          </p:cNvPr>
-          <p:cNvPicPr>
-            <a:picLocks noChangeAspect="1"/>
-          </p:cNvPicPr>
-          <p:nvPr/>
-        </p:nvPicPr>
-        <p:blipFill>
-          <a:blip r:embed="rId2">
-            <a:extLst>
-              <a:ext uri="{28A0092B-C50C-407E-A947-70E740481C1C}">
-                <a14:useLocalDpi xmlns:a14="http://schemas.microsoft.com/office/drawing/2010/main" val="0"/>
-              </a:ext>
-            </a:extLst>
-          </a:blip>
-          <a:stretch>
-            <a:fillRect/>
-          </a:stretch>
-        </p:blipFill>
-        <p:spPr>
-          <a:xfrm>
-            <a:off x="2958245" y="3129032"/>
-            <a:ext cx="6275510" cy="2790756"/>
-          </a:xfrm>
-          <a:prstGeom prst="rect">
-            <a:avLst/>
-          </a:prstGeom>
-        </p:spPr>
-      </p:pic>
-    </p:spTree>
-    <p:extLst>
-      <p:ext uri="{BB962C8B-B14F-4D97-AF65-F5344CB8AC3E}">
-        <p14:creationId xmlns:p14="http://schemas.microsoft.com/office/powerpoint/2010/main" val="2083823028"/>
       </p:ext>
     </p:extLst>
   </p:cSld>
@@ -10387,7 +11545,7 @@
             </a:pPr>
             <a:r>
               <a:rPr lang="en-US" dirty="0"/>
-              <a:t>	The classic example of the usage of LFM signals in radar signal 	reconnaissance is transmitting an LFM signal towards a moving object and 	deriving the object's range and radial velocity from the received signal:</a:t>
+              <a:t>	The classic example of the usage of LFM signals in radar signal 	reconnaissance is transmitting an LFM signal towards a moving object and 	deriving the object's range and radial velocity from the received signal</a:t>
             </a:r>
             <a:r>
               <a:rPr lang="en-US" u="sng" dirty="0"/>
@@ -10425,7 +11583,7 @@
           <a:p>
             <a:fld id="{F736EC4A-E5B7-42C2-9943-4D2477F0E2BA}" type="datetime1">
               <a:rPr lang="en-US" smtClean="0"/>
-              <a:t>9/28/2021</a:t>
+              <a:t>9/29/2021</a:t>
             </a:fld>
             <a:endParaRPr lang="en-US" dirty="0"/>
           </a:p>
@@ -10601,7 +11759,7 @@
           <a:p>
             <a:fld id="{F736EC4A-E5B7-42C2-9943-4D2477F0E2BA}" type="datetime1">
               <a:rPr lang="en-US" smtClean="0"/>
-              <a:t>9/28/2021</a:t>
+              <a:t>9/29/2021</a:t>
             </a:fld>
             <a:endParaRPr lang="en-US" dirty="0"/>
           </a:p>
@@ -11070,7 +12228,7 @@
           <a:p>
             <a:fld id="{F736EC4A-E5B7-42C2-9943-4D2477F0E2BA}" type="datetime1">
               <a:rPr lang="en-US" smtClean="0"/>
-              <a:t>9/28/2021</a:t>
+              <a:t>9/29/2021</a:t>
             </a:fld>
             <a:endParaRPr lang="en-US" dirty="0"/>
           </a:p>
@@ -11285,7 +12443,7 @@
           <a:p>
             <a:fld id="{F736EC4A-E5B7-42C2-9943-4D2477F0E2BA}" type="datetime1">
               <a:rPr lang="en-US" smtClean="0"/>
-              <a:t>9/28/2021</a:t>
+              <a:t>9/29/2021</a:t>
             </a:fld>
             <a:endParaRPr lang="en-US" dirty="0"/>
           </a:p>
@@ -11406,8 +12564,8 @@
           </a:p>
         </p:txBody>
       </p:sp>
-      <mc:AlternateContent xmlns:mc="http://schemas.openxmlformats.org/markup-compatibility/2006">
-        <mc:Choice xmlns:a14="http://schemas.microsoft.com/office/drawing/2010/main" Requires="a14">
+      <mc:AlternateContent xmlns:mc="http://schemas.openxmlformats.org/markup-compatibility/2006" xmlns:a14="http://schemas.microsoft.com/office/drawing/2010/main">
+        <mc:Choice Requires="a14">
           <p:sp>
             <p:nvSpPr>
               <p:cNvPr id="3" name="Content Placeholder 2">
@@ -11651,7 +12809,7 @@
             </p:txBody>
           </p:sp>
         </mc:Choice>
-        <mc:Fallback>
+        <mc:Fallback xmlns="">
           <p:sp>
             <p:nvSpPr>
               <p:cNvPr id="3" name="Content Placeholder 2">
@@ -11714,7 +12872,7 @@
           <a:p>
             <a:fld id="{F736EC4A-E5B7-42C2-9943-4D2477F0E2BA}" type="datetime1">
               <a:rPr lang="en-US" smtClean="0"/>
-              <a:t>9/28/2021</a:t>
+              <a:t>9/29/2021</a:t>
             </a:fld>
             <a:endParaRPr lang="en-US" dirty="0"/>
           </a:p>
@@ -11957,7 +13115,7 @@
           <a:p>
             <a:fld id="{F736EC4A-E5B7-42C2-9943-4D2477F0E2BA}" type="datetime1">
               <a:rPr lang="en-US" smtClean="0"/>
-              <a:t>9/28/2021</a:t>
+              <a:t>9/29/2021</a:t>
             </a:fld>
             <a:endParaRPr lang="en-US" dirty="0"/>
           </a:p>
